--- a/chiyama/2014cedec_chiyama.pptx
+++ b/chiyama/2014cedec_chiyama.pptx
@@ -6,10 +6,10 @@
     <p:sldMasterId id="2147483882" r:id="rId2"/>
   </p:sldMasterIdLst>
   <p:notesMasterIdLst>
-    <p:notesMasterId r:id="rId12"/>
+    <p:notesMasterId r:id="rId13"/>
   </p:notesMasterIdLst>
   <p:handoutMasterIdLst>
-    <p:handoutMasterId r:id="rId13"/>
+    <p:handoutMasterId r:id="rId14"/>
   </p:handoutMasterIdLst>
   <p:sldIdLst>
     <p:sldId id="256" r:id="rId3"/>
@@ -20,7 +20,8 @@
     <p:sldId id="263" r:id="rId8"/>
     <p:sldId id="264" r:id="rId9"/>
     <p:sldId id="265" r:id="rId10"/>
-    <p:sldId id="259" r:id="rId11"/>
+    <p:sldId id="266" r:id="rId11"/>
+    <p:sldId id="259" r:id="rId12"/>
   </p:sldIdLst>
   <p:sldSz cx="9144000" cy="5143500" type="screen16x9"/>
   <p:notesSz cx="6802438" cy="9934575"/>
@@ -340,7 +341,7 @@
     </p:spTree>
     <p:extLst>
       <p:ext uri="{BB962C8B-B14F-4D97-AF65-F5344CB8AC3E}">
-        <p14:creationId xmlns="" xmlns:p14="http://schemas.microsoft.com/office/powerpoint/2010/main" val="1198420210"/>
+        <p14:creationId xmlns:p14="http://schemas.microsoft.com/office/powerpoint/2010/main" xmlns="" val="1198420210"/>
       </p:ext>
     </p:extLst>
   </p:cSld>
@@ -684,7 +685,7 @@
     </p:spTree>
     <p:extLst>
       <p:ext uri="{BB962C8B-B14F-4D97-AF65-F5344CB8AC3E}">
-        <p14:creationId xmlns="" xmlns:p14="http://schemas.microsoft.com/office/powerpoint/2010/main" val="2560299808"/>
+        <p14:creationId xmlns:p14="http://schemas.microsoft.com/office/powerpoint/2010/main" xmlns="" val="2560299808"/>
       </p:ext>
     </p:extLst>
   </p:cSld>
@@ -1038,7 +1039,7 @@
           <a:blip r:embed="rId2" cstate="print">
             <a:extLst>
               <a:ext uri="{28A0092B-C50C-407E-A947-70E740481C1C}">
-                <a14:useLocalDpi xmlns="" xmlns:a14="http://schemas.microsoft.com/office/drawing/2010/main" val="0"/>
+                <a14:useLocalDpi xmlns:a14="http://schemas.microsoft.com/office/drawing/2010/main" xmlns="" val="0"/>
               </a:ext>
             </a:extLst>
           </a:blip>
@@ -6952,7 +6953,7 @@
           <a:blip r:embed="rId14" cstate="print">
             <a:extLst>
               <a:ext uri="{28A0092B-C50C-407E-A947-70E740481C1C}">
-                <a14:useLocalDpi xmlns="" xmlns:a14="http://schemas.microsoft.com/office/drawing/2010/main" val="0"/>
+                <a14:useLocalDpi xmlns:a14="http://schemas.microsoft.com/office/drawing/2010/main" xmlns="" val="0"/>
               </a:ext>
             </a:extLst>
           </a:blip>
@@ -7426,7 +7427,7 @@
           <a:blip r:embed="rId13" cstate="print">
             <a:extLst>
               <a:ext uri="{28A0092B-C50C-407E-A947-70E740481C1C}">
-                <a14:useLocalDpi xmlns="" xmlns:a14="http://schemas.microsoft.com/office/drawing/2010/main" val="0"/>
+                <a14:useLocalDpi xmlns:a14="http://schemas.microsoft.com/office/drawing/2010/main" xmlns="" val="0"/>
               </a:ext>
             </a:extLst>
           </a:blip>
@@ -8168,15 +8169,7 @@
           <a:p>
             <a:r>
               <a:rPr lang="ja-JP" altLang="en-US" sz="3200" dirty="0" smtClean="0"/>
-              <a:t>一度作ったものは二度と作らない</a:t>
-            </a:r>
-            <a:r>
-              <a:rPr lang="ja-JP" altLang="en-US" sz="3200" dirty="0" smtClean="0"/>
-              <a:t>。効率的</a:t>
-            </a:r>
-            <a:r>
-              <a:rPr lang="ja-JP" altLang="en-US" sz="3200" dirty="0" smtClean="0"/>
-              <a:t>なプログラミングをおこなうための技術</a:t>
+              <a:t>一度作ったものは二度と作らない。効率的なプログラミングをおこなうための技術</a:t>
             </a:r>
             <a:endParaRPr kumimoji="1" lang="ja-JP" altLang="en-US" sz="3200" dirty="0"/>
           </a:p>
@@ -8212,7 +8205,152 @@
     </p:spTree>
     <p:extLst>
       <p:ext uri="{BB962C8B-B14F-4D97-AF65-F5344CB8AC3E}">
-        <p14:creationId xmlns="" xmlns:p14="http://schemas.microsoft.com/office/powerpoint/2010/main" val="1067862307"/>
+        <p14:creationId xmlns:p14="http://schemas.microsoft.com/office/powerpoint/2010/main" xmlns="" val="1067862307"/>
+      </p:ext>
+    </p:extLst>
+  </p:cSld>
+  <p:clrMapOvr>
+    <a:masterClrMapping/>
+  </p:clrMapOvr>
+</p:sld>
+</file>
+
+<file path=ppt/slides/slide10.xml><?xml version="1.0" encoding="utf-8"?>
+<p:sld xmlns:a="http://schemas.openxmlformats.org/drawingml/2006/main" xmlns:r="http://schemas.openxmlformats.org/officeDocument/2006/relationships" xmlns:p="http://schemas.openxmlformats.org/presentationml/2006/main">
+  <p:cSld>
+    <p:spTree>
+      <p:nvGrpSpPr>
+        <p:cNvPr id="1" name=""/>
+        <p:cNvGrpSpPr/>
+        <p:nvPr/>
+      </p:nvGrpSpPr>
+      <p:grpSpPr>
+        <a:xfrm>
+          <a:off x="0" y="0"/>
+          <a:ext cx="0" cy="0"/>
+          <a:chOff x="0" y="0"/>
+          <a:chExt cx="0" cy="0"/>
+        </a:xfrm>
+      </p:grpSpPr>
+      <p:sp>
+        <p:nvSpPr>
+          <p:cNvPr id="2" name="タイトル 1"/>
+          <p:cNvSpPr>
+            <a:spLocks noGrp="1"/>
+          </p:cNvSpPr>
+          <p:nvPr>
+            <p:ph type="title"/>
+          </p:nvPr>
+        </p:nvSpPr>
+        <p:spPr/>
+        <p:txBody>
+          <a:bodyPr/>
+          <a:lstStyle/>
+          <a:p>
+            <a:pPr algn="ctr"/>
+            <a:r>
+              <a:rPr kumimoji="1" lang="ja-JP" altLang="en-US" sz="4000" dirty="0" smtClean="0">
+                <a:solidFill>
+                  <a:schemeClr val="tx1"/>
+                </a:solidFill>
+                <a:latin typeface="メイリオ" pitchFamily="50" charset="-128"/>
+                <a:ea typeface="メイリオ" pitchFamily="50" charset="-128"/>
+                <a:cs typeface="メイリオ" pitchFamily="50" charset="-128"/>
+              </a:rPr>
+              <a:t>デバッガの活用</a:t>
+            </a:r>
+            <a:endParaRPr kumimoji="1" lang="ja-JP" altLang="en-US" sz="4000" dirty="0">
+              <a:solidFill>
+                <a:schemeClr val="tx1"/>
+              </a:solidFill>
+              <a:latin typeface="メイリオ" pitchFamily="50" charset="-128"/>
+              <a:ea typeface="メイリオ" pitchFamily="50" charset="-128"/>
+              <a:cs typeface="メイリオ" pitchFamily="50" charset="-128"/>
+            </a:endParaRPr>
+          </a:p>
+        </p:txBody>
+      </p:sp>
+      <p:sp>
+        <p:nvSpPr>
+          <p:cNvPr id="3" name="コンテンツ プレースホルダー 2"/>
+          <p:cNvSpPr>
+            <a:spLocks noGrp="1"/>
+          </p:cNvSpPr>
+          <p:nvPr>
+            <p:ph idx="1"/>
+          </p:nvPr>
+        </p:nvSpPr>
+        <p:spPr/>
+        <p:txBody>
+          <a:bodyPr/>
+          <a:lstStyle/>
+          <a:p>
+            <a:endParaRPr kumimoji="1" lang="ja-JP" altLang="en-US" dirty="0"/>
+          </a:p>
+        </p:txBody>
+      </p:sp>
+      <p:sp>
+        <p:nvSpPr>
+          <p:cNvPr id="4" name="日付プレースホルダー 3"/>
+          <p:cNvSpPr>
+            <a:spLocks noGrp="1"/>
+          </p:cNvSpPr>
+          <p:nvPr>
+            <p:ph type="dt" sz="half" idx="10"/>
+          </p:nvPr>
+        </p:nvSpPr>
+        <p:spPr/>
+        <p:txBody>
+          <a:bodyPr/>
+          <a:lstStyle/>
+          <a:p>
+            <a:pPr>
+              <a:defRPr/>
+            </a:pPr>
+            <a:fld id="{A9259AFE-7AC7-4F49-85B9-5B069C761CE3}" type="datetime5">
+              <a:rPr lang="ja-JP" altLang="en-US" smtClean="0"/>
+              <a:pPr>
+                <a:defRPr/>
+              </a:pPr>
+              <a:t>2014/08/16</a:t>
+            </a:fld>
+            <a:endParaRPr lang="ja-JP" altLang="en-US" dirty="0"/>
+          </a:p>
+        </p:txBody>
+      </p:sp>
+      <p:sp>
+        <p:nvSpPr>
+          <p:cNvPr id="6" name="スライド番号プレースホルダー 5"/>
+          <p:cNvSpPr>
+            <a:spLocks noGrp="1"/>
+          </p:cNvSpPr>
+          <p:nvPr>
+            <p:ph type="sldNum" sz="quarter" idx="12"/>
+          </p:nvPr>
+        </p:nvSpPr>
+        <p:spPr/>
+        <p:txBody>
+          <a:bodyPr/>
+          <a:lstStyle/>
+          <a:p>
+            <a:pPr>
+              <a:defRPr/>
+            </a:pPr>
+            <a:fld id="{29799127-F303-4AE7-A969-D0F8A278DEB3}" type="slidenum">
+              <a:rPr lang="ja-JP" altLang="en-US" smtClean="0"/>
+              <a:pPr>
+                <a:defRPr/>
+              </a:pPr>
+              <a:t>10</a:t>
+            </a:fld>
+            <a:endParaRPr lang="ja-JP" altLang="en-US"/>
+          </a:p>
+        </p:txBody>
+      </p:sp>
+    </p:spTree>
+    <p:extLst>
+      <p:ext uri="{BB962C8B-B14F-4D97-AF65-F5344CB8AC3E}">
+        <p14:creationId xmlns:p14="http://schemas.microsoft.com/office/powerpoint/2010/main" xmlns="" val="1890745276"/>
       </p:ext>
     </p:extLst>
   </p:cSld>
@@ -8408,15 +8546,30 @@
                 <a:ea typeface="メイリオ" pitchFamily="50" charset="-128"/>
                 <a:cs typeface="メイリオ" pitchFamily="50" charset="-128"/>
               </a:rPr>
-              <a:t>その子</a:t>
-            </a:r>
+              <a:t>その子二十</a:t>
+            </a:r>
+            <a:endParaRPr lang="en-US" altLang="ja-JP" sz="2000" dirty="0" smtClean="0">
+              <a:latin typeface="メイリオ" pitchFamily="50" charset="-128"/>
+              <a:ea typeface="メイリオ" pitchFamily="50" charset="-128"/>
+              <a:cs typeface="メイリオ" pitchFamily="50" charset="-128"/>
+            </a:endParaRPr>
+          </a:p>
+          <a:p>
             <a:r>
               <a:rPr lang="ja-JP" altLang="en-US" sz="2000" dirty="0" smtClean="0">
                 <a:latin typeface="メイリオ" pitchFamily="50" charset="-128"/>
                 <a:ea typeface="メイリオ" pitchFamily="50" charset="-128"/>
                 <a:cs typeface="メイリオ" pitchFamily="50" charset="-128"/>
               </a:rPr>
-              <a:t>二十</a:t>
+              <a:t>櫛に</a:t>
+            </a:r>
+            <a:r>
+              <a:rPr lang="ja-JP" altLang="en-US" sz="2000" dirty="0" err="1" smtClean="0">
+                <a:latin typeface="メイリオ" pitchFamily="50" charset="-128"/>
+                <a:ea typeface="メイリオ" pitchFamily="50" charset="-128"/>
+                <a:cs typeface="メイリオ" pitchFamily="50" charset="-128"/>
+              </a:rPr>
+              <a:t>ながるる黒髪の</a:t>
             </a:r>
             <a:endParaRPr lang="en-US" altLang="ja-JP" sz="2000" dirty="0" smtClean="0">
               <a:latin typeface="メイリオ" pitchFamily="50" charset="-128"/>
@@ -8431,62 +8584,7 @@
                 <a:ea typeface="メイリオ" pitchFamily="50" charset="-128"/>
                 <a:cs typeface="メイリオ" pitchFamily="50" charset="-128"/>
               </a:rPr>
-              <a:t>櫛</a:t>
-            </a:r>
-            <a:r>
-              <a:rPr lang="ja-JP" altLang="en-US" sz="2000" dirty="0" smtClean="0">
-                <a:latin typeface="メイリオ" pitchFamily="50" charset="-128"/>
-                <a:ea typeface="メイリオ" pitchFamily="50" charset="-128"/>
-                <a:cs typeface="メイリオ" pitchFamily="50" charset="-128"/>
-              </a:rPr>
-              <a:t>に</a:t>
-            </a:r>
-            <a:r>
-              <a:rPr lang="ja-JP" altLang="en-US" sz="2000" dirty="0" err="1" smtClean="0">
-                <a:latin typeface="メイリオ" pitchFamily="50" charset="-128"/>
-                <a:ea typeface="メイリオ" pitchFamily="50" charset="-128"/>
-                <a:cs typeface="メイリオ" pitchFamily="50" charset="-128"/>
-              </a:rPr>
-              <a:t>ながるる黒髪</a:t>
-            </a:r>
-            <a:r>
-              <a:rPr lang="ja-JP" altLang="en-US" sz="2000" dirty="0" err="1" smtClean="0">
-                <a:latin typeface="メイリオ" pitchFamily="50" charset="-128"/>
-                <a:ea typeface="メイリオ" pitchFamily="50" charset="-128"/>
-                <a:cs typeface="メイリオ" pitchFamily="50" charset="-128"/>
-              </a:rPr>
-              <a:t>の</a:t>
-            </a:r>
-            <a:endParaRPr lang="en-US" altLang="ja-JP" sz="2000" dirty="0" smtClean="0">
-              <a:latin typeface="メイリオ" pitchFamily="50" charset="-128"/>
-              <a:ea typeface="メイリオ" pitchFamily="50" charset="-128"/>
-              <a:cs typeface="メイリオ" pitchFamily="50" charset="-128"/>
-            </a:endParaRPr>
-          </a:p>
-          <a:p>
-            <a:r>
-              <a:rPr lang="ja-JP" altLang="en-US" sz="2000" dirty="0" smtClean="0">
-                <a:latin typeface="メイリオ" pitchFamily="50" charset="-128"/>
-                <a:ea typeface="メイリオ" pitchFamily="50" charset="-128"/>
-                <a:cs typeface="メイリオ" pitchFamily="50" charset="-128"/>
-              </a:rPr>
-              <a:t>おごり</a:t>
-            </a:r>
-            <a:r>
-              <a:rPr lang="ja-JP" altLang="en-US" sz="2000" dirty="0" smtClean="0">
-                <a:latin typeface="メイリオ" pitchFamily="50" charset="-128"/>
-                <a:ea typeface="メイリオ" pitchFamily="50" charset="-128"/>
-                <a:cs typeface="メイリオ" pitchFamily="50" charset="-128"/>
-              </a:rPr>
-              <a:t>の春のうつくしき</a:t>
-            </a:r>
-            <a:r>
-              <a:rPr lang="ja-JP" altLang="en-US" sz="2000" dirty="0" smtClean="0">
-                <a:latin typeface="メイリオ" pitchFamily="50" charset="-128"/>
-                <a:ea typeface="メイリオ" pitchFamily="50" charset="-128"/>
-                <a:cs typeface="メイリオ" pitchFamily="50" charset="-128"/>
-              </a:rPr>
-              <a:t>かな</a:t>
+              <a:t>おごりの春のうつくしきかな</a:t>
             </a:r>
             <a:endParaRPr lang="en-US" altLang="ja-JP" sz="2000" dirty="0" smtClean="0">
               <a:latin typeface="メイリオ" pitchFamily="50" charset="-128"/>
@@ -8517,7 +8615,7 @@
     </p:spTree>
     <p:extLst>
       <p:ext uri="{BB962C8B-B14F-4D97-AF65-F5344CB8AC3E}">
-        <p14:creationId xmlns="" xmlns:p14="http://schemas.microsoft.com/office/powerpoint/2010/main" val="1890745276"/>
+        <p14:creationId xmlns:p14="http://schemas.microsoft.com/office/powerpoint/2010/main" xmlns="" val="1890745276"/>
       </p:ext>
     </p:extLst>
   </p:cSld>
@@ -8606,11 +8704,7 @@
           <a:p>
             <a:r>
               <a:rPr lang="ja-JP" altLang="en-US" dirty="0" smtClean="0"/>
-              <a:t>無暗</a:t>
-            </a:r>
-            <a:r>
-              <a:rPr lang="ja-JP" altLang="en-US" dirty="0" smtClean="0"/>
-              <a:t>にコードを改変していませんか</a:t>
+              <a:t>無暗にコードを改変していませんか</a:t>
             </a:r>
             <a:r>
               <a:rPr lang="en-US" altLang="ja-JP" dirty="0" smtClean="0"/>
@@ -8629,7 +8723,22 @@
             <a:pPr lvl="1"/>
             <a:r>
               <a:rPr kumimoji="1" lang="ja-JP" altLang="en-US" dirty="0" smtClean="0"/>
-              <a:t>小手先のテクニックでコードの最適化</a:t>
+              <a:t>小手先のテクニックでコードの</a:t>
+            </a:r>
+            <a:r>
+              <a:rPr kumimoji="1" lang="ja-JP" altLang="en-US" dirty="0" smtClean="0"/>
+              <a:t>最適化</a:t>
+            </a:r>
+            <a:endParaRPr kumimoji="1" lang="en-US" altLang="ja-JP" dirty="0" smtClean="0"/>
+          </a:p>
+          <a:p>
+            <a:r>
+              <a:rPr kumimoji="1" lang="ja-JP" altLang="en-US" dirty="0" smtClean="0"/>
+              <a:t>その改編、本当に意味ありますか</a:t>
+            </a:r>
+            <a:r>
+              <a:rPr kumimoji="1" lang="en-US" altLang="ja-JP" dirty="0" smtClean="0"/>
+              <a:t>?</a:t>
             </a:r>
             <a:endParaRPr kumimoji="1" lang="ja-JP" altLang="en-US" dirty="0"/>
           </a:p>
@@ -8696,7 +8805,7 @@
     </p:spTree>
     <p:extLst>
       <p:ext uri="{BB962C8B-B14F-4D97-AF65-F5344CB8AC3E}">
-        <p14:creationId xmlns="" xmlns:p14="http://schemas.microsoft.com/office/powerpoint/2010/main" val="1890745276"/>
+        <p14:creationId xmlns:p14="http://schemas.microsoft.com/office/powerpoint/2010/main" xmlns="" val="1890745276"/>
       </p:ext>
     </p:extLst>
   </p:cSld>
@@ -8796,11 +8905,7 @@
           <a:p>
             <a:r>
               <a:rPr lang="ja-JP" altLang="en-US" dirty="0" smtClean="0"/>
-              <a:t>どう</a:t>
-            </a:r>
-            <a:r>
-              <a:rPr lang="ja-JP" altLang="en-US" dirty="0" smtClean="0"/>
-              <a:t>やって</a:t>
+              <a:t>どうやって</a:t>
             </a:r>
             <a:r>
               <a:rPr lang="en-US" altLang="ja-JP" dirty="0" smtClean="0"/>
@@ -8810,11 +8915,7 @@
           <a:p>
             <a:r>
               <a:rPr kumimoji="1" lang="ja-JP" altLang="en-US" dirty="0" smtClean="0"/>
-              <a:t>プロファイラ</a:t>
-            </a:r>
-            <a:r>
-              <a:rPr kumimoji="1" lang="ja-JP" altLang="en-US" dirty="0" smtClean="0"/>
-              <a:t>を使用する</a:t>
+              <a:t>プロファイラを使用する</a:t>
             </a:r>
             <a:endParaRPr kumimoji="1" lang="ja-JP" altLang="en-US" dirty="0"/>
           </a:p>
@@ -8881,7 +8982,7 @@
     </p:spTree>
     <p:extLst>
       <p:ext uri="{BB962C8B-B14F-4D97-AF65-F5344CB8AC3E}">
-        <p14:creationId xmlns="" xmlns:p14="http://schemas.microsoft.com/office/powerpoint/2010/main" val="1890745276"/>
+        <p14:creationId xmlns:p14="http://schemas.microsoft.com/office/powerpoint/2010/main" xmlns="" val="1890745276"/>
       </p:ext>
     </p:extLst>
   </p:cSld>
@@ -9006,11 +9107,7 @@
             </a:r>
             <a:r>
               <a:rPr lang="ja-JP" altLang="en-US" dirty="0" smtClean="0"/>
-              <a:t>を</a:t>
-            </a:r>
-            <a:r>
-              <a:rPr lang="ja-JP" altLang="en-US" dirty="0" smtClean="0"/>
-              <a:t>使用する</a:t>
+              <a:t>を使用する</a:t>
             </a:r>
             <a:endParaRPr lang="en-US" altLang="ja-JP" dirty="0" smtClean="0"/>
           </a:p>
@@ -9166,15 +9263,7 @@
                 <a:ea typeface="メイリオ" pitchFamily="50" charset="-128"/>
                 <a:cs typeface="メイリオ" pitchFamily="50" charset="-128"/>
               </a:rPr>
-              <a:t>()')</a:t>
-            </a:r>
-            <a:r>
-              <a:rPr lang="en-US" sz="1200" dirty="0" smtClean="0">
-                <a:latin typeface="メイリオ" pitchFamily="50" charset="-128"/>
-                <a:ea typeface="メイリオ" pitchFamily="50" charset="-128"/>
-                <a:cs typeface="メイリオ" pitchFamily="50" charset="-128"/>
-              </a:rPr>
-              <a:t>　#</a:t>
+              <a:t>()')　#</a:t>
             </a:r>
             <a:r>
               <a:rPr lang="ja-JP" altLang="en-US" sz="1200" dirty="0" smtClean="0">
@@ -9241,11 +9330,7 @@
             </a:r>
             <a:r>
               <a:rPr lang="ja-JP" altLang="en-US" sz="3200" dirty="0" smtClean="0"/>
-              <a:t>を行った際にどの関数でどれだけ処理に時間がかかったかを把握すること</a:t>
-            </a:r>
-            <a:r>
-              <a:rPr lang="ja-JP" altLang="en-US" sz="3200" dirty="0" smtClean="0"/>
-              <a:t>ができる</a:t>
+              <a:t>を行った際にどの関数でどれだけ処理に時間がかかったかを把握することができる</a:t>
             </a:r>
             <a:endParaRPr kumimoji="1" lang="en-US" altLang="ja-JP" sz="3200" b="0" i="0" u="none" strike="noStrike" kern="1200" cap="none" spc="0" normalizeH="0" baseline="0" noProof="0" dirty="0" smtClean="0">
               <a:ln>
@@ -9267,7 +9352,7 @@
     </p:spTree>
     <p:extLst>
       <p:ext uri="{BB962C8B-B14F-4D97-AF65-F5344CB8AC3E}">
-        <p14:creationId xmlns="" xmlns:p14="http://schemas.microsoft.com/office/powerpoint/2010/main" val="1890745276"/>
+        <p14:creationId xmlns:p14="http://schemas.microsoft.com/office/powerpoint/2010/main" xmlns="" val="1890745276"/>
       </p:ext>
     </p:extLst>
   </p:cSld>
@@ -9362,11 +9447,11 @@
             </a:r>
             <a:r>
               <a:rPr lang="ja-JP" altLang="en-US" sz="2000" dirty="0" smtClean="0"/>
-              <a:t>秒かかっていて、</a:t>
+              <a:t>秒かかっていて</a:t>
             </a:r>
             <a:r>
               <a:rPr lang="ja-JP" altLang="en-US" sz="2000" dirty="0" smtClean="0"/>
-              <a:t>その </a:t>
+              <a:t>、 </a:t>
             </a:r>
             <a:r>
               <a:rPr lang="en-US" altLang="ja-JP" sz="2000" dirty="0" err="1" smtClean="0"/>
@@ -9386,15 +9471,7 @@
             </a:r>
             <a:r>
               <a:rPr lang="ja-JP" altLang="en-US" sz="2000" dirty="0" smtClean="0"/>
-              <a:t>秒も</a:t>
-            </a:r>
-            <a:r>
-              <a:rPr lang="ja-JP" altLang="en-US" sz="2000" dirty="0" smtClean="0"/>
-              <a:t>費やして</a:t>
-            </a:r>
-            <a:r>
-              <a:rPr lang="ja-JP" altLang="en-US" sz="2000" dirty="0" smtClean="0"/>
-              <a:t>いる</a:t>
+              <a:t>秒も費やしている</a:t>
             </a:r>
             <a:endParaRPr lang="en-US" altLang="ja-JP" sz="2000" dirty="0" smtClean="0"/>
           </a:p>
@@ -9809,7 +9886,7 @@
     </p:spTree>
     <p:extLst>
       <p:ext uri="{BB962C8B-B14F-4D97-AF65-F5344CB8AC3E}">
-        <p14:creationId xmlns="" xmlns:p14="http://schemas.microsoft.com/office/powerpoint/2010/main" val="1890745276"/>
+        <p14:creationId xmlns:p14="http://schemas.microsoft.com/office/powerpoint/2010/main" xmlns="" val="1890745276"/>
       </p:ext>
     </p:extLst>
   </p:cSld>
@@ -9927,30 +10004,14 @@
             </a:r>
             <a:r>
               <a:rPr lang="ja-JP" altLang="en-US" sz="2800" dirty="0" smtClean="0"/>
-              <a:t>秒も費やして</a:t>
-            </a:r>
+              <a:t>秒も費やしている</a:t>
+            </a:r>
+            <a:endParaRPr lang="en-US" altLang="ja-JP" sz="2800" dirty="0" smtClean="0"/>
+          </a:p>
+          <a:p>
             <a:r>
               <a:rPr lang="ja-JP" altLang="en-US" sz="2800" dirty="0" smtClean="0"/>
-              <a:t>いる</a:t>
-            </a:r>
-            <a:endParaRPr lang="en-US" altLang="ja-JP" sz="2800" dirty="0" smtClean="0"/>
-          </a:p>
-          <a:p>
-            <a:r>
-              <a:rPr lang="ja-JP" altLang="en-US" sz="2800" dirty="0" smtClean="0"/>
-              <a:t>一回</a:t>
-            </a:r>
-            <a:r>
-              <a:rPr lang="ja-JP" altLang="en-US" sz="2800" dirty="0" smtClean="0"/>
-              <a:t>当たりの実行時間はたいした</a:t>
-            </a:r>
-            <a:r>
-              <a:rPr lang="ja-JP" altLang="en-US" sz="2800" dirty="0" smtClean="0"/>
-              <a:t>ことないが</a:t>
-            </a:r>
-            <a:r>
-              <a:rPr lang="ja-JP" altLang="en-US" sz="2800" dirty="0" smtClean="0"/>
-              <a:t>、約 </a:t>
+              <a:t>一回当たりの実行時間はたいしたことないが、約 </a:t>
             </a:r>
             <a:r>
               <a:rPr lang="en-US" altLang="ja-JP" sz="2800" dirty="0" smtClean="0"/>
@@ -9958,11 +10019,7 @@
             </a:r>
             <a:r>
               <a:rPr lang="ja-JP" altLang="en-US" sz="2800" dirty="0" smtClean="0"/>
-              <a:t>万回も</a:t>
-            </a:r>
-            <a:r>
-              <a:rPr lang="ja-JP" altLang="en-US" sz="2800" dirty="0" smtClean="0"/>
-              <a:t>呼ばれている</a:t>
+              <a:t>万回も呼ばれている</a:t>
             </a:r>
             <a:endParaRPr lang="en-US" altLang="ja-JP" sz="2800" dirty="0" smtClean="0"/>
           </a:p>
@@ -9977,11 +10034,7 @@
             </a:r>
             <a:r>
               <a:rPr lang="ja-JP" altLang="en-US" sz="2800" dirty="0" smtClean="0"/>
-              <a:t>の呼び出し</a:t>
-            </a:r>
-            <a:r>
-              <a:rPr lang="ja-JP" altLang="en-US" sz="2800" dirty="0" smtClean="0"/>
-              <a:t>を</a:t>
+              <a:t>の呼び出しを</a:t>
             </a:r>
             <a:r>
               <a:rPr lang="en-US" altLang="ja-JP" sz="2800" dirty="0" smtClean="0"/>
@@ -9989,15 +10042,7 @@
             </a:r>
             <a:r>
               <a:rPr lang="ja-JP" altLang="en-US" sz="2800" dirty="0" smtClean="0"/>
-              <a:t>に減らすことが</a:t>
-            </a:r>
-            <a:r>
-              <a:rPr lang="ja-JP" altLang="en-US" sz="2800" dirty="0" smtClean="0"/>
-              <a:t>できればこの</a:t>
-            </a:r>
-            <a:r>
-              <a:rPr lang="ja-JP" altLang="en-US" sz="2800" dirty="0" smtClean="0"/>
-              <a:t>部分は </a:t>
+              <a:t>に減らすことができればこの部分は </a:t>
             </a:r>
             <a:r>
               <a:rPr lang="en-US" altLang="ja-JP" sz="2800" dirty="0" smtClean="0"/>
@@ -10005,22 +10050,14 @@
             </a:r>
             <a:r>
               <a:rPr lang="ja-JP" altLang="en-US" sz="2800" dirty="0" smtClean="0"/>
-              <a:t>秒と</a:t>
-            </a:r>
+              <a:t>秒となる</a:t>
+            </a:r>
+            <a:endParaRPr lang="en-US" altLang="ja-JP" sz="2800" dirty="0" smtClean="0"/>
+          </a:p>
+          <a:p>
             <a:r>
               <a:rPr lang="ja-JP" altLang="en-US" sz="2800" dirty="0" smtClean="0"/>
-              <a:t>なる</a:t>
-            </a:r>
-            <a:endParaRPr lang="en-US" altLang="ja-JP" sz="2800" dirty="0" smtClean="0"/>
-          </a:p>
-          <a:p>
-            <a:r>
-              <a:rPr lang="ja-JP" altLang="en-US" sz="2800" dirty="0" smtClean="0"/>
-              <a:t>全体</a:t>
-            </a:r>
-            <a:r>
-              <a:rPr lang="ja-JP" altLang="en-US" sz="2800" dirty="0" smtClean="0"/>
-              <a:t>では </a:t>
+              <a:t>全体では </a:t>
             </a:r>
             <a:r>
               <a:rPr lang="en-US" altLang="ja-JP" sz="2800" dirty="0" smtClean="0"/>
@@ -10044,11 +10081,7 @@
             </a:r>
             <a:r>
               <a:rPr lang="ja-JP" altLang="en-US" sz="2800" dirty="0" smtClean="0"/>
-              <a:t>程度の</a:t>
-            </a:r>
-            <a:r>
-              <a:rPr lang="ja-JP" altLang="en-US" sz="2800" dirty="0" smtClean="0"/>
-              <a:t>高速化</a:t>
+              <a:t>程度の高速化</a:t>
             </a:r>
             <a:endParaRPr lang="en-US" altLang="ja-JP" sz="2800" dirty="0" smtClean="0"/>
           </a:p>
@@ -10115,7 +10148,7 @@
     </p:spTree>
     <p:extLst>
       <p:ext uri="{BB962C8B-B14F-4D97-AF65-F5344CB8AC3E}">
-        <p14:creationId xmlns="" xmlns:p14="http://schemas.microsoft.com/office/powerpoint/2010/main" val="1890745276"/>
+        <p14:creationId xmlns:p14="http://schemas.microsoft.com/office/powerpoint/2010/main" xmlns="" val="1890745276"/>
       </p:ext>
     </p:extLst>
   </p:cSld>
@@ -10216,11 +10249,7 @@
           <a:p>
             <a:r>
               <a:rPr lang="ja-JP" altLang="en-US" sz="2800" dirty="0" smtClean="0"/>
-              <a:t>ユーザーに対して</a:t>
-            </a:r>
-            <a:r>
-              <a:rPr lang="ja-JP" altLang="en-US" sz="2800" dirty="0" smtClean="0"/>
-              <a:t>も</a:t>
+              <a:t>ユーザーに対しても</a:t>
             </a:r>
             <a:r>
               <a:rPr lang="en-US" altLang="ja-JP" sz="2800" dirty="0" smtClean="0"/>
@@ -10251,19 +10280,7 @@
           <a:p>
             <a:r>
               <a:rPr lang="ja-JP" altLang="en-US" sz="2800" dirty="0" smtClean="0"/>
-              <a:t>効果</a:t>
-            </a:r>
-            <a:r>
-              <a:rPr lang="ja-JP" altLang="en-US" sz="2800" dirty="0" smtClean="0"/>
-              <a:t>が</a:t>
-            </a:r>
-            <a:r>
-              <a:rPr lang="ja-JP" altLang="en-US" sz="2800" dirty="0" smtClean="0"/>
-              <a:t>出て</a:t>
-            </a:r>
-            <a:r>
-              <a:rPr lang="ja-JP" altLang="en-US" sz="2800" dirty="0" smtClean="0"/>
-              <a:t>いなかったら単なるおまじないを唱えただけなので失敗</a:t>
+              <a:t>効果が出ていなかったら単なるおまじないを唱えただけなので失敗</a:t>
             </a:r>
             <a:endParaRPr lang="en-US" altLang="ja-JP" sz="2800" dirty="0" smtClean="0"/>
           </a:p>
@@ -10345,7 +10362,7 @@
     </p:spTree>
     <p:extLst>
       <p:ext uri="{BB962C8B-B14F-4D97-AF65-F5344CB8AC3E}">
-        <p14:creationId xmlns="" xmlns:p14="http://schemas.microsoft.com/office/powerpoint/2010/main" val="1890745276"/>
+        <p14:creationId xmlns:p14="http://schemas.microsoft.com/office/powerpoint/2010/main" xmlns="" val="1890745276"/>
       </p:ext>
     </p:extLst>
   </p:cSld>
@@ -10397,7 +10414,7 @@
                 <a:ea typeface="メイリオ" pitchFamily="50" charset="-128"/>
                 <a:cs typeface="メイリオ" pitchFamily="50" charset="-128"/>
               </a:rPr>
-              <a:t>デバッガの活用</a:t>
+              <a:t>ログ確認ツール</a:t>
             </a:r>
             <a:endParaRPr kumimoji="1" lang="ja-JP" altLang="en-US" sz="4000" dirty="0">
               <a:solidFill>
@@ -10412,25 +10429,6 @@
       </p:sp>
       <p:sp>
         <p:nvSpPr>
-          <p:cNvPr id="3" name="コンテンツ プレースホルダー 2"/>
-          <p:cNvSpPr>
-            <a:spLocks noGrp="1"/>
-          </p:cNvSpPr>
-          <p:nvPr>
-            <p:ph idx="1"/>
-          </p:nvPr>
-        </p:nvSpPr>
-        <p:spPr/>
-        <p:txBody>
-          <a:bodyPr/>
-          <a:lstStyle/>
-          <a:p>
-            <a:endParaRPr kumimoji="1" lang="ja-JP" altLang="en-US" dirty="0"/>
-          </a:p>
-        </p:txBody>
-      </p:sp>
-      <p:sp>
-        <p:nvSpPr>
           <p:cNvPr id="4" name="日付プレースホルダー 3"/>
           <p:cNvSpPr>
             <a:spLocks noGrp="1"/>
@@ -10487,10 +10485,36 @@
           </a:p>
         </p:txBody>
       </p:sp>
+      <p:pic>
+        <p:nvPicPr>
+          <p:cNvPr id="1027" name="Picture 3" descr="D:\chiyama\Documents\Research\CEDEC2014\chiyama\RunSnakeRun.png"/>
+          <p:cNvPicPr>
+            <a:picLocks noChangeAspect="1" noChangeArrowheads="1"/>
+          </p:cNvPicPr>
+          <p:nvPr/>
+        </p:nvPicPr>
+        <p:blipFill>
+          <a:blip r:embed="rId2"/>
+          <a:srcRect/>
+          <a:stretch>
+            <a:fillRect/>
+          </a:stretch>
+        </p:blipFill>
+        <p:spPr bwMode="auto">
+          <a:xfrm>
+            <a:off x="2044700" y="938226"/>
+            <a:ext cx="5054600" cy="3562350"/>
+          </a:xfrm>
+          <a:prstGeom prst="rect">
+            <a:avLst/>
+          </a:prstGeom>
+          <a:noFill/>
+        </p:spPr>
+      </p:pic>
     </p:spTree>
     <p:extLst>
       <p:ext uri="{BB962C8B-B14F-4D97-AF65-F5344CB8AC3E}">
-        <p14:creationId xmlns="" xmlns:p14="http://schemas.microsoft.com/office/powerpoint/2010/main" val="1890745276"/>
+        <p14:creationId xmlns:p14="http://schemas.microsoft.com/office/powerpoint/2010/main" xmlns="" val="1890745276"/>
       </p:ext>
     </p:extLst>
   </p:cSld>

--- a/chiyama/2014cedec_chiyama.pptx
+++ b/chiyama/2014cedec_chiyama.pptx
@@ -6,10 +6,10 @@
     <p:sldMasterId id="2147483882" r:id="rId2"/>
   </p:sldMasterIdLst>
   <p:notesMasterIdLst>
-    <p:notesMasterId r:id="rId13"/>
+    <p:notesMasterId r:id="rId15"/>
   </p:notesMasterIdLst>
   <p:handoutMasterIdLst>
-    <p:handoutMasterId r:id="rId14"/>
+    <p:handoutMasterId r:id="rId16"/>
   </p:handoutMasterIdLst>
   <p:sldIdLst>
     <p:sldId id="256" r:id="rId3"/>
@@ -20,8 +20,10 @@
     <p:sldId id="263" r:id="rId8"/>
     <p:sldId id="264" r:id="rId9"/>
     <p:sldId id="265" r:id="rId10"/>
-    <p:sldId id="266" r:id="rId11"/>
-    <p:sldId id="259" r:id="rId12"/>
+    <p:sldId id="267" r:id="rId11"/>
+    <p:sldId id="268" r:id="rId12"/>
+    <p:sldId id="266" r:id="rId13"/>
+    <p:sldId id="259" r:id="rId14"/>
   </p:sldIdLst>
   <p:sldSz cx="9144000" cy="5143500" type="screen16x9"/>
   <p:notesSz cx="6802438" cy="9934575"/>
@@ -8168,10 +8170,57 @@
           <a:lstStyle/>
           <a:p>
             <a:r>
-              <a:rPr lang="ja-JP" altLang="en-US" sz="3200" dirty="0" smtClean="0"/>
-              <a:t>一度作ったものは二度と作らない。効率的なプログラミングをおこなうための技術</a:t>
-            </a:r>
-            <a:endParaRPr kumimoji="1" lang="ja-JP" altLang="en-US" sz="3200" dirty="0"/>
+              <a:rPr lang="ja-JP" altLang="en-US" sz="2800" dirty="0" smtClean="0">
+                <a:latin typeface="メイリオ" pitchFamily="50" charset="-128"/>
+                <a:ea typeface="メイリオ" pitchFamily="50" charset="-128"/>
+                <a:cs typeface="メイリオ" pitchFamily="50" charset="-128"/>
+              </a:rPr>
+              <a:t>一度作ったものは二度と作らない</a:t>
+            </a:r>
+            <a:r>
+              <a:rPr lang="ja-JP" altLang="en-US" sz="2800" dirty="0" smtClean="0">
+                <a:latin typeface="メイリオ" pitchFamily="50" charset="-128"/>
+                <a:ea typeface="メイリオ" pitchFamily="50" charset="-128"/>
+                <a:cs typeface="メイリオ" pitchFamily="50" charset="-128"/>
+              </a:rPr>
+              <a:t>。</a:t>
+            </a:r>
+            <a:r>
+              <a:rPr lang="en-US" altLang="ja-JP" sz="2800" dirty="0" smtClean="0">
+                <a:latin typeface="メイリオ" pitchFamily="50" charset="-128"/>
+                <a:ea typeface="メイリオ" pitchFamily="50" charset="-128"/>
+                <a:cs typeface="メイリオ" pitchFamily="50" charset="-128"/>
+              </a:rPr>
+              <a:t/>
+            </a:r>
+            <a:br>
+              <a:rPr lang="en-US" altLang="ja-JP" sz="2800" dirty="0" smtClean="0">
+                <a:latin typeface="メイリオ" pitchFamily="50" charset="-128"/>
+                <a:ea typeface="メイリオ" pitchFamily="50" charset="-128"/>
+                <a:cs typeface="メイリオ" pitchFamily="50" charset="-128"/>
+              </a:rPr>
+            </a:br>
+            <a:r>
+              <a:rPr lang="ja-JP" altLang="en-US" sz="2800" dirty="0" smtClean="0">
+                <a:latin typeface="メイリオ" pitchFamily="50" charset="-128"/>
+                <a:ea typeface="メイリオ" pitchFamily="50" charset="-128"/>
+                <a:cs typeface="メイリオ" pitchFamily="50" charset="-128"/>
+              </a:rPr>
+              <a:t>効率的</a:t>
+            </a:r>
+            <a:r>
+              <a:rPr lang="ja-JP" altLang="en-US" sz="2800" dirty="0" smtClean="0">
+                <a:latin typeface="メイリオ" pitchFamily="50" charset="-128"/>
+                <a:ea typeface="メイリオ" pitchFamily="50" charset="-128"/>
+                <a:cs typeface="メイリオ" pitchFamily="50" charset="-128"/>
+              </a:rPr>
+              <a:t>なプログラミングをおこなうための技術</a:t>
+            </a:r>
+            <a:endParaRPr kumimoji="1" lang="ja-JP" altLang="en-US" sz="2800" dirty="0">
+              <a:latin typeface="メイリオ" pitchFamily="50" charset="-128"/>
+              <a:ea typeface="メイリオ" pitchFamily="50" charset="-128"/>
+              <a:cs typeface="メイリオ" pitchFamily="50" charset="-128"/>
+            </a:endParaRPr>
           </a:p>
         </p:txBody>
       </p:sp>
@@ -8191,14 +8240,26 @@
           <a:lstStyle/>
           <a:p>
             <a:r>
-              <a:rPr kumimoji="1" lang="en-US" altLang="ja-JP" dirty="0" smtClean="0"/>
+              <a:rPr kumimoji="1" lang="en-US" altLang="ja-JP" dirty="0" smtClean="0">
+                <a:latin typeface="メイリオ" pitchFamily="50" charset="-128"/>
+                <a:ea typeface="メイリオ" pitchFamily="50" charset="-128"/>
+                <a:cs typeface="メイリオ" pitchFamily="50" charset="-128"/>
+              </a:rPr>
               <a:t>JCGS </a:t>
             </a:r>
             <a:r>
-              <a:rPr kumimoji="1" lang="ja-JP" altLang="en-US" dirty="0" smtClean="0"/>
+              <a:rPr kumimoji="1" lang="ja-JP" altLang="en-US" dirty="0" smtClean="0">
+                <a:latin typeface="メイリオ" pitchFamily="50" charset="-128"/>
+                <a:ea typeface="メイリオ" pitchFamily="50" charset="-128"/>
+                <a:cs typeface="メイリオ" pitchFamily="50" charset="-128"/>
+              </a:rPr>
               <a:t>痴山紘史</a:t>
             </a:r>
-            <a:endParaRPr kumimoji="1" lang="ja-JP" altLang="en-US" dirty="0"/>
+            <a:endParaRPr kumimoji="1" lang="ja-JP" altLang="en-US" dirty="0">
+              <a:latin typeface="メイリオ" pitchFamily="50" charset="-128"/>
+              <a:ea typeface="メイリオ" pitchFamily="50" charset="-128"/>
+              <a:cs typeface="メイリオ" pitchFamily="50" charset="-128"/>
+            </a:endParaRPr>
           </a:p>
         </p:txBody>
       </p:sp>
@@ -8249,7 +8310,7 @@
           <a:p>
             <a:pPr algn="ctr"/>
             <a:r>
-              <a:rPr kumimoji="1" lang="ja-JP" altLang="en-US" sz="4000" dirty="0" smtClean="0">
+              <a:rPr lang="ja-JP" altLang="en-US" sz="4000" dirty="0" smtClean="0">
                 <a:solidFill>
                   <a:schemeClr val="tx1"/>
                 </a:solidFill>
@@ -8257,7 +8318,7 @@
                 <a:ea typeface="メイリオ" pitchFamily="50" charset="-128"/>
                 <a:cs typeface="メイリオ" pitchFamily="50" charset="-128"/>
               </a:rPr>
-              <a:t>デバッガの活用</a:t>
+              <a:t>環境によるボトルネックの変化</a:t>
             </a:r>
             <a:endParaRPr kumimoji="1" lang="ja-JP" altLang="en-US" sz="4000" dirty="0">
               <a:solidFill>
@@ -8280,12 +8341,210 @@
             <p:ph idx="1"/>
           </p:nvPr>
         </p:nvSpPr>
-        <p:spPr/>
+        <p:spPr>
+          <a:xfrm>
+            <a:off x="457200" y="1891910"/>
+            <a:ext cx="8229600" cy="2751542"/>
+          </a:xfrm>
+        </p:spPr>
         <p:txBody>
           <a:bodyPr/>
           <a:lstStyle/>
           <a:p>
-            <a:endParaRPr kumimoji="1" lang="ja-JP" altLang="en-US" dirty="0"/>
+            <a:r>
+              <a:rPr lang="ja-JP" altLang="en-US" sz="2400" dirty="0" smtClean="0">
+                <a:latin typeface="メイリオ" pitchFamily="50" charset="-128"/>
+                <a:ea typeface="メイリオ" pitchFamily="50" charset="-128"/>
+                <a:cs typeface="メイリオ" pitchFamily="50" charset="-128"/>
+              </a:rPr>
+              <a:t>テスト</a:t>
+            </a:r>
+            <a:r>
+              <a:rPr lang="ja-JP" altLang="en-US" sz="2400" dirty="0" smtClean="0">
+                <a:latin typeface="メイリオ" pitchFamily="50" charset="-128"/>
+                <a:ea typeface="メイリオ" pitchFamily="50" charset="-128"/>
+                <a:cs typeface="メイリオ" pitchFamily="50" charset="-128"/>
+              </a:rPr>
+              <a:t>を行った環境では </a:t>
+            </a:r>
+            <a:r>
+              <a:rPr lang="en-US" altLang="ja-JP" sz="2400" dirty="0" err="1" smtClean="0">
+                <a:latin typeface="メイリオ" pitchFamily="50" charset="-128"/>
+                <a:ea typeface="メイリオ" pitchFamily="50" charset="-128"/>
+                <a:cs typeface="メイリオ" pitchFamily="50" charset="-128"/>
+              </a:rPr>
+              <a:t>nt.stat</a:t>
+            </a:r>
+            <a:r>
+              <a:rPr lang="en-US" altLang="ja-JP" sz="2400" dirty="0" smtClean="0">
+                <a:latin typeface="メイリオ" pitchFamily="50" charset="-128"/>
+                <a:ea typeface="メイリオ" pitchFamily="50" charset="-128"/>
+                <a:cs typeface="メイリオ" pitchFamily="50" charset="-128"/>
+              </a:rPr>
+              <a:t> </a:t>
+            </a:r>
+            <a:r>
+              <a:rPr lang="ja-JP" altLang="en-US" sz="2400" dirty="0" smtClean="0">
+                <a:latin typeface="メイリオ" pitchFamily="50" charset="-128"/>
+                <a:ea typeface="メイリオ" pitchFamily="50" charset="-128"/>
+                <a:cs typeface="メイリオ" pitchFamily="50" charset="-128"/>
+              </a:rPr>
+              <a:t>の速度は十分に速くて大した時間を消費して</a:t>
+            </a:r>
+            <a:r>
+              <a:rPr lang="ja-JP" altLang="en-US" sz="2400" dirty="0" smtClean="0">
+                <a:latin typeface="メイリオ" pitchFamily="50" charset="-128"/>
+                <a:ea typeface="メイリオ" pitchFamily="50" charset="-128"/>
+                <a:cs typeface="メイリオ" pitchFamily="50" charset="-128"/>
+              </a:rPr>
+              <a:t>いない</a:t>
+            </a:r>
+            <a:endParaRPr lang="en-US" altLang="ja-JP" sz="2400" dirty="0" smtClean="0">
+              <a:latin typeface="メイリオ" pitchFamily="50" charset="-128"/>
+              <a:ea typeface="メイリオ" pitchFamily="50" charset="-128"/>
+              <a:cs typeface="メイリオ" pitchFamily="50" charset="-128"/>
+            </a:endParaRPr>
+          </a:p>
+          <a:p>
+            <a:r>
+              <a:rPr lang="en-US" altLang="ja-JP" sz="2400" dirty="0" err="1" smtClean="0">
+                <a:latin typeface="メイリオ" pitchFamily="50" charset="-128"/>
+                <a:ea typeface="メイリオ" pitchFamily="50" charset="-128"/>
+                <a:cs typeface="メイリオ" pitchFamily="50" charset="-128"/>
+              </a:rPr>
+              <a:t>nt.stat</a:t>
+            </a:r>
+            <a:r>
+              <a:rPr lang="en-US" altLang="ja-JP" sz="2400" dirty="0" smtClean="0">
+                <a:latin typeface="メイリオ" pitchFamily="50" charset="-128"/>
+                <a:ea typeface="メイリオ" pitchFamily="50" charset="-128"/>
+                <a:cs typeface="メイリオ" pitchFamily="50" charset="-128"/>
+              </a:rPr>
+              <a:t> </a:t>
+            </a:r>
+            <a:r>
+              <a:rPr lang="ja-JP" altLang="en-US" sz="2400" dirty="0" smtClean="0">
+                <a:latin typeface="メイリオ" pitchFamily="50" charset="-128"/>
+                <a:ea typeface="メイリオ" pitchFamily="50" charset="-128"/>
+                <a:cs typeface="メイリオ" pitchFamily="50" charset="-128"/>
+              </a:rPr>
+              <a:t>の一回あたりの呼び出し時間は </a:t>
+            </a:r>
+            <a:r>
+              <a:rPr lang="en-US" altLang="ja-JP" sz="2400" dirty="0" smtClean="0">
+                <a:latin typeface="メイリオ" pitchFamily="50" charset="-128"/>
+                <a:ea typeface="メイリオ" pitchFamily="50" charset="-128"/>
+                <a:cs typeface="メイリオ" pitchFamily="50" charset="-128"/>
+              </a:rPr>
+              <a:t>3ms</a:t>
+            </a:r>
+            <a:endParaRPr lang="ja-JP" altLang="en-US" sz="2400" dirty="0" smtClean="0">
+              <a:latin typeface="メイリオ" pitchFamily="50" charset="-128"/>
+              <a:ea typeface="メイリオ" pitchFamily="50" charset="-128"/>
+              <a:cs typeface="メイリオ" pitchFamily="50" charset="-128"/>
+            </a:endParaRPr>
+          </a:p>
+          <a:p>
+            <a:r>
+              <a:rPr lang="ja-JP" altLang="en-US" sz="2400" dirty="0" smtClean="0">
+                <a:latin typeface="メイリオ" pitchFamily="50" charset="-128"/>
+                <a:ea typeface="メイリオ" pitchFamily="50" charset="-128"/>
+                <a:cs typeface="メイリオ" pitchFamily="50" charset="-128"/>
+              </a:rPr>
+              <a:t>ネットワークドライブ</a:t>
+            </a:r>
+            <a:r>
+              <a:rPr lang="ja-JP" altLang="en-US" sz="2400" dirty="0" smtClean="0">
+                <a:latin typeface="メイリオ" pitchFamily="50" charset="-128"/>
+                <a:ea typeface="メイリオ" pitchFamily="50" charset="-128"/>
+                <a:cs typeface="メイリオ" pitchFamily="50" charset="-128"/>
+              </a:rPr>
+              <a:t>に対して</a:t>
+            </a:r>
+            <a:r>
+              <a:rPr lang="ja-JP" altLang="en-US" sz="2400" dirty="0" smtClean="0">
+                <a:latin typeface="メイリオ" pitchFamily="50" charset="-128"/>
+                <a:ea typeface="メイリオ" pitchFamily="50" charset="-128"/>
+                <a:cs typeface="メイリオ" pitchFamily="50" charset="-128"/>
+              </a:rPr>
+              <a:t>アクセスして呼び出し毎に </a:t>
+            </a:r>
+            <a:r>
+              <a:rPr lang="en-US" altLang="ja-JP" sz="2400" dirty="0" smtClean="0">
+                <a:latin typeface="メイリオ" pitchFamily="50" charset="-128"/>
+                <a:ea typeface="メイリオ" pitchFamily="50" charset="-128"/>
+                <a:cs typeface="メイリオ" pitchFamily="50" charset="-128"/>
+              </a:rPr>
+              <a:t>30ms </a:t>
+            </a:r>
+            <a:r>
+              <a:rPr lang="ja-JP" altLang="en-US" sz="2400" dirty="0" smtClean="0">
+                <a:latin typeface="メイリオ" pitchFamily="50" charset="-128"/>
+                <a:ea typeface="メイリオ" pitchFamily="50" charset="-128"/>
+                <a:cs typeface="メイリオ" pitchFamily="50" charset="-128"/>
+              </a:rPr>
+              <a:t>かかるとするとトータルで </a:t>
+            </a:r>
+            <a:r>
+              <a:rPr lang="en-US" altLang="ja-JP" sz="2400" dirty="0" smtClean="0">
+                <a:latin typeface="メイリオ" pitchFamily="50" charset="-128"/>
+                <a:ea typeface="メイリオ" pitchFamily="50" charset="-128"/>
+                <a:cs typeface="メイリオ" pitchFamily="50" charset="-128"/>
+              </a:rPr>
+              <a:t>24.6 </a:t>
+            </a:r>
+            <a:r>
+              <a:rPr lang="ja-JP" altLang="en-US" sz="2400" dirty="0" smtClean="0">
+                <a:latin typeface="メイリオ" pitchFamily="50" charset="-128"/>
+                <a:ea typeface="メイリオ" pitchFamily="50" charset="-128"/>
+                <a:cs typeface="メイリオ" pitchFamily="50" charset="-128"/>
+              </a:rPr>
+              <a:t>秒</a:t>
+            </a:r>
+            <a:r>
+              <a:rPr lang="ja-JP" altLang="en-US" sz="2400" dirty="0" smtClean="0">
+                <a:latin typeface="メイリオ" pitchFamily="50" charset="-128"/>
+                <a:ea typeface="メイリオ" pitchFamily="50" charset="-128"/>
+                <a:cs typeface="メイリオ" pitchFamily="50" charset="-128"/>
+              </a:rPr>
+              <a:t>かかる</a:t>
+            </a:r>
+            <a:endParaRPr lang="en-US" altLang="ja-JP" sz="2400" dirty="0" smtClean="0">
+              <a:latin typeface="メイリオ" pitchFamily="50" charset="-128"/>
+              <a:ea typeface="メイリオ" pitchFamily="50" charset="-128"/>
+              <a:cs typeface="メイリオ" pitchFamily="50" charset="-128"/>
+            </a:endParaRPr>
+          </a:p>
+          <a:p>
+            <a:r>
+              <a:rPr lang="ja-JP" altLang="en-US" sz="2400" dirty="0" smtClean="0">
+                <a:latin typeface="メイリオ" pitchFamily="50" charset="-128"/>
+                <a:ea typeface="メイリオ" pitchFamily="50" charset="-128"/>
+                <a:cs typeface="メイリオ" pitchFamily="50" charset="-128"/>
+              </a:rPr>
+              <a:t>全体</a:t>
+            </a:r>
+            <a:r>
+              <a:rPr lang="ja-JP" altLang="en-US" sz="2400" dirty="0" smtClean="0">
+                <a:latin typeface="メイリオ" pitchFamily="50" charset="-128"/>
+                <a:ea typeface="メイリオ" pitchFamily="50" charset="-128"/>
+                <a:cs typeface="メイリオ" pitchFamily="50" charset="-128"/>
+              </a:rPr>
+              <a:t>の実行時間もほぼ倍になって</a:t>
+            </a:r>
+            <a:r>
+              <a:rPr lang="ja-JP" altLang="en-US" sz="2400" dirty="0" smtClean="0">
+                <a:latin typeface="メイリオ" pitchFamily="50" charset="-128"/>
+                <a:ea typeface="メイリオ" pitchFamily="50" charset="-128"/>
+                <a:cs typeface="メイリオ" pitchFamily="50" charset="-128"/>
+              </a:rPr>
+              <a:t>しまう</a:t>
+            </a:r>
+            <a:endParaRPr lang="en-US" altLang="ja-JP" sz="2400" dirty="0" smtClean="0">
+              <a:latin typeface="メイリオ" pitchFamily="50" charset="-128"/>
+              <a:ea typeface="メイリオ" pitchFamily="50" charset="-128"/>
+              <a:cs typeface="メイリオ" pitchFamily="50" charset="-128"/>
+            </a:endParaRPr>
           </a:p>
         </p:txBody>
       </p:sp>
@@ -8308,13 +8567,21 @@
               <a:defRPr/>
             </a:pPr>
             <a:fld id="{A9259AFE-7AC7-4F49-85B9-5B069C761CE3}" type="datetime5">
-              <a:rPr lang="ja-JP" altLang="en-US" smtClean="0"/>
+              <a:rPr lang="ja-JP" altLang="en-US" smtClean="0">
+                <a:latin typeface="メイリオ" pitchFamily="50" charset="-128"/>
+                <a:ea typeface="メイリオ" pitchFamily="50" charset="-128"/>
+                <a:cs typeface="メイリオ" pitchFamily="50" charset="-128"/>
+              </a:rPr>
               <a:pPr>
                 <a:defRPr/>
               </a:pPr>
               <a:t>2014/08/16</a:t>
             </a:fld>
-            <a:endParaRPr lang="ja-JP" altLang="en-US" dirty="0"/>
+            <a:endParaRPr lang="ja-JP" altLang="en-US" dirty="0">
+              <a:latin typeface="メイリオ" pitchFamily="50" charset="-128"/>
+              <a:ea typeface="メイリオ" pitchFamily="50" charset="-128"/>
+              <a:cs typeface="メイリオ" pitchFamily="50" charset="-128"/>
+            </a:endParaRPr>
           </a:p>
         </p:txBody>
       </p:sp>
@@ -8337,13 +8604,486 @@
               <a:defRPr/>
             </a:pPr>
             <a:fld id="{29799127-F303-4AE7-A969-D0F8A278DEB3}" type="slidenum">
-              <a:rPr lang="ja-JP" altLang="en-US" smtClean="0"/>
+              <a:rPr lang="ja-JP" altLang="en-US" smtClean="0">
+                <a:latin typeface="メイリオ" pitchFamily="50" charset="-128"/>
+                <a:ea typeface="メイリオ" pitchFamily="50" charset="-128"/>
+                <a:cs typeface="メイリオ" pitchFamily="50" charset="-128"/>
+              </a:rPr>
               <a:pPr>
                 <a:defRPr/>
               </a:pPr>
               <a:t>10</a:t>
             </a:fld>
-            <a:endParaRPr lang="ja-JP" altLang="en-US"/>
+            <a:endParaRPr lang="ja-JP" altLang="en-US">
+              <a:latin typeface="メイリオ" pitchFamily="50" charset="-128"/>
+              <a:ea typeface="メイリオ" pitchFamily="50" charset="-128"/>
+              <a:cs typeface="メイリオ" pitchFamily="50" charset="-128"/>
+            </a:endParaRPr>
+          </a:p>
+        </p:txBody>
+      </p:sp>
+      <p:sp>
+        <p:nvSpPr>
+          <p:cNvPr id="7" name="テキスト ボックス 6"/>
+          <p:cNvSpPr txBox="1"/>
+          <p:nvPr/>
+        </p:nvSpPr>
+        <p:spPr>
+          <a:xfrm>
+            <a:off x="714348" y="1428742"/>
+            <a:ext cx="7143800" cy="276999"/>
+          </a:xfrm>
+          <a:prstGeom prst="rect">
+            <a:avLst/>
+          </a:prstGeom>
+          <a:solidFill>
+            <a:schemeClr val="bg1">
+              <a:lumMod val="85000"/>
+            </a:schemeClr>
+          </a:solidFill>
+          <a:ln>
+            <a:solidFill>
+              <a:schemeClr val="tx1"/>
+            </a:solidFill>
+          </a:ln>
+        </p:spPr>
+        <p:txBody>
+          <a:bodyPr wrap="square" rtlCol="0">
+            <a:spAutoFit/>
+          </a:bodyPr>
+          <a:lstStyle/>
+          <a:p>
+            <a:r>
+              <a:rPr lang="en-US" sz="1200" dirty="0" smtClean="0">
+                <a:latin typeface="メイリオ" pitchFamily="50" charset="-128"/>
+                <a:ea typeface="メイリオ" pitchFamily="50" charset="-128"/>
+                <a:cs typeface="メイリオ" pitchFamily="50" charset="-128"/>
+              </a:rPr>
+              <a:t>983    2.458    0.003    2.458    0.003 {</a:t>
+            </a:r>
+            <a:r>
+              <a:rPr lang="en-US" sz="1200" dirty="0" err="1" smtClean="0">
+                <a:latin typeface="メイリオ" pitchFamily="50" charset="-128"/>
+                <a:ea typeface="メイリオ" pitchFamily="50" charset="-128"/>
+                <a:cs typeface="メイリオ" pitchFamily="50" charset="-128"/>
+              </a:rPr>
+              <a:t>nt.stat</a:t>
+            </a:r>
+            <a:r>
+              <a:rPr lang="en-US" sz="1200" dirty="0" smtClean="0">
+                <a:latin typeface="メイリオ" pitchFamily="50" charset="-128"/>
+                <a:ea typeface="メイリオ" pitchFamily="50" charset="-128"/>
+                <a:cs typeface="メイリオ" pitchFamily="50" charset="-128"/>
+              </a:rPr>
+              <a:t>}</a:t>
+            </a:r>
+            <a:endParaRPr kumimoji="1" lang="ja-JP" altLang="en-US" sz="1200" dirty="0">
+              <a:latin typeface="メイリオ" pitchFamily="50" charset="-128"/>
+              <a:ea typeface="メイリオ" pitchFamily="50" charset="-128"/>
+              <a:cs typeface="メイリオ" pitchFamily="50" charset="-128"/>
+            </a:endParaRPr>
+          </a:p>
+        </p:txBody>
+      </p:sp>
+      <p:sp>
+        <p:nvSpPr>
+          <p:cNvPr id="8" name="コンテンツ プレースホルダー 2"/>
+          <p:cNvSpPr txBox="1">
+            <a:spLocks/>
+          </p:cNvSpPr>
+          <p:nvPr/>
+        </p:nvSpPr>
+        <p:spPr bwMode="auto">
+          <a:xfrm>
+            <a:off x="457200" y="928676"/>
+            <a:ext cx="8229600" cy="490541"/>
+          </a:xfrm>
+          <a:prstGeom prst="rect">
+            <a:avLst/>
+          </a:prstGeom>
+          <a:noFill/>
+          <a:ln w="9525">
+            <a:noFill/>
+            <a:miter lim="800000"/>
+            <a:headEnd/>
+            <a:tailEnd/>
+          </a:ln>
+        </p:spPr>
+        <p:txBody>
+          <a:bodyPr vert="horz" wrap="square" lIns="91440" tIns="45720" rIns="91440" bIns="45720" numCol="1" anchor="t" anchorCtr="0" compatLnSpc="1">
+            <a:prstTxWarp prst="textNoShape">
+              <a:avLst/>
+            </a:prstTxWarp>
+          </a:bodyPr>
+          <a:lstStyle/>
+          <a:p>
+            <a:pPr marL="342900" marR="0" lvl="0" indent="-342900" algn="l" defTabSz="914400" rtl="0" eaLnBrk="0" fontAlgn="base" latinLnBrk="0" hangingPunct="0">
+              <a:lnSpc>
+                <a:spcPct val="100000"/>
+              </a:lnSpc>
+              <a:spcBef>
+                <a:spcPct val="20000"/>
+              </a:spcBef>
+              <a:spcAft>
+                <a:spcPct val="0"/>
+              </a:spcAft>
+              <a:buClrTx/>
+              <a:buSzTx/>
+              <a:buFont typeface="Arial" charset="0"/>
+              <a:buChar char="•"/>
+              <a:tabLst/>
+              <a:defRPr/>
+            </a:pPr>
+            <a:r>
+              <a:rPr kumimoji="1" lang="ja-JP" altLang="en-US" sz="2400" b="0" i="0" u="none" strike="noStrike" kern="1200" cap="none" spc="0" normalizeH="0" baseline="0" noProof="0" dirty="0" smtClean="0">
+                <a:ln>
+                  <a:noFill/>
+                </a:ln>
+                <a:solidFill>
+                  <a:schemeClr val="tx1"/>
+                </a:solidFill>
+                <a:effectLst/>
+                <a:uLnTx/>
+                <a:uFillTx/>
+                <a:latin typeface="メイリオ" pitchFamily="50" charset="-128"/>
+                <a:ea typeface="メイリオ" pitchFamily="50" charset="-128"/>
+                <a:cs typeface="メイリオ" pitchFamily="50" charset="-128"/>
+              </a:rPr>
+              <a:t>ボトルネックは、環境によっても変化する</a:t>
+            </a:r>
+          </a:p>
+        </p:txBody>
+      </p:sp>
+    </p:spTree>
+    <p:extLst>
+      <p:ext uri="{BB962C8B-B14F-4D97-AF65-F5344CB8AC3E}">
+        <p14:creationId xmlns:p14="http://schemas.microsoft.com/office/powerpoint/2010/main" xmlns="" val="1890745276"/>
+      </p:ext>
+    </p:extLst>
+  </p:cSld>
+  <p:clrMapOvr>
+    <a:masterClrMapping/>
+  </p:clrMapOvr>
+</p:sld>
+</file>
+
+<file path=ppt/slides/slide11.xml><?xml version="1.0" encoding="utf-8"?>
+<p:sld xmlns:a="http://schemas.openxmlformats.org/drawingml/2006/main" xmlns:r="http://schemas.openxmlformats.org/officeDocument/2006/relationships" xmlns:p="http://schemas.openxmlformats.org/presentationml/2006/main">
+  <p:cSld>
+    <p:spTree>
+      <p:nvGrpSpPr>
+        <p:cNvPr id="1" name=""/>
+        <p:cNvGrpSpPr/>
+        <p:nvPr/>
+      </p:nvGrpSpPr>
+      <p:grpSpPr>
+        <a:xfrm>
+          <a:off x="0" y="0"/>
+          <a:ext cx="0" cy="0"/>
+          <a:chOff x="0" y="0"/>
+          <a:chExt cx="0" cy="0"/>
+        </a:xfrm>
+      </p:grpSpPr>
+      <p:sp>
+        <p:nvSpPr>
+          <p:cNvPr id="2" name="タイトル 1"/>
+          <p:cNvSpPr>
+            <a:spLocks noGrp="1"/>
+          </p:cNvSpPr>
+          <p:nvPr>
+            <p:ph type="title"/>
+          </p:nvPr>
+        </p:nvSpPr>
+        <p:spPr/>
+        <p:txBody>
+          <a:bodyPr/>
+          <a:lstStyle/>
+          <a:p>
+            <a:pPr algn="ctr"/>
+            <a:r>
+              <a:rPr kumimoji="1" lang="ja-JP" altLang="en-US" sz="4000" dirty="0" smtClean="0">
+                <a:solidFill>
+                  <a:schemeClr val="tx1"/>
+                </a:solidFill>
+                <a:latin typeface="メイリオ" pitchFamily="50" charset="-128"/>
+                <a:ea typeface="メイリオ" pitchFamily="50" charset="-128"/>
+                <a:cs typeface="メイリオ" pitchFamily="50" charset="-128"/>
+              </a:rPr>
+              <a:t>ログ確認ツール</a:t>
+            </a:r>
+            <a:endParaRPr kumimoji="1" lang="ja-JP" altLang="en-US" sz="4000" dirty="0">
+              <a:solidFill>
+                <a:schemeClr val="tx1"/>
+              </a:solidFill>
+              <a:latin typeface="メイリオ" pitchFamily="50" charset="-128"/>
+              <a:ea typeface="メイリオ" pitchFamily="50" charset="-128"/>
+              <a:cs typeface="メイリオ" pitchFamily="50" charset="-128"/>
+            </a:endParaRPr>
+          </a:p>
+        </p:txBody>
+      </p:sp>
+      <p:sp>
+        <p:nvSpPr>
+          <p:cNvPr id="4" name="日付プレースホルダー 3"/>
+          <p:cNvSpPr>
+            <a:spLocks noGrp="1"/>
+          </p:cNvSpPr>
+          <p:nvPr>
+            <p:ph type="dt" sz="half" idx="10"/>
+          </p:nvPr>
+        </p:nvSpPr>
+        <p:spPr/>
+        <p:txBody>
+          <a:bodyPr/>
+          <a:lstStyle/>
+          <a:p>
+            <a:pPr>
+              <a:defRPr/>
+            </a:pPr>
+            <a:fld id="{A9259AFE-7AC7-4F49-85B9-5B069C761CE3}" type="datetime5">
+              <a:rPr lang="ja-JP" altLang="en-US" smtClean="0">
+                <a:latin typeface="メイリオ" pitchFamily="50" charset="-128"/>
+                <a:ea typeface="メイリオ" pitchFamily="50" charset="-128"/>
+                <a:cs typeface="メイリオ" pitchFamily="50" charset="-128"/>
+              </a:rPr>
+              <a:pPr>
+                <a:defRPr/>
+              </a:pPr>
+              <a:t>2014/08/16</a:t>
+            </a:fld>
+            <a:endParaRPr lang="ja-JP" altLang="en-US" dirty="0">
+              <a:latin typeface="メイリオ" pitchFamily="50" charset="-128"/>
+              <a:ea typeface="メイリオ" pitchFamily="50" charset="-128"/>
+              <a:cs typeface="メイリオ" pitchFamily="50" charset="-128"/>
+            </a:endParaRPr>
+          </a:p>
+        </p:txBody>
+      </p:sp>
+      <p:sp>
+        <p:nvSpPr>
+          <p:cNvPr id="6" name="スライド番号プレースホルダー 5"/>
+          <p:cNvSpPr>
+            <a:spLocks noGrp="1"/>
+          </p:cNvSpPr>
+          <p:nvPr>
+            <p:ph type="sldNum" sz="quarter" idx="12"/>
+          </p:nvPr>
+        </p:nvSpPr>
+        <p:spPr/>
+        <p:txBody>
+          <a:bodyPr/>
+          <a:lstStyle/>
+          <a:p>
+            <a:pPr>
+              <a:defRPr/>
+            </a:pPr>
+            <a:fld id="{29799127-F303-4AE7-A969-D0F8A278DEB3}" type="slidenum">
+              <a:rPr lang="ja-JP" altLang="en-US" smtClean="0">
+                <a:latin typeface="メイリオ" pitchFamily="50" charset="-128"/>
+                <a:ea typeface="メイリオ" pitchFamily="50" charset="-128"/>
+                <a:cs typeface="メイリオ" pitchFamily="50" charset="-128"/>
+              </a:rPr>
+              <a:pPr>
+                <a:defRPr/>
+              </a:pPr>
+              <a:t>11</a:t>
+            </a:fld>
+            <a:endParaRPr lang="ja-JP" altLang="en-US">
+              <a:latin typeface="メイリオ" pitchFamily="50" charset="-128"/>
+              <a:ea typeface="メイリオ" pitchFamily="50" charset="-128"/>
+              <a:cs typeface="メイリオ" pitchFamily="50" charset="-128"/>
+            </a:endParaRPr>
+          </a:p>
+        </p:txBody>
+      </p:sp>
+      <p:pic>
+        <p:nvPicPr>
+          <p:cNvPr id="1027" name="Picture 3" descr="D:\chiyama\Documents\Research\CEDEC2014\chiyama\RunSnakeRun.png"/>
+          <p:cNvPicPr>
+            <a:picLocks noChangeAspect="1" noChangeArrowheads="1"/>
+          </p:cNvPicPr>
+          <p:nvPr/>
+        </p:nvPicPr>
+        <p:blipFill>
+          <a:blip r:embed="rId2"/>
+          <a:srcRect/>
+          <a:stretch>
+            <a:fillRect/>
+          </a:stretch>
+        </p:blipFill>
+        <p:spPr bwMode="auto">
+          <a:xfrm>
+            <a:off x="2044700" y="938226"/>
+            <a:ext cx="5054600" cy="3562350"/>
+          </a:xfrm>
+          <a:prstGeom prst="rect">
+            <a:avLst/>
+          </a:prstGeom>
+          <a:noFill/>
+        </p:spPr>
+      </p:pic>
+    </p:spTree>
+    <p:extLst>
+      <p:ext uri="{BB962C8B-B14F-4D97-AF65-F5344CB8AC3E}">
+        <p14:creationId xmlns:p14="http://schemas.microsoft.com/office/powerpoint/2010/main" xmlns="" val="1890745276"/>
+      </p:ext>
+    </p:extLst>
+  </p:cSld>
+  <p:clrMapOvr>
+    <a:masterClrMapping/>
+  </p:clrMapOvr>
+</p:sld>
+</file>
+
+<file path=ppt/slides/slide12.xml><?xml version="1.0" encoding="utf-8"?>
+<p:sld xmlns:a="http://schemas.openxmlformats.org/drawingml/2006/main" xmlns:r="http://schemas.openxmlformats.org/officeDocument/2006/relationships" xmlns:p="http://schemas.openxmlformats.org/presentationml/2006/main">
+  <p:cSld>
+    <p:spTree>
+      <p:nvGrpSpPr>
+        <p:cNvPr id="1" name=""/>
+        <p:cNvGrpSpPr/>
+        <p:nvPr/>
+      </p:nvGrpSpPr>
+      <p:grpSpPr>
+        <a:xfrm>
+          <a:off x="0" y="0"/>
+          <a:ext cx="0" cy="0"/>
+          <a:chOff x="0" y="0"/>
+          <a:chExt cx="0" cy="0"/>
+        </a:xfrm>
+      </p:grpSpPr>
+      <p:sp>
+        <p:nvSpPr>
+          <p:cNvPr id="2" name="タイトル 1"/>
+          <p:cNvSpPr>
+            <a:spLocks noGrp="1"/>
+          </p:cNvSpPr>
+          <p:nvPr>
+            <p:ph type="title"/>
+          </p:nvPr>
+        </p:nvSpPr>
+        <p:spPr/>
+        <p:txBody>
+          <a:bodyPr/>
+          <a:lstStyle/>
+          <a:p>
+            <a:pPr algn="ctr"/>
+            <a:r>
+              <a:rPr kumimoji="1" lang="ja-JP" altLang="en-US" sz="4000" dirty="0" smtClean="0">
+                <a:solidFill>
+                  <a:schemeClr val="tx1"/>
+                </a:solidFill>
+                <a:latin typeface="メイリオ" pitchFamily="50" charset="-128"/>
+                <a:ea typeface="メイリオ" pitchFamily="50" charset="-128"/>
+                <a:cs typeface="メイリオ" pitchFamily="50" charset="-128"/>
+              </a:rPr>
+              <a:t>デバッガの活用</a:t>
+            </a:r>
+            <a:endParaRPr kumimoji="1" lang="ja-JP" altLang="en-US" sz="4000" dirty="0">
+              <a:solidFill>
+                <a:schemeClr val="tx1"/>
+              </a:solidFill>
+              <a:latin typeface="メイリオ" pitchFamily="50" charset="-128"/>
+              <a:ea typeface="メイリオ" pitchFamily="50" charset="-128"/>
+              <a:cs typeface="メイリオ" pitchFamily="50" charset="-128"/>
+            </a:endParaRPr>
+          </a:p>
+        </p:txBody>
+      </p:sp>
+      <p:sp>
+        <p:nvSpPr>
+          <p:cNvPr id="3" name="コンテンツ プレースホルダー 2"/>
+          <p:cNvSpPr>
+            <a:spLocks noGrp="1"/>
+          </p:cNvSpPr>
+          <p:nvPr>
+            <p:ph idx="1"/>
+          </p:nvPr>
+        </p:nvSpPr>
+        <p:spPr/>
+        <p:txBody>
+          <a:bodyPr/>
+          <a:lstStyle/>
+          <a:p>
+            <a:endParaRPr kumimoji="1" lang="ja-JP" altLang="en-US" dirty="0">
+              <a:latin typeface="メイリオ" pitchFamily="50" charset="-128"/>
+              <a:ea typeface="メイリオ" pitchFamily="50" charset="-128"/>
+              <a:cs typeface="メイリオ" pitchFamily="50" charset="-128"/>
+            </a:endParaRPr>
+          </a:p>
+        </p:txBody>
+      </p:sp>
+      <p:sp>
+        <p:nvSpPr>
+          <p:cNvPr id="4" name="日付プレースホルダー 3"/>
+          <p:cNvSpPr>
+            <a:spLocks noGrp="1"/>
+          </p:cNvSpPr>
+          <p:nvPr>
+            <p:ph type="dt" sz="half" idx="10"/>
+          </p:nvPr>
+        </p:nvSpPr>
+        <p:spPr/>
+        <p:txBody>
+          <a:bodyPr/>
+          <a:lstStyle/>
+          <a:p>
+            <a:pPr>
+              <a:defRPr/>
+            </a:pPr>
+            <a:fld id="{A9259AFE-7AC7-4F49-85B9-5B069C761CE3}" type="datetime5">
+              <a:rPr lang="ja-JP" altLang="en-US" smtClean="0">
+                <a:latin typeface="メイリオ" pitchFamily="50" charset="-128"/>
+                <a:ea typeface="メイリオ" pitchFamily="50" charset="-128"/>
+                <a:cs typeface="メイリオ" pitchFamily="50" charset="-128"/>
+              </a:rPr>
+              <a:pPr>
+                <a:defRPr/>
+              </a:pPr>
+              <a:t>2014/08/16</a:t>
+            </a:fld>
+            <a:endParaRPr lang="ja-JP" altLang="en-US" dirty="0">
+              <a:latin typeface="メイリオ" pitchFamily="50" charset="-128"/>
+              <a:ea typeface="メイリオ" pitchFamily="50" charset="-128"/>
+              <a:cs typeface="メイリオ" pitchFamily="50" charset="-128"/>
+            </a:endParaRPr>
+          </a:p>
+        </p:txBody>
+      </p:sp>
+      <p:sp>
+        <p:nvSpPr>
+          <p:cNvPr id="6" name="スライド番号プレースホルダー 5"/>
+          <p:cNvSpPr>
+            <a:spLocks noGrp="1"/>
+          </p:cNvSpPr>
+          <p:nvPr>
+            <p:ph type="sldNum" sz="quarter" idx="12"/>
+          </p:nvPr>
+        </p:nvSpPr>
+        <p:spPr/>
+        <p:txBody>
+          <a:bodyPr/>
+          <a:lstStyle/>
+          <a:p>
+            <a:pPr>
+              <a:defRPr/>
+            </a:pPr>
+            <a:fld id="{29799127-F303-4AE7-A969-D0F8A278DEB3}" type="slidenum">
+              <a:rPr lang="ja-JP" altLang="en-US" smtClean="0">
+                <a:latin typeface="メイリオ" pitchFamily="50" charset="-128"/>
+                <a:ea typeface="メイリオ" pitchFamily="50" charset="-128"/>
+                <a:cs typeface="メイリオ" pitchFamily="50" charset="-128"/>
+              </a:rPr>
+              <a:pPr>
+                <a:defRPr/>
+              </a:pPr>
+              <a:t>12</a:t>
+            </a:fld>
+            <a:endParaRPr lang="ja-JP" altLang="en-US">
+              <a:latin typeface="メイリオ" pitchFamily="50" charset="-128"/>
+              <a:ea typeface="メイリオ" pitchFamily="50" charset="-128"/>
+              <a:cs typeface="メイリオ" pitchFamily="50" charset="-128"/>
+            </a:endParaRPr>
           </a:p>
         </p:txBody>
       </p:sp>
@@ -8439,14 +9179,26 @@
               <a:buNone/>
             </a:pPr>
             <a:r>
-              <a:rPr kumimoji="1" lang="ja-JP" altLang="en-US" sz="2000" dirty="0" smtClean="0"/>
+              <a:rPr kumimoji="1" lang="ja-JP" altLang="en-US" sz="2000" dirty="0" smtClean="0">
+                <a:latin typeface="メイリオ" pitchFamily="50" charset="-128"/>
+                <a:ea typeface="メイリオ" pitchFamily="50" charset="-128"/>
+                <a:cs typeface="メイリオ" pitchFamily="50" charset="-128"/>
+              </a:rPr>
               <a:t>おねえちゃん</a:t>
             </a:r>
             <a:r>
-              <a:rPr lang="ja-JP" altLang="en-US" sz="2000" dirty="0" smtClean="0"/>
+              <a:rPr lang="ja-JP" altLang="en-US" sz="2000" dirty="0" smtClean="0">
+                <a:latin typeface="メイリオ" pitchFamily="50" charset="-128"/>
+                <a:ea typeface="メイリオ" pitchFamily="50" charset="-128"/>
+                <a:cs typeface="メイリオ" pitchFamily="50" charset="-128"/>
+              </a:rPr>
               <a:t>の髪はとても黒くて綺麗です</a:t>
             </a:r>
-            <a:endParaRPr lang="en-US" altLang="ja-JP" sz="2000" dirty="0" smtClean="0"/>
+            <a:endParaRPr lang="en-US" altLang="ja-JP" sz="2000" dirty="0" smtClean="0">
+              <a:latin typeface="メイリオ" pitchFamily="50" charset="-128"/>
+              <a:ea typeface="メイリオ" pitchFamily="50" charset="-128"/>
+              <a:cs typeface="メイリオ" pitchFamily="50" charset="-128"/>
+            </a:endParaRPr>
           </a:p>
         </p:txBody>
       </p:sp>
@@ -8469,13 +9221,21 @@
               <a:defRPr/>
             </a:pPr>
             <a:fld id="{A9259AFE-7AC7-4F49-85B9-5B069C761CE3}" type="datetime5">
-              <a:rPr lang="ja-JP" altLang="en-US" smtClean="0"/>
+              <a:rPr lang="ja-JP" altLang="en-US" smtClean="0">
+                <a:latin typeface="メイリオ" pitchFamily="50" charset="-128"/>
+                <a:ea typeface="メイリオ" pitchFamily="50" charset="-128"/>
+                <a:cs typeface="メイリオ" pitchFamily="50" charset="-128"/>
+              </a:rPr>
               <a:pPr>
                 <a:defRPr/>
               </a:pPr>
               <a:t>2014/08/16</a:t>
             </a:fld>
-            <a:endParaRPr lang="ja-JP" altLang="en-US" dirty="0"/>
+            <a:endParaRPr lang="ja-JP" altLang="en-US" dirty="0">
+              <a:latin typeface="メイリオ" pitchFamily="50" charset="-128"/>
+              <a:ea typeface="メイリオ" pitchFamily="50" charset="-128"/>
+              <a:cs typeface="メイリオ" pitchFamily="50" charset="-128"/>
+            </a:endParaRPr>
           </a:p>
         </p:txBody>
       </p:sp>
@@ -8498,13 +9258,21 @@
               <a:defRPr/>
             </a:pPr>
             <a:fld id="{29799127-F303-4AE7-A969-D0F8A278DEB3}" type="slidenum">
-              <a:rPr lang="ja-JP" altLang="en-US" smtClean="0"/>
+              <a:rPr lang="ja-JP" altLang="en-US" smtClean="0">
+                <a:latin typeface="メイリオ" pitchFamily="50" charset="-128"/>
+                <a:ea typeface="メイリオ" pitchFamily="50" charset="-128"/>
+                <a:cs typeface="メイリオ" pitchFamily="50" charset="-128"/>
+              </a:rPr>
               <a:pPr>
                 <a:defRPr/>
               </a:pPr>
               <a:t>2</a:t>
             </a:fld>
-            <a:endParaRPr lang="ja-JP" altLang="en-US"/>
+            <a:endParaRPr lang="ja-JP" altLang="en-US">
+              <a:latin typeface="メイリオ" pitchFamily="50" charset="-128"/>
+              <a:ea typeface="メイリオ" pitchFamily="50" charset="-128"/>
+              <a:cs typeface="メイリオ" pitchFamily="50" charset="-128"/>
+            </a:endParaRPr>
           </a:p>
         </p:txBody>
       </p:sp>
@@ -8696,51 +9464,99 @@
           <a:lstStyle/>
           <a:p>
             <a:r>
-              <a:rPr kumimoji="1" lang="ja-JP" altLang="en-US" dirty="0" smtClean="0"/>
+              <a:rPr kumimoji="1" lang="ja-JP" altLang="en-US" dirty="0" smtClean="0">
+                <a:latin typeface="メイリオ" pitchFamily="50" charset="-128"/>
+                <a:ea typeface="メイリオ" pitchFamily="50" charset="-128"/>
+                <a:cs typeface="メイリオ" pitchFamily="50" charset="-128"/>
+              </a:rPr>
               <a:t>ユーザーから作成したツールが遅いという報告が上がった場合の対応方法</a:t>
             </a:r>
-            <a:endParaRPr kumimoji="1" lang="en-US" altLang="ja-JP" dirty="0" smtClean="0"/>
-          </a:p>
-          <a:p>
-            <a:r>
-              <a:rPr lang="ja-JP" altLang="en-US" dirty="0" smtClean="0"/>
+            <a:endParaRPr kumimoji="1" lang="en-US" altLang="ja-JP" dirty="0" smtClean="0">
+              <a:latin typeface="メイリオ" pitchFamily="50" charset="-128"/>
+              <a:ea typeface="メイリオ" pitchFamily="50" charset="-128"/>
+              <a:cs typeface="メイリオ" pitchFamily="50" charset="-128"/>
+            </a:endParaRPr>
+          </a:p>
+          <a:p>
+            <a:r>
+              <a:rPr lang="ja-JP" altLang="en-US" dirty="0" smtClean="0">
+                <a:latin typeface="メイリオ" pitchFamily="50" charset="-128"/>
+                <a:ea typeface="メイリオ" pitchFamily="50" charset="-128"/>
+                <a:cs typeface="メイリオ" pitchFamily="50" charset="-128"/>
+              </a:rPr>
               <a:t>無暗にコードを改変していませんか</a:t>
             </a:r>
             <a:r>
-              <a:rPr lang="en-US" altLang="ja-JP" dirty="0" smtClean="0"/>
+              <a:rPr lang="en-US" altLang="ja-JP" dirty="0" smtClean="0">
+                <a:latin typeface="メイリオ" pitchFamily="50" charset="-128"/>
+                <a:ea typeface="メイリオ" pitchFamily="50" charset="-128"/>
+                <a:cs typeface="メイリオ" pitchFamily="50" charset="-128"/>
+              </a:rPr>
               <a:t>?</a:t>
             </a:r>
           </a:p>
           <a:p>
             <a:pPr lvl="1"/>
             <a:r>
-              <a:rPr kumimoji="1" lang="ja-JP" altLang="en-US" dirty="0" smtClean="0"/>
+              <a:rPr kumimoji="1" lang="ja-JP" altLang="en-US" sz="2600" dirty="0" smtClean="0">
+                <a:latin typeface="メイリオ" pitchFamily="50" charset="-128"/>
+                <a:ea typeface="メイリオ" pitchFamily="50" charset="-128"/>
+                <a:cs typeface="メイリオ" pitchFamily="50" charset="-128"/>
+              </a:rPr>
               <a:t>ファイルアクセスが遅い→メモリにキャッシュ</a:t>
             </a:r>
-            <a:endParaRPr kumimoji="1" lang="en-US" altLang="ja-JP" dirty="0" smtClean="0"/>
+            <a:endParaRPr kumimoji="1" lang="en-US" altLang="ja-JP" sz="2600" dirty="0" smtClean="0">
+              <a:latin typeface="メイリオ" pitchFamily="50" charset="-128"/>
+              <a:ea typeface="メイリオ" pitchFamily="50" charset="-128"/>
+              <a:cs typeface="メイリオ" pitchFamily="50" charset="-128"/>
+            </a:endParaRPr>
           </a:p>
           <a:p>
             <a:pPr lvl="1"/>
             <a:r>
-              <a:rPr kumimoji="1" lang="ja-JP" altLang="en-US" dirty="0" smtClean="0"/>
+              <a:rPr kumimoji="1" lang="ja-JP" altLang="en-US" sz="2600" dirty="0" smtClean="0">
+                <a:latin typeface="メイリオ" pitchFamily="50" charset="-128"/>
+                <a:ea typeface="メイリオ" pitchFamily="50" charset="-128"/>
+                <a:cs typeface="メイリオ" pitchFamily="50" charset="-128"/>
+              </a:rPr>
               <a:t>小手先のテクニックでコードの</a:t>
             </a:r>
             <a:r>
-              <a:rPr kumimoji="1" lang="ja-JP" altLang="en-US" dirty="0" smtClean="0"/>
+              <a:rPr kumimoji="1" lang="ja-JP" altLang="en-US" sz="2600" dirty="0" smtClean="0">
+                <a:latin typeface="メイリオ" pitchFamily="50" charset="-128"/>
+                <a:ea typeface="メイリオ" pitchFamily="50" charset="-128"/>
+                <a:cs typeface="メイリオ" pitchFamily="50" charset="-128"/>
+              </a:rPr>
               <a:t>最適化</a:t>
             </a:r>
-            <a:endParaRPr kumimoji="1" lang="en-US" altLang="ja-JP" dirty="0" smtClean="0"/>
-          </a:p>
-          <a:p>
-            <a:r>
-              <a:rPr kumimoji="1" lang="ja-JP" altLang="en-US" dirty="0" smtClean="0"/>
-              <a:t>その改編、本当に意味ありますか</a:t>
-            </a:r>
-            <a:r>
-              <a:rPr kumimoji="1" lang="en-US" altLang="ja-JP" dirty="0" smtClean="0"/>
+            <a:endParaRPr kumimoji="1" lang="en-US" altLang="ja-JP" sz="2600" dirty="0" smtClean="0">
+              <a:latin typeface="メイリオ" pitchFamily="50" charset="-128"/>
+              <a:ea typeface="メイリオ" pitchFamily="50" charset="-128"/>
+              <a:cs typeface="メイリオ" pitchFamily="50" charset="-128"/>
+            </a:endParaRPr>
+          </a:p>
+          <a:p>
+            <a:r>
+              <a:rPr kumimoji="1" lang="ja-JP" altLang="en-US" dirty="0" smtClean="0">
+                <a:latin typeface="メイリオ" pitchFamily="50" charset="-128"/>
+                <a:ea typeface="メイリオ" pitchFamily="50" charset="-128"/>
+                <a:cs typeface="メイリオ" pitchFamily="50" charset="-128"/>
+              </a:rPr>
+              <a:t>その改変、本当に意味ありますか</a:t>
+            </a:r>
+            <a:r>
+              <a:rPr kumimoji="1" lang="en-US" altLang="ja-JP" dirty="0" smtClean="0">
+                <a:latin typeface="メイリオ" pitchFamily="50" charset="-128"/>
+                <a:ea typeface="メイリオ" pitchFamily="50" charset="-128"/>
+                <a:cs typeface="メイリオ" pitchFamily="50" charset="-128"/>
+              </a:rPr>
               <a:t>?</a:t>
             </a:r>
-            <a:endParaRPr kumimoji="1" lang="ja-JP" altLang="en-US" dirty="0"/>
+            <a:endParaRPr kumimoji="1" lang="ja-JP" altLang="en-US" dirty="0">
+              <a:latin typeface="メイリオ" pitchFamily="50" charset="-128"/>
+              <a:ea typeface="メイリオ" pitchFamily="50" charset="-128"/>
+              <a:cs typeface="メイリオ" pitchFamily="50" charset="-128"/>
+            </a:endParaRPr>
           </a:p>
         </p:txBody>
       </p:sp>
@@ -8763,13 +9579,21 @@
               <a:defRPr/>
             </a:pPr>
             <a:fld id="{A9259AFE-7AC7-4F49-85B9-5B069C761CE3}" type="datetime5">
-              <a:rPr lang="ja-JP" altLang="en-US" smtClean="0"/>
+              <a:rPr lang="ja-JP" altLang="en-US" smtClean="0">
+                <a:latin typeface="メイリオ" pitchFamily="50" charset="-128"/>
+                <a:ea typeface="メイリオ" pitchFamily="50" charset="-128"/>
+                <a:cs typeface="メイリオ" pitchFamily="50" charset="-128"/>
+              </a:rPr>
               <a:pPr>
                 <a:defRPr/>
               </a:pPr>
               <a:t>2014/08/16</a:t>
             </a:fld>
-            <a:endParaRPr lang="ja-JP" altLang="en-US" dirty="0"/>
+            <a:endParaRPr lang="ja-JP" altLang="en-US" dirty="0">
+              <a:latin typeface="メイリオ" pitchFamily="50" charset="-128"/>
+              <a:ea typeface="メイリオ" pitchFamily="50" charset="-128"/>
+              <a:cs typeface="メイリオ" pitchFamily="50" charset="-128"/>
+            </a:endParaRPr>
           </a:p>
         </p:txBody>
       </p:sp>
@@ -8792,13 +9616,21 @@
               <a:defRPr/>
             </a:pPr>
             <a:fld id="{29799127-F303-4AE7-A969-D0F8A278DEB3}" type="slidenum">
-              <a:rPr lang="ja-JP" altLang="en-US" smtClean="0"/>
+              <a:rPr lang="ja-JP" altLang="en-US" smtClean="0">
+                <a:latin typeface="メイリオ" pitchFamily="50" charset="-128"/>
+                <a:ea typeface="メイリオ" pitchFamily="50" charset="-128"/>
+                <a:cs typeface="メイリオ" pitchFamily="50" charset="-128"/>
+              </a:rPr>
               <a:pPr>
                 <a:defRPr/>
               </a:pPr>
               <a:t>3</a:t>
             </a:fld>
-            <a:endParaRPr lang="ja-JP" altLang="en-US"/>
+            <a:endParaRPr lang="ja-JP" altLang="en-US">
+              <a:latin typeface="メイリオ" pitchFamily="50" charset="-128"/>
+              <a:ea typeface="メイリオ" pitchFamily="50" charset="-128"/>
+              <a:cs typeface="メイリオ" pitchFamily="50" charset="-128"/>
+            </a:endParaRPr>
           </a:p>
         </p:txBody>
       </p:sp>
@@ -8857,7 +9689,40 @@
                 <a:ea typeface="メイリオ" pitchFamily="50" charset="-128"/>
                 <a:cs typeface="メイリオ" pitchFamily="50" charset="-128"/>
               </a:rPr>
-              <a:t>その変更、効果ありますか</a:t>
+              <a:t>その</a:t>
+            </a:r>
+            <a:r>
+              <a:rPr lang="ja-JP" altLang="en-US" sz="4000" dirty="0" smtClean="0">
+                <a:solidFill>
+                  <a:schemeClr val="tx1"/>
+                </a:solidFill>
+                <a:latin typeface="メイリオ" pitchFamily="50" charset="-128"/>
+                <a:ea typeface="メイリオ" pitchFamily="50" charset="-128"/>
+                <a:cs typeface="メイリオ" pitchFamily="50" charset="-128"/>
+              </a:rPr>
+              <a:t>改変</a:t>
+            </a:r>
+            <a:r>
+              <a:rPr kumimoji="1" lang="ja-JP" altLang="en-US" sz="4000" dirty="0" smtClean="0">
+                <a:solidFill>
+                  <a:schemeClr val="tx1"/>
+                </a:solidFill>
+                <a:latin typeface="メイリオ" pitchFamily="50" charset="-128"/>
+                <a:ea typeface="メイリオ" pitchFamily="50" charset="-128"/>
+                <a:cs typeface="メイリオ" pitchFamily="50" charset="-128"/>
+              </a:rPr>
+              <a:t>、</a:t>
+            </a:r>
+            <a:r>
+              <a:rPr kumimoji="1" lang="ja-JP" altLang="en-US" sz="4000" dirty="0" smtClean="0">
+                <a:solidFill>
+                  <a:schemeClr val="tx1"/>
+                </a:solidFill>
+                <a:latin typeface="メイリオ" pitchFamily="50" charset="-128"/>
+                <a:ea typeface="メイリオ" pitchFamily="50" charset="-128"/>
+                <a:cs typeface="メイリオ" pitchFamily="50" charset="-128"/>
+              </a:rPr>
+              <a:t>効果ありますか</a:t>
             </a:r>
             <a:r>
               <a:rPr kumimoji="1" lang="en-US" altLang="ja-JP" sz="4000" dirty="0" smtClean="0">
@@ -8897,27 +9762,51 @@
           <a:lstStyle/>
           <a:p>
             <a:r>
-              <a:rPr kumimoji="1" lang="ja-JP" altLang="en-US" dirty="0" smtClean="0"/>
+              <a:rPr kumimoji="1" lang="ja-JP" altLang="en-US" dirty="0" smtClean="0">
+                <a:latin typeface="メイリオ" pitchFamily="50" charset="-128"/>
+                <a:ea typeface="メイリオ" pitchFamily="50" charset="-128"/>
+                <a:cs typeface="メイリオ" pitchFamily="50" charset="-128"/>
+              </a:rPr>
               <a:t>ボトルネックを把握しましょう</a:t>
             </a:r>
-            <a:endParaRPr kumimoji="1" lang="en-US" altLang="ja-JP" dirty="0" smtClean="0"/>
-          </a:p>
-          <a:p>
-            <a:r>
-              <a:rPr lang="ja-JP" altLang="en-US" dirty="0" smtClean="0"/>
+            <a:endParaRPr kumimoji="1" lang="en-US" altLang="ja-JP" dirty="0" smtClean="0">
+              <a:latin typeface="メイリオ" pitchFamily="50" charset="-128"/>
+              <a:ea typeface="メイリオ" pitchFamily="50" charset="-128"/>
+              <a:cs typeface="メイリオ" pitchFamily="50" charset="-128"/>
+            </a:endParaRPr>
+          </a:p>
+          <a:p>
+            <a:r>
+              <a:rPr lang="ja-JP" altLang="en-US" dirty="0" smtClean="0">
+                <a:latin typeface="メイリオ" pitchFamily="50" charset="-128"/>
+                <a:ea typeface="メイリオ" pitchFamily="50" charset="-128"/>
+                <a:cs typeface="メイリオ" pitchFamily="50" charset="-128"/>
+              </a:rPr>
               <a:t>どうやって</a:t>
             </a:r>
             <a:r>
-              <a:rPr lang="en-US" altLang="ja-JP" dirty="0" smtClean="0"/>
+              <a:rPr lang="en-US" altLang="ja-JP" dirty="0" smtClean="0">
+                <a:latin typeface="メイリオ" pitchFamily="50" charset="-128"/>
+                <a:ea typeface="メイリオ" pitchFamily="50" charset="-128"/>
+                <a:cs typeface="メイリオ" pitchFamily="50" charset="-128"/>
+              </a:rPr>
               <a:t>?</a:t>
             </a:r>
           </a:p>
           <a:p>
             <a:r>
-              <a:rPr kumimoji="1" lang="ja-JP" altLang="en-US" dirty="0" smtClean="0"/>
+              <a:rPr kumimoji="1" lang="ja-JP" altLang="en-US" dirty="0" smtClean="0">
+                <a:latin typeface="メイリオ" pitchFamily="50" charset="-128"/>
+                <a:ea typeface="メイリオ" pitchFamily="50" charset="-128"/>
+                <a:cs typeface="メイリオ" pitchFamily="50" charset="-128"/>
+              </a:rPr>
               <a:t>プロファイラを使用する</a:t>
             </a:r>
-            <a:endParaRPr kumimoji="1" lang="ja-JP" altLang="en-US" dirty="0"/>
+            <a:endParaRPr kumimoji="1" lang="ja-JP" altLang="en-US" dirty="0">
+              <a:latin typeface="メイリオ" pitchFamily="50" charset="-128"/>
+              <a:ea typeface="メイリオ" pitchFamily="50" charset="-128"/>
+              <a:cs typeface="メイリオ" pitchFamily="50" charset="-128"/>
+            </a:endParaRPr>
           </a:p>
         </p:txBody>
       </p:sp>
@@ -8940,13 +9829,21 @@
               <a:defRPr/>
             </a:pPr>
             <a:fld id="{A9259AFE-7AC7-4F49-85B9-5B069C761CE3}" type="datetime5">
-              <a:rPr lang="ja-JP" altLang="en-US" smtClean="0"/>
+              <a:rPr lang="ja-JP" altLang="en-US" smtClean="0">
+                <a:latin typeface="メイリオ" pitchFamily="50" charset="-128"/>
+                <a:ea typeface="メイリオ" pitchFamily="50" charset="-128"/>
+                <a:cs typeface="メイリオ" pitchFamily="50" charset="-128"/>
+              </a:rPr>
               <a:pPr>
                 <a:defRPr/>
               </a:pPr>
               <a:t>2014/08/16</a:t>
             </a:fld>
-            <a:endParaRPr lang="ja-JP" altLang="en-US" dirty="0"/>
+            <a:endParaRPr lang="ja-JP" altLang="en-US" dirty="0">
+              <a:latin typeface="メイリオ" pitchFamily="50" charset="-128"/>
+              <a:ea typeface="メイリオ" pitchFamily="50" charset="-128"/>
+              <a:cs typeface="メイリオ" pitchFamily="50" charset="-128"/>
+            </a:endParaRPr>
           </a:p>
         </p:txBody>
       </p:sp>
@@ -8969,13 +9866,21 @@
               <a:defRPr/>
             </a:pPr>
             <a:fld id="{29799127-F303-4AE7-A969-D0F8A278DEB3}" type="slidenum">
-              <a:rPr lang="ja-JP" altLang="en-US" smtClean="0"/>
+              <a:rPr lang="ja-JP" altLang="en-US" smtClean="0">
+                <a:latin typeface="メイリオ" pitchFamily="50" charset="-128"/>
+                <a:ea typeface="メイリオ" pitchFamily="50" charset="-128"/>
+                <a:cs typeface="メイリオ" pitchFamily="50" charset="-128"/>
+              </a:rPr>
               <a:pPr>
                 <a:defRPr/>
               </a:pPr>
               <a:t>4</a:t>
             </a:fld>
-            <a:endParaRPr lang="ja-JP" altLang="en-US"/>
+            <a:endParaRPr lang="ja-JP" altLang="en-US">
+              <a:latin typeface="メイリオ" pitchFamily="50" charset="-128"/>
+              <a:ea typeface="メイリオ" pitchFamily="50" charset="-128"/>
+              <a:cs typeface="メイリオ" pitchFamily="50" charset="-128"/>
+            </a:endParaRPr>
           </a:p>
         </p:txBody>
       </p:sp>
@@ -9090,26 +9995,50 @@
           <a:lstStyle/>
           <a:p>
             <a:r>
-              <a:rPr lang="en-US" altLang="ja-JP" dirty="0" smtClean="0"/>
+              <a:rPr lang="en-US" altLang="ja-JP" dirty="0" smtClean="0">
+                <a:latin typeface="メイリオ" pitchFamily="50" charset="-128"/>
+                <a:ea typeface="メイリオ" pitchFamily="50" charset="-128"/>
+                <a:cs typeface="メイリオ" pitchFamily="50" charset="-128"/>
+              </a:rPr>
               <a:t>Python </a:t>
             </a:r>
             <a:r>
-              <a:rPr lang="ja-JP" altLang="en-US" dirty="0" smtClean="0"/>
+              <a:rPr lang="ja-JP" altLang="en-US" dirty="0" smtClean="0">
+                <a:latin typeface="メイリオ" pitchFamily="50" charset="-128"/>
+                <a:ea typeface="メイリオ" pitchFamily="50" charset="-128"/>
+                <a:cs typeface="メイリオ" pitchFamily="50" charset="-128"/>
+              </a:rPr>
               <a:t>では、 </a:t>
             </a:r>
             <a:r>
-              <a:rPr lang="en-US" altLang="ja-JP" dirty="0" err="1" smtClean="0"/>
+              <a:rPr lang="en-US" altLang="ja-JP" dirty="0" err="1" smtClean="0">
+                <a:latin typeface="メイリオ" pitchFamily="50" charset="-128"/>
+                <a:ea typeface="メイリオ" pitchFamily="50" charset="-128"/>
+                <a:cs typeface="メイリオ" pitchFamily="50" charset="-128"/>
+              </a:rPr>
               <a:t>cProfile</a:t>
             </a:r>
             <a:r>
-              <a:rPr lang="en-US" altLang="ja-JP" dirty="0" smtClean="0"/>
+              <a:rPr lang="en-US" altLang="ja-JP" dirty="0" smtClean="0">
+                <a:latin typeface="メイリオ" pitchFamily="50" charset="-128"/>
+                <a:ea typeface="メイリオ" pitchFamily="50" charset="-128"/>
+                <a:cs typeface="メイリオ" pitchFamily="50" charset="-128"/>
+              </a:rPr>
               <a:t> </a:t>
             </a:r>
             <a:r>
-              <a:rPr lang="ja-JP" altLang="en-US" dirty="0" smtClean="0"/>
+              <a:rPr lang="ja-JP" altLang="en-US" dirty="0" smtClean="0">
+                <a:latin typeface="メイリオ" pitchFamily="50" charset="-128"/>
+                <a:ea typeface="メイリオ" pitchFamily="50" charset="-128"/>
+                <a:cs typeface="メイリオ" pitchFamily="50" charset="-128"/>
+              </a:rPr>
               <a:t>を使用する</a:t>
             </a:r>
-            <a:endParaRPr lang="en-US" altLang="ja-JP" dirty="0" smtClean="0"/>
+            <a:endParaRPr lang="en-US" altLang="ja-JP" dirty="0" smtClean="0">
+              <a:latin typeface="メイリオ" pitchFamily="50" charset="-128"/>
+              <a:ea typeface="メイリオ" pitchFamily="50" charset="-128"/>
+              <a:cs typeface="メイリオ" pitchFamily="50" charset="-128"/>
+            </a:endParaRPr>
           </a:p>
         </p:txBody>
       </p:sp>
@@ -9132,13 +10061,21 @@
               <a:defRPr/>
             </a:pPr>
             <a:fld id="{A9259AFE-7AC7-4F49-85B9-5B069C761CE3}" type="datetime5">
-              <a:rPr lang="ja-JP" altLang="en-US" smtClean="0"/>
+              <a:rPr lang="ja-JP" altLang="en-US" smtClean="0">
+                <a:latin typeface="メイリオ" pitchFamily="50" charset="-128"/>
+                <a:ea typeface="メイリオ" pitchFamily="50" charset="-128"/>
+                <a:cs typeface="メイリオ" pitchFamily="50" charset="-128"/>
+              </a:rPr>
               <a:pPr>
                 <a:defRPr/>
               </a:pPr>
               <a:t>2014/08/16</a:t>
             </a:fld>
-            <a:endParaRPr lang="ja-JP" altLang="en-US" dirty="0"/>
+            <a:endParaRPr lang="ja-JP" altLang="en-US" dirty="0">
+              <a:latin typeface="メイリオ" pitchFamily="50" charset="-128"/>
+              <a:ea typeface="メイリオ" pitchFamily="50" charset="-128"/>
+              <a:cs typeface="メイリオ" pitchFamily="50" charset="-128"/>
+            </a:endParaRPr>
           </a:p>
         </p:txBody>
       </p:sp>
@@ -9161,13 +10098,21 @@
               <a:defRPr/>
             </a:pPr>
             <a:fld id="{29799127-F303-4AE7-A969-D0F8A278DEB3}" type="slidenum">
-              <a:rPr lang="ja-JP" altLang="en-US" smtClean="0"/>
+              <a:rPr lang="ja-JP" altLang="en-US" smtClean="0">
+                <a:latin typeface="メイリオ" pitchFamily="50" charset="-128"/>
+                <a:ea typeface="メイリオ" pitchFamily="50" charset="-128"/>
+                <a:cs typeface="メイリオ" pitchFamily="50" charset="-128"/>
+              </a:rPr>
               <a:pPr>
                 <a:defRPr/>
               </a:pPr>
               <a:t>5</a:t>
             </a:fld>
-            <a:endParaRPr lang="ja-JP" altLang="en-US"/>
+            <a:endParaRPr lang="ja-JP" altLang="en-US">
+              <a:latin typeface="メイリオ" pitchFamily="50" charset="-128"/>
+              <a:ea typeface="メイリオ" pitchFamily="50" charset="-128"/>
+              <a:cs typeface="メイリオ" pitchFamily="50" charset="-128"/>
+            </a:endParaRPr>
           </a:p>
         </p:txBody>
       </p:sp>
@@ -9321,15 +10266,27 @@
               <a:buChar char="•"/>
             </a:pPr>
             <a:r>
-              <a:rPr lang="en-US" altLang="ja-JP" sz="3200" dirty="0" err="1" smtClean="0"/>
+              <a:rPr lang="en-US" altLang="ja-JP" sz="3200" dirty="0" err="1" smtClean="0">
+                <a:latin typeface="メイリオ" pitchFamily="50" charset="-128"/>
+                <a:ea typeface="メイリオ" pitchFamily="50" charset="-128"/>
+                <a:cs typeface="メイリオ" pitchFamily="50" charset="-128"/>
+              </a:rPr>
               <a:t>someHeavyOperation</a:t>
             </a:r>
             <a:r>
-              <a:rPr lang="en-US" altLang="ja-JP" sz="3200" dirty="0" smtClean="0"/>
+              <a:rPr lang="en-US" altLang="ja-JP" sz="3200" dirty="0" smtClean="0">
+                <a:latin typeface="メイリオ" pitchFamily="50" charset="-128"/>
+                <a:ea typeface="メイリオ" pitchFamily="50" charset="-128"/>
+                <a:cs typeface="メイリオ" pitchFamily="50" charset="-128"/>
+              </a:rPr>
               <a:t>() </a:t>
             </a:r>
             <a:r>
-              <a:rPr lang="ja-JP" altLang="en-US" sz="3200" dirty="0" smtClean="0"/>
+              <a:rPr lang="ja-JP" altLang="en-US" sz="3200" dirty="0" smtClean="0">
+                <a:latin typeface="メイリオ" pitchFamily="50" charset="-128"/>
+                <a:ea typeface="メイリオ" pitchFamily="50" charset="-128"/>
+                <a:cs typeface="メイリオ" pitchFamily="50" charset="-128"/>
+              </a:rPr>
               <a:t>を行った際にどの関数でどれだけ処理に時間がかかったかを把握することができる</a:t>
             </a:r>
             <a:endParaRPr kumimoji="1" lang="en-US" altLang="ja-JP" sz="3200" b="0" i="0" u="none" strike="noStrike" kern="1200" cap="none" spc="0" normalizeH="0" baseline="0" noProof="0" dirty="0" smtClean="0">
@@ -9342,9 +10299,9 @@
               <a:effectLst/>
               <a:uLnTx/>
               <a:uFillTx/>
-              <a:latin typeface="+mn-lt"/>
-              <a:ea typeface="+mn-ea"/>
-              <a:cs typeface="+mn-cs"/>
+              <a:latin typeface="メイリオ" pitchFamily="50" charset="-128"/>
+              <a:ea typeface="メイリオ" pitchFamily="50" charset="-128"/>
+              <a:cs typeface="メイリオ" pitchFamily="50" charset="-128"/>
             </a:endParaRPr>
           </a:p>
         </p:txBody>
@@ -9404,7 +10361,29 @@
                 <a:ea typeface="メイリオ" pitchFamily="50" charset="-128"/>
                 <a:cs typeface="メイリオ" pitchFamily="50" charset="-128"/>
               </a:rPr>
-              <a:t>プロファイリング結果の活用</a:t>
+              <a:t>プロファイリング結果</a:t>
+            </a:r>
+            <a:r>
+              <a:rPr lang="ja-JP" altLang="en-US" sz="4000" dirty="0" smtClean="0">
+                <a:solidFill>
+                  <a:schemeClr val="tx1"/>
+                </a:solidFill>
+                <a:latin typeface="メイリオ" pitchFamily="50" charset="-128"/>
+                <a:ea typeface="メイリオ" pitchFamily="50" charset="-128"/>
+                <a:cs typeface="メイリオ" pitchFamily="50" charset="-128"/>
+              </a:rPr>
+              <a:t>の</a:t>
+            </a:r>
+            <a:r>
+              <a:rPr lang="ja-JP" altLang="en-US" sz="4000" dirty="0" smtClean="0">
+                <a:solidFill>
+                  <a:schemeClr val="tx1"/>
+                </a:solidFill>
+                <a:latin typeface="メイリオ" pitchFamily="50" charset="-128"/>
+                <a:ea typeface="メイリオ" pitchFamily="50" charset="-128"/>
+                <a:cs typeface="メイリオ" pitchFamily="50" charset="-128"/>
+              </a:rPr>
+              <a:t>分析</a:t>
             </a:r>
             <a:endParaRPr kumimoji="1" lang="ja-JP" altLang="en-US" sz="4000" dirty="0">
               <a:solidFill>
@@ -9419,90 +10398,38 @@
       </p:sp>
       <p:sp>
         <p:nvSpPr>
-          <p:cNvPr id="3" name="コンテンツ プレースホルダー 2"/>
-          <p:cNvSpPr>
-            <a:spLocks noGrp="1"/>
-          </p:cNvSpPr>
-          <p:nvPr>
-            <p:ph idx="1"/>
-          </p:nvPr>
-        </p:nvSpPr>
-        <p:spPr>
-          <a:xfrm>
-            <a:off x="457200" y="4071948"/>
-            <a:ext cx="8229600" cy="500066"/>
-          </a:xfrm>
-        </p:spPr>
+          <p:cNvPr id="4" name="日付プレースホルダー 3"/>
+          <p:cNvSpPr>
+            <a:spLocks noGrp="1"/>
+          </p:cNvSpPr>
+          <p:nvPr>
+            <p:ph type="dt" sz="half" idx="10"/>
+          </p:nvPr>
+        </p:nvSpPr>
+        <p:spPr/>
         <p:txBody>
           <a:bodyPr/>
           <a:lstStyle/>
           <a:p>
-            <a:r>
-              <a:rPr lang="ja-JP" altLang="en-US" sz="2000" dirty="0" smtClean="0"/>
-              <a:t>処理全体で </a:t>
-            </a:r>
-            <a:r>
-              <a:rPr lang="en-US" altLang="ja-JP" sz="2000" dirty="0" smtClean="0"/>
-              <a:t>28 </a:t>
-            </a:r>
-            <a:r>
-              <a:rPr lang="ja-JP" altLang="en-US" sz="2000" dirty="0" smtClean="0"/>
-              <a:t>秒かかっていて</a:t>
-            </a:r>
-            <a:r>
-              <a:rPr lang="ja-JP" altLang="en-US" sz="2000" dirty="0" smtClean="0"/>
-              <a:t>、 </a:t>
-            </a:r>
-            <a:r>
-              <a:rPr lang="en-US" altLang="ja-JP" sz="2000" dirty="0" err="1" smtClean="0"/>
-              <a:t>getInfo</a:t>
-            </a:r>
-            <a:r>
-              <a:rPr lang="en-US" altLang="ja-JP" sz="2000" dirty="0" smtClean="0"/>
-              <a:t>() </a:t>
-            </a:r>
-            <a:r>
-              <a:rPr lang="ja-JP" altLang="en-US" sz="2000" dirty="0" smtClean="0"/>
-              <a:t>で </a:t>
-            </a:r>
-            <a:r>
-              <a:rPr lang="en-US" altLang="ja-JP" sz="2000" dirty="0" smtClean="0"/>
-              <a:t>22 </a:t>
-            </a:r>
-            <a:r>
-              <a:rPr lang="ja-JP" altLang="en-US" sz="2000" dirty="0" smtClean="0"/>
-              <a:t>秒も費やしている</a:t>
-            </a:r>
-            <a:endParaRPr lang="en-US" altLang="ja-JP" sz="2000" dirty="0" smtClean="0"/>
-          </a:p>
-        </p:txBody>
-      </p:sp>
-      <p:sp>
-        <p:nvSpPr>
-          <p:cNvPr id="4" name="日付プレースホルダー 3"/>
-          <p:cNvSpPr>
-            <a:spLocks noGrp="1"/>
-          </p:cNvSpPr>
-          <p:nvPr>
-            <p:ph type="dt" sz="half" idx="10"/>
-          </p:nvPr>
-        </p:nvSpPr>
-        <p:spPr/>
-        <p:txBody>
-          <a:bodyPr/>
-          <a:lstStyle/>
-          <a:p>
             <a:pPr>
               <a:defRPr/>
             </a:pPr>
             <a:fld id="{A9259AFE-7AC7-4F49-85B9-5B069C761CE3}" type="datetime5">
-              <a:rPr lang="ja-JP" altLang="en-US" smtClean="0"/>
+              <a:rPr lang="ja-JP" altLang="en-US" smtClean="0">
+                <a:latin typeface="メイリオ" pitchFamily="50" charset="-128"/>
+                <a:ea typeface="メイリオ" pitchFamily="50" charset="-128"/>
+                <a:cs typeface="メイリオ" pitchFamily="50" charset="-128"/>
+              </a:rPr>
               <a:pPr>
                 <a:defRPr/>
               </a:pPr>
               <a:t>2014/08/16</a:t>
             </a:fld>
-            <a:endParaRPr lang="ja-JP" altLang="en-US" dirty="0"/>
+            <a:endParaRPr lang="ja-JP" altLang="en-US" dirty="0">
+              <a:latin typeface="メイリオ" pitchFamily="50" charset="-128"/>
+              <a:ea typeface="メイリオ" pitchFamily="50" charset="-128"/>
+              <a:cs typeface="メイリオ" pitchFamily="50" charset="-128"/>
+            </a:endParaRPr>
           </a:p>
         </p:txBody>
       </p:sp>
@@ -9525,364 +10452,909 @@
               <a:defRPr/>
             </a:pPr>
             <a:fld id="{29799127-F303-4AE7-A969-D0F8A278DEB3}" type="slidenum">
-              <a:rPr lang="ja-JP" altLang="en-US" smtClean="0"/>
+              <a:rPr lang="ja-JP" altLang="en-US" smtClean="0">
+                <a:latin typeface="メイリオ" pitchFamily="50" charset="-128"/>
+                <a:ea typeface="メイリオ" pitchFamily="50" charset="-128"/>
+                <a:cs typeface="メイリオ" pitchFamily="50" charset="-128"/>
+              </a:rPr>
               <a:pPr>
                 <a:defRPr/>
               </a:pPr>
               <a:t>6</a:t>
             </a:fld>
-            <a:endParaRPr lang="ja-JP" altLang="en-US"/>
-          </a:p>
-        </p:txBody>
-      </p:sp>
-      <p:sp>
-        <p:nvSpPr>
-          <p:cNvPr id="7" name="テキスト ボックス 6"/>
-          <p:cNvSpPr txBox="1"/>
+            <a:endParaRPr lang="ja-JP" altLang="en-US">
+              <a:latin typeface="メイリオ" pitchFamily="50" charset="-128"/>
+              <a:ea typeface="メイリオ" pitchFamily="50" charset="-128"/>
+              <a:cs typeface="メイリオ" pitchFamily="50" charset="-128"/>
+            </a:endParaRPr>
+          </a:p>
+        </p:txBody>
+      </p:sp>
+      <p:grpSp>
+        <p:nvGrpSpPr>
+          <p:cNvPr id="13" name="グループ化 12"/>
+          <p:cNvGrpSpPr/>
           <p:nvPr/>
-        </p:nvSpPr>
-        <p:spPr>
+        </p:nvGrpSpPr>
+        <p:grpSpPr>
           <a:xfrm>
-            <a:off x="785786" y="768856"/>
-            <a:ext cx="7143800" cy="3277820"/>
+            <a:off x="214282" y="1079880"/>
+            <a:ext cx="8143932" cy="3277820"/>
+            <a:chOff x="214282" y="768856"/>
+            <a:chExt cx="8143932" cy="3277820"/>
           </a:xfrm>
-          <a:prstGeom prst="rect">
-            <a:avLst/>
-          </a:prstGeom>
-          <a:solidFill>
-            <a:schemeClr val="bg1">
-              <a:lumMod val="85000"/>
-            </a:schemeClr>
-          </a:solidFill>
-          <a:ln>
+        </p:grpSpPr>
+        <p:sp>
+          <p:nvSpPr>
+            <p:cNvPr id="7" name="テキスト ボックス 6"/>
+            <p:cNvSpPr txBox="1"/>
+            <p:nvPr/>
+          </p:nvSpPr>
+          <p:spPr>
+            <a:xfrm>
+              <a:off x="785786" y="768856"/>
+              <a:ext cx="7143800" cy="3277820"/>
+            </a:xfrm>
+            <a:prstGeom prst="rect">
+              <a:avLst/>
+            </a:prstGeom>
             <a:solidFill>
-              <a:schemeClr val="tx1"/>
+              <a:schemeClr val="bg1">
+                <a:lumMod val="85000"/>
+              </a:schemeClr>
             </a:solidFill>
-          </a:ln>
-        </p:spPr>
-        <p:txBody>
-          <a:bodyPr wrap="square" rtlCol="0">
-            <a:spAutoFit/>
-          </a:bodyPr>
-          <a:lstStyle/>
-          <a:p>
-            <a:r>
-              <a:rPr lang="en-US" sz="900" dirty="0" smtClean="0"/>
-              <a:t>D:\chiyama\&gt;python testDirectoryDefs.py</a:t>
-            </a:r>
-          </a:p>
-          <a:p>
-            <a:r>
-              <a:rPr lang="en-US" sz="900" dirty="0" smtClean="0"/>
-              <a:t>         11190417 function calls (11057225 primitive calls) in </a:t>
-            </a:r>
-            <a:r>
-              <a:rPr lang="en-US" sz="900" b="1" dirty="0" smtClean="0">
-                <a:solidFill>
-                  <a:srgbClr val="FF0000"/>
-                </a:solidFill>
-              </a:rPr>
-              <a:t>28.010 CPU seconds</a:t>
-            </a:r>
-          </a:p>
-          <a:p>
-            <a:endParaRPr lang="en-US" sz="900" dirty="0" smtClean="0"/>
-          </a:p>
-          <a:p>
-            <a:r>
-              <a:rPr lang="en-US" sz="900" dirty="0" smtClean="0"/>
-              <a:t>   Ordered by: standard name</a:t>
-            </a:r>
-          </a:p>
-          <a:p>
-            <a:endParaRPr lang="en-US" sz="900" dirty="0" smtClean="0"/>
-          </a:p>
-          <a:p>
-            <a:r>
-              <a:rPr lang="en-US" sz="900" dirty="0" smtClean="0"/>
-              <a:t>   </a:t>
-            </a:r>
-            <a:r>
-              <a:rPr lang="en-US" sz="900" dirty="0" err="1" smtClean="0"/>
-              <a:t>ncalls</a:t>
-            </a:r>
-            <a:r>
-              <a:rPr lang="en-US" sz="900" dirty="0" smtClean="0"/>
-              <a:t>  </a:t>
-            </a:r>
-            <a:r>
-              <a:rPr lang="en-US" sz="900" dirty="0" err="1" smtClean="0"/>
-              <a:t>tottime</a:t>
-            </a:r>
-            <a:r>
-              <a:rPr lang="en-US" sz="900" dirty="0" smtClean="0"/>
-              <a:t>  </a:t>
-            </a:r>
-            <a:r>
-              <a:rPr lang="en-US" sz="900" dirty="0" err="1" smtClean="0"/>
-              <a:t>percall</a:t>
-            </a:r>
-            <a:r>
-              <a:rPr lang="en-US" sz="900" dirty="0" smtClean="0"/>
-              <a:t>  </a:t>
-            </a:r>
-            <a:r>
-              <a:rPr lang="en-US" sz="900" dirty="0" err="1" smtClean="0"/>
-              <a:t>cumtime</a:t>
-            </a:r>
-            <a:r>
-              <a:rPr lang="en-US" sz="900" dirty="0" smtClean="0"/>
-              <a:t>  </a:t>
-            </a:r>
-            <a:r>
-              <a:rPr lang="en-US" sz="900" dirty="0" err="1" smtClean="0"/>
-              <a:t>percall</a:t>
-            </a:r>
-            <a:r>
-              <a:rPr lang="en-US" sz="900" dirty="0" smtClean="0"/>
-              <a:t> </a:t>
-            </a:r>
-            <a:r>
-              <a:rPr lang="en-US" sz="900" dirty="0" err="1" smtClean="0"/>
-              <a:t>filename:lineno</a:t>
-            </a:r>
-            <a:r>
-              <a:rPr lang="en-US" sz="900" dirty="0" smtClean="0"/>
-              <a:t>(function)</a:t>
-            </a:r>
-          </a:p>
-          <a:p>
-            <a:r>
-              <a:rPr lang="en-US" sz="900" dirty="0" smtClean="0"/>
-              <a:t>        1    0.000    0.000    0.000    0.000 &lt;string&gt;:1(&lt;module&gt;)</a:t>
-            </a:r>
-          </a:p>
-          <a:p>
-            <a:r>
-              <a:rPr lang="en-US" sz="900" dirty="0" smtClean="0"/>
-              <a:t>       84    0.003    0.000   27.492    0.327 DirectoryDefs.py:1033(</a:t>
-            </a:r>
-            <a:r>
-              <a:rPr lang="en-US" sz="900" dirty="0" err="1" smtClean="0"/>
-              <a:t>filterNames</a:t>
-            </a:r>
-            <a:r>
-              <a:rPr lang="en-US" sz="900" dirty="0" smtClean="0"/>
-              <a:t>)</a:t>
-            </a:r>
-          </a:p>
-          <a:p>
-            <a:r>
-              <a:rPr lang="en-US" sz="900" dirty="0" smtClean="0"/>
-              <a:t>       36    0.000    0.000    0.000    0.000 DirectoryDefs.py:1066(Get)</a:t>
-            </a:r>
-          </a:p>
-          <a:p>
-            <a:r>
-              <a:rPr lang="en-US" sz="900" dirty="0" smtClean="0"/>
-              <a:t>      261    0.002    0.000    0.006    0.000 DirectoryDefs.py:121(</a:t>
-            </a:r>
-            <a:r>
-              <a:rPr lang="en-US" sz="900" dirty="0" err="1" smtClean="0"/>
-              <a:t>getChild</a:t>
-            </a:r>
-            <a:r>
-              <a:rPr lang="en-US" sz="900" dirty="0" smtClean="0"/>
-              <a:t>)</a:t>
-            </a:r>
-          </a:p>
-          <a:p>
-            <a:r>
-              <a:rPr lang="en-US" sz="900" dirty="0" smtClean="0"/>
-              <a:t>      855    0.004    0.000    0.004    0.000 DirectoryDefs.py:132(_</a:t>
-            </a:r>
-            <a:r>
-              <a:rPr lang="en-US" sz="900" dirty="0" err="1" smtClean="0"/>
-              <a:t>getSomeChildren</a:t>
-            </a:r>
-            <a:r>
-              <a:rPr lang="en-US" sz="900" dirty="0" smtClean="0"/>
-              <a:t>)</a:t>
-            </a:r>
-          </a:p>
-          <a:p>
-            <a:r>
-              <a:rPr lang="en-US" sz="900" dirty="0" smtClean="0"/>
-              <a:t>      285    0.000    0.000    0.002    0.000 DirectoryDefs.py:157(</a:t>
-            </a:r>
-            <a:r>
-              <a:rPr lang="en-US" sz="900" dirty="0" err="1" smtClean="0"/>
-              <a:t>getRequiredChildren</a:t>
-            </a:r>
-            <a:r>
-              <a:rPr lang="en-US" sz="900" dirty="0" smtClean="0"/>
-              <a:t>)</a:t>
-            </a:r>
-          </a:p>
-          <a:p>
-            <a:r>
-              <a:rPr lang="en-US" sz="900" dirty="0" smtClean="0"/>
-              <a:t>      285    0.000    0.000    0.001    0.000 DirectoryDefs.py:161(</a:t>
-            </a:r>
-            <a:r>
-              <a:rPr lang="en-US" sz="900" dirty="0" err="1" smtClean="0"/>
-              <a:t>getOptionalChildren</a:t>
-            </a:r>
-            <a:r>
-              <a:rPr lang="en-US" sz="900" dirty="0" smtClean="0"/>
-              <a:t>)</a:t>
-            </a:r>
-          </a:p>
-          <a:p>
-            <a:r>
-              <a:rPr lang="en-US" sz="900" dirty="0" smtClean="0"/>
-              <a:t>      285    0.000    0.000    0.001    0.000 DirectoryDefs.py:165(</a:t>
-            </a:r>
-            <a:r>
-              <a:rPr lang="en-US" sz="900" dirty="0" err="1" smtClean="0"/>
-              <a:t>getUnknownChildren</a:t>
-            </a:r>
-            <a:r>
-              <a:rPr lang="en-US" sz="900" dirty="0" smtClean="0"/>
-              <a:t>)</a:t>
-            </a:r>
-          </a:p>
-          <a:p>
-            <a:r>
-              <a:rPr lang="en-US" sz="900" dirty="0" smtClean="0"/>
-              <a:t>       12    0.000    0.000    0.001    0.000 DirectoryDefs.py:169(</a:t>
-            </a:r>
-            <a:r>
-              <a:rPr lang="en-US" sz="900" dirty="0" err="1" smtClean="0"/>
-              <a:t>getChildren</a:t>
-            </a:r>
-            <a:r>
-              <a:rPr lang="en-US" sz="900" dirty="0" smtClean="0"/>
-              <a:t>)</a:t>
-            </a:r>
-          </a:p>
-          <a:p>
-            <a:r>
-              <a:rPr lang="en-US" sz="900" dirty="0" smtClean="0"/>
-              <a:t>      261    0.001    0.000    0.001    0.000 DirectoryDefs.py:206(_</a:t>
-            </a:r>
-            <a:r>
-              <a:rPr lang="en-US" sz="900" dirty="0" err="1" smtClean="0"/>
-              <a:t>addElement</a:t>
-            </a:r>
-            <a:r>
-              <a:rPr lang="en-US" sz="900" dirty="0" smtClean="0"/>
-              <a:t>)</a:t>
-            </a:r>
-          </a:p>
-          <a:p>
-            <a:r>
-              <a:rPr lang="en-US" sz="900" dirty="0" smtClean="0"/>
-              <a:t>       24    0.004    0.000   27.544    1.148 DirectoryDefs.py:219(</a:t>
-            </a:r>
-            <a:r>
-              <a:rPr lang="en-US" sz="900" dirty="0" err="1" smtClean="0"/>
-              <a:t>addChildren</a:t>
-            </a:r>
-            <a:r>
-              <a:rPr lang="en-US" sz="900" dirty="0" smtClean="0"/>
-              <a:t>)</a:t>
-            </a:r>
-          </a:p>
-          <a:p>
-            <a:r>
-              <a:rPr lang="en-US" sz="900" dirty="0" smtClean="0"/>
-              <a:t>(</a:t>
-            </a:r>
-            <a:r>
-              <a:rPr lang="ja-JP" altLang="en-US" sz="900" dirty="0" smtClean="0"/>
-              <a:t>中略</a:t>
-            </a:r>
-            <a:r>
-              <a:rPr lang="en-US" altLang="ja-JP" sz="900" dirty="0" smtClean="0"/>
-              <a:t>)</a:t>
-            </a:r>
-          </a:p>
-          <a:p>
-            <a:r>
-              <a:rPr lang="en-US" altLang="ja-JP" sz="900" dirty="0" smtClean="0"/>
-              <a:t>      744    0.003    0.000   25.210    0.034 </a:t>
-            </a:r>
-            <a:r>
-              <a:rPr lang="en-US" sz="900" dirty="0" smtClean="0"/>
-              <a:t>Project.py:349(</a:t>
-            </a:r>
-            <a:r>
-              <a:rPr lang="en-US" sz="900" dirty="0" err="1" smtClean="0"/>
-              <a:t>getAbsPathByNode</a:t>
-            </a:r>
-            <a:r>
-              <a:rPr lang="en-US" sz="900" dirty="0" smtClean="0"/>
-              <a:t>)</a:t>
-            </a:r>
-          </a:p>
-          <a:p>
-            <a:r>
-              <a:rPr lang="en-US" sz="900" dirty="0" smtClean="0"/>
-              <a:t>      732    0.024    0.000   24.842    0.034 Project.py:353(</a:t>
-            </a:r>
-            <a:r>
-              <a:rPr lang="en-US" sz="900" dirty="0" err="1" smtClean="0"/>
-              <a:t>getAbsPath</a:t>
-            </a:r>
-            <a:r>
-              <a:rPr lang="en-US" sz="900" dirty="0" smtClean="0"/>
-              <a:t>)</a:t>
-            </a:r>
-          </a:p>
-          <a:p>
-            <a:r>
-              <a:rPr lang="en-US" sz="900" b="1" dirty="0" smtClean="0">
-                <a:solidFill>
-                  <a:srgbClr val="FF0000"/>
-                </a:solidFill>
-              </a:rPr>
-              <a:t>98256/16376    1.432    0.000   22.201    0.001 Project.py:90(</a:t>
-            </a:r>
-            <a:r>
-              <a:rPr lang="en-US" sz="900" b="1" dirty="0" err="1" smtClean="0">
-                <a:solidFill>
-                  <a:srgbClr val="FF0000"/>
-                </a:solidFill>
-              </a:rPr>
-              <a:t>getInfo</a:t>
-            </a:r>
-            <a:r>
-              <a:rPr lang="en-US" sz="900" b="1" dirty="0" smtClean="0">
-                <a:solidFill>
-                  <a:srgbClr val="FF0000"/>
-                </a:solidFill>
-              </a:rPr>
-              <a:t>)</a:t>
-            </a:r>
-          </a:p>
-          <a:p>
-            <a:r>
-              <a:rPr lang="en-US" sz="900" dirty="0" smtClean="0"/>
-              <a:t>    32796    0.278    0.000    0.278    0.000 ProjectInfoManager.py:132(Get)</a:t>
-            </a:r>
-          </a:p>
-          <a:p>
-            <a:r>
-              <a:rPr lang="en-US" sz="900" dirty="0" smtClean="0"/>
-              <a:t>    32796    0.599    0.000    0.600    0.000 ProjectInfoManager.py:64(</a:t>
-            </a:r>
-            <a:r>
-              <a:rPr lang="en-US" sz="900" dirty="0" err="1" smtClean="0"/>
-              <a:t>getProject</a:t>
-            </a:r>
-            <a:r>
-              <a:rPr lang="en-US" sz="900" dirty="0" smtClean="0"/>
-              <a:t>)</a:t>
-            </a:r>
-          </a:p>
-        </p:txBody>
-      </p:sp>
+            <a:ln>
+              <a:solidFill>
+                <a:schemeClr val="tx1"/>
+              </a:solidFill>
+            </a:ln>
+          </p:spPr>
+          <p:txBody>
+            <a:bodyPr wrap="square" rtlCol="0">
+              <a:spAutoFit/>
+            </a:bodyPr>
+            <a:lstStyle/>
+            <a:p>
+              <a:r>
+                <a:rPr lang="en-US" sz="900" dirty="0" smtClean="0">
+                  <a:latin typeface="メイリオ" pitchFamily="50" charset="-128"/>
+                  <a:ea typeface="メイリオ" pitchFamily="50" charset="-128"/>
+                  <a:cs typeface="メイリオ" pitchFamily="50" charset="-128"/>
+                </a:rPr>
+                <a:t>D:\</a:t>
+              </a:r>
+              <a:r>
+                <a:rPr lang="en-US" sz="900" dirty="0" smtClean="0">
+                  <a:latin typeface="メイリオ" pitchFamily="50" charset="-128"/>
+                  <a:ea typeface="メイリオ" pitchFamily="50" charset="-128"/>
+                  <a:cs typeface="メイリオ" pitchFamily="50" charset="-128"/>
+                </a:rPr>
+                <a:t>chiyama&gt;python </a:t>
+              </a:r>
+              <a:r>
+                <a:rPr lang="en-US" sz="900" dirty="0" smtClean="0">
+                  <a:latin typeface="メイリオ" pitchFamily="50" charset="-128"/>
+                  <a:ea typeface="メイリオ" pitchFamily="50" charset="-128"/>
+                  <a:cs typeface="メイリオ" pitchFamily="50" charset="-128"/>
+                </a:rPr>
+                <a:t>testDirectoryDefs.py</a:t>
+              </a:r>
+            </a:p>
+            <a:p>
+              <a:r>
+                <a:rPr lang="en-US" sz="900" dirty="0" smtClean="0">
+                  <a:latin typeface="メイリオ" pitchFamily="50" charset="-128"/>
+                  <a:ea typeface="メイリオ" pitchFamily="50" charset="-128"/>
+                  <a:cs typeface="メイリオ" pitchFamily="50" charset="-128"/>
+                </a:rPr>
+                <a:t>         11190417 function calls (11057225 primitive calls) in </a:t>
+              </a:r>
+              <a:r>
+                <a:rPr lang="en-US" sz="900" b="1" dirty="0" smtClean="0">
+                  <a:solidFill>
+                    <a:srgbClr val="FF0000"/>
+                  </a:solidFill>
+                  <a:latin typeface="メイリオ" pitchFamily="50" charset="-128"/>
+                  <a:ea typeface="メイリオ" pitchFamily="50" charset="-128"/>
+                  <a:cs typeface="メイリオ" pitchFamily="50" charset="-128"/>
+                </a:rPr>
+                <a:t>28.010 CPU seconds</a:t>
+              </a:r>
+            </a:p>
+            <a:p>
+              <a:endParaRPr lang="en-US" sz="900" dirty="0" smtClean="0">
+                <a:latin typeface="メイリオ" pitchFamily="50" charset="-128"/>
+                <a:ea typeface="メイリオ" pitchFamily="50" charset="-128"/>
+                <a:cs typeface="メイリオ" pitchFamily="50" charset="-128"/>
+              </a:endParaRPr>
+            </a:p>
+            <a:p>
+              <a:r>
+                <a:rPr lang="en-US" sz="900" dirty="0" smtClean="0">
+                  <a:latin typeface="メイリオ" pitchFamily="50" charset="-128"/>
+                  <a:ea typeface="メイリオ" pitchFamily="50" charset="-128"/>
+                  <a:cs typeface="メイリオ" pitchFamily="50" charset="-128"/>
+                </a:rPr>
+                <a:t>   Ordered by: standard name</a:t>
+              </a:r>
+            </a:p>
+            <a:p>
+              <a:endParaRPr lang="en-US" sz="900" dirty="0" smtClean="0">
+                <a:latin typeface="メイリオ" pitchFamily="50" charset="-128"/>
+                <a:ea typeface="メイリオ" pitchFamily="50" charset="-128"/>
+                <a:cs typeface="メイリオ" pitchFamily="50" charset="-128"/>
+              </a:endParaRPr>
+            </a:p>
+            <a:p>
+              <a:r>
+                <a:rPr lang="en-US" sz="900" dirty="0" smtClean="0">
+                  <a:latin typeface="メイリオ" pitchFamily="50" charset="-128"/>
+                  <a:ea typeface="メイリオ" pitchFamily="50" charset="-128"/>
+                  <a:cs typeface="メイリオ" pitchFamily="50" charset="-128"/>
+                </a:rPr>
+                <a:t>   </a:t>
+              </a:r>
+              <a:r>
+                <a:rPr lang="en-US" sz="900" dirty="0" err="1" smtClean="0">
+                  <a:latin typeface="メイリオ" pitchFamily="50" charset="-128"/>
+                  <a:ea typeface="メイリオ" pitchFamily="50" charset="-128"/>
+                  <a:cs typeface="メイリオ" pitchFamily="50" charset="-128"/>
+                </a:rPr>
+                <a:t>ncalls</a:t>
+              </a:r>
+              <a:r>
+                <a:rPr lang="en-US" sz="900" dirty="0" smtClean="0">
+                  <a:latin typeface="メイリオ" pitchFamily="50" charset="-128"/>
+                  <a:ea typeface="メイリオ" pitchFamily="50" charset="-128"/>
+                  <a:cs typeface="メイリオ" pitchFamily="50" charset="-128"/>
+                </a:rPr>
+                <a:t>  </a:t>
+              </a:r>
+              <a:r>
+                <a:rPr lang="en-US" sz="900" dirty="0" err="1" smtClean="0">
+                  <a:latin typeface="メイリオ" pitchFamily="50" charset="-128"/>
+                  <a:ea typeface="メイリオ" pitchFamily="50" charset="-128"/>
+                  <a:cs typeface="メイリオ" pitchFamily="50" charset="-128"/>
+                </a:rPr>
+                <a:t>tottime</a:t>
+              </a:r>
+              <a:r>
+                <a:rPr lang="en-US" sz="900" dirty="0" smtClean="0">
+                  <a:latin typeface="メイリオ" pitchFamily="50" charset="-128"/>
+                  <a:ea typeface="メイリオ" pitchFamily="50" charset="-128"/>
+                  <a:cs typeface="メイリオ" pitchFamily="50" charset="-128"/>
+                </a:rPr>
+                <a:t>  </a:t>
+              </a:r>
+              <a:r>
+                <a:rPr lang="en-US" sz="900" dirty="0" err="1" smtClean="0">
+                  <a:latin typeface="メイリオ" pitchFamily="50" charset="-128"/>
+                  <a:ea typeface="メイリオ" pitchFamily="50" charset="-128"/>
+                  <a:cs typeface="メイリオ" pitchFamily="50" charset="-128"/>
+                </a:rPr>
+                <a:t>percall</a:t>
+              </a:r>
+              <a:r>
+                <a:rPr lang="en-US" sz="900" dirty="0" smtClean="0">
+                  <a:latin typeface="メイリオ" pitchFamily="50" charset="-128"/>
+                  <a:ea typeface="メイリオ" pitchFamily="50" charset="-128"/>
+                  <a:cs typeface="メイリオ" pitchFamily="50" charset="-128"/>
+                </a:rPr>
+                <a:t>  </a:t>
+              </a:r>
+              <a:r>
+                <a:rPr lang="en-US" sz="900" dirty="0" err="1" smtClean="0">
+                  <a:latin typeface="メイリオ" pitchFamily="50" charset="-128"/>
+                  <a:ea typeface="メイリオ" pitchFamily="50" charset="-128"/>
+                  <a:cs typeface="メイリオ" pitchFamily="50" charset="-128"/>
+                </a:rPr>
+                <a:t>cumtime</a:t>
+              </a:r>
+              <a:r>
+                <a:rPr lang="en-US" sz="900" dirty="0" smtClean="0">
+                  <a:latin typeface="メイリオ" pitchFamily="50" charset="-128"/>
+                  <a:ea typeface="メイリオ" pitchFamily="50" charset="-128"/>
+                  <a:cs typeface="メイリオ" pitchFamily="50" charset="-128"/>
+                </a:rPr>
+                <a:t>  </a:t>
+              </a:r>
+              <a:r>
+                <a:rPr lang="en-US" sz="900" dirty="0" err="1" smtClean="0">
+                  <a:latin typeface="メイリオ" pitchFamily="50" charset="-128"/>
+                  <a:ea typeface="メイリオ" pitchFamily="50" charset="-128"/>
+                  <a:cs typeface="メイリオ" pitchFamily="50" charset="-128"/>
+                </a:rPr>
+                <a:t>percall</a:t>
+              </a:r>
+              <a:r>
+                <a:rPr lang="en-US" sz="900" dirty="0" smtClean="0">
+                  <a:latin typeface="メイリオ" pitchFamily="50" charset="-128"/>
+                  <a:ea typeface="メイリオ" pitchFamily="50" charset="-128"/>
+                  <a:cs typeface="メイリオ" pitchFamily="50" charset="-128"/>
+                </a:rPr>
+                <a:t> </a:t>
+              </a:r>
+              <a:r>
+                <a:rPr lang="en-US" sz="900" dirty="0" err="1" smtClean="0">
+                  <a:latin typeface="メイリオ" pitchFamily="50" charset="-128"/>
+                  <a:ea typeface="メイリオ" pitchFamily="50" charset="-128"/>
+                  <a:cs typeface="メイリオ" pitchFamily="50" charset="-128"/>
+                </a:rPr>
+                <a:t>filename:lineno</a:t>
+              </a:r>
+              <a:r>
+                <a:rPr lang="en-US" sz="900" dirty="0" smtClean="0">
+                  <a:latin typeface="メイリオ" pitchFamily="50" charset="-128"/>
+                  <a:ea typeface="メイリオ" pitchFamily="50" charset="-128"/>
+                  <a:cs typeface="メイリオ" pitchFamily="50" charset="-128"/>
+                </a:rPr>
+                <a:t>(function)</a:t>
+              </a:r>
+            </a:p>
+            <a:p>
+              <a:r>
+                <a:rPr lang="en-US" sz="900" dirty="0" smtClean="0">
+                  <a:latin typeface="メイリオ" pitchFamily="50" charset="-128"/>
+                  <a:ea typeface="メイリオ" pitchFamily="50" charset="-128"/>
+                  <a:cs typeface="メイリオ" pitchFamily="50" charset="-128"/>
+                </a:rPr>
+                <a:t>        1    0.000    0.000    0.000    0.000 &lt;string&gt;:1(&lt;module&gt;)</a:t>
+              </a:r>
+            </a:p>
+            <a:p>
+              <a:r>
+                <a:rPr lang="en-US" sz="900" dirty="0" smtClean="0">
+                  <a:latin typeface="メイリオ" pitchFamily="50" charset="-128"/>
+                  <a:ea typeface="メイリオ" pitchFamily="50" charset="-128"/>
+                  <a:cs typeface="メイリオ" pitchFamily="50" charset="-128"/>
+                </a:rPr>
+                <a:t>       84    0.003    0.000   27.492    0.327 DirectoryDefs.py:1033(</a:t>
+              </a:r>
+              <a:r>
+                <a:rPr lang="en-US" sz="900" dirty="0" err="1" smtClean="0">
+                  <a:latin typeface="メイリオ" pitchFamily="50" charset="-128"/>
+                  <a:ea typeface="メイリオ" pitchFamily="50" charset="-128"/>
+                  <a:cs typeface="メイリオ" pitchFamily="50" charset="-128"/>
+                </a:rPr>
+                <a:t>filterNames</a:t>
+              </a:r>
+              <a:r>
+                <a:rPr lang="en-US" sz="900" dirty="0" smtClean="0">
+                  <a:latin typeface="メイリオ" pitchFamily="50" charset="-128"/>
+                  <a:ea typeface="メイリオ" pitchFamily="50" charset="-128"/>
+                  <a:cs typeface="メイリオ" pitchFamily="50" charset="-128"/>
+                </a:rPr>
+                <a:t>)</a:t>
+              </a:r>
+            </a:p>
+            <a:p>
+              <a:r>
+                <a:rPr lang="en-US" sz="900" dirty="0" smtClean="0">
+                  <a:latin typeface="メイリオ" pitchFamily="50" charset="-128"/>
+                  <a:ea typeface="メイリオ" pitchFamily="50" charset="-128"/>
+                  <a:cs typeface="メイリオ" pitchFamily="50" charset="-128"/>
+                </a:rPr>
+                <a:t>       36    0.000    0.000    0.000    0.000 DirectoryDefs.py:1066(Get)</a:t>
+              </a:r>
+            </a:p>
+            <a:p>
+              <a:r>
+                <a:rPr lang="en-US" sz="900" dirty="0" smtClean="0">
+                  <a:latin typeface="メイリオ" pitchFamily="50" charset="-128"/>
+                  <a:ea typeface="メイリオ" pitchFamily="50" charset="-128"/>
+                  <a:cs typeface="メイリオ" pitchFamily="50" charset="-128"/>
+                </a:rPr>
+                <a:t>      261    0.002    0.000    0.006    0.000 DirectoryDefs.py:121(</a:t>
+              </a:r>
+              <a:r>
+                <a:rPr lang="en-US" sz="900" dirty="0" err="1" smtClean="0">
+                  <a:latin typeface="メイリオ" pitchFamily="50" charset="-128"/>
+                  <a:ea typeface="メイリオ" pitchFamily="50" charset="-128"/>
+                  <a:cs typeface="メイリオ" pitchFamily="50" charset="-128"/>
+                </a:rPr>
+                <a:t>getChild</a:t>
+              </a:r>
+              <a:r>
+                <a:rPr lang="en-US" sz="900" dirty="0" smtClean="0">
+                  <a:latin typeface="メイリオ" pitchFamily="50" charset="-128"/>
+                  <a:ea typeface="メイリオ" pitchFamily="50" charset="-128"/>
+                  <a:cs typeface="メイリオ" pitchFamily="50" charset="-128"/>
+                </a:rPr>
+                <a:t>)</a:t>
+              </a:r>
+            </a:p>
+            <a:p>
+              <a:r>
+                <a:rPr lang="en-US" sz="900" dirty="0" smtClean="0">
+                  <a:latin typeface="メイリオ" pitchFamily="50" charset="-128"/>
+                  <a:ea typeface="メイリオ" pitchFamily="50" charset="-128"/>
+                  <a:cs typeface="メイリオ" pitchFamily="50" charset="-128"/>
+                </a:rPr>
+                <a:t>      855    0.004    0.000    0.004    0.000 DirectoryDefs.py:132(_</a:t>
+              </a:r>
+              <a:r>
+                <a:rPr lang="en-US" sz="900" dirty="0" err="1" smtClean="0">
+                  <a:latin typeface="メイリオ" pitchFamily="50" charset="-128"/>
+                  <a:ea typeface="メイリオ" pitchFamily="50" charset="-128"/>
+                  <a:cs typeface="メイリオ" pitchFamily="50" charset="-128"/>
+                </a:rPr>
+                <a:t>getSomeChildren</a:t>
+              </a:r>
+              <a:r>
+                <a:rPr lang="en-US" sz="900" dirty="0" smtClean="0">
+                  <a:latin typeface="メイリオ" pitchFamily="50" charset="-128"/>
+                  <a:ea typeface="メイリオ" pitchFamily="50" charset="-128"/>
+                  <a:cs typeface="メイリオ" pitchFamily="50" charset="-128"/>
+                </a:rPr>
+                <a:t>)</a:t>
+              </a:r>
+            </a:p>
+            <a:p>
+              <a:r>
+                <a:rPr lang="en-US" sz="900" dirty="0" smtClean="0">
+                  <a:latin typeface="メイリオ" pitchFamily="50" charset="-128"/>
+                  <a:ea typeface="メイリオ" pitchFamily="50" charset="-128"/>
+                  <a:cs typeface="メイリオ" pitchFamily="50" charset="-128"/>
+                </a:rPr>
+                <a:t>      285    0.000    0.000    0.002    0.000 DirectoryDefs.py:157(</a:t>
+              </a:r>
+              <a:r>
+                <a:rPr lang="en-US" sz="900" dirty="0" err="1" smtClean="0">
+                  <a:latin typeface="メイリオ" pitchFamily="50" charset="-128"/>
+                  <a:ea typeface="メイリオ" pitchFamily="50" charset="-128"/>
+                  <a:cs typeface="メイリオ" pitchFamily="50" charset="-128"/>
+                </a:rPr>
+                <a:t>getRequiredChildren</a:t>
+              </a:r>
+              <a:r>
+                <a:rPr lang="en-US" sz="900" dirty="0" smtClean="0">
+                  <a:latin typeface="メイリオ" pitchFamily="50" charset="-128"/>
+                  <a:ea typeface="メイリオ" pitchFamily="50" charset="-128"/>
+                  <a:cs typeface="メイリオ" pitchFamily="50" charset="-128"/>
+                </a:rPr>
+                <a:t>)</a:t>
+              </a:r>
+            </a:p>
+            <a:p>
+              <a:r>
+                <a:rPr lang="en-US" sz="900" dirty="0" smtClean="0">
+                  <a:latin typeface="メイリオ" pitchFamily="50" charset="-128"/>
+                  <a:ea typeface="メイリオ" pitchFamily="50" charset="-128"/>
+                  <a:cs typeface="メイリオ" pitchFamily="50" charset="-128"/>
+                </a:rPr>
+                <a:t>      285    0.000    0.000    0.001    0.000 DirectoryDefs.py:161(</a:t>
+              </a:r>
+              <a:r>
+                <a:rPr lang="en-US" sz="900" dirty="0" err="1" smtClean="0">
+                  <a:latin typeface="メイリオ" pitchFamily="50" charset="-128"/>
+                  <a:ea typeface="メイリオ" pitchFamily="50" charset="-128"/>
+                  <a:cs typeface="メイリオ" pitchFamily="50" charset="-128"/>
+                </a:rPr>
+                <a:t>getOptionalChildren</a:t>
+              </a:r>
+              <a:r>
+                <a:rPr lang="en-US" sz="900" dirty="0" smtClean="0">
+                  <a:latin typeface="メイリオ" pitchFamily="50" charset="-128"/>
+                  <a:ea typeface="メイリオ" pitchFamily="50" charset="-128"/>
+                  <a:cs typeface="メイリオ" pitchFamily="50" charset="-128"/>
+                </a:rPr>
+                <a:t>)</a:t>
+              </a:r>
+            </a:p>
+            <a:p>
+              <a:r>
+                <a:rPr lang="en-US" sz="900" dirty="0" smtClean="0">
+                  <a:latin typeface="メイリオ" pitchFamily="50" charset="-128"/>
+                  <a:ea typeface="メイリオ" pitchFamily="50" charset="-128"/>
+                  <a:cs typeface="メイリオ" pitchFamily="50" charset="-128"/>
+                </a:rPr>
+                <a:t>      285    0.000    0.000    0.001    0.000 DirectoryDefs.py:165(</a:t>
+              </a:r>
+              <a:r>
+                <a:rPr lang="en-US" sz="900" dirty="0" err="1" smtClean="0">
+                  <a:latin typeface="メイリオ" pitchFamily="50" charset="-128"/>
+                  <a:ea typeface="メイリオ" pitchFamily="50" charset="-128"/>
+                  <a:cs typeface="メイリオ" pitchFamily="50" charset="-128"/>
+                </a:rPr>
+                <a:t>getUnknownChildren</a:t>
+              </a:r>
+              <a:r>
+                <a:rPr lang="en-US" sz="900" dirty="0" smtClean="0">
+                  <a:latin typeface="メイリオ" pitchFamily="50" charset="-128"/>
+                  <a:ea typeface="メイリオ" pitchFamily="50" charset="-128"/>
+                  <a:cs typeface="メイリオ" pitchFamily="50" charset="-128"/>
+                </a:rPr>
+                <a:t>)</a:t>
+              </a:r>
+            </a:p>
+            <a:p>
+              <a:r>
+                <a:rPr lang="en-US" sz="900" dirty="0" smtClean="0">
+                  <a:latin typeface="メイリオ" pitchFamily="50" charset="-128"/>
+                  <a:ea typeface="メイリオ" pitchFamily="50" charset="-128"/>
+                  <a:cs typeface="メイリオ" pitchFamily="50" charset="-128"/>
+                </a:rPr>
+                <a:t>       12    0.000    0.000    0.001    0.000 DirectoryDefs.py:169(</a:t>
+              </a:r>
+              <a:r>
+                <a:rPr lang="en-US" sz="900" dirty="0" err="1" smtClean="0">
+                  <a:latin typeface="メイリオ" pitchFamily="50" charset="-128"/>
+                  <a:ea typeface="メイリオ" pitchFamily="50" charset="-128"/>
+                  <a:cs typeface="メイリオ" pitchFamily="50" charset="-128"/>
+                </a:rPr>
+                <a:t>getChildren</a:t>
+              </a:r>
+              <a:r>
+                <a:rPr lang="en-US" sz="900" dirty="0" smtClean="0">
+                  <a:latin typeface="メイリオ" pitchFamily="50" charset="-128"/>
+                  <a:ea typeface="メイリオ" pitchFamily="50" charset="-128"/>
+                  <a:cs typeface="メイリオ" pitchFamily="50" charset="-128"/>
+                </a:rPr>
+                <a:t>)</a:t>
+              </a:r>
+            </a:p>
+            <a:p>
+              <a:r>
+                <a:rPr lang="en-US" sz="900" dirty="0" smtClean="0">
+                  <a:latin typeface="メイリオ" pitchFamily="50" charset="-128"/>
+                  <a:ea typeface="メイリオ" pitchFamily="50" charset="-128"/>
+                  <a:cs typeface="メイリオ" pitchFamily="50" charset="-128"/>
+                </a:rPr>
+                <a:t>      261    0.001    0.000    0.001    0.000 DirectoryDefs.py:206(_</a:t>
+              </a:r>
+              <a:r>
+                <a:rPr lang="en-US" sz="900" dirty="0" err="1" smtClean="0">
+                  <a:latin typeface="メイリオ" pitchFamily="50" charset="-128"/>
+                  <a:ea typeface="メイリオ" pitchFamily="50" charset="-128"/>
+                  <a:cs typeface="メイリオ" pitchFamily="50" charset="-128"/>
+                </a:rPr>
+                <a:t>addElement</a:t>
+              </a:r>
+              <a:r>
+                <a:rPr lang="en-US" sz="900" dirty="0" smtClean="0">
+                  <a:latin typeface="メイリオ" pitchFamily="50" charset="-128"/>
+                  <a:ea typeface="メイリオ" pitchFamily="50" charset="-128"/>
+                  <a:cs typeface="メイリオ" pitchFamily="50" charset="-128"/>
+                </a:rPr>
+                <a:t>)</a:t>
+              </a:r>
+            </a:p>
+            <a:p>
+              <a:r>
+                <a:rPr lang="en-US" sz="900" dirty="0" smtClean="0">
+                  <a:latin typeface="メイリオ" pitchFamily="50" charset="-128"/>
+                  <a:ea typeface="メイリオ" pitchFamily="50" charset="-128"/>
+                  <a:cs typeface="メイリオ" pitchFamily="50" charset="-128"/>
+                </a:rPr>
+                <a:t>       24    0.004    0.000   27.544    1.148 DirectoryDefs.py:219(</a:t>
+              </a:r>
+              <a:r>
+                <a:rPr lang="en-US" sz="900" dirty="0" err="1" smtClean="0">
+                  <a:latin typeface="メイリオ" pitchFamily="50" charset="-128"/>
+                  <a:ea typeface="メイリオ" pitchFamily="50" charset="-128"/>
+                  <a:cs typeface="メイリオ" pitchFamily="50" charset="-128"/>
+                </a:rPr>
+                <a:t>addChildren</a:t>
+              </a:r>
+              <a:r>
+                <a:rPr lang="en-US" sz="900" dirty="0" smtClean="0">
+                  <a:latin typeface="メイリオ" pitchFamily="50" charset="-128"/>
+                  <a:ea typeface="メイリオ" pitchFamily="50" charset="-128"/>
+                  <a:cs typeface="メイリオ" pitchFamily="50" charset="-128"/>
+                </a:rPr>
+                <a:t>)</a:t>
+              </a:r>
+            </a:p>
+            <a:p>
+              <a:r>
+                <a:rPr lang="en-US" sz="900" dirty="0" smtClean="0">
+                  <a:latin typeface="メイリオ" pitchFamily="50" charset="-128"/>
+                  <a:ea typeface="メイリオ" pitchFamily="50" charset="-128"/>
+                  <a:cs typeface="メイリオ" pitchFamily="50" charset="-128"/>
+                </a:rPr>
+                <a:t>(</a:t>
+              </a:r>
+              <a:r>
+                <a:rPr lang="ja-JP" altLang="en-US" sz="900" dirty="0" smtClean="0">
+                  <a:latin typeface="メイリオ" pitchFamily="50" charset="-128"/>
+                  <a:ea typeface="メイリオ" pitchFamily="50" charset="-128"/>
+                  <a:cs typeface="メイリオ" pitchFamily="50" charset="-128"/>
+                </a:rPr>
+                <a:t>中略</a:t>
+              </a:r>
+              <a:r>
+                <a:rPr lang="en-US" altLang="ja-JP" sz="900" dirty="0" smtClean="0">
+                  <a:latin typeface="メイリオ" pitchFamily="50" charset="-128"/>
+                  <a:ea typeface="メイリオ" pitchFamily="50" charset="-128"/>
+                  <a:cs typeface="メイリオ" pitchFamily="50" charset="-128"/>
+                </a:rPr>
+                <a:t>)</a:t>
+              </a:r>
+            </a:p>
+            <a:p>
+              <a:r>
+                <a:rPr lang="en-US" altLang="ja-JP" sz="900" dirty="0" smtClean="0">
+                  <a:latin typeface="メイリオ" pitchFamily="50" charset="-128"/>
+                  <a:ea typeface="メイリオ" pitchFamily="50" charset="-128"/>
+                  <a:cs typeface="メイリオ" pitchFamily="50" charset="-128"/>
+                </a:rPr>
+                <a:t>      744    0.003    0.000   25.210    0.034 </a:t>
+              </a:r>
+              <a:r>
+                <a:rPr lang="en-US" sz="900" dirty="0" smtClean="0">
+                  <a:latin typeface="メイリオ" pitchFamily="50" charset="-128"/>
+                  <a:ea typeface="メイリオ" pitchFamily="50" charset="-128"/>
+                  <a:cs typeface="メイリオ" pitchFamily="50" charset="-128"/>
+                </a:rPr>
+                <a:t>Project.py:349(</a:t>
+              </a:r>
+              <a:r>
+                <a:rPr lang="en-US" sz="900" dirty="0" err="1" smtClean="0">
+                  <a:latin typeface="メイリオ" pitchFamily="50" charset="-128"/>
+                  <a:ea typeface="メイリオ" pitchFamily="50" charset="-128"/>
+                  <a:cs typeface="メイリオ" pitchFamily="50" charset="-128"/>
+                </a:rPr>
+                <a:t>getAbsPathByNode</a:t>
+              </a:r>
+              <a:r>
+                <a:rPr lang="en-US" sz="900" dirty="0" smtClean="0">
+                  <a:latin typeface="メイリオ" pitchFamily="50" charset="-128"/>
+                  <a:ea typeface="メイリオ" pitchFamily="50" charset="-128"/>
+                  <a:cs typeface="メイリオ" pitchFamily="50" charset="-128"/>
+                </a:rPr>
+                <a:t>)</a:t>
+              </a:r>
+            </a:p>
+            <a:p>
+              <a:r>
+                <a:rPr lang="en-US" sz="900" dirty="0" smtClean="0">
+                  <a:latin typeface="メイリオ" pitchFamily="50" charset="-128"/>
+                  <a:ea typeface="メイリオ" pitchFamily="50" charset="-128"/>
+                  <a:cs typeface="メイリオ" pitchFamily="50" charset="-128"/>
+                </a:rPr>
+                <a:t>      732    0.024    0.000   24.842    0.034 Project.py:353(</a:t>
+              </a:r>
+              <a:r>
+                <a:rPr lang="en-US" sz="900" dirty="0" err="1" smtClean="0">
+                  <a:latin typeface="メイリオ" pitchFamily="50" charset="-128"/>
+                  <a:ea typeface="メイリオ" pitchFamily="50" charset="-128"/>
+                  <a:cs typeface="メイリオ" pitchFamily="50" charset="-128"/>
+                </a:rPr>
+                <a:t>getAbsPath</a:t>
+              </a:r>
+              <a:r>
+                <a:rPr lang="en-US" sz="900" dirty="0" smtClean="0">
+                  <a:latin typeface="メイリオ" pitchFamily="50" charset="-128"/>
+                  <a:ea typeface="メイリオ" pitchFamily="50" charset="-128"/>
+                  <a:cs typeface="メイリオ" pitchFamily="50" charset="-128"/>
+                </a:rPr>
+                <a:t>)</a:t>
+              </a:r>
+            </a:p>
+            <a:p>
+              <a:r>
+                <a:rPr lang="en-US" sz="900" b="1" dirty="0" smtClean="0">
+                  <a:solidFill>
+                    <a:srgbClr val="FF0000"/>
+                  </a:solidFill>
+                  <a:latin typeface="メイリオ" pitchFamily="50" charset="-128"/>
+                  <a:ea typeface="メイリオ" pitchFamily="50" charset="-128"/>
+                  <a:cs typeface="メイリオ" pitchFamily="50" charset="-128"/>
+                </a:rPr>
+                <a:t>98256/16376    1.432    0.000   22.201    0.001 Project.py:90(</a:t>
+              </a:r>
+              <a:r>
+                <a:rPr lang="en-US" sz="900" b="1" dirty="0" err="1" smtClean="0">
+                  <a:solidFill>
+                    <a:srgbClr val="FF0000"/>
+                  </a:solidFill>
+                  <a:latin typeface="メイリオ" pitchFamily="50" charset="-128"/>
+                  <a:ea typeface="メイリオ" pitchFamily="50" charset="-128"/>
+                  <a:cs typeface="メイリオ" pitchFamily="50" charset="-128"/>
+                </a:rPr>
+                <a:t>getInfo</a:t>
+              </a:r>
+              <a:r>
+                <a:rPr lang="en-US" sz="900" b="1" dirty="0" smtClean="0">
+                  <a:solidFill>
+                    <a:srgbClr val="FF0000"/>
+                  </a:solidFill>
+                  <a:latin typeface="メイリオ" pitchFamily="50" charset="-128"/>
+                  <a:ea typeface="メイリオ" pitchFamily="50" charset="-128"/>
+                  <a:cs typeface="メイリオ" pitchFamily="50" charset="-128"/>
+                </a:rPr>
+                <a:t>)</a:t>
+              </a:r>
+            </a:p>
+            <a:p>
+              <a:r>
+                <a:rPr lang="en-US" sz="900" dirty="0" smtClean="0">
+                  <a:latin typeface="メイリオ" pitchFamily="50" charset="-128"/>
+                  <a:ea typeface="メイリオ" pitchFamily="50" charset="-128"/>
+                  <a:cs typeface="メイリオ" pitchFamily="50" charset="-128"/>
+                </a:rPr>
+                <a:t>    32796    0.278    0.000    0.278    0.000 ProjectInfoManager.py:132(Get)</a:t>
+              </a:r>
+            </a:p>
+            <a:p>
+              <a:r>
+                <a:rPr lang="en-US" sz="900" dirty="0" smtClean="0">
+                  <a:latin typeface="メイリオ" pitchFamily="50" charset="-128"/>
+                  <a:ea typeface="メイリオ" pitchFamily="50" charset="-128"/>
+                  <a:cs typeface="メイリオ" pitchFamily="50" charset="-128"/>
+                </a:rPr>
+                <a:t>    32796    0.599    0.000    0.600    0.000 ProjectInfoManager.py:64(</a:t>
+              </a:r>
+              <a:r>
+                <a:rPr lang="en-US" sz="900" dirty="0" err="1" smtClean="0">
+                  <a:latin typeface="メイリオ" pitchFamily="50" charset="-128"/>
+                  <a:ea typeface="メイリオ" pitchFamily="50" charset="-128"/>
+                  <a:cs typeface="メイリオ" pitchFamily="50" charset="-128"/>
+                </a:rPr>
+                <a:t>getProject</a:t>
+              </a:r>
+              <a:r>
+                <a:rPr lang="en-US" sz="900" dirty="0" smtClean="0">
+                  <a:latin typeface="メイリオ" pitchFamily="50" charset="-128"/>
+                  <a:ea typeface="メイリオ" pitchFamily="50" charset="-128"/>
+                  <a:cs typeface="メイリオ" pitchFamily="50" charset="-128"/>
+                </a:rPr>
+                <a:t>)</a:t>
+              </a:r>
+            </a:p>
+          </p:txBody>
+        </p:sp>
+        <p:sp>
+          <p:nvSpPr>
+            <p:cNvPr id="9" name="四角形吹き出し 8"/>
+            <p:cNvSpPr/>
+            <p:nvPr/>
+          </p:nvSpPr>
+          <p:spPr>
+            <a:xfrm>
+              <a:off x="5429256" y="1189156"/>
+              <a:ext cx="2928958" cy="500066"/>
+            </a:xfrm>
+            <a:prstGeom prst="wedgeRectCallout">
+              <a:avLst>
+                <a:gd name="adj1" fmla="val -67925"/>
+                <a:gd name="adj2" fmla="val -67023"/>
+              </a:avLst>
+            </a:prstGeom>
+          </p:spPr>
+          <p:style>
+            <a:lnRef idx="2">
+              <a:schemeClr val="accent1">
+                <a:shade val="50000"/>
+              </a:schemeClr>
+            </a:lnRef>
+            <a:fillRef idx="1">
+              <a:schemeClr val="accent1"/>
+            </a:fillRef>
+            <a:effectRef idx="0">
+              <a:schemeClr val="accent1"/>
+            </a:effectRef>
+            <a:fontRef idx="minor">
+              <a:schemeClr val="lt1"/>
+            </a:fontRef>
+          </p:style>
+          <p:txBody>
+            <a:bodyPr rtlCol="0" anchor="ctr"/>
+            <a:lstStyle/>
+            <a:p>
+              <a:r>
+                <a:rPr lang="ja-JP" altLang="en-US" sz="1600" dirty="0" smtClean="0">
+                  <a:latin typeface="メイリオ" pitchFamily="50" charset="-128"/>
+                  <a:ea typeface="メイリオ" pitchFamily="50" charset="-128"/>
+                  <a:cs typeface="メイリオ" pitchFamily="50" charset="-128"/>
+                </a:rPr>
+                <a:t>処理全体で</a:t>
+              </a:r>
+              <a:r>
+                <a:rPr lang="en-US" altLang="ja-JP" sz="1600" dirty="0" smtClean="0">
+                  <a:latin typeface="メイリオ" pitchFamily="50" charset="-128"/>
+                  <a:ea typeface="メイリオ" pitchFamily="50" charset="-128"/>
+                  <a:cs typeface="メイリオ" pitchFamily="50" charset="-128"/>
+                </a:rPr>
+                <a:t>28</a:t>
+              </a:r>
+              <a:r>
+                <a:rPr lang="ja-JP" altLang="en-US" sz="1600" dirty="0" smtClean="0">
+                  <a:latin typeface="メイリオ" pitchFamily="50" charset="-128"/>
+                  <a:ea typeface="メイリオ" pitchFamily="50" charset="-128"/>
+                  <a:cs typeface="メイリオ" pitchFamily="50" charset="-128"/>
+                </a:rPr>
+                <a:t>秒かかっている</a:t>
+              </a:r>
+              <a:endParaRPr lang="ja-JP" altLang="en-US" sz="1600" dirty="0">
+                <a:latin typeface="メイリオ" pitchFamily="50" charset="-128"/>
+                <a:ea typeface="メイリオ" pitchFamily="50" charset="-128"/>
+                <a:cs typeface="メイリオ" pitchFamily="50" charset="-128"/>
+              </a:endParaRPr>
+            </a:p>
+          </p:txBody>
+        </p:sp>
+        <p:sp>
+          <p:nvSpPr>
+            <p:cNvPr id="10" name="四角形吹き出し 9"/>
+            <p:cNvSpPr/>
+            <p:nvPr/>
+          </p:nvSpPr>
+          <p:spPr>
+            <a:xfrm>
+              <a:off x="5357818" y="3117982"/>
+              <a:ext cx="3000396" cy="525338"/>
+            </a:xfrm>
+            <a:prstGeom prst="wedgeRectCallout">
+              <a:avLst>
+                <a:gd name="adj1" fmla="val -55330"/>
+                <a:gd name="adj2" fmla="val 40192"/>
+              </a:avLst>
+            </a:prstGeom>
+          </p:spPr>
+          <p:style>
+            <a:lnRef idx="2">
+              <a:schemeClr val="accent1">
+                <a:shade val="50000"/>
+              </a:schemeClr>
+            </a:lnRef>
+            <a:fillRef idx="1">
+              <a:schemeClr val="accent1"/>
+            </a:fillRef>
+            <a:effectRef idx="0">
+              <a:schemeClr val="accent1"/>
+            </a:effectRef>
+            <a:fontRef idx="minor">
+              <a:schemeClr val="lt1"/>
+            </a:fontRef>
+          </p:style>
+          <p:txBody>
+            <a:bodyPr rtlCol="0" anchor="ctr"/>
+            <a:lstStyle/>
+            <a:p>
+              <a:r>
+                <a:rPr lang="en-US" altLang="ja-JP" sz="1600" dirty="0" err="1" smtClean="0">
+                  <a:latin typeface="メイリオ" pitchFamily="50" charset="-128"/>
+                  <a:ea typeface="メイリオ" pitchFamily="50" charset="-128"/>
+                  <a:cs typeface="メイリオ" pitchFamily="50" charset="-128"/>
+                </a:rPr>
+                <a:t>getInfo</a:t>
+              </a:r>
+              <a:r>
+                <a:rPr lang="en-US" altLang="ja-JP" sz="1600" dirty="0" smtClean="0">
+                  <a:latin typeface="メイリオ" pitchFamily="50" charset="-128"/>
+                  <a:ea typeface="メイリオ" pitchFamily="50" charset="-128"/>
+                  <a:cs typeface="メイリオ" pitchFamily="50" charset="-128"/>
+                </a:rPr>
+                <a:t>()</a:t>
+              </a:r>
+              <a:r>
+                <a:rPr lang="ja-JP" altLang="en-US" sz="1600" dirty="0" smtClean="0">
+                  <a:latin typeface="メイリオ" pitchFamily="50" charset="-128"/>
+                  <a:ea typeface="メイリオ" pitchFamily="50" charset="-128"/>
+                  <a:cs typeface="メイリオ" pitchFamily="50" charset="-128"/>
+                </a:rPr>
+                <a:t>で</a:t>
+              </a:r>
+              <a:r>
+                <a:rPr lang="en-US" altLang="ja-JP" sz="1600" dirty="0" smtClean="0">
+                  <a:latin typeface="メイリオ" pitchFamily="50" charset="-128"/>
+                  <a:ea typeface="メイリオ" pitchFamily="50" charset="-128"/>
+                  <a:cs typeface="メイリオ" pitchFamily="50" charset="-128"/>
+                </a:rPr>
+                <a:t>22</a:t>
+              </a:r>
+              <a:r>
+                <a:rPr lang="ja-JP" altLang="en-US" sz="1600" dirty="0" smtClean="0">
+                  <a:latin typeface="メイリオ" pitchFamily="50" charset="-128"/>
+                  <a:ea typeface="メイリオ" pitchFamily="50" charset="-128"/>
+                  <a:cs typeface="メイリオ" pitchFamily="50" charset="-128"/>
+                </a:rPr>
+                <a:t>秒</a:t>
+              </a:r>
+              <a:r>
+                <a:rPr lang="ja-JP" altLang="en-US" sz="1600" dirty="0" smtClean="0">
+                  <a:latin typeface="メイリオ" pitchFamily="50" charset="-128"/>
+                  <a:ea typeface="メイリオ" pitchFamily="50" charset="-128"/>
+                  <a:cs typeface="メイリオ" pitchFamily="50" charset="-128"/>
+                </a:rPr>
+                <a:t>かかっている</a:t>
+              </a:r>
+              <a:endParaRPr lang="ja-JP" altLang="en-US" sz="1600" dirty="0">
+                <a:latin typeface="メイリオ" pitchFamily="50" charset="-128"/>
+                <a:ea typeface="メイリオ" pitchFamily="50" charset="-128"/>
+                <a:cs typeface="メイリオ" pitchFamily="50" charset="-128"/>
+              </a:endParaRPr>
+            </a:p>
+          </p:txBody>
+        </p:sp>
+        <p:sp>
+          <p:nvSpPr>
+            <p:cNvPr id="11" name="四角形吹き出し 10"/>
+            <p:cNvSpPr/>
+            <p:nvPr/>
+          </p:nvSpPr>
+          <p:spPr>
+            <a:xfrm>
+              <a:off x="214282" y="2571750"/>
+              <a:ext cx="2286016" cy="500066"/>
+            </a:xfrm>
+            <a:prstGeom prst="wedgeRectCallout">
+              <a:avLst>
+                <a:gd name="adj1" fmla="val -5636"/>
+                <a:gd name="adj2" fmla="val 141229"/>
+              </a:avLst>
+            </a:prstGeom>
+          </p:spPr>
+          <p:style>
+            <a:lnRef idx="2">
+              <a:schemeClr val="accent1">
+                <a:shade val="50000"/>
+              </a:schemeClr>
+            </a:lnRef>
+            <a:fillRef idx="1">
+              <a:schemeClr val="accent1"/>
+            </a:fillRef>
+            <a:effectRef idx="0">
+              <a:schemeClr val="accent1"/>
+            </a:effectRef>
+            <a:fontRef idx="minor">
+              <a:schemeClr val="lt1"/>
+            </a:fontRef>
+          </p:style>
+          <p:txBody>
+            <a:bodyPr rtlCol="0" anchor="ctr"/>
+            <a:lstStyle/>
+            <a:p>
+              <a:r>
+                <a:rPr lang="ja-JP" altLang="en-US" sz="1600" dirty="0" smtClean="0">
+                  <a:latin typeface="メイリオ" pitchFamily="50" charset="-128"/>
+                  <a:ea typeface="メイリオ" pitchFamily="50" charset="-128"/>
+                  <a:cs typeface="メイリオ" pitchFamily="50" charset="-128"/>
+                </a:rPr>
+                <a:t>再帰呼び出しも含めて</a:t>
+              </a:r>
+              <a:r>
+                <a:rPr lang="en-US" altLang="ja-JP" sz="1600" dirty="0" smtClean="0">
+                  <a:latin typeface="メイリオ" pitchFamily="50" charset="-128"/>
+                  <a:ea typeface="メイリオ" pitchFamily="50" charset="-128"/>
+                  <a:cs typeface="メイリオ" pitchFamily="50" charset="-128"/>
+                </a:rPr>
+                <a:t>10 </a:t>
+              </a:r>
+              <a:r>
+                <a:rPr lang="ja-JP" altLang="en-US" sz="1600" dirty="0" smtClean="0">
+                  <a:latin typeface="メイリオ" pitchFamily="50" charset="-128"/>
+                  <a:ea typeface="メイリオ" pitchFamily="50" charset="-128"/>
+                  <a:cs typeface="メイリオ" pitchFamily="50" charset="-128"/>
+                </a:rPr>
+                <a:t>万</a:t>
+              </a:r>
+              <a:r>
+                <a:rPr lang="ja-JP" altLang="en-US" sz="1600" dirty="0" smtClean="0">
+                  <a:latin typeface="メイリオ" pitchFamily="50" charset="-128"/>
+                  <a:ea typeface="メイリオ" pitchFamily="50" charset="-128"/>
+                  <a:cs typeface="メイリオ" pitchFamily="50" charset="-128"/>
+                </a:rPr>
+                <a:t>回呼ばれて</a:t>
+              </a:r>
+              <a:r>
+                <a:rPr lang="ja-JP" altLang="en-US" sz="1600" dirty="0" smtClean="0">
+                  <a:latin typeface="メイリオ" pitchFamily="50" charset="-128"/>
+                  <a:ea typeface="メイリオ" pitchFamily="50" charset="-128"/>
+                  <a:cs typeface="メイリオ" pitchFamily="50" charset="-128"/>
+                </a:rPr>
+                <a:t>いる</a:t>
+              </a:r>
+              <a:endParaRPr lang="ja-JP" altLang="en-US" sz="1600" dirty="0">
+                <a:latin typeface="メイリオ" pitchFamily="50" charset="-128"/>
+                <a:ea typeface="メイリオ" pitchFamily="50" charset="-128"/>
+                <a:cs typeface="メイリオ" pitchFamily="50" charset="-128"/>
+              </a:endParaRPr>
+            </a:p>
+          </p:txBody>
+        </p:sp>
+      </p:grpSp>
     </p:spTree>
     <p:extLst>
       <p:ext uri="{BB962C8B-B14F-4D97-AF65-F5344CB8AC3E}">
@@ -9972,118 +11444,262 @@
           <a:lstStyle/>
           <a:p>
             <a:r>
-              <a:rPr lang="ja-JP" altLang="en-US" sz="2800" dirty="0" smtClean="0"/>
+              <a:rPr lang="ja-JP" altLang="en-US" sz="2800" dirty="0" smtClean="0">
+                <a:latin typeface="メイリオ" pitchFamily="50" charset="-128"/>
+                <a:ea typeface="メイリオ" pitchFamily="50" charset="-128"/>
+                <a:cs typeface="メイリオ" pitchFamily="50" charset="-128"/>
+              </a:rPr>
               <a:t>処理全体で </a:t>
             </a:r>
             <a:r>
-              <a:rPr lang="en-US" altLang="ja-JP" sz="2800" dirty="0" smtClean="0"/>
+              <a:rPr lang="en-US" altLang="ja-JP" sz="2800" dirty="0" smtClean="0">
+                <a:latin typeface="メイリオ" pitchFamily="50" charset="-128"/>
+                <a:ea typeface="メイリオ" pitchFamily="50" charset="-128"/>
+                <a:cs typeface="メイリオ" pitchFamily="50" charset="-128"/>
+              </a:rPr>
               <a:t>28 </a:t>
             </a:r>
             <a:r>
-              <a:rPr lang="ja-JP" altLang="en-US" sz="2800" dirty="0" smtClean="0"/>
+              <a:rPr lang="ja-JP" altLang="en-US" sz="2800" dirty="0" smtClean="0">
+                <a:latin typeface="メイリオ" pitchFamily="50" charset="-128"/>
+                <a:ea typeface="メイリオ" pitchFamily="50" charset="-128"/>
+                <a:cs typeface="メイリオ" pitchFamily="50" charset="-128"/>
+              </a:rPr>
               <a:t>秒</a:t>
             </a:r>
-            <a:endParaRPr lang="en-US" altLang="ja-JP" sz="2800" dirty="0" smtClean="0"/>
-          </a:p>
-          <a:p>
-            <a:r>
-              <a:rPr lang="en-US" altLang="ja-JP" sz="2800" dirty="0" err="1" smtClean="0"/>
+            <a:endParaRPr lang="en-US" altLang="ja-JP" sz="2800" dirty="0" smtClean="0">
+              <a:latin typeface="メイリオ" pitchFamily="50" charset="-128"/>
+              <a:ea typeface="メイリオ" pitchFamily="50" charset="-128"/>
+              <a:cs typeface="メイリオ" pitchFamily="50" charset="-128"/>
+            </a:endParaRPr>
+          </a:p>
+          <a:p>
+            <a:r>
+              <a:rPr lang="en-US" altLang="ja-JP" sz="2800" dirty="0" err="1" smtClean="0">
+                <a:latin typeface="メイリオ" pitchFamily="50" charset="-128"/>
+                <a:ea typeface="メイリオ" pitchFamily="50" charset="-128"/>
+                <a:cs typeface="メイリオ" pitchFamily="50" charset="-128"/>
+              </a:rPr>
               <a:t>getInfo</a:t>
             </a:r>
             <a:r>
-              <a:rPr lang="en-US" altLang="ja-JP" sz="2800" dirty="0" smtClean="0"/>
+              <a:rPr lang="en-US" altLang="ja-JP" sz="2800" dirty="0" smtClean="0">
+                <a:latin typeface="メイリオ" pitchFamily="50" charset="-128"/>
+                <a:ea typeface="メイリオ" pitchFamily="50" charset="-128"/>
+                <a:cs typeface="メイリオ" pitchFamily="50" charset="-128"/>
+              </a:rPr>
               <a:t>() </a:t>
             </a:r>
             <a:r>
-              <a:rPr lang="ja-JP" altLang="en-US" sz="2800" dirty="0" smtClean="0"/>
+              <a:rPr lang="ja-JP" altLang="en-US" sz="2800" dirty="0" smtClean="0">
+                <a:latin typeface="メイリオ" pitchFamily="50" charset="-128"/>
+                <a:ea typeface="メイリオ" pitchFamily="50" charset="-128"/>
+                <a:cs typeface="メイリオ" pitchFamily="50" charset="-128"/>
+              </a:rPr>
               <a:t>で </a:t>
             </a:r>
             <a:r>
-              <a:rPr lang="en-US" altLang="ja-JP" sz="2800" dirty="0" smtClean="0"/>
+              <a:rPr lang="en-US" altLang="ja-JP" sz="2800" dirty="0" smtClean="0">
+                <a:latin typeface="メイリオ" pitchFamily="50" charset="-128"/>
+                <a:ea typeface="メイリオ" pitchFamily="50" charset="-128"/>
+                <a:cs typeface="メイリオ" pitchFamily="50" charset="-128"/>
+              </a:rPr>
               <a:t>22 </a:t>
             </a:r>
             <a:r>
-              <a:rPr lang="ja-JP" altLang="en-US" sz="2800" dirty="0" smtClean="0"/>
-              <a:t>秒も費やしている</a:t>
-            </a:r>
-            <a:endParaRPr lang="en-US" altLang="ja-JP" sz="2800" dirty="0" smtClean="0"/>
-          </a:p>
-          <a:p>
-            <a:r>
-              <a:rPr lang="ja-JP" altLang="en-US" sz="2800" dirty="0" smtClean="0"/>
+              <a:rPr lang="ja-JP" altLang="en-US" sz="2800" dirty="0" smtClean="0">
+                <a:latin typeface="メイリオ" pitchFamily="50" charset="-128"/>
+                <a:ea typeface="メイリオ" pitchFamily="50" charset="-128"/>
+                <a:cs typeface="メイリオ" pitchFamily="50" charset="-128"/>
+              </a:rPr>
+              <a:t>秒費やして</a:t>
+            </a:r>
+            <a:r>
+              <a:rPr lang="ja-JP" altLang="en-US" sz="2800" dirty="0" smtClean="0">
+                <a:latin typeface="メイリオ" pitchFamily="50" charset="-128"/>
+                <a:ea typeface="メイリオ" pitchFamily="50" charset="-128"/>
+                <a:cs typeface="メイリオ" pitchFamily="50" charset="-128"/>
+              </a:rPr>
+              <a:t>いる</a:t>
+            </a:r>
+            <a:endParaRPr lang="en-US" altLang="ja-JP" sz="2800" dirty="0" smtClean="0">
+              <a:latin typeface="メイリオ" pitchFamily="50" charset="-128"/>
+              <a:ea typeface="メイリオ" pitchFamily="50" charset="-128"/>
+              <a:cs typeface="メイリオ" pitchFamily="50" charset="-128"/>
+            </a:endParaRPr>
+          </a:p>
+          <a:p>
+            <a:r>
+              <a:rPr lang="ja-JP" altLang="en-US" sz="2800" dirty="0" smtClean="0">
+                <a:latin typeface="メイリオ" pitchFamily="50" charset="-128"/>
+                <a:ea typeface="メイリオ" pitchFamily="50" charset="-128"/>
+                <a:cs typeface="メイリオ" pitchFamily="50" charset="-128"/>
+              </a:rPr>
               <a:t>一回当たりの実行時間はたいしたことないが、約 </a:t>
             </a:r>
             <a:r>
-              <a:rPr lang="en-US" altLang="ja-JP" sz="2800" dirty="0" smtClean="0"/>
+              <a:rPr lang="en-US" altLang="ja-JP" sz="2800" dirty="0" smtClean="0">
+                <a:latin typeface="メイリオ" pitchFamily="50" charset="-128"/>
+                <a:ea typeface="メイリオ" pitchFamily="50" charset="-128"/>
+                <a:cs typeface="メイリオ" pitchFamily="50" charset="-128"/>
+              </a:rPr>
               <a:t>10 </a:t>
             </a:r>
             <a:r>
-              <a:rPr lang="ja-JP" altLang="en-US" sz="2800" dirty="0" smtClean="0"/>
-              <a:t>万回も呼ばれている</a:t>
-            </a:r>
-            <a:endParaRPr lang="en-US" altLang="ja-JP" sz="2800" dirty="0" smtClean="0"/>
-          </a:p>
-          <a:p>
-            <a:r>
-              <a:rPr lang="en-US" altLang="ja-JP" sz="2800" dirty="0" err="1" smtClean="0"/>
+              <a:rPr lang="ja-JP" altLang="en-US" sz="2800" dirty="0" smtClean="0">
+                <a:latin typeface="メイリオ" pitchFamily="50" charset="-128"/>
+                <a:ea typeface="メイリオ" pitchFamily="50" charset="-128"/>
+                <a:cs typeface="メイリオ" pitchFamily="50" charset="-128"/>
+              </a:rPr>
+              <a:t>万</a:t>
+            </a:r>
+            <a:r>
+              <a:rPr lang="ja-JP" altLang="en-US" sz="2800" dirty="0" smtClean="0">
+                <a:latin typeface="メイリオ" pitchFamily="50" charset="-128"/>
+                <a:ea typeface="メイリオ" pitchFamily="50" charset="-128"/>
+                <a:cs typeface="メイリオ" pitchFamily="50" charset="-128"/>
+              </a:rPr>
+              <a:t>回呼ばれて</a:t>
+            </a:r>
+            <a:r>
+              <a:rPr lang="ja-JP" altLang="en-US" sz="2800" dirty="0" smtClean="0">
+                <a:latin typeface="メイリオ" pitchFamily="50" charset="-128"/>
+                <a:ea typeface="メイリオ" pitchFamily="50" charset="-128"/>
+                <a:cs typeface="メイリオ" pitchFamily="50" charset="-128"/>
+              </a:rPr>
+              <a:t>いる</a:t>
+            </a:r>
+            <a:endParaRPr lang="en-US" altLang="ja-JP" sz="2800" dirty="0" smtClean="0">
+              <a:latin typeface="メイリオ" pitchFamily="50" charset="-128"/>
+              <a:ea typeface="メイリオ" pitchFamily="50" charset="-128"/>
+              <a:cs typeface="メイリオ" pitchFamily="50" charset="-128"/>
+            </a:endParaRPr>
+          </a:p>
+          <a:p>
+            <a:r>
+              <a:rPr lang="en-US" altLang="ja-JP" sz="2800" dirty="0" err="1" smtClean="0">
+                <a:latin typeface="メイリオ" pitchFamily="50" charset="-128"/>
+                <a:ea typeface="メイリオ" pitchFamily="50" charset="-128"/>
+                <a:cs typeface="メイリオ" pitchFamily="50" charset="-128"/>
+              </a:rPr>
               <a:t>getInfo</a:t>
             </a:r>
             <a:r>
-              <a:rPr lang="en-US" altLang="ja-JP" sz="2800" dirty="0" smtClean="0"/>
+              <a:rPr lang="en-US" altLang="ja-JP" sz="2800" dirty="0" smtClean="0">
+                <a:latin typeface="メイリオ" pitchFamily="50" charset="-128"/>
+                <a:ea typeface="メイリオ" pitchFamily="50" charset="-128"/>
+                <a:cs typeface="メイリオ" pitchFamily="50" charset="-128"/>
+              </a:rPr>
               <a:t>() </a:t>
             </a:r>
             <a:r>
-              <a:rPr lang="ja-JP" altLang="en-US" sz="2800" dirty="0" smtClean="0"/>
+              <a:rPr lang="ja-JP" altLang="en-US" sz="2800" dirty="0" smtClean="0">
+                <a:latin typeface="メイリオ" pitchFamily="50" charset="-128"/>
+                <a:ea typeface="メイリオ" pitchFamily="50" charset="-128"/>
+                <a:cs typeface="メイリオ" pitchFamily="50" charset="-128"/>
+              </a:rPr>
               <a:t>の呼び出しを</a:t>
             </a:r>
             <a:r>
-              <a:rPr lang="en-US" altLang="ja-JP" sz="2800" dirty="0" smtClean="0"/>
+              <a:rPr lang="en-US" altLang="ja-JP" sz="2800" dirty="0" smtClean="0">
+                <a:latin typeface="メイリオ" pitchFamily="50" charset="-128"/>
+                <a:ea typeface="メイリオ" pitchFamily="50" charset="-128"/>
+                <a:cs typeface="メイリオ" pitchFamily="50" charset="-128"/>
+              </a:rPr>
               <a:t>1/10 </a:t>
             </a:r>
             <a:r>
-              <a:rPr lang="ja-JP" altLang="en-US" sz="2800" dirty="0" smtClean="0"/>
+              <a:rPr lang="ja-JP" altLang="en-US" sz="2800" dirty="0" smtClean="0">
+                <a:latin typeface="メイリオ" pitchFamily="50" charset="-128"/>
+                <a:ea typeface="メイリオ" pitchFamily="50" charset="-128"/>
+                <a:cs typeface="メイリオ" pitchFamily="50" charset="-128"/>
+              </a:rPr>
               <a:t>に減らすことができればこの部分は </a:t>
             </a:r>
             <a:r>
-              <a:rPr lang="en-US" altLang="ja-JP" sz="2800" dirty="0" smtClean="0"/>
+              <a:rPr lang="en-US" altLang="ja-JP" sz="2800" dirty="0" smtClean="0">
+                <a:latin typeface="メイリオ" pitchFamily="50" charset="-128"/>
+                <a:ea typeface="メイリオ" pitchFamily="50" charset="-128"/>
+                <a:cs typeface="メイリオ" pitchFamily="50" charset="-128"/>
+              </a:rPr>
               <a:t>2.2 </a:t>
             </a:r>
             <a:r>
-              <a:rPr lang="ja-JP" altLang="en-US" sz="2800" dirty="0" smtClean="0"/>
+              <a:rPr lang="ja-JP" altLang="en-US" sz="2800" dirty="0" smtClean="0">
+                <a:latin typeface="メイリオ" pitchFamily="50" charset="-128"/>
+                <a:ea typeface="メイリオ" pitchFamily="50" charset="-128"/>
+                <a:cs typeface="メイリオ" pitchFamily="50" charset="-128"/>
+              </a:rPr>
               <a:t>秒となる</a:t>
             </a:r>
-            <a:endParaRPr lang="en-US" altLang="ja-JP" sz="2800" dirty="0" smtClean="0"/>
-          </a:p>
-          <a:p>
-            <a:r>
-              <a:rPr lang="ja-JP" altLang="en-US" sz="2800" dirty="0" smtClean="0"/>
+            <a:endParaRPr lang="en-US" altLang="ja-JP" sz="2800" dirty="0" smtClean="0">
+              <a:latin typeface="メイリオ" pitchFamily="50" charset="-128"/>
+              <a:ea typeface="メイリオ" pitchFamily="50" charset="-128"/>
+              <a:cs typeface="メイリオ" pitchFamily="50" charset="-128"/>
+            </a:endParaRPr>
+          </a:p>
+          <a:p>
+            <a:r>
+              <a:rPr lang="ja-JP" altLang="en-US" sz="2800" dirty="0" smtClean="0">
+                <a:latin typeface="メイリオ" pitchFamily="50" charset="-128"/>
+                <a:ea typeface="メイリオ" pitchFamily="50" charset="-128"/>
+                <a:cs typeface="メイリオ" pitchFamily="50" charset="-128"/>
+              </a:rPr>
               <a:t>全体では </a:t>
             </a:r>
             <a:r>
-              <a:rPr lang="en-US" altLang="ja-JP" sz="2800" dirty="0" smtClean="0"/>
+              <a:rPr lang="en-US" altLang="ja-JP" sz="2800" dirty="0" smtClean="0">
+                <a:latin typeface="メイリオ" pitchFamily="50" charset="-128"/>
+                <a:ea typeface="メイリオ" pitchFamily="50" charset="-128"/>
+                <a:cs typeface="メイリオ" pitchFamily="50" charset="-128"/>
+              </a:rPr>
               <a:t>28 </a:t>
             </a:r>
             <a:r>
-              <a:rPr lang="ja-JP" altLang="en-US" sz="2800" dirty="0" smtClean="0"/>
+              <a:rPr lang="ja-JP" altLang="en-US" sz="2800" dirty="0" smtClean="0">
+                <a:latin typeface="メイリオ" pitchFamily="50" charset="-128"/>
+                <a:ea typeface="メイリオ" pitchFamily="50" charset="-128"/>
+                <a:cs typeface="メイリオ" pitchFamily="50" charset="-128"/>
+              </a:rPr>
               <a:t>秒→ </a:t>
             </a:r>
             <a:r>
-              <a:rPr lang="en-US" altLang="ja-JP" sz="2800" dirty="0" smtClean="0"/>
+              <a:rPr lang="en-US" altLang="ja-JP" sz="2800" dirty="0" smtClean="0">
+                <a:latin typeface="メイリオ" pitchFamily="50" charset="-128"/>
+                <a:ea typeface="メイリオ" pitchFamily="50" charset="-128"/>
+                <a:cs typeface="メイリオ" pitchFamily="50" charset="-128"/>
+              </a:rPr>
               <a:t>8.8</a:t>
             </a:r>
             <a:r>
-              <a:rPr lang="ja-JP" altLang="en-US" sz="2800" dirty="0" smtClean="0"/>
+              <a:rPr lang="ja-JP" altLang="en-US" sz="2800" dirty="0" smtClean="0">
+                <a:latin typeface="メイリオ" pitchFamily="50" charset="-128"/>
+                <a:ea typeface="メイリオ" pitchFamily="50" charset="-128"/>
+                <a:cs typeface="メイリオ" pitchFamily="50" charset="-128"/>
+              </a:rPr>
               <a:t>秒と、</a:t>
             </a:r>
             <a:r>
-              <a:rPr lang="en-US" altLang="ja-JP" sz="2800" dirty="0" smtClean="0"/>
+              <a:rPr lang="en-US" altLang="ja-JP" sz="2800" dirty="0" smtClean="0">
+                <a:latin typeface="メイリオ" pitchFamily="50" charset="-128"/>
+                <a:ea typeface="メイリオ" pitchFamily="50" charset="-128"/>
+                <a:cs typeface="メイリオ" pitchFamily="50" charset="-128"/>
+              </a:rPr>
               <a:t>70% </a:t>
             </a:r>
             <a:r>
-              <a:rPr lang="ja-JP" altLang="en-US" sz="2800" dirty="0" smtClean="0"/>
+              <a:rPr lang="ja-JP" altLang="en-US" sz="2800" dirty="0" smtClean="0">
+                <a:latin typeface="メイリオ" pitchFamily="50" charset="-128"/>
+                <a:ea typeface="メイリオ" pitchFamily="50" charset="-128"/>
+                <a:cs typeface="メイリオ" pitchFamily="50" charset="-128"/>
+              </a:rPr>
               <a:t>程度の高速化</a:t>
             </a:r>
-            <a:endParaRPr lang="en-US" altLang="ja-JP" sz="2800" dirty="0" smtClean="0"/>
+            <a:endParaRPr lang="en-US" altLang="ja-JP" sz="2800" dirty="0" smtClean="0">
+              <a:latin typeface="メイリオ" pitchFamily="50" charset="-128"/>
+              <a:ea typeface="メイリオ" pitchFamily="50" charset="-128"/>
+              <a:cs typeface="メイリオ" pitchFamily="50" charset="-128"/>
+            </a:endParaRPr>
           </a:p>
         </p:txBody>
       </p:sp>
@@ -10106,13 +11722,21 @@
               <a:defRPr/>
             </a:pPr>
             <a:fld id="{A9259AFE-7AC7-4F49-85B9-5B069C761CE3}" type="datetime5">
-              <a:rPr lang="ja-JP" altLang="en-US" smtClean="0"/>
+              <a:rPr lang="ja-JP" altLang="en-US" smtClean="0">
+                <a:latin typeface="メイリオ" pitchFamily="50" charset="-128"/>
+                <a:ea typeface="メイリオ" pitchFamily="50" charset="-128"/>
+                <a:cs typeface="メイリオ" pitchFamily="50" charset="-128"/>
+              </a:rPr>
               <a:pPr>
                 <a:defRPr/>
               </a:pPr>
               <a:t>2014/08/16</a:t>
             </a:fld>
-            <a:endParaRPr lang="ja-JP" altLang="en-US" dirty="0"/>
+            <a:endParaRPr lang="ja-JP" altLang="en-US" dirty="0">
+              <a:latin typeface="メイリオ" pitchFamily="50" charset="-128"/>
+              <a:ea typeface="メイリオ" pitchFamily="50" charset="-128"/>
+              <a:cs typeface="メイリオ" pitchFamily="50" charset="-128"/>
+            </a:endParaRPr>
           </a:p>
         </p:txBody>
       </p:sp>
@@ -10135,13 +11759,21 @@
               <a:defRPr/>
             </a:pPr>
             <a:fld id="{29799127-F303-4AE7-A969-D0F8A278DEB3}" type="slidenum">
-              <a:rPr lang="ja-JP" altLang="en-US" smtClean="0"/>
+              <a:rPr lang="ja-JP" altLang="en-US" smtClean="0">
+                <a:latin typeface="メイリオ" pitchFamily="50" charset="-128"/>
+                <a:ea typeface="メイリオ" pitchFamily="50" charset="-128"/>
+                <a:cs typeface="メイリオ" pitchFamily="50" charset="-128"/>
+              </a:rPr>
               <a:pPr>
                 <a:defRPr/>
               </a:pPr>
               <a:t>7</a:t>
             </a:fld>
-            <a:endParaRPr lang="ja-JP" altLang="en-US"/>
+            <a:endParaRPr lang="ja-JP" altLang="en-US">
+              <a:latin typeface="メイリオ" pitchFamily="50" charset="-128"/>
+              <a:ea typeface="メイリオ" pitchFamily="50" charset="-128"/>
+              <a:cs typeface="メイリオ" pitchFamily="50" charset="-128"/>
+            </a:endParaRPr>
           </a:p>
         </p:txBody>
       </p:sp>
@@ -10234,70 +11866,158 @@
           <a:lstStyle/>
           <a:p>
             <a:r>
-              <a:rPr lang="ja-JP" altLang="en-US" sz="2800" dirty="0" smtClean="0"/>
+              <a:rPr lang="ja-JP" altLang="en-US" sz="2800" dirty="0" smtClean="0">
+                <a:latin typeface="メイリオ" pitchFamily="50" charset="-128"/>
+                <a:ea typeface="メイリオ" pitchFamily="50" charset="-128"/>
+                <a:cs typeface="メイリオ" pitchFamily="50" charset="-128"/>
+              </a:rPr>
               <a:t>修正後もきちんとプロファイリングをおこなう</a:t>
             </a:r>
-            <a:endParaRPr lang="en-US" altLang="ja-JP" sz="2800" dirty="0" smtClean="0"/>
-          </a:p>
-          <a:p>
-            <a:r>
-              <a:rPr lang="ja-JP" altLang="en-US" sz="2800" dirty="0" smtClean="0"/>
+            <a:endParaRPr lang="en-US" altLang="ja-JP" sz="2800" dirty="0" smtClean="0">
+              <a:latin typeface="メイリオ" pitchFamily="50" charset="-128"/>
+              <a:ea typeface="メイリオ" pitchFamily="50" charset="-128"/>
+              <a:cs typeface="メイリオ" pitchFamily="50" charset="-128"/>
+            </a:endParaRPr>
+          </a:p>
+          <a:p>
+            <a:r>
+              <a:rPr lang="ja-JP" altLang="en-US" sz="2800" dirty="0" smtClean="0">
+                <a:latin typeface="メイリオ" pitchFamily="50" charset="-128"/>
+                <a:ea typeface="メイリオ" pitchFamily="50" charset="-128"/>
+                <a:cs typeface="メイリオ" pitchFamily="50" charset="-128"/>
+              </a:rPr>
               <a:t>効果が出ていれば成功</a:t>
             </a:r>
-            <a:endParaRPr lang="en-US" altLang="ja-JP" sz="2800" dirty="0" smtClean="0"/>
-          </a:p>
-          <a:p>
-            <a:r>
-              <a:rPr lang="ja-JP" altLang="en-US" sz="2800" dirty="0" smtClean="0"/>
+            <a:endParaRPr lang="en-US" altLang="ja-JP" sz="2800" dirty="0" smtClean="0">
+              <a:latin typeface="メイリオ" pitchFamily="50" charset="-128"/>
+              <a:ea typeface="メイリオ" pitchFamily="50" charset="-128"/>
+              <a:cs typeface="メイリオ" pitchFamily="50" charset="-128"/>
+            </a:endParaRPr>
+          </a:p>
+          <a:p>
+            <a:r>
+              <a:rPr lang="ja-JP" altLang="en-US" sz="2800" dirty="0" smtClean="0">
+                <a:latin typeface="メイリオ" pitchFamily="50" charset="-128"/>
+                <a:ea typeface="メイリオ" pitchFamily="50" charset="-128"/>
+                <a:cs typeface="メイリオ" pitchFamily="50" charset="-128"/>
+              </a:rPr>
               <a:t>ユーザーに対しても</a:t>
             </a:r>
             <a:r>
-              <a:rPr lang="en-US" altLang="ja-JP" sz="2800" dirty="0" smtClean="0"/>
+              <a:rPr lang="en-US" altLang="ja-JP" sz="2800" dirty="0" smtClean="0">
+                <a:latin typeface="メイリオ" pitchFamily="50" charset="-128"/>
+                <a:ea typeface="メイリオ" pitchFamily="50" charset="-128"/>
+                <a:cs typeface="メイリオ" pitchFamily="50" charset="-128"/>
+              </a:rPr>
               <a:t>”XX</a:t>
             </a:r>
             <a:r>
-              <a:rPr lang="ja-JP" altLang="en-US" sz="2800" dirty="0" smtClean="0"/>
+              <a:rPr lang="ja-JP" altLang="en-US" sz="2800" dirty="0" smtClean="0">
+                <a:latin typeface="メイリオ" pitchFamily="50" charset="-128"/>
+                <a:ea typeface="メイリオ" pitchFamily="50" charset="-128"/>
+                <a:cs typeface="メイリオ" pitchFamily="50" charset="-128"/>
+              </a:rPr>
               <a:t>倍速くなりましたよ</a:t>
             </a:r>
             <a:r>
-              <a:rPr lang="en-US" altLang="ja-JP" sz="2800" dirty="0" smtClean="0"/>
+              <a:rPr lang="en-US" altLang="ja-JP" sz="2800" dirty="0" smtClean="0">
+                <a:latin typeface="メイリオ" pitchFamily="50" charset="-128"/>
+                <a:ea typeface="メイリオ" pitchFamily="50" charset="-128"/>
+                <a:cs typeface="メイリオ" pitchFamily="50" charset="-128"/>
+              </a:rPr>
               <a:t>(</a:t>
             </a:r>
             <a:r>
-              <a:rPr lang="ja-JP" altLang="en-US" sz="2800" dirty="0" smtClean="0"/>
+              <a:rPr lang="ja-JP" altLang="en-US" sz="2800" dirty="0" smtClean="0">
+                <a:latin typeface="メイリオ" pitchFamily="50" charset="-128"/>
+                <a:ea typeface="メイリオ" pitchFamily="50" charset="-128"/>
+                <a:cs typeface="メイリオ" pitchFamily="50" charset="-128"/>
+              </a:rPr>
               <a:t>ﾄﾞﾔｧ</a:t>
             </a:r>
             <a:r>
-              <a:rPr lang="en-US" altLang="ja-JP" sz="2800" dirty="0" smtClean="0"/>
+              <a:rPr lang="en-US" altLang="ja-JP" sz="2800" dirty="0" smtClean="0">
+                <a:latin typeface="メイリオ" pitchFamily="50" charset="-128"/>
+                <a:ea typeface="メイリオ" pitchFamily="50" charset="-128"/>
+                <a:cs typeface="メイリオ" pitchFamily="50" charset="-128"/>
+              </a:rPr>
               <a:t>)”</a:t>
             </a:r>
             <a:r>
-              <a:rPr lang="ja-JP" altLang="en-US" sz="2800" dirty="0" smtClean="0"/>
+              <a:rPr lang="ja-JP" altLang="en-US" sz="2800" dirty="0" smtClean="0">
+                <a:latin typeface="メイリオ" pitchFamily="50" charset="-128"/>
+                <a:ea typeface="メイリオ" pitchFamily="50" charset="-128"/>
+                <a:cs typeface="メイリオ" pitchFamily="50" charset="-128"/>
+              </a:rPr>
               <a:t>と言える</a:t>
             </a:r>
-            <a:endParaRPr lang="en-US" altLang="ja-JP" sz="2800" dirty="0" smtClean="0"/>
-          </a:p>
-          <a:p>
-            <a:r>
-              <a:rPr lang="ja-JP" altLang="en-US" sz="2800" dirty="0" smtClean="0"/>
+            <a:endParaRPr lang="en-US" altLang="ja-JP" sz="2800" dirty="0" smtClean="0">
+              <a:latin typeface="メイリオ" pitchFamily="50" charset="-128"/>
+              <a:ea typeface="メイリオ" pitchFamily="50" charset="-128"/>
+              <a:cs typeface="メイリオ" pitchFamily="50" charset="-128"/>
+            </a:endParaRPr>
+          </a:p>
+          <a:p>
+            <a:r>
+              <a:rPr lang="ja-JP" altLang="en-US" sz="2800" dirty="0" smtClean="0">
+                <a:latin typeface="メイリオ" pitchFamily="50" charset="-128"/>
+                <a:ea typeface="メイリオ" pitchFamily="50" charset="-128"/>
+                <a:cs typeface="メイリオ" pitchFamily="50" charset="-128"/>
+              </a:rPr>
               <a:t>効果が出ていなかったら単なるおまじないを唱えただけなので失敗</a:t>
             </a:r>
-            <a:endParaRPr lang="en-US" altLang="ja-JP" sz="2800" dirty="0" smtClean="0"/>
-          </a:p>
-          <a:p>
-            <a:r>
-              <a:rPr lang="ja-JP" altLang="en-US" sz="2800" dirty="0" smtClean="0"/>
+            <a:endParaRPr lang="en-US" altLang="ja-JP" sz="2800" dirty="0" smtClean="0">
+              <a:latin typeface="メイリオ" pitchFamily="50" charset="-128"/>
+              <a:ea typeface="メイリオ" pitchFamily="50" charset="-128"/>
+              <a:cs typeface="メイリオ" pitchFamily="50" charset="-128"/>
+            </a:endParaRPr>
+          </a:p>
+          <a:p>
+            <a:r>
+              <a:rPr lang="ja-JP" altLang="en-US" sz="2800" dirty="0" smtClean="0">
+                <a:latin typeface="メイリオ" pitchFamily="50" charset="-128"/>
+                <a:ea typeface="メイリオ" pitchFamily="50" charset="-128"/>
+                <a:cs typeface="メイリオ" pitchFamily="50" charset="-128"/>
+              </a:rPr>
               <a:t>経験上、</a:t>
             </a:r>
             <a:r>
-              <a:rPr lang="en-US" altLang="ja-JP" sz="2800" dirty="0" smtClean="0"/>
+              <a:rPr lang="en-US" altLang="ja-JP" sz="2800" dirty="0" smtClean="0">
+                <a:latin typeface="メイリオ" pitchFamily="50" charset="-128"/>
+                <a:ea typeface="メイリオ" pitchFamily="50" charset="-128"/>
+                <a:cs typeface="メイリオ" pitchFamily="50" charset="-128"/>
+              </a:rPr>
               <a:t>10</a:t>
             </a:r>
             <a:r>
-              <a:rPr lang="ja-JP" altLang="en-US" sz="2800" dirty="0" smtClean="0"/>
-              <a:t>倍くらいはペロッと速くなる</a:t>
-            </a:r>
-            <a:endParaRPr lang="en-US" altLang="ja-JP" sz="2800" dirty="0" smtClean="0"/>
+              <a:rPr lang="ja-JP" altLang="en-US" sz="2800" dirty="0" smtClean="0">
+                <a:latin typeface="メイリオ" pitchFamily="50" charset="-128"/>
+                <a:ea typeface="メイリオ" pitchFamily="50" charset="-128"/>
+                <a:cs typeface="メイリオ" pitchFamily="50" charset="-128"/>
+              </a:rPr>
+              <a:t>倍くらい</a:t>
+            </a:r>
+            <a:r>
+              <a:rPr lang="ja-JP" altLang="en-US" sz="2800" dirty="0" smtClean="0">
+                <a:latin typeface="メイリオ" pitchFamily="50" charset="-128"/>
+                <a:ea typeface="メイリオ" pitchFamily="50" charset="-128"/>
+                <a:cs typeface="メイリオ" pitchFamily="50" charset="-128"/>
+              </a:rPr>
+              <a:t>は簡単に速く</a:t>
+            </a:r>
+            <a:r>
+              <a:rPr lang="ja-JP" altLang="en-US" sz="2800" dirty="0" smtClean="0">
+                <a:latin typeface="メイリオ" pitchFamily="50" charset="-128"/>
+                <a:ea typeface="メイリオ" pitchFamily="50" charset="-128"/>
+                <a:cs typeface="メイリオ" pitchFamily="50" charset="-128"/>
+              </a:rPr>
+              <a:t>なる</a:t>
+            </a:r>
+            <a:endParaRPr lang="en-US" altLang="ja-JP" sz="2800" dirty="0" smtClean="0">
+              <a:latin typeface="メイリオ" pitchFamily="50" charset="-128"/>
+              <a:ea typeface="メイリオ" pitchFamily="50" charset="-128"/>
+              <a:cs typeface="メイリオ" pitchFamily="50" charset="-128"/>
+            </a:endParaRPr>
           </a:p>
         </p:txBody>
       </p:sp>
@@ -10320,13 +12040,21 @@
               <a:defRPr/>
             </a:pPr>
             <a:fld id="{A9259AFE-7AC7-4F49-85B9-5B069C761CE3}" type="datetime5">
-              <a:rPr lang="ja-JP" altLang="en-US" smtClean="0"/>
+              <a:rPr lang="ja-JP" altLang="en-US" smtClean="0">
+                <a:latin typeface="メイリオ" pitchFamily="50" charset="-128"/>
+                <a:ea typeface="メイリオ" pitchFamily="50" charset="-128"/>
+                <a:cs typeface="メイリオ" pitchFamily="50" charset="-128"/>
+              </a:rPr>
               <a:pPr>
                 <a:defRPr/>
               </a:pPr>
               <a:t>2014/08/16</a:t>
             </a:fld>
-            <a:endParaRPr lang="ja-JP" altLang="en-US" dirty="0"/>
+            <a:endParaRPr lang="ja-JP" altLang="en-US" dirty="0">
+              <a:latin typeface="メイリオ" pitchFamily="50" charset="-128"/>
+              <a:ea typeface="メイリオ" pitchFamily="50" charset="-128"/>
+              <a:cs typeface="メイリオ" pitchFamily="50" charset="-128"/>
+            </a:endParaRPr>
           </a:p>
         </p:txBody>
       </p:sp>
@@ -10349,13 +12077,21 @@
               <a:defRPr/>
             </a:pPr>
             <a:fld id="{29799127-F303-4AE7-A969-D0F8A278DEB3}" type="slidenum">
-              <a:rPr lang="ja-JP" altLang="en-US" smtClean="0"/>
+              <a:rPr lang="ja-JP" altLang="en-US" smtClean="0">
+                <a:latin typeface="メイリオ" pitchFamily="50" charset="-128"/>
+                <a:ea typeface="メイリオ" pitchFamily="50" charset="-128"/>
+                <a:cs typeface="メイリオ" pitchFamily="50" charset="-128"/>
+              </a:rPr>
               <a:pPr>
                 <a:defRPr/>
               </a:pPr>
               <a:t>8</a:t>
             </a:fld>
-            <a:endParaRPr lang="ja-JP" altLang="en-US"/>
+            <a:endParaRPr lang="ja-JP" altLang="en-US">
+              <a:latin typeface="メイリオ" pitchFamily="50" charset="-128"/>
+              <a:ea typeface="メイリオ" pitchFamily="50" charset="-128"/>
+              <a:cs typeface="メイリオ" pitchFamily="50" charset="-128"/>
+            </a:endParaRPr>
           </a:p>
         </p:txBody>
       </p:sp>
@@ -10406,7 +12142,7 @@
           <a:p>
             <a:pPr algn="ctr"/>
             <a:r>
-              <a:rPr kumimoji="1" lang="ja-JP" altLang="en-US" sz="4000" dirty="0" smtClean="0">
+              <a:rPr lang="ja-JP" altLang="en-US" sz="4000" dirty="0" smtClean="0">
                 <a:solidFill>
                   <a:schemeClr val="tx1"/>
                 </a:solidFill>
@@ -10414,7 +12150,7 @@
                 <a:ea typeface="メイリオ" pitchFamily="50" charset="-128"/>
                 <a:cs typeface="メイリオ" pitchFamily="50" charset="-128"/>
               </a:rPr>
-              <a:t>ログ確認ツール</a:t>
+              <a:t>ボトルネックの傾向</a:t>
             </a:r>
             <a:endParaRPr kumimoji="1" lang="ja-JP" altLang="en-US" sz="4000" dirty="0">
               <a:solidFill>
@@ -10429,30 +12165,143 @@
       </p:sp>
       <p:sp>
         <p:nvSpPr>
-          <p:cNvPr id="4" name="日付プレースホルダー 3"/>
-          <p:cNvSpPr>
-            <a:spLocks noGrp="1"/>
-          </p:cNvSpPr>
-          <p:nvPr>
-            <p:ph type="dt" sz="half" idx="10"/>
-          </p:nvPr>
-        </p:nvSpPr>
-        <p:spPr/>
+          <p:cNvPr id="3" name="コンテンツ プレースホルダー 2"/>
+          <p:cNvSpPr>
+            <a:spLocks noGrp="1"/>
+          </p:cNvSpPr>
+          <p:nvPr>
+            <p:ph idx="1"/>
+          </p:nvPr>
+        </p:nvSpPr>
+        <p:spPr>
+          <a:xfrm>
+            <a:off x="457200" y="857239"/>
+            <a:ext cx="8229600" cy="3680236"/>
+          </a:xfrm>
+        </p:spPr>
         <p:txBody>
           <a:bodyPr/>
           <a:lstStyle/>
           <a:p>
+            <a:r>
+              <a:rPr lang="ja-JP" altLang="en-US" sz="2800" dirty="0" smtClean="0">
+                <a:latin typeface="メイリオ" pitchFamily="50" charset="-128"/>
+                <a:ea typeface="メイリオ" pitchFamily="50" charset="-128"/>
+                <a:cs typeface="メイリオ" pitchFamily="50" charset="-128"/>
+              </a:rPr>
+              <a:t>大抵の場合、ボトルネックになっている場所は以下の傾向が</a:t>
+            </a:r>
+            <a:r>
+              <a:rPr lang="ja-JP" altLang="en-US" sz="2800" dirty="0" smtClean="0">
+                <a:latin typeface="メイリオ" pitchFamily="50" charset="-128"/>
+                <a:ea typeface="メイリオ" pitchFamily="50" charset="-128"/>
+                <a:cs typeface="メイリオ" pitchFamily="50" charset="-128"/>
+              </a:rPr>
+              <a:t>ある</a:t>
+            </a:r>
+            <a:endParaRPr lang="ja-JP" altLang="en-US" sz="2800" dirty="0" smtClean="0">
+              <a:latin typeface="メイリオ" pitchFamily="50" charset="-128"/>
+              <a:ea typeface="メイリオ" pitchFamily="50" charset="-128"/>
+              <a:cs typeface="メイリオ" pitchFamily="50" charset="-128"/>
+            </a:endParaRPr>
+          </a:p>
+          <a:p>
+            <a:pPr lvl="1"/>
+            <a:r>
+              <a:rPr lang="ja-JP" altLang="en-US" sz="2400" dirty="0" smtClean="0">
+                <a:latin typeface="メイリオ" pitchFamily="50" charset="-128"/>
+                <a:ea typeface="メイリオ" pitchFamily="50" charset="-128"/>
+                <a:cs typeface="メイリオ" pitchFamily="50" charset="-128"/>
+              </a:rPr>
+              <a:t>一回</a:t>
+            </a:r>
+            <a:r>
+              <a:rPr lang="ja-JP" altLang="en-US" sz="2400" dirty="0" smtClean="0">
+                <a:latin typeface="メイリオ" pitchFamily="50" charset="-128"/>
+                <a:ea typeface="メイリオ" pitchFamily="50" charset="-128"/>
+                <a:cs typeface="メイリオ" pitchFamily="50" charset="-128"/>
+              </a:rPr>
+              <a:t>の呼び出しに時間がかかっている</a:t>
+            </a:r>
+          </a:p>
+          <a:p>
+            <a:pPr lvl="1"/>
+            <a:r>
+              <a:rPr lang="ja-JP" altLang="en-US" sz="2400" dirty="0" smtClean="0">
+                <a:latin typeface="メイリオ" pitchFamily="50" charset="-128"/>
+                <a:ea typeface="メイリオ" pitchFamily="50" charset="-128"/>
+                <a:cs typeface="メイリオ" pitchFamily="50" charset="-128"/>
+              </a:rPr>
+              <a:t>一回</a:t>
+            </a:r>
+            <a:r>
+              <a:rPr lang="ja-JP" altLang="en-US" sz="2400" dirty="0" smtClean="0">
+                <a:latin typeface="メイリオ" pitchFamily="50" charset="-128"/>
+                <a:ea typeface="メイリオ" pitchFamily="50" charset="-128"/>
+                <a:cs typeface="メイリオ" pitchFamily="50" charset="-128"/>
+              </a:rPr>
+              <a:t>の呼び出しは大したコストではないが、大量に呼び出されている </a:t>
+            </a:r>
+          </a:p>
+          <a:p>
+            <a:r>
+              <a:rPr lang="ja-JP" altLang="en-US" sz="2800" dirty="0" smtClean="0">
+                <a:latin typeface="メイリオ" pitchFamily="50" charset="-128"/>
+                <a:ea typeface="メイリオ" pitchFamily="50" charset="-128"/>
+                <a:cs typeface="メイリオ" pitchFamily="50" charset="-128"/>
+              </a:rPr>
+              <a:t>こういった部分を見つけて、優先的に最適化を行っていくことが</a:t>
+            </a:r>
+            <a:r>
+              <a:rPr lang="ja-JP" altLang="en-US" sz="2800" dirty="0" smtClean="0">
+                <a:latin typeface="メイリオ" pitchFamily="50" charset="-128"/>
+                <a:ea typeface="メイリオ" pitchFamily="50" charset="-128"/>
+                <a:cs typeface="メイリオ" pitchFamily="50" charset="-128"/>
+              </a:rPr>
+              <a:t>大事</a:t>
+            </a:r>
+            <a:endParaRPr lang="en-US" altLang="ja-JP" sz="2800" dirty="0" smtClean="0">
+              <a:latin typeface="メイリオ" pitchFamily="50" charset="-128"/>
+              <a:ea typeface="メイリオ" pitchFamily="50" charset="-128"/>
+              <a:cs typeface="メイリオ" pitchFamily="50" charset="-128"/>
+            </a:endParaRPr>
+          </a:p>
+        </p:txBody>
+      </p:sp>
+      <p:sp>
+        <p:nvSpPr>
+          <p:cNvPr id="4" name="日付プレースホルダー 3"/>
+          <p:cNvSpPr>
+            <a:spLocks noGrp="1"/>
+          </p:cNvSpPr>
+          <p:nvPr>
+            <p:ph type="dt" sz="half" idx="10"/>
+          </p:nvPr>
+        </p:nvSpPr>
+        <p:spPr/>
+        <p:txBody>
+          <a:bodyPr/>
+          <a:lstStyle/>
+          <a:p>
             <a:pPr>
               <a:defRPr/>
             </a:pPr>
             <a:fld id="{A9259AFE-7AC7-4F49-85B9-5B069C761CE3}" type="datetime5">
-              <a:rPr lang="ja-JP" altLang="en-US" smtClean="0"/>
+              <a:rPr lang="ja-JP" altLang="en-US" smtClean="0">
+                <a:latin typeface="メイリオ" pitchFamily="50" charset="-128"/>
+                <a:ea typeface="メイリオ" pitchFamily="50" charset="-128"/>
+                <a:cs typeface="メイリオ" pitchFamily="50" charset="-128"/>
+              </a:rPr>
               <a:pPr>
                 <a:defRPr/>
               </a:pPr>
               <a:t>2014/08/16</a:t>
             </a:fld>
-            <a:endParaRPr lang="ja-JP" altLang="en-US" dirty="0"/>
+            <a:endParaRPr lang="ja-JP" altLang="en-US" dirty="0">
+              <a:latin typeface="メイリオ" pitchFamily="50" charset="-128"/>
+              <a:ea typeface="メイリオ" pitchFamily="50" charset="-128"/>
+              <a:cs typeface="メイリオ" pitchFamily="50" charset="-128"/>
+            </a:endParaRPr>
           </a:p>
         </p:txBody>
       </p:sp>
@@ -10475,42 +12324,24 @@
               <a:defRPr/>
             </a:pPr>
             <a:fld id="{29799127-F303-4AE7-A969-D0F8A278DEB3}" type="slidenum">
-              <a:rPr lang="ja-JP" altLang="en-US" smtClean="0"/>
+              <a:rPr lang="ja-JP" altLang="en-US" smtClean="0">
+                <a:latin typeface="メイリオ" pitchFamily="50" charset="-128"/>
+                <a:ea typeface="メイリオ" pitchFamily="50" charset="-128"/>
+                <a:cs typeface="メイリオ" pitchFamily="50" charset="-128"/>
+              </a:rPr>
               <a:pPr>
                 <a:defRPr/>
               </a:pPr>
               <a:t>9</a:t>
             </a:fld>
-            <a:endParaRPr lang="ja-JP" altLang="en-US"/>
-          </a:p>
-        </p:txBody>
-      </p:sp>
-      <p:pic>
-        <p:nvPicPr>
-          <p:cNvPr id="1027" name="Picture 3" descr="D:\chiyama\Documents\Research\CEDEC2014\chiyama\RunSnakeRun.png"/>
-          <p:cNvPicPr>
-            <a:picLocks noChangeAspect="1" noChangeArrowheads="1"/>
-          </p:cNvPicPr>
-          <p:nvPr/>
-        </p:nvPicPr>
-        <p:blipFill>
-          <a:blip r:embed="rId2"/>
-          <a:srcRect/>
-          <a:stretch>
-            <a:fillRect/>
-          </a:stretch>
-        </p:blipFill>
-        <p:spPr bwMode="auto">
-          <a:xfrm>
-            <a:off x="2044700" y="938226"/>
-            <a:ext cx="5054600" cy="3562350"/>
-          </a:xfrm>
-          <a:prstGeom prst="rect">
-            <a:avLst/>
-          </a:prstGeom>
-          <a:noFill/>
-        </p:spPr>
-      </p:pic>
+            <a:endParaRPr lang="ja-JP" altLang="en-US">
+              <a:latin typeface="メイリオ" pitchFamily="50" charset="-128"/>
+              <a:ea typeface="メイリオ" pitchFamily="50" charset="-128"/>
+              <a:cs typeface="メイリオ" pitchFamily="50" charset="-128"/>
+            </a:endParaRPr>
+          </a:p>
+        </p:txBody>
+      </p:sp>
     </p:spTree>
     <p:extLst>
       <p:ext uri="{BB962C8B-B14F-4D97-AF65-F5344CB8AC3E}">

--- a/chiyama/2014cedec_chiyama.pptx
+++ b/chiyama/2014cedec_chiyama.pptx
@@ -6,24 +6,31 @@
     <p:sldMasterId id="2147483882" r:id="rId2"/>
   </p:sldMasterIdLst>
   <p:notesMasterIdLst>
-    <p:notesMasterId r:id="rId15"/>
+    <p:notesMasterId r:id="rId22"/>
   </p:notesMasterIdLst>
   <p:handoutMasterIdLst>
-    <p:handoutMasterId r:id="rId16"/>
+    <p:handoutMasterId r:id="rId23"/>
   </p:handoutMasterIdLst>
   <p:sldIdLst>
     <p:sldId id="256" r:id="rId3"/>
     <p:sldId id="258" r:id="rId4"/>
     <p:sldId id="260" r:id="rId5"/>
-    <p:sldId id="261" r:id="rId6"/>
-    <p:sldId id="262" r:id="rId7"/>
-    <p:sldId id="263" r:id="rId8"/>
-    <p:sldId id="264" r:id="rId9"/>
-    <p:sldId id="265" r:id="rId10"/>
-    <p:sldId id="267" r:id="rId11"/>
-    <p:sldId id="268" r:id="rId12"/>
-    <p:sldId id="266" r:id="rId13"/>
-    <p:sldId id="259" r:id="rId14"/>
+    <p:sldId id="273" r:id="rId6"/>
+    <p:sldId id="272" r:id="rId7"/>
+    <p:sldId id="271" r:id="rId8"/>
+    <p:sldId id="275" r:id="rId9"/>
+    <p:sldId id="274" r:id="rId10"/>
+    <p:sldId id="269" r:id="rId11"/>
+    <p:sldId id="276" r:id="rId12"/>
+    <p:sldId id="261" r:id="rId13"/>
+    <p:sldId id="262" r:id="rId14"/>
+    <p:sldId id="263" r:id="rId15"/>
+    <p:sldId id="264" r:id="rId16"/>
+    <p:sldId id="265" r:id="rId17"/>
+    <p:sldId id="267" r:id="rId18"/>
+    <p:sldId id="268" r:id="rId19"/>
+    <p:sldId id="266" r:id="rId20"/>
+    <p:sldId id="259" r:id="rId21"/>
   </p:sldIdLst>
   <p:sldSz cx="9144000" cy="5143500" type="screen16x9"/>
   <p:notesSz cx="6802438" cy="9934575"/>
@@ -8318,7 +8325,7 @@
                 <a:ea typeface="メイリオ" pitchFamily="50" charset="-128"/>
                 <a:cs typeface="メイリオ" pitchFamily="50" charset="-128"/>
               </a:rPr>
-              <a:t>環境によるボトルネックの変化</a:t>
+              <a:t>パフォーマンスチェック</a:t>
             </a:r>
             <a:endParaRPr kumimoji="1" lang="ja-JP" altLang="en-US" sz="4000" dirty="0">
               <a:solidFill>
@@ -8341,65 +8348,20 @@
             <p:ph idx="1"/>
           </p:nvPr>
         </p:nvSpPr>
-        <p:spPr>
-          <a:xfrm>
-            <a:off x="457200" y="1891910"/>
-            <a:ext cx="8229600" cy="2751542"/>
-          </a:xfrm>
-        </p:spPr>
+        <p:spPr/>
         <p:txBody>
           <a:bodyPr/>
           <a:lstStyle/>
           <a:p>
             <a:r>
-              <a:rPr lang="ja-JP" altLang="en-US" sz="2400" dirty="0" smtClean="0">
-                <a:latin typeface="メイリオ" pitchFamily="50" charset="-128"/>
-                <a:ea typeface="メイリオ" pitchFamily="50" charset="-128"/>
-                <a:cs typeface="メイリオ" pitchFamily="50" charset="-128"/>
-              </a:rPr>
-              <a:t>テスト</a:t>
-            </a:r>
-            <a:r>
-              <a:rPr lang="ja-JP" altLang="en-US" sz="2400" dirty="0" smtClean="0">
-                <a:latin typeface="メイリオ" pitchFamily="50" charset="-128"/>
-                <a:ea typeface="メイリオ" pitchFamily="50" charset="-128"/>
-                <a:cs typeface="メイリオ" pitchFamily="50" charset="-128"/>
-              </a:rPr>
-              <a:t>を行った環境では </a:t>
-            </a:r>
-            <a:r>
-              <a:rPr lang="en-US" altLang="ja-JP" sz="2400" dirty="0" err="1" smtClean="0">
-                <a:latin typeface="メイリオ" pitchFamily="50" charset="-128"/>
-                <a:ea typeface="メイリオ" pitchFamily="50" charset="-128"/>
-                <a:cs typeface="メイリオ" pitchFamily="50" charset="-128"/>
-              </a:rPr>
-              <a:t>nt.stat</a:t>
-            </a:r>
-            <a:r>
-              <a:rPr lang="en-US" altLang="ja-JP" sz="2400" dirty="0" smtClean="0">
-                <a:latin typeface="メイリオ" pitchFamily="50" charset="-128"/>
-                <a:ea typeface="メイリオ" pitchFamily="50" charset="-128"/>
-                <a:cs typeface="メイリオ" pitchFamily="50" charset="-128"/>
-              </a:rPr>
-              <a:t> </a:t>
-            </a:r>
-            <a:r>
-              <a:rPr lang="ja-JP" altLang="en-US" sz="2400" dirty="0" smtClean="0">
-                <a:latin typeface="メイリオ" pitchFamily="50" charset="-128"/>
-                <a:ea typeface="メイリオ" pitchFamily="50" charset="-128"/>
-                <a:cs typeface="メイリオ" pitchFamily="50" charset="-128"/>
-              </a:rPr>
-              <a:t>の速度は十分に速くて大した時間を消費して</a:t>
-            </a:r>
-            <a:r>
-              <a:rPr lang="ja-JP" altLang="en-US" sz="2400" dirty="0" smtClean="0">
-                <a:latin typeface="メイリオ" pitchFamily="50" charset="-128"/>
-                <a:ea typeface="メイリオ" pitchFamily="50" charset="-128"/>
-                <a:cs typeface="メイリオ" pitchFamily="50" charset="-128"/>
-              </a:rPr>
-              <a:t>いない</a:t>
-            </a:r>
-            <a:endParaRPr lang="en-US" altLang="ja-JP" sz="2400" dirty="0" smtClean="0">
+              <a:rPr kumimoji="1" lang="ja-JP" altLang="en-US" dirty="0" smtClean="0">
+                <a:latin typeface="メイリオ" pitchFamily="50" charset="-128"/>
+                <a:ea typeface="メイリオ" pitchFamily="50" charset="-128"/>
+                <a:cs typeface="メイリオ" pitchFamily="50" charset="-128"/>
+              </a:rPr>
+              <a:t>ユーザーから作成したツールが遅いという報告が上がった場合の対応方法</a:t>
+            </a:r>
+            <a:endParaRPr kumimoji="1" lang="en-US" altLang="ja-JP" dirty="0" smtClean="0">
               <a:latin typeface="メイリオ" pitchFamily="50" charset="-128"/>
               <a:ea typeface="メイリオ" pitchFamily="50" charset="-128"/>
               <a:cs typeface="メイリオ" pitchFamily="50" charset="-128"/>
@@ -8407,109 +8369,57 @@
           </a:p>
           <a:p>
             <a:r>
-              <a:rPr lang="en-US" altLang="ja-JP" sz="2400" dirty="0" err="1" smtClean="0">
-                <a:latin typeface="メイリオ" pitchFamily="50" charset="-128"/>
-                <a:ea typeface="メイリオ" pitchFamily="50" charset="-128"/>
-                <a:cs typeface="メイリオ" pitchFamily="50" charset="-128"/>
-              </a:rPr>
-              <a:t>nt.stat</a:t>
-            </a:r>
-            <a:r>
-              <a:rPr lang="en-US" altLang="ja-JP" sz="2400" dirty="0" smtClean="0">
-                <a:latin typeface="メイリオ" pitchFamily="50" charset="-128"/>
-                <a:ea typeface="メイリオ" pitchFamily="50" charset="-128"/>
-                <a:cs typeface="メイリオ" pitchFamily="50" charset="-128"/>
-              </a:rPr>
-              <a:t> </a:t>
-            </a:r>
-            <a:r>
-              <a:rPr lang="ja-JP" altLang="en-US" sz="2400" dirty="0" smtClean="0">
-                <a:latin typeface="メイリオ" pitchFamily="50" charset="-128"/>
-                <a:ea typeface="メイリオ" pitchFamily="50" charset="-128"/>
-                <a:cs typeface="メイリオ" pitchFamily="50" charset="-128"/>
-              </a:rPr>
-              <a:t>の一回あたりの呼び出し時間は </a:t>
-            </a:r>
-            <a:r>
-              <a:rPr lang="en-US" altLang="ja-JP" sz="2400" dirty="0" smtClean="0">
-                <a:latin typeface="メイリオ" pitchFamily="50" charset="-128"/>
-                <a:ea typeface="メイリオ" pitchFamily="50" charset="-128"/>
-                <a:cs typeface="メイリオ" pitchFamily="50" charset="-128"/>
-              </a:rPr>
-              <a:t>3ms</a:t>
-            </a:r>
-            <a:endParaRPr lang="ja-JP" altLang="en-US" sz="2400" dirty="0" smtClean="0">
+              <a:rPr lang="ja-JP" altLang="en-US" dirty="0" smtClean="0">
+                <a:latin typeface="メイリオ" pitchFamily="50" charset="-128"/>
+                <a:ea typeface="メイリオ" pitchFamily="50" charset="-128"/>
+                <a:cs typeface="メイリオ" pitchFamily="50" charset="-128"/>
+              </a:rPr>
+              <a:t>無暗にコードを改変していませんか</a:t>
+            </a:r>
+            <a:r>
+              <a:rPr lang="en-US" altLang="ja-JP" dirty="0" smtClean="0">
+                <a:latin typeface="メイリオ" pitchFamily="50" charset="-128"/>
+                <a:ea typeface="メイリオ" pitchFamily="50" charset="-128"/>
+                <a:cs typeface="メイリオ" pitchFamily="50" charset="-128"/>
+              </a:rPr>
+              <a:t>?</a:t>
+            </a:r>
+          </a:p>
+          <a:p>
+            <a:pPr lvl="1"/>
+            <a:r>
+              <a:rPr kumimoji="1" lang="ja-JP" altLang="en-US" sz="2600" dirty="0" smtClean="0">
+                <a:latin typeface="メイリオ" pitchFamily="50" charset="-128"/>
+                <a:ea typeface="メイリオ" pitchFamily="50" charset="-128"/>
+                <a:cs typeface="メイリオ" pitchFamily="50" charset="-128"/>
+              </a:rPr>
+              <a:t>ファイルアクセスが遅い→メモリにキャッシュ</a:t>
+            </a:r>
+            <a:endParaRPr kumimoji="1" lang="en-US" altLang="ja-JP" sz="2600" dirty="0" smtClean="0">
               <a:latin typeface="メイリオ" pitchFamily="50" charset="-128"/>
               <a:ea typeface="メイリオ" pitchFamily="50" charset="-128"/>
               <a:cs typeface="メイリオ" pitchFamily="50" charset="-128"/>
             </a:endParaRPr>
           </a:p>
           <a:p>
-            <a:r>
-              <a:rPr lang="ja-JP" altLang="en-US" sz="2400" dirty="0" smtClean="0">
-                <a:latin typeface="メイリオ" pitchFamily="50" charset="-128"/>
-                <a:ea typeface="メイリオ" pitchFamily="50" charset="-128"/>
-                <a:cs typeface="メイリオ" pitchFamily="50" charset="-128"/>
-              </a:rPr>
-              <a:t>ネットワークドライブ</a:t>
-            </a:r>
-            <a:r>
-              <a:rPr lang="ja-JP" altLang="en-US" sz="2400" dirty="0" smtClean="0">
-                <a:latin typeface="メイリオ" pitchFamily="50" charset="-128"/>
-                <a:ea typeface="メイリオ" pitchFamily="50" charset="-128"/>
-                <a:cs typeface="メイリオ" pitchFamily="50" charset="-128"/>
-              </a:rPr>
-              <a:t>に対して</a:t>
-            </a:r>
-            <a:r>
-              <a:rPr lang="ja-JP" altLang="en-US" sz="2400" dirty="0" smtClean="0">
-                <a:latin typeface="メイリオ" pitchFamily="50" charset="-128"/>
-                <a:ea typeface="メイリオ" pitchFamily="50" charset="-128"/>
-                <a:cs typeface="メイリオ" pitchFamily="50" charset="-128"/>
-              </a:rPr>
-              <a:t>アクセスして呼び出し毎に </a:t>
-            </a:r>
-            <a:r>
-              <a:rPr lang="en-US" altLang="ja-JP" sz="2400" dirty="0" smtClean="0">
-                <a:latin typeface="メイリオ" pitchFamily="50" charset="-128"/>
-                <a:ea typeface="メイリオ" pitchFamily="50" charset="-128"/>
-                <a:cs typeface="メイリオ" pitchFamily="50" charset="-128"/>
-              </a:rPr>
-              <a:t>30ms </a:t>
-            </a:r>
-            <a:r>
-              <a:rPr lang="ja-JP" altLang="en-US" sz="2400" dirty="0" smtClean="0">
-                <a:latin typeface="メイリオ" pitchFamily="50" charset="-128"/>
-                <a:ea typeface="メイリオ" pitchFamily="50" charset="-128"/>
-                <a:cs typeface="メイリオ" pitchFamily="50" charset="-128"/>
-              </a:rPr>
-              <a:t>かかるとするとトータルで </a:t>
-            </a:r>
-            <a:r>
-              <a:rPr lang="en-US" altLang="ja-JP" sz="2400" dirty="0" smtClean="0">
-                <a:latin typeface="メイリオ" pitchFamily="50" charset="-128"/>
-                <a:ea typeface="メイリオ" pitchFamily="50" charset="-128"/>
-                <a:cs typeface="メイリオ" pitchFamily="50" charset="-128"/>
-              </a:rPr>
-              <a:t>24.6 </a:t>
-            </a:r>
-            <a:r>
-              <a:rPr lang="ja-JP" altLang="en-US" sz="2400" dirty="0" smtClean="0">
-                <a:latin typeface="メイリオ" pitchFamily="50" charset="-128"/>
-                <a:ea typeface="メイリオ" pitchFamily="50" charset="-128"/>
-                <a:cs typeface="メイリオ" pitchFamily="50" charset="-128"/>
-              </a:rPr>
-              <a:t>秒</a:t>
-            </a:r>
-            <a:r>
-              <a:rPr lang="ja-JP" altLang="en-US" sz="2400" dirty="0" smtClean="0">
-                <a:latin typeface="メイリオ" pitchFamily="50" charset="-128"/>
-                <a:ea typeface="メイリオ" pitchFamily="50" charset="-128"/>
-                <a:cs typeface="メイリオ" pitchFamily="50" charset="-128"/>
-              </a:rPr>
-              <a:t>かかる</a:t>
-            </a:r>
-            <a:endParaRPr lang="en-US" altLang="ja-JP" sz="2400" dirty="0" smtClean="0">
+            <a:pPr lvl="1"/>
+            <a:r>
+              <a:rPr kumimoji="1" lang="ja-JP" altLang="en-US" sz="2600" dirty="0" smtClean="0">
+                <a:latin typeface="メイリオ" pitchFamily="50" charset="-128"/>
+                <a:ea typeface="メイリオ" pitchFamily="50" charset="-128"/>
+                <a:cs typeface="メイリオ" pitchFamily="50" charset="-128"/>
+              </a:rPr>
+              <a:t>小手先のテクニックでコードの</a:t>
+            </a:r>
+            <a:r>
+              <a:rPr kumimoji="1" lang="ja-JP" altLang="en-US" sz="2600" dirty="0" smtClean="0">
+                <a:latin typeface="メイリオ" pitchFamily="50" charset="-128"/>
+                <a:ea typeface="メイリオ" pitchFamily="50" charset="-128"/>
+                <a:cs typeface="メイリオ" pitchFamily="50" charset="-128"/>
+              </a:rPr>
+              <a:t>最適化</a:t>
+            </a:r>
+            <a:endParaRPr kumimoji="1" lang="en-US" altLang="ja-JP" sz="2600" dirty="0" smtClean="0">
               <a:latin typeface="メイリオ" pitchFamily="50" charset="-128"/>
               <a:ea typeface="メイリオ" pitchFamily="50" charset="-128"/>
               <a:cs typeface="メイリオ" pitchFamily="50" charset="-128"/>
@@ -8517,30 +8427,22 @@
           </a:p>
           <a:p>
             <a:r>
-              <a:rPr lang="ja-JP" altLang="en-US" sz="2400" dirty="0" smtClean="0">
-                <a:latin typeface="メイリオ" pitchFamily="50" charset="-128"/>
-                <a:ea typeface="メイリオ" pitchFamily="50" charset="-128"/>
-                <a:cs typeface="メイリオ" pitchFamily="50" charset="-128"/>
-              </a:rPr>
-              <a:t>全体</a:t>
-            </a:r>
-            <a:r>
-              <a:rPr lang="ja-JP" altLang="en-US" sz="2400" dirty="0" smtClean="0">
-                <a:latin typeface="メイリオ" pitchFamily="50" charset="-128"/>
-                <a:ea typeface="メイリオ" pitchFamily="50" charset="-128"/>
-                <a:cs typeface="メイリオ" pitchFamily="50" charset="-128"/>
-              </a:rPr>
-              <a:t>の実行時間もほぼ倍になって</a:t>
-            </a:r>
-            <a:r>
-              <a:rPr lang="ja-JP" altLang="en-US" sz="2400" dirty="0" smtClean="0">
-                <a:latin typeface="メイリオ" pitchFamily="50" charset="-128"/>
-                <a:ea typeface="メイリオ" pitchFamily="50" charset="-128"/>
-                <a:cs typeface="メイリオ" pitchFamily="50" charset="-128"/>
-              </a:rPr>
-              <a:t>しまう</a:t>
-            </a:r>
-            <a:endParaRPr lang="en-US" altLang="ja-JP" sz="2400" dirty="0" smtClean="0">
+              <a:rPr kumimoji="1" lang="ja-JP" altLang="en-US" dirty="0" smtClean="0">
+                <a:latin typeface="メイリオ" pitchFamily="50" charset="-128"/>
+                <a:ea typeface="メイリオ" pitchFamily="50" charset="-128"/>
+                <a:cs typeface="メイリオ" pitchFamily="50" charset="-128"/>
+              </a:rPr>
+              <a:t>その改変、本当に意味ありますか</a:t>
+            </a:r>
+            <a:r>
+              <a:rPr kumimoji="1" lang="en-US" altLang="ja-JP" dirty="0" smtClean="0">
+                <a:latin typeface="メイリオ" pitchFamily="50" charset="-128"/>
+                <a:ea typeface="メイリオ" pitchFamily="50" charset="-128"/>
+                <a:cs typeface="メイリオ" pitchFamily="50" charset="-128"/>
+              </a:rPr>
+              <a:t>?</a:t>
+            </a:r>
+            <a:endParaRPr kumimoji="1" lang="ja-JP" altLang="en-US" dirty="0">
               <a:latin typeface="メイリオ" pitchFamily="50" charset="-128"/>
               <a:ea typeface="メイリオ" pitchFamily="50" charset="-128"/>
               <a:cs typeface="メイリオ" pitchFamily="50" charset="-128"/>
@@ -8575,7 +8477,7 @@
               <a:pPr>
                 <a:defRPr/>
               </a:pPr>
-              <a:t>2014/08/16</a:t>
+              <a:t>2014/08/17</a:t>
             </a:fld>
             <a:endParaRPr lang="ja-JP" altLang="en-US" dirty="0">
               <a:latin typeface="メイリオ" pitchFamily="50" charset="-128"/>
@@ -8619,138 +8521,6 @@
               <a:ea typeface="メイリオ" pitchFamily="50" charset="-128"/>
               <a:cs typeface="メイリオ" pitchFamily="50" charset="-128"/>
             </a:endParaRPr>
-          </a:p>
-        </p:txBody>
-      </p:sp>
-      <p:sp>
-        <p:nvSpPr>
-          <p:cNvPr id="7" name="テキスト ボックス 6"/>
-          <p:cNvSpPr txBox="1"/>
-          <p:nvPr/>
-        </p:nvSpPr>
-        <p:spPr>
-          <a:xfrm>
-            <a:off x="714348" y="1428742"/>
-            <a:ext cx="7143800" cy="276999"/>
-          </a:xfrm>
-          <a:prstGeom prst="rect">
-            <a:avLst/>
-          </a:prstGeom>
-          <a:solidFill>
-            <a:schemeClr val="bg1">
-              <a:lumMod val="85000"/>
-            </a:schemeClr>
-          </a:solidFill>
-          <a:ln>
-            <a:solidFill>
-              <a:schemeClr val="tx1"/>
-            </a:solidFill>
-          </a:ln>
-        </p:spPr>
-        <p:txBody>
-          <a:bodyPr wrap="square" rtlCol="0">
-            <a:spAutoFit/>
-          </a:bodyPr>
-          <a:lstStyle/>
-          <a:p>
-            <a:r>
-              <a:rPr lang="en-US" sz="1200" dirty="0" smtClean="0">
-                <a:latin typeface="メイリオ" pitchFamily="50" charset="-128"/>
-                <a:ea typeface="メイリオ" pitchFamily="50" charset="-128"/>
-                <a:cs typeface="メイリオ" pitchFamily="50" charset="-128"/>
-              </a:rPr>
-              <a:t>983    2.458    0.003    2.458    0.003 {</a:t>
-            </a:r>
-            <a:r>
-              <a:rPr lang="en-US" sz="1200" dirty="0" err="1" smtClean="0">
-                <a:latin typeface="メイリオ" pitchFamily="50" charset="-128"/>
-                <a:ea typeface="メイリオ" pitchFamily="50" charset="-128"/>
-                <a:cs typeface="メイリオ" pitchFamily="50" charset="-128"/>
-              </a:rPr>
-              <a:t>nt.stat</a:t>
-            </a:r>
-            <a:r>
-              <a:rPr lang="en-US" sz="1200" dirty="0" smtClean="0">
-                <a:latin typeface="メイリオ" pitchFamily="50" charset="-128"/>
-                <a:ea typeface="メイリオ" pitchFamily="50" charset="-128"/>
-                <a:cs typeface="メイリオ" pitchFamily="50" charset="-128"/>
-              </a:rPr>
-              <a:t>}</a:t>
-            </a:r>
-            <a:endParaRPr kumimoji="1" lang="ja-JP" altLang="en-US" sz="1200" dirty="0">
-              <a:latin typeface="メイリオ" pitchFamily="50" charset="-128"/>
-              <a:ea typeface="メイリオ" pitchFamily="50" charset="-128"/>
-              <a:cs typeface="メイリオ" pitchFamily="50" charset="-128"/>
-            </a:endParaRPr>
-          </a:p>
-        </p:txBody>
-      </p:sp>
-      <p:sp>
-        <p:nvSpPr>
-          <p:cNvPr id="8" name="コンテンツ プレースホルダー 2"/>
-          <p:cNvSpPr txBox="1">
-            <a:spLocks/>
-          </p:cNvSpPr>
-          <p:nvPr/>
-        </p:nvSpPr>
-        <p:spPr bwMode="auto">
-          <a:xfrm>
-            <a:off x="457200" y="928676"/>
-            <a:ext cx="8229600" cy="490541"/>
-          </a:xfrm>
-          <a:prstGeom prst="rect">
-            <a:avLst/>
-          </a:prstGeom>
-          <a:noFill/>
-          <a:ln w="9525">
-            <a:noFill/>
-            <a:miter lim="800000"/>
-            <a:headEnd/>
-            <a:tailEnd/>
-          </a:ln>
-        </p:spPr>
-        <p:txBody>
-          <a:bodyPr vert="horz" wrap="square" lIns="91440" tIns="45720" rIns="91440" bIns="45720" numCol="1" anchor="t" anchorCtr="0" compatLnSpc="1">
-            <a:prstTxWarp prst="textNoShape">
-              <a:avLst/>
-            </a:prstTxWarp>
-          </a:bodyPr>
-          <a:lstStyle/>
-          <a:p>
-            <a:pPr marL="342900" marR="0" lvl="0" indent="-342900" algn="l" defTabSz="914400" rtl="0" eaLnBrk="0" fontAlgn="base" latinLnBrk="0" hangingPunct="0">
-              <a:lnSpc>
-                <a:spcPct val="100000"/>
-              </a:lnSpc>
-              <a:spcBef>
-                <a:spcPct val="20000"/>
-              </a:spcBef>
-              <a:spcAft>
-                <a:spcPct val="0"/>
-              </a:spcAft>
-              <a:buClrTx/>
-              <a:buSzTx/>
-              <a:buFont typeface="Arial" charset="0"/>
-              <a:buChar char="•"/>
-              <a:tabLst/>
-              <a:defRPr/>
-            </a:pPr>
-            <a:r>
-              <a:rPr kumimoji="1" lang="ja-JP" altLang="en-US" sz="2400" b="0" i="0" u="none" strike="noStrike" kern="1200" cap="none" spc="0" normalizeH="0" baseline="0" noProof="0" dirty="0" smtClean="0">
-                <a:ln>
-                  <a:noFill/>
-                </a:ln>
-                <a:solidFill>
-                  <a:schemeClr val="tx1"/>
-                </a:solidFill>
-                <a:effectLst/>
-                <a:uLnTx/>
-                <a:uFillTx/>
-                <a:latin typeface="メイリオ" pitchFamily="50" charset="-128"/>
-                <a:ea typeface="メイリオ" pitchFamily="50" charset="-128"/>
-                <a:cs typeface="メイリオ" pitchFamily="50" charset="-128"/>
-              </a:rPr>
-              <a:t>ボトルネックは、環境によっても変化する</a:t>
-            </a:r>
           </a:p>
         </p:txBody>
       </p:sp>
@@ -8809,12 +8579,120 @@
                 <a:ea typeface="メイリオ" pitchFamily="50" charset="-128"/>
                 <a:cs typeface="メイリオ" pitchFamily="50" charset="-128"/>
               </a:rPr>
-              <a:t>ログ確認ツール</a:t>
+              <a:t>その</a:t>
+            </a:r>
+            <a:r>
+              <a:rPr lang="ja-JP" altLang="en-US" sz="4000" dirty="0" smtClean="0">
+                <a:solidFill>
+                  <a:schemeClr val="tx1"/>
+                </a:solidFill>
+                <a:latin typeface="メイリオ" pitchFamily="50" charset="-128"/>
+                <a:ea typeface="メイリオ" pitchFamily="50" charset="-128"/>
+                <a:cs typeface="メイリオ" pitchFamily="50" charset="-128"/>
+              </a:rPr>
+              <a:t>改変</a:t>
+            </a:r>
+            <a:r>
+              <a:rPr kumimoji="1" lang="ja-JP" altLang="en-US" sz="4000" dirty="0" smtClean="0">
+                <a:solidFill>
+                  <a:schemeClr val="tx1"/>
+                </a:solidFill>
+                <a:latin typeface="メイリオ" pitchFamily="50" charset="-128"/>
+                <a:ea typeface="メイリオ" pitchFamily="50" charset="-128"/>
+                <a:cs typeface="メイリオ" pitchFamily="50" charset="-128"/>
+              </a:rPr>
+              <a:t>、</a:t>
+            </a:r>
+            <a:r>
+              <a:rPr kumimoji="1" lang="ja-JP" altLang="en-US" sz="4000" dirty="0" smtClean="0">
+                <a:solidFill>
+                  <a:schemeClr val="tx1"/>
+                </a:solidFill>
+                <a:latin typeface="メイリオ" pitchFamily="50" charset="-128"/>
+                <a:ea typeface="メイリオ" pitchFamily="50" charset="-128"/>
+                <a:cs typeface="メイリオ" pitchFamily="50" charset="-128"/>
+              </a:rPr>
+              <a:t>効果ありますか</a:t>
+            </a:r>
+            <a:r>
+              <a:rPr kumimoji="1" lang="en-US" altLang="ja-JP" sz="4000" dirty="0" smtClean="0">
+                <a:solidFill>
+                  <a:schemeClr val="tx1"/>
+                </a:solidFill>
+                <a:latin typeface="メイリオ" pitchFamily="50" charset="-128"/>
+                <a:ea typeface="メイリオ" pitchFamily="50" charset="-128"/>
+                <a:cs typeface="メイリオ" pitchFamily="50" charset="-128"/>
+              </a:rPr>
+              <a:t>?</a:t>
             </a:r>
             <a:endParaRPr kumimoji="1" lang="ja-JP" altLang="en-US" sz="4000" dirty="0">
               <a:solidFill>
                 <a:schemeClr val="tx1"/>
               </a:solidFill>
+              <a:latin typeface="メイリオ" pitchFamily="50" charset="-128"/>
+              <a:ea typeface="メイリオ" pitchFamily="50" charset="-128"/>
+              <a:cs typeface="メイリオ" pitchFamily="50" charset="-128"/>
+            </a:endParaRPr>
+          </a:p>
+        </p:txBody>
+      </p:sp>
+      <p:sp>
+        <p:nvSpPr>
+          <p:cNvPr id="3" name="コンテンツ プレースホルダー 2"/>
+          <p:cNvSpPr>
+            <a:spLocks noGrp="1"/>
+          </p:cNvSpPr>
+          <p:nvPr>
+            <p:ph idx="1"/>
+          </p:nvPr>
+        </p:nvSpPr>
+        <p:spPr/>
+        <p:txBody>
+          <a:bodyPr/>
+          <a:lstStyle/>
+          <a:p>
+            <a:r>
+              <a:rPr kumimoji="1" lang="ja-JP" altLang="en-US" dirty="0" smtClean="0">
+                <a:latin typeface="メイリオ" pitchFamily="50" charset="-128"/>
+                <a:ea typeface="メイリオ" pitchFamily="50" charset="-128"/>
+                <a:cs typeface="メイリオ" pitchFamily="50" charset="-128"/>
+              </a:rPr>
+              <a:t>ボトルネックを把握しましょう</a:t>
+            </a:r>
+            <a:endParaRPr kumimoji="1" lang="en-US" altLang="ja-JP" dirty="0" smtClean="0">
+              <a:latin typeface="メイリオ" pitchFamily="50" charset="-128"/>
+              <a:ea typeface="メイリオ" pitchFamily="50" charset="-128"/>
+              <a:cs typeface="メイリオ" pitchFamily="50" charset="-128"/>
+            </a:endParaRPr>
+          </a:p>
+          <a:p>
+            <a:r>
+              <a:rPr lang="ja-JP" altLang="en-US" dirty="0" smtClean="0">
+                <a:latin typeface="メイリオ" pitchFamily="50" charset="-128"/>
+                <a:ea typeface="メイリオ" pitchFamily="50" charset="-128"/>
+                <a:cs typeface="メイリオ" pitchFamily="50" charset="-128"/>
+              </a:rPr>
+              <a:t>どうやって</a:t>
+            </a:r>
+            <a:r>
+              <a:rPr lang="en-US" altLang="ja-JP" dirty="0" smtClean="0">
+                <a:latin typeface="メイリオ" pitchFamily="50" charset="-128"/>
+                <a:ea typeface="メイリオ" pitchFamily="50" charset="-128"/>
+                <a:cs typeface="メイリオ" pitchFamily="50" charset="-128"/>
+              </a:rPr>
+              <a:t>?</a:t>
+            </a:r>
+          </a:p>
+          <a:p>
+            <a:r>
+              <a:rPr kumimoji="1" lang="ja-JP" altLang="en-US" dirty="0" smtClean="0">
+                <a:latin typeface="メイリオ" pitchFamily="50" charset="-128"/>
+                <a:ea typeface="メイリオ" pitchFamily="50" charset="-128"/>
+                <a:cs typeface="メイリオ" pitchFamily="50" charset="-128"/>
+              </a:rPr>
+              <a:t>プロファイラを使用する</a:t>
+            </a:r>
+            <a:endParaRPr kumimoji="1" lang="ja-JP" altLang="en-US" dirty="0">
               <a:latin typeface="メイリオ" pitchFamily="50" charset="-128"/>
               <a:ea typeface="メイリオ" pitchFamily="50" charset="-128"/>
               <a:cs typeface="メイリオ" pitchFamily="50" charset="-128"/>
@@ -8896,32 +8774,6 @@
           </a:p>
         </p:txBody>
       </p:sp>
-      <p:pic>
-        <p:nvPicPr>
-          <p:cNvPr id="1027" name="Picture 3" descr="D:\chiyama\Documents\Research\CEDEC2014\chiyama\RunSnakeRun.png"/>
-          <p:cNvPicPr>
-            <a:picLocks noChangeAspect="1" noChangeArrowheads="1"/>
-          </p:cNvPicPr>
-          <p:nvPr/>
-        </p:nvPicPr>
-        <p:blipFill>
-          <a:blip r:embed="rId2"/>
-          <a:srcRect/>
-          <a:stretch>
-            <a:fillRect/>
-          </a:stretch>
-        </p:blipFill>
-        <p:spPr bwMode="auto">
-          <a:xfrm>
-            <a:off x="2044700" y="938226"/>
-            <a:ext cx="5054600" cy="3562350"/>
-          </a:xfrm>
-          <a:prstGeom prst="rect">
-            <a:avLst/>
-          </a:prstGeom>
-          <a:noFill/>
-        </p:spPr>
-      </p:pic>
     </p:spTree>
     <p:extLst>
       <p:ext uri="{BB962C8B-B14F-4D97-AF65-F5344CB8AC3E}">
@@ -8969,7 +8821,7 @@
           <a:p>
             <a:pPr algn="ctr"/>
             <a:r>
-              <a:rPr kumimoji="1" lang="ja-JP" altLang="en-US" sz="4000" dirty="0" smtClean="0">
+              <a:rPr lang="en-US" altLang="ja-JP" sz="4000" dirty="0" smtClean="0">
                 <a:solidFill>
                   <a:schemeClr val="tx1"/>
                 </a:solidFill>
@@ -8977,7 +8829,29 @@
                 <a:ea typeface="メイリオ" pitchFamily="50" charset="-128"/>
                 <a:cs typeface="メイリオ" pitchFamily="50" charset="-128"/>
               </a:rPr>
-              <a:t>デバッガの活用</a:t>
+              <a:t>Python </a:t>
+            </a:r>
+            <a:r>
+              <a:rPr lang="ja-JP" altLang="en-US" sz="4000" dirty="0" err="1" smtClean="0">
+                <a:solidFill>
+                  <a:schemeClr val="tx1"/>
+                </a:solidFill>
+                <a:latin typeface="メイリオ" pitchFamily="50" charset="-128"/>
+                <a:ea typeface="メイリオ" pitchFamily="50" charset="-128"/>
+                <a:cs typeface="メイリオ" pitchFamily="50" charset="-128"/>
+              </a:rPr>
+              <a:t>での</a:t>
+            </a:r>
+            <a:r>
+              <a:rPr lang="ja-JP" altLang="en-US" sz="4000" dirty="0" smtClean="0">
+                <a:solidFill>
+                  <a:schemeClr val="tx1"/>
+                </a:solidFill>
+                <a:latin typeface="メイリオ" pitchFamily="50" charset="-128"/>
+                <a:ea typeface="メイリオ" pitchFamily="50" charset="-128"/>
+                <a:cs typeface="メイリオ" pitchFamily="50" charset="-128"/>
+              </a:rPr>
+              <a:t>プロファイリング</a:t>
             </a:r>
             <a:endParaRPr kumimoji="1" lang="ja-JP" altLang="en-US" sz="4000" dirty="0">
               <a:solidFill>
@@ -9000,12 +8874,65 @@
             <p:ph idx="1"/>
           </p:nvPr>
         </p:nvSpPr>
-        <p:spPr/>
+        <p:spPr>
+          <a:xfrm>
+            <a:off x="457200" y="942977"/>
+            <a:ext cx="8229600" cy="628641"/>
+          </a:xfrm>
+        </p:spPr>
         <p:txBody>
           <a:bodyPr/>
           <a:lstStyle/>
           <a:p>
-            <a:endParaRPr kumimoji="1" lang="ja-JP" altLang="en-US" dirty="0">
+            <a:r>
+              <a:rPr lang="en-US" altLang="ja-JP" dirty="0" smtClean="0">
+                <a:latin typeface="メイリオ" pitchFamily="50" charset="-128"/>
+                <a:ea typeface="メイリオ" pitchFamily="50" charset="-128"/>
+                <a:cs typeface="メイリオ" pitchFamily="50" charset="-128"/>
+              </a:rPr>
+              <a:t>Python </a:t>
+            </a:r>
+            <a:r>
+              <a:rPr lang="ja-JP" altLang="en-US" dirty="0" smtClean="0">
+                <a:latin typeface="メイリオ" pitchFamily="50" charset="-128"/>
+                <a:ea typeface="メイリオ" pitchFamily="50" charset="-128"/>
+                <a:cs typeface="メイリオ" pitchFamily="50" charset="-128"/>
+              </a:rPr>
+              <a:t>で</a:t>
+            </a:r>
+            <a:r>
+              <a:rPr lang="ja-JP" altLang="en-US" dirty="0" smtClean="0">
+                <a:latin typeface="メイリオ" pitchFamily="50" charset="-128"/>
+                <a:ea typeface="メイリオ" pitchFamily="50" charset="-128"/>
+                <a:cs typeface="メイリオ" pitchFamily="50" charset="-128"/>
+              </a:rPr>
+              <a:t>は </a:t>
+            </a:r>
+            <a:r>
+              <a:rPr lang="en-US" altLang="ja-JP" dirty="0" err="1" smtClean="0">
+                <a:latin typeface="メイリオ" pitchFamily="50" charset="-128"/>
+                <a:ea typeface="メイリオ" pitchFamily="50" charset="-128"/>
+                <a:cs typeface="メイリオ" pitchFamily="50" charset="-128"/>
+              </a:rPr>
+              <a:t>cProfile</a:t>
+            </a:r>
+            <a:r>
+              <a:rPr lang="en-US" altLang="ja-JP" dirty="0" smtClean="0">
+                <a:latin typeface="メイリオ" pitchFamily="50" charset="-128"/>
+                <a:ea typeface="メイリオ" pitchFamily="50" charset="-128"/>
+                <a:cs typeface="メイリオ" pitchFamily="50" charset="-128"/>
+              </a:rPr>
+              <a:t> </a:t>
+            </a:r>
+            <a:r>
+              <a:rPr lang="ja-JP" altLang="en-US" dirty="0" smtClean="0">
+                <a:latin typeface="メイリオ" pitchFamily="50" charset="-128"/>
+                <a:ea typeface="メイリオ" pitchFamily="50" charset="-128"/>
+                <a:cs typeface="メイリオ" pitchFamily="50" charset="-128"/>
+              </a:rPr>
+              <a:t>を使用する</a:t>
+            </a:r>
+            <a:endParaRPr lang="en-US" altLang="ja-JP" dirty="0" smtClean="0">
               <a:latin typeface="メイリオ" pitchFamily="50" charset="-128"/>
               <a:ea typeface="メイリオ" pitchFamily="50" charset="-128"/>
               <a:cs typeface="メイリオ" pitchFamily="50" charset="-128"/>
@@ -9078,1035 +9005,6 @@
                 <a:defRPr/>
               </a:pPr>
               <a:t>12</a:t>
-            </a:fld>
-            <a:endParaRPr lang="ja-JP" altLang="en-US">
-              <a:latin typeface="メイリオ" pitchFamily="50" charset="-128"/>
-              <a:ea typeface="メイリオ" pitchFamily="50" charset="-128"/>
-              <a:cs typeface="メイリオ" pitchFamily="50" charset="-128"/>
-            </a:endParaRPr>
-          </a:p>
-        </p:txBody>
-      </p:sp>
-    </p:spTree>
-    <p:extLst>
-      <p:ext uri="{BB962C8B-B14F-4D97-AF65-F5344CB8AC3E}">
-        <p14:creationId xmlns:p14="http://schemas.microsoft.com/office/powerpoint/2010/main" xmlns="" val="1890745276"/>
-      </p:ext>
-    </p:extLst>
-  </p:cSld>
-  <p:clrMapOvr>
-    <a:masterClrMapping/>
-  </p:clrMapOvr>
-</p:sld>
-</file>
-
-<file path=ppt/slides/slide2.xml><?xml version="1.0" encoding="utf-8"?>
-<p:sld xmlns:a="http://schemas.openxmlformats.org/drawingml/2006/main" xmlns:r="http://schemas.openxmlformats.org/officeDocument/2006/relationships" xmlns:p="http://schemas.openxmlformats.org/presentationml/2006/main">
-  <p:cSld>
-    <p:spTree>
-      <p:nvGrpSpPr>
-        <p:cNvPr id="1" name=""/>
-        <p:cNvGrpSpPr/>
-        <p:nvPr/>
-      </p:nvGrpSpPr>
-      <p:grpSpPr>
-        <a:xfrm>
-          <a:off x="0" y="0"/>
-          <a:ext cx="0" cy="0"/>
-          <a:chOff x="0" y="0"/>
-          <a:chExt cx="0" cy="0"/>
-        </a:xfrm>
-      </p:grpSpPr>
-      <p:sp>
-        <p:nvSpPr>
-          <p:cNvPr id="2" name="タイトル 1"/>
-          <p:cNvSpPr>
-            <a:spLocks noGrp="1"/>
-          </p:cNvSpPr>
-          <p:nvPr>
-            <p:ph type="title"/>
-          </p:nvPr>
-        </p:nvSpPr>
-        <p:spPr/>
-        <p:txBody>
-          <a:bodyPr/>
-          <a:lstStyle/>
-          <a:p>
-            <a:pPr algn="ctr"/>
-            <a:r>
-              <a:rPr kumimoji="1" lang="ja-JP" altLang="en-US" sz="4000" dirty="0" smtClean="0">
-                <a:solidFill>
-                  <a:schemeClr val="tx1"/>
-                </a:solidFill>
-                <a:latin typeface="メイリオ" pitchFamily="50" charset="-128"/>
-                <a:ea typeface="メイリオ" pitchFamily="50" charset="-128"/>
-                <a:cs typeface="メイリオ" pitchFamily="50" charset="-128"/>
-              </a:rPr>
-              <a:t>コードに対して意味を持たせる</a:t>
-            </a:r>
-            <a:endParaRPr kumimoji="1" lang="ja-JP" altLang="en-US" sz="4000" dirty="0">
-              <a:solidFill>
-                <a:schemeClr val="tx1"/>
-              </a:solidFill>
-              <a:latin typeface="メイリオ" pitchFamily="50" charset="-128"/>
-              <a:ea typeface="メイリオ" pitchFamily="50" charset="-128"/>
-              <a:cs typeface="メイリオ" pitchFamily="50" charset="-128"/>
-            </a:endParaRPr>
-          </a:p>
-        </p:txBody>
-      </p:sp>
-      <p:sp>
-        <p:nvSpPr>
-          <p:cNvPr id="3" name="コンテンツ プレースホルダー 2"/>
-          <p:cNvSpPr>
-            <a:spLocks noGrp="1"/>
-          </p:cNvSpPr>
-          <p:nvPr>
-            <p:ph idx="1"/>
-          </p:nvPr>
-        </p:nvSpPr>
-        <p:spPr>
-          <a:xfrm>
-            <a:off x="3286116" y="942977"/>
-            <a:ext cx="785818" cy="3594497"/>
-          </a:xfrm>
-        </p:spPr>
-        <p:txBody>
-          <a:bodyPr vert="eaVert"/>
-          <a:lstStyle/>
-          <a:p>
-            <a:pPr marL="0" indent="0">
-              <a:buNone/>
-            </a:pPr>
-            <a:r>
-              <a:rPr kumimoji="1" lang="ja-JP" altLang="en-US" sz="2000" dirty="0" smtClean="0">
-                <a:latin typeface="メイリオ" pitchFamily="50" charset="-128"/>
-                <a:ea typeface="メイリオ" pitchFamily="50" charset="-128"/>
-                <a:cs typeface="メイリオ" pitchFamily="50" charset="-128"/>
-              </a:rPr>
-              <a:t>おねえちゃん</a:t>
-            </a:r>
-            <a:r>
-              <a:rPr lang="ja-JP" altLang="en-US" sz="2000" dirty="0" smtClean="0">
-                <a:latin typeface="メイリオ" pitchFamily="50" charset="-128"/>
-                <a:ea typeface="メイリオ" pitchFamily="50" charset="-128"/>
-                <a:cs typeface="メイリオ" pitchFamily="50" charset="-128"/>
-              </a:rPr>
-              <a:t>の髪はとても黒くて綺麗です</a:t>
-            </a:r>
-            <a:endParaRPr lang="en-US" altLang="ja-JP" sz="2000" dirty="0" smtClean="0">
-              <a:latin typeface="メイリオ" pitchFamily="50" charset="-128"/>
-              <a:ea typeface="メイリオ" pitchFamily="50" charset="-128"/>
-              <a:cs typeface="メイリオ" pitchFamily="50" charset="-128"/>
-            </a:endParaRPr>
-          </a:p>
-        </p:txBody>
-      </p:sp>
-      <p:sp>
-        <p:nvSpPr>
-          <p:cNvPr id="4" name="日付プレースホルダー 3"/>
-          <p:cNvSpPr>
-            <a:spLocks noGrp="1"/>
-          </p:cNvSpPr>
-          <p:nvPr>
-            <p:ph type="dt" sz="half" idx="10"/>
-          </p:nvPr>
-        </p:nvSpPr>
-        <p:spPr/>
-        <p:txBody>
-          <a:bodyPr/>
-          <a:lstStyle/>
-          <a:p>
-            <a:pPr>
-              <a:defRPr/>
-            </a:pPr>
-            <a:fld id="{A9259AFE-7AC7-4F49-85B9-5B069C761CE3}" type="datetime5">
-              <a:rPr lang="ja-JP" altLang="en-US" smtClean="0">
-                <a:latin typeface="メイリオ" pitchFamily="50" charset="-128"/>
-                <a:ea typeface="メイリオ" pitchFamily="50" charset="-128"/>
-                <a:cs typeface="メイリオ" pitchFamily="50" charset="-128"/>
-              </a:rPr>
-              <a:pPr>
-                <a:defRPr/>
-              </a:pPr>
-              <a:t>2014/08/16</a:t>
-            </a:fld>
-            <a:endParaRPr lang="ja-JP" altLang="en-US" dirty="0">
-              <a:latin typeface="メイリオ" pitchFamily="50" charset="-128"/>
-              <a:ea typeface="メイリオ" pitchFamily="50" charset="-128"/>
-              <a:cs typeface="メイリオ" pitchFamily="50" charset="-128"/>
-            </a:endParaRPr>
-          </a:p>
-        </p:txBody>
-      </p:sp>
-      <p:sp>
-        <p:nvSpPr>
-          <p:cNvPr id="6" name="スライド番号プレースホルダー 5"/>
-          <p:cNvSpPr>
-            <a:spLocks noGrp="1"/>
-          </p:cNvSpPr>
-          <p:nvPr>
-            <p:ph type="sldNum" sz="quarter" idx="12"/>
-          </p:nvPr>
-        </p:nvSpPr>
-        <p:spPr/>
-        <p:txBody>
-          <a:bodyPr/>
-          <a:lstStyle/>
-          <a:p>
-            <a:pPr>
-              <a:defRPr/>
-            </a:pPr>
-            <a:fld id="{29799127-F303-4AE7-A969-D0F8A278DEB3}" type="slidenum">
-              <a:rPr lang="ja-JP" altLang="en-US" smtClean="0">
-                <a:latin typeface="メイリオ" pitchFamily="50" charset="-128"/>
-                <a:ea typeface="メイリオ" pitchFamily="50" charset="-128"/>
-                <a:cs typeface="メイリオ" pitchFamily="50" charset="-128"/>
-              </a:rPr>
-              <a:pPr>
-                <a:defRPr/>
-              </a:pPr>
-              <a:t>2</a:t>
-            </a:fld>
-            <a:endParaRPr lang="ja-JP" altLang="en-US">
-              <a:latin typeface="メイリオ" pitchFamily="50" charset="-128"/>
-              <a:ea typeface="メイリオ" pitchFamily="50" charset="-128"/>
-              <a:cs typeface="メイリオ" pitchFamily="50" charset="-128"/>
-            </a:endParaRPr>
-          </a:p>
-        </p:txBody>
-      </p:sp>
-      <p:sp>
-        <p:nvSpPr>
-          <p:cNvPr id="7" name="コンテンツ プレースホルダー 2"/>
-          <p:cNvSpPr txBox="1">
-            <a:spLocks/>
-          </p:cNvSpPr>
-          <p:nvPr/>
-        </p:nvSpPr>
-        <p:spPr bwMode="auto">
-          <a:xfrm>
-            <a:off x="5072066" y="942977"/>
-            <a:ext cx="1214446" cy="3594497"/>
-          </a:xfrm>
-          <a:prstGeom prst="rect">
-            <a:avLst/>
-          </a:prstGeom>
-          <a:noFill/>
-          <a:ln w="9525">
-            <a:noFill/>
-            <a:miter lim="800000"/>
-            <a:headEnd/>
-            <a:tailEnd/>
-          </a:ln>
-        </p:spPr>
-        <p:txBody>
-          <a:bodyPr vert="eaVert" wrap="square" lIns="91440" tIns="45720" rIns="91440" bIns="45720" numCol="1" anchor="t" anchorCtr="0" compatLnSpc="1">
-            <a:prstTxWarp prst="textNoShape">
-              <a:avLst/>
-            </a:prstTxWarp>
-          </a:bodyPr>
-          <a:lstStyle/>
-          <a:p>
-            <a:r>
-              <a:rPr lang="ja-JP" altLang="en-US" sz="2000" dirty="0" smtClean="0">
-                <a:latin typeface="メイリオ" pitchFamily="50" charset="-128"/>
-                <a:ea typeface="メイリオ" pitchFamily="50" charset="-128"/>
-                <a:cs typeface="メイリオ" pitchFamily="50" charset="-128"/>
-              </a:rPr>
-              <a:t>その子二十</a:t>
-            </a:r>
-            <a:endParaRPr lang="en-US" altLang="ja-JP" sz="2000" dirty="0" smtClean="0">
-              <a:latin typeface="メイリオ" pitchFamily="50" charset="-128"/>
-              <a:ea typeface="メイリオ" pitchFamily="50" charset="-128"/>
-              <a:cs typeface="メイリオ" pitchFamily="50" charset="-128"/>
-            </a:endParaRPr>
-          </a:p>
-          <a:p>
-            <a:r>
-              <a:rPr lang="ja-JP" altLang="en-US" sz="2000" dirty="0" smtClean="0">
-                <a:latin typeface="メイリオ" pitchFamily="50" charset="-128"/>
-                <a:ea typeface="メイリオ" pitchFamily="50" charset="-128"/>
-                <a:cs typeface="メイリオ" pitchFamily="50" charset="-128"/>
-              </a:rPr>
-              <a:t>櫛に</a:t>
-            </a:r>
-            <a:r>
-              <a:rPr lang="ja-JP" altLang="en-US" sz="2000" dirty="0" err="1" smtClean="0">
-                <a:latin typeface="メイリオ" pitchFamily="50" charset="-128"/>
-                <a:ea typeface="メイリオ" pitchFamily="50" charset="-128"/>
-                <a:cs typeface="メイリオ" pitchFamily="50" charset="-128"/>
-              </a:rPr>
-              <a:t>ながるる黒髪の</a:t>
-            </a:r>
-            <a:endParaRPr lang="en-US" altLang="ja-JP" sz="2000" dirty="0" smtClean="0">
-              <a:latin typeface="メイリオ" pitchFamily="50" charset="-128"/>
-              <a:ea typeface="メイリオ" pitchFamily="50" charset="-128"/>
-              <a:cs typeface="メイリオ" pitchFamily="50" charset="-128"/>
-            </a:endParaRPr>
-          </a:p>
-          <a:p>
-            <a:r>
-              <a:rPr lang="ja-JP" altLang="en-US" sz="2000" dirty="0" smtClean="0">
-                <a:latin typeface="メイリオ" pitchFamily="50" charset="-128"/>
-                <a:ea typeface="メイリオ" pitchFamily="50" charset="-128"/>
-                <a:cs typeface="メイリオ" pitchFamily="50" charset="-128"/>
-              </a:rPr>
-              <a:t>おごりの春のうつくしきかな</a:t>
-            </a:r>
-            <a:endParaRPr lang="en-US" altLang="ja-JP" sz="2000" dirty="0" smtClean="0">
-              <a:latin typeface="メイリオ" pitchFamily="50" charset="-128"/>
-              <a:ea typeface="メイリオ" pitchFamily="50" charset="-128"/>
-              <a:cs typeface="メイリオ" pitchFamily="50" charset="-128"/>
-            </a:endParaRPr>
-          </a:p>
-          <a:p>
-            <a:pPr algn="r"/>
-            <a:r>
-              <a:rPr lang="ja-JP" altLang="en-US" sz="1200" dirty="0" smtClean="0">
-                <a:latin typeface="メイリオ" pitchFamily="50" charset="-128"/>
-                <a:ea typeface="メイリオ" pitchFamily="50" charset="-128"/>
-                <a:cs typeface="メイリオ" pitchFamily="50" charset="-128"/>
-              </a:rPr>
-              <a:t>与謝野晶子</a:t>
-            </a:r>
-          </a:p>
-          <a:p>
-            <a:endParaRPr lang="ja-JP" altLang="en-US" sz="2000" dirty="0">
-              <a:latin typeface="メイリオ" pitchFamily="50" charset="-128"/>
-              <a:ea typeface="メイリオ" pitchFamily="50" charset="-128"/>
-              <a:cs typeface="メイリオ" pitchFamily="50" charset="-128"/>
-            </a:endParaRPr>
-          </a:p>
-        </p:txBody>
-      </p:sp>
-    </p:spTree>
-    <p:extLst>
-      <p:ext uri="{BB962C8B-B14F-4D97-AF65-F5344CB8AC3E}">
-        <p14:creationId xmlns:p14="http://schemas.microsoft.com/office/powerpoint/2010/main" xmlns="" val="1890745276"/>
-      </p:ext>
-    </p:extLst>
-  </p:cSld>
-  <p:clrMapOvr>
-    <a:masterClrMapping/>
-  </p:clrMapOvr>
-</p:sld>
-</file>
-
-<file path=ppt/slides/slide3.xml><?xml version="1.0" encoding="utf-8"?>
-<p:sld xmlns:a="http://schemas.openxmlformats.org/drawingml/2006/main" xmlns:r="http://schemas.openxmlformats.org/officeDocument/2006/relationships" xmlns:p="http://schemas.openxmlformats.org/presentationml/2006/main">
-  <p:cSld>
-    <p:spTree>
-      <p:nvGrpSpPr>
-        <p:cNvPr id="1" name=""/>
-        <p:cNvGrpSpPr/>
-        <p:nvPr/>
-      </p:nvGrpSpPr>
-      <p:grpSpPr>
-        <a:xfrm>
-          <a:off x="0" y="0"/>
-          <a:ext cx="0" cy="0"/>
-          <a:chOff x="0" y="0"/>
-          <a:chExt cx="0" cy="0"/>
-        </a:xfrm>
-      </p:grpSpPr>
-      <p:sp>
-        <p:nvSpPr>
-          <p:cNvPr id="2" name="タイトル 1"/>
-          <p:cNvSpPr>
-            <a:spLocks noGrp="1"/>
-          </p:cNvSpPr>
-          <p:nvPr>
-            <p:ph type="title"/>
-          </p:nvPr>
-        </p:nvSpPr>
-        <p:spPr/>
-        <p:txBody>
-          <a:bodyPr/>
-          <a:lstStyle/>
-          <a:p>
-            <a:pPr algn="ctr"/>
-            <a:r>
-              <a:rPr lang="ja-JP" altLang="en-US" sz="4000" dirty="0" smtClean="0">
-                <a:solidFill>
-                  <a:schemeClr val="tx1"/>
-                </a:solidFill>
-                <a:latin typeface="メイリオ" pitchFamily="50" charset="-128"/>
-                <a:ea typeface="メイリオ" pitchFamily="50" charset="-128"/>
-                <a:cs typeface="メイリオ" pitchFamily="50" charset="-128"/>
-              </a:rPr>
-              <a:t>パフォーマンスチェック</a:t>
-            </a:r>
-            <a:endParaRPr kumimoji="1" lang="ja-JP" altLang="en-US" sz="4000" dirty="0">
-              <a:solidFill>
-                <a:schemeClr val="tx1"/>
-              </a:solidFill>
-              <a:latin typeface="メイリオ" pitchFamily="50" charset="-128"/>
-              <a:ea typeface="メイリオ" pitchFamily="50" charset="-128"/>
-              <a:cs typeface="メイリオ" pitchFamily="50" charset="-128"/>
-            </a:endParaRPr>
-          </a:p>
-        </p:txBody>
-      </p:sp>
-      <p:sp>
-        <p:nvSpPr>
-          <p:cNvPr id="3" name="コンテンツ プレースホルダー 2"/>
-          <p:cNvSpPr>
-            <a:spLocks noGrp="1"/>
-          </p:cNvSpPr>
-          <p:nvPr>
-            <p:ph idx="1"/>
-          </p:nvPr>
-        </p:nvSpPr>
-        <p:spPr/>
-        <p:txBody>
-          <a:bodyPr/>
-          <a:lstStyle/>
-          <a:p>
-            <a:r>
-              <a:rPr kumimoji="1" lang="ja-JP" altLang="en-US" dirty="0" smtClean="0">
-                <a:latin typeface="メイリオ" pitchFamily="50" charset="-128"/>
-                <a:ea typeface="メイリオ" pitchFamily="50" charset="-128"/>
-                <a:cs typeface="メイリオ" pitchFamily="50" charset="-128"/>
-              </a:rPr>
-              <a:t>ユーザーから作成したツールが遅いという報告が上がった場合の対応方法</a:t>
-            </a:r>
-            <a:endParaRPr kumimoji="1" lang="en-US" altLang="ja-JP" dirty="0" smtClean="0">
-              <a:latin typeface="メイリオ" pitchFamily="50" charset="-128"/>
-              <a:ea typeface="メイリオ" pitchFamily="50" charset="-128"/>
-              <a:cs typeface="メイリオ" pitchFamily="50" charset="-128"/>
-            </a:endParaRPr>
-          </a:p>
-          <a:p>
-            <a:r>
-              <a:rPr lang="ja-JP" altLang="en-US" dirty="0" smtClean="0">
-                <a:latin typeface="メイリオ" pitchFamily="50" charset="-128"/>
-                <a:ea typeface="メイリオ" pitchFamily="50" charset="-128"/>
-                <a:cs typeface="メイリオ" pitchFamily="50" charset="-128"/>
-              </a:rPr>
-              <a:t>無暗にコードを改変していませんか</a:t>
-            </a:r>
-            <a:r>
-              <a:rPr lang="en-US" altLang="ja-JP" dirty="0" smtClean="0">
-                <a:latin typeface="メイリオ" pitchFamily="50" charset="-128"/>
-                <a:ea typeface="メイリオ" pitchFamily="50" charset="-128"/>
-                <a:cs typeface="メイリオ" pitchFamily="50" charset="-128"/>
-              </a:rPr>
-              <a:t>?</a:t>
-            </a:r>
-          </a:p>
-          <a:p>
-            <a:pPr lvl="1"/>
-            <a:r>
-              <a:rPr kumimoji="1" lang="ja-JP" altLang="en-US" sz="2600" dirty="0" smtClean="0">
-                <a:latin typeface="メイリオ" pitchFamily="50" charset="-128"/>
-                <a:ea typeface="メイリオ" pitchFamily="50" charset="-128"/>
-                <a:cs typeface="メイリオ" pitchFamily="50" charset="-128"/>
-              </a:rPr>
-              <a:t>ファイルアクセスが遅い→メモリにキャッシュ</a:t>
-            </a:r>
-            <a:endParaRPr kumimoji="1" lang="en-US" altLang="ja-JP" sz="2600" dirty="0" smtClean="0">
-              <a:latin typeface="メイリオ" pitchFamily="50" charset="-128"/>
-              <a:ea typeface="メイリオ" pitchFamily="50" charset="-128"/>
-              <a:cs typeface="メイリオ" pitchFamily="50" charset="-128"/>
-            </a:endParaRPr>
-          </a:p>
-          <a:p>
-            <a:pPr lvl="1"/>
-            <a:r>
-              <a:rPr kumimoji="1" lang="ja-JP" altLang="en-US" sz="2600" dirty="0" smtClean="0">
-                <a:latin typeface="メイリオ" pitchFamily="50" charset="-128"/>
-                <a:ea typeface="メイリオ" pitchFamily="50" charset="-128"/>
-                <a:cs typeface="メイリオ" pitchFamily="50" charset="-128"/>
-              </a:rPr>
-              <a:t>小手先のテクニックでコードの</a:t>
-            </a:r>
-            <a:r>
-              <a:rPr kumimoji="1" lang="ja-JP" altLang="en-US" sz="2600" dirty="0" smtClean="0">
-                <a:latin typeface="メイリオ" pitchFamily="50" charset="-128"/>
-                <a:ea typeface="メイリオ" pitchFamily="50" charset="-128"/>
-                <a:cs typeface="メイリオ" pitchFamily="50" charset="-128"/>
-              </a:rPr>
-              <a:t>最適化</a:t>
-            </a:r>
-            <a:endParaRPr kumimoji="1" lang="en-US" altLang="ja-JP" sz="2600" dirty="0" smtClean="0">
-              <a:latin typeface="メイリオ" pitchFamily="50" charset="-128"/>
-              <a:ea typeface="メイリオ" pitchFamily="50" charset="-128"/>
-              <a:cs typeface="メイリオ" pitchFamily="50" charset="-128"/>
-            </a:endParaRPr>
-          </a:p>
-          <a:p>
-            <a:r>
-              <a:rPr kumimoji="1" lang="ja-JP" altLang="en-US" dirty="0" smtClean="0">
-                <a:latin typeface="メイリオ" pitchFamily="50" charset="-128"/>
-                <a:ea typeface="メイリオ" pitchFamily="50" charset="-128"/>
-                <a:cs typeface="メイリオ" pitchFamily="50" charset="-128"/>
-              </a:rPr>
-              <a:t>その改変、本当に意味ありますか</a:t>
-            </a:r>
-            <a:r>
-              <a:rPr kumimoji="1" lang="en-US" altLang="ja-JP" dirty="0" smtClean="0">
-                <a:latin typeface="メイリオ" pitchFamily="50" charset="-128"/>
-                <a:ea typeface="メイリオ" pitchFamily="50" charset="-128"/>
-                <a:cs typeface="メイリオ" pitchFamily="50" charset="-128"/>
-              </a:rPr>
-              <a:t>?</a:t>
-            </a:r>
-            <a:endParaRPr kumimoji="1" lang="ja-JP" altLang="en-US" dirty="0">
-              <a:latin typeface="メイリオ" pitchFamily="50" charset="-128"/>
-              <a:ea typeface="メイリオ" pitchFamily="50" charset="-128"/>
-              <a:cs typeface="メイリオ" pitchFamily="50" charset="-128"/>
-            </a:endParaRPr>
-          </a:p>
-        </p:txBody>
-      </p:sp>
-      <p:sp>
-        <p:nvSpPr>
-          <p:cNvPr id="4" name="日付プレースホルダー 3"/>
-          <p:cNvSpPr>
-            <a:spLocks noGrp="1"/>
-          </p:cNvSpPr>
-          <p:nvPr>
-            <p:ph type="dt" sz="half" idx="10"/>
-          </p:nvPr>
-        </p:nvSpPr>
-        <p:spPr/>
-        <p:txBody>
-          <a:bodyPr/>
-          <a:lstStyle/>
-          <a:p>
-            <a:pPr>
-              <a:defRPr/>
-            </a:pPr>
-            <a:fld id="{A9259AFE-7AC7-4F49-85B9-5B069C761CE3}" type="datetime5">
-              <a:rPr lang="ja-JP" altLang="en-US" smtClean="0">
-                <a:latin typeface="メイリオ" pitchFamily="50" charset="-128"/>
-                <a:ea typeface="メイリオ" pitchFamily="50" charset="-128"/>
-                <a:cs typeface="メイリオ" pitchFamily="50" charset="-128"/>
-              </a:rPr>
-              <a:pPr>
-                <a:defRPr/>
-              </a:pPr>
-              <a:t>2014/08/16</a:t>
-            </a:fld>
-            <a:endParaRPr lang="ja-JP" altLang="en-US" dirty="0">
-              <a:latin typeface="メイリオ" pitchFamily="50" charset="-128"/>
-              <a:ea typeface="メイリオ" pitchFamily="50" charset="-128"/>
-              <a:cs typeface="メイリオ" pitchFamily="50" charset="-128"/>
-            </a:endParaRPr>
-          </a:p>
-        </p:txBody>
-      </p:sp>
-      <p:sp>
-        <p:nvSpPr>
-          <p:cNvPr id="6" name="スライド番号プレースホルダー 5"/>
-          <p:cNvSpPr>
-            <a:spLocks noGrp="1"/>
-          </p:cNvSpPr>
-          <p:nvPr>
-            <p:ph type="sldNum" sz="quarter" idx="12"/>
-          </p:nvPr>
-        </p:nvSpPr>
-        <p:spPr/>
-        <p:txBody>
-          <a:bodyPr/>
-          <a:lstStyle/>
-          <a:p>
-            <a:pPr>
-              <a:defRPr/>
-            </a:pPr>
-            <a:fld id="{29799127-F303-4AE7-A969-D0F8A278DEB3}" type="slidenum">
-              <a:rPr lang="ja-JP" altLang="en-US" smtClean="0">
-                <a:latin typeface="メイリオ" pitchFamily="50" charset="-128"/>
-                <a:ea typeface="メイリオ" pitchFamily="50" charset="-128"/>
-                <a:cs typeface="メイリオ" pitchFamily="50" charset="-128"/>
-              </a:rPr>
-              <a:pPr>
-                <a:defRPr/>
-              </a:pPr>
-              <a:t>3</a:t>
-            </a:fld>
-            <a:endParaRPr lang="ja-JP" altLang="en-US">
-              <a:latin typeface="メイリオ" pitchFamily="50" charset="-128"/>
-              <a:ea typeface="メイリオ" pitchFamily="50" charset="-128"/>
-              <a:cs typeface="メイリオ" pitchFamily="50" charset="-128"/>
-            </a:endParaRPr>
-          </a:p>
-        </p:txBody>
-      </p:sp>
-    </p:spTree>
-    <p:extLst>
-      <p:ext uri="{BB962C8B-B14F-4D97-AF65-F5344CB8AC3E}">
-        <p14:creationId xmlns:p14="http://schemas.microsoft.com/office/powerpoint/2010/main" xmlns="" val="1890745276"/>
-      </p:ext>
-    </p:extLst>
-  </p:cSld>
-  <p:clrMapOvr>
-    <a:masterClrMapping/>
-  </p:clrMapOvr>
-</p:sld>
-</file>
-
-<file path=ppt/slides/slide4.xml><?xml version="1.0" encoding="utf-8"?>
-<p:sld xmlns:a="http://schemas.openxmlformats.org/drawingml/2006/main" xmlns:r="http://schemas.openxmlformats.org/officeDocument/2006/relationships" xmlns:p="http://schemas.openxmlformats.org/presentationml/2006/main">
-  <p:cSld>
-    <p:spTree>
-      <p:nvGrpSpPr>
-        <p:cNvPr id="1" name=""/>
-        <p:cNvGrpSpPr/>
-        <p:nvPr/>
-      </p:nvGrpSpPr>
-      <p:grpSpPr>
-        <a:xfrm>
-          <a:off x="0" y="0"/>
-          <a:ext cx="0" cy="0"/>
-          <a:chOff x="0" y="0"/>
-          <a:chExt cx="0" cy="0"/>
-        </a:xfrm>
-      </p:grpSpPr>
-      <p:sp>
-        <p:nvSpPr>
-          <p:cNvPr id="2" name="タイトル 1"/>
-          <p:cNvSpPr>
-            <a:spLocks noGrp="1"/>
-          </p:cNvSpPr>
-          <p:nvPr>
-            <p:ph type="title"/>
-          </p:nvPr>
-        </p:nvSpPr>
-        <p:spPr/>
-        <p:txBody>
-          <a:bodyPr/>
-          <a:lstStyle/>
-          <a:p>
-            <a:pPr algn="ctr"/>
-            <a:r>
-              <a:rPr kumimoji="1" lang="ja-JP" altLang="en-US" sz="4000" dirty="0" smtClean="0">
-                <a:solidFill>
-                  <a:schemeClr val="tx1"/>
-                </a:solidFill>
-                <a:latin typeface="メイリオ" pitchFamily="50" charset="-128"/>
-                <a:ea typeface="メイリオ" pitchFamily="50" charset="-128"/>
-                <a:cs typeface="メイリオ" pitchFamily="50" charset="-128"/>
-              </a:rPr>
-              <a:t>その</a:t>
-            </a:r>
-            <a:r>
-              <a:rPr lang="ja-JP" altLang="en-US" sz="4000" dirty="0" smtClean="0">
-                <a:solidFill>
-                  <a:schemeClr val="tx1"/>
-                </a:solidFill>
-                <a:latin typeface="メイリオ" pitchFamily="50" charset="-128"/>
-                <a:ea typeface="メイリオ" pitchFamily="50" charset="-128"/>
-                <a:cs typeface="メイリオ" pitchFamily="50" charset="-128"/>
-              </a:rPr>
-              <a:t>改変</a:t>
-            </a:r>
-            <a:r>
-              <a:rPr kumimoji="1" lang="ja-JP" altLang="en-US" sz="4000" dirty="0" smtClean="0">
-                <a:solidFill>
-                  <a:schemeClr val="tx1"/>
-                </a:solidFill>
-                <a:latin typeface="メイリオ" pitchFamily="50" charset="-128"/>
-                <a:ea typeface="メイリオ" pitchFamily="50" charset="-128"/>
-                <a:cs typeface="メイリオ" pitchFamily="50" charset="-128"/>
-              </a:rPr>
-              <a:t>、</a:t>
-            </a:r>
-            <a:r>
-              <a:rPr kumimoji="1" lang="ja-JP" altLang="en-US" sz="4000" dirty="0" smtClean="0">
-                <a:solidFill>
-                  <a:schemeClr val="tx1"/>
-                </a:solidFill>
-                <a:latin typeface="メイリオ" pitchFamily="50" charset="-128"/>
-                <a:ea typeface="メイリオ" pitchFamily="50" charset="-128"/>
-                <a:cs typeface="メイリオ" pitchFamily="50" charset="-128"/>
-              </a:rPr>
-              <a:t>効果ありますか</a:t>
-            </a:r>
-            <a:r>
-              <a:rPr kumimoji="1" lang="en-US" altLang="ja-JP" sz="4000" dirty="0" smtClean="0">
-                <a:solidFill>
-                  <a:schemeClr val="tx1"/>
-                </a:solidFill>
-                <a:latin typeface="メイリオ" pitchFamily="50" charset="-128"/>
-                <a:ea typeface="メイリオ" pitchFamily="50" charset="-128"/>
-                <a:cs typeface="メイリオ" pitchFamily="50" charset="-128"/>
-              </a:rPr>
-              <a:t>?</a:t>
-            </a:r>
-            <a:endParaRPr kumimoji="1" lang="ja-JP" altLang="en-US" sz="4000" dirty="0">
-              <a:solidFill>
-                <a:schemeClr val="tx1"/>
-              </a:solidFill>
-              <a:latin typeface="メイリオ" pitchFamily="50" charset="-128"/>
-              <a:ea typeface="メイリオ" pitchFamily="50" charset="-128"/>
-              <a:cs typeface="メイリオ" pitchFamily="50" charset="-128"/>
-            </a:endParaRPr>
-          </a:p>
-        </p:txBody>
-      </p:sp>
-      <p:sp>
-        <p:nvSpPr>
-          <p:cNvPr id="3" name="コンテンツ プレースホルダー 2"/>
-          <p:cNvSpPr>
-            <a:spLocks noGrp="1"/>
-          </p:cNvSpPr>
-          <p:nvPr>
-            <p:ph idx="1"/>
-          </p:nvPr>
-        </p:nvSpPr>
-        <p:spPr/>
-        <p:txBody>
-          <a:bodyPr/>
-          <a:lstStyle/>
-          <a:p>
-            <a:r>
-              <a:rPr kumimoji="1" lang="ja-JP" altLang="en-US" dirty="0" smtClean="0">
-                <a:latin typeface="メイリオ" pitchFamily="50" charset="-128"/>
-                <a:ea typeface="メイリオ" pitchFamily="50" charset="-128"/>
-                <a:cs typeface="メイリオ" pitchFamily="50" charset="-128"/>
-              </a:rPr>
-              <a:t>ボトルネックを把握しましょう</a:t>
-            </a:r>
-            <a:endParaRPr kumimoji="1" lang="en-US" altLang="ja-JP" dirty="0" smtClean="0">
-              <a:latin typeface="メイリオ" pitchFamily="50" charset="-128"/>
-              <a:ea typeface="メイリオ" pitchFamily="50" charset="-128"/>
-              <a:cs typeface="メイリオ" pitchFamily="50" charset="-128"/>
-            </a:endParaRPr>
-          </a:p>
-          <a:p>
-            <a:r>
-              <a:rPr lang="ja-JP" altLang="en-US" dirty="0" smtClean="0">
-                <a:latin typeface="メイリオ" pitchFamily="50" charset="-128"/>
-                <a:ea typeface="メイリオ" pitchFamily="50" charset="-128"/>
-                <a:cs typeface="メイリオ" pitchFamily="50" charset="-128"/>
-              </a:rPr>
-              <a:t>どうやって</a:t>
-            </a:r>
-            <a:r>
-              <a:rPr lang="en-US" altLang="ja-JP" dirty="0" smtClean="0">
-                <a:latin typeface="メイリオ" pitchFamily="50" charset="-128"/>
-                <a:ea typeface="メイリオ" pitchFamily="50" charset="-128"/>
-                <a:cs typeface="メイリオ" pitchFamily="50" charset="-128"/>
-              </a:rPr>
-              <a:t>?</a:t>
-            </a:r>
-          </a:p>
-          <a:p>
-            <a:r>
-              <a:rPr kumimoji="1" lang="ja-JP" altLang="en-US" dirty="0" smtClean="0">
-                <a:latin typeface="メイリオ" pitchFamily="50" charset="-128"/>
-                <a:ea typeface="メイリオ" pitchFamily="50" charset="-128"/>
-                <a:cs typeface="メイリオ" pitchFamily="50" charset="-128"/>
-              </a:rPr>
-              <a:t>プロファイラを使用する</a:t>
-            </a:r>
-            <a:endParaRPr kumimoji="1" lang="ja-JP" altLang="en-US" dirty="0">
-              <a:latin typeface="メイリオ" pitchFamily="50" charset="-128"/>
-              <a:ea typeface="メイリオ" pitchFamily="50" charset="-128"/>
-              <a:cs typeface="メイリオ" pitchFamily="50" charset="-128"/>
-            </a:endParaRPr>
-          </a:p>
-        </p:txBody>
-      </p:sp>
-      <p:sp>
-        <p:nvSpPr>
-          <p:cNvPr id="4" name="日付プレースホルダー 3"/>
-          <p:cNvSpPr>
-            <a:spLocks noGrp="1"/>
-          </p:cNvSpPr>
-          <p:nvPr>
-            <p:ph type="dt" sz="half" idx="10"/>
-          </p:nvPr>
-        </p:nvSpPr>
-        <p:spPr/>
-        <p:txBody>
-          <a:bodyPr/>
-          <a:lstStyle/>
-          <a:p>
-            <a:pPr>
-              <a:defRPr/>
-            </a:pPr>
-            <a:fld id="{A9259AFE-7AC7-4F49-85B9-5B069C761CE3}" type="datetime5">
-              <a:rPr lang="ja-JP" altLang="en-US" smtClean="0">
-                <a:latin typeface="メイリオ" pitchFamily="50" charset="-128"/>
-                <a:ea typeface="メイリオ" pitchFamily="50" charset="-128"/>
-                <a:cs typeface="メイリオ" pitchFamily="50" charset="-128"/>
-              </a:rPr>
-              <a:pPr>
-                <a:defRPr/>
-              </a:pPr>
-              <a:t>2014/08/16</a:t>
-            </a:fld>
-            <a:endParaRPr lang="ja-JP" altLang="en-US" dirty="0">
-              <a:latin typeface="メイリオ" pitchFamily="50" charset="-128"/>
-              <a:ea typeface="メイリオ" pitchFamily="50" charset="-128"/>
-              <a:cs typeface="メイリオ" pitchFamily="50" charset="-128"/>
-            </a:endParaRPr>
-          </a:p>
-        </p:txBody>
-      </p:sp>
-      <p:sp>
-        <p:nvSpPr>
-          <p:cNvPr id="6" name="スライド番号プレースホルダー 5"/>
-          <p:cNvSpPr>
-            <a:spLocks noGrp="1"/>
-          </p:cNvSpPr>
-          <p:nvPr>
-            <p:ph type="sldNum" sz="quarter" idx="12"/>
-          </p:nvPr>
-        </p:nvSpPr>
-        <p:spPr/>
-        <p:txBody>
-          <a:bodyPr/>
-          <a:lstStyle/>
-          <a:p>
-            <a:pPr>
-              <a:defRPr/>
-            </a:pPr>
-            <a:fld id="{29799127-F303-4AE7-A969-D0F8A278DEB3}" type="slidenum">
-              <a:rPr lang="ja-JP" altLang="en-US" smtClean="0">
-                <a:latin typeface="メイリオ" pitchFamily="50" charset="-128"/>
-                <a:ea typeface="メイリオ" pitchFamily="50" charset="-128"/>
-                <a:cs typeface="メイリオ" pitchFamily="50" charset="-128"/>
-              </a:rPr>
-              <a:pPr>
-                <a:defRPr/>
-              </a:pPr>
-              <a:t>4</a:t>
-            </a:fld>
-            <a:endParaRPr lang="ja-JP" altLang="en-US">
-              <a:latin typeface="メイリオ" pitchFamily="50" charset="-128"/>
-              <a:ea typeface="メイリオ" pitchFamily="50" charset="-128"/>
-              <a:cs typeface="メイリオ" pitchFamily="50" charset="-128"/>
-            </a:endParaRPr>
-          </a:p>
-        </p:txBody>
-      </p:sp>
-    </p:spTree>
-    <p:extLst>
-      <p:ext uri="{BB962C8B-B14F-4D97-AF65-F5344CB8AC3E}">
-        <p14:creationId xmlns:p14="http://schemas.microsoft.com/office/powerpoint/2010/main" xmlns="" val="1890745276"/>
-      </p:ext>
-    </p:extLst>
-  </p:cSld>
-  <p:clrMapOvr>
-    <a:masterClrMapping/>
-  </p:clrMapOvr>
-</p:sld>
-</file>
-
-<file path=ppt/slides/slide5.xml><?xml version="1.0" encoding="utf-8"?>
-<p:sld xmlns:a="http://schemas.openxmlformats.org/drawingml/2006/main" xmlns:r="http://schemas.openxmlformats.org/officeDocument/2006/relationships" xmlns:p="http://schemas.openxmlformats.org/presentationml/2006/main">
-  <p:cSld>
-    <p:spTree>
-      <p:nvGrpSpPr>
-        <p:cNvPr id="1" name=""/>
-        <p:cNvGrpSpPr/>
-        <p:nvPr/>
-      </p:nvGrpSpPr>
-      <p:grpSpPr>
-        <a:xfrm>
-          <a:off x="0" y="0"/>
-          <a:ext cx="0" cy="0"/>
-          <a:chOff x="0" y="0"/>
-          <a:chExt cx="0" cy="0"/>
-        </a:xfrm>
-      </p:grpSpPr>
-      <p:sp>
-        <p:nvSpPr>
-          <p:cNvPr id="2" name="タイトル 1"/>
-          <p:cNvSpPr>
-            <a:spLocks noGrp="1"/>
-          </p:cNvSpPr>
-          <p:nvPr>
-            <p:ph type="title"/>
-          </p:nvPr>
-        </p:nvSpPr>
-        <p:spPr/>
-        <p:txBody>
-          <a:bodyPr/>
-          <a:lstStyle/>
-          <a:p>
-            <a:pPr algn="ctr"/>
-            <a:r>
-              <a:rPr lang="en-US" altLang="ja-JP" sz="4000" dirty="0" smtClean="0">
-                <a:solidFill>
-                  <a:schemeClr val="tx1"/>
-                </a:solidFill>
-                <a:latin typeface="メイリオ" pitchFamily="50" charset="-128"/>
-                <a:ea typeface="メイリオ" pitchFamily="50" charset="-128"/>
-                <a:cs typeface="メイリオ" pitchFamily="50" charset="-128"/>
-              </a:rPr>
-              <a:t>Python </a:t>
-            </a:r>
-            <a:r>
-              <a:rPr lang="ja-JP" altLang="en-US" sz="4000" dirty="0" err="1" smtClean="0">
-                <a:solidFill>
-                  <a:schemeClr val="tx1"/>
-                </a:solidFill>
-                <a:latin typeface="メイリオ" pitchFamily="50" charset="-128"/>
-                <a:ea typeface="メイリオ" pitchFamily="50" charset="-128"/>
-                <a:cs typeface="メイリオ" pitchFamily="50" charset="-128"/>
-              </a:rPr>
-              <a:t>での</a:t>
-            </a:r>
-            <a:r>
-              <a:rPr lang="ja-JP" altLang="en-US" sz="4000" dirty="0" smtClean="0">
-                <a:solidFill>
-                  <a:schemeClr val="tx1"/>
-                </a:solidFill>
-                <a:latin typeface="メイリオ" pitchFamily="50" charset="-128"/>
-                <a:ea typeface="メイリオ" pitchFamily="50" charset="-128"/>
-                <a:cs typeface="メイリオ" pitchFamily="50" charset="-128"/>
-              </a:rPr>
-              <a:t>プロファイリング</a:t>
-            </a:r>
-            <a:endParaRPr kumimoji="1" lang="ja-JP" altLang="en-US" sz="4000" dirty="0">
-              <a:solidFill>
-                <a:schemeClr val="tx1"/>
-              </a:solidFill>
-              <a:latin typeface="メイリオ" pitchFamily="50" charset="-128"/>
-              <a:ea typeface="メイリオ" pitchFamily="50" charset="-128"/>
-              <a:cs typeface="メイリオ" pitchFamily="50" charset="-128"/>
-            </a:endParaRPr>
-          </a:p>
-        </p:txBody>
-      </p:sp>
-      <p:sp>
-        <p:nvSpPr>
-          <p:cNvPr id="3" name="コンテンツ プレースホルダー 2"/>
-          <p:cNvSpPr>
-            <a:spLocks noGrp="1"/>
-          </p:cNvSpPr>
-          <p:nvPr>
-            <p:ph idx="1"/>
-          </p:nvPr>
-        </p:nvSpPr>
-        <p:spPr>
-          <a:xfrm>
-            <a:off x="457200" y="942977"/>
-            <a:ext cx="8229600" cy="628641"/>
-          </a:xfrm>
-        </p:spPr>
-        <p:txBody>
-          <a:bodyPr/>
-          <a:lstStyle/>
-          <a:p>
-            <a:r>
-              <a:rPr lang="en-US" altLang="ja-JP" dirty="0" smtClean="0">
-                <a:latin typeface="メイリオ" pitchFamily="50" charset="-128"/>
-                <a:ea typeface="メイリオ" pitchFamily="50" charset="-128"/>
-                <a:cs typeface="メイリオ" pitchFamily="50" charset="-128"/>
-              </a:rPr>
-              <a:t>Python </a:t>
-            </a:r>
-            <a:r>
-              <a:rPr lang="ja-JP" altLang="en-US" dirty="0" smtClean="0">
-                <a:latin typeface="メイリオ" pitchFamily="50" charset="-128"/>
-                <a:ea typeface="メイリオ" pitchFamily="50" charset="-128"/>
-                <a:cs typeface="メイリオ" pitchFamily="50" charset="-128"/>
-              </a:rPr>
-              <a:t>では、 </a:t>
-            </a:r>
-            <a:r>
-              <a:rPr lang="en-US" altLang="ja-JP" dirty="0" err="1" smtClean="0">
-                <a:latin typeface="メイリオ" pitchFamily="50" charset="-128"/>
-                <a:ea typeface="メイリオ" pitchFamily="50" charset="-128"/>
-                <a:cs typeface="メイリオ" pitchFamily="50" charset="-128"/>
-              </a:rPr>
-              <a:t>cProfile</a:t>
-            </a:r>
-            <a:r>
-              <a:rPr lang="en-US" altLang="ja-JP" dirty="0" smtClean="0">
-                <a:latin typeface="メイリオ" pitchFamily="50" charset="-128"/>
-                <a:ea typeface="メイリオ" pitchFamily="50" charset="-128"/>
-                <a:cs typeface="メイリオ" pitchFamily="50" charset="-128"/>
-              </a:rPr>
-              <a:t> </a:t>
-            </a:r>
-            <a:r>
-              <a:rPr lang="ja-JP" altLang="en-US" dirty="0" smtClean="0">
-                <a:latin typeface="メイリオ" pitchFamily="50" charset="-128"/>
-                <a:ea typeface="メイリオ" pitchFamily="50" charset="-128"/>
-                <a:cs typeface="メイリオ" pitchFamily="50" charset="-128"/>
-              </a:rPr>
-              <a:t>を使用する</a:t>
-            </a:r>
-            <a:endParaRPr lang="en-US" altLang="ja-JP" dirty="0" smtClean="0">
-              <a:latin typeface="メイリオ" pitchFamily="50" charset="-128"/>
-              <a:ea typeface="メイリオ" pitchFamily="50" charset="-128"/>
-              <a:cs typeface="メイリオ" pitchFamily="50" charset="-128"/>
-            </a:endParaRPr>
-          </a:p>
-        </p:txBody>
-      </p:sp>
-      <p:sp>
-        <p:nvSpPr>
-          <p:cNvPr id="4" name="日付プレースホルダー 3"/>
-          <p:cNvSpPr>
-            <a:spLocks noGrp="1"/>
-          </p:cNvSpPr>
-          <p:nvPr>
-            <p:ph type="dt" sz="half" idx="10"/>
-          </p:nvPr>
-        </p:nvSpPr>
-        <p:spPr/>
-        <p:txBody>
-          <a:bodyPr/>
-          <a:lstStyle/>
-          <a:p>
-            <a:pPr>
-              <a:defRPr/>
-            </a:pPr>
-            <a:fld id="{A9259AFE-7AC7-4F49-85B9-5B069C761CE3}" type="datetime5">
-              <a:rPr lang="ja-JP" altLang="en-US" smtClean="0">
-                <a:latin typeface="メイリオ" pitchFamily="50" charset="-128"/>
-                <a:ea typeface="メイリオ" pitchFamily="50" charset="-128"/>
-                <a:cs typeface="メイリオ" pitchFamily="50" charset="-128"/>
-              </a:rPr>
-              <a:pPr>
-                <a:defRPr/>
-              </a:pPr>
-              <a:t>2014/08/16</a:t>
-            </a:fld>
-            <a:endParaRPr lang="ja-JP" altLang="en-US" dirty="0">
-              <a:latin typeface="メイリオ" pitchFamily="50" charset="-128"/>
-              <a:ea typeface="メイリオ" pitchFamily="50" charset="-128"/>
-              <a:cs typeface="メイリオ" pitchFamily="50" charset="-128"/>
-            </a:endParaRPr>
-          </a:p>
-        </p:txBody>
-      </p:sp>
-      <p:sp>
-        <p:nvSpPr>
-          <p:cNvPr id="6" name="スライド番号プレースホルダー 5"/>
-          <p:cNvSpPr>
-            <a:spLocks noGrp="1"/>
-          </p:cNvSpPr>
-          <p:nvPr>
-            <p:ph type="sldNum" sz="quarter" idx="12"/>
-          </p:nvPr>
-        </p:nvSpPr>
-        <p:spPr/>
-        <p:txBody>
-          <a:bodyPr/>
-          <a:lstStyle/>
-          <a:p>
-            <a:pPr>
-              <a:defRPr/>
-            </a:pPr>
-            <a:fld id="{29799127-F303-4AE7-A969-D0F8A278DEB3}" type="slidenum">
-              <a:rPr lang="ja-JP" altLang="en-US" smtClean="0">
-                <a:latin typeface="メイリオ" pitchFamily="50" charset="-128"/>
-                <a:ea typeface="メイリオ" pitchFamily="50" charset="-128"/>
-                <a:cs typeface="メイリオ" pitchFamily="50" charset="-128"/>
-              </a:rPr>
-              <a:pPr>
-                <a:defRPr/>
-              </a:pPr>
-              <a:t>5</a:t>
             </a:fld>
             <a:endParaRPr lang="ja-JP" altLang="en-US">
               <a:latin typeface="メイリオ" pitchFamily="50" charset="-128"/>
@@ -10319,7 +9217,7 @@
 </p:sld>
 </file>
 
-<file path=ppt/slides/slide6.xml><?xml version="1.0" encoding="utf-8"?>
+<file path=ppt/slides/slide13.xml><?xml version="1.0" encoding="utf-8"?>
 <p:sld xmlns:a="http://schemas.openxmlformats.org/drawingml/2006/main" xmlns:r="http://schemas.openxmlformats.org/officeDocument/2006/relationships" xmlns:p="http://schemas.openxmlformats.org/presentationml/2006/main">
   <p:cSld>
     <p:spTree>
@@ -10460,7 +9358,7 @@
               <a:pPr>
                 <a:defRPr/>
               </a:pPr>
-              <a:t>6</a:t>
+              <a:t>13</a:t>
             </a:fld>
             <a:endParaRPr lang="ja-JP" altLang="en-US">
               <a:latin typeface="メイリオ" pitchFamily="50" charset="-128"/>
@@ -11368,6 +10266,3229 @@
 </p:sld>
 </file>
 
+<file path=ppt/slides/slide14.xml><?xml version="1.0" encoding="utf-8"?>
+<p:sld xmlns:a="http://schemas.openxmlformats.org/drawingml/2006/main" xmlns:r="http://schemas.openxmlformats.org/officeDocument/2006/relationships" xmlns:p="http://schemas.openxmlformats.org/presentationml/2006/main">
+  <p:cSld>
+    <p:spTree>
+      <p:nvGrpSpPr>
+        <p:cNvPr id="1" name=""/>
+        <p:cNvGrpSpPr/>
+        <p:nvPr/>
+      </p:nvGrpSpPr>
+      <p:grpSpPr>
+        <a:xfrm>
+          <a:off x="0" y="0"/>
+          <a:ext cx="0" cy="0"/>
+          <a:chOff x="0" y="0"/>
+          <a:chExt cx="0" cy="0"/>
+        </a:xfrm>
+      </p:grpSpPr>
+      <p:sp>
+        <p:nvSpPr>
+          <p:cNvPr id="2" name="タイトル 1"/>
+          <p:cNvSpPr>
+            <a:spLocks noGrp="1"/>
+          </p:cNvSpPr>
+          <p:nvPr>
+            <p:ph type="title"/>
+          </p:nvPr>
+        </p:nvSpPr>
+        <p:spPr/>
+        <p:txBody>
+          <a:bodyPr/>
+          <a:lstStyle/>
+          <a:p>
+            <a:pPr algn="ctr"/>
+            <a:r>
+              <a:rPr kumimoji="1" lang="ja-JP" altLang="en-US" sz="4000" dirty="0" smtClean="0">
+                <a:solidFill>
+                  <a:schemeClr val="tx1"/>
+                </a:solidFill>
+                <a:latin typeface="メイリオ" pitchFamily="50" charset="-128"/>
+                <a:ea typeface="メイリオ" pitchFamily="50" charset="-128"/>
+                <a:cs typeface="メイリオ" pitchFamily="50" charset="-128"/>
+              </a:rPr>
+              <a:t>最適化戦略を立てる</a:t>
+            </a:r>
+            <a:endParaRPr kumimoji="1" lang="ja-JP" altLang="en-US" sz="4000" dirty="0">
+              <a:solidFill>
+                <a:schemeClr val="tx1"/>
+              </a:solidFill>
+              <a:latin typeface="メイリオ" pitchFamily="50" charset="-128"/>
+              <a:ea typeface="メイリオ" pitchFamily="50" charset="-128"/>
+              <a:cs typeface="メイリオ" pitchFamily="50" charset="-128"/>
+            </a:endParaRPr>
+          </a:p>
+        </p:txBody>
+      </p:sp>
+      <p:sp>
+        <p:nvSpPr>
+          <p:cNvPr id="3" name="コンテンツ プレースホルダー 2"/>
+          <p:cNvSpPr>
+            <a:spLocks noGrp="1"/>
+          </p:cNvSpPr>
+          <p:nvPr>
+            <p:ph idx="1"/>
+          </p:nvPr>
+        </p:nvSpPr>
+        <p:spPr>
+          <a:xfrm>
+            <a:off x="457200" y="857239"/>
+            <a:ext cx="8229600" cy="3680236"/>
+          </a:xfrm>
+        </p:spPr>
+        <p:txBody>
+          <a:bodyPr/>
+          <a:lstStyle/>
+          <a:p>
+            <a:r>
+              <a:rPr lang="ja-JP" altLang="en-US" sz="2800" dirty="0" smtClean="0">
+                <a:latin typeface="メイリオ" pitchFamily="50" charset="-128"/>
+                <a:ea typeface="メイリオ" pitchFamily="50" charset="-128"/>
+                <a:cs typeface="メイリオ" pitchFamily="50" charset="-128"/>
+              </a:rPr>
+              <a:t>処理全体で </a:t>
+            </a:r>
+            <a:r>
+              <a:rPr lang="en-US" altLang="ja-JP" sz="2800" dirty="0" smtClean="0">
+                <a:latin typeface="メイリオ" pitchFamily="50" charset="-128"/>
+                <a:ea typeface="メイリオ" pitchFamily="50" charset="-128"/>
+                <a:cs typeface="メイリオ" pitchFamily="50" charset="-128"/>
+              </a:rPr>
+              <a:t>28 </a:t>
+            </a:r>
+            <a:r>
+              <a:rPr lang="ja-JP" altLang="en-US" sz="2800" dirty="0" smtClean="0">
+                <a:latin typeface="メイリオ" pitchFamily="50" charset="-128"/>
+                <a:ea typeface="メイリオ" pitchFamily="50" charset="-128"/>
+                <a:cs typeface="メイリオ" pitchFamily="50" charset="-128"/>
+              </a:rPr>
+              <a:t>秒</a:t>
+            </a:r>
+            <a:endParaRPr lang="en-US" altLang="ja-JP" sz="2800" dirty="0" smtClean="0">
+              <a:latin typeface="メイリオ" pitchFamily="50" charset="-128"/>
+              <a:ea typeface="メイリオ" pitchFamily="50" charset="-128"/>
+              <a:cs typeface="メイリオ" pitchFamily="50" charset="-128"/>
+            </a:endParaRPr>
+          </a:p>
+          <a:p>
+            <a:r>
+              <a:rPr lang="en-US" altLang="ja-JP" sz="2800" dirty="0" err="1" smtClean="0">
+                <a:latin typeface="メイリオ" pitchFamily="50" charset="-128"/>
+                <a:ea typeface="メイリオ" pitchFamily="50" charset="-128"/>
+                <a:cs typeface="メイリオ" pitchFamily="50" charset="-128"/>
+              </a:rPr>
+              <a:t>getInfo</a:t>
+            </a:r>
+            <a:r>
+              <a:rPr lang="en-US" altLang="ja-JP" sz="2800" dirty="0" smtClean="0">
+                <a:latin typeface="メイリオ" pitchFamily="50" charset="-128"/>
+                <a:ea typeface="メイリオ" pitchFamily="50" charset="-128"/>
+                <a:cs typeface="メイリオ" pitchFamily="50" charset="-128"/>
+              </a:rPr>
+              <a:t>() </a:t>
+            </a:r>
+            <a:r>
+              <a:rPr lang="ja-JP" altLang="en-US" sz="2800" dirty="0" smtClean="0">
+                <a:latin typeface="メイリオ" pitchFamily="50" charset="-128"/>
+                <a:ea typeface="メイリオ" pitchFamily="50" charset="-128"/>
+                <a:cs typeface="メイリオ" pitchFamily="50" charset="-128"/>
+              </a:rPr>
+              <a:t>で </a:t>
+            </a:r>
+            <a:r>
+              <a:rPr lang="en-US" altLang="ja-JP" sz="2800" dirty="0" smtClean="0">
+                <a:latin typeface="メイリオ" pitchFamily="50" charset="-128"/>
+                <a:ea typeface="メイリオ" pitchFamily="50" charset="-128"/>
+                <a:cs typeface="メイリオ" pitchFamily="50" charset="-128"/>
+              </a:rPr>
+              <a:t>22 </a:t>
+            </a:r>
+            <a:r>
+              <a:rPr lang="ja-JP" altLang="en-US" sz="2800" dirty="0" smtClean="0">
+                <a:latin typeface="メイリオ" pitchFamily="50" charset="-128"/>
+                <a:ea typeface="メイリオ" pitchFamily="50" charset="-128"/>
+                <a:cs typeface="メイリオ" pitchFamily="50" charset="-128"/>
+              </a:rPr>
+              <a:t>秒費やして</a:t>
+            </a:r>
+            <a:r>
+              <a:rPr lang="ja-JP" altLang="en-US" sz="2800" dirty="0" smtClean="0">
+                <a:latin typeface="メイリオ" pitchFamily="50" charset="-128"/>
+                <a:ea typeface="メイリオ" pitchFamily="50" charset="-128"/>
+                <a:cs typeface="メイリオ" pitchFamily="50" charset="-128"/>
+              </a:rPr>
+              <a:t>いる</a:t>
+            </a:r>
+            <a:endParaRPr lang="en-US" altLang="ja-JP" sz="2800" dirty="0" smtClean="0">
+              <a:latin typeface="メイリオ" pitchFamily="50" charset="-128"/>
+              <a:ea typeface="メイリオ" pitchFamily="50" charset="-128"/>
+              <a:cs typeface="メイリオ" pitchFamily="50" charset="-128"/>
+            </a:endParaRPr>
+          </a:p>
+          <a:p>
+            <a:r>
+              <a:rPr lang="ja-JP" altLang="en-US" sz="2800" dirty="0" smtClean="0">
+                <a:latin typeface="メイリオ" pitchFamily="50" charset="-128"/>
+                <a:ea typeface="メイリオ" pitchFamily="50" charset="-128"/>
+                <a:cs typeface="メイリオ" pitchFamily="50" charset="-128"/>
+              </a:rPr>
+              <a:t>一回当たりの実行時間はたいしたことないが、約 </a:t>
+            </a:r>
+            <a:r>
+              <a:rPr lang="en-US" altLang="ja-JP" sz="2800" dirty="0" smtClean="0">
+                <a:latin typeface="メイリオ" pitchFamily="50" charset="-128"/>
+                <a:ea typeface="メイリオ" pitchFamily="50" charset="-128"/>
+                <a:cs typeface="メイリオ" pitchFamily="50" charset="-128"/>
+              </a:rPr>
+              <a:t>10 </a:t>
+            </a:r>
+            <a:r>
+              <a:rPr lang="ja-JP" altLang="en-US" sz="2800" dirty="0" smtClean="0">
+                <a:latin typeface="メイリオ" pitchFamily="50" charset="-128"/>
+                <a:ea typeface="メイリオ" pitchFamily="50" charset="-128"/>
+                <a:cs typeface="メイリオ" pitchFamily="50" charset="-128"/>
+              </a:rPr>
+              <a:t>万</a:t>
+            </a:r>
+            <a:r>
+              <a:rPr lang="ja-JP" altLang="en-US" sz="2800" dirty="0" smtClean="0">
+                <a:latin typeface="メイリオ" pitchFamily="50" charset="-128"/>
+                <a:ea typeface="メイリオ" pitchFamily="50" charset="-128"/>
+                <a:cs typeface="メイリオ" pitchFamily="50" charset="-128"/>
+              </a:rPr>
+              <a:t>回呼ばれて</a:t>
+            </a:r>
+            <a:r>
+              <a:rPr lang="ja-JP" altLang="en-US" sz="2800" dirty="0" smtClean="0">
+                <a:latin typeface="メイリオ" pitchFamily="50" charset="-128"/>
+                <a:ea typeface="メイリオ" pitchFamily="50" charset="-128"/>
+                <a:cs typeface="メイリオ" pitchFamily="50" charset="-128"/>
+              </a:rPr>
+              <a:t>いる</a:t>
+            </a:r>
+            <a:endParaRPr lang="en-US" altLang="ja-JP" sz="2800" dirty="0" smtClean="0">
+              <a:latin typeface="メイリオ" pitchFamily="50" charset="-128"/>
+              <a:ea typeface="メイリオ" pitchFamily="50" charset="-128"/>
+              <a:cs typeface="メイリオ" pitchFamily="50" charset="-128"/>
+            </a:endParaRPr>
+          </a:p>
+          <a:p>
+            <a:r>
+              <a:rPr lang="en-US" altLang="ja-JP" sz="2800" dirty="0" err="1" smtClean="0">
+                <a:latin typeface="メイリオ" pitchFamily="50" charset="-128"/>
+                <a:ea typeface="メイリオ" pitchFamily="50" charset="-128"/>
+                <a:cs typeface="メイリオ" pitchFamily="50" charset="-128"/>
+              </a:rPr>
+              <a:t>getInfo</a:t>
+            </a:r>
+            <a:r>
+              <a:rPr lang="en-US" altLang="ja-JP" sz="2800" dirty="0" smtClean="0">
+                <a:latin typeface="メイリオ" pitchFamily="50" charset="-128"/>
+                <a:ea typeface="メイリオ" pitchFamily="50" charset="-128"/>
+                <a:cs typeface="メイリオ" pitchFamily="50" charset="-128"/>
+              </a:rPr>
+              <a:t>() </a:t>
+            </a:r>
+            <a:r>
+              <a:rPr lang="ja-JP" altLang="en-US" sz="2800" dirty="0" smtClean="0">
+                <a:latin typeface="メイリオ" pitchFamily="50" charset="-128"/>
+                <a:ea typeface="メイリオ" pitchFamily="50" charset="-128"/>
+                <a:cs typeface="メイリオ" pitchFamily="50" charset="-128"/>
+              </a:rPr>
+              <a:t>の呼び出しを</a:t>
+            </a:r>
+            <a:r>
+              <a:rPr lang="en-US" altLang="ja-JP" sz="2800" dirty="0" smtClean="0">
+                <a:latin typeface="メイリオ" pitchFamily="50" charset="-128"/>
+                <a:ea typeface="メイリオ" pitchFamily="50" charset="-128"/>
+                <a:cs typeface="メイリオ" pitchFamily="50" charset="-128"/>
+              </a:rPr>
+              <a:t>1/10 </a:t>
+            </a:r>
+            <a:r>
+              <a:rPr lang="ja-JP" altLang="en-US" sz="2800" dirty="0" smtClean="0">
+                <a:latin typeface="メイリオ" pitchFamily="50" charset="-128"/>
+                <a:ea typeface="メイリオ" pitchFamily="50" charset="-128"/>
+                <a:cs typeface="メイリオ" pitchFamily="50" charset="-128"/>
+              </a:rPr>
+              <a:t>に減らすことができればこの部分は </a:t>
+            </a:r>
+            <a:r>
+              <a:rPr lang="en-US" altLang="ja-JP" sz="2800" dirty="0" smtClean="0">
+                <a:latin typeface="メイリオ" pitchFamily="50" charset="-128"/>
+                <a:ea typeface="メイリオ" pitchFamily="50" charset="-128"/>
+                <a:cs typeface="メイリオ" pitchFamily="50" charset="-128"/>
+              </a:rPr>
+              <a:t>2.2 </a:t>
+            </a:r>
+            <a:r>
+              <a:rPr lang="ja-JP" altLang="en-US" sz="2800" dirty="0" smtClean="0">
+                <a:latin typeface="メイリオ" pitchFamily="50" charset="-128"/>
+                <a:ea typeface="メイリオ" pitchFamily="50" charset="-128"/>
+                <a:cs typeface="メイリオ" pitchFamily="50" charset="-128"/>
+              </a:rPr>
+              <a:t>秒となる</a:t>
+            </a:r>
+            <a:endParaRPr lang="en-US" altLang="ja-JP" sz="2800" dirty="0" smtClean="0">
+              <a:latin typeface="メイリオ" pitchFamily="50" charset="-128"/>
+              <a:ea typeface="メイリオ" pitchFamily="50" charset="-128"/>
+              <a:cs typeface="メイリオ" pitchFamily="50" charset="-128"/>
+            </a:endParaRPr>
+          </a:p>
+          <a:p>
+            <a:r>
+              <a:rPr lang="ja-JP" altLang="en-US" sz="2800" dirty="0" smtClean="0">
+                <a:latin typeface="メイリオ" pitchFamily="50" charset="-128"/>
+                <a:ea typeface="メイリオ" pitchFamily="50" charset="-128"/>
+                <a:cs typeface="メイリオ" pitchFamily="50" charset="-128"/>
+              </a:rPr>
+              <a:t>全体では </a:t>
+            </a:r>
+            <a:r>
+              <a:rPr lang="en-US" altLang="ja-JP" sz="2800" dirty="0" smtClean="0">
+                <a:latin typeface="メイリオ" pitchFamily="50" charset="-128"/>
+                <a:ea typeface="メイリオ" pitchFamily="50" charset="-128"/>
+                <a:cs typeface="メイリオ" pitchFamily="50" charset="-128"/>
+              </a:rPr>
+              <a:t>28 </a:t>
+            </a:r>
+            <a:r>
+              <a:rPr lang="ja-JP" altLang="en-US" sz="2800" dirty="0" smtClean="0">
+                <a:latin typeface="メイリオ" pitchFamily="50" charset="-128"/>
+                <a:ea typeface="メイリオ" pitchFamily="50" charset="-128"/>
+                <a:cs typeface="メイリオ" pitchFamily="50" charset="-128"/>
+              </a:rPr>
+              <a:t>秒→ </a:t>
+            </a:r>
+            <a:r>
+              <a:rPr lang="en-US" altLang="ja-JP" sz="2800" dirty="0" smtClean="0">
+                <a:latin typeface="メイリオ" pitchFamily="50" charset="-128"/>
+                <a:ea typeface="メイリオ" pitchFamily="50" charset="-128"/>
+                <a:cs typeface="メイリオ" pitchFamily="50" charset="-128"/>
+              </a:rPr>
+              <a:t>8.8</a:t>
+            </a:r>
+            <a:r>
+              <a:rPr lang="ja-JP" altLang="en-US" sz="2800" dirty="0" smtClean="0">
+                <a:latin typeface="メイリオ" pitchFamily="50" charset="-128"/>
+                <a:ea typeface="メイリオ" pitchFamily="50" charset="-128"/>
+                <a:cs typeface="メイリオ" pitchFamily="50" charset="-128"/>
+              </a:rPr>
+              <a:t>秒と、</a:t>
+            </a:r>
+            <a:r>
+              <a:rPr lang="en-US" altLang="ja-JP" sz="2800" dirty="0" smtClean="0">
+                <a:latin typeface="メイリオ" pitchFamily="50" charset="-128"/>
+                <a:ea typeface="メイリオ" pitchFamily="50" charset="-128"/>
+                <a:cs typeface="メイリオ" pitchFamily="50" charset="-128"/>
+              </a:rPr>
+              <a:t>70% </a:t>
+            </a:r>
+            <a:r>
+              <a:rPr lang="ja-JP" altLang="en-US" sz="2800" dirty="0" smtClean="0">
+                <a:latin typeface="メイリオ" pitchFamily="50" charset="-128"/>
+                <a:ea typeface="メイリオ" pitchFamily="50" charset="-128"/>
+                <a:cs typeface="メイリオ" pitchFamily="50" charset="-128"/>
+              </a:rPr>
+              <a:t>程度の高速化</a:t>
+            </a:r>
+            <a:endParaRPr lang="en-US" altLang="ja-JP" sz="2800" dirty="0" smtClean="0">
+              <a:latin typeface="メイリオ" pitchFamily="50" charset="-128"/>
+              <a:ea typeface="メイリオ" pitchFamily="50" charset="-128"/>
+              <a:cs typeface="メイリオ" pitchFamily="50" charset="-128"/>
+            </a:endParaRPr>
+          </a:p>
+        </p:txBody>
+      </p:sp>
+      <p:sp>
+        <p:nvSpPr>
+          <p:cNvPr id="4" name="日付プレースホルダー 3"/>
+          <p:cNvSpPr>
+            <a:spLocks noGrp="1"/>
+          </p:cNvSpPr>
+          <p:nvPr>
+            <p:ph type="dt" sz="half" idx="10"/>
+          </p:nvPr>
+        </p:nvSpPr>
+        <p:spPr/>
+        <p:txBody>
+          <a:bodyPr/>
+          <a:lstStyle/>
+          <a:p>
+            <a:pPr>
+              <a:defRPr/>
+            </a:pPr>
+            <a:fld id="{A9259AFE-7AC7-4F49-85B9-5B069C761CE3}" type="datetime5">
+              <a:rPr lang="ja-JP" altLang="en-US" smtClean="0">
+                <a:latin typeface="メイリオ" pitchFamily="50" charset="-128"/>
+                <a:ea typeface="メイリオ" pitchFamily="50" charset="-128"/>
+                <a:cs typeface="メイリオ" pitchFamily="50" charset="-128"/>
+              </a:rPr>
+              <a:pPr>
+                <a:defRPr/>
+              </a:pPr>
+              <a:t>2014/08/16</a:t>
+            </a:fld>
+            <a:endParaRPr lang="ja-JP" altLang="en-US" dirty="0">
+              <a:latin typeface="メイリオ" pitchFamily="50" charset="-128"/>
+              <a:ea typeface="メイリオ" pitchFamily="50" charset="-128"/>
+              <a:cs typeface="メイリオ" pitchFamily="50" charset="-128"/>
+            </a:endParaRPr>
+          </a:p>
+        </p:txBody>
+      </p:sp>
+      <p:sp>
+        <p:nvSpPr>
+          <p:cNvPr id="6" name="スライド番号プレースホルダー 5"/>
+          <p:cNvSpPr>
+            <a:spLocks noGrp="1"/>
+          </p:cNvSpPr>
+          <p:nvPr>
+            <p:ph type="sldNum" sz="quarter" idx="12"/>
+          </p:nvPr>
+        </p:nvSpPr>
+        <p:spPr/>
+        <p:txBody>
+          <a:bodyPr/>
+          <a:lstStyle/>
+          <a:p>
+            <a:pPr>
+              <a:defRPr/>
+            </a:pPr>
+            <a:fld id="{29799127-F303-4AE7-A969-D0F8A278DEB3}" type="slidenum">
+              <a:rPr lang="ja-JP" altLang="en-US" smtClean="0">
+                <a:latin typeface="メイリオ" pitchFamily="50" charset="-128"/>
+                <a:ea typeface="メイリオ" pitchFamily="50" charset="-128"/>
+                <a:cs typeface="メイリオ" pitchFamily="50" charset="-128"/>
+              </a:rPr>
+              <a:pPr>
+                <a:defRPr/>
+              </a:pPr>
+              <a:t>14</a:t>
+            </a:fld>
+            <a:endParaRPr lang="ja-JP" altLang="en-US">
+              <a:latin typeface="メイリオ" pitchFamily="50" charset="-128"/>
+              <a:ea typeface="メイリオ" pitchFamily="50" charset="-128"/>
+              <a:cs typeface="メイリオ" pitchFamily="50" charset="-128"/>
+            </a:endParaRPr>
+          </a:p>
+        </p:txBody>
+      </p:sp>
+    </p:spTree>
+    <p:extLst>
+      <p:ext uri="{BB962C8B-B14F-4D97-AF65-F5344CB8AC3E}">
+        <p14:creationId xmlns:p14="http://schemas.microsoft.com/office/powerpoint/2010/main" xmlns="" val="1890745276"/>
+      </p:ext>
+    </p:extLst>
+  </p:cSld>
+  <p:clrMapOvr>
+    <a:masterClrMapping/>
+  </p:clrMapOvr>
+</p:sld>
+</file>
+
+<file path=ppt/slides/slide15.xml><?xml version="1.0" encoding="utf-8"?>
+<p:sld xmlns:a="http://schemas.openxmlformats.org/drawingml/2006/main" xmlns:r="http://schemas.openxmlformats.org/officeDocument/2006/relationships" xmlns:p="http://schemas.openxmlformats.org/presentationml/2006/main">
+  <p:cSld>
+    <p:spTree>
+      <p:nvGrpSpPr>
+        <p:cNvPr id="1" name=""/>
+        <p:cNvGrpSpPr/>
+        <p:nvPr/>
+      </p:nvGrpSpPr>
+      <p:grpSpPr>
+        <a:xfrm>
+          <a:off x="0" y="0"/>
+          <a:ext cx="0" cy="0"/>
+          <a:chOff x="0" y="0"/>
+          <a:chExt cx="0" cy="0"/>
+        </a:xfrm>
+      </p:grpSpPr>
+      <p:sp>
+        <p:nvSpPr>
+          <p:cNvPr id="2" name="タイトル 1"/>
+          <p:cNvSpPr>
+            <a:spLocks noGrp="1"/>
+          </p:cNvSpPr>
+          <p:nvPr>
+            <p:ph type="title"/>
+          </p:nvPr>
+        </p:nvSpPr>
+        <p:spPr/>
+        <p:txBody>
+          <a:bodyPr/>
+          <a:lstStyle/>
+          <a:p>
+            <a:pPr algn="ctr"/>
+            <a:r>
+              <a:rPr kumimoji="1" lang="ja-JP" altLang="en-US" sz="4000" dirty="0" smtClean="0">
+                <a:solidFill>
+                  <a:schemeClr val="tx1"/>
+                </a:solidFill>
+                <a:latin typeface="メイリオ" pitchFamily="50" charset="-128"/>
+                <a:ea typeface="メイリオ" pitchFamily="50" charset="-128"/>
+                <a:cs typeface="メイリオ" pitchFamily="50" charset="-128"/>
+              </a:rPr>
+              <a:t>修正前後で比較する</a:t>
+            </a:r>
+            <a:endParaRPr kumimoji="1" lang="ja-JP" altLang="en-US" sz="4000" dirty="0">
+              <a:solidFill>
+                <a:schemeClr val="tx1"/>
+              </a:solidFill>
+              <a:latin typeface="メイリオ" pitchFamily="50" charset="-128"/>
+              <a:ea typeface="メイリオ" pitchFamily="50" charset="-128"/>
+              <a:cs typeface="メイリオ" pitchFamily="50" charset="-128"/>
+            </a:endParaRPr>
+          </a:p>
+        </p:txBody>
+      </p:sp>
+      <p:sp>
+        <p:nvSpPr>
+          <p:cNvPr id="3" name="コンテンツ プレースホルダー 2"/>
+          <p:cNvSpPr>
+            <a:spLocks noGrp="1"/>
+          </p:cNvSpPr>
+          <p:nvPr>
+            <p:ph idx="1"/>
+          </p:nvPr>
+        </p:nvSpPr>
+        <p:spPr>
+          <a:xfrm>
+            <a:off x="457200" y="857239"/>
+            <a:ext cx="8229600" cy="3680236"/>
+          </a:xfrm>
+        </p:spPr>
+        <p:txBody>
+          <a:bodyPr/>
+          <a:lstStyle/>
+          <a:p>
+            <a:r>
+              <a:rPr lang="ja-JP" altLang="en-US" sz="2800" dirty="0" smtClean="0">
+                <a:latin typeface="メイリオ" pitchFamily="50" charset="-128"/>
+                <a:ea typeface="メイリオ" pitchFamily="50" charset="-128"/>
+                <a:cs typeface="メイリオ" pitchFamily="50" charset="-128"/>
+              </a:rPr>
+              <a:t>修正後もきちんとプロファイリングをおこなう</a:t>
+            </a:r>
+            <a:endParaRPr lang="en-US" altLang="ja-JP" sz="2800" dirty="0" smtClean="0">
+              <a:latin typeface="メイリオ" pitchFamily="50" charset="-128"/>
+              <a:ea typeface="メイリオ" pitchFamily="50" charset="-128"/>
+              <a:cs typeface="メイリオ" pitchFamily="50" charset="-128"/>
+            </a:endParaRPr>
+          </a:p>
+          <a:p>
+            <a:r>
+              <a:rPr lang="ja-JP" altLang="en-US" sz="2800" dirty="0" smtClean="0">
+                <a:latin typeface="メイリオ" pitchFamily="50" charset="-128"/>
+                <a:ea typeface="メイリオ" pitchFamily="50" charset="-128"/>
+                <a:cs typeface="メイリオ" pitchFamily="50" charset="-128"/>
+              </a:rPr>
+              <a:t>効果が出ていれば成功</a:t>
+            </a:r>
+            <a:endParaRPr lang="en-US" altLang="ja-JP" sz="2800" dirty="0" smtClean="0">
+              <a:latin typeface="メイリオ" pitchFamily="50" charset="-128"/>
+              <a:ea typeface="メイリオ" pitchFamily="50" charset="-128"/>
+              <a:cs typeface="メイリオ" pitchFamily="50" charset="-128"/>
+            </a:endParaRPr>
+          </a:p>
+          <a:p>
+            <a:r>
+              <a:rPr lang="ja-JP" altLang="en-US" sz="2800" dirty="0" smtClean="0">
+                <a:latin typeface="メイリオ" pitchFamily="50" charset="-128"/>
+                <a:ea typeface="メイリオ" pitchFamily="50" charset="-128"/>
+                <a:cs typeface="メイリオ" pitchFamily="50" charset="-128"/>
+              </a:rPr>
+              <a:t>ユーザーに対しても</a:t>
+            </a:r>
+            <a:r>
+              <a:rPr lang="en-US" altLang="ja-JP" sz="2800" dirty="0" smtClean="0">
+                <a:latin typeface="メイリオ" pitchFamily="50" charset="-128"/>
+                <a:ea typeface="メイリオ" pitchFamily="50" charset="-128"/>
+                <a:cs typeface="メイリオ" pitchFamily="50" charset="-128"/>
+              </a:rPr>
+              <a:t>”XX</a:t>
+            </a:r>
+            <a:r>
+              <a:rPr lang="ja-JP" altLang="en-US" sz="2800" dirty="0" smtClean="0">
+                <a:latin typeface="メイリオ" pitchFamily="50" charset="-128"/>
+                <a:ea typeface="メイリオ" pitchFamily="50" charset="-128"/>
+                <a:cs typeface="メイリオ" pitchFamily="50" charset="-128"/>
+              </a:rPr>
+              <a:t>倍速くなりましたよ</a:t>
+            </a:r>
+            <a:r>
+              <a:rPr lang="en-US" altLang="ja-JP" sz="2800" dirty="0" smtClean="0">
+                <a:latin typeface="メイリオ" pitchFamily="50" charset="-128"/>
+                <a:ea typeface="メイリオ" pitchFamily="50" charset="-128"/>
+                <a:cs typeface="メイリオ" pitchFamily="50" charset="-128"/>
+              </a:rPr>
+              <a:t>(</a:t>
+            </a:r>
+            <a:r>
+              <a:rPr lang="ja-JP" altLang="en-US" sz="2800" dirty="0" smtClean="0">
+                <a:latin typeface="メイリオ" pitchFamily="50" charset="-128"/>
+                <a:ea typeface="メイリオ" pitchFamily="50" charset="-128"/>
+                <a:cs typeface="メイリオ" pitchFamily="50" charset="-128"/>
+              </a:rPr>
+              <a:t>ﾄﾞﾔｧ</a:t>
+            </a:r>
+            <a:r>
+              <a:rPr lang="en-US" altLang="ja-JP" sz="2800" dirty="0" smtClean="0">
+                <a:latin typeface="メイリオ" pitchFamily="50" charset="-128"/>
+                <a:ea typeface="メイリオ" pitchFamily="50" charset="-128"/>
+                <a:cs typeface="メイリオ" pitchFamily="50" charset="-128"/>
+              </a:rPr>
+              <a:t>)”</a:t>
+            </a:r>
+            <a:r>
+              <a:rPr lang="ja-JP" altLang="en-US" sz="2800" dirty="0" smtClean="0">
+                <a:latin typeface="メイリオ" pitchFamily="50" charset="-128"/>
+                <a:ea typeface="メイリオ" pitchFamily="50" charset="-128"/>
+                <a:cs typeface="メイリオ" pitchFamily="50" charset="-128"/>
+              </a:rPr>
+              <a:t>と言える</a:t>
+            </a:r>
+            <a:endParaRPr lang="en-US" altLang="ja-JP" sz="2800" dirty="0" smtClean="0">
+              <a:latin typeface="メイリオ" pitchFamily="50" charset="-128"/>
+              <a:ea typeface="メイリオ" pitchFamily="50" charset="-128"/>
+              <a:cs typeface="メイリオ" pitchFamily="50" charset="-128"/>
+            </a:endParaRPr>
+          </a:p>
+          <a:p>
+            <a:r>
+              <a:rPr lang="ja-JP" altLang="en-US" sz="2800" dirty="0" smtClean="0">
+                <a:latin typeface="メイリオ" pitchFamily="50" charset="-128"/>
+                <a:ea typeface="メイリオ" pitchFamily="50" charset="-128"/>
+                <a:cs typeface="メイリオ" pitchFamily="50" charset="-128"/>
+              </a:rPr>
+              <a:t>効果が出ていなかったら単なるおまじないを唱えただけなので失敗</a:t>
+            </a:r>
+            <a:endParaRPr lang="en-US" altLang="ja-JP" sz="2800" dirty="0" smtClean="0">
+              <a:latin typeface="メイリオ" pitchFamily="50" charset="-128"/>
+              <a:ea typeface="メイリオ" pitchFamily="50" charset="-128"/>
+              <a:cs typeface="メイリオ" pitchFamily="50" charset="-128"/>
+            </a:endParaRPr>
+          </a:p>
+          <a:p>
+            <a:r>
+              <a:rPr lang="ja-JP" altLang="en-US" sz="2800" dirty="0" smtClean="0">
+                <a:latin typeface="メイリオ" pitchFamily="50" charset="-128"/>
+                <a:ea typeface="メイリオ" pitchFamily="50" charset="-128"/>
+                <a:cs typeface="メイリオ" pitchFamily="50" charset="-128"/>
+              </a:rPr>
+              <a:t>経験上、</a:t>
+            </a:r>
+            <a:r>
+              <a:rPr lang="en-US" altLang="ja-JP" sz="2800" dirty="0" smtClean="0">
+                <a:latin typeface="メイリオ" pitchFamily="50" charset="-128"/>
+                <a:ea typeface="メイリオ" pitchFamily="50" charset="-128"/>
+                <a:cs typeface="メイリオ" pitchFamily="50" charset="-128"/>
+              </a:rPr>
+              <a:t>10</a:t>
+            </a:r>
+            <a:r>
+              <a:rPr lang="ja-JP" altLang="en-US" sz="2800" dirty="0" smtClean="0">
+                <a:latin typeface="メイリオ" pitchFamily="50" charset="-128"/>
+                <a:ea typeface="メイリオ" pitchFamily="50" charset="-128"/>
+                <a:cs typeface="メイリオ" pitchFamily="50" charset="-128"/>
+              </a:rPr>
+              <a:t>倍くらい</a:t>
+            </a:r>
+            <a:r>
+              <a:rPr lang="ja-JP" altLang="en-US" sz="2800" dirty="0" smtClean="0">
+                <a:latin typeface="メイリオ" pitchFamily="50" charset="-128"/>
+                <a:ea typeface="メイリオ" pitchFamily="50" charset="-128"/>
+                <a:cs typeface="メイリオ" pitchFamily="50" charset="-128"/>
+              </a:rPr>
+              <a:t>は簡単に速く</a:t>
+            </a:r>
+            <a:r>
+              <a:rPr lang="ja-JP" altLang="en-US" sz="2800" dirty="0" smtClean="0">
+                <a:latin typeface="メイリオ" pitchFamily="50" charset="-128"/>
+                <a:ea typeface="メイリオ" pitchFamily="50" charset="-128"/>
+                <a:cs typeface="メイリオ" pitchFamily="50" charset="-128"/>
+              </a:rPr>
+              <a:t>なる</a:t>
+            </a:r>
+            <a:endParaRPr lang="en-US" altLang="ja-JP" sz="2800" dirty="0" smtClean="0">
+              <a:latin typeface="メイリオ" pitchFamily="50" charset="-128"/>
+              <a:ea typeface="メイリオ" pitchFamily="50" charset="-128"/>
+              <a:cs typeface="メイリオ" pitchFamily="50" charset="-128"/>
+            </a:endParaRPr>
+          </a:p>
+        </p:txBody>
+      </p:sp>
+      <p:sp>
+        <p:nvSpPr>
+          <p:cNvPr id="4" name="日付プレースホルダー 3"/>
+          <p:cNvSpPr>
+            <a:spLocks noGrp="1"/>
+          </p:cNvSpPr>
+          <p:nvPr>
+            <p:ph type="dt" sz="half" idx="10"/>
+          </p:nvPr>
+        </p:nvSpPr>
+        <p:spPr/>
+        <p:txBody>
+          <a:bodyPr/>
+          <a:lstStyle/>
+          <a:p>
+            <a:pPr>
+              <a:defRPr/>
+            </a:pPr>
+            <a:fld id="{A9259AFE-7AC7-4F49-85B9-5B069C761CE3}" type="datetime5">
+              <a:rPr lang="ja-JP" altLang="en-US" smtClean="0">
+                <a:latin typeface="メイリオ" pitchFamily="50" charset="-128"/>
+                <a:ea typeface="メイリオ" pitchFamily="50" charset="-128"/>
+                <a:cs typeface="メイリオ" pitchFamily="50" charset="-128"/>
+              </a:rPr>
+              <a:pPr>
+                <a:defRPr/>
+              </a:pPr>
+              <a:t>2014/08/16</a:t>
+            </a:fld>
+            <a:endParaRPr lang="ja-JP" altLang="en-US" dirty="0">
+              <a:latin typeface="メイリオ" pitchFamily="50" charset="-128"/>
+              <a:ea typeface="メイリオ" pitchFamily="50" charset="-128"/>
+              <a:cs typeface="メイリオ" pitchFamily="50" charset="-128"/>
+            </a:endParaRPr>
+          </a:p>
+        </p:txBody>
+      </p:sp>
+      <p:sp>
+        <p:nvSpPr>
+          <p:cNvPr id="6" name="スライド番号プレースホルダー 5"/>
+          <p:cNvSpPr>
+            <a:spLocks noGrp="1"/>
+          </p:cNvSpPr>
+          <p:nvPr>
+            <p:ph type="sldNum" sz="quarter" idx="12"/>
+          </p:nvPr>
+        </p:nvSpPr>
+        <p:spPr/>
+        <p:txBody>
+          <a:bodyPr/>
+          <a:lstStyle/>
+          <a:p>
+            <a:pPr>
+              <a:defRPr/>
+            </a:pPr>
+            <a:fld id="{29799127-F303-4AE7-A969-D0F8A278DEB3}" type="slidenum">
+              <a:rPr lang="ja-JP" altLang="en-US" smtClean="0">
+                <a:latin typeface="メイリオ" pitchFamily="50" charset="-128"/>
+                <a:ea typeface="メイリオ" pitchFamily="50" charset="-128"/>
+                <a:cs typeface="メイリオ" pitchFamily="50" charset="-128"/>
+              </a:rPr>
+              <a:pPr>
+                <a:defRPr/>
+              </a:pPr>
+              <a:t>15</a:t>
+            </a:fld>
+            <a:endParaRPr lang="ja-JP" altLang="en-US">
+              <a:latin typeface="メイリオ" pitchFamily="50" charset="-128"/>
+              <a:ea typeface="メイリオ" pitchFamily="50" charset="-128"/>
+              <a:cs typeface="メイリオ" pitchFamily="50" charset="-128"/>
+            </a:endParaRPr>
+          </a:p>
+        </p:txBody>
+      </p:sp>
+    </p:spTree>
+    <p:extLst>
+      <p:ext uri="{BB962C8B-B14F-4D97-AF65-F5344CB8AC3E}">
+        <p14:creationId xmlns:p14="http://schemas.microsoft.com/office/powerpoint/2010/main" xmlns="" val="1890745276"/>
+      </p:ext>
+    </p:extLst>
+  </p:cSld>
+  <p:clrMapOvr>
+    <a:masterClrMapping/>
+  </p:clrMapOvr>
+</p:sld>
+</file>
+
+<file path=ppt/slides/slide16.xml><?xml version="1.0" encoding="utf-8"?>
+<p:sld xmlns:a="http://schemas.openxmlformats.org/drawingml/2006/main" xmlns:r="http://schemas.openxmlformats.org/officeDocument/2006/relationships" xmlns:p="http://schemas.openxmlformats.org/presentationml/2006/main">
+  <p:cSld>
+    <p:spTree>
+      <p:nvGrpSpPr>
+        <p:cNvPr id="1" name=""/>
+        <p:cNvGrpSpPr/>
+        <p:nvPr/>
+      </p:nvGrpSpPr>
+      <p:grpSpPr>
+        <a:xfrm>
+          <a:off x="0" y="0"/>
+          <a:ext cx="0" cy="0"/>
+          <a:chOff x="0" y="0"/>
+          <a:chExt cx="0" cy="0"/>
+        </a:xfrm>
+      </p:grpSpPr>
+      <p:sp>
+        <p:nvSpPr>
+          <p:cNvPr id="2" name="タイトル 1"/>
+          <p:cNvSpPr>
+            <a:spLocks noGrp="1"/>
+          </p:cNvSpPr>
+          <p:nvPr>
+            <p:ph type="title"/>
+          </p:nvPr>
+        </p:nvSpPr>
+        <p:spPr/>
+        <p:txBody>
+          <a:bodyPr/>
+          <a:lstStyle/>
+          <a:p>
+            <a:pPr algn="ctr"/>
+            <a:r>
+              <a:rPr lang="ja-JP" altLang="en-US" sz="4000" dirty="0" smtClean="0">
+                <a:solidFill>
+                  <a:schemeClr val="tx1"/>
+                </a:solidFill>
+                <a:latin typeface="メイリオ" pitchFamily="50" charset="-128"/>
+                <a:ea typeface="メイリオ" pitchFamily="50" charset="-128"/>
+                <a:cs typeface="メイリオ" pitchFamily="50" charset="-128"/>
+              </a:rPr>
+              <a:t>ボトルネックの傾向</a:t>
+            </a:r>
+            <a:endParaRPr kumimoji="1" lang="ja-JP" altLang="en-US" sz="4000" dirty="0">
+              <a:solidFill>
+                <a:schemeClr val="tx1"/>
+              </a:solidFill>
+              <a:latin typeface="メイリオ" pitchFamily="50" charset="-128"/>
+              <a:ea typeface="メイリオ" pitchFamily="50" charset="-128"/>
+              <a:cs typeface="メイリオ" pitchFamily="50" charset="-128"/>
+            </a:endParaRPr>
+          </a:p>
+        </p:txBody>
+      </p:sp>
+      <p:sp>
+        <p:nvSpPr>
+          <p:cNvPr id="3" name="コンテンツ プレースホルダー 2"/>
+          <p:cNvSpPr>
+            <a:spLocks noGrp="1"/>
+          </p:cNvSpPr>
+          <p:nvPr>
+            <p:ph idx="1"/>
+          </p:nvPr>
+        </p:nvSpPr>
+        <p:spPr>
+          <a:xfrm>
+            <a:off x="457200" y="857239"/>
+            <a:ext cx="8229600" cy="3680236"/>
+          </a:xfrm>
+        </p:spPr>
+        <p:txBody>
+          <a:bodyPr/>
+          <a:lstStyle/>
+          <a:p>
+            <a:r>
+              <a:rPr lang="ja-JP" altLang="en-US" sz="2800" dirty="0" smtClean="0">
+                <a:latin typeface="メイリオ" pitchFamily="50" charset="-128"/>
+                <a:ea typeface="メイリオ" pitchFamily="50" charset="-128"/>
+                <a:cs typeface="メイリオ" pitchFamily="50" charset="-128"/>
+              </a:rPr>
+              <a:t>大抵の場合、ボトルネックになっている場所は以下の傾向が</a:t>
+            </a:r>
+            <a:r>
+              <a:rPr lang="ja-JP" altLang="en-US" sz="2800" dirty="0" smtClean="0">
+                <a:latin typeface="メイリオ" pitchFamily="50" charset="-128"/>
+                <a:ea typeface="メイリオ" pitchFamily="50" charset="-128"/>
+                <a:cs typeface="メイリオ" pitchFamily="50" charset="-128"/>
+              </a:rPr>
+              <a:t>ある</a:t>
+            </a:r>
+            <a:endParaRPr lang="ja-JP" altLang="en-US" sz="2800" dirty="0" smtClean="0">
+              <a:latin typeface="メイリオ" pitchFamily="50" charset="-128"/>
+              <a:ea typeface="メイリオ" pitchFamily="50" charset="-128"/>
+              <a:cs typeface="メイリオ" pitchFamily="50" charset="-128"/>
+            </a:endParaRPr>
+          </a:p>
+          <a:p>
+            <a:pPr lvl="1"/>
+            <a:r>
+              <a:rPr lang="ja-JP" altLang="en-US" sz="2400" dirty="0" smtClean="0">
+                <a:latin typeface="メイリオ" pitchFamily="50" charset="-128"/>
+                <a:ea typeface="メイリオ" pitchFamily="50" charset="-128"/>
+                <a:cs typeface="メイリオ" pitchFamily="50" charset="-128"/>
+              </a:rPr>
+              <a:t>一回</a:t>
+            </a:r>
+            <a:r>
+              <a:rPr lang="ja-JP" altLang="en-US" sz="2400" dirty="0" smtClean="0">
+                <a:latin typeface="メイリオ" pitchFamily="50" charset="-128"/>
+                <a:ea typeface="メイリオ" pitchFamily="50" charset="-128"/>
+                <a:cs typeface="メイリオ" pitchFamily="50" charset="-128"/>
+              </a:rPr>
+              <a:t>の呼び出しに時間がかかっている</a:t>
+            </a:r>
+          </a:p>
+          <a:p>
+            <a:pPr lvl="1"/>
+            <a:r>
+              <a:rPr lang="ja-JP" altLang="en-US" sz="2400" dirty="0" smtClean="0">
+                <a:latin typeface="メイリオ" pitchFamily="50" charset="-128"/>
+                <a:ea typeface="メイリオ" pitchFamily="50" charset="-128"/>
+                <a:cs typeface="メイリオ" pitchFamily="50" charset="-128"/>
+              </a:rPr>
+              <a:t>一回</a:t>
+            </a:r>
+            <a:r>
+              <a:rPr lang="ja-JP" altLang="en-US" sz="2400" dirty="0" smtClean="0">
+                <a:latin typeface="メイリオ" pitchFamily="50" charset="-128"/>
+                <a:ea typeface="メイリオ" pitchFamily="50" charset="-128"/>
+                <a:cs typeface="メイリオ" pitchFamily="50" charset="-128"/>
+              </a:rPr>
+              <a:t>の呼び出しは大したコストではないが、大量に呼び出されている </a:t>
+            </a:r>
+          </a:p>
+          <a:p>
+            <a:r>
+              <a:rPr lang="ja-JP" altLang="en-US" sz="2800" dirty="0" smtClean="0">
+                <a:latin typeface="メイリオ" pitchFamily="50" charset="-128"/>
+                <a:ea typeface="メイリオ" pitchFamily="50" charset="-128"/>
+                <a:cs typeface="メイリオ" pitchFamily="50" charset="-128"/>
+              </a:rPr>
+              <a:t>こういった部分を見つけて、優先的に最適化を行っていくことが</a:t>
+            </a:r>
+            <a:r>
+              <a:rPr lang="ja-JP" altLang="en-US" sz="2800" dirty="0" smtClean="0">
+                <a:latin typeface="メイリオ" pitchFamily="50" charset="-128"/>
+                <a:ea typeface="メイリオ" pitchFamily="50" charset="-128"/>
+                <a:cs typeface="メイリオ" pitchFamily="50" charset="-128"/>
+              </a:rPr>
+              <a:t>大事</a:t>
+            </a:r>
+            <a:endParaRPr lang="en-US" altLang="ja-JP" sz="2800" dirty="0" smtClean="0">
+              <a:latin typeface="メイリオ" pitchFamily="50" charset="-128"/>
+              <a:ea typeface="メイリオ" pitchFamily="50" charset="-128"/>
+              <a:cs typeface="メイリオ" pitchFamily="50" charset="-128"/>
+            </a:endParaRPr>
+          </a:p>
+        </p:txBody>
+      </p:sp>
+      <p:sp>
+        <p:nvSpPr>
+          <p:cNvPr id="4" name="日付プレースホルダー 3"/>
+          <p:cNvSpPr>
+            <a:spLocks noGrp="1"/>
+          </p:cNvSpPr>
+          <p:nvPr>
+            <p:ph type="dt" sz="half" idx="10"/>
+          </p:nvPr>
+        </p:nvSpPr>
+        <p:spPr/>
+        <p:txBody>
+          <a:bodyPr/>
+          <a:lstStyle/>
+          <a:p>
+            <a:pPr>
+              <a:defRPr/>
+            </a:pPr>
+            <a:fld id="{A9259AFE-7AC7-4F49-85B9-5B069C761CE3}" type="datetime5">
+              <a:rPr lang="ja-JP" altLang="en-US" smtClean="0">
+                <a:latin typeface="メイリオ" pitchFamily="50" charset="-128"/>
+                <a:ea typeface="メイリオ" pitchFamily="50" charset="-128"/>
+                <a:cs typeface="メイリオ" pitchFamily="50" charset="-128"/>
+              </a:rPr>
+              <a:pPr>
+                <a:defRPr/>
+              </a:pPr>
+              <a:t>2014/08/16</a:t>
+            </a:fld>
+            <a:endParaRPr lang="ja-JP" altLang="en-US" dirty="0">
+              <a:latin typeface="メイリオ" pitchFamily="50" charset="-128"/>
+              <a:ea typeface="メイリオ" pitchFamily="50" charset="-128"/>
+              <a:cs typeface="メイリオ" pitchFamily="50" charset="-128"/>
+            </a:endParaRPr>
+          </a:p>
+        </p:txBody>
+      </p:sp>
+      <p:sp>
+        <p:nvSpPr>
+          <p:cNvPr id="6" name="スライド番号プレースホルダー 5"/>
+          <p:cNvSpPr>
+            <a:spLocks noGrp="1"/>
+          </p:cNvSpPr>
+          <p:nvPr>
+            <p:ph type="sldNum" sz="quarter" idx="12"/>
+          </p:nvPr>
+        </p:nvSpPr>
+        <p:spPr/>
+        <p:txBody>
+          <a:bodyPr/>
+          <a:lstStyle/>
+          <a:p>
+            <a:pPr>
+              <a:defRPr/>
+            </a:pPr>
+            <a:fld id="{29799127-F303-4AE7-A969-D0F8A278DEB3}" type="slidenum">
+              <a:rPr lang="ja-JP" altLang="en-US" smtClean="0">
+                <a:latin typeface="メイリオ" pitchFamily="50" charset="-128"/>
+                <a:ea typeface="メイリオ" pitchFamily="50" charset="-128"/>
+                <a:cs typeface="メイリオ" pitchFamily="50" charset="-128"/>
+              </a:rPr>
+              <a:pPr>
+                <a:defRPr/>
+              </a:pPr>
+              <a:t>16</a:t>
+            </a:fld>
+            <a:endParaRPr lang="ja-JP" altLang="en-US">
+              <a:latin typeface="メイリオ" pitchFamily="50" charset="-128"/>
+              <a:ea typeface="メイリオ" pitchFamily="50" charset="-128"/>
+              <a:cs typeface="メイリオ" pitchFamily="50" charset="-128"/>
+            </a:endParaRPr>
+          </a:p>
+        </p:txBody>
+      </p:sp>
+    </p:spTree>
+    <p:extLst>
+      <p:ext uri="{BB962C8B-B14F-4D97-AF65-F5344CB8AC3E}">
+        <p14:creationId xmlns:p14="http://schemas.microsoft.com/office/powerpoint/2010/main" xmlns="" val="1890745276"/>
+      </p:ext>
+    </p:extLst>
+  </p:cSld>
+  <p:clrMapOvr>
+    <a:masterClrMapping/>
+  </p:clrMapOvr>
+</p:sld>
+</file>
+
+<file path=ppt/slides/slide17.xml><?xml version="1.0" encoding="utf-8"?>
+<p:sld xmlns:a="http://schemas.openxmlformats.org/drawingml/2006/main" xmlns:r="http://schemas.openxmlformats.org/officeDocument/2006/relationships" xmlns:p="http://schemas.openxmlformats.org/presentationml/2006/main">
+  <p:cSld>
+    <p:spTree>
+      <p:nvGrpSpPr>
+        <p:cNvPr id="1" name=""/>
+        <p:cNvGrpSpPr/>
+        <p:nvPr/>
+      </p:nvGrpSpPr>
+      <p:grpSpPr>
+        <a:xfrm>
+          <a:off x="0" y="0"/>
+          <a:ext cx="0" cy="0"/>
+          <a:chOff x="0" y="0"/>
+          <a:chExt cx="0" cy="0"/>
+        </a:xfrm>
+      </p:grpSpPr>
+      <p:sp>
+        <p:nvSpPr>
+          <p:cNvPr id="2" name="タイトル 1"/>
+          <p:cNvSpPr>
+            <a:spLocks noGrp="1"/>
+          </p:cNvSpPr>
+          <p:nvPr>
+            <p:ph type="title"/>
+          </p:nvPr>
+        </p:nvSpPr>
+        <p:spPr/>
+        <p:txBody>
+          <a:bodyPr/>
+          <a:lstStyle/>
+          <a:p>
+            <a:pPr algn="ctr"/>
+            <a:r>
+              <a:rPr lang="ja-JP" altLang="en-US" sz="4000" dirty="0" smtClean="0">
+                <a:solidFill>
+                  <a:schemeClr val="tx1"/>
+                </a:solidFill>
+                <a:latin typeface="メイリオ" pitchFamily="50" charset="-128"/>
+                <a:ea typeface="メイリオ" pitchFamily="50" charset="-128"/>
+                <a:cs typeface="メイリオ" pitchFamily="50" charset="-128"/>
+              </a:rPr>
+              <a:t>環境によるボトルネックの変化</a:t>
+            </a:r>
+            <a:endParaRPr kumimoji="1" lang="ja-JP" altLang="en-US" sz="4000" dirty="0">
+              <a:solidFill>
+                <a:schemeClr val="tx1"/>
+              </a:solidFill>
+              <a:latin typeface="メイリオ" pitchFamily="50" charset="-128"/>
+              <a:ea typeface="メイリオ" pitchFamily="50" charset="-128"/>
+              <a:cs typeface="メイリオ" pitchFamily="50" charset="-128"/>
+            </a:endParaRPr>
+          </a:p>
+        </p:txBody>
+      </p:sp>
+      <p:sp>
+        <p:nvSpPr>
+          <p:cNvPr id="3" name="コンテンツ プレースホルダー 2"/>
+          <p:cNvSpPr>
+            <a:spLocks noGrp="1"/>
+          </p:cNvSpPr>
+          <p:nvPr>
+            <p:ph idx="1"/>
+          </p:nvPr>
+        </p:nvSpPr>
+        <p:spPr>
+          <a:xfrm>
+            <a:off x="457200" y="1891910"/>
+            <a:ext cx="8229600" cy="2751542"/>
+          </a:xfrm>
+        </p:spPr>
+        <p:txBody>
+          <a:bodyPr/>
+          <a:lstStyle/>
+          <a:p>
+            <a:r>
+              <a:rPr lang="ja-JP" altLang="en-US" sz="2400" dirty="0" smtClean="0">
+                <a:latin typeface="メイリオ" pitchFamily="50" charset="-128"/>
+                <a:ea typeface="メイリオ" pitchFamily="50" charset="-128"/>
+                <a:cs typeface="メイリオ" pitchFamily="50" charset="-128"/>
+              </a:rPr>
+              <a:t>テスト</a:t>
+            </a:r>
+            <a:r>
+              <a:rPr lang="ja-JP" altLang="en-US" sz="2400" dirty="0" smtClean="0">
+                <a:latin typeface="メイリオ" pitchFamily="50" charset="-128"/>
+                <a:ea typeface="メイリオ" pitchFamily="50" charset="-128"/>
+                <a:cs typeface="メイリオ" pitchFamily="50" charset="-128"/>
+              </a:rPr>
+              <a:t>を行った環境では </a:t>
+            </a:r>
+            <a:r>
+              <a:rPr lang="en-US" altLang="ja-JP" sz="2400" dirty="0" err="1" smtClean="0">
+                <a:latin typeface="メイリオ" pitchFamily="50" charset="-128"/>
+                <a:ea typeface="メイリオ" pitchFamily="50" charset="-128"/>
+                <a:cs typeface="メイリオ" pitchFamily="50" charset="-128"/>
+              </a:rPr>
+              <a:t>nt.stat</a:t>
+            </a:r>
+            <a:r>
+              <a:rPr lang="en-US" altLang="ja-JP" sz="2400" dirty="0" smtClean="0">
+                <a:latin typeface="メイリオ" pitchFamily="50" charset="-128"/>
+                <a:ea typeface="メイリオ" pitchFamily="50" charset="-128"/>
+                <a:cs typeface="メイリオ" pitchFamily="50" charset="-128"/>
+              </a:rPr>
+              <a:t> </a:t>
+            </a:r>
+            <a:r>
+              <a:rPr lang="ja-JP" altLang="en-US" sz="2400" dirty="0" smtClean="0">
+                <a:latin typeface="メイリオ" pitchFamily="50" charset="-128"/>
+                <a:ea typeface="メイリオ" pitchFamily="50" charset="-128"/>
+                <a:cs typeface="メイリオ" pitchFamily="50" charset="-128"/>
+              </a:rPr>
+              <a:t>の速度は十分に速くて大した時間を消費して</a:t>
+            </a:r>
+            <a:r>
+              <a:rPr lang="ja-JP" altLang="en-US" sz="2400" dirty="0" smtClean="0">
+                <a:latin typeface="メイリオ" pitchFamily="50" charset="-128"/>
+                <a:ea typeface="メイリオ" pitchFamily="50" charset="-128"/>
+                <a:cs typeface="メイリオ" pitchFamily="50" charset="-128"/>
+              </a:rPr>
+              <a:t>いない</a:t>
+            </a:r>
+            <a:endParaRPr lang="en-US" altLang="ja-JP" sz="2400" dirty="0" smtClean="0">
+              <a:latin typeface="メイリオ" pitchFamily="50" charset="-128"/>
+              <a:ea typeface="メイリオ" pitchFamily="50" charset="-128"/>
+              <a:cs typeface="メイリオ" pitchFamily="50" charset="-128"/>
+            </a:endParaRPr>
+          </a:p>
+          <a:p>
+            <a:r>
+              <a:rPr lang="en-US" altLang="ja-JP" sz="2400" dirty="0" err="1" smtClean="0">
+                <a:latin typeface="メイリオ" pitchFamily="50" charset="-128"/>
+                <a:ea typeface="メイリオ" pitchFamily="50" charset="-128"/>
+                <a:cs typeface="メイリオ" pitchFamily="50" charset="-128"/>
+              </a:rPr>
+              <a:t>nt.stat</a:t>
+            </a:r>
+            <a:r>
+              <a:rPr lang="en-US" altLang="ja-JP" sz="2400" dirty="0" smtClean="0">
+                <a:latin typeface="メイリオ" pitchFamily="50" charset="-128"/>
+                <a:ea typeface="メイリオ" pitchFamily="50" charset="-128"/>
+                <a:cs typeface="メイリオ" pitchFamily="50" charset="-128"/>
+              </a:rPr>
+              <a:t> </a:t>
+            </a:r>
+            <a:r>
+              <a:rPr lang="ja-JP" altLang="en-US" sz="2400" dirty="0" smtClean="0">
+                <a:latin typeface="メイリオ" pitchFamily="50" charset="-128"/>
+                <a:ea typeface="メイリオ" pitchFamily="50" charset="-128"/>
+                <a:cs typeface="メイリオ" pitchFamily="50" charset="-128"/>
+              </a:rPr>
+              <a:t>の一回あたりの呼び出し時間は </a:t>
+            </a:r>
+            <a:r>
+              <a:rPr lang="en-US" altLang="ja-JP" sz="2400" dirty="0" smtClean="0">
+                <a:latin typeface="メイリオ" pitchFamily="50" charset="-128"/>
+                <a:ea typeface="メイリオ" pitchFamily="50" charset="-128"/>
+                <a:cs typeface="メイリオ" pitchFamily="50" charset="-128"/>
+              </a:rPr>
+              <a:t>3ms</a:t>
+            </a:r>
+            <a:endParaRPr lang="ja-JP" altLang="en-US" sz="2400" dirty="0" smtClean="0">
+              <a:latin typeface="メイリオ" pitchFamily="50" charset="-128"/>
+              <a:ea typeface="メイリオ" pitchFamily="50" charset="-128"/>
+              <a:cs typeface="メイリオ" pitchFamily="50" charset="-128"/>
+            </a:endParaRPr>
+          </a:p>
+          <a:p>
+            <a:r>
+              <a:rPr lang="ja-JP" altLang="en-US" sz="2400" dirty="0" smtClean="0">
+                <a:latin typeface="メイリオ" pitchFamily="50" charset="-128"/>
+                <a:ea typeface="メイリオ" pitchFamily="50" charset="-128"/>
+                <a:cs typeface="メイリオ" pitchFamily="50" charset="-128"/>
+              </a:rPr>
+              <a:t>ネットワークドライブ</a:t>
+            </a:r>
+            <a:r>
+              <a:rPr lang="ja-JP" altLang="en-US" sz="2400" dirty="0" smtClean="0">
+                <a:latin typeface="メイリオ" pitchFamily="50" charset="-128"/>
+                <a:ea typeface="メイリオ" pitchFamily="50" charset="-128"/>
+                <a:cs typeface="メイリオ" pitchFamily="50" charset="-128"/>
+              </a:rPr>
+              <a:t>に対して</a:t>
+            </a:r>
+            <a:r>
+              <a:rPr lang="ja-JP" altLang="en-US" sz="2400" dirty="0" smtClean="0">
+                <a:latin typeface="メイリオ" pitchFamily="50" charset="-128"/>
+                <a:ea typeface="メイリオ" pitchFamily="50" charset="-128"/>
+                <a:cs typeface="メイリオ" pitchFamily="50" charset="-128"/>
+              </a:rPr>
+              <a:t>アクセスして呼び出し毎に </a:t>
+            </a:r>
+            <a:r>
+              <a:rPr lang="en-US" altLang="ja-JP" sz="2400" dirty="0" smtClean="0">
+                <a:latin typeface="メイリオ" pitchFamily="50" charset="-128"/>
+                <a:ea typeface="メイリオ" pitchFamily="50" charset="-128"/>
+                <a:cs typeface="メイリオ" pitchFamily="50" charset="-128"/>
+              </a:rPr>
+              <a:t>30ms </a:t>
+            </a:r>
+            <a:r>
+              <a:rPr lang="ja-JP" altLang="en-US" sz="2400" dirty="0" smtClean="0">
+                <a:latin typeface="メイリオ" pitchFamily="50" charset="-128"/>
+                <a:ea typeface="メイリオ" pitchFamily="50" charset="-128"/>
+                <a:cs typeface="メイリオ" pitchFamily="50" charset="-128"/>
+              </a:rPr>
+              <a:t>かかるとするとトータルで </a:t>
+            </a:r>
+            <a:r>
+              <a:rPr lang="en-US" altLang="ja-JP" sz="2400" dirty="0" smtClean="0">
+                <a:latin typeface="メイリオ" pitchFamily="50" charset="-128"/>
+                <a:ea typeface="メイリオ" pitchFamily="50" charset="-128"/>
+                <a:cs typeface="メイリオ" pitchFamily="50" charset="-128"/>
+              </a:rPr>
+              <a:t>24.6 </a:t>
+            </a:r>
+            <a:r>
+              <a:rPr lang="ja-JP" altLang="en-US" sz="2400" dirty="0" smtClean="0">
+                <a:latin typeface="メイリオ" pitchFamily="50" charset="-128"/>
+                <a:ea typeface="メイリオ" pitchFamily="50" charset="-128"/>
+                <a:cs typeface="メイリオ" pitchFamily="50" charset="-128"/>
+              </a:rPr>
+              <a:t>秒</a:t>
+            </a:r>
+            <a:r>
+              <a:rPr lang="ja-JP" altLang="en-US" sz="2400" dirty="0" smtClean="0">
+                <a:latin typeface="メイリオ" pitchFamily="50" charset="-128"/>
+                <a:ea typeface="メイリオ" pitchFamily="50" charset="-128"/>
+                <a:cs typeface="メイリオ" pitchFamily="50" charset="-128"/>
+              </a:rPr>
+              <a:t>かかる</a:t>
+            </a:r>
+            <a:endParaRPr lang="en-US" altLang="ja-JP" sz="2400" dirty="0" smtClean="0">
+              <a:latin typeface="メイリオ" pitchFamily="50" charset="-128"/>
+              <a:ea typeface="メイリオ" pitchFamily="50" charset="-128"/>
+              <a:cs typeface="メイリオ" pitchFamily="50" charset="-128"/>
+            </a:endParaRPr>
+          </a:p>
+          <a:p>
+            <a:r>
+              <a:rPr lang="ja-JP" altLang="en-US" sz="2400" dirty="0" smtClean="0">
+                <a:latin typeface="メイリオ" pitchFamily="50" charset="-128"/>
+                <a:ea typeface="メイリオ" pitchFamily="50" charset="-128"/>
+                <a:cs typeface="メイリオ" pitchFamily="50" charset="-128"/>
+              </a:rPr>
+              <a:t>全体</a:t>
+            </a:r>
+            <a:r>
+              <a:rPr lang="ja-JP" altLang="en-US" sz="2400" dirty="0" smtClean="0">
+                <a:latin typeface="メイリオ" pitchFamily="50" charset="-128"/>
+                <a:ea typeface="メイリオ" pitchFamily="50" charset="-128"/>
+                <a:cs typeface="メイリオ" pitchFamily="50" charset="-128"/>
+              </a:rPr>
+              <a:t>の実行時間もほぼ倍になって</a:t>
+            </a:r>
+            <a:r>
+              <a:rPr lang="ja-JP" altLang="en-US" sz="2400" dirty="0" smtClean="0">
+                <a:latin typeface="メイリオ" pitchFamily="50" charset="-128"/>
+                <a:ea typeface="メイリオ" pitchFamily="50" charset="-128"/>
+                <a:cs typeface="メイリオ" pitchFamily="50" charset="-128"/>
+              </a:rPr>
+              <a:t>しまう</a:t>
+            </a:r>
+            <a:endParaRPr lang="en-US" altLang="ja-JP" sz="2400" dirty="0" smtClean="0">
+              <a:latin typeface="メイリオ" pitchFamily="50" charset="-128"/>
+              <a:ea typeface="メイリオ" pitchFamily="50" charset="-128"/>
+              <a:cs typeface="メイリオ" pitchFamily="50" charset="-128"/>
+            </a:endParaRPr>
+          </a:p>
+        </p:txBody>
+      </p:sp>
+      <p:sp>
+        <p:nvSpPr>
+          <p:cNvPr id="4" name="日付プレースホルダー 3"/>
+          <p:cNvSpPr>
+            <a:spLocks noGrp="1"/>
+          </p:cNvSpPr>
+          <p:nvPr>
+            <p:ph type="dt" sz="half" idx="10"/>
+          </p:nvPr>
+        </p:nvSpPr>
+        <p:spPr/>
+        <p:txBody>
+          <a:bodyPr/>
+          <a:lstStyle/>
+          <a:p>
+            <a:pPr>
+              <a:defRPr/>
+            </a:pPr>
+            <a:fld id="{A9259AFE-7AC7-4F49-85B9-5B069C761CE3}" type="datetime5">
+              <a:rPr lang="ja-JP" altLang="en-US" smtClean="0">
+                <a:latin typeface="メイリオ" pitchFamily="50" charset="-128"/>
+                <a:ea typeface="メイリオ" pitchFamily="50" charset="-128"/>
+                <a:cs typeface="メイリオ" pitchFamily="50" charset="-128"/>
+              </a:rPr>
+              <a:pPr>
+                <a:defRPr/>
+              </a:pPr>
+              <a:t>2014/08/16</a:t>
+            </a:fld>
+            <a:endParaRPr lang="ja-JP" altLang="en-US" dirty="0">
+              <a:latin typeface="メイリオ" pitchFamily="50" charset="-128"/>
+              <a:ea typeface="メイリオ" pitchFamily="50" charset="-128"/>
+              <a:cs typeface="メイリオ" pitchFamily="50" charset="-128"/>
+            </a:endParaRPr>
+          </a:p>
+        </p:txBody>
+      </p:sp>
+      <p:sp>
+        <p:nvSpPr>
+          <p:cNvPr id="6" name="スライド番号プレースホルダー 5"/>
+          <p:cNvSpPr>
+            <a:spLocks noGrp="1"/>
+          </p:cNvSpPr>
+          <p:nvPr>
+            <p:ph type="sldNum" sz="quarter" idx="12"/>
+          </p:nvPr>
+        </p:nvSpPr>
+        <p:spPr/>
+        <p:txBody>
+          <a:bodyPr/>
+          <a:lstStyle/>
+          <a:p>
+            <a:pPr>
+              <a:defRPr/>
+            </a:pPr>
+            <a:fld id="{29799127-F303-4AE7-A969-D0F8A278DEB3}" type="slidenum">
+              <a:rPr lang="ja-JP" altLang="en-US" smtClean="0">
+                <a:latin typeface="メイリオ" pitchFamily="50" charset="-128"/>
+                <a:ea typeface="メイリオ" pitchFamily="50" charset="-128"/>
+                <a:cs typeface="メイリオ" pitchFamily="50" charset="-128"/>
+              </a:rPr>
+              <a:pPr>
+                <a:defRPr/>
+              </a:pPr>
+              <a:t>17</a:t>
+            </a:fld>
+            <a:endParaRPr lang="ja-JP" altLang="en-US">
+              <a:latin typeface="メイリオ" pitchFamily="50" charset="-128"/>
+              <a:ea typeface="メイリオ" pitchFamily="50" charset="-128"/>
+              <a:cs typeface="メイリオ" pitchFamily="50" charset="-128"/>
+            </a:endParaRPr>
+          </a:p>
+        </p:txBody>
+      </p:sp>
+      <p:sp>
+        <p:nvSpPr>
+          <p:cNvPr id="7" name="テキスト ボックス 6"/>
+          <p:cNvSpPr txBox="1"/>
+          <p:nvPr/>
+        </p:nvSpPr>
+        <p:spPr>
+          <a:xfrm>
+            <a:off x="714348" y="1428742"/>
+            <a:ext cx="7143800" cy="276999"/>
+          </a:xfrm>
+          <a:prstGeom prst="rect">
+            <a:avLst/>
+          </a:prstGeom>
+          <a:solidFill>
+            <a:schemeClr val="bg1">
+              <a:lumMod val="85000"/>
+            </a:schemeClr>
+          </a:solidFill>
+          <a:ln>
+            <a:solidFill>
+              <a:schemeClr val="tx1"/>
+            </a:solidFill>
+          </a:ln>
+        </p:spPr>
+        <p:txBody>
+          <a:bodyPr wrap="square" rtlCol="0">
+            <a:spAutoFit/>
+          </a:bodyPr>
+          <a:lstStyle/>
+          <a:p>
+            <a:r>
+              <a:rPr lang="en-US" sz="1200" dirty="0" smtClean="0">
+                <a:latin typeface="メイリオ" pitchFamily="50" charset="-128"/>
+                <a:ea typeface="メイリオ" pitchFamily="50" charset="-128"/>
+                <a:cs typeface="メイリオ" pitchFamily="50" charset="-128"/>
+              </a:rPr>
+              <a:t>983    2.458    0.003    2.458    0.003 {</a:t>
+            </a:r>
+            <a:r>
+              <a:rPr lang="en-US" sz="1200" dirty="0" err="1" smtClean="0">
+                <a:latin typeface="メイリオ" pitchFamily="50" charset="-128"/>
+                <a:ea typeface="メイリオ" pitchFamily="50" charset="-128"/>
+                <a:cs typeface="メイリオ" pitchFamily="50" charset="-128"/>
+              </a:rPr>
+              <a:t>nt.stat</a:t>
+            </a:r>
+            <a:r>
+              <a:rPr lang="en-US" sz="1200" dirty="0" smtClean="0">
+                <a:latin typeface="メイリオ" pitchFamily="50" charset="-128"/>
+                <a:ea typeface="メイリオ" pitchFamily="50" charset="-128"/>
+                <a:cs typeface="メイリオ" pitchFamily="50" charset="-128"/>
+              </a:rPr>
+              <a:t>}</a:t>
+            </a:r>
+            <a:endParaRPr kumimoji="1" lang="ja-JP" altLang="en-US" sz="1200" dirty="0">
+              <a:latin typeface="メイリオ" pitchFamily="50" charset="-128"/>
+              <a:ea typeface="メイリオ" pitchFamily="50" charset="-128"/>
+              <a:cs typeface="メイリオ" pitchFamily="50" charset="-128"/>
+            </a:endParaRPr>
+          </a:p>
+        </p:txBody>
+      </p:sp>
+      <p:sp>
+        <p:nvSpPr>
+          <p:cNvPr id="8" name="コンテンツ プレースホルダー 2"/>
+          <p:cNvSpPr txBox="1">
+            <a:spLocks/>
+          </p:cNvSpPr>
+          <p:nvPr/>
+        </p:nvSpPr>
+        <p:spPr bwMode="auto">
+          <a:xfrm>
+            <a:off x="457200" y="928676"/>
+            <a:ext cx="8229600" cy="490541"/>
+          </a:xfrm>
+          <a:prstGeom prst="rect">
+            <a:avLst/>
+          </a:prstGeom>
+          <a:noFill/>
+          <a:ln w="9525">
+            <a:noFill/>
+            <a:miter lim="800000"/>
+            <a:headEnd/>
+            <a:tailEnd/>
+          </a:ln>
+        </p:spPr>
+        <p:txBody>
+          <a:bodyPr vert="horz" wrap="square" lIns="91440" tIns="45720" rIns="91440" bIns="45720" numCol="1" anchor="t" anchorCtr="0" compatLnSpc="1">
+            <a:prstTxWarp prst="textNoShape">
+              <a:avLst/>
+            </a:prstTxWarp>
+          </a:bodyPr>
+          <a:lstStyle/>
+          <a:p>
+            <a:pPr marL="342900" marR="0" lvl="0" indent="-342900" algn="l" defTabSz="914400" rtl="0" eaLnBrk="0" fontAlgn="base" latinLnBrk="0" hangingPunct="0">
+              <a:lnSpc>
+                <a:spcPct val="100000"/>
+              </a:lnSpc>
+              <a:spcBef>
+                <a:spcPct val="20000"/>
+              </a:spcBef>
+              <a:spcAft>
+                <a:spcPct val="0"/>
+              </a:spcAft>
+              <a:buClrTx/>
+              <a:buSzTx/>
+              <a:buFont typeface="Arial" charset="0"/>
+              <a:buChar char="•"/>
+              <a:tabLst/>
+              <a:defRPr/>
+            </a:pPr>
+            <a:r>
+              <a:rPr kumimoji="1" lang="ja-JP" altLang="en-US" sz="2400" b="0" i="0" u="none" strike="noStrike" kern="1200" cap="none" spc="0" normalizeH="0" baseline="0" noProof="0" dirty="0" smtClean="0">
+                <a:ln>
+                  <a:noFill/>
+                </a:ln>
+                <a:solidFill>
+                  <a:schemeClr val="tx1"/>
+                </a:solidFill>
+                <a:effectLst/>
+                <a:uLnTx/>
+                <a:uFillTx/>
+                <a:latin typeface="メイリオ" pitchFamily="50" charset="-128"/>
+                <a:ea typeface="メイリオ" pitchFamily="50" charset="-128"/>
+                <a:cs typeface="メイリオ" pitchFamily="50" charset="-128"/>
+              </a:rPr>
+              <a:t>ボトルネックは、環境によっても変化する</a:t>
+            </a:r>
+          </a:p>
+        </p:txBody>
+      </p:sp>
+    </p:spTree>
+    <p:extLst>
+      <p:ext uri="{BB962C8B-B14F-4D97-AF65-F5344CB8AC3E}">
+        <p14:creationId xmlns:p14="http://schemas.microsoft.com/office/powerpoint/2010/main" xmlns="" val="1890745276"/>
+      </p:ext>
+    </p:extLst>
+  </p:cSld>
+  <p:clrMapOvr>
+    <a:masterClrMapping/>
+  </p:clrMapOvr>
+</p:sld>
+</file>
+
+<file path=ppt/slides/slide18.xml><?xml version="1.0" encoding="utf-8"?>
+<p:sld xmlns:a="http://schemas.openxmlformats.org/drawingml/2006/main" xmlns:r="http://schemas.openxmlformats.org/officeDocument/2006/relationships" xmlns:p="http://schemas.openxmlformats.org/presentationml/2006/main">
+  <p:cSld>
+    <p:spTree>
+      <p:nvGrpSpPr>
+        <p:cNvPr id="1" name=""/>
+        <p:cNvGrpSpPr/>
+        <p:nvPr/>
+      </p:nvGrpSpPr>
+      <p:grpSpPr>
+        <a:xfrm>
+          <a:off x="0" y="0"/>
+          <a:ext cx="0" cy="0"/>
+          <a:chOff x="0" y="0"/>
+          <a:chExt cx="0" cy="0"/>
+        </a:xfrm>
+      </p:grpSpPr>
+      <p:sp>
+        <p:nvSpPr>
+          <p:cNvPr id="2" name="タイトル 1"/>
+          <p:cNvSpPr>
+            <a:spLocks noGrp="1"/>
+          </p:cNvSpPr>
+          <p:nvPr>
+            <p:ph type="title"/>
+          </p:nvPr>
+        </p:nvSpPr>
+        <p:spPr/>
+        <p:txBody>
+          <a:bodyPr/>
+          <a:lstStyle/>
+          <a:p>
+            <a:pPr algn="ctr"/>
+            <a:r>
+              <a:rPr kumimoji="1" lang="ja-JP" altLang="en-US" sz="4000" dirty="0" smtClean="0">
+                <a:solidFill>
+                  <a:schemeClr val="tx1"/>
+                </a:solidFill>
+                <a:latin typeface="メイリオ" pitchFamily="50" charset="-128"/>
+                <a:ea typeface="メイリオ" pitchFamily="50" charset="-128"/>
+                <a:cs typeface="メイリオ" pitchFamily="50" charset="-128"/>
+              </a:rPr>
+              <a:t>ログ確認ツール</a:t>
+            </a:r>
+            <a:endParaRPr kumimoji="1" lang="ja-JP" altLang="en-US" sz="4000" dirty="0">
+              <a:solidFill>
+                <a:schemeClr val="tx1"/>
+              </a:solidFill>
+              <a:latin typeface="メイリオ" pitchFamily="50" charset="-128"/>
+              <a:ea typeface="メイリオ" pitchFamily="50" charset="-128"/>
+              <a:cs typeface="メイリオ" pitchFamily="50" charset="-128"/>
+            </a:endParaRPr>
+          </a:p>
+        </p:txBody>
+      </p:sp>
+      <p:sp>
+        <p:nvSpPr>
+          <p:cNvPr id="4" name="日付プレースホルダー 3"/>
+          <p:cNvSpPr>
+            <a:spLocks noGrp="1"/>
+          </p:cNvSpPr>
+          <p:nvPr>
+            <p:ph type="dt" sz="half" idx="10"/>
+          </p:nvPr>
+        </p:nvSpPr>
+        <p:spPr/>
+        <p:txBody>
+          <a:bodyPr/>
+          <a:lstStyle/>
+          <a:p>
+            <a:pPr>
+              <a:defRPr/>
+            </a:pPr>
+            <a:fld id="{A9259AFE-7AC7-4F49-85B9-5B069C761CE3}" type="datetime5">
+              <a:rPr lang="ja-JP" altLang="en-US" smtClean="0">
+                <a:latin typeface="メイリオ" pitchFamily="50" charset="-128"/>
+                <a:ea typeface="メイリオ" pitchFamily="50" charset="-128"/>
+                <a:cs typeface="メイリオ" pitchFamily="50" charset="-128"/>
+              </a:rPr>
+              <a:pPr>
+                <a:defRPr/>
+              </a:pPr>
+              <a:t>2014/08/16</a:t>
+            </a:fld>
+            <a:endParaRPr lang="ja-JP" altLang="en-US" dirty="0">
+              <a:latin typeface="メイリオ" pitchFamily="50" charset="-128"/>
+              <a:ea typeface="メイリオ" pitchFamily="50" charset="-128"/>
+              <a:cs typeface="メイリオ" pitchFamily="50" charset="-128"/>
+            </a:endParaRPr>
+          </a:p>
+        </p:txBody>
+      </p:sp>
+      <p:sp>
+        <p:nvSpPr>
+          <p:cNvPr id="6" name="スライド番号プレースホルダー 5"/>
+          <p:cNvSpPr>
+            <a:spLocks noGrp="1"/>
+          </p:cNvSpPr>
+          <p:nvPr>
+            <p:ph type="sldNum" sz="quarter" idx="12"/>
+          </p:nvPr>
+        </p:nvSpPr>
+        <p:spPr/>
+        <p:txBody>
+          <a:bodyPr/>
+          <a:lstStyle/>
+          <a:p>
+            <a:pPr>
+              <a:defRPr/>
+            </a:pPr>
+            <a:fld id="{29799127-F303-4AE7-A969-D0F8A278DEB3}" type="slidenum">
+              <a:rPr lang="ja-JP" altLang="en-US" smtClean="0">
+                <a:latin typeface="メイリオ" pitchFamily="50" charset="-128"/>
+                <a:ea typeface="メイリオ" pitchFamily="50" charset="-128"/>
+                <a:cs typeface="メイリオ" pitchFamily="50" charset="-128"/>
+              </a:rPr>
+              <a:pPr>
+                <a:defRPr/>
+              </a:pPr>
+              <a:t>18</a:t>
+            </a:fld>
+            <a:endParaRPr lang="ja-JP" altLang="en-US">
+              <a:latin typeface="メイリオ" pitchFamily="50" charset="-128"/>
+              <a:ea typeface="メイリオ" pitchFamily="50" charset="-128"/>
+              <a:cs typeface="メイリオ" pitchFamily="50" charset="-128"/>
+            </a:endParaRPr>
+          </a:p>
+        </p:txBody>
+      </p:sp>
+      <p:pic>
+        <p:nvPicPr>
+          <p:cNvPr id="1027" name="Picture 3" descr="D:\chiyama\Documents\Research\CEDEC2014\chiyama\RunSnakeRun.png"/>
+          <p:cNvPicPr>
+            <a:picLocks noChangeAspect="1" noChangeArrowheads="1"/>
+          </p:cNvPicPr>
+          <p:nvPr/>
+        </p:nvPicPr>
+        <p:blipFill>
+          <a:blip r:embed="rId2"/>
+          <a:srcRect/>
+          <a:stretch>
+            <a:fillRect/>
+          </a:stretch>
+        </p:blipFill>
+        <p:spPr bwMode="auto">
+          <a:xfrm>
+            <a:off x="2044700" y="938226"/>
+            <a:ext cx="5054600" cy="3562350"/>
+          </a:xfrm>
+          <a:prstGeom prst="rect">
+            <a:avLst/>
+          </a:prstGeom>
+          <a:noFill/>
+        </p:spPr>
+      </p:pic>
+    </p:spTree>
+    <p:extLst>
+      <p:ext uri="{BB962C8B-B14F-4D97-AF65-F5344CB8AC3E}">
+        <p14:creationId xmlns:p14="http://schemas.microsoft.com/office/powerpoint/2010/main" xmlns="" val="1890745276"/>
+      </p:ext>
+    </p:extLst>
+  </p:cSld>
+  <p:clrMapOvr>
+    <a:masterClrMapping/>
+  </p:clrMapOvr>
+</p:sld>
+</file>
+
+<file path=ppt/slides/slide19.xml><?xml version="1.0" encoding="utf-8"?>
+<p:sld xmlns:a="http://schemas.openxmlformats.org/drawingml/2006/main" xmlns:r="http://schemas.openxmlformats.org/officeDocument/2006/relationships" xmlns:p="http://schemas.openxmlformats.org/presentationml/2006/main">
+  <p:cSld>
+    <p:spTree>
+      <p:nvGrpSpPr>
+        <p:cNvPr id="1" name=""/>
+        <p:cNvGrpSpPr/>
+        <p:nvPr/>
+      </p:nvGrpSpPr>
+      <p:grpSpPr>
+        <a:xfrm>
+          <a:off x="0" y="0"/>
+          <a:ext cx="0" cy="0"/>
+          <a:chOff x="0" y="0"/>
+          <a:chExt cx="0" cy="0"/>
+        </a:xfrm>
+      </p:grpSpPr>
+      <p:sp>
+        <p:nvSpPr>
+          <p:cNvPr id="2" name="タイトル 1"/>
+          <p:cNvSpPr>
+            <a:spLocks noGrp="1"/>
+          </p:cNvSpPr>
+          <p:nvPr>
+            <p:ph type="title"/>
+          </p:nvPr>
+        </p:nvSpPr>
+        <p:spPr/>
+        <p:txBody>
+          <a:bodyPr/>
+          <a:lstStyle/>
+          <a:p>
+            <a:pPr algn="ctr"/>
+            <a:r>
+              <a:rPr kumimoji="1" lang="ja-JP" altLang="en-US" sz="4000" dirty="0" smtClean="0">
+                <a:solidFill>
+                  <a:schemeClr val="tx1"/>
+                </a:solidFill>
+                <a:latin typeface="メイリオ" pitchFamily="50" charset="-128"/>
+                <a:ea typeface="メイリオ" pitchFamily="50" charset="-128"/>
+                <a:cs typeface="メイリオ" pitchFamily="50" charset="-128"/>
+              </a:rPr>
+              <a:t>デバッガの活用</a:t>
+            </a:r>
+            <a:endParaRPr kumimoji="1" lang="ja-JP" altLang="en-US" sz="4000" dirty="0">
+              <a:solidFill>
+                <a:schemeClr val="tx1"/>
+              </a:solidFill>
+              <a:latin typeface="メイリオ" pitchFamily="50" charset="-128"/>
+              <a:ea typeface="メイリオ" pitchFamily="50" charset="-128"/>
+              <a:cs typeface="メイリオ" pitchFamily="50" charset="-128"/>
+            </a:endParaRPr>
+          </a:p>
+        </p:txBody>
+      </p:sp>
+      <p:sp>
+        <p:nvSpPr>
+          <p:cNvPr id="3" name="コンテンツ プレースホルダー 2"/>
+          <p:cNvSpPr>
+            <a:spLocks noGrp="1"/>
+          </p:cNvSpPr>
+          <p:nvPr>
+            <p:ph idx="1"/>
+          </p:nvPr>
+        </p:nvSpPr>
+        <p:spPr/>
+        <p:txBody>
+          <a:bodyPr/>
+          <a:lstStyle/>
+          <a:p>
+            <a:endParaRPr kumimoji="1" lang="ja-JP" altLang="en-US" dirty="0">
+              <a:latin typeface="メイリオ" pitchFamily="50" charset="-128"/>
+              <a:ea typeface="メイリオ" pitchFamily="50" charset="-128"/>
+              <a:cs typeface="メイリオ" pitchFamily="50" charset="-128"/>
+            </a:endParaRPr>
+          </a:p>
+        </p:txBody>
+      </p:sp>
+      <p:sp>
+        <p:nvSpPr>
+          <p:cNvPr id="4" name="日付プレースホルダー 3"/>
+          <p:cNvSpPr>
+            <a:spLocks noGrp="1"/>
+          </p:cNvSpPr>
+          <p:nvPr>
+            <p:ph type="dt" sz="half" idx="10"/>
+          </p:nvPr>
+        </p:nvSpPr>
+        <p:spPr/>
+        <p:txBody>
+          <a:bodyPr/>
+          <a:lstStyle/>
+          <a:p>
+            <a:pPr>
+              <a:defRPr/>
+            </a:pPr>
+            <a:fld id="{A9259AFE-7AC7-4F49-85B9-5B069C761CE3}" type="datetime5">
+              <a:rPr lang="ja-JP" altLang="en-US" smtClean="0">
+                <a:latin typeface="メイリオ" pitchFamily="50" charset="-128"/>
+                <a:ea typeface="メイリオ" pitchFamily="50" charset="-128"/>
+                <a:cs typeface="メイリオ" pitchFamily="50" charset="-128"/>
+              </a:rPr>
+              <a:pPr>
+                <a:defRPr/>
+              </a:pPr>
+              <a:t>2014/08/16</a:t>
+            </a:fld>
+            <a:endParaRPr lang="ja-JP" altLang="en-US" dirty="0">
+              <a:latin typeface="メイリオ" pitchFamily="50" charset="-128"/>
+              <a:ea typeface="メイリオ" pitchFamily="50" charset="-128"/>
+              <a:cs typeface="メイリオ" pitchFamily="50" charset="-128"/>
+            </a:endParaRPr>
+          </a:p>
+        </p:txBody>
+      </p:sp>
+      <p:sp>
+        <p:nvSpPr>
+          <p:cNvPr id="6" name="スライド番号プレースホルダー 5"/>
+          <p:cNvSpPr>
+            <a:spLocks noGrp="1"/>
+          </p:cNvSpPr>
+          <p:nvPr>
+            <p:ph type="sldNum" sz="quarter" idx="12"/>
+          </p:nvPr>
+        </p:nvSpPr>
+        <p:spPr/>
+        <p:txBody>
+          <a:bodyPr/>
+          <a:lstStyle/>
+          <a:p>
+            <a:pPr>
+              <a:defRPr/>
+            </a:pPr>
+            <a:fld id="{29799127-F303-4AE7-A969-D0F8A278DEB3}" type="slidenum">
+              <a:rPr lang="ja-JP" altLang="en-US" smtClean="0">
+                <a:latin typeface="メイリオ" pitchFamily="50" charset="-128"/>
+                <a:ea typeface="メイリオ" pitchFamily="50" charset="-128"/>
+                <a:cs typeface="メイリオ" pitchFamily="50" charset="-128"/>
+              </a:rPr>
+              <a:pPr>
+                <a:defRPr/>
+              </a:pPr>
+              <a:t>19</a:t>
+            </a:fld>
+            <a:endParaRPr lang="ja-JP" altLang="en-US">
+              <a:latin typeface="メイリオ" pitchFamily="50" charset="-128"/>
+              <a:ea typeface="メイリオ" pitchFamily="50" charset="-128"/>
+              <a:cs typeface="メイリオ" pitchFamily="50" charset="-128"/>
+            </a:endParaRPr>
+          </a:p>
+        </p:txBody>
+      </p:sp>
+    </p:spTree>
+    <p:extLst>
+      <p:ext uri="{BB962C8B-B14F-4D97-AF65-F5344CB8AC3E}">
+        <p14:creationId xmlns:p14="http://schemas.microsoft.com/office/powerpoint/2010/main" xmlns="" val="1890745276"/>
+      </p:ext>
+    </p:extLst>
+  </p:cSld>
+  <p:clrMapOvr>
+    <a:masterClrMapping/>
+  </p:clrMapOvr>
+</p:sld>
+</file>
+
+<file path=ppt/slides/slide2.xml><?xml version="1.0" encoding="utf-8"?>
+<p:sld xmlns:a="http://schemas.openxmlformats.org/drawingml/2006/main" xmlns:r="http://schemas.openxmlformats.org/officeDocument/2006/relationships" xmlns:p="http://schemas.openxmlformats.org/presentationml/2006/main">
+  <p:cSld>
+    <p:spTree>
+      <p:nvGrpSpPr>
+        <p:cNvPr id="1" name=""/>
+        <p:cNvGrpSpPr/>
+        <p:nvPr/>
+      </p:nvGrpSpPr>
+      <p:grpSpPr>
+        <a:xfrm>
+          <a:off x="0" y="0"/>
+          <a:ext cx="0" cy="0"/>
+          <a:chOff x="0" y="0"/>
+          <a:chExt cx="0" cy="0"/>
+        </a:xfrm>
+      </p:grpSpPr>
+      <p:sp>
+        <p:nvSpPr>
+          <p:cNvPr id="2" name="タイトル 1"/>
+          <p:cNvSpPr>
+            <a:spLocks noGrp="1"/>
+          </p:cNvSpPr>
+          <p:nvPr>
+            <p:ph type="title"/>
+          </p:nvPr>
+        </p:nvSpPr>
+        <p:spPr/>
+        <p:txBody>
+          <a:bodyPr/>
+          <a:lstStyle/>
+          <a:p>
+            <a:pPr algn="ctr"/>
+            <a:r>
+              <a:rPr kumimoji="1" lang="ja-JP" altLang="en-US" sz="4000" dirty="0" smtClean="0">
+                <a:solidFill>
+                  <a:schemeClr val="tx1"/>
+                </a:solidFill>
+                <a:latin typeface="メイリオ" pitchFamily="50" charset="-128"/>
+                <a:ea typeface="メイリオ" pitchFamily="50" charset="-128"/>
+                <a:cs typeface="メイリオ" pitchFamily="50" charset="-128"/>
+              </a:rPr>
+              <a:t>コードに対して意味を持たせる</a:t>
+            </a:r>
+            <a:endParaRPr kumimoji="1" lang="ja-JP" altLang="en-US" sz="4000" dirty="0">
+              <a:solidFill>
+                <a:schemeClr val="tx1"/>
+              </a:solidFill>
+              <a:latin typeface="メイリオ" pitchFamily="50" charset="-128"/>
+              <a:ea typeface="メイリオ" pitchFamily="50" charset="-128"/>
+              <a:cs typeface="メイリオ" pitchFamily="50" charset="-128"/>
+            </a:endParaRPr>
+          </a:p>
+        </p:txBody>
+      </p:sp>
+      <p:sp>
+        <p:nvSpPr>
+          <p:cNvPr id="3" name="コンテンツ プレースホルダー 2"/>
+          <p:cNvSpPr>
+            <a:spLocks noGrp="1"/>
+          </p:cNvSpPr>
+          <p:nvPr>
+            <p:ph idx="1"/>
+          </p:nvPr>
+        </p:nvSpPr>
+        <p:spPr>
+          <a:xfrm>
+            <a:off x="3286116" y="942977"/>
+            <a:ext cx="785818" cy="3594497"/>
+          </a:xfrm>
+        </p:spPr>
+        <p:txBody>
+          <a:bodyPr vert="eaVert"/>
+          <a:lstStyle/>
+          <a:p>
+            <a:pPr marL="0" indent="0">
+              <a:buNone/>
+            </a:pPr>
+            <a:r>
+              <a:rPr kumimoji="1" lang="ja-JP" altLang="en-US" sz="2000" dirty="0" smtClean="0">
+                <a:latin typeface="メイリオ" pitchFamily="50" charset="-128"/>
+                <a:ea typeface="メイリオ" pitchFamily="50" charset="-128"/>
+                <a:cs typeface="メイリオ" pitchFamily="50" charset="-128"/>
+              </a:rPr>
+              <a:t>おねえちゃん</a:t>
+            </a:r>
+            <a:r>
+              <a:rPr lang="ja-JP" altLang="en-US" sz="2000" dirty="0" smtClean="0">
+                <a:latin typeface="メイリオ" pitchFamily="50" charset="-128"/>
+                <a:ea typeface="メイリオ" pitchFamily="50" charset="-128"/>
+                <a:cs typeface="メイリオ" pitchFamily="50" charset="-128"/>
+              </a:rPr>
+              <a:t>の髪はとても黒くて綺麗です</a:t>
+            </a:r>
+            <a:endParaRPr lang="en-US" altLang="ja-JP" sz="2000" dirty="0" smtClean="0">
+              <a:latin typeface="メイリオ" pitchFamily="50" charset="-128"/>
+              <a:ea typeface="メイリオ" pitchFamily="50" charset="-128"/>
+              <a:cs typeface="メイリオ" pitchFamily="50" charset="-128"/>
+            </a:endParaRPr>
+          </a:p>
+        </p:txBody>
+      </p:sp>
+      <p:sp>
+        <p:nvSpPr>
+          <p:cNvPr id="4" name="日付プレースホルダー 3"/>
+          <p:cNvSpPr>
+            <a:spLocks noGrp="1"/>
+          </p:cNvSpPr>
+          <p:nvPr>
+            <p:ph type="dt" sz="half" idx="10"/>
+          </p:nvPr>
+        </p:nvSpPr>
+        <p:spPr/>
+        <p:txBody>
+          <a:bodyPr/>
+          <a:lstStyle/>
+          <a:p>
+            <a:pPr>
+              <a:defRPr/>
+            </a:pPr>
+            <a:fld id="{A9259AFE-7AC7-4F49-85B9-5B069C761CE3}" type="datetime5">
+              <a:rPr lang="ja-JP" altLang="en-US" smtClean="0">
+                <a:latin typeface="メイリオ" pitchFamily="50" charset="-128"/>
+                <a:ea typeface="メイリオ" pitchFamily="50" charset="-128"/>
+                <a:cs typeface="メイリオ" pitchFamily="50" charset="-128"/>
+              </a:rPr>
+              <a:pPr>
+                <a:defRPr/>
+              </a:pPr>
+              <a:t>2014/08/16</a:t>
+            </a:fld>
+            <a:endParaRPr lang="ja-JP" altLang="en-US" dirty="0">
+              <a:latin typeface="メイリオ" pitchFamily="50" charset="-128"/>
+              <a:ea typeface="メイリオ" pitchFamily="50" charset="-128"/>
+              <a:cs typeface="メイリオ" pitchFamily="50" charset="-128"/>
+            </a:endParaRPr>
+          </a:p>
+        </p:txBody>
+      </p:sp>
+      <p:sp>
+        <p:nvSpPr>
+          <p:cNvPr id="6" name="スライド番号プレースホルダー 5"/>
+          <p:cNvSpPr>
+            <a:spLocks noGrp="1"/>
+          </p:cNvSpPr>
+          <p:nvPr>
+            <p:ph type="sldNum" sz="quarter" idx="12"/>
+          </p:nvPr>
+        </p:nvSpPr>
+        <p:spPr/>
+        <p:txBody>
+          <a:bodyPr/>
+          <a:lstStyle/>
+          <a:p>
+            <a:pPr>
+              <a:defRPr/>
+            </a:pPr>
+            <a:fld id="{29799127-F303-4AE7-A969-D0F8A278DEB3}" type="slidenum">
+              <a:rPr lang="ja-JP" altLang="en-US" smtClean="0">
+                <a:latin typeface="メイリオ" pitchFamily="50" charset="-128"/>
+                <a:ea typeface="メイリオ" pitchFamily="50" charset="-128"/>
+                <a:cs typeface="メイリオ" pitchFamily="50" charset="-128"/>
+              </a:rPr>
+              <a:pPr>
+                <a:defRPr/>
+              </a:pPr>
+              <a:t>2</a:t>
+            </a:fld>
+            <a:endParaRPr lang="ja-JP" altLang="en-US">
+              <a:latin typeface="メイリオ" pitchFamily="50" charset="-128"/>
+              <a:ea typeface="メイリオ" pitchFamily="50" charset="-128"/>
+              <a:cs typeface="メイリオ" pitchFamily="50" charset="-128"/>
+            </a:endParaRPr>
+          </a:p>
+        </p:txBody>
+      </p:sp>
+      <p:sp>
+        <p:nvSpPr>
+          <p:cNvPr id="7" name="コンテンツ プレースホルダー 2"/>
+          <p:cNvSpPr txBox="1">
+            <a:spLocks/>
+          </p:cNvSpPr>
+          <p:nvPr/>
+        </p:nvSpPr>
+        <p:spPr bwMode="auto">
+          <a:xfrm>
+            <a:off x="5072066" y="942977"/>
+            <a:ext cx="1214446" cy="3594497"/>
+          </a:xfrm>
+          <a:prstGeom prst="rect">
+            <a:avLst/>
+          </a:prstGeom>
+          <a:noFill/>
+          <a:ln w="9525">
+            <a:noFill/>
+            <a:miter lim="800000"/>
+            <a:headEnd/>
+            <a:tailEnd/>
+          </a:ln>
+        </p:spPr>
+        <p:txBody>
+          <a:bodyPr vert="eaVert" wrap="square" lIns="91440" tIns="45720" rIns="91440" bIns="45720" numCol="1" anchor="t" anchorCtr="0" compatLnSpc="1">
+            <a:prstTxWarp prst="textNoShape">
+              <a:avLst/>
+            </a:prstTxWarp>
+          </a:bodyPr>
+          <a:lstStyle/>
+          <a:p>
+            <a:r>
+              <a:rPr lang="ja-JP" altLang="en-US" sz="2000" dirty="0" smtClean="0">
+                <a:latin typeface="メイリオ" pitchFamily="50" charset="-128"/>
+                <a:ea typeface="メイリオ" pitchFamily="50" charset="-128"/>
+                <a:cs typeface="メイリオ" pitchFamily="50" charset="-128"/>
+              </a:rPr>
+              <a:t>その子二十</a:t>
+            </a:r>
+            <a:endParaRPr lang="en-US" altLang="ja-JP" sz="2000" dirty="0" smtClean="0">
+              <a:latin typeface="メイリオ" pitchFamily="50" charset="-128"/>
+              <a:ea typeface="メイリオ" pitchFamily="50" charset="-128"/>
+              <a:cs typeface="メイリオ" pitchFamily="50" charset="-128"/>
+            </a:endParaRPr>
+          </a:p>
+          <a:p>
+            <a:r>
+              <a:rPr lang="ja-JP" altLang="en-US" sz="2000" dirty="0" smtClean="0">
+                <a:latin typeface="メイリオ" pitchFamily="50" charset="-128"/>
+                <a:ea typeface="メイリオ" pitchFamily="50" charset="-128"/>
+                <a:cs typeface="メイリオ" pitchFamily="50" charset="-128"/>
+              </a:rPr>
+              <a:t>櫛に</a:t>
+            </a:r>
+            <a:r>
+              <a:rPr lang="ja-JP" altLang="en-US" sz="2000" dirty="0" err="1" smtClean="0">
+                <a:latin typeface="メイリオ" pitchFamily="50" charset="-128"/>
+                <a:ea typeface="メイリオ" pitchFamily="50" charset="-128"/>
+                <a:cs typeface="メイリオ" pitchFamily="50" charset="-128"/>
+              </a:rPr>
+              <a:t>ながるる黒髪の</a:t>
+            </a:r>
+            <a:endParaRPr lang="en-US" altLang="ja-JP" sz="2000" dirty="0" smtClean="0">
+              <a:latin typeface="メイリオ" pitchFamily="50" charset="-128"/>
+              <a:ea typeface="メイリオ" pitchFamily="50" charset="-128"/>
+              <a:cs typeface="メイリオ" pitchFamily="50" charset="-128"/>
+            </a:endParaRPr>
+          </a:p>
+          <a:p>
+            <a:r>
+              <a:rPr lang="ja-JP" altLang="en-US" sz="2000" dirty="0" smtClean="0">
+                <a:latin typeface="メイリオ" pitchFamily="50" charset="-128"/>
+                <a:ea typeface="メイリオ" pitchFamily="50" charset="-128"/>
+                <a:cs typeface="メイリオ" pitchFamily="50" charset="-128"/>
+              </a:rPr>
+              <a:t>おごりの春のうつくしきかな</a:t>
+            </a:r>
+            <a:endParaRPr lang="en-US" altLang="ja-JP" sz="2000" dirty="0" smtClean="0">
+              <a:latin typeface="メイリオ" pitchFamily="50" charset="-128"/>
+              <a:ea typeface="メイリオ" pitchFamily="50" charset="-128"/>
+              <a:cs typeface="メイリオ" pitchFamily="50" charset="-128"/>
+            </a:endParaRPr>
+          </a:p>
+          <a:p>
+            <a:pPr algn="r"/>
+            <a:r>
+              <a:rPr lang="ja-JP" altLang="en-US" sz="1200" dirty="0" smtClean="0">
+                <a:latin typeface="メイリオ" pitchFamily="50" charset="-128"/>
+                <a:ea typeface="メイリオ" pitchFamily="50" charset="-128"/>
+                <a:cs typeface="メイリオ" pitchFamily="50" charset="-128"/>
+              </a:rPr>
+              <a:t>与謝野晶子</a:t>
+            </a:r>
+          </a:p>
+          <a:p>
+            <a:endParaRPr lang="ja-JP" altLang="en-US" sz="2000" dirty="0">
+              <a:latin typeface="メイリオ" pitchFamily="50" charset="-128"/>
+              <a:ea typeface="メイリオ" pitchFamily="50" charset="-128"/>
+              <a:cs typeface="メイリオ" pitchFamily="50" charset="-128"/>
+            </a:endParaRPr>
+          </a:p>
+        </p:txBody>
+      </p:sp>
+    </p:spTree>
+    <p:extLst>
+      <p:ext uri="{BB962C8B-B14F-4D97-AF65-F5344CB8AC3E}">
+        <p14:creationId xmlns:p14="http://schemas.microsoft.com/office/powerpoint/2010/main" xmlns="" val="1890745276"/>
+      </p:ext>
+    </p:extLst>
+  </p:cSld>
+  <p:clrMapOvr>
+    <a:masterClrMapping/>
+  </p:clrMapOvr>
+</p:sld>
+</file>
+
+<file path=ppt/slides/slide3.xml><?xml version="1.0" encoding="utf-8"?>
+<p:sld xmlns:a="http://schemas.openxmlformats.org/drawingml/2006/main" xmlns:r="http://schemas.openxmlformats.org/officeDocument/2006/relationships" xmlns:p="http://schemas.openxmlformats.org/presentationml/2006/main">
+  <p:cSld>
+    <p:spTree>
+      <p:nvGrpSpPr>
+        <p:cNvPr id="1" name=""/>
+        <p:cNvGrpSpPr/>
+        <p:nvPr/>
+      </p:nvGrpSpPr>
+      <p:grpSpPr>
+        <a:xfrm>
+          <a:off x="0" y="0"/>
+          <a:ext cx="0" cy="0"/>
+          <a:chOff x="0" y="0"/>
+          <a:chExt cx="0" cy="0"/>
+        </a:xfrm>
+      </p:grpSpPr>
+      <p:sp>
+        <p:nvSpPr>
+          <p:cNvPr id="2" name="タイトル 1"/>
+          <p:cNvSpPr>
+            <a:spLocks noGrp="1"/>
+          </p:cNvSpPr>
+          <p:nvPr>
+            <p:ph type="title"/>
+          </p:nvPr>
+        </p:nvSpPr>
+        <p:spPr/>
+        <p:txBody>
+          <a:bodyPr/>
+          <a:lstStyle/>
+          <a:p>
+            <a:pPr algn="ctr"/>
+            <a:r>
+              <a:rPr kumimoji="1" lang="ja-JP" altLang="en-US" sz="4000" dirty="0" smtClean="0">
+                <a:solidFill>
+                  <a:schemeClr val="tx1"/>
+                </a:solidFill>
+                <a:latin typeface="メイリオ" pitchFamily="50" charset="-128"/>
+                <a:ea typeface="メイリオ" pitchFamily="50" charset="-128"/>
+                <a:cs typeface="メイリオ" pitchFamily="50" charset="-128"/>
+              </a:rPr>
+              <a:t>似たような処理の実装</a:t>
+            </a:r>
+            <a:endParaRPr kumimoji="1" lang="ja-JP" altLang="en-US" sz="4000" dirty="0">
+              <a:solidFill>
+                <a:schemeClr val="tx1"/>
+              </a:solidFill>
+              <a:latin typeface="メイリオ" pitchFamily="50" charset="-128"/>
+              <a:ea typeface="メイリオ" pitchFamily="50" charset="-128"/>
+              <a:cs typeface="メイリオ" pitchFamily="50" charset="-128"/>
+            </a:endParaRPr>
+          </a:p>
+        </p:txBody>
+      </p:sp>
+      <p:sp>
+        <p:nvSpPr>
+          <p:cNvPr id="3" name="コンテンツ プレースホルダー 2"/>
+          <p:cNvSpPr>
+            <a:spLocks noGrp="1"/>
+          </p:cNvSpPr>
+          <p:nvPr>
+            <p:ph idx="1"/>
+          </p:nvPr>
+        </p:nvSpPr>
+        <p:spPr/>
+        <p:txBody>
+          <a:bodyPr/>
+          <a:lstStyle/>
+          <a:p>
+            <a:r>
+              <a:rPr kumimoji="1" lang="ja-JP" altLang="en-US" dirty="0" smtClean="0">
+                <a:latin typeface="メイリオ" pitchFamily="50" charset="-128"/>
+                <a:ea typeface="メイリオ" pitchFamily="50" charset="-128"/>
+                <a:cs typeface="メイリオ" pitchFamily="50" charset="-128"/>
+              </a:rPr>
+              <a:t>テクスチャのパスをかきかえる</a:t>
+            </a:r>
+            <a:endParaRPr kumimoji="1" lang="en-US" altLang="ja-JP" dirty="0" smtClean="0">
+              <a:latin typeface="メイリオ" pitchFamily="50" charset="-128"/>
+              <a:ea typeface="メイリオ" pitchFamily="50" charset="-128"/>
+              <a:cs typeface="メイリオ" pitchFamily="50" charset="-128"/>
+            </a:endParaRPr>
+          </a:p>
+          <a:p>
+            <a:r>
+              <a:rPr kumimoji="1" lang="ja-JP" altLang="en-US" dirty="0" smtClean="0">
+                <a:latin typeface="メイリオ" pitchFamily="50" charset="-128"/>
+                <a:ea typeface="メイリオ" pitchFamily="50" charset="-128"/>
+                <a:cs typeface="メイリオ" pitchFamily="50" charset="-128"/>
+              </a:rPr>
+              <a:t>キャッシュのパスをかきかえる</a:t>
+            </a:r>
+            <a:endParaRPr kumimoji="1" lang="en-US" altLang="ja-JP" dirty="0" smtClean="0">
+              <a:latin typeface="メイリオ" pitchFamily="50" charset="-128"/>
+              <a:ea typeface="メイリオ" pitchFamily="50" charset="-128"/>
+              <a:cs typeface="メイリオ" pitchFamily="50" charset="-128"/>
+            </a:endParaRPr>
+          </a:p>
+          <a:p>
+            <a:r>
+              <a:rPr lang="ja-JP" altLang="en-US" dirty="0" smtClean="0">
+                <a:latin typeface="メイリオ" pitchFamily="50" charset="-128"/>
+                <a:ea typeface="メイリオ" pitchFamily="50" charset="-128"/>
+                <a:cs typeface="メイリオ" pitchFamily="50" charset="-128"/>
+              </a:rPr>
+              <a:t>レンダリング</a:t>
+            </a:r>
+            <a:r>
+              <a:rPr lang="ja-JP" altLang="en-US" dirty="0" smtClean="0">
+                <a:latin typeface="メイリオ" pitchFamily="50" charset="-128"/>
+                <a:ea typeface="メイリオ" pitchFamily="50" charset="-128"/>
+                <a:cs typeface="メイリオ" pitchFamily="50" charset="-128"/>
+              </a:rPr>
+              <a:t>先</a:t>
+            </a:r>
+            <a:r>
+              <a:rPr lang="ja-JP" altLang="en-US" dirty="0" smtClean="0">
+                <a:latin typeface="メイリオ" pitchFamily="50" charset="-128"/>
+                <a:ea typeface="メイリオ" pitchFamily="50" charset="-128"/>
+                <a:cs typeface="メイリオ" pitchFamily="50" charset="-128"/>
+              </a:rPr>
+              <a:t>を指定する</a:t>
+            </a:r>
+            <a:endParaRPr lang="en-US" altLang="ja-JP" dirty="0" smtClean="0">
+              <a:latin typeface="メイリオ" pitchFamily="50" charset="-128"/>
+              <a:ea typeface="メイリオ" pitchFamily="50" charset="-128"/>
+              <a:cs typeface="メイリオ" pitchFamily="50" charset="-128"/>
+            </a:endParaRPr>
+          </a:p>
+          <a:p>
+            <a:r>
+              <a:rPr kumimoji="1" lang="ja-JP" altLang="en-US" dirty="0" smtClean="0">
+                <a:latin typeface="メイリオ" pitchFamily="50" charset="-128"/>
+                <a:ea typeface="メイリオ" pitchFamily="50" charset="-128"/>
+                <a:cs typeface="メイリオ" pitchFamily="50" charset="-128"/>
+              </a:rPr>
+              <a:t>やっていること</a:t>
+            </a:r>
+            <a:r>
+              <a:rPr kumimoji="1" lang="ja-JP" altLang="en-US" dirty="0" smtClean="0">
+                <a:latin typeface="メイリオ" pitchFamily="50" charset="-128"/>
+                <a:ea typeface="メイリオ" pitchFamily="50" charset="-128"/>
+                <a:cs typeface="メイリオ" pitchFamily="50" charset="-128"/>
+              </a:rPr>
+              <a:t>は同じ</a:t>
+            </a:r>
+            <a:r>
+              <a:rPr kumimoji="1" lang="en-US" altLang="ja-JP" dirty="0" smtClean="0">
+                <a:latin typeface="メイリオ" pitchFamily="50" charset="-128"/>
+                <a:ea typeface="メイリオ" pitchFamily="50" charset="-128"/>
+                <a:cs typeface="メイリオ" pitchFamily="50" charset="-128"/>
+              </a:rPr>
+              <a:t>”</a:t>
+            </a:r>
+            <a:r>
+              <a:rPr kumimoji="1" lang="ja-JP" altLang="en-US" dirty="0" smtClean="0">
+                <a:latin typeface="メイリオ" pitchFamily="50" charset="-128"/>
+                <a:ea typeface="メイリオ" pitchFamily="50" charset="-128"/>
+                <a:cs typeface="メイリオ" pitchFamily="50" charset="-128"/>
+              </a:rPr>
+              <a:t>パスの設定をする</a:t>
+            </a:r>
+            <a:r>
+              <a:rPr kumimoji="1" lang="en-US" altLang="ja-JP" dirty="0" smtClean="0">
+                <a:latin typeface="メイリオ" pitchFamily="50" charset="-128"/>
+                <a:ea typeface="メイリオ" pitchFamily="50" charset="-128"/>
+                <a:cs typeface="メイリオ" pitchFamily="50" charset="-128"/>
+              </a:rPr>
+              <a:t>”</a:t>
+            </a:r>
+            <a:endParaRPr kumimoji="1" lang="ja-JP" altLang="en-US" dirty="0">
+              <a:latin typeface="メイリオ" pitchFamily="50" charset="-128"/>
+              <a:ea typeface="メイリオ" pitchFamily="50" charset="-128"/>
+              <a:cs typeface="メイリオ" pitchFamily="50" charset="-128"/>
+            </a:endParaRPr>
+          </a:p>
+        </p:txBody>
+      </p:sp>
+      <p:sp>
+        <p:nvSpPr>
+          <p:cNvPr id="4" name="日付プレースホルダー 3"/>
+          <p:cNvSpPr>
+            <a:spLocks noGrp="1"/>
+          </p:cNvSpPr>
+          <p:nvPr>
+            <p:ph type="dt" sz="half" idx="10"/>
+          </p:nvPr>
+        </p:nvSpPr>
+        <p:spPr/>
+        <p:txBody>
+          <a:bodyPr/>
+          <a:lstStyle/>
+          <a:p>
+            <a:pPr>
+              <a:defRPr/>
+            </a:pPr>
+            <a:fld id="{A9259AFE-7AC7-4F49-85B9-5B069C761CE3}" type="datetime5">
+              <a:rPr lang="ja-JP" altLang="en-US" smtClean="0">
+                <a:latin typeface="メイリオ" pitchFamily="50" charset="-128"/>
+                <a:ea typeface="メイリオ" pitchFamily="50" charset="-128"/>
+                <a:cs typeface="メイリオ" pitchFamily="50" charset="-128"/>
+              </a:rPr>
+              <a:pPr>
+                <a:defRPr/>
+              </a:pPr>
+              <a:t>2014/08/16</a:t>
+            </a:fld>
+            <a:endParaRPr lang="ja-JP" altLang="en-US" dirty="0">
+              <a:latin typeface="メイリオ" pitchFamily="50" charset="-128"/>
+              <a:ea typeface="メイリオ" pitchFamily="50" charset="-128"/>
+              <a:cs typeface="メイリオ" pitchFamily="50" charset="-128"/>
+            </a:endParaRPr>
+          </a:p>
+        </p:txBody>
+      </p:sp>
+      <p:sp>
+        <p:nvSpPr>
+          <p:cNvPr id="6" name="スライド番号プレースホルダー 5"/>
+          <p:cNvSpPr>
+            <a:spLocks noGrp="1"/>
+          </p:cNvSpPr>
+          <p:nvPr>
+            <p:ph type="sldNum" sz="quarter" idx="12"/>
+          </p:nvPr>
+        </p:nvSpPr>
+        <p:spPr/>
+        <p:txBody>
+          <a:bodyPr/>
+          <a:lstStyle/>
+          <a:p>
+            <a:pPr>
+              <a:defRPr/>
+            </a:pPr>
+            <a:fld id="{29799127-F303-4AE7-A969-D0F8A278DEB3}" type="slidenum">
+              <a:rPr lang="ja-JP" altLang="en-US" smtClean="0">
+                <a:latin typeface="メイリオ" pitchFamily="50" charset="-128"/>
+                <a:ea typeface="メイリオ" pitchFamily="50" charset="-128"/>
+                <a:cs typeface="メイリオ" pitchFamily="50" charset="-128"/>
+              </a:rPr>
+              <a:pPr>
+                <a:defRPr/>
+              </a:pPr>
+              <a:t>3</a:t>
+            </a:fld>
+            <a:endParaRPr lang="ja-JP" altLang="en-US">
+              <a:latin typeface="メイリオ" pitchFamily="50" charset="-128"/>
+              <a:ea typeface="メイリオ" pitchFamily="50" charset="-128"/>
+              <a:cs typeface="メイリオ" pitchFamily="50" charset="-128"/>
+            </a:endParaRPr>
+          </a:p>
+        </p:txBody>
+      </p:sp>
+    </p:spTree>
+    <p:extLst>
+      <p:ext uri="{BB962C8B-B14F-4D97-AF65-F5344CB8AC3E}">
+        <p14:creationId xmlns:p14="http://schemas.microsoft.com/office/powerpoint/2010/main" xmlns="" val="1890745276"/>
+      </p:ext>
+    </p:extLst>
+  </p:cSld>
+  <p:clrMapOvr>
+    <a:masterClrMapping/>
+  </p:clrMapOvr>
+</p:sld>
+</file>
+
+<file path=ppt/slides/slide4.xml><?xml version="1.0" encoding="utf-8"?>
+<p:sld xmlns:a="http://schemas.openxmlformats.org/drawingml/2006/main" xmlns:r="http://schemas.openxmlformats.org/officeDocument/2006/relationships" xmlns:p="http://schemas.openxmlformats.org/presentationml/2006/main">
+  <p:cSld>
+    <p:spTree>
+      <p:nvGrpSpPr>
+        <p:cNvPr id="1" name=""/>
+        <p:cNvGrpSpPr/>
+        <p:nvPr/>
+      </p:nvGrpSpPr>
+      <p:grpSpPr>
+        <a:xfrm>
+          <a:off x="0" y="0"/>
+          <a:ext cx="0" cy="0"/>
+          <a:chOff x="0" y="0"/>
+          <a:chExt cx="0" cy="0"/>
+        </a:xfrm>
+      </p:grpSpPr>
+      <p:sp>
+        <p:nvSpPr>
+          <p:cNvPr id="2" name="タイトル 1"/>
+          <p:cNvSpPr>
+            <a:spLocks noGrp="1"/>
+          </p:cNvSpPr>
+          <p:nvPr>
+            <p:ph type="title"/>
+          </p:nvPr>
+        </p:nvSpPr>
+        <p:spPr/>
+        <p:txBody>
+          <a:bodyPr/>
+          <a:lstStyle/>
+          <a:p>
+            <a:pPr algn="ctr"/>
+            <a:r>
+              <a:rPr kumimoji="1" lang="ja-JP" altLang="en-US" sz="4000" dirty="0" smtClean="0">
+                <a:solidFill>
+                  <a:schemeClr val="tx1"/>
+                </a:solidFill>
+                <a:latin typeface="メイリオ" pitchFamily="50" charset="-128"/>
+                <a:ea typeface="メイリオ" pitchFamily="50" charset="-128"/>
+                <a:cs typeface="メイリオ" pitchFamily="50" charset="-128"/>
+              </a:rPr>
+              <a:t>似たような処理の実装</a:t>
+            </a:r>
+            <a:endParaRPr kumimoji="1" lang="ja-JP" altLang="en-US" sz="4000" dirty="0">
+              <a:solidFill>
+                <a:schemeClr val="tx1"/>
+              </a:solidFill>
+              <a:latin typeface="メイリオ" pitchFamily="50" charset="-128"/>
+              <a:ea typeface="メイリオ" pitchFamily="50" charset="-128"/>
+              <a:cs typeface="メイリオ" pitchFamily="50" charset="-128"/>
+            </a:endParaRPr>
+          </a:p>
+        </p:txBody>
+      </p:sp>
+      <p:sp>
+        <p:nvSpPr>
+          <p:cNvPr id="3" name="コンテンツ プレースホルダー 2"/>
+          <p:cNvSpPr>
+            <a:spLocks noGrp="1"/>
+          </p:cNvSpPr>
+          <p:nvPr>
+            <p:ph idx="1"/>
+          </p:nvPr>
+        </p:nvSpPr>
+        <p:spPr>
+          <a:xfrm>
+            <a:off x="457200" y="2143122"/>
+            <a:ext cx="8229600" cy="2394352"/>
+          </a:xfrm>
+        </p:spPr>
+        <p:txBody>
+          <a:bodyPr/>
+          <a:lstStyle/>
+          <a:p>
+            <a:r>
+              <a:rPr lang="ja-JP" altLang="en-US" dirty="0" smtClean="0">
+                <a:latin typeface="メイリオ" pitchFamily="50" charset="-128"/>
+                <a:ea typeface="メイリオ" pitchFamily="50" charset="-128"/>
+                <a:cs typeface="メイリオ" pitchFamily="50" charset="-128"/>
+              </a:rPr>
+              <a:t>みんなそれぞれ微妙にやり方が違う</a:t>
+            </a:r>
+            <a:endParaRPr lang="en-US" altLang="ja-JP" dirty="0" smtClean="0">
+              <a:latin typeface="メイリオ" pitchFamily="50" charset="-128"/>
+              <a:ea typeface="メイリオ" pitchFamily="50" charset="-128"/>
+              <a:cs typeface="メイリオ" pitchFamily="50" charset="-128"/>
+            </a:endParaRPr>
+          </a:p>
+          <a:p>
+            <a:r>
+              <a:rPr kumimoji="1" lang="ja-JP" altLang="en-US" dirty="0" smtClean="0">
+                <a:latin typeface="メイリオ" pitchFamily="50" charset="-128"/>
+                <a:ea typeface="メイリオ" pitchFamily="50" charset="-128"/>
+                <a:cs typeface="メイリオ" pitchFamily="50" charset="-128"/>
+              </a:rPr>
+              <a:t>対応</a:t>
+            </a:r>
+            <a:r>
+              <a:rPr kumimoji="1" lang="ja-JP" altLang="en-US" dirty="0" smtClean="0">
+                <a:latin typeface="メイリオ" pitchFamily="50" charset="-128"/>
+                <a:ea typeface="メイリオ" pitchFamily="50" charset="-128"/>
+                <a:cs typeface="メイリオ" pitchFamily="50" charset="-128"/>
+              </a:rPr>
+              <a:t>する形式が増えるとその分パターンが増える</a:t>
+            </a:r>
+            <a:endParaRPr kumimoji="1" lang="en-US" altLang="ja-JP" dirty="0" smtClean="0">
+              <a:latin typeface="メイリオ" pitchFamily="50" charset="-128"/>
+              <a:ea typeface="メイリオ" pitchFamily="50" charset="-128"/>
+              <a:cs typeface="メイリオ" pitchFamily="50" charset="-128"/>
+            </a:endParaRPr>
+          </a:p>
+          <a:p>
+            <a:r>
+              <a:rPr lang="ja-JP" altLang="en-US" dirty="0" smtClean="0">
+                <a:latin typeface="メイリオ" pitchFamily="50" charset="-128"/>
+                <a:ea typeface="メイリオ" pitchFamily="50" charset="-128"/>
+                <a:cs typeface="メイリオ" pitchFamily="50" charset="-128"/>
+              </a:rPr>
+              <a:t>行儀の</a:t>
+            </a:r>
+            <a:r>
+              <a:rPr lang="ja-JP" altLang="en-US" dirty="0" smtClean="0">
+                <a:latin typeface="メイリオ" pitchFamily="50" charset="-128"/>
+                <a:ea typeface="メイリオ" pitchFamily="50" charset="-128"/>
+                <a:cs typeface="メイリオ" pitchFamily="50" charset="-128"/>
+              </a:rPr>
+              <a:t>悪いプラグインがあると最悪</a:t>
+            </a:r>
+            <a:endParaRPr kumimoji="1" lang="ja-JP" altLang="en-US" dirty="0">
+              <a:latin typeface="メイリオ" pitchFamily="50" charset="-128"/>
+              <a:ea typeface="メイリオ" pitchFamily="50" charset="-128"/>
+              <a:cs typeface="メイリオ" pitchFamily="50" charset="-128"/>
+            </a:endParaRPr>
+          </a:p>
+        </p:txBody>
+      </p:sp>
+      <p:sp>
+        <p:nvSpPr>
+          <p:cNvPr id="4" name="日付プレースホルダー 3"/>
+          <p:cNvSpPr>
+            <a:spLocks noGrp="1"/>
+          </p:cNvSpPr>
+          <p:nvPr>
+            <p:ph type="dt" sz="half" idx="10"/>
+          </p:nvPr>
+        </p:nvSpPr>
+        <p:spPr/>
+        <p:txBody>
+          <a:bodyPr/>
+          <a:lstStyle/>
+          <a:p>
+            <a:pPr>
+              <a:defRPr/>
+            </a:pPr>
+            <a:fld id="{A9259AFE-7AC7-4F49-85B9-5B069C761CE3}" type="datetime5">
+              <a:rPr lang="ja-JP" altLang="en-US" smtClean="0">
+                <a:latin typeface="メイリオ" pitchFamily="50" charset="-128"/>
+                <a:ea typeface="メイリオ" pitchFamily="50" charset="-128"/>
+                <a:cs typeface="メイリオ" pitchFamily="50" charset="-128"/>
+              </a:rPr>
+              <a:pPr>
+                <a:defRPr/>
+              </a:pPr>
+              <a:t>2014/08/17</a:t>
+            </a:fld>
+            <a:endParaRPr lang="ja-JP" altLang="en-US" dirty="0">
+              <a:latin typeface="メイリオ" pitchFamily="50" charset="-128"/>
+              <a:ea typeface="メイリオ" pitchFamily="50" charset="-128"/>
+              <a:cs typeface="メイリオ" pitchFamily="50" charset="-128"/>
+            </a:endParaRPr>
+          </a:p>
+        </p:txBody>
+      </p:sp>
+      <p:sp>
+        <p:nvSpPr>
+          <p:cNvPr id="6" name="スライド番号プレースホルダー 5"/>
+          <p:cNvSpPr>
+            <a:spLocks noGrp="1"/>
+          </p:cNvSpPr>
+          <p:nvPr>
+            <p:ph type="sldNum" sz="quarter" idx="12"/>
+          </p:nvPr>
+        </p:nvSpPr>
+        <p:spPr/>
+        <p:txBody>
+          <a:bodyPr/>
+          <a:lstStyle/>
+          <a:p>
+            <a:pPr>
+              <a:defRPr/>
+            </a:pPr>
+            <a:fld id="{29799127-F303-4AE7-A969-D0F8A278DEB3}" type="slidenum">
+              <a:rPr lang="ja-JP" altLang="en-US" smtClean="0">
+                <a:latin typeface="メイリオ" pitchFamily="50" charset="-128"/>
+                <a:ea typeface="メイリオ" pitchFamily="50" charset="-128"/>
+                <a:cs typeface="メイリオ" pitchFamily="50" charset="-128"/>
+              </a:rPr>
+              <a:pPr>
+                <a:defRPr/>
+              </a:pPr>
+              <a:t>4</a:t>
+            </a:fld>
+            <a:endParaRPr lang="ja-JP" altLang="en-US">
+              <a:latin typeface="メイリオ" pitchFamily="50" charset="-128"/>
+              <a:ea typeface="メイリオ" pitchFamily="50" charset="-128"/>
+              <a:cs typeface="メイリオ" pitchFamily="50" charset="-128"/>
+            </a:endParaRPr>
+          </a:p>
+        </p:txBody>
+      </p:sp>
+      <p:sp>
+        <p:nvSpPr>
+          <p:cNvPr id="7" name="テキスト ボックス 6"/>
+          <p:cNvSpPr txBox="1"/>
+          <p:nvPr/>
+        </p:nvSpPr>
+        <p:spPr>
+          <a:xfrm>
+            <a:off x="785786" y="1071552"/>
+            <a:ext cx="7143800" cy="830997"/>
+          </a:xfrm>
+          <a:prstGeom prst="rect">
+            <a:avLst/>
+          </a:prstGeom>
+          <a:solidFill>
+            <a:schemeClr val="bg1">
+              <a:lumMod val="85000"/>
+            </a:schemeClr>
+          </a:solidFill>
+          <a:ln>
+            <a:solidFill>
+              <a:schemeClr val="tx1"/>
+            </a:solidFill>
+          </a:ln>
+        </p:spPr>
+        <p:txBody>
+          <a:bodyPr wrap="square" rtlCol="0">
+            <a:spAutoFit/>
+          </a:bodyPr>
+          <a:lstStyle/>
+          <a:p>
+            <a:r>
+              <a:rPr lang="en-US" altLang="ja-JP" sz="1200" dirty="0" err="1" smtClean="0">
+                <a:latin typeface="メイリオ" pitchFamily="50" charset="-128"/>
+                <a:ea typeface="メイリオ" pitchFamily="50" charset="-128"/>
+                <a:cs typeface="メイリオ" pitchFamily="50" charset="-128"/>
+              </a:rPr>
+              <a:t>cmds.setAttr</a:t>
+            </a:r>
+            <a:r>
+              <a:rPr lang="en-US" altLang="ja-JP" sz="1200" dirty="0" smtClean="0">
+                <a:latin typeface="メイリオ" pitchFamily="50" charset="-128"/>
+                <a:ea typeface="メイリオ" pitchFamily="50" charset="-128"/>
+                <a:cs typeface="メイリオ" pitchFamily="50" charset="-128"/>
+              </a:rPr>
+              <a:t>(node + '.</a:t>
+            </a:r>
+            <a:r>
+              <a:rPr lang="en-US" altLang="ja-JP" sz="1200" dirty="0" err="1" smtClean="0">
+                <a:latin typeface="メイリオ" pitchFamily="50" charset="-128"/>
+                <a:ea typeface="メイリオ" pitchFamily="50" charset="-128"/>
+                <a:cs typeface="メイリオ" pitchFamily="50" charset="-128"/>
+              </a:rPr>
+              <a:t>fileTextureName</a:t>
+            </a:r>
+            <a:r>
+              <a:rPr lang="en-US" altLang="ja-JP" sz="1200" dirty="0" smtClean="0">
+                <a:latin typeface="メイリオ" pitchFamily="50" charset="-128"/>
+                <a:ea typeface="メイリオ" pitchFamily="50" charset="-128"/>
+                <a:cs typeface="メイリオ" pitchFamily="50" charset="-128"/>
+              </a:rPr>
+              <a:t>‘, path, type='string')</a:t>
+            </a:r>
+          </a:p>
+          <a:p>
+            <a:r>
+              <a:rPr lang="en-US" altLang="ja-JP" sz="1200" dirty="0" err="1" smtClean="0">
+                <a:latin typeface="メイリオ" pitchFamily="50" charset="-128"/>
+                <a:ea typeface="メイリオ" pitchFamily="50" charset="-128"/>
+                <a:cs typeface="メイリオ" pitchFamily="50" charset="-128"/>
+              </a:rPr>
+              <a:t>cmds.setAttr</a:t>
+            </a:r>
+            <a:r>
+              <a:rPr lang="en-US" altLang="ja-JP" sz="1200" dirty="0" smtClean="0">
+                <a:latin typeface="メイリオ" pitchFamily="50" charset="-128"/>
+                <a:ea typeface="メイリオ" pitchFamily="50" charset="-128"/>
+                <a:cs typeface="メイリオ" pitchFamily="50" charset="-128"/>
+              </a:rPr>
+              <a:t>(node + '.Path', </a:t>
+            </a:r>
+            <a:r>
+              <a:rPr lang="en-US" altLang="ja-JP" sz="1200" dirty="0" err="1" smtClean="0">
+                <a:latin typeface="メイリオ" pitchFamily="50" charset="-128"/>
+                <a:ea typeface="メイリオ" pitchFamily="50" charset="-128"/>
+                <a:cs typeface="メイリオ" pitchFamily="50" charset="-128"/>
+              </a:rPr>
+              <a:t>path.replace</a:t>
+            </a:r>
+            <a:r>
+              <a:rPr lang="en-US" altLang="ja-JP" sz="1200" dirty="0" smtClean="0">
+                <a:latin typeface="メイリオ" pitchFamily="50" charset="-128"/>
+                <a:ea typeface="メイリオ" pitchFamily="50" charset="-128"/>
+                <a:cs typeface="メイリオ" pitchFamily="50" charset="-128"/>
+              </a:rPr>
+              <a:t>(os.sep, '/'), type='string')</a:t>
+            </a:r>
+          </a:p>
+          <a:p>
+            <a:r>
+              <a:rPr lang="en-US" altLang="ja-JP" sz="1200" dirty="0" err="1" smtClean="0">
+                <a:latin typeface="メイリオ" pitchFamily="50" charset="-128"/>
+                <a:ea typeface="メイリオ" pitchFamily="50" charset="-128"/>
+                <a:cs typeface="メイリオ" pitchFamily="50" charset="-128"/>
+              </a:rPr>
+              <a:t>cmds.setAttr</a:t>
+            </a:r>
+            <a:r>
+              <a:rPr lang="en-US" altLang="ja-JP" sz="1200" dirty="0" smtClean="0">
+                <a:latin typeface="メイリオ" pitchFamily="50" charset="-128"/>
+                <a:ea typeface="メイリオ" pitchFamily="50" charset="-128"/>
+                <a:cs typeface="メイリオ" pitchFamily="50" charset="-128"/>
+              </a:rPr>
+              <a:t>(node + '.</a:t>
+            </a:r>
+            <a:r>
+              <a:rPr lang="en-US" altLang="ja-JP" sz="1200" dirty="0" err="1" smtClean="0">
+                <a:latin typeface="メイリオ" pitchFamily="50" charset="-128"/>
+                <a:ea typeface="メイリオ" pitchFamily="50" charset="-128"/>
+                <a:cs typeface="メイリオ" pitchFamily="50" charset="-128"/>
+              </a:rPr>
+              <a:t>cacheFileName</a:t>
+            </a:r>
+            <a:r>
+              <a:rPr lang="en-US" altLang="ja-JP" sz="1200" dirty="0" smtClean="0">
+                <a:latin typeface="メイリオ" pitchFamily="50" charset="-128"/>
+                <a:ea typeface="メイリオ" pitchFamily="50" charset="-128"/>
+                <a:cs typeface="メイリオ" pitchFamily="50" charset="-128"/>
+              </a:rPr>
+              <a:t>', path, type='string</a:t>
+            </a:r>
+            <a:r>
+              <a:rPr lang="en-US" altLang="ja-JP" sz="1200" dirty="0" smtClean="0">
+                <a:latin typeface="メイリオ" pitchFamily="50" charset="-128"/>
+                <a:ea typeface="メイリオ" pitchFamily="50" charset="-128"/>
+                <a:cs typeface="メイリオ" pitchFamily="50" charset="-128"/>
+              </a:rPr>
+              <a:t>')</a:t>
+            </a:r>
+          </a:p>
+          <a:p>
+            <a:r>
+              <a:rPr lang="en-US" altLang="ja-JP" sz="1200" dirty="0" err="1" smtClean="0">
+                <a:latin typeface="メイリオ" pitchFamily="50" charset="-128"/>
+                <a:ea typeface="メイリオ" pitchFamily="50" charset="-128"/>
+                <a:cs typeface="メイリオ" pitchFamily="50" charset="-128"/>
+              </a:rPr>
+              <a:t>cmds.setAttr</a:t>
+            </a:r>
+            <a:r>
+              <a:rPr lang="en-US" altLang="ja-JP" sz="1200" dirty="0" smtClean="0">
+                <a:latin typeface="メイリオ" pitchFamily="50" charset="-128"/>
+                <a:ea typeface="メイリオ" pitchFamily="50" charset="-128"/>
+                <a:cs typeface="メイリオ" pitchFamily="50" charset="-128"/>
+              </a:rPr>
+              <a:t>('</a:t>
+            </a:r>
+            <a:r>
+              <a:rPr lang="en-US" altLang="ja-JP" sz="1200" dirty="0" err="1" smtClean="0">
+                <a:latin typeface="メイリオ" pitchFamily="50" charset="-128"/>
+                <a:ea typeface="メイリオ" pitchFamily="50" charset="-128"/>
+                <a:cs typeface="メイリオ" pitchFamily="50" charset="-128"/>
+              </a:rPr>
+              <a:t>defaultRenderGlobals.imageFilePrefix</a:t>
+            </a:r>
+            <a:r>
+              <a:rPr lang="en-US" altLang="ja-JP" sz="1200" dirty="0" smtClean="0">
+                <a:latin typeface="メイリオ" pitchFamily="50" charset="-128"/>
+                <a:ea typeface="メイリオ" pitchFamily="50" charset="-128"/>
+                <a:cs typeface="メイリオ" pitchFamily="50" charset="-128"/>
+              </a:rPr>
+              <a:t>', prefix, type='string')</a:t>
+            </a:r>
+            <a:endParaRPr kumimoji="1" lang="ja-JP" altLang="en-US" sz="1200" dirty="0">
+              <a:latin typeface="メイリオ" pitchFamily="50" charset="-128"/>
+              <a:ea typeface="メイリオ" pitchFamily="50" charset="-128"/>
+              <a:cs typeface="メイリオ" pitchFamily="50" charset="-128"/>
+            </a:endParaRPr>
+          </a:p>
+        </p:txBody>
+      </p:sp>
+    </p:spTree>
+    <p:extLst>
+      <p:ext uri="{BB962C8B-B14F-4D97-AF65-F5344CB8AC3E}">
+        <p14:creationId xmlns:p14="http://schemas.microsoft.com/office/powerpoint/2010/main" xmlns="" val="1890745276"/>
+      </p:ext>
+    </p:extLst>
+  </p:cSld>
+  <p:clrMapOvr>
+    <a:masterClrMapping/>
+  </p:clrMapOvr>
+</p:sld>
+</file>
+
+<file path=ppt/slides/slide5.xml><?xml version="1.0" encoding="utf-8"?>
+<p:sld xmlns:a="http://schemas.openxmlformats.org/drawingml/2006/main" xmlns:r="http://schemas.openxmlformats.org/officeDocument/2006/relationships" xmlns:p="http://schemas.openxmlformats.org/presentationml/2006/main">
+  <p:cSld>
+    <p:spTree>
+      <p:nvGrpSpPr>
+        <p:cNvPr id="1" name=""/>
+        <p:cNvGrpSpPr/>
+        <p:nvPr/>
+      </p:nvGrpSpPr>
+      <p:grpSpPr>
+        <a:xfrm>
+          <a:off x="0" y="0"/>
+          <a:ext cx="0" cy="0"/>
+          <a:chOff x="0" y="0"/>
+          <a:chExt cx="0" cy="0"/>
+        </a:xfrm>
+      </p:grpSpPr>
+      <p:sp>
+        <p:nvSpPr>
+          <p:cNvPr id="2" name="タイトル 1"/>
+          <p:cNvSpPr>
+            <a:spLocks noGrp="1"/>
+          </p:cNvSpPr>
+          <p:nvPr>
+            <p:ph type="title"/>
+          </p:nvPr>
+        </p:nvSpPr>
+        <p:spPr/>
+        <p:txBody>
+          <a:bodyPr/>
+          <a:lstStyle/>
+          <a:p>
+            <a:pPr algn="ctr"/>
+            <a:r>
+              <a:rPr kumimoji="1" lang="ja-JP" altLang="en-US" sz="4000" dirty="0" smtClean="0">
+                <a:solidFill>
+                  <a:schemeClr val="tx1"/>
+                </a:solidFill>
+                <a:latin typeface="メイリオ" pitchFamily="50" charset="-128"/>
+                <a:ea typeface="メイリオ" pitchFamily="50" charset="-128"/>
+                <a:cs typeface="メイリオ" pitchFamily="50" charset="-128"/>
+              </a:rPr>
+              <a:t>コードのカオス化</a:t>
+            </a:r>
+            <a:endParaRPr kumimoji="1" lang="ja-JP" altLang="en-US" sz="4000" dirty="0">
+              <a:solidFill>
+                <a:schemeClr val="tx1"/>
+              </a:solidFill>
+              <a:latin typeface="メイリオ" pitchFamily="50" charset="-128"/>
+              <a:ea typeface="メイリオ" pitchFamily="50" charset="-128"/>
+              <a:cs typeface="メイリオ" pitchFamily="50" charset="-128"/>
+            </a:endParaRPr>
+          </a:p>
+        </p:txBody>
+      </p:sp>
+      <p:sp>
+        <p:nvSpPr>
+          <p:cNvPr id="3" name="コンテンツ プレースホルダー 2"/>
+          <p:cNvSpPr>
+            <a:spLocks noGrp="1"/>
+          </p:cNvSpPr>
+          <p:nvPr>
+            <p:ph idx="1"/>
+          </p:nvPr>
+        </p:nvSpPr>
+        <p:spPr>
+          <a:xfrm>
+            <a:off x="457200" y="3214692"/>
+            <a:ext cx="8229600" cy="1322782"/>
+          </a:xfrm>
+        </p:spPr>
+        <p:txBody>
+          <a:bodyPr/>
+          <a:lstStyle/>
+          <a:p>
+            <a:r>
+              <a:rPr kumimoji="1" lang="ja-JP" altLang="en-US" sz="2600" dirty="0" smtClean="0">
+                <a:latin typeface="メイリオ" pitchFamily="50" charset="-128"/>
+                <a:ea typeface="メイリオ" pitchFamily="50" charset="-128"/>
+                <a:cs typeface="メイリオ" pitchFamily="50" charset="-128"/>
+              </a:rPr>
+              <a:t>例外事項への対応ですぐにコードはカオス化する</a:t>
+            </a:r>
+            <a:endParaRPr kumimoji="1" lang="en-US" altLang="ja-JP" sz="2600" dirty="0" smtClean="0">
+              <a:latin typeface="メイリオ" pitchFamily="50" charset="-128"/>
+              <a:ea typeface="メイリオ" pitchFamily="50" charset="-128"/>
+              <a:cs typeface="メイリオ" pitchFamily="50" charset="-128"/>
+            </a:endParaRPr>
+          </a:p>
+          <a:p>
+            <a:r>
+              <a:rPr lang="ja-JP" altLang="en-US" sz="2600" dirty="0" smtClean="0">
+                <a:latin typeface="メイリオ" pitchFamily="50" charset="-128"/>
+                <a:ea typeface="メイリオ" pitchFamily="50" charset="-128"/>
+                <a:cs typeface="メイリオ" pitchFamily="50" charset="-128"/>
+              </a:rPr>
+              <a:t>誰もメンテナンスできない→一から書き直そうという不毛なループへ</a:t>
+            </a:r>
+            <a:endParaRPr kumimoji="1" lang="ja-JP" altLang="en-US" sz="2600" dirty="0">
+              <a:latin typeface="メイリオ" pitchFamily="50" charset="-128"/>
+              <a:ea typeface="メイリオ" pitchFamily="50" charset="-128"/>
+              <a:cs typeface="メイリオ" pitchFamily="50" charset="-128"/>
+            </a:endParaRPr>
+          </a:p>
+        </p:txBody>
+      </p:sp>
+      <p:sp>
+        <p:nvSpPr>
+          <p:cNvPr id="4" name="日付プレースホルダー 3"/>
+          <p:cNvSpPr>
+            <a:spLocks noGrp="1"/>
+          </p:cNvSpPr>
+          <p:nvPr>
+            <p:ph type="dt" sz="half" idx="10"/>
+          </p:nvPr>
+        </p:nvSpPr>
+        <p:spPr/>
+        <p:txBody>
+          <a:bodyPr/>
+          <a:lstStyle/>
+          <a:p>
+            <a:pPr>
+              <a:defRPr/>
+            </a:pPr>
+            <a:fld id="{A9259AFE-7AC7-4F49-85B9-5B069C761CE3}" type="datetime5">
+              <a:rPr lang="ja-JP" altLang="en-US" smtClean="0">
+                <a:latin typeface="メイリオ" pitchFamily="50" charset="-128"/>
+                <a:ea typeface="メイリオ" pitchFamily="50" charset="-128"/>
+                <a:cs typeface="メイリオ" pitchFamily="50" charset="-128"/>
+              </a:rPr>
+              <a:pPr>
+                <a:defRPr/>
+              </a:pPr>
+              <a:t>2014/08/17</a:t>
+            </a:fld>
+            <a:endParaRPr lang="ja-JP" altLang="en-US" dirty="0">
+              <a:latin typeface="メイリオ" pitchFamily="50" charset="-128"/>
+              <a:ea typeface="メイリオ" pitchFamily="50" charset="-128"/>
+              <a:cs typeface="メイリオ" pitchFamily="50" charset="-128"/>
+            </a:endParaRPr>
+          </a:p>
+        </p:txBody>
+      </p:sp>
+      <p:sp>
+        <p:nvSpPr>
+          <p:cNvPr id="6" name="スライド番号プレースホルダー 5"/>
+          <p:cNvSpPr>
+            <a:spLocks noGrp="1"/>
+          </p:cNvSpPr>
+          <p:nvPr>
+            <p:ph type="sldNum" sz="quarter" idx="12"/>
+          </p:nvPr>
+        </p:nvSpPr>
+        <p:spPr/>
+        <p:txBody>
+          <a:bodyPr/>
+          <a:lstStyle/>
+          <a:p>
+            <a:pPr>
+              <a:defRPr/>
+            </a:pPr>
+            <a:fld id="{29799127-F303-4AE7-A969-D0F8A278DEB3}" type="slidenum">
+              <a:rPr lang="ja-JP" altLang="en-US" smtClean="0">
+                <a:latin typeface="メイリオ" pitchFamily="50" charset="-128"/>
+                <a:ea typeface="メイリオ" pitchFamily="50" charset="-128"/>
+                <a:cs typeface="メイリオ" pitchFamily="50" charset="-128"/>
+              </a:rPr>
+              <a:pPr>
+                <a:defRPr/>
+              </a:pPr>
+              <a:t>5</a:t>
+            </a:fld>
+            <a:endParaRPr lang="ja-JP" altLang="en-US">
+              <a:latin typeface="メイリオ" pitchFamily="50" charset="-128"/>
+              <a:ea typeface="メイリオ" pitchFamily="50" charset="-128"/>
+              <a:cs typeface="メイリオ" pitchFamily="50" charset="-128"/>
+            </a:endParaRPr>
+          </a:p>
+        </p:txBody>
+      </p:sp>
+      <p:pic>
+        <p:nvPicPr>
+          <p:cNvPr id="2050" name="Picture 2" descr="D:\chiyama\Documents\Research\CEDEC2014\chiyama\chaosFlow.png"/>
+          <p:cNvPicPr>
+            <a:picLocks noChangeAspect="1" noChangeArrowheads="1"/>
+          </p:cNvPicPr>
+          <p:nvPr/>
+        </p:nvPicPr>
+        <p:blipFill>
+          <a:blip r:embed="rId2"/>
+          <a:srcRect/>
+          <a:stretch>
+            <a:fillRect/>
+          </a:stretch>
+        </p:blipFill>
+        <p:spPr bwMode="auto">
+          <a:xfrm>
+            <a:off x="1320800" y="849316"/>
+            <a:ext cx="6502400" cy="2222500"/>
+          </a:xfrm>
+          <a:prstGeom prst="rect">
+            <a:avLst/>
+          </a:prstGeom>
+          <a:noFill/>
+        </p:spPr>
+      </p:pic>
+    </p:spTree>
+    <p:extLst>
+      <p:ext uri="{BB962C8B-B14F-4D97-AF65-F5344CB8AC3E}">
+        <p14:creationId xmlns:p14="http://schemas.microsoft.com/office/powerpoint/2010/main" xmlns="" val="1890745276"/>
+      </p:ext>
+    </p:extLst>
+  </p:cSld>
+  <p:clrMapOvr>
+    <a:masterClrMapping/>
+  </p:clrMapOvr>
+</p:sld>
+</file>
+
+<file path=ppt/slides/slide6.xml><?xml version="1.0" encoding="utf-8"?>
+<p:sld xmlns:a="http://schemas.openxmlformats.org/drawingml/2006/main" xmlns:r="http://schemas.openxmlformats.org/officeDocument/2006/relationships" xmlns:p="http://schemas.openxmlformats.org/presentationml/2006/main">
+  <p:cSld>
+    <p:spTree>
+      <p:nvGrpSpPr>
+        <p:cNvPr id="1" name=""/>
+        <p:cNvGrpSpPr/>
+        <p:nvPr/>
+      </p:nvGrpSpPr>
+      <p:grpSpPr>
+        <a:xfrm>
+          <a:off x="0" y="0"/>
+          <a:ext cx="0" cy="0"/>
+          <a:chOff x="0" y="0"/>
+          <a:chExt cx="0" cy="0"/>
+        </a:xfrm>
+      </p:grpSpPr>
+      <p:sp>
+        <p:nvSpPr>
+          <p:cNvPr id="2" name="タイトル 1"/>
+          <p:cNvSpPr>
+            <a:spLocks noGrp="1"/>
+          </p:cNvSpPr>
+          <p:nvPr>
+            <p:ph type="title"/>
+          </p:nvPr>
+        </p:nvSpPr>
+        <p:spPr/>
+        <p:txBody>
+          <a:bodyPr/>
+          <a:lstStyle/>
+          <a:p>
+            <a:pPr algn="ctr"/>
+            <a:r>
+              <a:rPr kumimoji="1" lang="ja-JP" altLang="en-US" sz="4000" dirty="0" smtClean="0">
+                <a:solidFill>
+                  <a:schemeClr val="tx1"/>
+                </a:solidFill>
+                <a:latin typeface="メイリオ" pitchFamily="50" charset="-128"/>
+                <a:ea typeface="メイリオ" pitchFamily="50" charset="-128"/>
+                <a:cs typeface="メイリオ" pitchFamily="50" charset="-128"/>
+              </a:rPr>
+              <a:t>どうやって対応する</a:t>
+            </a:r>
+            <a:r>
+              <a:rPr kumimoji="1" lang="en-US" altLang="ja-JP" sz="4000" dirty="0" smtClean="0">
+                <a:solidFill>
+                  <a:schemeClr val="tx1"/>
+                </a:solidFill>
+                <a:latin typeface="メイリオ" pitchFamily="50" charset="-128"/>
+                <a:ea typeface="メイリオ" pitchFamily="50" charset="-128"/>
+                <a:cs typeface="メイリオ" pitchFamily="50" charset="-128"/>
+              </a:rPr>
+              <a:t>?</a:t>
+            </a:r>
+            <a:endParaRPr kumimoji="1" lang="ja-JP" altLang="en-US" sz="4000" dirty="0">
+              <a:solidFill>
+                <a:schemeClr val="tx1"/>
+              </a:solidFill>
+              <a:latin typeface="メイリオ" pitchFamily="50" charset="-128"/>
+              <a:ea typeface="メイリオ" pitchFamily="50" charset="-128"/>
+              <a:cs typeface="メイリオ" pitchFamily="50" charset="-128"/>
+            </a:endParaRPr>
+          </a:p>
+        </p:txBody>
+      </p:sp>
+      <p:sp>
+        <p:nvSpPr>
+          <p:cNvPr id="3" name="コンテンツ プレースホルダー 2"/>
+          <p:cNvSpPr>
+            <a:spLocks noGrp="1"/>
+          </p:cNvSpPr>
+          <p:nvPr>
+            <p:ph idx="1"/>
+          </p:nvPr>
+        </p:nvSpPr>
+        <p:spPr/>
+        <p:txBody>
+          <a:bodyPr/>
+          <a:lstStyle/>
+          <a:p>
+            <a:r>
+              <a:rPr kumimoji="1" lang="ja-JP" altLang="en-US" dirty="0" smtClean="0">
+                <a:latin typeface="メイリオ" pitchFamily="50" charset="-128"/>
+                <a:ea typeface="メイリオ" pitchFamily="50" charset="-128"/>
+                <a:cs typeface="メイリオ" pitchFamily="50" charset="-128"/>
+              </a:rPr>
+              <a:t>問題を簡単で小さな単位におしこめる</a:t>
+            </a:r>
+            <a:endParaRPr kumimoji="1" lang="en-US" altLang="ja-JP" dirty="0" smtClean="0">
+              <a:latin typeface="メイリオ" pitchFamily="50" charset="-128"/>
+              <a:ea typeface="メイリオ" pitchFamily="50" charset="-128"/>
+              <a:cs typeface="メイリオ" pitchFamily="50" charset="-128"/>
+            </a:endParaRPr>
+          </a:p>
+          <a:p>
+            <a:r>
+              <a:rPr lang="ja-JP" altLang="en-US" dirty="0" smtClean="0">
+                <a:latin typeface="メイリオ" pitchFamily="50" charset="-128"/>
+                <a:ea typeface="メイリオ" pitchFamily="50" charset="-128"/>
+                <a:cs typeface="メイリオ" pitchFamily="50" charset="-128"/>
+              </a:rPr>
+              <a:t>コードの依存関係を極力排除する</a:t>
+            </a:r>
+            <a:endParaRPr kumimoji="1" lang="en-US" altLang="ja-JP" dirty="0" smtClean="0">
+              <a:latin typeface="メイリオ" pitchFamily="50" charset="-128"/>
+              <a:ea typeface="メイリオ" pitchFamily="50" charset="-128"/>
+              <a:cs typeface="メイリオ" pitchFamily="50" charset="-128"/>
+            </a:endParaRPr>
+          </a:p>
+          <a:p>
+            <a:r>
+              <a:rPr kumimoji="1" lang="ja-JP" altLang="en-US" dirty="0" smtClean="0">
+                <a:latin typeface="メイリオ" pitchFamily="50" charset="-128"/>
+                <a:ea typeface="メイリオ" pitchFamily="50" charset="-128"/>
+                <a:cs typeface="メイリオ" pitchFamily="50" charset="-128"/>
+              </a:rPr>
+              <a:t>通常処理と例外事項の切り分け</a:t>
+            </a:r>
+            <a:endParaRPr kumimoji="1" lang="en-US" altLang="ja-JP" dirty="0" smtClean="0">
+              <a:latin typeface="メイリオ" pitchFamily="50" charset="-128"/>
+              <a:ea typeface="メイリオ" pitchFamily="50" charset="-128"/>
+              <a:cs typeface="メイリオ" pitchFamily="50" charset="-128"/>
+            </a:endParaRPr>
+          </a:p>
+          <a:p>
+            <a:r>
+              <a:rPr kumimoji="1" lang="ja-JP" altLang="en-US" dirty="0" smtClean="0">
+                <a:latin typeface="メイリオ" pitchFamily="50" charset="-128"/>
+                <a:ea typeface="メイリオ" pitchFamily="50" charset="-128"/>
+                <a:cs typeface="メイリオ" pitchFamily="50" charset="-128"/>
+              </a:rPr>
+              <a:t>複雑さが一定水準に保たれるようにする</a:t>
+            </a:r>
+            <a:endParaRPr kumimoji="1" lang="en-US" altLang="ja-JP" dirty="0" smtClean="0">
+              <a:latin typeface="メイリオ" pitchFamily="50" charset="-128"/>
+              <a:ea typeface="メイリオ" pitchFamily="50" charset="-128"/>
+              <a:cs typeface="メイリオ" pitchFamily="50" charset="-128"/>
+            </a:endParaRPr>
+          </a:p>
+        </p:txBody>
+      </p:sp>
+      <p:sp>
+        <p:nvSpPr>
+          <p:cNvPr id="4" name="日付プレースホルダー 3"/>
+          <p:cNvSpPr>
+            <a:spLocks noGrp="1"/>
+          </p:cNvSpPr>
+          <p:nvPr>
+            <p:ph type="dt" sz="half" idx="10"/>
+          </p:nvPr>
+        </p:nvSpPr>
+        <p:spPr/>
+        <p:txBody>
+          <a:bodyPr/>
+          <a:lstStyle/>
+          <a:p>
+            <a:pPr>
+              <a:defRPr/>
+            </a:pPr>
+            <a:fld id="{A9259AFE-7AC7-4F49-85B9-5B069C761CE3}" type="datetime5">
+              <a:rPr lang="ja-JP" altLang="en-US" smtClean="0">
+                <a:latin typeface="メイリオ" pitchFamily="50" charset="-128"/>
+                <a:ea typeface="メイリオ" pitchFamily="50" charset="-128"/>
+                <a:cs typeface="メイリオ" pitchFamily="50" charset="-128"/>
+              </a:rPr>
+              <a:pPr>
+                <a:defRPr/>
+              </a:pPr>
+              <a:t>2014/08/17</a:t>
+            </a:fld>
+            <a:endParaRPr lang="ja-JP" altLang="en-US" dirty="0">
+              <a:latin typeface="メイリオ" pitchFamily="50" charset="-128"/>
+              <a:ea typeface="メイリオ" pitchFamily="50" charset="-128"/>
+              <a:cs typeface="メイリオ" pitchFamily="50" charset="-128"/>
+            </a:endParaRPr>
+          </a:p>
+        </p:txBody>
+      </p:sp>
+      <p:sp>
+        <p:nvSpPr>
+          <p:cNvPr id="6" name="スライド番号プレースホルダー 5"/>
+          <p:cNvSpPr>
+            <a:spLocks noGrp="1"/>
+          </p:cNvSpPr>
+          <p:nvPr>
+            <p:ph type="sldNum" sz="quarter" idx="12"/>
+          </p:nvPr>
+        </p:nvSpPr>
+        <p:spPr/>
+        <p:txBody>
+          <a:bodyPr/>
+          <a:lstStyle/>
+          <a:p>
+            <a:pPr>
+              <a:defRPr/>
+            </a:pPr>
+            <a:fld id="{29799127-F303-4AE7-A969-D0F8A278DEB3}" type="slidenum">
+              <a:rPr lang="ja-JP" altLang="en-US" smtClean="0">
+                <a:latin typeface="メイリオ" pitchFamily="50" charset="-128"/>
+                <a:ea typeface="メイリオ" pitchFamily="50" charset="-128"/>
+                <a:cs typeface="メイリオ" pitchFamily="50" charset="-128"/>
+              </a:rPr>
+              <a:pPr>
+                <a:defRPr/>
+              </a:pPr>
+              <a:t>6</a:t>
+            </a:fld>
+            <a:endParaRPr lang="ja-JP" altLang="en-US">
+              <a:latin typeface="メイリオ" pitchFamily="50" charset="-128"/>
+              <a:ea typeface="メイリオ" pitchFamily="50" charset="-128"/>
+              <a:cs typeface="メイリオ" pitchFamily="50" charset="-128"/>
+            </a:endParaRPr>
+          </a:p>
+        </p:txBody>
+      </p:sp>
+    </p:spTree>
+    <p:extLst>
+      <p:ext uri="{BB962C8B-B14F-4D97-AF65-F5344CB8AC3E}">
+        <p14:creationId xmlns:p14="http://schemas.microsoft.com/office/powerpoint/2010/main" xmlns="" val="1890745276"/>
+      </p:ext>
+    </p:extLst>
+  </p:cSld>
+  <p:clrMapOvr>
+    <a:masterClrMapping/>
+  </p:clrMapOvr>
+</p:sld>
+</file>
+
 <file path=ppt/slides/slide7.xml><?xml version="1.0" encoding="utf-8"?>
 <p:sld xmlns:a="http://schemas.openxmlformats.org/drawingml/2006/main" xmlns:r="http://schemas.openxmlformats.org/officeDocument/2006/relationships" xmlns:p="http://schemas.openxmlformats.org/presentationml/2006/main">
   <p:cSld>
@@ -11410,7 +13531,18 @@
                 <a:ea typeface="メイリオ" pitchFamily="50" charset="-128"/>
                 <a:cs typeface="メイリオ" pitchFamily="50" charset="-128"/>
               </a:rPr>
-              <a:t>最適化戦略を立てる</a:t>
+              <a:t>そんなことを言っても</a:t>
+            </a:r>
+            <a:r>
+              <a:rPr kumimoji="1" lang="ja-JP" altLang="en-US" sz="4000" dirty="0" err="1" smtClean="0">
+                <a:solidFill>
+                  <a:schemeClr val="tx1"/>
+                </a:solidFill>
+                <a:latin typeface="メイリオ" pitchFamily="50" charset="-128"/>
+                <a:ea typeface="メイリオ" pitchFamily="50" charset="-128"/>
+                <a:cs typeface="メイリオ" pitchFamily="50" charset="-128"/>
+              </a:rPr>
+              <a:t>。。。</a:t>
             </a:r>
             <a:endParaRPr kumimoji="1" lang="ja-JP" altLang="en-US" sz="4000" dirty="0">
               <a:solidFill>
@@ -11433,41 +13565,28 @@
             <p:ph idx="1"/>
           </p:nvPr>
         </p:nvSpPr>
-        <p:spPr>
-          <a:xfrm>
-            <a:off x="457200" y="857239"/>
-            <a:ext cx="8229600" cy="3680236"/>
-          </a:xfrm>
-        </p:spPr>
+        <p:spPr/>
         <p:txBody>
           <a:bodyPr/>
           <a:lstStyle/>
           <a:p>
             <a:r>
-              <a:rPr lang="ja-JP" altLang="en-US" sz="2800" dirty="0" smtClean="0">
-                <a:latin typeface="メイリオ" pitchFamily="50" charset="-128"/>
-                <a:ea typeface="メイリオ" pitchFamily="50" charset="-128"/>
-                <a:cs typeface="メイリオ" pitchFamily="50" charset="-128"/>
-              </a:rPr>
-              <a:t>処理全体で </a:t>
-            </a:r>
-            <a:r>
-              <a:rPr lang="en-US" altLang="ja-JP" sz="2800" dirty="0" smtClean="0">
-                <a:latin typeface="メイリオ" pitchFamily="50" charset="-128"/>
-                <a:ea typeface="メイリオ" pitchFamily="50" charset="-128"/>
-                <a:cs typeface="メイリオ" pitchFamily="50" charset="-128"/>
-              </a:rPr>
-              <a:t>28 </a:t>
-            </a:r>
-            <a:r>
-              <a:rPr lang="ja-JP" altLang="en-US" sz="2800" dirty="0" smtClean="0">
-                <a:latin typeface="メイリオ" pitchFamily="50" charset="-128"/>
-                <a:ea typeface="メイリオ" pitchFamily="50" charset="-128"/>
-                <a:cs typeface="メイリオ" pitchFamily="50" charset="-128"/>
-              </a:rPr>
-              <a:t>秒</a:t>
-            </a:r>
-            <a:endParaRPr lang="en-US" altLang="ja-JP" sz="2800" dirty="0" smtClean="0">
+              <a:rPr kumimoji="1" lang="ja-JP" altLang="en-US" dirty="0" smtClean="0">
+                <a:latin typeface="メイリオ" pitchFamily="50" charset="-128"/>
+                <a:ea typeface="メイリオ" pitchFamily="50" charset="-128"/>
+                <a:cs typeface="メイリオ" pitchFamily="50" charset="-128"/>
+              </a:rPr>
+              <a:t>全部微妙に違うし</a:t>
+            </a:r>
+            <a:r>
+              <a:rPr kumimoji="1" lang="ja-JP" altLang="en-US" dirty="0" err="1" smtClean="0">
+                <a:latin typeface="メイリオ" pitchFamily="50" charset="-128"/>
+                <a:ea typeface="メイリオ" pitchFamily="50" charset="-128"/>
+                <a:cs typeface="メイリオ" pitchFamily="50" charset="-128"/>
+              </a:rPr>
+              <a:t>。。。</a:t>
+            </a:r>
+            <a:endParaRPr kumimoji="1" lang="en-US" altLang="ja-JP" dirty="0" smtClean="0">
               <a:latin typeface="メイリオ" pitchFamily="50" charset="-128"/>
               <a:ea typeface="メイリオ" pitchFamily="50" charset="-128"/>
               <a:cs typeface="メイリオ" pitchFamily="50" charset="-128"/>
@@ -11475,54 +13594,46 @@
           </a:p>
           <a:p>
             <a:r>
-              <a:rPr lang="en-US" altLang="ja-JP" sz="2800" dirty="0" err="1" smtClean="0">
-                <a:latin typeface="メイリオ" pitchFamily="50" charset="-128"/>
-                <a:ea typeface="メイリオ" pitchFamily="50" charset="-128"/>
-                <a:cs typeface="メイリオ" pitchFamily="50" charset="-128"/>
-              </a:rPr>
-              <a:t>getInfo</a:t>
-            </a:r>
-            <a:r>
-              <a:rPr lang="en-US" altLang="ja-JP" sz="2800" dirty="0" smtClean="0">
-                <a:latin typeface="メイリオ" pitchFamily="50" charset="-128"/>
-                <a:ea typeface="メイリオ" pitchFamily="50" charset="-128"/>
-                <a:cs typeface="メイリオ" pitchFamily="50" charset="-128"/>
-              </a:rPr>
-              <a:t>() </a:t>
-            </a:r>
-            <a:r>
-              <a:rPr lang="ja-JP" altLang="en-US" sz="2800" dirty="0" smtClean="0">
-                <a:latin typeface="メイリオ" pitchFamily="50" charset="-128"/>
-                <a:ea typeface="メイリオ" pitchFamily="50" charset="-128"/>
-                <a:cs typeface="メイリオ" pitchFamily="50" charset="-128"/>
-              </a:rPr>
-              <a:t>で </a:t>
-            </a:r>
-            <a:r>
-              <a:rPr lang="en-US" altLang="ja-JP" sz="2800" dirty="0" smtClean="0">
-                <a:latin typeface="メイリオ" pitchFamily="50" charset="-128"/>
-                <a:ea typeface="メイリオ" pitchFamily="50" charset="-128"/>
-                <a:cs typeface="メイリオ" pitchFamily="50" charset="-128"/>
-              </a:rPr>
-              <a:t>22 </a:t>
-            </a:r>
-            <a:r>
-              <a:rPr lang="ja-JP" altLang="en-US" sz="2800" dirty="0" smtClean="0">
-                <a:latin typeface="メイリオ" pitchFamily="50" charset="-128"/>
-                <a:ea typeface="メイリオ" pitchFamily="50" charset="-128"/>
-                <a:cs typeface="メイリオ" pitchFamily="50" charset="-128"/>
-              </a:rPr>
-              <a:t>秒費やして</a:t>
-            </a:r>
-            <a:r>
-              <a:rPr lang="ja-JP" altLang="en-US" sz="2800" dirty="0" smtClean="0">
-                <a:latin typeface="メイリオ" pitchFamily="50" charset="-128"/>
-                <a:ea typeface="メイリオ" pitchFamily="50" charset="-128"/>
-                <a:cs typeface="メイリオ" pitchFamily="50" charset="-128"/>
-              </a:rPr>
-              <a:t>いる</a:t>
-            </a:r>
-            <a:endParaRPr lang="en-US" altLang="ja-JP" sz="2800" dirty="0" smtClean="0">
+              <a:rPr lang="ja-JP" altLang="en-US" dirty="0" smtClean="0">
+                <a:latin typeface="メイリオ" pitchFamily="50" charset="-128"/>
+                <a:ea typeface="メイリオ" pitchFamily="50" charset="-128"/>
+                <a:cs typeface="メイリオ" pitchFamily="50" charset="-128"/>
+              </a:rPr>
+              <a:t>対応</a:t>
+            </a:r>
+            <a:r>
+              <a:rPr lang="ja-JP" altLang="en-US" dirty="0" smtClean="0">
+                <a:latin typeface="メイリオ" pitchFamily="50" charset="-128"/>
+                <a:ea typeface="メイリオ" pitchFamily="50" charset="-128"/>
+                <a:cs typeface="メイリオ" pitchFamily="50" charset="-128"/>
+              </a:rPr>
+              <a:t>しない</a:t>
+            </a:r>
+            <a:r>
+              <a:rPr lang="ja-JP" altLang="en-US" dirty="0" smtClean="0">
+                <a:latin typeface="メイリオ" pitchFamily="50" charset="-128"/>
+                <a:ea typeface="メイリオ" pitchFamily="50" charset="-128"/>
+                <a:cs typeface="メイリオ" pitchFamily="50" charset="-128"/>
+              </a:rPr>
+              <a:t>といけない</a:t>
+            </a:r>
+            <a:r>
+              <a:rPr lang="ja-JP" altLang="en-US" dirty="0" smtClean="0">
+                <a:latin typeface="メイリオ" pitchFamily="50" charset="-128"/>
+                <a:ea typeface="メイリオ" pitchFamily="50" charset="-128"/>
+                <a:cs typeface="メイリオ" pitchFamily="50" charset="-128"/>
+              </a:rPr>
+              <a:t>もの</a:t>
+            </a:r>
+            <a:r>
+              <a:rPr lang="ja-JP" altLang="en-US" dirty="0" smtClean="0">
+                <a:latin typeface="メイリオ" pitchFamily="50" charset="-128"/>
+                <a:ea typeface="メイリオ" pitchFamily="50" charset="-128"/>
+                <a:cs typeface="メイリオ" pitchFamily="50" charset="-128"/>
+              </a:rPr>
+              <a:t>は山盛り</a:t>
+            </a:r>
+            <a:endParaRPr kumimoji="1" lang="en-US" altLang="ja-JP" dirty="0" smtClean="0">
               <a:latin typeface="メイリオ" pitchFamily="50" charset="-128"/>
               <a:ea typeface="メイリオ" pitchFamily="50" charset="-128"/>
               <a:cs typeface="メイリオ" pitchFamily="50" charset="-128"/>
@@ -11530,177 +13641,45 @@
           </a:p>
           <a:p>
             <a:r>
-              <a:rPr lang="ja-JP" altLang="en-US" sz="2800" dirty="0" smtClean="0">
-                <a:latin typeface="メイリオ" pitchFamily="50" charset="-128"/>
-                <a:ea typeface="メイリオ" pitchFamily="50" charset="-128"/>
-                <a:cs typeface="メイリオ" pitchFamily="50" charset="-128"/>
-              </a:rPr>
-              <a:t>一回当たりの実行時間はたいしたことないが、約 </a:t>
-            </a:r>
-            <a:r>
-              <a:rPr lang="en-US" altLang="ja-JP" sz="2800" dirty="0" smtClean="0">
-                <a:latin typeface="メイリオ" pitchFamily="50" charset="-128"/>
-                <a:ea typeface="メイリオ" pitchFamily="50" charset="-128"/>
-                <a:cs typeface="メイリオ" pitchFamily="50" charset="-128"/>
-              </a:rPr>
-              <a:t>10 </a:t>
-            </a:r>
-            <a:r>
-              <a:rPr lang="ja-JP" altLang="en-US" sz="2800" dirty="0" smtClean="0">
-                <a:latin typeface="メイリオ" pitchFamily="50" charset="-128"/>
-                <a:ea typeface="メイリオ" pitchFamily="50" charset="-128"/>
-                <a:cs typeface="メイリオ" pitchFamily="50" charset="-128"/>
-              </a:rPr>
-              <a:t>万</a:t>
-            </a:r>
-            <a:r>
-              <a:rPr lang="ja-JP" altLang="en-US" sz="2800" dirty="0" smtClean="0">
-                <a:latin typeface="メイリオ" pitchFamily="50" charset="-128"/>
-                <a:ea typeface="メイリオ" pitchFamily="50" charset="-128"/>
-                <a:cs typeface="メイリオ" pitchFamily="50" charset="-128"/>
-              </a:rPr>
-              <a:t>回呼ばれて</a:t>
-            </a:r>
-            <a:r>
-              <a:rPr lang="ja-JP" altLang="en-US" sz="2800" dirty="0" smtClean="0">
-                <a:latin typeface="メイリオ" pitchFamily="50" charset="-128"/>
-                <a:ea typeface="メイリオ" pitchFamily="50" charset="-128"/>
-                <a:cs typeface="メイリオ" pitchFamily="50" charset="-128"/>
-              </a:rPr>
-              <a:t>いる</a:t>
-            </a:r>
-            <a:endParaRPr lang="en-US" altLang="ja-JP" sz="2800" dirty="0" smtClean="0">
+              <a:rPr lang="ja-JP" altLang="en-US" dirty="0" smtClean="0">
+                <a:latin typeface="メイリオ" pitchFamily="50" charset="-128"/>
+                <a:ea typeface="メイリオ" pitchFamily="50" charset="-128"/>
+                <a:cs typeface="メイリオ" pitchFamily="50" charset="-128"/>
+              </a:rPr>
+              <a:t>新しいプラグインが出たらどうするの</a:t>
+            </a:r>
+            <a:r>
+              <a:rPr lang="en-US" altLang="ja-JP" dirty="0" smtClean="0">
+                <a:latin typeface="メイリオ" pitchFamily="50" charset="-128"/>
+                <a:ea typeface="メイリオ" pitchFamily="50" charset="-128"/>
+                <a:cs typeface="メイリオ" pitchFamily="50" charset="-128"/>
+              </a:rPr>
+              <a:t>?</a:t>
+            </a:r>
+          </a:p>
+          <a:p>
+            <a:r>
+              <a:rPr lang="ja-JP" altLang="en-US" dirty="0" smtClean="0">
+                <a:latin typeface="メイリオ" pitchFamily="50" charset="-128"/>
+                <a:ea typeface="メイリオ" pitchFamily="50" charset="-128"/>
+                <a:cs typeface="メイリオ" pitchFamily="50" charset="-128"/>
+              </a:rPr>
+              <a:t>バグ</a:t>
+            </a:r>
+            <a:r>
+              <a:rPr lang="ja-JP" altLang="en-US" dirty="0" smtClean="0">
+                <a:latin typeface="メイリオ" pitchFamily="50" charset="-128"/>
+                <a:ea typeface="メイリオ" pitchFamily="50" charset="-128"/>
+                <a:cs typeface="メイリオ" pitchFamily="50" charset="-128"/>
+              </a:rPr>
+              <a:t>を踏んだら例外処理しないと</a:t>
+            </a:r>
+            <a:endParaRPr lang="en-US" altLang="ja-JP" dirty="0" smtClean="0">
               <a:latin typeface="メイリオ" pitchFamily="50" charset="-128"/>
               <a:ea typeface="メイリオ" pitchFamily="50" charset="-128"/>
               <a:cs typeface="メイリオ" pitchFamily="50" charset="-128"/>
             </a:endParaRPr>
           </a:p>
-          <a:p>
-            <a:r>
-              <a:rPr lang="en-US" altLang="ja-JP" sz="2800" dirty="0" err="1" smtClean="0">
-                <a:latin typeface="メイリオ" pitchFamily="50" charset="-128"/>
-                <a:ea typeface="メイリオ" pitchFamily="50" charset="-128"/>
-                <a:cs typeface="メイリオ" pitchFamily="50" charset="-128"/>
-              </a:rPr>
-              <a:t>getInfo</a:t>
-            </a:r>
-            <a:r>
-              <a:rPr lang="en-US" altLang="ja-JP" sz="2800" dirty="0" smtClean="0">
-                <a:latin typeface="メイリオ" pitchFamily="50" charset="-128"/>
-                <a:ea typeface="メイリオ" pitchFamily="50" charset="-128"/>
-                <a:cs typeface="メイリオ" pitchFamily="50" charset="-128"/>
-              </a:rPr>
-              <a:t>() </a:t>
-            </a:r>
-            <a:r>
-              <a:rPr lang="ja-JP" altLang="en-US" sz="2800" dirty="0" smtClean="0">
-                <a:latin typeface="メイリオ" pitchFamily="50" charset="-128"/>
-                <a:ea typeface="メイリオ" pitchFamily="50" charset="-128"/>
-                <a:cs typeface="メイリオ" pitchFamily="50" charset="-128"/>
-              </a:rPr>
-              <a:t>の呼び出しを</a:t>
-            </a:r>
-            <a:r>
-              <a:rPr lang="en-US" altLang="ja-JP" sz="2800" dirty="0" smtClean="0">
-                <a:latin typeface="メイリオ" pitchFamily="50" charset="-128"/>
-                <a:ea typeface="メイリオ" pitchFamily="50" charset="-128"/>
-                <a:cs typeface="メイリオ" pitchFamily="50" charset="-128"/>
-              </a:rPr>
-              <a:t>1/10 </a:t>
-            </a:r>
-            <a:r>
-              <a:rPr lang="ja-JP" altLang="en-US" sz="2800" dirty="0" smtClean="0">
-                <a:latin typeface="メイリオ" pitchFamily="50" charset="-128"/>
-                <a:ea typeface="メイリオ" pitchFamily="50" charset="-128"/>
-                <a:cs typeface="メイリオ" pitchFamily="50" charset="-128"/>
-              </a:rPr>
-              <a:t>に減らすことができればこの部分は </a:t>
-            </a:r>
-            <a:r>
-              <a:rPr lang="en-US" altLang="ja-JP" sz="2800" dirty="0" smtClean="0">
-                <a:latin typeface="メイリオ" pitchFamily="50" charset="-128"/>
-                <a:ea typeface="メイリオ" pitchFamily="50" charset="-128"/>
-                <a:cs typeface="メイリオ" pitchFamily="50" charset="-128"/>
-              </a:rPr>
-              <a:t>2.2 </a:t>
-            </a:r>
-            <a:r>
-              <a:rPr lang="ja-JP" altLang="en-US" sz="2800" dirty="0" smtClean="0">
-                <a:latin typeface="メイリオ" pitchFamily="50" charset="-128"/>
-                <a:ea typeface="メイリオ" pitchFamily="50" charset="-128"/>
-                <a:cs typeface="メイリオ" pitchFamily="50" charset="-128"/>
-              </a:rPr>
-              <a:t>秒となる</a:t>
-            </a:r>
-            <a:endParaRPr lang="en-US" altLang="ja-JP" sz="2800" dirty="0" smtClean="0">
-              <a:latin typeface="メイリオ" pitchFamily="50" charset="-128"/>
-              <a:ea typeface="メイリオ" pitchFamily="50" charset="-128"/>
-              <a:cs typeface="メイリオ" pitchFamily="50" charset="-128"/>
-            </a:endParaRPr>
-          </a:p>
-          <a:p>
-            <a:r>
-              <a:rPr lang="ja-JP" altLang="en-US" sz="2800" dirty="0" smtClean="0">
-                <a:latin typeface="メイリオ" pitchFamily="50" charset="-128"/>
-                <a:ea typeface="メイリオ" pitchFamily="50" charset="-128"/>
-                <a:cs typeface="メイリオ" pitchFamily="50" charset="-128"/>
-              </a:rPr>
-              <a:t>全体では </a:t>
-            </a:r>
-            <a:r>
-              <a:rPr lang="en-US" altLang="ja-JP" sz="2800" dirty="0" smtClean="0">
-                <a:latin typeface="メイリオ" pitchFamily="50" charset="-128"/>
-                <a:ea typeface="メイリオ" pitchFamily="50" charset="-128"/>
-                <a:cs typeface="メイリオ" pitchFamily="50" charset="-128"/>
-              </a:rPr>
-              <a:t>28 </a:t>
-            </a:r>
-            <a:r>
-              <a:rPr lang="ja-JP" altLang="en-US" sz="2800" dirty="0" smtClean="0">
-                <a:latin typeface="メイリオ" pitchFamily="50" charset="-128"/>
-                <a:ea typeface="メイリオ" pitchFamily="50" charset="-128"/>
-                <a:cs typeface="メイリオ" pitchFamily="50" charset="-128"/>
-              </a:rPr>
-              <a:t>秒→ </a:t>
-            </a:r>
-            <a:r>
-              <a:rPr lang="en-US" altLang="ja-JP" sz="2800" dirty="0" smtClean="0">
-                <a:latin typeface="メイリオ" pitchFamily="50" charset="-128"/>
-                <a:ea typeface="メイリオ" pitchFamily="50" charset="-128"/>
-                <a:cs typeface="メイリオ" pitchFamily="50" charset="-128"/>
-              </a:rPr>
-              <a:t>8.8</a:t>
-            </a:r>
-            <a:r>
-              <a:rPr lang="ja-JP" altLang="en-US" sz="2800" dirty="0" smtClean="0">
-                <a:latin typeface="メイリオ" pitchFamily="50" charset="-128"/>
-                <a:ea typeface="メイリオ" pitchFamily="50" charset="-128"/>
-                <a:cs typeface="メイリオ" pitchFamily="50" charset="-128"/>
-              </a:rPr>
-              <a:t>秒と、</a:t>
-            </a:r>
-            <a:r>
-              <a:rPr lang="en-US" altLang="ja-JP" sz="2800" dirty="0" smtClean="0">
-                <a:latin typeface="メイリオ" pitchFamily="50" charset="-128"/>
-                <a:ea typeface="メイリオ" pitchFamily="50" charset="-128"/>
-                <a:cs typeface="メイリオ" pitchFamily="50" charset="-128"/>
-              </a:rPr>
-              <a:t>70% </a:t>
-            </a:r>
-            <a:r>
-              <a:rPr lang="ja-JP" altLang="en-US" sz="2800" dirty="0" smtClean="0">
-                <a:latin typeface="メイリオ" pitchFamily="50" charset="-128"/>
-                <a:ea typeface="メイリオ" pitchFamily="50" charset="-128"/>
-                <a:cs typeface="メイリオ" pitchFamily="50" charset="-128"/>
-              </a:rPr>
-              <a:t>程度の高速化</a:t>
-            </a:r>
-            <a:endParaRPr lang="en-US" altLang="ja-JP" sz="2800" dirty="0" smtClean="0">
-              <a:latin typeface="メイリオ" pitchFamily="50" charset="-128"/>
-              <a:ea typeface="メイリオ" pitchFamily="50" charset="-128"/>
-              <a:cs typeface="メイリオ" pitchFamily="50" charset="-128"/>
-            </a:endParaRPr>
-          </a:p>
         </p:txBody>
       </p:sp>
       <p:sp>
@@ -11730,7 +13709,7 @@
               <a:pPr>
                 <a:defRPr/>
               </a:pPr>
-              <a:t>2014/08/16</a:t>
+              <a:t>2014/08/17</a:t>
             </a:fld>
             <a:endParaRPr lang="ja-JP" altLang="en-US" dirty="0">
               <a:latin typeface="メイリオ" pitchFamily="50" charset="-128"/>
@@ -11832,7 +13811,7 @@
                 <a:ea typeface="メイリオ" pitchFamily="50" charset="-128"/>
                 <a:cs typeface="メイリオ" pitchFamily="50" charset="-128"/>
               </a:rPr>
-              <a:t>修正前後で比較する</a:t>
+              <a:t>共通のインターフェースを定義</a:t>
             </a:r>
             <a:endParaRPr kumimoji="1" lang="ja-JP" altLang="en-US" sz="4000" dirty="0">
               <a:solidFill>
@@ -11855,25 +13834,20 @@
             <p:ph idx="1"/>
           </p:nvPr>
         </p:nvSpPr>
-        <p:spPr>
-          <a:xfrm>
-            <a:off x="457200" y="857239"/>
-            <a:ext cx="8229600" cy="3680236"/>
-          </a:xfrm>
-        </p:spPr>
+        <p:spPr/>
         <p:txBody>
           <a:bodyPr/>
           <a:lstStyle/>
           <a:p>
             <a:r>
-              <a:rPr lang="ja-JP" altLang="en-US" sz="2800" dirty="0" smtClean="0">
-                <a:latin typeface="メイリオ" pitchFamily="50" charset="-128"/>
-                <a:ea typeface="メイリオ" pitchFamily="50" charset="-128"/>
-                <a:cs typeface="メイリオ" pitchFamily="50" charset="-128"/>
-              </a:rPr>
-              <a:t>修正後もきちんとプロファイリングをおこなう</a:t>
-            </a:r>
-            <a:endParaRPr lang="en-US" altLang="ja-JP" sz="2800" dirty="0" smtClean="0">
+              <a:rPr kumimoji="1" lang="ja-JP" altLang="en-US" dirty="0" smtClean="0">
+                <a:latin typeface="メイリオ" pitchFamily="50" charset="-128"/>
+                <a:ea typeface="メイリオ" pitchFamily="50" charset="-128"/>
+                <a:cs typeface="メイリオ" pitchFamily="50" charset="-128"/>
+              </a:rPr>
+              <a:t>対象毎にクラス化</a:t>
+            </a:r>
+            <a:endParaRPr kumimoji="1" lang="en-US" altLang="ja-JP" dirty="0" smtClean="0">
               <a:latin typeface="メイリオ" pitchFamily="50" charset="-128"/>
               <a:ea typeface="メイリオ" pitchFamily="50" charset="-128"/>
               <a:cs typeface="メイリオ" pitchFamily="50" charset="-128"/>
@@ -11881,14 +13855,14 @@
           </a:p>
           <a:p>
             <a:r>
-              <a:rPr lang="ja-JP" altLang="en-US" sz="2800" dirty="0" smtClean="0">
-                <a:latin typeface="メイリオ" pitchFamily="50" charset="-128"/>
-                <a:ea typeface="メイリオ" pitchFamily="50" charset="-128"/>
-                <a:cs typeface="メイリオ" pitchFamily="50" charset="-128"/>
-              </a:rPr>
-              <a:t>効果が出ていれば成功</a:t>
-            </a:r>
-            <a:endParaRPr lang="en-US" altLang="ja-JP" sz="2800" dirty="0" smtClean="0">
+              <a:rPr kumimoji="1" lang="ja-JP" altLang="en-US" dirty="0" smtClean="0">
+                <a:latin typeface="メイリオ" pitchFamily="50" charset="-128"/>
+                <a:ea typeface="メイリオ" pitchFamily="50" charset="-128"/>
+                <a:cs typeface="メイリオ" pitchFamily="50" charset="-128"/>
+              </a:rPr>
+              <a:t>外のプログラムからは共通のインターフェース</a:t>
+            </a:r>
+            <a:endParaRPr kumimoji="1" lang="en-US" altLang="ja-JP" dirty="0" smtClean="0">
               <a:latin typeface="メイリオ" pitchFamily="50" charset="-128"/>
               <a:ea typeface="メイリオ" pitchFamily="50" charset="-128"/>
               <a:cs typeface="メイリオ" pitchFamily="50" charset="-128"/>
@@ -11896,62 +13870,22 @@
           </a:p>
           <a:p>
             <a:r>
-              <a:rPr lang="ja-JP" altLang="en-US" sz="2800" dirty="0" smtClean="0">
-                <a:latin typeface="メイリオ" pitchFamily="50" charset="-128"/>
-                <a:ea typeface="メイリオ" pitchFamily="50" charset="-128"/>
-                <a:cs typeface="メイリオ" pitchFamily="50" charset="-128"/>
-              </a:rPr>
-              <a:t>ユーザーに対しても</a:t>
-            </a:r>
-            <a:r>
-              <a:rPr lang="en-US" altLang="ja-JP" sz="2800" dirty="0" smtClean="0">
-                <a:latin typeface="メイリオ" pitchFamily="50" charset="-128"/>
-                <a:ea typeface="メイリオ" pitchFamily="50" charset="-128"/>
-                <a:cs typeface="メイリオ" pitchFamily="50" charset="-128"/>
-              </a:rPr>
-              <a:t>”XX</a:t>
-            </a:r>
-            <a:r>
-              <a:rPr lang="ja-JP" altLang="en-US" sz="2800" dirty="0" smtClean="0">
-                <a:latin typeface="メイリオ" pitchFamily="50" charset="-128"/>
-                <a:ea typeface="メイリオ" pitchFamily="50" charset="-128"/>
-                <a:cs typeface="メイリオ" pitchFamily="50" charset="-128"/>
-              </a:rPr>
-              <a:t>倍速くなりましたよ</a:t>
-            </a:r>
-            <a:r>
-              <a:rPr lang="en-US" altLang="ja-JP" sz="2800" dirty="0" smtClean="0">
-                <a:latin typeface="メイリオ" pitchFamily="50" charset="-128"/>
-                <a:ea typeface="メイリオ" pitchFamily="50" charset="-128"/>
-                <a:cs typeface="メイリオ" pitchFamily="50" charset="-128"/>
-              </a:rPr>
-              <a:t>(</a:t>
-            </a:r>
-            <a:r>
-              <a:rPr lang="ja-JP" altLang="en-US" sz="2800" dirty="0" smtClean="0">
-                <a:latin typeface="メイリオ" pitchFamily="50" charset="-128"/>
-                <a:ea typeface="メイリオ" pitchFamily="50" charset="-128"/>
-                <a:cs typeface="メイリオ" pitchFamily="50" charset="-128"/>
-              </a:rPr>
-              <a:t>ﾄﾞﾔｧ</a:t>
-            </a:r>
-            <a:r>
-              <a:rPr lang="en-US" altLang="ja-JP" sz="2800" dirty="0" smtClean="0">
-                <a:latin typeface="メイリオ" pitchFamily="50" charset="-128"/>
-                <a:ea typeface="メイリオ" pitchFamily="50" charset="-128"/>
-                <a:cs typeface="メイリオ" pitchFamily="50" charset="-128"/>
-              </a:rPr>
-              <a:t>)”</a:t>
-            </a:r>
-            <a:r>
-              <a:rPr lang="ja-JP" altLang="en-US" sz="2800" dirty="0" smtClean="0">
-                <a:latin typeface="メイリオ" pitchFamily="50" charset="-128"/>
-                <a:ea typeface="メイリオ" pitchFamily="50" charset="-128"/>
-                <a:cs typeface="メイリオ" pitchFamily="50" charset="-128"/>
-              </a:rPr>
-              <a:t>と言える</a:t>
-            </a:r>
-            <a:endParaRPr lang="en-US" altLang="ja-JP" sz="2800" dirty="0" smtClean="0">
+              <a:rPr lang="ja-JP" altLang="en-US" dirty="0" smtClean="0">
+                <a:latin typeface="メイリオ" pitchFamily="50" charset="-128"/>
+                <a:ea typeface="メイリオ" pitchFamily="50" charset="-128"/>
+                <a:cs typeface="メイリオ" pitchFamily="50" charset="-128"/>
+              </a:rPr>
+              <a:t>内部</a:t>
+            </a:r>
+            <a:r>
+              <a:rPr lang="ja-JP" altLang="en-US" dirty="0" smtClean="0">
+                <a:latin typeface="メイリオ" pitchFamily="50" charset="-128"/>
+                <a:ea typeface="メイリオ" pitchFamily="50" charset="-128"/>
+                <a:cs typeface="メイリオ" pitchFamily="50" charset="-128"/>
+              </a:rPr>
+              <a:t>の処理を対象毎に実装する</a:t>
+            </a:r>
+            <a:endParaRPr lang="en-US" altLang="ja-JP" dirty="0" smtClean="0">
               <a:latin typeface="メイリオ" pitchFamily="50" charset="-128"/>
               <a:ea typeface="メイリオ" pitchFamily="50" charset="-128"/>
               <a:cs typeface="メイリオ" pitchFamily="50" charset="-128"/>
@@ -11959,66 +13893,27 @@
           </a:p>
           <a:p>
             <a:r>
-              <a:rPr lang="ja-JP" altLang="en-US" sz="2800" dirty="0" smtClean="0">
-                <a:latin typeface="メイリオ" pitchFamily="50" charset="-128"/>
-                <a:ea typeface="メイリオ" pitchFamily="50" charset="-128"/>
-                <a:cs typeface="メイリオ" pitchFamily="50" charset="-128"/>
-              </a:rPr>
-              <a:t>効果が出ていなかったら単なるおまじないを唱えただけなので失敗</a:t>
-            </a:r>
-            <a:endParaRPr lang="en-US" altLang="ja-JP" sz="2800" dirty="0" smtClean="0">
+              <a:rPr kumimoji="1" lang="ja-JP" altLang="en-US" dirty="0" smtClean="0">
+                <a:latin typeface="メイリオ" pitchFamily="50" charset="-128"/>
+                <a:ea typeface="メイリオ" pitchFamily="50" charset="-128"/>
+                <a:cs typeface="メイリオ" pitchFamily="50" charset="-128"/>
+              </a:rPr>
+              <a:t>対象</a:t>
+            </a:r>
+            <a:r>
+              <a:rPr kumimoji="1" lang="ja-JP" altLang="en-US" dirty="0" smtClean="0">
+                <a:latin typeface="メイリオ" pitchFamily="50" charset="-128"/>
+                <a:ea typeface="メイリオ" pitchFamily="50" charset="-128"/>
+                <a:cs typeface="メイリオ" pitchFamily="50" charset="-128"/>
+              </a:rPr>
+              <a:t>が増えたらクラスを増やすだけ</a:t>
+            </a:r>
+            <a:endParaRPr kumimoji="1" lang="ja-JP" altLang="en-US" dirty="0">
               <a:latin typeface="メイリオ" pitchFamily="50" charset="-128"/>
               <a:ea typeface="メイリオ" pitchFamily="50" charset="-128"/>
               <a:cs typeface="メイリオ" pitchFamily="50" charset="-128"/>
             </a:endParaRPr>
           </a:p>
-          <a:p>
-            <a:r>
-              <a:rPr lang="ja-JP" altLang="en-US" sz="2800" dirty="0" smtClean="0">
-                <a:latin typeface="メイリオ" pitchFamily="50" charset="-128"/>
-                <a:ea typeface="メイリオ" pitchFamily="50" charset="-128"/>
-                <a:cs typeface="メイリオ" pitchFamily="50" charset="-128"/>
-              </a:rPr>
-              <a:t>経験上、</a:t>
-            </a:r>
-            <a:r>
-              <a:rPr lang="en-US" altLang="ja-JP" sz="2800" dirty="0" smtClean="0">
-                <a:latin typeface="メイリオ" pitchFamily="50" charset="-128"/>
-                <a:ea typeface="メイリオ" pitchFamily="50" charset="-128"/>
-                <a:cs typeface="メイリオ" pitchFamily="50" charset="-128"/>
-              </a:rPr>
-              <a:t>10</a:t>
-            </a:r>
-            <a:r>
-              <a:rPr lang="ja-JP" altLang="en-US" sz="2800" dirty="0" smtClean="0">
-                <a:latin typeface="メイリオ" pitchFamily="50" charset="-128"/>
-                <a:ea typeface="メイリオ" pitchFamily="50" charset="-128"/>
-                <a:cs typeface="メイリオ" pitchFamily="50" charset="-128"/>
-              </a:rPr>
-              <a:t>倍くらい</a:t>
-            </a:r>
-            <a:r>
-              <a:rPr lang="ja-JP" altLang="en-US" sz="2800" dirty="0" smtClean="0">
-                <a:latin typeface="メイリオ" pitchFamily="50" charset="-128"/>
-                <a:ea typeface="メイリオ" pitchFamily="50" charset="-128"/>
-                <a:cs typeface="メイリオ" pitchFamily="50" charset="-128"/>
-              </a:rPr>
-              <a:t>は簡単に速く</a:t>
-            </a:r>
-            <a:r>
-              <a:rPr lang="ja-JP" altLang="en-US" sz="2800" dirty="0" smtClean="0">
-                <a:latin typeface="メイリオ" pitchFamily="50" charset="-128"/>
-                <a:ea typeface="メイリオ" pitchFamily="50" charset="-128"/>
-                <a:cs typeface="メイリオ" pitchFamily="50" charset="-128"/>
-              </a:rPr>
-              <a:t>なる</a:t>
-            </a:r>
-            <a:endParaRPr lang="en-US" altLang="ja-JP" sz="2800" dirty="0" smtClean="0">
-              <a:latin typeface="メイリオ" pitchFamily="50" charset="-128"/>
-              <a:ea typeface="メイリオ" pitchFamily="50" charset="-128"/>
-              <a:cs typeface="メイリオ" pitchFamily="50" charset="-128"/>
-            </a:endParaRPr>
-          </a:p>
         </p:txBody>
       </p:sp>
       <p:sp>
@@ -12048,7 +13943,7 @@
               <a:pPr>
                 <a:defRPr/>
               </a:pPr>
-              <a:t>2014/08/16</a:t>
+              <a:t>2014/08/17</a:t>
             </a:fld>
             <a:endParaRPr lang="ja-JP" altLang="en-US" dirty="0">
               <a:latin typeface="メイリオ" pitchFamily="50" charset="-128"/>
@@ -12127,140 +14022,31 @@
       </p:grpSpPr>
       <p:sp>
         <p:nvSpPr>
-          <p:cNvPr id="2" name="タイトル 1"/>
-          <p:cNvSpPr>
-            <a:spLocks noGrp="1"/>
-          </p:cNvSpPr>
-          <p:nvPr>
-            <p:ph type="title"/>
+          <p:cNvPr id="3" name="コンテンツ プレースホルダー 2"/>
+          <p:cNvSpPr>
+            <a:spLocks noGrp="1"/>
+          </p:cNvSpPr>
+          <p:nvPr>
+            <p:ph idx="1"/>
           </p:nvPr>
         </p:nvSpPr>
         <p:spPr/>
         <p:txBody>
-          <a:bodyPr/>
+          <a:bodyPr anchor="ctr"/>
           <a:lstStyle/>
           <a:p>
-            <a:pPr algn="ctr"/>
-            <a:r>
-              <a:rPr lang="ja-JP" altLang="en-US" sz="4000" dirty="0" smtClean="0">
-                <a:solidFill>
-                  <a:schemeClr val="tx1"/>
-                </a:solidFill>
-                <a:latin typeface="メイリオ" pitchFamily="50" charset="-128"/>
-                <a:ea typeface="メイリオ" pitchFamily="50" charset="-128"/>
-                <a:cs typeface="メイリオ" pitchFamily="50" charset="-128"/>
-              </a:rPr>
-              <a:t>ボトルネックの傾向</a:t>
-            </a:r>
-            <a:endParaRPr kumimoji="1" lang="ja-JP" altLang="en-US" sz="4000" dirty="0">
-              <a:solidFill>
-                <a:schemeClr val="tx1"/>
-              </a:solidFill>
-              <a:latin typeface="メイリオ" pitchFamily="50" charset="-128"/>
-              <a:ea typeface="メイリオ" pitchFamily="50" charset="-128"/>
-              <a:cs typeface="メイリオ" pitchFamily="50" charset="-128"/>
-            </a:endParaRPr>
-          </a:p>
-        </p:txBody>
-      </p:sp>
-      <p:sp>
-        <p:nvSpPr>
-          <p:cNvPr id="3" name="コンテンツ プレースホルダー 2"/>
-          <p:cNvSpPr>
-            <a:spLocks noGrp="1"/>
-          </p:cNvSpPr>
-          <p:nvPr>
-            <p:ph idx="1"/>
-          </p:nvPr>
-        </p:nvSpPr>
-        <p:spPr>
-          <a:xfrm>
-            <a:off x="457200" y="857239"/>
-            <a:ext cx="8229600" cy="3680236"/>
-          </a:xfrm>
-        </p:spPr>
-        <p:txBody>
-          <a:bodyPr/>
-          <a:lstStyle/>
-          <a:p>
-            <a:r>
-              <a:rPr lang="ja-JP" altLang="en-US" sz="2800" dirty="0" smtClean="0">
-                <a:latin typeface="メイリオ" pitchFamily="50" charset="-128"/>
-                <a:ea typeface="メイリオ" pitchFamily="50" charset="-128"/>
-                <a:cs typeface="メイリオ" pitchFamily="50" charset="-128"/>
-              </a:rPr>
-              <a:t>大抵の場合、ボトルネックになっている場所は以下の傾向が</a:t>
-            </a:r>
-            <a:r>
-              <a:rPr lang="ja-JP" altLang="en-US" sz="2800" dirty="0" smtClean="0">
-                <a:latin typeface="メイリオ" pitchFamily="50" charset="-128"/>
-                <a:ea typeface="メイリオ" pitchFamily="50" charset="-128"/>
-                <a:cs typeface="メイリオ" pitchFamily="50" charset="-128"/>
-              </a:rPr>
-              <a:t>ある</a:t>
-            </a:r>
-            <a:endParaRPr lang="ja-JP" altLang="en-US" sz="2800" dirty="0" smtClean="0">
-              <a:latin typeface="メイリオ" pitchFamily="50" charset="-128"/>
-              <a:ea typeface="メイリオ" pitchFamily="50" charset="-128"/>
-              <a:cs typeface="メイリオ" pitchFamily="50" charset="-128"/>
-            </a:endParaRPr>
-          </a:p>
-          <a:p>
-            <a:pPr lvl="1"/>
-            <a:r>
-              <a:rPr lang="ja-JP" altLang="en-US" sz="2400" dirty="0" smtClean="0">
-                <a:latin typeface="メイリオ" pitchFamily="50" charset="-128"/>
-                <a:ea typeface="メイリオ" pitchFamily="50" charset="-128"/>
-                <a:cs typeface="メイリオ" pitchFamily="50" charset="-128"/>
-              </a:rPr>
-              <a:t>一回</a:t>
-            </a:r>
-            <a:r>
-              <a:rPr lang="ja-JP" altLang="en-US" sz="2400" dirty="0" smtClean="0">
-                <a:latin typeface="メイリオ" pitchFamily="50" charset="-128"/>
-                <a:ea typeface="メイリオ" pitchFamily="50" charset="-128"/>
-                <a:cs typeface="メイリオ" pitchFamily="50" charset="-128"/>
-              </a:rPr>
-              <a:t>の呼び出しに時間がかかっている</a:t>
-            </a:r>
-          </a:p>
-          <a:p>
-            <a:pPr lvl="1"/>
-            <a:r>
-              <a:rPr lang="ja-JP" altLang="en-US" sz="2400" dirty="0" smtClean="0">
-                <a:latin typeface="メイリオ" pitchFamily="50" charset="-128"/>
-                <a:ea typeface="メイリオ" pitchFamily="50" charset="-128"/>
-                <a:cs typeface="メイリオ" pitchFamily="50" charset="-128"/>
-              </a:rPr>
-              <a:t>一回</a:t>
-            </a:r>
-            <a:r>
-              <a:rPr lang="ja-JP" altLang="en-US" sz="2400" dirty="0" smtClean="0">
-                <a:latin typeface="メイリオ" pitchFamily="50" charset="-128"/>
-                <a:ea typeface="メイリオ" pitchFamily="50" charset="-128"/>
-                <a:cs typeface="メイリオ" pitchFamily="50" charset="-128"/>
-              </a:rPr>
-              <a:t>の呼び出しは大したコストではないが、大量に呼び出されている </a:t>
-            </a:r>
-          </a:p>
-          <a:p>
-            <a:r>
-              <a:rPr lang="ja-JP" altLang="en-US" sz="2800" dirty="0" smtClean="0">
-                <a:latin typeface="メイリオ" pitchFamily="50" charset="-128"/>
-                <a:ea typeface="メイリオ" pitchFamily="50" charset="-128"/>
-                <a:cs typeface="メイリオ" pitchFamily="50" charset="-128"/>
-              </a:rPr>
-              <a:t>こういった部分を見つけて、優先的に最適化を行っていくことが</a:t>
-            </a:r>
-            <a:r>
-              <a:rPr lang="ja-JP" altLang="en-US" sz="2800" dirty="0" smtClean="0">
-                <a:latin typeface="メイリオ" pitchFamily="50" charset="-128"/>
-                <a:ea typeface="メイリオ" pitchFamily="50" charset="-128"/>
-                <a:cs typeface="メイリオ" pitchFamily="50" charset="-128"/>
-              </a:rPr>
-              <a:t>大事</a:t>
-            </a:r>
-            <a:endParaRPr lang="en-US" altLang="ja-JP" sz="2800" dirty="0" smtClean="0">
+            <a:pPr algn="ctr">
+              <a:buNone/>
+            </a:pPr>
+            <a:r>
+              <a:rPr kumimoji="1" lang="ja-JP" altLang="en-US" sz="4800" dirty="0" smtClean="0">
+                <a:latin typeface="メイリオ" pitchFamily="50" charset="-128"/>
+                <a:ea typeface="メイリオ" pitchFamily="50" charset="-128"/>
+                <a:cs typeface="メイリオ" pitchFamily="50" charset="-128"/>
+              </a:rPr>
+              <a:t>処理の最適化</a:t>
+            </a:r>
+            <a:endParaRPr kumimoji="1" lang="ja-JP" altLang="en-US" sz="4800" dirty="0">
               <a:latin typeface="メイリオ" pitchFamily="50" charset="-128"/>
               <a:ea typeface="メイリオ" pitchFamily="50" charset="-128"/>
               <a:cs typeface="メイリオ" pitchFamily="50" charset="-128"/>

--- a/chiyama/2014cedec_chiyama.pptx
+++ b/chiyama/2014cedec_chiyama.pptx
@@ -11138,8 +11138,53 @@
                 <a:ea typeface="メイリオ" pitchFamily="50" charset="-128"/>
                 <a:cs typeface="メイリオ" pitchFamily="50" charset="-128"/>
               </a:rPr>
-              <a:t>の呼び出しは大したコストではないが、大量に呼び出されている </a:t>
-            </a:r>
+              <a:t>の呼び出しは大したコストではないが、大量に呼び出されて</a:t>
+            </a:r>
+            <a:r>
+              <a:rPr lang="ja-JP" altLang="en-US" sz="2400" dirty="0" smtClean="0">
+                <a:latin typeface="メイリオ" pitchFamily="50" charset="-128"/>
+                <a:ea typeface="メイリオ" pitchFamily="50" charset="-128"/>
+                <a:cs typeface="メイリオ" pitchFamily="50" charset="-128"/>
+              </a:rPr>
+              <a:t>いる</a:t>
+            </a:r>
+            <a:endParaRPr lang="en-US" altLang="ja-JP" sz="2400" dirty="0" smtClean="0">
+              <a:latin typeface="メイリオ" pitchFamily="50" charset="-128"/>
+              <a:ea typeface="メイリオ" pitchFamily="50" charset="-128"/>
+              <a:cs typeface="メイリオ" pitchFamily="50" charset="-128"/>
+            </a:endParaRPr>
+          </a:p>
+          <a:p>
+            <a:pPr lvl="1"/>
+            <a:r>
+              <a:rPr lang="ja-JP" altLang="en-US" sz="2400" dirty="0" smtClean="0">
+                <a:latin typeface="メイリオ" pitchFamily="50" charset="-128"/>
+                <a:ea typeface="メイリオ" pitchFamily="50" charset="-128"/>
+                <a:cs typeface="メイリオ" pitchFamily="50" charset="-128"/>
+              </a:rPr>
+              <a:t>ディスク</a:t>
+            </a:r>
+            <a:r>
+              <a:rPr lang="ja-JP" altLang="en-US" sz="2400" dirty="0" smtClean="0">
+                <a:latin typeface="メイリオ" pitchFamily="50" charset="-128"/>
+                <a:ea typeface="メイリオ" pitchFamily="50" charset="-128"/>
+                <a:cs typeface="メイリオ" pitchFamily="50" charset="-128"/>
+              </a:rPr>
+              <a:t>やネットワークの </a:t>
+            </a:r>
+            <a:r>
+              <a:rPr lang="en-US" altLang="ja-JP" sz="2400" dirty="0" smtClean="0">
+                <a:latin typeface="メイリオ" pitchFamily="50" charset="-128"/>
+                <a:ea typeface="メイリオ" pitchFamily="50" charset="-128"/>
+                <a:cs typeface="メイリオ" pitchFamily="50" charset="-128"/>
+              </a:rPr>
+              <a:t>I/O</a:t>
+            </a:r>
+            <a:endParaRPr lang="ja-JP" altLang="en-US" sz="2400" dirty="0" smtClean="0">
+              <a:latin typeface="メイリオ" pitchFamily="50" charset="-128"/>
+              <a:ea typeface="メイリオ" pitchFamily="50" charset="-128"/>
+              <a:cs typeface="メイリオ" pitchFamily="50" charset="-128"/>
+            </a:endParaRPr>
           </a:p>
           <a:p>
             <a:r>
@@ -11310,223 +11355,6 @@
       </p:sp>
       <p:sp>
         <p:nvSpPr>
-          <p:cNvPr id="3" name="コンテンツ プレースホルダー 2"/>
-          <p:cNvSpPr>
-            <a:spLocks noGrp="1"/>
-          </p:cNvSpPr>
-          <p:nvPr>
-            <p:ph idx="1"/>
-          </p:nvPr>
-        </p:nvSpPr>
-        <p:spPr>
-          <a:xfrm>
-            <a:off x="457200" y="1891910"/>
-            <a:ext cx="8229600" cy="2751542"/>
-          </a:xfrm>
-        </p:spPr>
-        <p:txBody>
-          <a:bodyPr/>
-          <a:lstStyle/>
-          <a:p>
-            <a:r>
-              <a:rPr lang="ja-JP" altLang="en-US" sz="2400" dirty="0" smtClean="0">
-                <a:latin typeface="メイリオ" pitchFamily="50" charset="-128"/>
-                <a:ea typeface="メイリオ" pitchFamily="50" charset="-128"/>
-                <a:cs typeface="メイリオ" pitchFamily="50" charset="-128"/>
-              </a:rPr>
-              <a:t>テスト</a:t>
-            </a:r>
-            <a:r>
-              <a:rPr lang="ja-JP" altLang="en-US" sz="2400" dirty="0" smtClean="0">
-                <a:latin typeface="メイリオ" pitchFamily="50" charset="-128"/>
-                <a:ea typeface="メイリオ" pitchFamily="50" charset="-128"/>
-                <a:cs typeface="メイリオ" pitchFamily="50" charset="-128"/>
-              </a:rPr>
-              <a:t>を行った環境では </a:t>
-            </a:r>
-            <a:r>
-              <a:rPr lang="en-US" altLang="ja-JP" sz="2400" dirty="0" err="1" smtClean="0">
-                <a:latin typeface="メイリオ" pitchFamily="50" charset="-128"/>
-                <a:ea typeface="メイリオ" pitchFamily="50" charset="-128"/>
-                <a:cs typeface="メイリオ" pitchFamily="50" charset="-128"/>
-              </a:rPr>
-              <a:t>nt.stat</a:t>
-            </a:r>
-            <a:r>
-              <a:rPr lang="en-US" altLang="ja-JP" sz="2400" dirty="0" smtClean="0">
-                <a:latin typeface="メイリオ" pitchFamily="50" charset="-128"/>
-                <a:ea typeface="メイリオ" pitchFamily="50" charset="-128"/>
-                <a:cs typeface="メイリオ" pitchFamily="50" charset="-128"/>
-              </a:rPr>
-              <a:t> </a:t>
-            </a:r>
-            <a:r>
-              <a:rPr lang="ja-JP" altLang="en-US" sz="2400" dirty="0" smtClean="0">
-                <a:latin typeface="メイリオ" pitchFamily="50" charset="-128"/>
-                <a:ea typeface="メイリオ" pitchFamily="50" charset="-128"/>
-                <a:cs typeface="メイリオ" pitchFamily="50" charset="-128"/>
-              </a:rPr>
-              <a:t>の速度は十分に速くて大した時間を消費して</a:t>
-            </a:r>
-            <a:r>
-              <a:rPr lang="ja-JP" altLang="en-US" sz="2400" dirty="0" smtClean="0">
-                <a:latin typeface="メイリオ" pitchFamily="50" charset="-128"/>
-                <a:ea typeface="メイリオ" pitchFamily="50" charset="-128"/>
-                <a:cs typeface="メイリオ" pitchFamily="50" charset="-128"/>
-              </a:rPr>
-              <a:t>いない</a:t>
-            </a:r>
-            <a:endParaRPr lang="en-US" altLang="ja-JP" sz="2400" dirty="0" smtClean="0">
-              <a:latin typeface="メイリオ" pitchFamily="50" charset="-128"/>
-              <a:ea typeface="メイリオ" pitchFamily="50" charset="-128"/>
-              <a:cs typeface="メイリオ" pitchFamily="50" charset="-128"/>
-            </a:endParaRPr>
-          </a:p>
-          <a:p>
-            <a:r>
-              <a:rPr lang="en-US" altLang="ja-JP" sz="2400" dirty="0" err="1" smtClean="0">
-                <a:latin typeface="メイリオ" pitchFamily="50" charset="-128"/>
-                <a:ea typeface="メイリオ" pitchFamily="50" charset="-128"/>
-                <a:cs typeface="メイリオ" pitchFamily="50" charset="-128"/>
-              </a:rPr>
-              <a:t>nt.stat</a:t>
-            </a:r>
-            <a:r>
-              <a:rPr lang="en-US" altLang="ja-JP" sz="2400" dirty="0" smtClean="0">
-                <a:latin typeface="メイリオ" pitchFamily="50" charset="-128"/>
-                <a:ea typeface="メイリオ" pitchFamily="50" charset="-128"/>
-                <a:cs typeface="メイリオ" pitchFamily="50" charset="-128"/>
-              </a:rPr>
-              <a:t> </a:t>
-            </a:r>
-            <a:r>
-              <a:rPr lang="ja-JP" altLang="en-US" sz="2400" dirty="0" smtClean="0">
-                <a:latin typeface="メイリオ" pitchFamily="50" charset="-128"/>
-                <a:ea typeface="メイリオ" pitchFamily="50" charset="-128"/>
-                <a:cs typeface="メイリオ" pitchFamily="50" charset="-128"/>
-              </a:rPr>
-              <a:t>の一回あたりの呼び出し時間は </a:t>
-            </a:r>
-            <a:r>
-              <a:rPr lang="en-US" altLang="ja-JP" sz="2400" dirty="0" smtClean="0">
-                <a:latin typeface="メイリオ" pitchFamily="50" charset="-128"/>
-                <a:ea typeface="メイリオ" pitchFamily="50" charset="-128"/>
-                <a:cs typeface="メイリオ" pitchFamily="50" charset="-128"/>
-              </a:rPr>
-              <a:t>3ms</a:t>
-            </a:r>
-            <a:endParaRPr lang="ja-JP" altLang="en-US" sz="2400" dirty="0" smtClean="0">
-              <a:latin typeface="メイリオ" pitchFamily="50" charset="-128"/>
-              <a:ea typeface="メイリオ" pitchFamily="50" charset="-128"/>
-              <a:cs typeface="メイリオ" pitchFamily="50" charset="-128"/>
-            </a:endParaRPr>
-          </a:p>
-          <a:p>
-            <a:r>
-              <a:rPr lang="ja-JP" altLang="en-US" sz="2400" dirty="0" smtClean="0">
-                <a:latin typeface="メイリオ" pitchFamily="50" charset="-128"/>
-                <a:ea typeface="メイリオ" pitchFamily="50" charset="-128"/>
-                <a:cs typeface="メイリオ" pitchFamily="50" charset="-128"/>
-              </a:rPr>
-              <a:t>ネットワークドライブ</a:t>
-            </a:r>
-            <a:r>
-              <a:rPr lang="ja-JP" altLang="en-US" sz="2400" dirty="0" smtClean="0">
-                <a:latin typeface="メイリオ" pitchFamily="50" charset="-128"/>
-                <a:ea typeface="メイリオ" pitchFamily="50" charset="-128"/>
-                <a:cs typeface="メイリオ" pitchFamily="50" charset="-128"/>
-              </a:rPr>
-              <a:t>に対して</a:t>
-            </a:r>
-            <a:r>
-              <a:rPr lang="ja-JP" altLang="en-US" sz="2400" dirty="0" smtClean="0">
-                <a:latin typeface="メイリオ" pitchFamily="50" charset="-128"/>
-                <a:ea typeface="メイリオ" pitchFamily="50" charset="-128"/>
-                <a:cs typeface="メイリオ" pitchFamily="50" charset="-128"/>
-              </a:rPr>
-              <a:t>アクセスして呼び出し毎に </a:t>
-            </a:r>
-            <a:r>
-              <a:rPr lang="en-US" altLang="ja-JP" sz="2400" dirty="0" smtClean="0">
-                <a:latin typeface="メイリオ" pitchFamily="50" charset="-128"/>
-                <a:ea typeface="メイリオ" pitchFamily="50" charset="-128"/>
-                <a:cs typeface="メイリオ" pitchFamily="50" charset="-128"/>
-              </a:rPr>
-              <a:t>30ms </a:t>
-            </a:r>
-            <a:r>
-              <a:rPr lang="ja-JP" altLang="en-US" sz="2400" dirty="0" smtClean="0">
-                <a:latin typeface="メイリオ" pitchFamily="50" charset="-128"/>
-                <a:ea typeface="メイリオ" pitchFamily="50" charset="-128"/>
-                <a:cs typeface="メイリオ" pitchFamily="50" charset="-128"/>
-              </a:rPr>
-              <a:t>かかるとするとトータルで </a:t>
-            </a:r>
-            <a:r>
-              <a:rPr lang="en-US" altLang="ja-JP" sz="2400" dirty="0" smtClean="0">
-                <a:latin typeface="メイリオ" pitchFamily="50" charset="-128"/>
-                <a:ea typeface="メイリオ" pitchFamily="50" charset="-128"/>
-                <a:cs typeface="メイリオ" pitchFamily="50" charset="-128"/>
-              </a:rPr>
-              <a:t>24.6 </a:t>
-            </a:r>
-            <a:r>
-              <a:rPr lang="ja-JP" altLang="en-US" sz="2400" dirty="0" smtClean="0">
-                <a:latin typeface="メイリオ" pitchFamily="50" charset="-128"/>
-                <a:ea typeface="メイリオ" pitchFamily="50" charset="-128"/>
-                <a:cs typeface="メイリオ" pitchFamily="50" charset="-128"/>
-              </a:rPr>
-              <a:t>秒</a:t>
-            </a:r>
-            <a:r>
-              <a:rPr lang="ja-JP" altLang="en-US" sz="2400" dirty="0" smtClean="0">
-                <a:latin typeface="メイリオ" pitchFamily="50" charset="-128"/>
-                <a:ea typeface="メイリオ" pitchFamily="50" charset="-128"/>
-                <a:cs typeface="メイリオ" pitchFamily="50" charset="-128"/>
-              </a:rPr>
-              <a:t>かかる</a:t>
-            </a:r>
-            <a:endParaRPr lang="en-US" altLang="ja-JP" sz="2400" dirty="0" smtClean="0">
-              <a:latin typeface="メイリオ" pitchFamily="50" charset="-128"/>
-              <a:ea typeface="メイリオ" pitchFamily="50" charset="-128"/>
-              <a:cs typeface="メイリオ" pitchFamily="50" charset="-128"/>
-            </a:endParaRPr>
-          </a:p>
-          <a:p>
-            <a:r>
-              <a:rPr lang="ja-JP" altLang="en-US" sz="2400" dirty="0" smtClean="0">
-                <a:latin typeface="メイリオ" pitchFamily="50" charset="-128"/>
-                <a:ea typeface="メイリオ" pitchFamily="50" charset="-128"/>
-                <a:cs typeface="メイリオ" pitchFamily="50" charset="-128"/>
-              </a:rPr>
-              <a:t>全体</a:t>
-            </a:r>
-            <a:r>
-              <a:rPr lang="ja-JP" altLang="en-US" sz="2400" dirty="0" smtClean="0">
-                <a:latin typeface="メイリオ" pitchFamily="50" charset="-128"/>
-                <a:ea typeface="メイリオ" pitchFamily="50" charset="-128"/>
-                <a:cs typeface="メイリオ" pitchFamily="50" charset="-128"/>
-              </a:rPr>
-              <a:t>の実行時間もほぼ倍になって</a:t>
-            </a:r>
-            <a:r>
-              <a:rPr lang="ja-JP" altLang="en-US" sz="2400" dirty="0" smtClean="0">
-                <a:latin typeface="メイリオ" pitchFamily="50" charset="-128"/>
-                <a:ea typeface="メイリオ" pitchFamily="50" charset="-128"/>
-                <a:cs typeface="メイリオ" pitchFamily="50" charset="-128"/>
-              </a:rPr>
-              <a:t>しまう</a:t>
-            </a:r>
-            <a:endParaRPr lang="en-US" altLang="ja-JP" sz="2400" dirty="0" smtClean="0">
-              <a:latin typeface="メイリオ" pitchFamily="50" charset="-128"/>
-              <a:ea typeface="メイリオ" pitchFamily="50" charset="-128"/>
-              <a:cs typeface="メイリオ" pitchFamily="50" charset="-128"/>
-            </a:endParaRPr>
-          </a:p>
-        </p:txBody>
-      </p:sp>
-      <p:sp>
-        <p:nvSpPr>
           <p:cNvPr id="4" name="日付プレースホルダー 3"/>
           <p:cNvSpPr>
             <a:spLocks noGrp="1"/>
@@ -11601,69 +11429,6 @@
       </p:sp>
       <p:sp>
         <p:nvSpPr>
-          <p:cNvPr id="7" name="テキスト ボックス 6"/>
-          <p:cNvSpPr txBox="1"/>
-          <p:nvPr/>
-        </p:nvSpPr>
-        <p:spPr>
-          <a:xfrm>
-            <a:off x="714348" y="1428742"/>
-            <a:ext cx="7143800" cy="276999"/>
-          </a:xfrm>
-          <a:prstGeom prst="rect">
-            <a:avLst/>
-          </a:prstGeom>
-          <a:solidFill>
-            <a:schemeClr val="bg1">
-              <a:lumMod val="85000"/>
-            </a:schemeClr>
-          </a:solidFill>
-          <a:ln>
-            <a:solidFill>
-              <a:schemeClr val="tx1"/>
-            </a:solidFill>
-          </a:ln>
-        </p:spPr>
-        <p:txBody>
-          <a:bodyPr wrap="square" rtlCol="0">
-            <a:spAutoFit/>
-          </a:bodyPr>
-          <a:lstStyle/>
-          <a:p>
-            <a:r>
-              <a:rPr lang="en-US" sz="1200" dirty="0" smtClean="0">
-                <a:latin typeface="メイリオ" pitchFamily="50" charset="-128"/>
-                <a:ea typeface="メイリオ" pitchFamily="50" charset="-128"/>
-                <a:cs typeface="メイリオ" pitchFamily="50" charset="-128"/>
-              </a:rPr>
-              <a:t>983    2.458    0.003    2.458    0.003 {</a:t>
-            </a:r>
-            <a:r>
-              <a:rPr lang="en-US" sz="1200" dirty="0" err="1" smtClean="0">
-                <a:latin typeface="メイリオ" pitchFamily="50" charset="-128"/>
-                <a:ea typeface="メイリオ" pitchFamily="50" charset="-128"/>
-                <a:cs typeface="メイリオ" pitchFamily="50" charset="-128"/>
-              </a:rPr>
-              <a:t>nt.stat</a:t>
-            </a:r>
-            <a:r>
-              <a:rPr lang="en-US" sz="1200" dirty="0" smtClean="0">
-                <a:latin typeface="メイリオ" pitchFamily="50" charset="-128"/>
-                <a:ea typeface="メイリオ" pitchFamily="50" charset="-128"/>
-                <a:cs typeface="メイリオ" pitchFamily="50" charset="-128"/>
-              </a:rPr>
-              <a:t>}</a:t>
-            </a:r>
-            <a:endParaRPr kumimoji="1" lang="ja-JP" altLang="en-US" sz="1200" dirty="0">
-              <a:latin typeface="メイリオ" pitchFamily="50" charset="-128"/>
-              <a:ea typeface="メイリオ" pitchFamily="50" charset="-128"/>
-              <a:cs typeface="メイリオ" pitchFamily="50" charset="-128"/>
-            </a:endParaRPr>
-          </a:p>
-        </p:txBody>
-      </p:sp>
-      <p:sp>
-        <p:nvSpPr>
           <p:cNvPr id="8" name="コンテンツ プレースホルダー 2"/>
           <p:cNvSpPr txBox="1">
             <a:spLocks/>
@@ -11672,8 +11437,8 @@
         </p:nvSpPr>
         <p:spPr bwMode="auto">
           <a:xfrm>
-            <a:off x="457200" y="928676"/>
-            <a:ext cx="8229600" cy="490541"/>
+            <a:off x="457200" y="3795721"/>
+            <a:ext cx="8229600" cy="919169"/>
           </a:xfrm>
           <a:prstGeom prst="rect">
             <a:avLst/>
@@ -11728,9 +11493,90 @@
               </a:rPr>
               <a:t>ボトルネックは、環境によっても変化する</a:t>
             </a:r>
-          </a:p>
-        </p:txBody>
-      </p:sp>
+            <a:endParaRPr lang="en-US" altLang="ja-JP" sz="2400" dirty="0" smtClean="0">
+              <a:latin typeface="メイリオ" pitchFamily="50" charset="-128"/>
+              <a:ea typeface="メイリオ" pitchFamily="50" charset="-128"/>
+              <a:cs typeface="メイリオ" pitchFamily="50" charset="-128"/>
+            </a:endParaRPr>
+          </a:p>
+          <a:p>
+            <a:pPr marL="342900" marR="0" lvl="0" indent="-342900" algn="l" defTabSz="914400" rtl="0" eaLnBrk="0" fontAlgn="base" latinLnBrk="0" hangingPunct="0">
+              <a:lnSpc>
+                <a:spcPct val="100000"/>
+              </a:lnSpc>
+              <a:spcBef>
+                <a:spcPct val="20000"/>
+              </a:spcBef>
+              <a:spcAft>
+                <a:spcPct val="0"/>
+              </a:spcAft>
+              <a:buClrTx/>
+              <a:buSzTx/>
+              <a:buFont typeface="Arial" charset="0"/>
+              <a:buChar char="•"/>
+              <a:tabLst/>
+              <a:defRPr/>
+            </a:pPr>
+            <a:r>
+              <a:rPr kumimoji="1" lang="ja-JP" altLang="en-US" sz="2400" b="0" i="0" u="none" strike="noStrike" kern="1200" cap="none" spc="0" normalizeH="0" baseline="0" noProof="0" dirty="0" smtClean="0">
+                <a:ln>
+                  <a:noFill/>
+                </a:ln>
+                <a:solidFill>
+                  <a:schemeClr val="tx1"/>
+                </a:solidFill>
+                <a:effectLst/>
+                <a:uLnTx/>
+                <a:uFillTx/>
+                <a:latin typeface="メイリオ" pitchFamily="50" charset="-128"/>
+                <a:ea typeface="メイリオ" pitchFamily="50" charset="-128"/>
+                <a:cs typeface="メイリオ" pitchFamily="50" charset="-128"/>
+              </a:rPr>
+              <a:t>実際の環境できちんと計測することが大事</a:t>
+            </a:r>
+            <a:endParaRPr kumimoji="1" lang="en-US" altLang="ja-JP" sz="2400" b="0" i="0" u="none" strike="noStrike" kern="1200" cap="none" spc="0" normalizeH="0" baseline="0" noProof="0" dirty="0" smtClean="0">
+              <a:ln>
+                <a:noFill/>
+              </a:ln>
+              <a:solidFill>
+                <a:schemeClr val="tx1"/>
+              </a:solidFill>
+              <a:effectLst/>
+              <a:uLnTx/>
+              <a:uFillTx/>
+              <a:latin typeface="メイリオ" pitchFamily="50" charset="-128"/>
+              <a:ea typeface="メイリオ" pitchFamily="50" charset="-128"/>
+              <a:cs typeface="メイリオ" pitchFamily="50" charset="-128"/>
+            </a:endParaRPr>
+          </a:p>
+        </p:txBody>
+      </p:sp>
+      <p:pic>
+        <p:nvPicPr>
+          <p:cNvPr id="3074" name="Picture 2" descr="D:\chiyama\Documents\Research\CEDEC2014\chiyama\BottleneckComparison.png"/>
+          <p:cNvPicPr>
+            <a:picLocks noChangeAspect="1" noChangeArrowheads="1"/>
+          </p:cNvPicPr>
+          <p:nvPr/>
+        </p:nvPicPr>
+        <p:blipFill>
+          <a:blip r:embed="rId2"/>
+          <a:srcRect/>
+          <a:stretch>
+            <a:fillRect/>
+          </a:stretch>
+        </p:blipFill>
+        <p:spPr bwMode="auto">
+          <a:xfrm>
+            <a:off x="2152650" y="947746"/>
+            <a:ext cx="4838700" cy="2767012"/>
+          </a:xfrm>
+          <a:prstGeom prst="rect">
+            <a:avLst/>
+          </a:prstGeom>
+          <a:noFill/>
+        </p:spPr>
+      </p:pic>
     </p:spTree>
     <p:extLst>
       <p:ext uri="{BB962C8B-B14F-4D97-AF65-F5344CB8AC3E}">
@@ -13174,7 +13020,7 @@
               <a:pPr>
                 <a:defRPr/>
               </a:pPr>
-              <a:t>2014/08/17</a:t>
+              <a:t>2014/08/18</a:t>
             </a:fld>
             <a:endParaRPr lang="ja-JP" altLang="en-US" dirty="0">
               <a:latin typeface="メイリオ" pitchFamily="50" charset="-128"/>
@@ -13247,6 +13093,564 @@
           <a:noFill/>
         </p:spPr>
       </p:pic>
+      <p:sp>
+        <p:nvSpPr>
+          <p:cNvPr id="7" name="雲形吹き出し 6"/>
+          <p:cNvSpPr/>
+          <p:nvPr/>
+        </p:nvSpPr>
+        <p:spPr>
+          <a:xfrm>
+            <a:off x="714348" y="1000114"/>
+            <a:ext cx="1214446" cy="428628"/>
+          </a:xfrm>
+          <a:prstGeom prst="cloudCallout">
+            <a:avLst>
+              <a:gd name="adj1" fmla="val 45198"/>
+              <a:gd name="adj2" fmla="val 66944"/>
+            </a:avLst>
+          </a:prstGeom>
+          <a:solidFill>
+            <a:schemeClr val="accent1">
+              <a:alpha val="90000"/>
+            </a:schemeClr>
+          </a:solidFill>
+        </p:spPr>
+        <p:style>
+          <a:lnRef idx="2">
+            <a:schemeClr val="accent1">
+              <a:shade val="50000"/>
+            </a:schemeClr>
+          </a:lnRef>
+          <a:fillRef idx="1">
+            <a:schemeClr val="accent1"/>
+          </a:fillRef>
+          <a:effectRef idx="0">
+            <a:schemeClr val="accent1"/>
+          </a:effectRef>
+          <a:fontRef idx="minor">
+            <a:schemeClr val="lt1"/>
+          </a:fontRef>
+        </p:style>
+        <p:txBody>
+          <a:bodyPr rtlCol="0" anchor="ctr"/>
+          <a:lstStyle/>
+          <a:p>
+            <a:pPr algn="ctr"/>
+            <a:r>
+              <a:rPr kumimoji="1" lang="ja-JP" altLang="en-US" sz="1000" dirty="0" smtClean="0">
+                <a:latin typeface="メイリオ" pitchFamily="50" charset="-128"/>
+                <a:ea typeface="メイリオ" pitchFamily="50" charset="-128"/>
+                <a:cs typeface="メイリオ" pitchFamily="50" charset="-128"/>
+              </a:rPr>
+              <a:t>シンプル</a:t>
+            </a:r>
+            <a:endParaRPr kumimoji="1" lang="ja-JP" altLang="en-US" sz="1000" dirty="0">
+              <a:latin typeface="メイリオ" pitchFamily="50" charset="-128"/>
+              <a:ea typeface="メイリオ" pitchFamily="50" charset="-128"/>
+              <a:cs typeface="メイリオ" pitchFamily="50" charset="-128"/>
+            </a:endParaRPr>
+          </a:p>
+        </p:txBody>
+      </p:sp>
+      <p:sp>
+        <p:nvSpPr>
+          <p:cNvPr id="8" name="雲形吹き出し 7"/>
+          <p:cNvSpPr/>
+          <p:nvPr/>
+        </p:nvSpPr>
+        <p:spPr>
+          <a:xfrm>
+            <a:off x="2071670" y="785800"/>
+            <a:ext cx="1214446" cy="428628"/>
+          </a:xfrm>
+          <a:prstGeom prst="cloudCallout">
+            <a:avLst>
+              <a:gd name="adj1" fmla="val -40030"/>
+              <a:gd name="adj2" fmla="val 89166"/>
+            </a:avLst>
+          </a:prstGeom>
+          <a:solidFill>
+            <a:schemeClr val="accent1">
+              <a:alpha val="90000"/>
+            </a:schemeClr>
+          </a:solidFill>
+        </p:spPr>
+        <p:style>
+          <a:lnRef idx="2">
+            <a:schemeClr val="accent1">
+              <a:shade val="50000"/>
+            </a:schemeClr>
+          </a:lnRef>
+          <a:fillRef idx="1">
+            <a:schemeClr val="accent1"/>
+          </a:fillRef>
+          <a:effectRef idx="0">
+            <a:schemeClr val="accent1"/>
+          </a:effectRef>
+          <a:fontRef idx="minor">
+            <a:schemeClr val="lt1"/>
+          </a:fontRef>
+        </p:style>
+        <p:txBody>
+          <a:bodyPr rtlCol="0" anchor="ctr"/>
+          <a:lstStyle/>
+          <a:p>
+            <a:pPr algn="ctr"/>
+            <a:r>
+              <a:rPr kumimoji="1" lang="ja-JP" altLang="en-US" sz="1000" dirty="0" smtClean="0">
+                <a:latin typeface="メイリオ" pitchFamily="50" charset="-128"/>
+                <a:ea typeface="メイリオ" pitchFamily="50" charset="-128"/>
+                <a:cs typeface="メイリオ" pitchFamily="50" charset="-128"/>
+              </a:rPr>
+              <a:t>速い</a:t>
+            </a:r>
+            <a:endParaRPr kumimoji="1" lang="ja-JP" altLang="en-US" sz="1000" dirty="0">
+              <a:latin typeface="メイリオ" pitchFamily="50" charset="-128"/>
+              <a:ea typeface="メイリオ" pitchFamily="50" charset="-128"/>
+              <a:cs typeface="メイリオ" pitchFamily="50" charset="-128"/>
+            </a:endParaRPr>
+          </a:p>
+        </p:txBody>
+      </p:sp>
+      <p:sp>
+        <p:nvSpPr>
+          <p:cNvPr id="9" name="雲形吹き出し 8"/>
+          <p:cNvSpPr/>
+          <p:nvPr/>
+        </p:nvSpPr>
+        <p:spPr>
+          <a:xfrm>
+            <a:off x="285720" y="1643056"/>
+            <a:ext cx="1438284" cy="571504"/>
+          </a:xfrm>
+          <a:prstGeom prst="cloudCallout">
+            <a:avLst>
+              <a:gd name="adj1" fmla="val 57560"/>
+              <a:gd name="adj2" fmla="val -27500"/>
+            </a:avLst>
+          </a:prstGeom>
+          <a:solidFill>
+            <a:schemeClr val="accent1">
+              <a:alpha val="90000"/>
+            </a:schemeClr>
+          </a:solidFill>
+        </p:spPr>
+        <p:style>
+          <a:lnRef idx="2">
+            <a:schemeClr val="accent1">
+              <a:shade val="50000"/>
+            </a:schemeClr>
+          </a:lnRef>
+          <a:fillRef idx="1">
+            <a:schemeClr val="accent1"/>
+          </a:fillRef>
+          <a:effectRef idx="0">
+            <a:schemeClr val="accent1"/>
+          </a:effectRef>
+          <a:fontRef idx="minor">
+            <a:schemeClr val="lt1"/>
+          </a:fontRef>
+        </p:style>
+        <p:txBody>
+          <a:bodyPr rtlCol="0" anchor="ctr"/>
+          <a:lstStyle/>
+          <a:p>
+            <a:pPr algn="ctr"/>
+            <a:r>
+              <a:rPr kumimoji="1" lang="ja-JP" altLang="en-US" sz="1000" dirty="0" smtClean="0">
+                <a:latin typeface="メイリオ" pitchFamily="50" charset="-128"/>
+                <a:ea typeface="メイリオ" pitchFamily="50" charset="-128"/>
+                <a:cs typeface="メイリオ" pitchFamily="50" charset="-128"/>
+              </a:rPr>
+              <a:t>高いメンテナンス性</a:t>
+            </a:r>
+            <a:endParaRPr kumimoji="1" lang="ja-JP" altLang="en-US" sz="1000" dirty="0">
+              <a:latin typeface="メイリオ" pitchFamily="50" charset="-128"/>
+              <a:ea typeface="メイリオ" pitchFamily="50" charset="-128"/>
+              <a:cs typeface="メイリオ" pitchFamily="50" charset="-128"/>
+            </a:endParaRPr>
+          </a:p>
+        </p:txBody>
+      </p:sp>
+      <p:sp>
+        <p:nvSpPr>
+          <p:cNvPr id="10" name="雲形吹き出し 9"/>
+          <p:cNvSpPr/>
+          <p:nvPr/>
+        </p:nvSpPr>
+        <p:spPr>
+          <a:xfrm>
+            <a:off x="3786182" y="714362"/>
+            <a:ext cx="1857388" cy="633418"/>
+          </a:xfrm>
+          <a:prstGeom prst="cloudCallout">
+            <a:avLst>
+              <a:gd name="adj1" fmla="val -45400"/>
+              <a:gd name="adj2" fmla="val 93009"/>
+            </a:avLst>
+          </a:prstGeom>
+          <a:solidFill>
+            <a:srgbClr val="FF9966">
+              <a:alpha val="90000"/>
+            </a:srgbClr>
+          </a:solidFill>
+          <a:ln>
+            <a:solidFill>
+              <a:schemeClr val="accent6">
+                <a:lumMod val="75000"/>
+              </a:schemeClr>
+            </a:solidFill>
+          </a:ln>
+        </p:spPr>
+        <p:style>
+          <a:lnRef idx="2">
+            <a:schemeClr val="accent1">
+              <a:shade val="50000"/>
+            </a:schemeClr>
+          </a:lnRef>
+          <a:fillRef idx="1">
+            <a:schemeClr val="accent1"/>
+          </a:fillRef>
+          <a:effectRef idx="0">
+            <a:schemeClr val="accent1"/>
+          </a:effectRef>
+          <a:fontRef idx="minor">
+            <a:schemeClr val="lt1"/>
+          </a:fontRef>
+        </p:style>
+        <p:txBody>
+          <a:bodyPr rtlCol="0" anchor="ctr"/>
+          <a:lstStyle/>
+          <a:p>
+            <a:pPr algn="ctr"/>
+            <a:r>
+              <a:rPr kumimoji="1" lang="ja-JP" altLang="en-US" sz="1000" dirty="0" smtClean="0">
+                <a:latin typeface="メイリオ" pitchFamily="50" charset="-128"/>
+                <a:ea typeface="メイリオ" pitchFamily="50" charset="-128"/>
+                <a:cs typeface="メイリオ" pitchFamily="50" charset="-128"/>
+              </a:rPr>
+              <a:t>ま、まあしょうがないよね</a:t>
+            </a:r>
+            <a:r>
+              <a:rPr kumimoji="1" lang="ja-JP" altLang="en-US" sz="1000" dirty="0" err="1" smtClean="0">
+                <a:latin typeface="メイリオ" pitchFamily="50" charset="-128"/>
+                <a:ea typeface="メイリオ" pitchFamily="50" charset="-128"/>
+                <a:cs typeface="メイリオ" pitchFamily="50" charset="-128"/>
+              </a:rPr>
+              <a:t>、、、</a:t>
+            </a:r>
+            <a:endParaRPr kumimoji="1" lang="ja-JP" altLang="en-US" sz="1000" dirty="0">
+              <a:latin typeface="メイリオ" pitchFamily="50" charset="-128"/>
+              <a:ea typeface="メイリオ" pitchFamily="50" charset="-128"/>
+              <a:cs typeface="メイリオ" pitchFamily="50" charset="-128"/>
+            </a:endParaRPr>
+          </a:p>
+        </p:txBody>
+      </p:sp>
+      <p:sp>
+        <p:nvSpPr>
+          <p:cNvPr id="11" name="雲形吹き出し 10"/>
+          <p:cNvSpPr/>
+          <p:nvPr/>
+        </p:nvSpPr>
+        <p:spPr>
+          <a:xfrm>
+            <a:off x="2071670" y="1857370"/>
+            <a:ext cx="1357322" cy="571504"/>
+          </a:xfrm>
+          <a:prstGeom prst="cloudCallout">
+            <a:avLst>
+              <a:gd name="adj1" fmla="val -43412"/>
+              <a:gd name="adj2" fmla="val -73373"/>
+            </a:avLst>
+          </a:prstGeom>
+          <a:solidFill>
+            <a:schemeClr val="accent1">
+              <a:alpha val="90000"/>
+            </a:schemeClr>
+          </a:solidFill>
+        </p:spPr>
+        <p:style>
+          <a:lnRef idx="2">
+            <a:schemeClr val="accent1">
+              <a:shade val="50000"/>
+            </a:schemeClr>
+          </a:lnRef>
+          <a:fillRef idx="1">
+            <a:schemeClr val="accent1"/>
+          </a:fillRef>
+          <a:effectRef idx="0">
+            <a:schemeClr val="accent1"/>
+          </a:effectRef>
+          <a:fontRef idx="minor">
+            <a:schemeClr val="lt1"/>
+          </a:fontRef>
+        </p:style>
+        <p:txBody>
+          <a:bodyPr rtlCol="0" anchor="ctr"/>
+          <a:lstStyle/>
+          <a:p>
+            <a:pPr algn="ctr"/>
+            <a:r>
+              <a:rPr kumimoji="1" lang="ja-JP" altLang="en-US" sz="900" dirty="0" smtClean="0">
+                <a:latin typeface="メイリオ" pitchFamily="50" charset="-128"/>
+                <a:ea typeface="メイリオ" pitchFamily="50" charset="-128"/>
+                <a:cs typeface="メイリオ" pitchFamily="50" charset="-128"/>
+              </a:rPr>
+              <a:t>こんなコード</a:t>
+            </a:r>
+            <a:endParaRPr kumimoji="1" lang="en-US" altLang="ja-JP" sz="900" dirty="0" smtClean="0">
+              <a:latin typeface="メイリオ" pitchFamily="50" charset="-128"/>
+              <a:ea typeface="メイリオ" pitchFamily="50" charset="-128"/>
+              <a:cs typeface="メイリオ" pitchFamily="50" charset="-128"/>
+            </a:endParaRPr>
+          </a:p>
+          <a:p>
+            <a:pPr algn="ctr"/>
+            <a:r>
+              <a:rPr kumimoji="1" lang="ja-JP" altLang="en-US" sz="900" dirty="0" smtClean="0">
+                <a:latin typeface="メイリオ" pitchFamily="50" charset="-128"/>
+                <a:ea typeface="メイリオ" pitchFamily="50" charset="-128"/>
+                <a:cs typeface="メイリオ" pitchFamily="50" charset="-128"/>
+              </a:rPr>
+              <a:t>書ける</a:t>
+            </a:r>
+            <a:endParaRPr kumimoji="1" lang="en-US" altLang="ja-JP" sz="900" dirty="0" smtClean="0">
+              <a:latin typeface="メイリオ" pitchFamily="50" charset="-128"/>
+              <a:ea typeface="メイリオ" pitchFamily="50" charset="-128"/>
+              <a:cs typeface="メイリオ" pitchFamily="50" charset="-128"/>
+            </a:endParaRPr>
+          </a:p>
+          <a:p>
+            <a:pPr algn="ctr"/>
+            <a:r>
+              <a:rPr kumimoji="1" lang="ja-JP" altLang="en-US" sz="900" dirty="0" smtClean="0">
+                <a:latin typeface="メイリオ" pitchFamily="50" charset="-128"/>
+                <a:ea typeface="メイリオ" pitchFamily="50" charset="-128"/>
+                <a:cs typeface="メイリオ" pitchFamily="50" charset="-128"/>
+              </a:rPr>
+              <a:t>俺って天才</a:t>
+            </a:r>
+            <a:r>
+              <a:rPr kumimoji="1" lang="en-US" altLang="ja-JP" sz="900" dirty="0" smtClean="0">
+                <a:latin typeface="メイリオ" pitchFamily="50" charset="-128"/>
+                <a:ea typeface="メイリオ" pitchFamily="50" charset="-128"/>
+                <a:cs typeface="メイリオ" pitchFamily="50" charset="-128"/>
+              </a:rPr>
+              <a:t>!!</a:t>
+            </a:r>
+            <a:endParaRPr kumimoji="1" lang="ja-JP" altLang="en-US" sz="900" dirty="0">
+              <a:latin typeface="メイリオ" pitchFamily="50" charset="-128"/>
+              <a:ea typeface="メイリオ" pitchFamily="50" charset="-128"/>
+              <a:cs typeface="メイリオ" pitchFamily="50" charset="-128"/>
+            </a:endParaRPr>
+          </a:p>
+        </p:txBody>
+      </p:sp>
+      <p:sp>
+        <p:nvSpPr>
+          <p:cNvPr id="12" name="雲形吹き出し 11"/>
+          <p:cNvSpPr/>
+          <p:nvPr/>
+        </p:nvSpPr>
+        <p:spPr>
+          <a:xfrm>
+            <a:off x="6715140" y="1857370"/>
+            <a:ext cx="1857388" cy="633418"/>
+          </a:xfrm>
+          <a:prstGeom prst="cloudCallout">
+            <a:avLst>
+              <a:gd name="adj1" fmla="val -52579"/>
+              <a:gd name="adj2" fmla="val -53356"/>
+            </a:avLst>
+          </a:prstGeom>
+          <a:solidFill>
+            <a:srgbClr val="FF0000">
+              <a:alpha val="89804"/>
+            </a:srgbClr>
+          </a:solidFill>
+          <a:ln>
+            <a:solidFill>
+              <a:srgbClr val="CC3300"/>
+            </a:solidFill>
+          </a:ln>
+        </p:spPr>
+        <p:style>
+          <a:lnRef idx="2">
+            <a:schemeClr val="accent1">
+              <a:shade val="50000"/>
+            </a:schemeClr>
+          </a:lnRef>
+          <a:fillRef idx="1">
+            <a:schemeClr val="accent1"/>
+          </a:fillRef>
+          <a:effectRef idx="0">
+            <a:schemeClr val="accent1"/>
+          </a:effectRef>
+          <a:fontRef idx="minor">
+            <a:schemeClr val="lt1"/>
+          </a:fontRef>
+        </p:style>
+        <p:txBody>
+          <a:bodyPr rtlCol="0" anchor="ctr"/>
+          <a:lstStyle/>
+          <a:p>
+            <a:pPr algn="ctr"/>
+            <a:r>
+              <a:rPr kumimoji="1" lang="ja-JP" altLang="en-US" sz="1000" dirty="0" smtClean="0">
+                <a:latin typeface="メイリオ" pitchFamily="50" charset="-128"/>
+                <a:ea typeface="メイリオ" pitchFamily="50" charset="-128"/>
+                <a:cs typeface="メイリオ" pitchFamily="50" charset="-128"/>
+              </a:rPr>
+              <a:t>も、もうだめだ</a:t>
+            </a:r>
+            <a:r>
+              <a:rPr kumimoji="1" lang="en-US" altLang="ja-JP" sz="1000" dirty="0" smtClean="0">
+                <a:latin typeface="メイリオ" pitchFamily="50" charset="-128"/>
+                <a:ea typeface="メイリオ" pitchFamily="50" charset="-128"/>
+                <a:cs typeface="メイリオ" pitchFamily="50" charset="-128"/>
+              </a:rPr>
+              <a:t>…</a:t>
+            </a:r>
+            <a:endParaRPr kumimoji="1" lang="ja-JP" altLang="en-US" sz="1000" dirty="0">
+              <a:latin typeface="メイリオ" pitchFamily="50" charset="-128"/>
+              <a:ea typeface="メイリオ" pitchFamily="50" charset="-128"/>
+              <a:cs typeface="メイリオ" pitchFamily="50" charset="-128"/>
+            </a:endParaRPr>
+          </a:p>
+        </p:txBody>
+      </p:sp>
+      <p:sp>
+        <p:nvSpPr>
+          <p:cNvPr id="13" name="雲形吹き出し 12"/>
+          <p:cNvSpPr/>
+          <p:nvPr/>
+        </p:nvSpPr>
+        <p:spPr>
+          <a:xfrm>
+            <a:off x="5286380" y="1214428"/>
+            <a:ext cx="1062046" cy="419104"/>
+          </a:xfrm>
+          <a:prstGeom prst="cloudCallout">
+            <a:avLst>
+              <a:gd name="adj1" fmla="val 61620"/>
+              <a:gd name="adj2" fmla="val 25431"/>
+            </a:avLst>
+          </a:prstGeom>
+          <a:solidFill>
+            <a:srgbClr val="FF0000">
+              <a:alpha val="89804"/>
+            </a:srgbClr>
+          </a:solidFill>
+          <a:ln>
+            <a:solidFill>
+              <a:srgbClr val="CC3300"/>
+            </a:solidFill>
+          </a:ln>
+        </p:spPr>
+        <p:style>
+          <a:lnRef idx="2">
+            <a:schemeClr val="accent1">
+              <a:shade val="50000"/>
+            </a:schemeClr>
+          </a:lnRef>
+          <a:fillRef idx="1">
+            <a:schemeClr val="accent1"/>
+          </a:fillRef>
+          <a:effectRef idx="0">
+            <a:schemeClr val="accent1"/>
+          </a:effectRef>
+          <a:fontRef idx="minor">
+            <a:schemeClr val="lt1"/>
+          </a:fontRef>
+        </p:style>
+        <p:txBody>
+          <a:bodyPr rtlCol="0" anchor="ctr"/>
+          <a:lstStyle/>
+          <a:p>
+            <a:pPr algn="ctr"/>
+            <a:r>
+              <a:rPr lang="ja-JP" altLang="en-US" sz="1000" dirty="0" smtClean="0">
+                <a:latin typeface="メイリオ" pitchFamily="50" charset="-128"/>
+                <a:ea typeface="メイリオ" pitchFamily="50" charset="-128"/>
+                <a:cs typeface="メイリオ" pitchFamily="50" charset="-128"/>
+              </a:rPr>
+              <a:t>バグ</a:t>
+            </a:r>
+            <a:endParaRPr kumimoji="1" lang="ja-JP" altLang="en-US" sz="1000" dirty="0">
+              <a:latin typeface="メイリオ" pitchFamily="50" charset="-128"/>
+              <a:ea typeface="メイリオ" pitchFamily="50" charset="-128"/>
+              <a:cs typeface="メイリオ" pitchFamily="50" charset="-128"/>
+            </a:endParaRPr>
+          </a:p>
+        </p:txBody>
+      </p:sp>
+      <p:sp>
+        <p:nvSpPr>
+          <p:cNvPr id="14" name="雲形吹き出し 13"/>
+          <p:cNvSpPr/>
+          <p:nvPr/>
+        </p:nvSpPr>
+        <p:spPr>
+          <a:xfrm>
+            <a:off x="7072330" y="857238"/>
+            <a:ext cx="1500198" cy="419104"/>
+          </a:xfrm>
+          <a:prstGeom prst="cloudCallout">
+            <a:avLst>
+              <a:gd name="adj1" fmla="val -59163"/>
+              <a:gd name="adj2" fmla="val 66340"/>
+            </a:avLst>
+          </a:prstGeom>
+          <a:solidFill>
+            <a:srgbClr val="FF0000">
+              <a:alpha val="89804"/>
+            </a:srgbClr>
+          </a:solidFill>
+          <a:ln>
+            <a:solidFill>
+              <a:srgbClr val="CC3300"/>
+            </a:solidFill>
+          </a:ln>
+        </p:spPr>
+        <p:style>
+          <a:lnRef idx="2">
+            <a:schemeClr val="accent1">
+              <a:shade val="50000"/>
+            </a:schemeClr>
+          </a:lnRef>
+          <a:fillRef idx="1">
+            <a:schemeClr val="accent1"/>
+          </a:fillRef>
+          <a:effectRef idx="0">
+            <a:schemeClr val="accent1"/>
+          </a:effectRef>
+          <a:fontRef idx="minor">
+            <a:schemeClr val="lt1"/>
+          </a:fontRef>
+        </p:style>
+        <p:txBody>
+          <a:bodyPr rtlCol="0" anchor="ctr"/>
+          <a:lstStyle/>
+          <a:p>
+            <a:pPr algn="ctr"/>
+            <a:r>
+              <a:rPr kumimoji="1" lang="ja-JP" altLang="en-US" sz="1000" dirty="0" smtClean="0">
+                <a:latin typeface="メイリオ" pitchFamily="50" charset="-128"/>
+                <a:ea typeface="メイリオ" pitchFamily="50" charset="-128"/>
+                <a:cs typeface="メイリオ" pitchFamily="50" charset="-128"/>
+              </a:rPr>
+              <a:t>テスト工数の増加</a:t>
+            </a:r>
+            <a:endParaRPr kumimoji="1" lang="ja-JP" altLang="en-US" sz="1000" dirty="0">
+              <a:latin typeface="メイリオ" pitchFamily="50" charset="-128"/>
+              <a:ea typeface="メイリオ" pitchFamily="50" charset="-128"/>
+              <a:cs typeface="メイリオ" pitchFamily="50" charset="-128"/>
+            </a:endParaRPr>
+          </a:p>
+        </p:txBody>
+      </p:sp>
     </p:spTree>
     <p:extLst>
       <p:ext uri="{BB962C8B-B14F-4D97-AF65-F5344CB8AC3E}">

--- a/chiyama/2014cedec_chiyama.pptx
+++ b/chiyama/2014cedec_chiyama.pptx
@@ -10333,8 +10333,8 @@
         </p:nvSpPr>
         <p:spPr>
           <a:xfrm>
-            <a:off x="457200" y="857239"/>
-            <a:ext cx="8229600" cy="3680236"/>
+            <a:off x="457200" y="3392108"/>
+            <a:ext cx="8229600" cy="1251344"/>
           </a:xfrm>
         </p:spPr>
         <p:txBody>
@@ -10342,30 +10342,62 @@
           <a:lstStyle/>
           <a:p>
             <a:r>
-              <a:rPr lang="ja-JP" altLang="en-US" sz="2800" dirty="0" smtClean="0">
-                <a:latin typeface="メイリオ" pitchFamily="50" charset="-128"/>
-                <a:ea typeface="メイリオ" pitchFamily="50" charset="-128"/>
-                <a:cs typeface="メイリオ" pitchFamily="50" charset="-128"/>
-              </a:rPr>
-              <a:t>処理全体で </a:t>
-            </a:r>
-            <a:r>
-              <a:rPr lang="en-US" altLang="ja-JP" sz="2800" dirty="0" smtClean="0">
-                <a:latin typeface="メイリオ" pitchFamily="50" charset="-128"/>
-                <a:ea typeface="メイリオ" pitchFamily="50" charset="-128"/>
-                <a:cs typeface="メイリオ" pitchFamily="50" charset="-128"/>
-              </a:rPr>
-              <a:t>28 </a:t>
-            </a:r>
-            <a:r>
-              <a:rPr lang="ja-JP" altLang="en-US" sz="2800" dirty="0" smtClean="0">
-                <a:latin typeface="メイリオ" pitchFamily="50" charset="-128"/>
-                <a:ea typeface="メイリオ" pitchFamily="50" charset="-128"/>
-                <a:cs typeface="メイリオ" pitchFamily="50" charset="-128"/>
-              </a:rPr>
-              <a:t>秒</a:t>
-            </a:r>
-            <a:endParaRPr lang="en-US" altLang="ja-JP" sz="2800" dirty="0" smtClean="0">
+              <a:rPr lang="en-US" altLang="ja-JP" sz="2400" dirty="0" err="1" smtClean="0">
+                <a:latin typeface="メイリオ" pitchFamily="50" charset="-128"/>
+                <a:ea typeface="メイリオ" pitchFamily="50" charset="-128"/>
+                <a:cs typeface="メイリオ" pitchFamily="50" charset="-128"/>
+              </a:rPr>
+              <a:t>getInfo</a:t>
+            </a:r>
+            <a:r>
+              <a:rPr lang="en-US" altLang="ja-JP" sz="2400" dirty="0" smtClean="0">
+                <a:latin typeface="メイリオ" pitchFamily="50" charset="-128"/>
+                <a:ea typeface="メイリオ" pitchFamily="50" charset="-128"/>
+                <a:cs typeface="メイリオ" pitchFamily="50" charset="-128"/>
+              </a:rPr>
+              <a:t>() </a:t>
+            </a:r>
+            <a:r>
+              <a:rPr lang="ja-JP" altLang="en-US" sz="2400" dirty="0" smtClean="0">
+                <a:latin typeface="メイリオ" pitchFamily="50" charset="-128"/>
+                <a:ea typeface="メイリオ" pitchFamily="50" charset="-128"/>
+                <a:cs typeface="メイリオ" pitchFamily="50" charset="-128"/>
+              </a:rPr>
+              <a:t>の呼び出しを</a:t>
+            </a:r>
+            <a:r>
+              <a:rPr lang="en-US" altLang="ja-JP" sz="2400" dirty="0" smtClean="0">
+                <a:latin typeface="メイリオ" pitchFamily="50" charset="-128"/>
+                <a:ea typeface="メイリオ" pitchFamily="50" charset="-128"/>
+                <a:cs typeface="メイリオ" pitchFamily="50" charset="-128"/>
+              </a:rPr>
+              <a:t>1/10 </a:t>
+            </a:r>
+            <a:r>
+              <a:rPr lang="ja-JP" altLang="en-US" sz="2400" dirty="0" smtClean="0">
+                <a:latin typeface="メイリオ" pitchFamily="50" charset="-128"/>
+                <a:ea typeface="メイリオ" pitchFamily="50" charset="-128"/>
+                <a:cs typeface="メイリオ" pitchFamily="50" charset="-128"/>
+              </a:rPr>
+              <a:t>に減らすことができればこの部分は </a:t>
+            </a:r>
+            <a:r>
+              <a:rPr lang="en-US" altLang="ja-JP" sz="2400" dirty="0" smtClean="0">
+                <a:latin typeface="メイリオ" pitchFamily="50" charset="-128"/>
+                <a:ea typeface="メイリオ" pitchFamily="50" charset="-128"/>
+                <a:cs typeface="メイリオ" pitchFamily="50" charset="-128"/>
+              </a:rPr>
+              <a:t>2.2 </a:t>
+            </a:r>
+            <a:r>
+              <a:rPr lang="ja-JP" altLang="en-US" sz="2400" dirty="0" smtClean="0">
+                <a:latin typeface="メイリオ" pitchFamily="50" charset="-128"/>
+                <a:ea typeface="メイリオ" pitchFamily="50" charset="-128"/>
+                <a:cs typeface="メイリオ" pitchFamily="50" charset="-128"/>
+              </a:rPr>
+              <a:t>秒となる</a:t>
+            </a:r>
+            <a:endParaRPr lang="en-US" altLang="ja-JP" sz="2400" dirty="0" smtClean="0">
               <a:latin typeface="メイリオ" pitchFamily="50" charset="-128"/>
               <a:ea typeface="メイリオ" pitchFamily="50" charset="-128"/>
               <a:cs typeface="メイリオ" pitchFamily="50" charset="-128"/>
@@ -10373,172 +10405,7 @@
           </a:p>
           <a:p>
             <a:r>
-              <a:rPr lang="en-US" altLang="ja-JP" sz="2800" dirty="0" err="1" smtClean="0">
-                <a:latin typeface="メイリオ" pitchFamily="50" charset="-128"/>
-                <a:ea typeface="メイリオ" pitchFamily="50" charset="-128"/>
-                <a:cs typeface="メイリオ" pitchFamily="50" charset="-128"/>
-              </a:rPr>
-              <a:t>getInfo</a:t>
-            </a:r>
-            <a:r>
-              <a:rPr lang="en-US" altLang="ja-JP" sz="2800" dirty="0" smtClean="0">
-                <a:latin typeface="メイリオ" pitchFamily="50" charset="-128"/>
-                <a:ea typeface="メイリオ" pitchFamily="50" charset="-128"/>
-                <a:cs typeface="メイリオ" pitchFamily="50" charset="-128"/>
-              </a:rPr>
-              <a:t>() </a:t>
-            </a:r>
-            <a:r>
-              <a:rPr lang="ja-JP" altLang="en-US" sz="2800" dirty="0" smtClean="0">
-                <a:latin typeface="メイリオ" pitchFamily="50" charset="-128"/>
-                <a:ea typeface="メイリオ" pitchFamily="50" charset="-128"/>
-                <a:cs typeface="メイリオ" pitchFamily="50" charset="-128"/>
-              </a:rPr>
-              <a:t>で </a:t>
-            </a:r>
-            <a:r>
-              <a:rPr lang="en-US" altLang="ja-JP" sz="2800" dirty="0" smtClean="0">
-                <a:latin typeface="メイリオ" pitchFamily="50" charset="-128"/>
-                <a:ea typeface="メイリオ" pitchFamily="50" charset="-128"/>
-                <a:cs typeface="メイリオ" pitchFamily="50" charset="-128"/>
-              </a:rPr>
-              <a:t>22 </a:t>
-            </a:r>
-            <a:r>
-              <a:rPr lang="ja-JP" altLang="en-US" sz="2800" dirty="0" smtClean="0">
-                <a:latin typeface="メイリオ" pitchFamily="50" charset="-128"/>
-                <a:ea typeface="メイリオ" pitchFamily="50" charset="-128"/>
-                <a:cs typeface="メイリオ" pitchFamily="50" charset="-128"/>
-              </a:rPr>
-              <a:t>秒費やして</a:t>
-            </a:r>
-            <a:r>
-              <a:rPr lang="ja-JP" altLang="en-US" sz="2800" dirty="0" smtClean="0">
-                <a:latin typeface="メイリオ" pitchFamily="50" charset="-128"/>
-                <a:ea typeface="メイリオ" pitchFamily="50" charset="-128"/>
-                <a:cs typeface="メイリオ" pitchFamily="50" charset="-128"/>
-              </a:rPr>
-              <a:t>いる</a:t>
-            </a:r>
-            <a:endParaRPr lang="en-US" altLang="ja-JP" sz="2800" dirty="0" smtClean="0">
-              <a:latin typeface="メイリオ" pitchFamily="50" charset="-128"/>
-              <a:ea typeface="メイリオ" pitchFamily="50" charset="-128"/>
-              <a:cs typeface="メイリオ" pitchFamily="50" charset="-128"/>
-            </a:endParaRPr>
-          </a:p>
-          <a:p>
-            <a:r>
-              <a:rPr lang="ja-JP" altLang="en-US" sz="2800" dirty="0" smtClean="0">
-                <a:latin typeface="メイリオ" pitchFamily="50" charset="-128"/>
-                <a:ea typeface="メイリオ" pitchFamily="50" charset="-128"/>
-                <a:cs typeface="メイリオ" pitchFamily="50" charset="-128"/>
-              </a:rPr>
-              <a:t>一回当たりの実行時間はたいしたことないが、約 </a:t>
-            </a:r>
-            <a:r>
-              <a:rPr lang="en-US" altLang="ja-JP" sz="2800" dirty="0" smtClean="0">
-                <a:latin typeface="メイリオ" pitchFamily="50" charset="-128"/>
-                <a:ea typeface="メイリオ" pitchFamily="50" charset="-128"/>
-                <a:cs typeface="メイリオ" pitchFamily="50" charset="-128"/>
-              </a:rPr>
-              <a:t>10 </a:t>
-            </a:r>
-            <a:r>
-              <a:rPr lang="ja-JP" altLang="en-US" sz="2800" dirty="0" smtClean="0">
-                <a:latin typeface="メイリオ" pitchFamily="50" charset="-128"/>
-                <a:ea typeface="メイリオ" pitchFamily="50" charset="-128"/>
-                <a:cs typeface="メイリオ" pitchFamily="50" charset="-128"/>
-              </a:rPr>
-              <a:t>万</a:t>
-            </a:r>
-            <a:r>
-              <a:rPr lang="ja-JP" altLang="en-US" sz="2800" dirty="0" smtClean="0">
-                <a:latin typeface="メイリオ" pitchFamily="50" charset="-128"/>
-                <a:ea typeface="メイリオ" pitchFamily="50" charset="-128"/>
-                <a:cs typeface="メイリオ" pitchFamily="50" charset="-128"/>
-              </a:rPr>
-              <a:t>回呼ばれて</a:t>
-            </a:r>
-            <a:r>
-              <a:rPr lang="ja-JP" altLang="en-US" sz="2800" dirty="0" smtClean="0">
-                <a:latin typeface="メイリオ" pitchFamily="50" charset="-128"/>
-                <a:ea typeface="メイリオ" pitchFamily="50" charset="-128"/>
-                <a:cs typeface="メイリオ" pitchFamily="50" charset="-128"/>
-              </a:rPr>
-              <a:t>いる</a:t>
-            </a:r>
-            <a:endParaRPr lang="en-US" altLang="ja-JP" sz="2800" dirty="0" smtClean="0">
-              <a:latin typeface="メイリオ" pitchFamily="50" charset="-128"/>
-              <a:ea typeface="メイリオ" pitchFamily="50" charset="-128"/>
-              <a:cs typeface="メイリオ" pitchFamily="50" charset="-128"/>
-            </a:endParaRPr>
-          </a:p>
-          <a:p>
-            <a:r>
-              <a:rPr lang="en-US" altLang="ja-JP" sz="2800" dirty="0" err="1" smtClean="0">
-                <a:latin typeface="メイリオ" pitchFamily="50" charset="-128"/>
-                <a:ea typeface="メイリオ" pitchFamily="50" charset="-128"/>
-                <a:cs typeface="メイリオ" pitchFamily="50" charset="-128"/>
-              </a:rPr>
-              <a:t>getInfo</a:t>
-            </a:r>
-            <a:r>
-              <a:rPr lang="en-US" altLang="ja-JP" sz="2800" dirty="0" smtClean="0">
-                <a:latin typeface="メイリオ" pitchFamily="50" charset="-128"/>
-                <a:ea typeface="メイリオ" pitchFamily="50" charset="-128"/>
-                <a:cs typeface="メイリオ" pitchFamily="50" charset="-128"/>
-              </a:rPr>
-              <a:t>() </a:t>
-            </a:r>
-            <a:r>
-              <a:rPr lang="ja-JP" altLang="en-US" sz="2800" dirty="0" smtClean="0">
-                <a:latin typeface="メイリオ" pitchFamily="50" charset="-128"/>
-                <a:ea typeface="メイリオ" pitchFamily="50" charset="-128"/>
-                <a:cs typeface="メイリオ" pitchFamily="50" charset="-128"/>
-              </a:rPr>
-              <a:t>の呼び出しを</a:t>
-            </a:r>
-            <a:r>
-              <a:rPr lang="en-US" altLang="ja-JP" sz="2800" dirty="0" smtClean="0">
-                <a:latin typeface="メイリオ" pitchFamily="50" charset="-128"/>
-                <a:ea typeface="メイリオ" pitchFamily="50" charset="-128"/>
-                <a:cs typeface="メイリオ" pitchFamily="50" charset="-128"/>
-              </a:rPr>
-              <a:t>1/10 </a:t>
-            </a:r>
-            <a:r>
-              <a:rPr lang="ja-JP" altLang="en-US" sz="2800" dirty="0" smtClean="0">
-                <a:latin typeface="メイリオ" pitchFamily="50" charset="-128"/>
-                <a:ea typeface="メイリオ" pitchFamily="50" charset="-128"/>
-                <a:cs typeface="メイリオ" pitchFamily="50" charset="-128"/>
-              </a:rPr>
-              <a:t>に減らすことができればこの部分は </a:t>
-            </a:r>
-            <a:r>
-              <a:rPr lang="en-US" altLang="ja-JP" sz="2800" dirty="0" smtClean="0">
-                <a:latin typeface="メイリオ" pitchFamily="50" charset="-128"/>
-                <a:ea typeface="メイリオ" pitchFamily="50" charset="-128"/>
-                <a:cs typeface="メイリオ" pitchFamily="50" charset="-128"/>
-              </a:rPr>
-              <a:t>2.2 </a:t>
-            </a:r>
-            <a:r>
-              <a:rPr lang="ja-JP" altLang="en-US" sz="2800" dirty="0" smtClean="0">
-                <a:latin typeface="メイリオ" pitchFamily="50" charset="-128"/>
-                <a:ea typeface="メイリオ" pitchFamily="50" charset="-128"/>
-                <a:cs typeface="メイリオ" pitchFamily="50" charset="-128"/>
-              </a:rPr>
-              <a:t>秒となる</a:t>
-            </a:r>
-            <a:endParaRPr lang="en-US" altLang="ja-JP" sz="2800" dirty="0" smtClean="0">
-              <a:latin typeface="メイリオ" pitchFamily="50" charset="-128"/>
-              <a:ea typeface="メイリオ" pitchFamily="50" charset="-128"/>
-              <a:cs typeface="メイリオ" pitchFamily="50" charset="-128"/>
-            </a:endParaRPr>
-          </a:p>
-          <a:p>
-            <a:r>
-              <a:rPr lang="ja-JP" altLang="en-US" sz="2800" dirty="0" smtClean="0">
+              <a:rPr lang="ja-JP" altLang="en-US" sz="2400" dirty="0" smtClean="0">
                 <a:latin typeface="メイリオ" pitchFamily="50" charset="-128"/>
                 <a:ea typeface="メイリオ" pitchFamily="50" charset="-128"/>
                 <a:cs typeface="メイリオ" pitchFamily="50" charset="-128"/>
@@ -10546,7 +10413,7 @@
               <a:t>全体では </a:t>
             </a:r>
             <a:r>
-              <a:rPr lang="en-US" altLang="ja-JP" sz="2800" dirty="0" smtClean="0">
+              <a:rPr lang="en-US" altLang="ja-JP" sz="2400" dirty="0" smtClean="0">
                 <a:latin typeface="メイリオ" pitchFamily="50" charset="-128"/>
                 <a:ea typeface="メイリオ" pitchFamily="50" charset="-128"/>
                 <a:cs typeface="メイリオ" pitchFamily="50" charset="-128"/>
@@ -10554,7 +10421,7 @@
               <a:t>28 </a:t>
             </a:r>
             <a:r>
-              <a:rPr lang="ja-JP" altLang="en-US" sz="2800" dirty="0" smtClean="0">
+              <a:rPr lang="ja-JP" altLang="en-US" sz="2400" dirty="0" smtClean="0">
                 <a:latin typeface="メイリオ" pitchFamily="50" charset="-128"/>
                 <a:ea typeface="メイリオ" pitchFamily="50" charset="-128"/>
                 <a:cs typeface="メイリオ" pitchFamily="50" charset="-128"/>
@@ -10562,7 +10429,7 @@
               <a:t>秒→ </a:t>
             </a:r>
             <a:r>
-              <a:rPr lang="en-US" altLang="ja-JP" sz="2800" dirty="0" smtClean="0">
+              <a:rPr lang="en-US" altLang="ja-JP" sz="2400" dirty="0" smtClean="0">
                 <a:latin typeface="メイリオ" pitchFamily="50" charset="-128"/>
                 <a:ea typeface="メイリオ" pitchFamily="50" charset="-128"/>
                 <a:cs typeface="メイリオ" pitchFamily="50" charset="-128"/>
@@ -10570,7 +10437,7 @@
               <a:t>8.8</a:t>
             </a:r>
             <a:r>
-              <a:rPr lang="ja-JP" altLang="en-US" sz="2800" dirty="0" smtClean="0">
+              <a:rPr lang="ja-JP" altLang="en-US" sz="2400" dirty="0" smtClean="0">
                 <a:latin typeface="メイリオ" pitchFamily="50" charset="-128"/>
                 <a:ea typeface="メイリオ" pitchFamily="50" charset="-128"/>
                 <a:cs typeface="メイリオ" pitchFamily="50" charset="-128"/>
@@ -10578,7 +10445,7 @@
               <a:t>秒と、</a:t>
             </a:r>
             <a:r>
-              <a:rPr lang="en-US" altLang="ja-JP" sz="2800" dirty="0" smtClean="0">
+              <a:rPr lang="en-US" altLang="ja-JP" sz="2400" dirty="0" smtClean="0">
                 <a:latin typeface="メイリオ" pitchFamily="50" charset="-128"/>
                 <a:ea typeface="メイリオ" pitchFamily="50" charset="-128"/>
                 <a:cs typeface="メイリオ" pitchFamily="50" charset="-128"/>
@@ -10586,14 +10453,14 @@
               <a:t>70% </a:t>
             </a:r>
             <a:r>
-              <a:rPr lang="ja-JP" altLang="en-US" sz="2800" dirty="0" smtClean="0">
+              <a:rPr lang="ja-JP" altLang="en-US" sz="2400" dirty="0" smtClean="0">
                 <a:latin typeface="メイリオ" pitchFamily="50" charset="-128"/>
                 <a:ea typeface="メイリオ" pitchFamily="50" charset="-128"/>
                 <a:cs typeface="メイリオ" pitchFamily="50" charset="-128"/>
               </a:rPr>
               <a:t>程度の高速化</a:t>
             </a:r>
-            <a:endParaRPr lang="en-US" altLang="ja-JP" sz="2800" dirty="0" smtClean="0">
+            <a:endParaRPr lang="en-US" altLang="ja-JP" sz="2400" dirty="0" smtClean="0">
               <a:latin typeface="メイリオ" pitchFamily="50" charset="-128"/>
               <a:ea typeface="メイリオ" pitchFamily="50" charset="-128"/>
               <a:cs typeface="メイリオ" pitchFamily="50" charset="-128"/>
@@ -10675,6 +10542,32 @@
           </a:p>
         </p:txBody>
       </p:sp>
+      <p:pic>
+        <p:nvPicPr>
+          <p:cNvPr id="4098" name="Picture 2" descr="D:\chiyama\Documents\Research\CEDEC2014\chiyama\reducegetInfo.png"/>
+          <p:cNvPicPr>
+            <a:picLocks noChangeAspect="1" noChangeArrowheads="1"/>
+          </p:cNvPicPr>
+          <p:nvPr/>
+        </p:nvPicPr>
+        <p:blipFill>
+          <a:blip r:embed="rId2"/>
+          <a:srcRect/>
+          <a:stretch>
+            <a:fillRect/>
+          </a:stretch>
+        </p:blipFill>
+        <p:spPr bwMode="auto">
+          <a:xfrm>
+            <a:off x="2091127" y="820340"/>
+            <a:ext cx="4961747" cy="2511696"/>
+          </a:xfrm>
+          <a:prstGeom prst="rect">
+            <a:avLst/>
+          </a:prstGeom>
+          <a:noFill/>
+        </p:spPr>
+      </p:pic>
     </p:spTree>
     <p:extLst>
       <p:ext uri="{BB962C8B-B14F-4D97-AF65-F5344CB8AC3E}">

--- a/chiyama/2014cedec_chiyama.pptx
+++ b/chiyama/2014cedec_chiyama.pptx
@@ -6,31 +6,43 @@
     <p:sldMasterId id="2147483882" r:id="rId2"/>
   </p:sldMasterIdLst>
   <p:notesMasterIdLst>
-    <p:notesMasterId r:id="rId22"/>
+    <p:notesMasterId r:id="rId34"/>
   </p:notesMasterIdLst>
   <p:handoutMasterIdLst>
-    <p:handoutMasterId r:id="rId23"/>
+    <p:handoutMasterId r:id="rId35"/>
   </p:handoutMasterIdLst>
   <p:sldIdLst>
     <p:sldId id="256" r:id="rId3"/>
-    <p:sldId id="258" r:id="rId4"/>
-    <p:sldId id="260" r:id="rId5"/>
-    <p:sldId id="273" r:id="rId6"/>
-    <p:sldId id="272" r:id="rId7"/>
-    <p:sldId id="271" r:id="rId8"/>
-    <p:sldId id="275" r:id="rId9"/>
-    <p:sldId id="274" r:id="rId10"/>
-    <p:sldId id="269" r:id="rId11"/>
-    <p:sldId id="276" r:id="rId12"/>
-    <p:sldId id="261" r:id="rId13"/>
-    <p:sldId id="262" r:id="rId14"/>
-    <p:sldId id="263" r:id="rId15"/>
-    <p:sldId id="264" r:id="rId16"/>
-    <p:sldId id="265" r:id="rId17"/>
-    <p:sldId id="267" r:id="rId18"/>
-    <p:sldId id="268" r:id="rId19"/>
-    <p:sldId id="266" r:id="rId20"/>
-    <p:sldId id="259" r:id="rId21"/>
+    <p:sldId id="285" r:id="rId4"/>
+    <p:sldId id="291" r:id="rId5"/>
+    <p:sldId id="287" r:id="rId6"/>
+    <p:sldId id="260" r:id="rId7"/>
+    <p:sldId id="273" r:id="rId8"/>
+    <p:sldId id="272" r:id="rId9"/>
+    <p:sldId id="271" r:id="rId10"/>
+    <p:sldId id="275" r:id="rId11"/>
+    <p:sldId id="274" r:id="rId12"/>
+    <p:sldId id="292" r:id="rId13"/>
+    <p:sldId id="288" r:id="rId14"/>
+    <p:sldId id="259" r:id="rId15"/>
+    <p:sldId id="279" r:id="rId16"/>
+    <p:sldId id="280" r:id="rId17"/>
+    <p:sldId id="282" r:id="rId18"/>
+    <p:sldId id="284" r:id="rId19"/>
+    <p:sldId id="283" r:id="rId20"/>
+    <p:sldId id="289" r:id="rId21"/>
+    <p:sldId id="276" r:id="rId22"/>
+    <p:sldId id="261" r:id="rId23"/>
+    <p:sldId id="262" r:id="rId24"/>
+    <p:sldId id="263" r:id="rId25"/>
+    <p:sldId id="277" r:id="rId26"/>
+    <p:sldId id="264" r:id="rId27"/>
+    <p:sldId id="265" r:id="rId28"/>
+    <p:sldId id="267" r:id="rId29"/>
+    <p:sldId id="268" r:id="rId30"/>
+    <p:sldId id="278" r:id="rId31"/>
+    <p:sldId id="266" r:id="rId32"/>
+    <p:sldId id="290" r:id="rId33"/>
   </p:sldIdLst>
   <p:sldSz cx="9144000" cy="5143500" type="screen16x9"/>
   <p:notesSz cx="6802438" cy="9934575"/>
@@ -259,7 +271,7 @@
               <a:pPr>
                 <a:defRPr/>
               </a:pPr>
-              <a:t>2014/8/16</a:t>
+              <a:t>2014/8/29</a:t>
             </a:fld>
             <a:endParaRPr lang="ja-JP" altLang="en-US"/>
           </a:p>
@@ -350,7 +362,7 @@
     </p:spTree>
     <p:extLst>
       <p:ext uri="{BB962C8B-B14F-4D97-AF65-F5344CB8AC3E}">
-        <p14:creationId xmlns:p14="http://schemas.microsoft.com/office/powerpoint/2010/main" xmlns="" val="1198420210"/>
+        <p14:creationId xmlns="" xmlns:p14="http://schemas.microsoft.com/office/powerpoint/2010/main" val="1198420210"/>
       </p:ext>
     </p:extLst>
   </p:cSld>
@@ -468,7 +480,7 @@
               <a:pPr>
                 <a:defRPr/>
               </a:pPr>
-              <a:t>2014/8/16</a:t>
+              <a:t>2014/8/29</a:t>
             </a:fld>
             <a:endParaRPr lang="ja-JP" altLang="en-US"/>
           </a:p>
@@ -694,7 +706,7 @@
     </p:spTree>
     <p:extLst>
       <p:ext uri="{BB962C8B-B14F-4D97-AF65-F5344CB8AC3E}">
-        <p14:creationId xmlns:p14="http://schemas.microsoft.com/office/powerpoint/2010/main" xmlns="" val="2560299808"/>
+        <p14:creationId xmlns="" xmlns:p14="http://schemas.microsoft.com/office/powerpoint/2010/main" val="2560299808"/>
       </p:ext>
     </p:extLst>
   </p:cSld>
@@ -1048,7 +1060,7 @@
           <a:blip r:embed="rId2" cstate="print">
             <a:extLst>
               <a:ext uri="{28A0092B-C50C-407E-A947-70E740481C1C}">
-                <a14:useLocalDpi xmlns:a14="http://schemas.microsoft.com/office/drawing/2010/main" xmlns="" val="0"/>
+                <a14:useLocalDpi xmlns="" xmlns:a14="http://schemas.microsoft.com/office/drawing/2010/main" val="0"/>
               </a:ext>
             </a:extLst>
           </a:blip>
@@ -1238,7 +1250,7 @@
               <a:pPr>
                 <a:defRPr/>
               </a:pPr>
-              <a:t>2014/08/16</a:t>
+              <a:t>2014/08/29</a:t>
             </a:fld>
             <a:endParaRPr lang="ja-JP" altLang="en-US" dirty="0"/>
           </a:p>
@@ -1458,7 +1470,7 @@
               <a:pPr>
                 <a:defRPr/>
               </a:pPr>
-              <a:t>2014/08/16</a:t>
+              <a:t>2014/08/29</a:t>
             </a:fld>
             <a:endParaRPr lang="ja-JP" altLang="en-US" dirty="0"/>
           </a:p>
@@ -1580,7 +1592,7 @@
               <a:pPr>
                 <a:defRPr/>
               </a:pPr>
-              <a:t>2014/08/16</a:t>
+              <a:t>2014/08/29</a:t>
             </a:fld>
             <a:endParaRPr lang="ja-JP" altLang="en-US" dirty="0"/>
           </a:p>
@@ -1818,7 +1830,7 @@
               <a:pPr>
                 <a:defRPr/>
               </a:pPr>
-              <a:t>2014/8/16</a:t>
+              <a:t>2014/8/29</a:t>
             </a:fld>
             <a:endParaRPr lang="ja-JP" altLang="en-US"/>
           </a:p>
@@ -2042,7 +2054,7 @@
               <a:pPr>
                 <a:defRPr/>
               </a:pPr>
-              <a:t>2014/8/16</a:t>
+              <a:t>2014/8/29</a:t>
             </a:fld>
             <a:endParaRPr lang="ja-JP" altLang="en-US"/>
           </a:p>
@@ -2310,7 +2322,7 @@
               <a:pPr>
                 <a:defRPr/>
               </a:pPr>
-              <a:t>2014/8/16</a:t>
+              <a:t>2014/8/29</a:t>
             </a:fld>
             <a:endParaRPr lang="ja-JP" altLang="en-US"/>
           </a:p>
@@ -2684,7 +2696,7 @@
               <a:pPr>
                 <a:defRPr/>
               </a:pPr>
-              <a:t>2014/8/16</a:t>
+              <a:t>2014/8/29</a:t>
             </a:fld>
             <a:endParaRPr lang="ja-JP" altLang="en-US"/>
           </a:p>
@@ -3192,7 +3204,7 @@
               <a:pPr>
                 <a:defRPr/>
               </a:pPr>
-              <a:t>2014/8/16</a:t>
+              <a:t>2014/8/29</a:t>
             </a:fld>
             <a:endParaRPr lang="ja-JP" altLang="en-US"/>
           </a:p>
@@ -3332,7 +3344,7 @@
               <a:pPr>
                 <a:defRPr/>
               </a:pPr>
-              <a:t>2014/8/16</a:t>
+              <a:t>2014/8/29</a:t>
             </a:fld>
             <a:endParaRPr lang="ja-JP" altLang="en-US"/>
           </a:p>
@@ -3449,7 +3461,7 @@
               <a:pPr>
                 <a:defRPr/>
               </a:pPr>
-              <a:t>2014/8/16</a:t>
+              <a:t>2014/8/29</a:t>
             </a:fld>
             <a:endParaRPr lang="ja-JP" altLang="en-US"/>
           </a:p>
@@ -3686,7 +3698,7 @@
               <a:pPr>
                 <a:defRPr/>
               </a:pPr>
-              <a:t>2014/08/16</a:t>
+              <a:t>2014/08/29</a:t>
             </a:fld>
             <a:endParaRPr lang="ja-JP" altLang="en-US" dirty="0"/>
           </a:p>
@@ -3991,7 +4003,7 @@
               <a:pPr>
                 <a:defRPr/>
               </a:pPr>
-              <a:t>2014/8/16</a:t>
+              <a:t>2014/8/29</a:t>
             </a:fld>
             <a:endParaRPr lang="ja-JP" altLang="en-US"/>
           </a:p>
@@ -4269,7 +4281,7 @@
               <a:pPr>
                 <a:defRPr/>
               </a:pPr>
-              <a:t>2014/8/16</a:t>
+              <a:t>2014/8/29</a:t>
             </a:fld>
             <a:endParaRPr lang="ja-JP" altLang="en-US"/>
           </a:p>
@@ -4493,7 +4505,7 @@
               <a:pPr>
                 <a:defRPr/>
               </a:pPr>
-              <a:t>2014/8/16</a:t>
+              <a:t>2014/8/29</a:t>
             </a:fld>
             <a:endParaRPr lang="ja-JP" altLang="en-US"/>
           </a:p>
@@ -4727,7 +4739,7 @@
               <a:pPr>
                 <a:defRPr/>
               </a:pPr>
-              <a:t>2014/8/16</a:t>
+              <a:t>2014/8/29</a:t>
             </a:fld>
             <a:endParaRPr lang="ja-JP" altLang="en-US"/>
           </a:p>
@@ -5003,7 +5015,7 @@
               <a:pPr>
                 <a:defRPr/>
               </a:pPr>
-              <a:t>2014/08/16</a:t>
+              <a:t>2014/08/29</a:t>
             </a:fld>
             <a:endParaRPr lang="ja-JP" altLang="en-US" dirty="0"/>
           </a:p>
@@ -5359,7 +5371,7 @@
               <a:pPr>
                 <a:defRPr/>
               </a:pPr>
-              <a:t>2014/08/16</a:t>
+              <a:t>2014/08/29</a:t>
             </a:fld>
             <a:endParaRPr lang="ja-JP" altLang="en-US" dirty="0"/>
           </a:p>
@@ -5849,7 +5861,7 @@
               <a:pPr>
                 <a:defRPr/>
               </a:pPr>
-              <a:t>2014/08/16</a:t>
+              <a:t>2014/08/29</a:t>
             </a:fld>
             <a:endParaRPr lang="ja-JP" altLang="en-US" dirty="0"/>
           </a:p>
@@ -5971,7 +5983,7 @@
               <a:pPr>
                 <a:defRPr/>
               </a:pPr>
-              <a:t>2014/08/16</a:t>
+              <a:t>2014/08/29</a:t>
             </a:fld>
             <a:endParaRPr lang="ja-JP" altLang="en-US" dirty="0"/>
           </a:p>
@@ -6062,7 +6074,7 @@
               <a:pPr>
                 <a:defRPr/>
               </a:pPr>
-              <a:t>2014/08/16</a:t>
+              <a:t>2014/08/29</a:t>
             </a:fld>
             <a:endParaRPr lang="ja-JP" altLang="en-US" dirty="0"/>
           </a:p>
@@ -6375,7 +6387,7 @@
               <a:pPr>
                 <a:defRPr/>
               </a:pPr>
-              <a:t>2014/08/16</a:t>
+              <a:t>2014/08/29</a:t>
             </a:fld>
             <a:endParaRPr lang="ja-JP" altLang="en-US" dirty="0"/>
           </a:p>
@@ -6635,7 +6647,7 @@
               <a:pPr>
                 <a:defRPr/>
               </a:pPr>
-              <a:t>2014/08/16</a:t>
+              <a:t>2014/08/29</a:t>
             </a:fld>
             <a:endParaRPr lang="ja-JP" altLang="en-US" dirty="0"/>
           </a:p>
@@ -6849,7 +6861,7 @@
               <a:pPr>
                 <a:defRPr/>
               </a:pPr>
-              <a:t>2014/08/16</a:t>
+              <a:t>2014/08/29</a:t>
             </a:fld>
             <a:endParaRPr lang="ja-JP" altLang="en-US" dirty="0"/>
           </a:p>
@@ -6962,7 +6974,7 @@
           <a:blip r:embed="rId14" cstate="print">
             <a:extLst>
               <a:ext uri="{28A0092B-C50C-407E-A947-70E740481C1C}">
-                <a14:useLocalDpi xmlns:a14="http://schemas.microsoft.com/office/drawing/2010/main" xmlns="" val="0"/>
+                <a14:useLocalDpi xmlns="" xmlns:a14="http://schemas.microsoft.com/office/drawing/2010/main" val="0"/>
               </a:ext>
             </a:extLst>
           </a:blip>
@@ -7436,7 +7448,7 @@
           <a:blip r:embed="rId13" cstate="print">
             <a:extLst>
               <a:ext uri="{28A0092B-C50C-407E-A947-70E740481C1C}">
-                <a14:useLocalDpi xmlns:a14="http://schemas.microsoft.com/office/drawing/2010/main" xmlns="" val="0"/>
+                <a14:useLocalDpi xmlns="" xmlns:a14="http://schemas.microsoft.com/office/drawing/2010/main" val="0"/>
               </a:ext>
             </a:extLst>
           </a:blip>
@@ -7641,7 +7653,7 @@
               <a:pPr>
                 <a:defRPr/>
               </a:pPr>
-              <a:t>2014/8/16</a:t>
+              <a:t>2014/8/29</a:t>
             </a:fld>
             <a:endParaRPr lang="ja-JP" altLang="en-US"/>
           </a:p>
@@ -8182,15 +8194,7 @@
                 <a:ea typeface="メイリオ" pitchFamily="50" charset="-128"/>
                 <a:cs typeface="メイリオ" pitchFamily="50" charset="-128"/>
               </a:rPr>
-              <a:t>一度作ったものは二度と作らない</a:t>
-            </a:r>
-            <a:r>
-              <a:rPr lang="ja-JP" altLang="en-US" sz="2800" dirty="0" smtClean="0">
-                <a:latin typeface="メイリオ" pitchFamily="50" charset="-128"/>
-                <a:ea typeface="メイリオ" pitchFamily="50" charset="-128"/>
-                <a:cs typeface="メイリオ" pitchFamily="50" charset="-128"/>
-              </a:rPr>
-              <a:t>。</a:t>
+              <a:t>一度作ったものは二度と作らない。</a:t>
             </a:r>
             <a:r>
               <a:rPr lang="en-US" altLang="ja-JP" sz="2800" dirty="0" smtClean="0">
@@ -8213,15 +8217,7 @@
                 <a:ea typeface="メイリオ" pitchFamily="50" charset="-128"/>
                 <a:cs typeface="メイリオ" pitchFamily="50" charset="-128"/>
               </a:rPr>
-              <a:t>効率的</a:t>
-            </a:r>
-            <a:r>
-              <a:rPr lang="ja-JP" altLang="en-US" sz="2800" dirty="0" smtClean="0">
-                <a:latin typeface="メイリオ" pitchFamily="50" charset="-128"/>
-                <a:ea typeface="メイリオ" pitchFamily="50" charset="-128"/>
-                <a:cs typeface="メイリオ" pitchFamily="50" charset="-128"/>
-              </a:rPr>
-              <a:t>なプログラミングをおこなうための技術</a:t>
+              <a:t>効率的なプログラミングをおこなうための技術</a:t>
             </a:r>
             <a:endParaRPr kumimoji="1" lang="ja-JP" altLang="en-US" sz="2800" dirty="0">
               <a:latin typeface="メイリオ" pitchFamily="50" charset="-128"/>
@@ -8273,7 +8269,7 @@
     </p:spTree>
     <p:extLst>
       <p:ext uri="{BB962C8B-B14F-4D97-AF65-F5344CB8AC3E}">
-        <p14:creationId xmlns:p14="http://schemas.microsoft.com/office/powerpoint/2010/main" xmlns="" val="1067862307"/>
+        <p14:creationId xmlns="" xmlns:p14="http://schemas.microsoft.com/office/powerpoint/2010/main" val="1067862307"/>
       </p:ext>
     </p:extLst>
   </p:cSld>
@@ -8317,7 +8313,7 @@
           <a:p>
             <a:pPr algn="ctr"/>
             <a:r>
-              <a:rPr lang="ja-JP" altLang="en-US" sz="4000" dirty="0" smtClean="0">
+              <a:rPr kumimoji="1" lang="ja-JP" altLang="en-US" sz="4000" dirty="0" smtClean="0">
                 <a:solidFill>
                   <a:schemeClr val="tx1"/>
                 </a:solidFill>
@@ -8325,7 +8321,7 @@
                 <a:ea typeface="メイリオ" pitchFamily="50" charset="-128"/>
                 <a:cs typeface="メイリオ" pitchFamily="50" charset="-128"/>
               </a:rPr>
-              <a:t>パフォーマンスチェック</a:t>
+              <a:t>共通のインターフェースを定義</a:t>
             </a:r>
             <a:endParaRPr kumimoji="1" lang="ja-JP" altLang="en-US" sz="4000" dirty="0">
               <a:solidFill>
@@ -8348,20 +8344,25 @@
             <p:ph idx="1"/>
           </p:nvPr>
         </p:nvSpPr>
-        <p:spPr/>
+        <p:spPr>
+          <a:xfrm>
+            <a:off x="457200" y="3071816"/>
+            <a:ext cx="8229600" cy="1571636"/>
+          </a:xfrm>
+        </p:spPr>
         <p:txBody>
           <a:bodyPr/>
           <a:lstStyle/>
           <a:p>
             <a:r>
-              <a:rPr kumimoji="1" lang="ja-JP" altLang="en-US" dirty="0" smtClean="0">
-                <a:latin typeface="メイリオ" pitchFamily="50" charset="-128"/>
-                <a:ea typeface="メイリオ" pitchFamily="50" charset="-128"/>
-                <a:cs typeface="メイリオ" pitchFamily="50" charset="-128"/>
-              </a:rPr>
-              <a:t>ユーザーから作成したツールが遅いという報告が上がった場合の対応方法</a:t>
-            </a:r>
-            <a:endParaRPr kumimoji="1" lang="en-US" altLang="ja-JP" dirty="0" smtClean="0">
+              <a:rPr kumimoji="1" lang="ja-JP" altLang="en-US" sz="2800" dirty="0" smtClean="0">
+                <a:latin typeface="メイリオ" pitchFamily="50" charset="-128"/>
+                <a:ea typeface="メイリオ" pitchFamily="50" charset="-128"/>
+                <a:cs typeface="メイリオ" pitchFamily="50" charset="-128"/>
+              </a:rPr>
+              <a:t>対象毎にクラス化</a:t>
+            </a:r>
+            <a:endParaRPr kumimoji="1" lang="en-US" altLang="ja-JP" sz="2800" dirty="0" smtClean="0">
               <a:latin typeface="メイリオ" pitchFamily="50" charset="-128"/>
               <a:ea typeface="メイリオ" pitchFamily="50" charset="-128"/>
               <a:cs typeface="メイリオ" pitchFamily="50" charset="-128"/>
@@ -8369,85 +8370,58 @@
           </a:p>
           <a:p>
             <a:r>
-              <a:rPr lang="ja-JP" altLang="en-US" dirty="0" smtClean="0">
-                <a:latin typeface="メイリオ" pitchFamily="50" charset="-128"/>
-                <a:ea typeface="メイリオ" pitchFamily="50" charset="-128"/>
-                <a:cs typeface="メイリオ" pitchFamily="50" charset="-128"/>
-              </a:rPr>
-              <a:t>無暗にコードを改変していませんか</a:t>
-            </a:r>
-            <a:r>
-              <a:rPr lang="en-US" altLang="ja-JP" dirty="0" smtClean="0">
-                <a:latin typeface="メイリオ" pitchFamily="50" charset="-128"/>
-                <a:ea typeface="メイリオ" pitchFamily="50" charset="-128"/>
-                <a:cs typeface="メイリオ" pitchFamily="50" charset="-128"/>
-              </a:rPr>
-              <a:t>?</a:t>
-            </a:r>
-          </a:p>
-          <a:p>
-            <a:pPr lvl="1"/>
-            <a:r>
-              <a:rPr kumimoji="1" lang="ja-JP" altLang="en-US" sz="2600" dirty="0" smtClean="0">
-                <a:latin typeface="メイリオ" pitchFamily="50" charset="-128"/>
-                <a:ea typeface="メイリオ" pitchFamily="50" charset="-128"/>
-                <a:cs typeface="メイリオ" pitchFamily="50" charset="-128"/>
-              </a:rPr>
-              <a:t>ファイルアクセスが遅い→メモリにキャッシュ</a:t>
-            </a:r>
-            <a:endParaRPr kumimoji="1" lang="en-US" altLang="ja-JP" sz="2600" dirty="0" smtClean="0">
+              <a:rPr kumimoji="1" lang="ja-JP" altLang="en-US" sz="2800" dirty="0" smtClean="0">
+                <a:latin typeface="メイリオ" pitchFamily="50" charset="-128"/>
+                <a:ea typeface="メイリオ" pitchFamily="50" charset="-128"/>
+                <a:cs typeface="メイリオ" pitchFamily="50" charset="-128"/>
+              </a:rPr>
+              <a:t>外</a:t>
+            </a:r>
+            <a:r>
+              <a:rPr kumimoji="1" lang="ja-JP" altLang="en-US" sz="2800" dirty="0" smtClean="0">
+                <a:latin typeface="メイリオ" pitchFamily="50" charset="-128"/>
+                <a:ea typeface="メイリオ" pitchFamily="50" charset="-128"/>
+                <a:cs typeface="メイリオ" pitchFamily="50" charset="-128"/>
+              </a:rPr>
+              <a:t>のから</a:t>
+            </a:r>
+            <a:r>
+              <a:rPr kumimoji="1" lang="ja-JP" altLang="en-US" sz="2800" dirty="0" smtClean="0">
+                <a:latin typeface="メイリオ" pitchFamily="50" charset="-128"/>
+                <a:ea typeface="メイリオ" pitchFamily="50" charset="-128"/>
+                <a:cs typeface="メイリオ" pitchFamily="50" charset="-128"/>
+              </a:rPr>
+              <a:t>は共通のインターフェース</a:t>
+            </a:r>
+            <a:endParaRPr kumimoji="1" lang="en-US" altLang="ja-JP" sz="2800" dirty="0" smtClean="0">
               <a:latin typeface="メイリオ" pitchFamily="50" charset="-128"/>
               <a:ea typeface="メイリオ" pitchFamily="50" charset="-128"/>
               <a:cs typeface="メイリオ" pitchFamily="50" charset="-128"/>
             </a:endParaRPr>
           </a:p>
           <a:p>
-            <a:pPr lvl="1"/>
-            <a:r>
-              <a:rPr kumimoji="1" lang="ja-JP" altLang="en-US" sz="2600" dirty="0" smtClean="0">
-                <a:latin typeface="メイリオ" pitchFamily="50" charset="-128"/>
-                <a:ea typeface="メイリオ" pitchFamily="50" charset="-128"/>
-                <a:cs typeface="メイリオ" pitchFamily="50" charset="-128"/>
-              </a:rPr>
-              <a:t>小手先のテクニックでコードの</a:t>
-            </a:r>
-            <a:r>
-              <a:rPr kumimoji="1" lang="ja-JP" altLang="en-US" sz="2600" dirty="0" smtClean="0">
-                <a:latin typeface="メイリオ" pitchFamily="50" charset="-128"/>
-                <a:ea typeface="メイリオ" pitchFamily="50" charset="-128"/>
-                <a:cs typeface="メイリオ" pitchFamily="50" charset="-128"/>
-              </a:rPr>
-              <a:t>最適化</a:t>
-            </a:r>
-            <a:endParaRPr kumimoji="1" lang="en-US" altLang="ja-JP" sz="2600" dirty="0" smtClean="0">
+            <a:r>
+              <a:rPr lang="ja-JP" altLang="en-US" sz="2800" dirty="0" smtClean="0">
+                <a:latin typeface="メイリオ" pitchFamily="50" charset="-128"/>
+                <a:ea typeface="メイリオ" pitchFamily="50" charset="-128"/>
+                <a:cs typeface="メイリオ" pitchFamily="50" charset="-128"/>
+              </a:rPr>
+              <a:t>内部の処理を対象毎に実装</a:t>
+            </a:r>
+            <a:r>
+              <a:rPr lang="ja-JP" altLang="en-US" sz="2800" dirty="0" smtClean="0">
+                <a:latin typeface="メイリオ" pitchFamily="50" charset="-128"/>
+                <a:ea typeface="メイリオ" pitchFamily="50" charset="-128"/>
+                <a:cs typeface="メイリオ" pitchFamily="50" charset="-128"/>
+              </a:rPr>
+              <a:t>する</a:t>
+            </a:r>
+            <a:endParaRPr lang="en-US" altLang="ja-JP" sz="2800" dirty="0" smtClean="0">
               <a:latin typeface="メイリオ" pitchFamily="50" charset="-128"/>
               <a:ea typeface="メイリオ" pitchFamily="50" charset="-128"/>
               <a:cs typeface="メイリオ" pitchFamily="50" charset="-128"/>
             </a:endParaRPr>
           </a:p>
-          <a:p>
-            <a:r>
-              <a:rPr kumimoji="1" lang="ja-JP" altLang="en-US" dirty="0" smtClean="0">
-                <a:latin typeface="メイリオ" pitchFamily="50" charset="-128"/>
-                <a:ea typeface="メイリオ" pitchFamily="50" charset="-128"/>
-                <a:cs typeface="メイリオ" pitchFamily="50" charset="-128"/>
-              </a:rPr>
-              <a:t>その改変、本当に意味ありますか</a:t>
-            </a:r>
-            <a:r>
-              <a:rPr kumimoji="1" lang="en-US" altLang="ja-JP" dirty="0" smtClean="0">
-                <a:latin typeface="メイリオ" pitchFamily="50" charset="-128"/>
-                <a:ea typeface="メイリオ" pitchFamily="50" charset="-128"/>
-                <a:cs typeface="メイリオ" pitchFamily="50" charset="-128"/>
-              </a:rPr>
-              <a:t>?</a:t>
-            </a:r>
-            <a:endParaRPr kumimoji="1" lang="ja-JP" altLang="en-US" dirty="0">
-              <a:latin typeface="メイリオ" pitchFamily="50" charset="-128"/>
-              <a:ea typeface="メイリオ" pitchFamily="50" charset="-128"/>
-              <a:cs typeface="メイリオ" pitchFamily="50" charset="-128"/>
-            </a:endParaRPr>
-          </a:p>
         </p:txBody>
       </p:sp>
       <p:sp>
@@ -8477,7 +8451,7 @@
               <a:pPr>
                 <a:defRPr/>
               </a:pPr>
-              <a:t>2014/08/17</a:t>
+              <a:t>2014/08/29</a:t>
             </a:fld>
             <a:endParaRPr lang="ja-JP" altLang="en-US" dirty="0">
               <a:latin typeface="メイリオ" pitchFamily="50" charset="-128"/>
@@ -8524,10 +8498,36 @@
           </a:p>
         </p:txBody>
       </p:sp>
+      <p:pic>
+        <p:nvPicPr>
+          <p:cNvPr id="3074" name="Picture 2" descr="D:\chiyama\Documents\Research\CEDEC2014\chiyama\commonInterface.png"/>
+          <p:cNvPicPr>
+            <a:picLocks noChangeAspect="1" noChangeArrowheads="1"/>
+          </p:cNvPicPr>
+          <p:nvPr/>
+        </p:nvPicPr>
+        <p:blipFill>
+          <a:blip r:embed="rId2"/>
+          <a:srcRect/>
+          <a:stretch>
+            <a:fillRect/>
+          </a:stretch>
+        </p:blipFill>
+        <p:spPr bwMode="auto">
+          <a:xfrm>
+            <a:off x="2355038" y="714362"/>
+            <a:ext cx="4433924" cy="2281912"/>
+          </a:xfrm>
+          <a:prstGeom prst="rect">
+            <a:avLst/>
+          </a:prstGeom>
+          <a:noFill/>
+        </p:spPr>
+      </p:pic>
     </p:spTree>
     <p:extLst>
       <p:ext uri="{BB962C8B-B14F-4D97-AF65-F5344CB8AC3E}">
-        <p14:creationId xmlns:p14="http://schemas.microsoft.com/office/powerpoint/2010/main" xmlns="" val="1890745276"/>
+        <p14:creationId xmlns="" xmlns:p14="http://schemas.microsoft.com/office/powerpoint/2010/main" val="1890745276"/>
       </p:ext>
     </p:extLst>
   </p:cSld>
@@ -8579,51 +8579,7 @@
                 <a:ea typeface="メイリオ" pitchFamily="50" charset="-128"/>
                 <a:cs typeface="メイリオ" pitchFamily="50" charset="-128"/>
               </a:rPr>
-              <a:t>その</a:t>
-            </a:r>
-            <a:r>
-              <a:rPr lang="ja-JP" altLang="en-US" sz="4000" dirty="0" smtClean="0">
-                <a:solidFill>
-                  <a:schemeClr val="tx1"/>
-                </a:solidFill>
-                <a:latin typeface="メイリオ" pitchFamily="50" charset="-128"/>
-                <a:ea typeface="メイリオ" pitchFamily="50" charset="-128"/>
-                <a:cs typeface="メイリオ" pitchFamily="50" charset="-128"/>
-              </a:rPr>
-              <a:t>改変</a:t>
-            </a:r>
-            <a:r>
-              <a:rPr kumimoji="1" lang="ja-JP" altLang="en-US" sz="4000" dirty="0" smtClean="0">
-                <a:solidFill>
-                  <a:schemeClr val="tx1"/>
-                </a:solidFill>
-                <a:latin typeface="メイリオ" pitchFamily="50" charset="-128"/>
-                <a:ea typeface="メイリオ" pitchFamily="50" charset="-128"/>
-                <a:cs typeface="メイリオ" pitchFamily="50" charset="-128"/>
-              </a:rPr>
-              <a:t>、</a:t>
-            </a:r>
-            <a:r>
-              <a:rPr kumimoji="1" lang="ja-JP" altLang="en-US" sz="4000" dirty="0" smtClean="0">
-                <a:solidFill>
-                  <a:schemeClr val="tx1"/>
-                </a:solidFill>
-                <a:latin typeface="メイリオ" pitchFamily="50" charset="-128"/>
-                <a:ea typeface="メイリオ" pitchFamily="50" charset="-128"/>
-                <a:cs typeface="メイリオ" pitchFamily="50" charset="-128"/>
-              </a:rPr>
-              <a:t>効果ありますか</a:t>
-            </a:r>
-            <a:r>
-              <a:rPr kumimoji="1" lang="en-US" altLang="ja-JP" sz="4000" dirty="0" smtClean="0">
-                <a:solidFill>
-                  <a:schemeClr val="tx1"/>
-                </a:solidFill>
-                <a:latin typeface="メイリオ" pitchFamily="50" charset="-128"/>
-                <a:ea typeface="メイリオ" pitchFamily="50" charset="-128"/>
-                <a:cs typeface="メイリオ" pitchFamily="50" charset="-128"/>
-              </a:rPr>
-              <a:t>?</a:t>
+              <a:t>コードの品質を維持するために</a:t>
             </a:r>
             <a:endParaRPr kumimoji="1" lang="ja-JP" altLang="en-US" sz="4000" dirty="0">
               <a:solidFill>
@@ -8657,7 +8613,7 @@
                 <a:ea typeface="メイリオ" pitchFamily="50" charset="-128"/>
                 <a:cs typeface="メイリオ" pitchFamily="50" charset="-128"/>
               </a:rPr>
-              <a:t>ボトルネックを把握しましょう</a:t>
+              <a:t>処理をそのままベタ書きしない</a:t>
             </a:r>
             <a:endParaRPr kumimoji="1" lang="en-US" altLang="ja-JP" dirty="0" smtClean="0">
               <a:latin typeface="メイリオ" pitchFamily="50" charset="-128"/>
@@ -8672,32 +8628,53 @@
                 <a:ea typeface="メイリオ" pitchFamily="50" charset="-128"/>
                 <a:cs typeface="メイリオ" pitchFamily="50" charset="-128"/>
               </a:rPr>
-              <a:t>どうやって</a:t>
-            </a:r>
-            <a:r>
-              <a:rPr lang="en-US" altLang="ja-JP" dirty="0" smtClean="0">
-                <a:latin typeface="メイリオ" pitchFamily="50" charset="-128"/>
-                <a:ea typeface="メイリオ" pitchFamily="50" charset="-128"/>
-                <a:cs typeface="メイリオ" pitchFamily="50" charset="-128"/>
-              </a:rPr>
-              <a:t>?</a:t>
-            </a:r>
-          </a:p>
-          <a:p>
-            <a:r>
-              <a:rPr kumimoji="1" lang="ja-JP" altLang="en-US" dirty="0" smtClean="0">
-                <a:latin typeface="メイリオ" pitchFamily="50" charset="-128"/>
-                <a:ea typeface="メイリオ" pitchFamily="50" charset="-128"/>
-                <a:cs typeface="メイリオ" pitchFamily="50" charset="-128"/>
-              </a:rPr>
-              <a:t>プロファイラを使用する</a:t>
-            </a:r>
-            <a:endParaRPr kumimoji="1" lang="ja-JP" altLang="en-US" dirty="0">
+              <a:t>プログラミング</a:t>
+            </a:r>
+            <a:r>
+              <a:rPr lang="ja-JP" altLang="en-US" dirty="0" smtClean="0">
+                <a:latin typeface="メイリオ" pitchFamily="50" charset="-128"/>
+                <a:ea typeface="メイリオ" pitchFamily="50" charset="-128"/>
+                <a:cs typeface="メイリオ" pitchFamily="50" charset="-128"/>
+              </a:rPr>
+              <a:t>言語</a:t>
+            </a:r>
+            <a:r>
+              <a:rPr lang="ja-JP" altLang="en-US" dirty="0" smtClean="0">
+                <a:latin typeface="メイリオ" pitchFamily="50" charset="-128"/>
+                <a:ea typeface="メイリオ" pitchFamily="50" charset="-128"/>
+                <a:cs typeface="メイリオ" pitchFamily="50" charset="-128"/>
+              </a:rPr>
+              <a:t>の</a:t>
+            </a:r>
+            <a:r>
+              <a:rPr lang="ja-JP" altLang="en-US" dirty="0" smtClean="0">
+                <a:latin typeface="メイリオ" pitchFamily="50" charset="-128"/>
+                <a:ea typeface="メイリオ" pitchFamily="50" charset="-128"/>
+                <a:cs typeface="メイリオ" pitchFamily="50" charset="-128"/>
+              </a:rPr>
+              <a:t>力</a:t>
+            </a:r>
+            <a:r>
+              <a:rPr lang="ja-JP" altLang="en-US" dirty="0" smtClean="0">
+                <a:latin typeface="メイリオ" pitchFamily="50" charset="-128"/>
+                <a:ea typeface="メイリオ" pitchFamily="50" charset="-128"/>
+                <a:cs typeface="メイリオ" pitchFamily="50" charset="-128"/>
+              </a:rPr>
+              <a:t>を利用する</a:t>
+            </a:r>
+            <a:endParaRPr lang="en-US" altLang="ja-JP" dirty="0" smtClean="0">
               <a:latin typeface="メイリオ" pitchFamily="50" charset="-128"/>
               <a:ea typeface="メイリオ" pitchFamily="50" charset="-128"/>
               <a:cs typeface="メイリオ" pitchFamily="50" charset="-128"/>
             </a:endParaRPr>
           </a:p>
+          <a:p>
+            <a:endParaRPr kumimoji="1" lang="en-US" altLang="ja-JP" dirty="0" smtClean="0">
+              <a:latin typeface="メイリオ" pitchFamily="50" charset="-128"/>
+              <a:ea typeface="メイリオ" pitchFamily="50" charset="-128"/>
+              <a:cs typeface="メイリオ" pitchFamily="50" charset="-128"/>
+            </a:endParaRPr>
+          </a:p>
         </p:txBody>
       </p:sp>
       <p:sp>
@@ -8727,7 +8704,7 @@
               <a:pPr>
                 <a:defRPr/>
               </a:pPr>
-              <a:t>2014/08/16</a:t>
+              <a:t>2014/08/31</a:t>
             </a:fld>
             <a:endParaRPr lang="ja-JP" altLang="en-US" dirty="0">
               <a:latin typeface="メイリオ" pitchFamily="50" charset="-128"/>
@@ -8777,7 +8754,7 @@
     </p:spTree>
     <p:extLst>
       <p:ext uri="{BB962C8B-B14F-4D97-AF65-F5344CB8AC3E}">
-        <p14:creationId xmlns:p14="http://schemas.microsoft.com/office/powerpoint/2010/main" xmlns="" val="1890745276"/>
+        <p14:creationId xmlns="" xmlns:p14="http://schemas.microsoft.com/office/powerpoint/2010/main" val="1890745276"/>
       </p:ext>
     </p:extLst>
   </p:cSld>
@@ -8821,7 +8798,7 @@
           <a:p>
             <a:pPr algn="ctr"/>
             <a:r>
-              <a:rPr lang="en-US" altLang="ja-JP" sz="4000" dirty="0" smtClean="0">
+              <a:rPr kumimoji="1" lang="ja-JP" altLang="en-US" sz="4000" dirty="0" smtClean="0">
                 <a:solidFill>
                   <a:schemeClr val="tx1"/>
                 </a:solidFill>
@@ -8829,29 +8806,7 @@
                 <a:ea typeface="メイリオ" pitchFamily="50" charset="-128"/>
                 <a:cs typeface="メイリオ" pitchFamily="50" charset="-128"/>
               </a:rPr>
-              <a:t>Python </a:t>
-            </a:r>
-            <a:r>
-              <a:rPr lang="ja-JP" altLang="en-US" sz="4000" dirty="0" err="1" smtClean="0">
-                <a:solidFill>
-                  <a:schemeClr val="tx1"/>
-                </a:solidFill>
-                <a:latin typeface="メイリオ" pitchFamily="50" charset="-128"/>
-                <a:ea typeface="メイリオ" pitchFamily="50" charset="-128"/>
-                <a:cs typeface="メイリオ" pitchFamily="50" charset="-128"/>
-              </a:rPr>
-              <a:t>での</a:t>
-            </a:r>
-            <a:r>
-              <a:rPr lang="ja-JP" altLang="en-US" sz="4000" dirty="0" smtClean="0">
-                <a:solidFill>
-                  <a:schemeClr val="tx1"/>
-                </a:solidFill>
-                <a:latin typeface="メイリオ" pitchFamily="50" charset="-128"/>
-                <a:ea typeface="メイリオ" pitchFamily="50" charset="-128"/>
-                <a:cs typeface="メイリオ" pitchFamily="50" charset="-128"/>
-              </a:rPr>
-              <a:t>プロファイリング</a:t>
+              <a:t>効率よくコードを書くためのキモ</a:t>
             </a:r>
             <a:endParaRPr kumimoji="1" lang="ja-JP" altLang="en-US" sz="4000" dirty="0">
               <a:solidFill>
@@ -8874,70 +8829,75 @@
             <p:ph idx="1"/>
           </p:nvPr>
         </p:nvSpPr>
-        <p:spPr>
-          <a:xfrm>
-            <a:off x="457200" y="942977"/>
-            <a:ext cx="8229600" cy="628641"/>
-          </a:xfrm>
-        </p:spPr>
-        <p:txBody>
-          <a:bodyPr/>
+        <p:spPr/>
+        <p:txBody>
+          <a:bodyPr anchor="ctr"/>
           <a:lstStyle/>
           <a:p>
             <a:r>
-              <a:rPr lang="en-US" altLang="ja-JP" dirty="0" smtClean="0">
-                <a:latin typeface="メイリオ" pitchFamily="50" charset="-128"/>
-                <a:ea typeface="メイリオ" pitchFamily="50" charset="-128"/>
-                <a:cs typeface="メイリオ" pitchFamily="50" charset="-128"/>
-              </a:rPr>
-              <a:t>Python </a:t>
-            </a:r>
-            <a:r>
-              <a:rPr lang="ja-JP" altLang="en-US" dirty="0" smtClean="0">
-                <a:latin typeface="メイリオ" pitchFamily="50" charset="-128"/>
-                <a:ea typeface="メイリオ" pitchFamily="50" charset="-128"/>
-                <a:cs typeface="メイリオ" pitchFamily="50" charset="-128"/>
-              </a:rPr>
-              <a:t>で</a:t>
-            </a:r>
-            <a:r>
-              <a:rPr lang="ja-JP" altLang="en-US" dirty="0" smtClean="0">
-                <a:latin typeface="メイリオ" pitchFamily="50" charset="-128"/>
-                <a:ea typeface="メイリオ" pitchFamily="50" charset="-128"/>
-                <a:cs typeface="メイリオ" pitchFamily="50" charset="-128"/>
-              </a:rPr>
-              <a:t>は </a:t>
-            </a:r>
-            <a:r>
-              <a:rPr lang="en-US" altLang="ja-JP" dirty="0" err="1" smtClean="0">
-                <a:latin typeface="メイリオ" pitchFamily="50" charset="-128"/>
-                <a:ea typeface="メイリオ" pitchFamily="50" charset="-128"/>
-                <a:cs typeface="メイリオ" pitchFamily="50" charset="-128"/>
-              </a:rPr>
-              <a:t>cProfile</a:t>
-            </a:r>
-            <a:r>
-              <a:rPr lang="en-US" altLang="ja-JP" dirty="0" smtClean="0">
-                <a:latin typeface="メイリオ" pitchFamily="50" charset="-128"/>
-                <a:ea typeface="メイリオ" pitchFamily="50" charset="-128"/>
-                <a:cs typeface="メイリオ" pitchFamily="50" charset="-128"/>
-              </a:rPr>
-              <a:t> </a:t>
-            </a:r>
-            <a:r>
-              <a:rPr lang="ja-JP" altLang="en-US" dirty="0" smtClean="0">
-                <a:latin typeface="メイリオ" pitchFamily="50" charset="-128"/>
-                <a:ea typeface="メイリオ" pitchFamily="50" charset="-128"/>
-                <a:cs typeface="メイリオ" pitchFamily="50" charset="-128"/>
-              </a:rPr>
-              <a:t>を使用する</a:t>
-            </a:r>
-            <a:endParaRPr lang="en-US" altLang="ja-JP" dirty="0" smtClean="0">
+              <a:rPr kumimoji="1" lang="ja-JP" altLang="en-US" sz="4800" dirty="0" smtClean="0">
+                <a:solidFill>
+                  <a:schemeClr val="bg1">
+                    <a:lumMod val="75000"/>
+                  </a:schemeClr>
+                </a:solidFill>
+                <a:latin typeface="メイリオ" pitchFamily="50" charset="-128"/>
+                <a:ea typeface="メイリオ" pitchFamily="50" charset="-128"/>
+                <a:cs typeface="メイリオ" pitchFamily="50" charset="-128"/>
+              </a:rPr>
+              <a:t>コード品質の維持</a:t>
+            </a:r>
+            <a:endParaRPr kumimoji="1" lang="en-US" altLang="ja-JP" sz="4800" dirty="0" smtClean="0">
+              <a:solidFill>
+                <a:schemeClr val="bg1">
+                  <a:lumMod val="75000"/>
+                </a:schemeClr>
+              </a:solidFill>
               <a:latin typeface="メイリオ" pitchFamily="50" charset="-128"/>
               <a:ea typeface="メイリオ" pitchFamily="50" charset="-128"/>
               <a:cs typeface="メイリオ" pitchFamily="50" charset="-128"/>
             </a:endParaRPr>
           </a:p>
+          <a:p>
+            <a:r>
+              <a:rPr lang="ja-JP" altLang="en-US" sz="4800" dirty="0" smtClean="0">
+                <a:latin typeface="メイリオ" pitchFamily="50" charset="-128"/>
+                <a:ea typeface="メイリオ" pitchFamily="50" charset="-128"/>
+                <a:cs typeface="メイリオ" pitchFamily="50" charset="-128"/>
+              </a:rPr>
+              <a:t>デバッグ</a:t>
+            </a:r>
+            <a:endParaRPr lang="en-US" altLang="ja-JP" sz="4800" dirty="0" smtClean="0">
+              <a:latin typeface="メイリオ" pitchFamily="50" charset="-128"/>
+              <a:ea typeface="メイリオ" pitchFamily="50" charset="-128"/>
+              <a:cs typeface="メイリオ" pitchFamily="50" charset="-128"/>
+            </a:endParaRPr>
+          </a:p>
+          <a:p>
+            <a:r>
+              <a:rPr kumimoji="1" lang="ja-JP" altLang="en-US" sz="4800" dirty="0" smtClean="0">
+                <a:solidFill>
+                  <a:schemeClr val="bg1">
+                    <a:lumMod val="75000"/>
+                  </a:schemeClr>
+                </a:solidFill>
+                <a:latin typeface="メイリオ" pitchFamily="50" charset="-128"/>
+                <a:ea typeface="メイリオ" pitchFamily="50" charset="-128"/>
+                <a:cs typeface="メイリオ" pitchFamily="50" charset="-128"/>
+              </a:rPr>
+              <a:t>処理の最適化</a:t>
+            </a:r>
+            <a:endParaRPr kumimoji="1" lang="ja-JP" altLang="en-US" sz="4800" dirty="0">
+              <a:solidFill>
+                <a:schemeClr val="bg1">
+                  <a:lumMod val="75000"/>
+                </a:schemeClr>
+              </a:solidFill>
+              <a:latin typeface="メイリオ" pitchFamily="50" charset="-128"/>
+              <a:ea typeface="メイリオ" pitchFamily="50" charset="-128"/>
+              <a:cs typeface="メイリオ" pitchFamily="50" charset="-128"/>
+            </a:endParaRPr>
+          </a:p>
         </p:txBody>
       </p:sp>
       <p:sp>
@@ -8967,7 +8927,7 @@
               <a:pPr>
                 <a:defRPr/>
               </a:pPr>
-              <a:t>2014/08/16</a:t>
+              <a:t>2014/08/31</a:t>
             </a:fld>
             <a:endParaRPr lang="ja-JP" altLang="en-US" dirty="0">
               <a:latin typeface="メイリオ" pitchFamily="50" charset="-128"/>
@@ -9014,200 +8974,10 @@
           </a:p>
         </p:txBody>
       </p:sp>
-      <p:sp>
-        <p:nvSpPr>
-          <p:cNvPr id="7" name="テキスト ボックス 6"/>
-          <p:cNvSpPr txBox="1"/>
-          <p:nvPr/>
-        </p:nvSpPr>
-        <p:spPr>
-          <a:xfrm>
-            <a:off x="785786" y="1824333"/>
-            <a:ext cx="7143800" cy="461665"/>
-          </a:xfrm>
-          <a:prstGeom prst="rect">
-            <a:avLst/>
-          </a:prstGeom>
-          <a:solidFill>
-            <a:schemeClr val="bg1">
-              <a:lumMod val="85000"/>
-            </a:schemeClr>
-          </a:solidFill>
-          <a:ln>
-            <a:solidFill>
-              <a:schemeClr val="tx1"/>
-            </a:solidFill>
-          </a:ln>
-        </p:spPr>
-        <p:txBody>
-          <a:bodyPr wrap="square" rtlCol="0">
-            <a:spAutoFit/>
-          </a:bodyPr>
-          <a:lstStyle/>
-          <a:p>
-            <a:r>
-              <a:rPr lang="en-US" sz="1200" dirty="0" smtClean="0">
-                <a:latin typeface="メイリオ" pitchFamily="50" charset="-128"/>
-                <a:ea typeface="メイリオ" pitchFamily="50" charset="-128"/>
-                <a:cs typeface="メイリオ" pitchFamily="50" charset="-128"/>
-              </a:rPr>
-              <a:t>import </a:t>
-            </a:r>
-            <a:r>
-              <a:rPr lang="en-US" sz="1200" dirty="0" err="1" smtClean="0">
-                <a:latin typeface="メイリオ" pitchFamily="50" charset="-128"/>
-                <a:ea typeface="メイリオ" pitchFamily="50" charset="-128"/>
-                <a:cs typeface="メイリオ" pitchFamily="50" charset="-128"/>
-              </a:rPr>
-              <a:t>cProfile</a:t>
-            </a:r>
-            <a:r>
-              <a:rPr lang="en-US" sz="1200" dirty="0" smtClean="0">
-                <a:latin typeface="メイリオ" pitchFamily="50" charset="-128"/>
-                <a:ea typeface="メイリオ" pitchFamily="50" charset="-128"/>
-                <a:cs typeface="メイリオ" pitchFamily="50" charset="-128"/>
-              </a:rPr>
-              <a:t/>
-            </a:r>
-            <a:br>
-              <a:rPr lang="en-US" sz="1200" dirty="0" smtClean="0">
-                <a:latin typeface="メイリオ" pitchFamily="50" charset="-128"/>
-                <a:ea typeface="メイリオ" pitchFamily="50" charset="-128"/>
-                <a:cs typeface="メイリオ" pitchFamily="50" charset="-128"/>
-              </a:rPr>
-            </a:br>
-            <a:r>
-              <a:rPr lang="en-US" sz="1200" dirty="0" err="1" smtClean="0">
-                <a:latin typeface="メイリオ" pitchFamily="50" charset="-128"/>
-                <a:ea typeface="メイリオ" pitchFamily="50" charset="-128"/>
-                <a:cs typeface="メイリオ" pitchFamily="50" charset="-128"/>
-              </a:rPr>
-              <a:t>cProfile.run</a:t>
-            </a:r>
-            <a:r>
-              <a:rPr lang="en-US" sz="1200" dirty="0" smtClean="0">
-                <a:latin typeface="メイリオ" pitchFamily="50" charset="-128"/>
-                <a:ea typeface="メイリオ" pitchFamily="50" charset="-128"/>
-                <a:cs typeface="メイリオ" pitchFamily="50" charset="-128"/>
-              </a:rPr>
-              <a:t>(‘</a:t>
-            </a:r>
-            <a:r>
-              <a:rPr lang="en-US" sz="1200" dirty="0" err="1" smtClean="0">
-                <a:latin typeface="メイリオ" pitchFamily="50" charset="-128"/>
-                <a:ea typeface="メイリオ" pitchFamily="50" charset="-128"/>
-                <a:cs typeface="メイリオ" pitchFamily="50" charset="-128"/>
-              </a:rPr>
-              <a:t>someHeavyOperation</a:t>
-            </a:r>
-            <a:r>
-              <a:rPr lang="en-US" sz="1200" dirty="0" smtClean="0">
-                <a:latin typeface="メイリオ" pitchFamily="50" charset="-128"/>
-                <a:ea typeface="メイリオ" pitchFamily="50" charset="-128"/>
-                <a:cs typeface="メイリオ" pitchFamily="50" charset="-128"/>
-              </a:rPr>
-              <a:t>()')　#</a:t>
-            </a:r>
-            <a:r>
-              <a:rPr lang="ja-JP" altLang="en-US" sz="1200" dirty="0" smtClean="0">
-                <a:latin typeface="メイリオ" pitchFamily="50" charset="-128"/>
-                <a:ea typeface="メイリオ" pitchFamily="50" charset="-128"/>
-                <a:cs typeface="メイリオ" pitchFamily="50" charset="-128"/>
-              </a:rPr>
-              <a:t>処理時間を計測</a:t>
-            </a:r>
-            <a:endParaRPr kumimoji="1" lang="ja-JP" altLang="en-US" sz="1200" dirty="0">
-              <a:latin typeface="メイリオ" pitchFamily="50" charset="-128"/>
-              <a:ea typeface="メイリオ" pitchFamily="50" charset="-128"/>
-              <a:cs typeface="メイリオ" pitchFamily="50" charset="-128"/>
-            </a:endParaRPr>
-          </a:p>
-        </p:txBody>
-      </p:sp>
-      <p:sp>
-        <p:nvSpPr>
-          <p:cNvPr id="9" name="コンテンツ プレースホルダー 2"/>
-          <p:cNvSpPr txBox="1">
-            <a:spLocks/>
-          </p:cNvSpPr>
-          <p:nvPr/>
-        </p:nvSpPr>
-        <p:spPr bwMode="auto">
-          <a:xfrm>
-            <a:off x="457200" y="2500312"/>
-            <a:ext cx="8229600" cy="2071702"/>
-          </a:xfrm>
-          <a:prstGeom prst="rect">
-            <a:avLst/>
-          </a:prstGeom>
-          <a:noFill/>
-          <a:ln w="9525">
-            <a:noFill/>
-            <a:miter lim="800000"/>
-            <a:headEnd/>
-            <a:tailEnd/>
-          </a:ln>
-        </p:spPr>
-        <p:txBody>
-          <a:bodyPr vert="horz" wrap="square" lIns="91440" tIns="45720" rIns="91440" bIns="45720" numCol="1" anchor="t" anchorCtr="0" compatLnSpc="1">
-            <a:prstTxWarp prst="textNoShape">
-              <a:avLst/>
-            </a:prstTxWarp>
-          </a:bodyPr>
-          <a:lstStyle/>
-          <a:p>
-            <a:pPr marL="342900" lvl="0" indent="-342900">
-              <a:spcBef>
-                <a:spcPct val="20000"/>
-              </a:spcBef>
-              <a:buFont typeface="Arial" charset="0"/>
-              <a:buChar char="•"/>
-            </a:pPr>
-            <a:r>
-              <a:rPr lang="en-US" altLang="ja-JP" sz="3200" dirty="0" err="1" smtClean="0">
-                <a:latin typeface="メイリオ" pitchFamily="50" charset="-128"/>
-                <a:ea typeface="メイリオ" pitchFamily="50" charset="-128"/>
-                <a:cs typeface="メイリオ" pitchFamily="50" charset="-128"/>
-              </a:rPr>
-              <a:t>someHeavyOperation</a:t>
-            </a:r>
-            <a:r>
-              <a:rPr lang="en-US" altLang="ja-JP" sz="3200" dirty="0" smtClean="0">
-                <a:latin typeface="メイリオ" pitchFamily="50" charset="-128"/>
-                <a:ea typeface="メイリオ" pitchFamily="50" charset="-128"/>
-                <a:cs typeface="メイリオ" pitchFamily="50" charset="-128"/>
-              </a:rPr>
-              <a:t>() </a:t>
-            </a:r>
-            <a:r>
-              <a:rPr lang="ja-JP" altLang="en-US" sz="3200" dirty="0" smtClean="0">
-                <a:latin typeface="メイリオ" pitchFamily="50" charset="-128"/>
-                <a:ea typeface="メイリオ" pitchFamily="50" charset="-128"/>
-                <a:cs typeface="メイリオ" pitchFamily="50" charset="-128"/>
-              </a:rPr>
-              <a:t>を行った際にどの関数でどれだけ処理に時間がかかったかを把握することができる</a:t>
-            </a:r>
-            <a:endParaRPr kumimoji="1" lang="en-US" altLang="ja-JP" sz="3200" b="0" i="0" u="none" strike="noStrike" kern="1200" cap="none" spc="0" normalizeH="0" baseline="0" noProof="0" dirty="0" smtClean="0">
-              <a:ln>
-                <a:noFill/>
-              </a:ln>
-              <a:solidFill>
-                <a:schemeClr val="tx1"/>
-              </a:solidFill>
-              <a:effectLst/>
-              <a:uLnTx/>
-              <a:uFillTx/>
-              <a:latin typeface="メイリオ" pitchFamily="50" charset="-128"/>
-              <a:ea typeface="メイリオ" pitchFamily="50" charset="-128"/>
-              <a:cs typeface="メイリオ" pitchFamily="50" charset="-128"/>
-            </a:endParaRPr>
-          </a:p>
-        </p:txBody>
-      </p:sp>
     </p:spTree>
     <p:extLst>
       <p:ext uri="{BB962C8B-B14F-4D97-AF65-F5344CB8AC3E}">
-        <p14:creationId xmlns:p14="http://schemas.microsoft.com/office/powerpoint/2010/main" xmlns="" val="1890745276"/>
+        <p14:creationId xmlns="" xmlns:p14="http://schemas.microsoft.com/office/powerpoint/2010/main" val="1890745276"/>
       </p:ext>
     </p:extLst>
   </p:cSld>
@@ -9251,7 +9021,7 @@
           <a:p>
             <a:pPr algn="ctr"/>
             <a:r>
-              <a:rPr lang="ja-JP" altLang="en-US" sz="4000" dirty="0" smtClean="0">
+              <a:rPr kumimoji="1" lang="ja-JP" altLang="en-US" sz="4000" dirty="0" smtClean="0">
                 <a:solidFill>
                   <a:schemeClr val="tx1"/>
                 </a:solidFill>
@@ -9259,29 +9029,7 @@
                 <a:ea typeface="メイリオ" pitchFamily="50" charset="-128"/>
                 <a:cs typeface="メイリオ" pitchFamily="50" charset="-128"/>
               </a:rPr>
-              <a:t>プロファイリング結果</a:t>
-            </a:r>
-            <a:r>
-              <a:rPr lang="ja-JP" altLang="en-US" sz="4000" dirty="0" smtClean="0">
-                <a:solidFill>
-                  <a:schemeClr val="tx1"/>
-                </a:solidFill>
-                <a:latin typeface="メイリオ" pitchFamily="50" charset="-128"/>
-                <a:ea typeface="メイリオ" pitchFamily="50" charset="-128"/>
-                <a:cs typeface="メイリオ" pitchFamily="50" charset="-128"/>
-              </a:rPr>
-              <a:t>の</a:t>
-            </a:r>
-            <a:r>
-              <a:rPr lang="ja-JP" altLang="en-US" sz="4000" dirty="0" smtClean="0">
-                <a:solidFill>
-                  <a:schemeClr val="tx1"/>
-                </a:solidFill>
-                <a:latin typeface="メイリオ" pitchFamily="50" charset="-128"/>
-                <a:ea typeface="メイリオ" pitchFamily="50" charset="-128"/>
-                <a:cs typeface="メイリオ" pitchFamily="50" charset="-128"/>
-              </a:rPr>
-              <a:t>分析</a:t>
+              <a:t>バグが出た時の対応</a:t>
             </a:r>
             <a:endParaRPr kumimoji="1" lang="ja-JP" altLang="en-US" sz="4000" dirty="0">
               <a:solidFill>
@@ -9296,6 +9044,118 @@
       </p:sp>
       <p:sp>
         <p:nvSpPr>
+          <p:cNvPr id="3" name="コンテンツ プレースホルダー 2"/>
+          <p:cNvSpPr>
+            <a:spLocks noGrp="1"/>
+          </p:cNvSpPr>
+          <p:nvPr>
+            <p:ph idx="1"/>
+          </p:nvPr>
+        </p:nvSpPr>
+        <p:spPr/>
+        <p:txBody>
+          <a:bodyPr/>
+          <a:lstStyle/>
+          <a:p>
+            <a:r>
+              <a:rPr kumimoji="1" lang="ja-JP" altLang="en-US" dirty="0" smtClean="0">
+                <a:latin typeface="メイリオ" pitchFamily="50" charset="-128"/>
+                <a:ea typeface="メイリオ" pitchFamily="50" charset="-128"/>
+                <a:cs typeface="メイリオ" pitchFamily="50" charset="-128"/>
+              </a:rPr>
+              <a:t>バグ</a:t>
+            </a:r>
+            <a:r>
+              <a:rPr lang="ja-JP" altLang="en-US" dirty="0" smtClean="0">
+                <a:latin typeface="メイリオ" pitchFamily="50" charset="-128"/>
+                <a:ea typeface="メイリオ" pitchFamily="50" charset="-128"/>
+                <a:cs typeface="メイリオ" pitchFamily="50" charset="-128"/>
+              </a:rPr>
+              <a:t>の原因の特定</a:t>
+            </a:r>
+            <a:endParaRPr lang="en-US" altLang="ja-JP" dirty="0" smtClean="0">
+              <a:latin typeface="メイリオ" pitchFamily="50" charset="-128"/>
+              <a:ea typeface="メイリオ" pitchFamily="50" charset="-128"/>
+              <a:cs typeface="メイリオ" pitchFamily="50" charset="-128"/>
+            </a:endParaRPr>
+          </a:p>
+          <a:p>
+            <a:r>
+              <a:rPr lang="en-US" altLang="ja-JP" dirty="0" err="1" smtClean="0">
+                <a:latin typeface="メイリオ" pitchFamily="50" charset="-128"/>
+                <a:ea typeface="メイリオ" pitchFamily="50" charset="-128"/>
+                <a:cs typeface="メイリオ" pitchFamily="50" charset="-128"/>
+              </a:rPr>
+              <a:t>p</a:t>
+            </a:r>
+            <a:r>
+              <a:rPr kumimoji="1" lang="en-US" altLang="ja-JP" dirty="0" err="1" smtClean="0">
+                <a:latin typeface="メイリオ" pitchFamily="50" charset="-128"/>
+                <a:ea typeface="メイリオ" pitchFamily="50" charset="-128"/>
+                <a:cs typeface="メイリオ" pitchFamily="50" charset="-128"/>
+              </a:rPr>
+              <a:t>rintf</a:t>
+            </a:r>
+            <a:r>
+              <a:rPr kumimoji="1" lang="en-US" altLang="ja-JP" dirty="0" smtClean="0">
+                <a:latin typeface="メイリオ" pitchFamily="50" charset="-128"/>
+                <a:ea typeface="メイリオ" pitchFamily="50" charset="-128"/>
+                <a:cs typeface="メイリオ" pitchFamily="50" charset="-128"/>
+              </a:rPr>
+              <a:t> </a:t>
+            </a:r>
+            <a:r>
+              <a:rPr kumimoji="1" lang="ja-JP" altLang="en-US" dirty="0" smtClean="0">
+                <a:latin typeface="メイリオ" pitchFamily="50" charset="-128"/>
+                <a:ea typeface="メイリオ" pitchFamily="50" charset="-128"/>
+                <a:cs typeface="メイリオ" pitchFamily="50" charset="-128"/>
+              </a:rPr>
+              <a:t>デバッグに頼っていませんか</a:t>
+            </a:r>
+            <a:r>
+              <a:rPr kumimoji="1" lang="en-US" altLang="ja-JP" dirty="0" smtClean="0">
+                <a:latin typeface="メイリオ" pitchFamily="50" charset="-128"/>
+                <a:ea typeface="メイリオ" pitchFamily="50" charset="-128"/>
+                <a:cs typeface="メイリオ" pitchFamily="50" charset="-128"/>
+              </a:rPr>
+              <a:t>?</a:t>
+            </a:r>
+          </a:p>
+          <a:p>
+            <a:r>
+              <a:rPr kumimoji="1" lang="ja-JP" altLang="en-US" dirty="0" smtClean="0">
+                <a:latin typeface="メイリオ" pitchFamily="50" charset="-128"/>
+                <a:ea typeface="メイリオ" pitchFamily="50" charset="-128"/>
+                <a:cs typeface="メイリオ" pitchFamily="50" charset="-128"/>
+              </a:rPr>
+              <a:t>変数</a:t>
+            </a:r>
+            <a:r>
+              <a:rPr lang="ja-JP" altLang="en-US" dirty="0" smtClean="0">
+                <a:latin typeface="メイリオ" pitchFamily="50" charset="-128"/>
+                <a:ea typeface="メイリオ" pitchFamily="50" charset="-128"/>
+                <a:cs typeface="メイリオ" pitchFamily="50" charset="-128"/>
+              </a:rPr>
+              <a:t>を表示</a:t>
+            </a:r>
+            <a:r>
+              <a:rPr kumimoji="1" lang="ja-JP" altLang="en-US" dirty="0" smtClean="0">
+                <a:latin typeface="メイリオ" pitchFamily="50" charset="-128"/>
+                <a:ea typeface="メイリオ" pitchFamily="50" charset="-128"/>
+                <a:cs typeface="メイリオ" pitchFamily="50" charset="-128"/>
+              </a:rPr>
+              <a:t>しまくって山のようなログが流れるとか</a:t>
+            </a:r>
+            <a:endParaRPr kumimoji="1" lang="ja-JP" altLang="en-US" dirty="0">
+              <a:latin typeface="メイリオ" pitchFamily="50" charset="-128"/>
+              <a:ea typeface="メイリオ" pitchFamily="50" charset="-128"/>
+              <a:cs typeface="メイリオ" pitchFamily="50" charset="-128"/>
+            </a:endParaRPr>
+          </a:p>
+        </p:txBody>
+      </p:sp>
+      <p:sp>
+        <p:nvSpPr>
           <p:cNvPr id="4" name="日付プレースホルダー 3"/>
           <p:cNvSpPr>
             <a:spLocks noGrp="1"/>
@@ -9321,7 +9181,7 @@
               <a:pPr>
                 <a:defRPr/>
               </a:pPr>
-              <a:t>2014/08/16</a:t>
+              <a:t>2014/08/29</a:t>
             </a:fld>
             <a:endParaRPr lang="ja-JP" altLang="en-US" dirty="0">
               <a:latin typeface="メイリオ" pitchFamily="50" charset="-128"/>
@@ -9368,18 +9228,3622 @@
           </a:p>
         </p:txBody>
       </p:sp>
+    </p:spTree>
+    <p:extLst>
+      <p:ext uri="{BB962C8B-B14F-4D97-AF65-F5344CB8AC3E}">
+        <p14:creationId xmlns="" xmlns:p14="http://schemas.microsoft.com/office/powerpoint/2010/main" val="1890745276"/>
+      </p:ext>
+    </p:extLst>
+  </p:cSld>
+  <p:clrMapOvr>
+    <a:masterClrMapping/>
+  </p:clrMapOvr>
+</p:sld>
+</file>
+
+<file path=ppt/slides/slide14.xml><?xml version="1.0" encoding="utf-8"?>
+<p:sld xmlns:a="http://schemas.openxmlformats.org/drawingml/2006/main" xmlns:r="http://schemas.openxmlformats.org/officeDocument/2006/relationships" xmlns:p="http://schemas.openxmlformats.org/presentationml/2006/main">
+  <p:cSld>
+    <p:spTree>
+      <p:nvGrpSpPr>
+        <p:cNvPr id="1" name=""/>
+        <p:cNvGrpSpPr/>
+        <p:nvPr/>
+      </p:nvGrpSpPr>
+      <p:grpSpPr>
+        <a:xfrm>
+          <a:off x="0" y="0"/>
+          <a:ext cx="0" cy="0"/>
+          <a:chOff x="0" y="0"/>
+          <a:chExt cx="0" cy="0"/>
+        </a:xfrm>
+      </p:grpSpPr>
+      <p:sp>
+        <p:nvSpPr>
+          <p:cNvPr id="2" name="タイトル 1"/>
+          <p:cNvSpPr>
+            <a:spLocks noGrp="1"/>
+          </p:cNvSpPr>
+          <p:nvPr>
+            <p:ph type="title"/>
+          </p:nvPr>
+        </p:nvSpPr>
+        <p:spPr/>
+        <p:txBody>
+          <a:bodyPr/>
+          <a:lstStyle/>
+          <a:p>
+            <a:pPr algn="ctr"/>
+            <a:r>
+              <a:rPr kumimoji="1" lang="ja-JP" altLang="en-US" sz="4000" dirty="0" smtClean="0">
+                <a:solidFill>
+                  <a:schemeClr val="tx1"/>
+                </a:solidFill>
+                <a:latin typeface="メイリオ" pitchFamily="50" charset="-128"/>
+                <a:ea typeface="メイリオ" pitchFamily="50" charset="-128"/>
+                <a:cs typeface="メイリオ" pitchFamily="50" charset="-128"/>
+              </a:rPr>
+              <a:t>デバッガの活用</a:t>
+            </a:r>
+            <a:endParaRPr kumimoji="1" lang="ja-JP" altLang="en-US" sz="4000" dirty="0">
+              <a:solidFill>
+                <a:schemeClr val="tx1"/>
+              </a:solidFill>
+              <a:latin typeface="メイリオ" pitchFamily="50" charset="-128"/>
+              <a:ea typeface="メイリオ" pitchFamily="50" charset="-128"/>
+              <a:cs typeface="メイリオ" pitchFamily="50" charset="-128"/>
+            </a:endParaRPr>
+          </a:p>
+        </p:txBody>
+      </p:sp>
+      <p:sp>
+        <p:nvSpPr>
+          <p:cNvPr id="3" name="コンテンツ プレースホルダー 2"/>
+          <p:cNvSpPr>
+            <a:spLocks noGrp="1"/>
+          </p:cNvSpPr>
+          <p:nvPr>
+            <p:ph idx="1"/>
+          </p:nvPr>
+        </p:nvSpPr>
+        <p:spPr/>
+        <p:txBody>
+          <a:bodyPr/>
+          <a:lstStyle/>
+          <a:p>
+            <a:r>
+              <a:rPr kumimoji="1" lang="ja-JP" altLang="en-US" dirty="0" smtClean="0">
+                <a:latin typeface="メイリオ" pitchFamily="50" charset="-128"/>
+                <a:ea typeface="メイリオ" pitchFamily="50" charset="-128"/>
+                <a:cs typeface="メイリオ" pitchFamily="50" charset="-128"/>
+              </a:rPr>
+              <a:t>デバッガを使いましょう</a:t>
+            </a:r>
+            <a:endParaRPr kumimoji="1" lang="en-US" altLang="ja-JP" dirty="0" smtClean="0">
+              <a:latin typeface="メイリオ" pitchFamily="50" charset="-128"/>
+              <a:ea typeface="メイリオ" pitchFamily="50" charset="-128"/>
+              <a:cs typeface="メイリオ" pitchFamily="50" charset="-128"/>
+            </a:endParaRPr>
+          </a:p>
+          <a:p>
+            <a:r>
+              <a:rPr kumimoji="1" lang="en-US" altLang="ja-JP" dirty="0" smtClean="0">
+                <a:latin typeface="メイリオ" pitchFamily="50" charset="-128"/>
+                <a:ea typeface="メイリオ" pitchFamily="50" charset="-128"/>
+                <a:cs typeface="メイリオ" pitchFamily="50" charset="-128"/>
+              </a:rPr>
+              <a:t>Python </a:t>
+            </a:r>
+            <a:r>
+              <a:rPr kumimoji="1" lang="ja-JP" altLang="en-US" dirty="0" smtClean="0">
+                <a:latin typeface="メイリオ" pitchFamily="50" charset="-128"/>
+                <a:ea typeface="メイリオ" pitchFamily="50" charset="-128"/>
+                <a:cs typeface="メイリオ" pitchFamily="50" charset="-128"/>
+              </a:rPr>
+              <a:t>だったら </a:t>
+            </a:r>
+            <a:r>
+              <a:rPr kumimoji="1" lang="en-US" altLang="ja-JP" dirty="0" err="1" smtClean="0">
+                <a:latin typeface="メイリオ" pitchFamily="50" charset="-128"/>
+                <a:ea typeface="メイリオ" pitchFamily="50" charset="-128"/>
+                <a:cs typeface="メイリオ" pitchFamily="50" charset="-128"/>
+              </a:rPr>
+              <a:t>pdb</a:t>
+            </a:r>
+            <a:endParaRPr kumimoji="1" lang="en-US" altLang="ja-JP" dirty="0" smtClean="0">
+              <a:latin typeface="メイリオ" pitchFamily="50" charset="-128"/>
+              <a:ea typeface="メイリオ" pitchFamily="50" charset="-128"/>
+              <a:cs typeface="メイリオ" pitchFamily="50" charset="-128"/>
+            </a:endParaRPr>
+          </a:p>
+          <a:p>
+            <a:r>
+              <a:rPr kumimoji="1" lang="en-US" altLang="ja-JP" dirty="0" smtClean="0">
+                <a:latin typeface="メイリオ" pitchFamily="50" charset="-128"/>
+                <a:ea typeface="メイリオ" pitchFamily="50" charset="-128"/>
+                <a:cs typeface="メイリオ" pitchFamily="50" charset="-128"/>
+              </a:rPr>
+              <a:t>GUI </a:t>
+            </a:r>
+            <a:r>
+              <a:rPr kumimoji="1" lang="ja-JP" altLang="en-US" dirty="0" smtClean="0">
+                <a:latin typeface="メイリオ" pitchFamily="50" charset="-128"/>
+                <a:ea typeface="メイリオ" pitchFamily="50" charset="-128"/>
+                <a:cs typeface="メイリオ" pitchFamily="50" charset="-128"/>
+              </a:rPr>
+              <a:t>が必要なら </a:t>
+            </a:r>
+            <a:r>
+              <a:rPr kumimoji="1" lang="en-US" altLang="ja-JP" dirty="0" err="1" smtClean="0">
+                <a:latin typeface="メイリオ" pitchFamily="50" charset="-128"/>
+                <a:ea typeface="メイリオ" pitchFamily="50" charset="-128"/>
+                <a:cs typeface="メイリオ" pitchFamily="50" charset="-128"/>
+              </a:rPr>
+              <a:t>WinPDB</a:t>
+            </a:r>
+            <a:r>
+              <a:rPr kumimoji="1" lang="en-US" altLang="ja-JP" dirty="0" smtClean="0">
+                <a:latin typeface="メイリオ" pitchFamily="50" charset="-128"/>
+                <a:ea typeface="メイリオ" pitchFamily="50" charset="-128"/>
+                <a:cs typeface="メイリオ" pitchFamily="50" charset="-128"/>
+              </a:rPr>
+              <a:t> </a:t>
+            </a:r>
+            <a:r>
+              <a:rPr kumimoji="1" lang="ja-JP" altLang="en-US" dirty="0" smtClean="0">
+                <a:latin typeface="メイリオ" pitchFamily="50" charset="-128"/>
+                <a:ea typeface="メイリオ" pitchFamily="50" charset="-128"/>
+                <a:cs typeface="メイリオ" pitchFamily="50" charset="-128"/>
+              </a:rPr>
+              <a:t>とか </a:t>
+            </a:r>
+            <a:r>
+              <a:rPr kumimoji="1" lang="en-US" altLang="ja-JP" dirty="0" smtClean="0">
+                <a:latin typeface="メイリオ" pitchFamily="50" charset="-128"/>
+                <a:ea typeface="メイリオ" pitchFamily="50" charset="-128"/>
+                <a:cs typeface="メイリオ" pitchFamily="50" charset="-128"/>
+              </a:rPr>
+              <a:t>Eclipse </a:t>
+            </a:r>
+            <a:r>
+              <a:rPr kumimoji="1" lang="ja-JP" altLang="en-US" dirty="0" smtClean="0">
+                <a:latin typeface="メイリオ" pitchFamily="50" charset="-128"/>
+                <a:ea typeface="メイリオ" pitchFamily="50" charset="-128"/>
+                <a:cs typeface="メイリオ" pitchFamily="50" charset="-128"/>
+              </a:rPr>
+              <a:t>とかいろいろあります</a:t>
+            </a:r>
+            <a:endParaRPr kumimoji="1" lang="en-US" altLang="ja-JP" dirty="0" smtClean="0">
+              <a:latin typeface="メイリオ" pitchFamily="50" charset="-128"/>
+              <a:ea typeface="メイリオ" pitchFamily="50" charset="-128"/>
+              <a:cs typeface="メイリオ" pitchFamily="50" charset="-128"/>
+            </a:endParaRPr>
+          </a:p>
+          <a:p>
+            <a:r>
+              <a:rPr lang="ja-JP" altLang="en-US" dirty="0" smtClean="0">
+                <a:latin typeface="メイリオ" pitchFamily="50" charset="-128"/>
+                <a:ea typeface="メイリオ" pitchFamily="50" charset="-128"/>
+                <a:cs typeface="メイリオ" pitchFamily="50" charset="-128"/>
+              </a:rPr>
+              <a:t>今回</a:t>
+            </a:r>
+            <a:r>
+              <a:rPr lang="ja-JP" altLang="en-US" dirty="0" smtClean="0">
+                <a:latin typeface="メイリオ" pitchFamily="50" charset="-128"/>
+                <a:ea typeface="メイリオ" pitchFamily="50" charset="-128"/>
+                <a:cs typeface="メイリオ" pitchFamily="50" charset="-128"/>
+              </a:rPr>
+              <a:t>は </a:t>
+            </a:r>
+            <a:r>
+              <a:rPr lang="en-US" altLang="ja-JP" dirty="0" err="1" smtClean="0">
+                <a:latin typeface="メイリオ" pitchFamily="50" charset="-128"/>
+                <a:ea typeface="メイリオ" pitchFamily="50" charset="-128"/>
+                <a:cs typeface="メイリオ" pitchFamily="50" charset="-128"/>
+              </a:rPr>
+              <a:t>WinPDB</a:t>
+            </a:r>
+            <a:r>
+              <a:rPr lang="en-US" altLang="ja-JP" dirty="0" smtClean="0">
+                <a:latin typeface="メイリオ" pitchFamily="50" charset="-128"/>
+                <a:ea typeface="メイリオ" pitchFamily="50" charset="-128"/>
+                <a:cs typeface="メイリオ" pitchFamily="50" charset="-128"/>
+              </a:rPr>
+              <a:t> </a:t>
+            </a:r>
+            <a:r>
+              <a:rPr lang="ja-JP" altLang="en-US" dirty="0" smtClean="0">
+                <a:latin typeface="メイリオ" pitchFamily="50" charset="-128"/>
+                <a:ea typeface="メイリオ" pitchFamily="50" charset="-128"/>
+                <a:cs typeface="メイリオ" pitchFamily="50" charset="-128"/>
+              </a:rPr>
+              <a:t>の紹介</a:t>
+            </a:r>
+            <a:endParaRPr kumimoji="1" lang="ja-JP" altLang="en-US" dirty="0">
+              <a:latin typeface="メイリオ" pitchFamily="50" charset="-128"/>
+              <a:ea typeface="メイリオ" pitchFamily="50" charset="-128"/>
+              <a:cs typeface="メイリオ" pitchFamily="50" charset="-128"/>
+            </a:endParaRPr>
+          </a:p>
+        </p:txBody>
+      </p:sp>
+      <p:sp>
+        <p:nvSpPr>
+          <p:cNvPr id="4" name="日付プレースホルダー 3"/>
+          <p:cNvSpPr>
+            <a:spLocks noGrp="1"/>
+          </p:cNvSpPr>
+          <p:nvPr>
+            <p:ph type="dt" sz="half" idx="10"/>
+          </p:nvPr>
+        </p:nvSpPr>
+        <p:spPr/>
+        <p:txBody>
+          <a:bodyPr/>
+          <a:lstStyle/>
+          <a:p>
+            <a:pPr>
+              <a:defRPr/>
+            </a:pPr>
+            <a:fld id="{A9259AFE-7AC7-4F49-85B9-5B069C761CE3}" type="datetime5">
+              <a:rPr lang="ja-JP" altLang="en-US" smtClean="0">
+                <a:latin typeface="メイリオ" pitchFamily="50" charset="-128"/>
+                <a:ea typeface="メイリオ" pitchFamily="50" charset="-128"/>
+                <a:cs typeface="メイリオ" pitchFamily="50" charset="-128"/>
+              </a:rPr>
+              <a:pPr>
+                <a:defRPr/>
+              </a:pPr>
+              <a:t>2014/08/29</a:t>
+            </a:fld>
+            <a:endParaRPr lang="ja-JP" altLang="en-US" dirty="0">
+              <a:latin typeface="メイリオ" pitchFamily="50" charset="-128"/>
+              <a:ea typeface="メイリオ" pitchFamily="50" charset="-128"/>
+              <a:cs typeface="メイリオ" pitchFamily="50" charset="-128"/>
+            </a:endParaRPr>
+          </a:p>
+        </p:txBody>
+      </p:sp>
+      <p:sp>
+        <p:nvSpPr>
+          <p:cNvPr id="6" name="スライド番号プレースホルダー 5"/>
+          <p:cNvSpPr>
+            <a:spLocks noGrp="1"/>
+          </p:cNvSpPr>
+          <p:nvPr>
+            <p:ph type="sldNum" sz="quarter" idx="12"/>
+          </p:nvPr>
+        </p:nvSpPr>
+        <p:spPr/>
+        <p:txBody>
+          <a:bodyPr/>
+          <a:lstStyle/>
+          <a:p>
+            <a:pPr>
+              <a:defRPr/>
+            </a:pPr>
+            <a:fld id="{29799127-F303-4AE7-A969-D0F8A278DEB3}" type="slidenum">
+              <a:rPr lang="ja-JP" altLang="en-US" smtClean="0">
+                <a:latin typeface="メイリオ" pitchFamily="50" charset="-128"/>
+                <a:ea typeface="メイリオ" pitchFamily="50" charset="-128"/>
+                <a:cs typeface="メイリオ" pitchFamily="50" charset="-128"/>
+              </a:rPr>
+              <a:pPr>
+                <a:defRPr/>
+              </a:pPr>
+              <a:t>14</a:t>
+            </a:fld>
+            <a:endParaRPr lang="ja-JP" altLang="en-US">
+              <a:latin typeface="メイリオ" pitchFamily="50" charset="-128"/>
+              <a:ea typeface="メイリオ" pitchFamily="50" charset="-128"/>
+              <a:cs typeface="メイリオ" pitchFamily="50" charset="-128"/>
+            </a:endParaRPr>
+          </a:p>
+        </p:txBody>
+      </p:sp>
+    </p:spTree>
+    <p:extLst>
+      <p:ext uri="{BB962C8B-B14F-4D97-AF65-F5344CB8AC3E}">
+        <p14:creationId xmlns="" xmlns:p14="http://schemas.microsoft.com/office/powerpoint/2010/main" val="1890745276"/>
+      </p:ext>
+    </p:extLst>
+  </p:cSld>
+  <p:clrMapOvr>
+    <a:masterClrMapping/>
+  </p:clrMapOvr>
+</p:sld>
+</file>
+
+<file path=ppt/slides/slide15.xml><?xml version="1.0" encoding="utf-8"?>
+<p:sld xmlns:a="http://schemas.openxmlformats.org/drawingml/2006/main" xmlns:r="http://schemas.openxmlformats.org/officeDocument/2006/relationships" xmlns:p="http://schemas.openxmlformats.org/presentationml/2006/main">
+  <p:cSld>
+    <p:spTree>
+      <p:nvGrpSpPr>
+        <p:cNvPr id="1" name=""/>
+        <p:cNvGrpSpPr/>
+        <p:nvPr/>
+      </p:nvGrpSpPr>
+      <p:grpSpPr>
+        <a:xfrm>
+          <a:off x="0" y="0"/>
+          <a:ext cx="0" cy="0"/>
+          <a:chOff x="0" y="0"/>
+          <a:chExt cx="0" cy="0"/>
+        </a:xfrm>
+      </p:grpSpPr>
+      <p:sp>
+        <p:nvSpPr>
+          <p:cNvPr id="2" name="タイトル 1"/>
+          <p:cNvSpPr>
+            <a:spLocks noGrp="1"/>
+          </p:cNvSpPr>
+          <p:nvPr>
+            <p:ph type="title"/>
+          </p:nvPr>
+        </p:nvSpPr>
+        <p:spPr/>
+        <p:txBody>
+          <a:bodyPr/>
+          <a:lstStyle/>
+          <a:p>
+            <a:pPr algn="ctr"/>
+            <a:r>
+              <a:rPr kumimoji="1" lang="en-US" altLang="ja-JP" sz="4000" dirty="0" err="1" smtClean="0">
+                <a:solidFill>
+                  <a:schemeClr val="tx1"/>
+                </a:solidFill>
+                <a:latin typeface="メイリオ" pitchFamily="50" charset="-128"/>
+                <a:ea typeface="メイリオ" pitchFamily="50" charset="-128"/>
+                <a:cs typeface="メイリオ" pitchFamily="50" charset="-128"/>
+              </a:rPr>
+              <a:t>WinPDB</a:t>
+            </a:r>
+            <a:endParaRPr kumimoji="1" lang="ja-JP" altLang="en-US" sz="4000" dirty="0">
+              <a:solidFill>
+                <a:schemeClr val="tx1"/>
+              </a:solidFill>
+              <a:latin typeface="メイリオ" pitchFamily="50" charset="-128"/>
+              <a:ea typeface="メイリオ" pitchFamily="50" charset="-128"/>
+              <a:cs typeface="メイリオ" pitchFamily="50" charset="-128"/>
+            </a:endParaRPr>
+          </a:p>
+        </p:txBody>
+      </p:sp>
+      <p:sp>
+        <p:nvSpPr>
+          <p:cNvPr id="3" name="コンテンツ プレースホルダー 2"/>
+          <p:cNvSpPr>
+            <a:spLocks noGrp="1"/>
+          </p:cNvSpPr>
+          <p:nvPr>
+            <p:ph idx="1"/>
+          </p:nvPr>
+        </p:nvSpPr>
+        <p:spPr>
+          <a:xfrm>
+            <a:off x="3457596" y="942977"/>
+            <a:ext cx="5543560" cy="3594497"/>
+          </a:xfrm>
+        </p:spPr>
+        <p:txBody>
+          <a:bodyPr/>
+          <a:lstStyle/>
+          <a:p>
+            <a:r>
+              <a:rPr kumimoji="1" lang="ja-JP" altLang="en-US" dirty="0" smtClean="0">
+                <a:latin typeface="メイリオ" pitchFamily="50" charset="-128"/>
+                <a:ea typeface="メイリオ" pitchFamily="50" charset="-128"/>
+                <a:cs typeface="メイリオ" pitchFamily="50" charset="-128"/>
+              </a:rPr>
+              <a:t>シンプル</a:t>
+            </a:r>
+            <a:endParaRPr kumimoji="1" lang="en-US" altLang="ja-JP" dirty="0" smtClean="0">
+              <a:latin typeface="メイリオ" pitchFamily="50" charset="-128"/>
+              <a:ea typeface="メイリオ" pitchFamily="50" charset="-128"/>
+              <a:cs typeface="メイリオ" pitchFamily="50" charset="-128"/>
+            </a:endParaRPr>
+          </a:p>
+          <a:p>
+            <a:r>
+              <a:rPr kumimoji="1" lang="ja-JP" altLang="en-US" dirty="0" smtClean="0">
+                <a:latin typeface="メイリオ" pitchFamily="50" charset="-128"/>
+                <a:ea typeface="メイリオ" pitchFamily="50" charset="-128"/>
+                <a:cs typeface="メイリオ" pitchFamily="50" charset="-128"/>
+              </a:rPr>
+              <a:t>デバッガに特化</a:t>
+            </a:r>
+            <a:endParaRPr kumimoji="1" lang="en-US" altLang="ja-JP" dirty="0" smtClean="0">
+              <a:latin typeface="メイリオ" pitchFamily="50" charset="-128"/>
+              <a:ea typeface="メイリオ" pitchFamily="50" charset="-128"/>
+              <a:cs typeface="メイリオ" pitchFamily="50" charset="-128"/>
+            </a:endParaRPr>
+          </a:p>
+          <a:p>
+            <a:r>
+              <a:rPr kumimoji="1" lang="ja-JP" altLang="en-US" dirty="0" smtClean="0">
+                <a:latin typeface="メイリオ" pitchFamily="50" charset="-128"/>
+                <a:ea typeface="メイリオ" pitchFamily="50" charset="-128"/>
+                <a:cs typeface="メイリオ" pitchFamily="50" charset="-128"/>
+              </a:rPr>
+              <a:t>リモートデバッグも対応</a:t>
+            </a:r>
+            <a:endParaRPr kumimoji="1" lang="en-US" altLang="ja-JP" dirty="0" smtClean="0">
+              <a:latin typeface="メイリオ" pitchFamily="50" charset="-128"/>
+              <a:ea typeface="メイリオ" pitchFamily="50" charset="-128"/>
+              <a:cs typeface="メイリオ" pitchFamily="50" charset="-128"/>
+            </a:endParaRPr>
+          </a:p>
+          <a:p>
+            <a:r>
+              <a:rPr kumimoji="1" lang="en-US" altLang="ja-JP" dirty="0" err="1" smtClean="0">
+                <a:latin typeface="メイリオ" pitchFamily="50" charset="-128"/>
+                <a:ea typeface="メイリオ" pitchFamily="50" charset="-128"/>
+                <a:cs typeface="メイリオ" pitchFamily="50" charset="-128"/>
+              </a:rPr>
+              <a:t>DCCTools</a:t>
+            </a:r>
+            <a:r>
+              <a:rPr kumimoji="1" lang="ja-JP" altLang="en-US" dirty="0" smtClean="0">
+                <a:latin typeface="メイリオ" pitchFamily="50" charset="-128"/>
+                <a:ea typeface="メイリオ" pitchFamily="50" charset="-128"/>
+                <a:cs typeface="メイリオ" pitchFamily="50" charset="-128"/>
+              </a:rPr>
+              <a:t>上のスクリプトも手軽にデバッグできる</a:t>
+            </a:r>
+            <a:endParaRPr kumimoji="1" lang="en-US" altLang="ja-JP" dirty="0" smtClean="0">
+              <a:latin typeface="メイリオ" pitchFamily="50" charset="-128"/>
+              <a:ea typeface="メイリオ" pitchFamily="50" charset="-128"/>
+              <a:cs typeface="メイリオ" pitchFamily="50" charset="-128"/>
+            </a:endParaRPr>
+          </a:p>
+          <a:p>
+            <a:r>
+              <a:rPr kumimoji="1" lang="ja-JP" altLang="en-US" dirty="0" smtClean="0">
+                <a:latin typeface="メイリオ" pitchFamily="50" charset="-128"/>
+                <a:ea typeface="メイリオ" pitchFamily="50" charset="-128"/>
+                <a:cs typeface="メイリオ" pitchFamily="50" charset="-128"/>
+              </a:rPr>
+              <a:t>機能的に</a:t>
+            </a:r>
+            <a:r>
+              <a:rPr kumimoji="1" lang="ja-JP" altLang="en-US" dirty="0" smtClean="0">
+                <a:latin typeface="メイリオ" pitchFamily="50" charset="-128"/>
+                <a:ea typeface="メイリオ" pitchFamily="50" charset="-128"/>
+                <a:cs typeface="メイリオ" pitchFamily="50" charset="-128"/>
+              </a:rPr>
+              <a:t>はちょっと足りないところも</a:t>
+            </a:r>
+            <a:endParaRPr kumimoji="1" lang="ja-JP" altLang="en-US" dirty="0">
+              <a:latin typeface="メイリオ" pitchFamily="50" charset="-128"/>
+              <a:ea typeface="メイリオ" pitchFamily="50" charset="-128"/>
+              <a:cs typeface="メイリオ" pitchFamily="50" charset="-128"/>
+            </a:endParaRPr>
+          </a:p>
+        </p:txBody>
+      </p:sp>
+      <p:sp>
+        <p:nvSpPr>
+          <p:cNvPr id="4" name="日付プレースホルダー 3"/>
+          <p:cNvSpPr>
+            <a:spLocks noGrp="1"/>
+          </p:cNvSpPr>
+          <p:nvPr>
+            <p:ph type="dt" sz="half" idx="10"/>
+          </p:nvPr>
+        </p:nvSpPr>
+        <p:spPr/>
+        <p:txBody>
+          <a:bodyPr/>
+          <a:lstStyle/>
+          <a:p>
+            <a:pPr>
+              <a:defRPr/>
+            </a:pPr>
+            <a:fld id="{A9259AFE-7AC7-4F49-85B9-5B069C761CE3}" type="datetime5">
+              <a:rPr lang="ja-JP" altLang="en-US" smtClean="0">
+                <a:latin typeface="メイリオ" pitchFamily="50" charset="-128"/>
+                <a:ea typeface="メイリオ" pitchFamily="50" charset="-128"/>
+                <a:cs typeface="メイリオ" pitchFamily="50" charset="-128"/>
+              </a:rPr>
+              <a:pPr>
+                <a:defRPr/>
+              </a:pPr>
+              <a:t>2014/08/30</a:t>
+            </a:fld>
+            <a:endParaRPr lang="ja-JP" altLang="en-US" dirty="0">
+              <a:latin typeface="メイリオ" pitchFamily="50" charset="-128"/>
+              <a:ea typeface="メイリオ" pitchFamily="50" charset="-128"/>
+              <a:cs typeface="メイリオ" pitchFamily="50" charset="-128"/>
+            </a:endParaRPr>
+          </a:p>
+        </p:txBody>
+      </p:sp>
+      <p:sp>
+        <p:nvSpPr>
+          <p:cNvPr id="6" name="スライド番号プレースホルダー 5"/>
+          <p:cNvSpPr>
+            <a:spLocks noGrp="1"/>
+          </p:cNvSpPr>
+          <p:nvPr>
+            <p:ph type="sldNum" sz="quarter" idx="12"/>
+          </p:nvPr>
+        </p:nvSpPr>
+        <p:spPr/>
+        <p:txBody>
+          <a:bodyPr/>
+          <a:lstStyle/>
+          <a:p>
+            <a:pPr>
+              <a:defRPr/>
+            </a:pPr>
+            <a:fld id="{29799127-F303-4AE7-A969-D0F8A278DEB3}" type="slidenum">
+              <a:rPr lang="ja-JP" altLang="en-US" smtClean="0">
+                <a:latin typeface="メイリオ" pitchFamily="50" charset="-128"/>
+                <a:ea typeface="メイリオ" pitchFamily="50" charset="-128"/>
+                <a:cs typeface="メイリオ" pitchFamily="50" charset="-128"/>
+              </a:rPr>
+              <a:pPr>
+                <a:defRPr/>
+              </a:pPr>
+              <a:t>15</a:t>
+            </a:fld>
+            <a:endParaRPr lang="ja-JP" altLang="en-US">
+              <a:latin typeface="メイリオ" pitchFamily="50" charset="-128"/>
+              <a:ea typeface="メイリオ" pitchFamily="50" charset="-128"/>
+              <a:cs typeface="メイリオ" pitchFamily="50" charset="-128"/>
+            </a:endParaRPr>
+          </a:p>
+        </p:txBody>
+      </p:sp>
+      <p:pic>
+        <p:nvPicPr>
+          <p:cNvPr id="1026" name="Picture 2" descr="D:\chiyama\Documents\Research\CEDEC2014\chiyama\WinPDB.png"/>
+          <p:cNvPicPr>
+            <a:picLocks noChangeAspect="1" noChangeArrowheads="1"/>
+          </p:cNvPicPr>
+          <p:nvPr/>
+        </p:nvPicPr>
+        <p:blipFill>
+          <a:blip r:embed="rId2"/>
+          <a:srcRect/>
+          <a:stretch>
+            <a:fillRect/>
+          </a:stretch>
+        </p:blipFill>
+        <p:spPr bwMode="auto">
+          <a:xfrm>
+            <a:off x="214282" y="1571618"/>
+            <a:ext cx="3146541" cy="2319341"/>
+          </a:xfrm>
+          <a:prstGeom prst="rect">
+            <a:avLst/>
+          </a:prstGeom>
+          <a:noFill/>
+        </p:spPr>
+      </p:pic>
+    </p:spTree>
+    <p:extLst>
+      <p:ext uri="{BB962C8B-B14F-4D97-AF65-F5344CB8AC3E}">
+        <p14:creationId xmlns="" xmlns:p14="http://schemas.microsoft.com/office/powerpoint/2010/main" val="1890745276"/>
+      </p:ext>
+    </p:extLst>
+  </p:cSld>
+  <p:clrMapOvr>
+    <a:masterClrMapping/>
+  </p:clrMapOvr>
+</p:sld>
+</file>
+
+<file path=ppt/slides/slide16.xml><?xml version="1.0" encoding="utf-8"?>
+<p:sld xmlns:a="http://schemas.openxmlformats.org/drawingml/2006/main" xmlns:r="http://schemas.openxmlformats.org/officeDocument/2006/relationships" xmlns:p="http://schemas.openxmlformats.org/presentationml/2006/main">
+  <p:cSld>
+    <p:spTree>
+      <p:nvGrpSpPr>
+        <p:cNvPr id="1" name=""/>
+        <p:cNvGrpSpPr/>
+        <p:nvPr/>
+      </p:nvGrpSpPr>
+      <p:grpSpPr>
+        <a:xfrm>
+          <a:off x="0" y="0"/>
+          <a:ext cx="0" cy="0"/>
+          <a:chOff x="0" y="0"/>
+          <a:chExt cx="0" cy="0"/>
+        </a:xfrm>
+      </p:grpSpPr>
+      <p:sp>
+        <p:nvSpPr>
+          <p:cNvPr id="2" name="タイトル 1"/>
+          <p:cNvSpPr>
+            <a:spLocks noGrp="1"/>
+          </p:cNvSpPr>
+          <p:nvPr>
+            <p:ph type="title"/>
+          </p:nvPr>
+        </p:nvSpPr>
+        <p:spPr/>
+        <p:txBody>
+          <a:bodyPr/>
+          <a:lstStyle/>
+          <a:p>
+            <a:pPr algn="ctr"/>
+            <a:r>
+              <a:rPr kumimoji="1" lang="ja-JP" altLang="en-US" sz="4000" dirty="0" smtClean="0">
+                <a:solidFill>
+                  <a:schemeClr val="tx1"/>
+                </a:solidFill>
+                <a:latin typeface="メイリオ" pitchFamily="50" charset="-128"/>
+                <a:ea typeface="メイリオ" pitchFamily="50" charset="-128"/>
+                <a:cs typeface="メイリオ" pitchFamily="50" charset="-128"/>
+              </a:rPr>
+              <a:t>リモートデバッグ</a:t>
+            </a:r>
+            <a:endParaRPr kumimoji="1" lang="ja-JP" altLang="en-US" sz="4000" dirty="0">
+              <a:solidFill>
+                <a:schemeClr val="tx1"/>
+              </a:solidFill>
+              <a:latin typeface="メイリオ" pitchFamily="50" charset="-128"/>
+              <a:ea typeface="メイリオ" pitchFamily="50" charset="-128"/>
+              <a:cs typeface="メイリオ" pitchFamily="50" charset="-128"/>
+            </a:endParaRPr>
+          </a:p>
+        </p:txBody>
+      </p:sp>
+      <p:sp>
+        <p:nvSpPr>
+          <p:cNvPr id="3" name="コンテンツ プレースホルダー 2"/>
+          <p:cNvSpPr>
+            <a:spLocks noGrp="1"/>
+          </p:cNvSpPr>
+          <p:nvPr>
+            <p:ph idx="1"/>
+          </p:nvPr>
+        </p:nvSpPr>
+        <p:spPr>
+          <a:xfrm>
+            <a:off x="457200" y="942977"/>
+            <a:ext cx="8229600" cy="3700475"/>
+          </a:xfrm>
+        </p:spPr>
+        <p:txBody>
+          <a:bodyPr/>
+          <a:lstStyle/>
+          <a:p>
+            <a:r>
+              <a:rPr lang="ja-JP" altLang="en-US" dirty="0" smtClean="0">
+                <a:latin typeface="メイリオ" pitchFamily="50" charset="-128"/>
+                <a:ea typeface="メイリオ" pitchFamily="50" charset="-128"/>
+                <a:cs typeface="メイリオ" pitchFamily="50" charset="-128"/>
+              </a:rPr>
+              <a:t>アプリケーションとデバッガ間で通信して動作を確認する</a:t>
+            </a:r>
+            <a:endParaRPr lang="en-US" altLang="ja-JP" dirty="0" smtClean="0">
+              <a:latin typeface="メイリオ" pitchFamily="50" charset="-128"/>
+              <a:ea typeface="メイリオ" pitchFamily="50" charset="-128"/>
+              <a:cs typeface="メイリオ" pitchFamily="50" charset="-128"/>
+            </a:endParaRPr>
+          </a:p>
+          <a:p>
+            <a:r>
+              <a:rPr kumimoji="1" lang="en-US" altLang="ja-JP" dirty="0" err="1" smtClean="0">
+                <a:latin typeface="メイリオ" pitchFamily="50" charset="-128"/>
+                <a:ea typeface="メイリオ" pitchFamily="50" charset="-128"/>
+                <a:cs typeface="メイリオ" pitchFamily="50" charset="-128"/>
+              </a:rPr>
+              <a:t>DCCTools</a:t>
+            </a:r>
+            <a:r>
+              <a:rPr kumimoji="1" lang="en-US" altLang="ja-JP" dirty="0" smtClean="0">
+                <a:latin typeface="メイリオ" pitchFamily="50" charset="-128"/>
+                <a:ea typeface="メイリオ" pitchFamily="50" charset="-128"/>
+                <a:cs typeface="メイリオ" pitchFamily="50" charset="-128"/>
+              </a:rPr>
+              <a:t> </a:t>
+            </a:r>
+            <a:r>
+              <a:rPr kumimoji="1" lang="ja-JP" altLang="en-US" dirty="0" smtClean="0">
+                <a:latin typeface="メイリオ" pitchFamily="50" charset="-128"/>
+                <a:ea typeface="メイリオ" pitchFamily="50" charset="-128"/>
+                <a:cs typeface="メイリオ" pitchFamily="50" charset="-128"/>
+              </a:rPr>
+              <a:t>でも使用可能</a:t>
+            </a:r>
+            <a:endParaRPr kumimoji="1" lang="en-US" altLang="ja-JP" dirty="0" smtClean="0">
+              <a:latin typeface="メイリオ" pitchFamily="50" charset="-128"/>
+              <a:ea typeface="メイリオ" pitchFamily="50" charset="-128"/>
+              <a:cs typeface="メイリオ" pitchFamily="50" charset="-128"/>
+            </a:endParaRPr>
+          </a:p>
+          <a:p>
+            <a:r>
+              <a:rPr lang="ja-JP" altLang="en-US" dirty="0" smtClean="0">
+                <a:latin typeface="メイリオ" pitchFamily="50" charset="-128"/>
+                <a:ea typeface="メイリオ" pitchFamily="50" charset="-128"/>
+                <a:cs typeface="メイリオ" pitchFamily="50" charset="-128"/>
+              </a:rPr>
+              <a:t>デバッグを開始したい場所に以下のコードを</a:t>
+            </a:r>
+            <a:r>
+              <a:rPr lang="ja-JP" altLang="en-US" dirty="0" smtClean="0">
+                <a:latin typeface="メイリオ" pitchFamily="50" charset="-128"/>
+                <a:ea typeface="メイリオ" pitchFamily="50" charset="-128"/>
+                <a:cs typeface="メイリオ" pitchFamily="50" charset="-128"/>
+              </a:rPr>
+              <a:t>埋め込んで実行</a:t>
+            </a:r>
+            <a:endParaRPr kumimoji="1" lang="ja-JP" altLang="en-US" dirty="0">
+              <a:latin typeface="メイリオ" pitchFamily="50" charset="-128"/>
+              <a:ea typeface="メイリオ" pitchFamily="50" charset="-128"/>
+              <a:cs typeface="メイリオ" pitchFamily="50" charset="-128"/>
+            </a:endParaRPr>
+          </a:p>
+        </p:txBody>
+      </p:sp>
+      <p:sp>
+        <p:nvSpPr>
+          <p:cNvPr id="4" name="日付プレースホルダー 3"/>
+          <p:cNvSpPr>
+            <a:spLocks noGrp="1"/>
+          </p:cNvSpPr>
+          <p:nvPr>
+            <p:ph type="dt" sz="half" idx="10"/>
+          </p:nvPr>
+        </p:nvSpPr>
+        <p:spPr/>
+        <p:txBody>
+          <a:bodyPr/>
+          <a:lstStyle/>
+          <a:p>
+            <a:pPr>
+              <a:defRPr/>
+            </a:pPr>
+            <a:fld id="{A9259AFE-7AC7-4F49-85B9-5B069C761CE3}" type="datetime5">
+              <a:rPr lang="ja-JP" altLang="en-US" smtClean="0">
+                <a:latin typeface="メイリオ" pitchFamily="50" charset="-128"/>
+                <a:ea typeface="メイリオ" pitchFamily="50" charset="-128"/>
+                <a:cs typeface="メイリオ" pitchFamily="50" charset="-128"/>
+              </a:rPr>
+              <a:pPr>
+                <a:defRPr/>
+              </a:pPr>
+              <a:t>2014/08/30</a:t>
+            </a:fld>
+            <a:endParaRPr lang="ja-JP" altLang="en-US" dirty="0">
+              <a:latin typeface="メイリオ" pitchFamily="50" charset="-128"/>
+              <a:ea typeface="メイリオ" pitchFamily="50" charset="-128"/>
+              <a:cs typeface="メイリオ" pitchFamily="50" charset="-128"/>
+            </a:endParaRPr>
+          </a:p>
+        </p:txBody>
+      </p:sp>
+      <p:sp>
+        <p:nvSpPr>
+          <p:cNvPr id="6" name="スライド番号プレースホルダー 5"/>
+          <p:cNvSpPr>
+            <a:spLocks noGrp="1"/>
+          </p:cNvSpPr>
+          <p:nvPr>
+            <p:ph type="sldNum" sz="quarter" idx="12"/>
+          </p:nvPr>
+        </p:nvSpPr>
+        <p:spPr/>
+        <p:txBody>
+          <a:bodyPr/>
+          <a:lstStyle/>
+          <a:p>
+            <a:pPr>
+              <a:defRPr/>
+            </a:pPr>
+            <a:fld id="{29799127-F303-4AE7-A969-D0F8A278DEB3}" type="slidenum">
+              <a:rPr lang="ja-JP" altLang="en-US" smtClean="0">
+                <a:latin typeface="メイリオ" pitchFamily="50" charset="-128"/>
+                <a:ea typeface="メイリオ" pitchFamily="50" charset="-128"/>
+                <a:cs typeface="メイリオ" pitchFamily="50" charset="-128"/>
+              </a:rPr>
+              <a:pPr>
+                <a:defRPr/>
+              </a:pPr>
+              <a:t>16</a:t>
+            </a:fld>
+            <a:endParaRPr lang="ja-JP" altLang="en-US">
+              <a:latin typeface="メイリオ" pitchFamily="50" charset="-128"/>
+              <a:ea typeface="メイリオ" pitchFamily="50" charset="-128"/>
+              <a:cs typeface="メイリオ" pitchFamily="50" charset="-128"/>
+            </a:endParaRPr>
+          </a:p>
+        </p:txBody>
+      </p:sp>
+      <p:sp>
+        <p:nvSpPr>
+          <p:cNvPr id="7" name="テキスト ボックス 6"/>
+          <p:cNvSpPr txBox="1"/>
+          <p:nvPr/>
+        </p:nvSpPr>
+        <p:spPr>
+          <a:xfrm>
+            <a:off x="785786" y="3886152"/>
+            <a:ext cx="7143800" cy="400110"/>
+          </a:xfrm>
+          <a:prstGeom prst="rect">
+            <a:avLst/>
+          </a:prstGeom>
+          <a:solidFill>
+            <a:schemeClr val="bg1">
+              <a:lumMod val="85000"/>
+            </a:schemeClr>
+          </a:solidFill>
+          <a:ln>
+            <a:solidFill>
+              <a:schemeClr val="tx1"/>
+            </a:solidFill>
+          </a:ln>
+        </p:spPr>
+        <p:txBody>
+          <a:bodyPr wrap="square" rtlCol="0">
+            <a:spAutoFit/>
+          </a:bodyPr>
+          <a:lstStyle/>
+          <a:p>
+            <a:r>
+              <a:rPr lang="en-US" sz="1000" dirty="0" smtClean="0"/>
+              <a:t>import rpdb2</a:t>
+            </a:r>
+          </a:p>
+          <a:p>
+            <a:r>
+              <a:rPr lang="en-US" sz="1000" dirty="0" smtClean="0"/>
+              <a:t>rpdb2.start_embedded_debugger(‘password’)</a:t>
+            </a:r>
+            <a:endParaRPr lang="en-US" sz="1000" dirty="0" smtClean="0">
+              <a:latin typeface="MS UI Gothic" pitchFamily="50" charset="-128"/>
+              <a:ea typeface="MS UI Gothic" pitchFamily="50" charset="-128"/>
+              <a:cs typeface="メイリオ" pitchFamily="50" charset="-128"/>
+            </a:endParaRPr>
+          </a:p>
+        </p:txBody>
+      </p:sp>
+    </p:spTree>
+    <p:extLst>
+      <p:ext uri="{BB962C8B-B14F-4D97-AF65-F5344CB8AC3E}">
+        <p14:creationId xmlns="" xmlns:p14="http://schemas.microsoft.com/office/powerpoint/2010/main" val="1890745276"/>
+      </p:ext>
+    </p:extLst>
+  </p:cSld>
+  <p:clrMapOvr>
+    <a:masterClrMapping/>
+  </p:clrMapOvr>
+</p:sld>
+</file>
+
+<file path=ppt/slides/slide17.xml><?xml version="1.0" encoding="utf-8"?>
+<p:sld xmlns:a="http://schemas.openxmlformats.org/drawingml/2006/main" xmlns:r="http://schemas.openxmlformats.org/officeDocument/2006/relationships" xmlns:p="http://schemas.openxmlformats.org/presentationml/2006/main">
+  <p:cSld>
+    <p:spTree>
+      <p:nvGrpSpPr>
+        <p:cNvPr id="1" name=""/>
+        <p:cNvGrpSpPr/>
+        <p:nvPr/>
+      </p:nvGrpSpPr>
+      <p:grpSpPr>
+        <a:xfrm>
+          <a:off x="0" y="0"/>
+          <a:ext cx="0" cy="0"/>
+          <a:chOff x="0" y="0"/>
+          <a:chExt cx="0" cy="0"/>
+        </a:xfrm>
+      </p:grpSpPr>
+      <p:sp>
+        <p:nvSpPr>
+          <p:cNvPr id="2" name="タイトル 1"/>
+          <p:cNvSpPr>
+            <a:spLocks noGrp="1"/>
+          </p:cNvSpPr>
+          <p:nvPr>
+            <p:ph type="title"/>
+          </p:nvPr>
+        </p:nvSpPr>
+        <p:spPr/>
+        <p:txBody>
+          <a:bodyPr/>
+          <a:lstStyle/>
+          <a:p>
+            <a:pPr algn="ctr"/>
+            <a:r>
+              <a:rPr kumimoji="1" lang="ja-JP" altLang="en-US" sz="4000" dirty="0" smtClean="0">
+                <a:solidFill>
+                  <a:schemeClr val="tx1"/>
+                </a:solidFill>
+                <a:latin typeface="メイリオ" pitchFamily="50" charset="-128"/>
+                <a:ea typeface="メイリオ" pitchFamily="50" charset="-128"/>
+                <a:cs typeface="メイリオ" pitchFamily="50" charset="-128"/>
+              </a:rPr>
+              <a:t>リモートデバッグの例</a:t>
+            </a:r>
+            <a:endParaRPr kumimoji="1" lang="ja-JP" altLang="en-US" sz="4000" dirty="0">
+              <a:solidFill>
+                <a:schemeClr val="tx1"/>
+              </a:solidFill>
+              <a:latin typeface="メイリオ" pitchFamily="50" charset="-128"/>
+              <a:ea typeface="メイリオ" pitchFamily="50" charset="-128"/>
+              <a:cs typeface="メイリオ" pitchFamily="50" charset="-128"/>
+            </a:endParaRPr>
+          </a:p>
+        </p:txBody>
+      </p:sp>
+      <p:sp>
+        <p:nvSpPr>
+          <p:cNvPr id="3" name="コンテンツ プレースホルダー 2"/>
+          <p:cNvSpPr>
+            <a:spLocks noGrp="1"/>
+          </p:cNvSpPr>
+          <p:nvPr>
+            <p:ph idx="1"/>
+          </p:nvPr>
+        </p:nvSpPr>
+        <p:spPr>
+          <a:xfrm>
+            <a:off x="457200" y="942977"/>
+            <a:ext cx="8229600" cy="3700475"/>
+          </a:xfrm>
+        </p:spPr>
+        <p:txBody>
+          <a:bodyPr/>
+          <a:lstStyle/>
+          <a:p>
+            <a:r>
+              <a:rPr kumimoji="1" lang="en-US" altLang="ja-JP" dirty="0" smtClean="0">
+                <a:latin typeface="メイリオ" pitchFamily="50" charset="-128"/>
+                <a:ea typeface="メイリオ" pitchFamily="50" charset="-128"/>
+                <a:cs typeface="メイリオ" pitchFamily="50" charset="-128"/>
+              </a:rPr>
+              <a:t>Maya</a:t>
+            </a:r>
+            <a:r>
+              <a:rPr kumimoji="1" lang="ja-JP" altLang="en-US" dirty="0" smtClean="0">
+                <a:latin typeface="メイリオ" pitchFamily="50" charset="-128"/>
+                <a:ea typeface="メイリオ" pitchFamily="50" charset="-128"/>
+                <a:cs typeface="メイリオ" pitchFamily="50" charset="-128"/>
+              </a:rPr>
+              <a:t>上</a:t>
+            </a:r>
+            <a:r>
+              <a:rPr lang="ja-JP" altLang="en-US" dirty="0" smtClean="0">
+                <a:latin typeface="メイリオ" pitchFamily="50" charset="-128"/>
+                <a:ea typeface="メイリオ" pitchFamily="50" charset="-128"/>
+                <a:cs typeface="メイリオ" pitchFamily="50" charset="-128"/>
+              </a:rPr>
+              <a:t>で動作する</a:t>
+            </a:r>
+            <a:r>
+              <a:rPr kumimoji="1" lang="ja-JP" altLang="en-US" dirty="0" smtClean="0">
+                <a:latin typeface="メイリオ" pitchFamily="50" charset="-128"/>
+                <a:ea typeface="メイリオ" pitchFamily="50" charset="-128"/>
+                <a:cs typeface="メイリオ" pitchFamily="50" charset="-128"/>
+              </a:rPr>
+              <a:t>スクリプトをデバッグする</a:t>
+            </a:r>
+            <a:endParaRPr kumimoji="1" lang="en-US" altLang="ja-JP" dirty="0" smtClean="0">
+              <a:latin typeface="メイリオ" pitchFamily="50" charset="-128"/>
+              <a:ea typeface="メイリオ" pitchFamily="50" charset="-128"/>
+              <a:cs typeface="メイリオ" pitchFamily="50" charset="-128"/>
+            </a:endParaRPr>
+          </a:p>
+          <a:p>
+            <a:r>
+              <a:rPr lang="ja-JP" altLang="en-US" dirty="0" smtClean="0">
+                <a:latin typeface="メイリオ" pitchFamily="50" charset="-128"/>
+                <a:ea typeface="メイリオ" pitchFamily="50" charset="-128"/>
+                <a:cs typeface="メイリオ" pitchFamily="50" charset="-128"/>
+              </a:rPr>
+              <a:t>例</a:t>
+            </a:r>
+            <a:r>
+              <a:rPr lang="en-US" altLang="ja-JP" dirty="0" smtClean="0">
+                <a:latin typeface="メイリオ" pitchFamily="50" charset="-128"/>
+                <a:ea typeface="メイリオ" pitchFamily="50" charset="-128"/>
+                <a:cs typeface="メイリオ" pitchFamily="50" charset="-128"/>
+              </a:rPr>
+              <a:t>:</a:t>
+            </a:r>
+            <a:r>
+              <a:rPr lang="ja-JP" altLang="en-US" dirty="0" smtClean="0">
+                <a:latin typeface="メイリオ" pitchFamily="50" charset="-128"/>
+                <a:ea typeface="メイリオ" pitchFamily="50" charset="-128"/>
+                <a:cs typeface="メイリオ" pitchFamily="50" charset="-128"/>
+              </a:rPr>
+              <a:t>選択</a:t>
+            </a:r>
+            <a:r>
+              <a:rPr lang="ja-JP" altLang="en-US" dirty="0" smtClean="0">
+                <a:latin typeface="メイリオ" pitchFamily="50" charset="-128"/>
+                <a:ea typeface="メイリオ" pitchFamily="50" charset="-128"/>
+                <a:cs typeface="メイリオ" pitchFamily="50" charset="-128"/>
+              </a:rPr>
+              <a:t>して</a:t>
+            </a:r>
+            <a:r>
+              <a:rPr lang="ja-JP" altLang="en-US" dirty="0" smtClean="0">
+                <a:latin typeface="メイリオ" pitchFamily="50" charset="-128"/>
+                <a:ea typeface="メイリオ" pitchFamily="50" charset="-128"/>
+                <a:cs typeface="メイリオ" pitchFamily="50" charset="-128"/>
+              </a:rPr>
+              <a:t>いるオブジェクトのアトリビュートを一覧するスクリプト</a:t>
+            </a:r>
+            <a:endParaRPr kumimoji="1" lang="en-US" altLang="ja-JP" dirty="0" smtClean="0">
+              <a:latin typeface="メイリオ" pitchFamily="50" charset="-128"/>
+              <a:ea typeface="メイリオ" pitchFamily="50" charset="-128"/>
+              <a:cs typeface="メイリオ" pitchFamily="50" charset="-128"/>
+            </a:endParaRPr>
+          </a:p>
+        </p:txBody>
+      </p:sp>
+      <p:sp>
+        <p:nvSpPr>
+          <p:cNvPr id="4" name="日付プレースホルダー 3"/>
+          <p:cNvSpPr>
+            <a:spLocks noGrp="1"/>
+          </p:cNvSpPr>
+          <p:nvPr>
+            <p:ph type="dt" sz="half" idx="10"/>
+          </p:nvPr>
+        </p:nvSpPr>
+        <p:spPr/>
+        <p:txBody>
+          <a:bodyPr/>
+          <a:lstStyle/>
+          <a:p>
+            <a:pPr>
+              <a:defRPr/>
+            </a:pPr>
+            <a:fld id="{A9259AFE-7AC7-4F49-85B9-5B069C761CE3}" type="datetime5">
+              <a:rPr lang="ja-JP" altLang="en-US" smtClean="0">
+                <a:latin typeface="メイリオ" pitchFamily="50" charset="-128"/>
+                <a:ea typeface="メイリオ" pitchFamily="50" charset="-128"/>
+                <a:cs typeface="メイリオ" pitchFamily="50" charset="-128"/>
+              </a:rPr>
+              <a:pPr>
+                <a:defRPr/>
+              </a:pPr>
+              <a:t>2014/08/30</a:t>
+            </a:fld>
+            <a:endParaRPr lang="ja-JP" altLang="en-US" dirty="0">
+              <a:latin typeface="メイリオ" pitchFamily="50" charset="-128"/>
+              <a:ea typeface="メイリオ" pitchFamily="50" charset="-128"/>
+              <a:cs typeface="メイリオ" pitchFamily="50" charset="-128"/>
+            </a:endParaRPr>
+          </a:p>
+        </p:txBody>
+      </p:sp>
+      <p:sp>
+        <p:nvSpPr>
+          <p:cNvPr id="6" name="スライド番号プレースホルダー 5"/>
+          <p:cNvSpPr>
+            <a:spLocks noGrp="1"/>
+          </p:cNvSpPr>
+          <p:nvPr>
+            <p:ph type="sldNum" sz="quarter" idx="12"/>
+          </p:nvPr>
+        </p:nvSpPr>
+        <p:spPr/>
+        <p:txBody>
+          <a:bodyPr/>
+          <a:lstStyle/>
+          <a:p>
+            <a:pPr>
+              <a:defRPr/>
+            </a:pPr>
+            <a:fld id="{29799127-F303-4AE7-A969-D0F8A278DEB3}" type="slidenum">
+              <a:rPr lang="ja-JP" altLang="en-US" smtClean="0">
+                <a:latin typeface="メイリオ" pitchFamily="50" charset="-128"/>
+                <a:ea typeface="メイリオ" pitchFamily="50" charset="-128"/>
+                <a:cs typeface="メイリオ" pitchFamily="50" charset="-128"/>
+              </a:rPr>
+              <a:pPr>
+                <a:defRPr/>
+              </a:pPr>
+              <a:t>17</a:t>
+            </a:fld>
+            <a:endParaRPr lang="ja-JP" altLang="en-US">
+              <a:latin typeface="メイリオ" pitchFamily="50" charset="-128"/>
+              <a:ea typeface="メイリオ" pitchFamily="50" charset="-128"/>
+              <a:cs typeface="メイリオ" pitchFamily="50" charset="-128"/>
+            </a:endParaRPr>
+          </a:p>
+        </p:txBody>
+      </p:sp>
+      <p:sp>
+        <p:nvSpPr>
+          <p:cNvPr id="7" name="テキスト ボックス 6"/>
+          <p:cNvSpPr txBox="1"/>
+          <p:nvPr/>
+        </p:nvSpPr>
+        <p:spPr>
+          <a:xfrm>
+            <a:off x="785786" y="3105699"/>
+            <a:ext cx="7143800" cy="1323439"/>
+          </a:xfrm>
+          <a:prstGeom prst="rect">
+            <a:avLst/>
+          </a:prstGeom>
+          <a:solidFill>
+            <a:schemeClr val="bg1">
+              <a:lumMod val="85000"/>
+            </a:schemeClr>
+          </a:solidFill>
+          <a:ln>
+            <a:solidFill>
+              <a:schemeClr val="tx1"/>
+            </a:solidFill>
+          </a:ln>
+        </p:spPr>
+        <p:txBody>
+          <a:bodyPr wrap="square" rtlCol="0">
+            <a:spAutoFit/>
+          </a:bodyPr>
+          <a:lstStyle/>
+          <a:p>
+            <a:r>
+              <a:rPr lang="en-US" sz="1000" dirty="0" smtClean="0"/>
+              <a:t>import </a:t>
+            </a:r>
+            <a:r>
+              <a:rPr lang="en-US" sz="1000" dirty="0" err="1" smtClean="0"/>
+              <a:t>maya.cmds</a:t>
+            </a:r>
+            <a:r>
+              <a:rPr lang="en-US" sz="1000" dirty="0" smtClean="0"/>
+              <a:t> as </a:t>
+            </a:r>
+            <a:r>
+              <a:rPr lang="en-US" sz="1000" dirty="0" err="1" smtClean="0"/>
+              <a:t>cmds</a:t>
+            </a:r>
+            <a:endParaRPr lang="en-US" sz="1000" dirty="0" smtClean="0"/>
+          </a:p>
+          <a:p>
+            <a:endParaRPr lang="en-US" sz="1000" dirty="0" smtClean="0"/>
+          </a:p>
+          <a:p>
+            <a:r>
+              <a:rPr lang="en-US" sz="1000" dirty="0" smtClean="0"/>
+              <a:t>def </a:t>
+            </a:r>
+            <a:r>
+              <a:rPr lang="en-US" sz="1000" dirty="0" err="1" smtClean="0"/>
+              <a:t>printAttr</a:t>
+            </a:r>
+            <a:r>
+              <a:rPr lang="en-US" sz="1000" dirty="0" smtClean="0"/>
+              <a:t>():</a:t>
+            </a:r>
+          </a:p>
+          <a:p>
+            <a:r>
+              <a:rPr lang="en-US" sz="1000" dirty="0" smtClean="0"/>
+              <a:t>    for l in cmds.ls(</a:t>
+            </a:r>
+            <a:r>
+              <a:rPr lang="en-US" sz="1000" dirty="0" err="1" smtClean="0"/>
+              <a:t>sl</a:t>
+            </a:r>
+            <a:r>
+              <a:rPr lang="en-US" sz="1000" dirty="0" smtClean="0"/>
+              <a:t>=True):</a:t>
+            </a:r>
+          </a:p>
+          <a:p>
+            <a:r>
+              <a:rPr lang="en-US" sz="1000" dirty="0" smtClean="0"/>
+              <a:t>        for </a:t>
+            </a:r>
+            <a:r>
+              <a:rPr lang="en-US" sz="1000" dirty="0" err="1" smtClean="0"/>
+              <a:t>attr</a:t>
+            </a:r>
+            <a:r>
+              <a:rPr lang="en-US" sz="1000" dirty="0" smtClean="0"/>
+              <a:t> in </a:t>
+            </a:r>
+            <a:r>
+              <a:rPr lang="en-US" sz="1000" dirty="0" err="1" smtClean="0"/>
+              <a:t>cmds.listAttr</a:t>
+            </a:r>
+            <a:r>
+              <a:rPr lang="en-US" sz="1000" dirty="0" smtClean="0"/>
+              <a:t>(</a:t>
+            </a:r>
+            <a:r>
+              <a:rPr lang="en-US" sz="1000" dirty="0" err="1" smtClean="0"/>
+              <a:t>i</a:t>
+            </a:r>
+            <a:r>
+              <a:rPr lang="en-US" sz="1000" dirty="0" smtClean="0"/>
+              <a:t>):</a:t>
+            </a:r>
+          </a:p>
+          <a:p>
+            <a:r>
+              <a:rPr lang="en-US" sz="1000" dirty="0" smtClean="0"/>
+              <a:t>            print </a:t>
+            </a:r>
+            <a:r>
+              <a:rPr lang="en-US" sz="1000" dirty="0" err="1" smtClean="0"/>
+              <a:t>attr</a:t>
+            </a:r>
+            <a:endParaRPr lang="en-US" sz="1000" dirty="0" smtClean="0"/>
+          </a:p>
+          <a:p>
+            <a:endParaRPr lang="en-US" sz="1000" dirty="0" smtClean="0"/>
+          </a:p>
+          <a:p>
+            <a:r>
+              <a:rPr lang="en-US" sz="1000" dirty="0" err="1" smtClean="0"/>
+              <a:t>printAttr</a:t>
+            </a:r>
+            <a:r>
+              <a:rPr lang="en-US" sz="1000" dirty="0" smtClean="0"/>
+              <a:t>()</a:t>
+            </a:r>
+          </a:p>
+        </p:txBody>
+      </p:sp>
+    </p:spTree>
+    <p:extLst>
+      <p:ext uri="{BB962C8B-B14F-4D97-AF65-F5344CB8AC3E}">
+        <p14:creationId xmlns="" xmlns:p14="http://schemas.microsoft.com/office/powerpoint/2010/main" val="1890745276"/>
+      </p:ext>
+    </p:extLst>
+  </p:cSld>
+  <p:clrMapOvr>
+    <a:masterClrMapping/>
+  </p:clrMapOvr>
+</p:sld>
+</file>
+
+<file path=ppt/slides/slide18.xml><?xml version="1.0" encoding="utf-8"?>
+<p:sld xmlns:a="http://schemas.openxmlformats.org/drawingml/2006/main" xmlns:r="http://schemas.openxmlformats.org/officeDocument/2006/relationships" xmlns:p="http://schemas.openxmlformats.org/presentationml/2006/main">
+  <p:cSld>
+    <p:spTree>
+      <p:nvGrpSpPr>
+        <p:cNvPr id="1" name=""/>
+        <p:cNvGrpSpPr/>
+        <p:nvPr/>
+      </p:nvGrpSpPr>
+      <p:grpSpPr>
+        <a:xfrm>
+          <a:off x="0" y="0"/>
+          <a:ext cx="0" cy="0"/>
+          <a:chOff x="0" y="0"/>
+          <a:chExt cx="0" cy="0"/>
+        </a:xfrm>
+      </p:grpSpPr>
+      <p:sp>
+        <p:nvSpPr>
+          <p:cNvPr id="2" name="タイトル 1"/>
+          <p:cNvSpPr>
+            <a:spLocks noGrp="1"/>
+          </p:cNvSpPr>
+          <p:nvPr>
+            <p:ph type="title"/>
+          </p:nvPr>
+        </p:nvSpPr>
+        <p:spPr/>
+        <p:txBody>
+          <a:bodyPr/>
+          <a:lstStyle/>
+          <a:p>
+            <a:pPr algn="ctr"/>
+            <a:r>
+              <a:rPr lang="ja-JP" altLang="en-US" sz="4000" dirty="0" smtClean="0">
+                <a:solidFill>
+                  <a:schemeClr val="tx1"/>
+                </a:solidFill>
+                <a:latin typeface="メイリオ" pitchFamily="50" charset="-128"/>
+                <a:ea typeface="メイリオ" pitchFamily="50" charset="-128"/>
+                <a:cs typeface="メイリオ" pitchFamily="50" charset="-128"/>
+              </a:rPr>
+              <a:t>デモ</a:t>
+            </a:r>
+            <a:endParaRPr kumimoji="1" lang="ja-JP" altLang="en-US" sz="4000" dirty="0">
+              <a:solidFill>
+                <a:schemeClr val="tx1"/>
+              </a:solidFill>
+              <a:latin typeface="メイリオ" pitchFamily="50" charset="-128"/>
+              <a:ea typeface="メイリオ" pitchFamily="50" charset="-128"/>
+              <a:cs typeface="メイリオ" pitchFamily="50" charset="-128"/>
+            </a:endParaRPr>
+          </a:p>
+        </p:txBody>
+      </p:sp>
+      <p:sp>
+        <p:nvSpPr>
+          <p:cNvPr id="4" name="日付プレースホルダー 3"/>
+          <p:cNvSpPr>
+            <a:spLocks noGrp="1"/>
+          </p:cNvSpPr>
+          <p:nvPr>
+            <p:ph type="dt" sz="half" idx="10"/>
+          </p:nvPr>
+        </p:nvSpPr>
+        <p:spPr/>
+        <p:txBody>
+          <a:bodyPr/>
+          <a:lstStyle/>
+          <a:p>
+            <a:pPr>
+              <a:defRPr/>
+            </a:pPr>
+            <a:fld id="{A9259AFE-7AC7-4F49-85B9-5B069C761CE3}" type="datetime5">
+              <a:rPr lang="ja-JP" altLang="en-US" smtClean="0">
+                <a:latin typeface="メイリオ" pitchFamily="50" charset="-128"/>
+                <a:ea typeface="メイリオ" pitchFamily="50" charset="-128"/>
+                <a:cs typeface="メイリオ" pitchFamily="50" charset="-128"/>
+              </a:rPr>
+              <a:pPr>
+                <a:defRPr/>
+              </a:pPr>
+              <a:t>2014/08/30</a:t>
+            </a:fld>
+            <a:endParaRPr lang="ja-JP" altLang="en-US" dirty="0">
+              <a:latin typeface="メイリオ" pitchFamily="50" charset="-128"/>
+              <a:ea typeface="メイリオ" pitchFamily="50" charset="-128"/>
+              <a:cs typeface="メイリオ" pitchFamily="50" charset="-128"/>
+            </a:endParaRPr>
+          </a:p>
+        </p:txBody>
+      </p:sp>
+      <p:sp>
+        <p:nvSpPr>
+          <p:cNvPr id="6" name="スライド番号プレースホルダー 5"/>
+          <p:cNvSpPr>
+            <a:spLocks noGrp="1"/>
+          </p:cNvSpPr>
+          <p:nvPr>
+            <p:ph type="sldNum" sz="quarter" idx="12"/>
+          </p:nvPr>
+        </p:nvSpPr>
+        <p:spPr/>
+        <p:txBody>
+          <a:bodyPr/>
+          <a:lstStyle/>
+          <a:p>
+            <a:pPr>
+              <a:defRPr/>
+            </a:pPr>
+            <a:fld id="{29799127-F303-4AE7-A969-D0F8A278DEB3}" type="slidenum">
+              <a:rPr lang="ja-JP" altLang="en-US" smtClean="0">
+                <a:latin typeface="メイリオ" pitchFamily="50" charset="-128"/>
+                <a:ea typeface="メイリオ" pitchFamily="50" charset="-128"/>
+                <a:cs typeface="メイリオ" pitchFamily="50" charset="-128"/>
+              </a:rPr>
+              <a:pPr>
+                <a:defRPr/>
+              </a:pPr>
+              <a:t>18</a:t>
+            </a:fld>
+            <a:endParaRPr lang="ja-JP" altLang="en-US">
+              <a:latin typeface="メイリオ" pitchFamily="50" charset="-128"/>
+              <a:ea typeface="メイリオ" pitchFamily="50" charset="-128"/>
+              <a:cs typeface="メイリオ" pitchFamily="50" charset="-128"/>
+            </a:endParaRPr>
+          </a:p>
+        </p:txBody>
+      </p:sp>
+      <p:pic>
+        <p:nvPicPr>
+          <p:cNvPr id="2050" name="Picture 2" descr="D:\chiyama\Documents\Research\CEDEC2014\chiyama\WinPDB_demo.png">
+            <a:hlinkClick r:id="rId2" action="ppaction://hlinkfile"/>
+          </p:cNvPr>
+          <p:cNvPicPr>
+            <a:picLocks noChangeAspect="1" noChangeArrowheads="1"/>
+          </p:cNvPicPr>
+          <p:nvPr/>
+        </p:nvPicPr>
+        <p:blipFill>
+          <a:blip r:embed="rId3"/>
+          <a:srcRect/>
+          <a:stretch>
+            <a:fillRect/>
+          </a:stretch>
+        </p:blipFill>
+        <p:spPr bwMode="auto">
+          <a:xfrm>
+            <a:off x="1103427" y="833441"/>
+            <a:ext cx="6937147" cy="3810011"/>
+          </a:xfrm>
+          <a:prstGeom prst="rect">
+            <a:avLst/>
+          </a:prstGeom>
+          <a:noFill/>
+        </p:spPr>
+      </p:pic>
+    </p:spTree>
+    <p:extLst>
+      <p:ext uri="{BB962C8B-B14F-4D97-AF65-F5344CB8AC3E}">
+        <p14:creationId xmlns="" xmlns:p14="http://schemas.microsoft.com/office/powerpoint/2010/main" val="1890745276"/>
+      </p:ext>
+    </p:extLst>
+  </p:cSld>
+  <p:clrMapOvr>
+    <a:masterClrMapping/>
+  </p:clrMapOvr>
+</p:sld>
+</file>
+
+<file path=ppt/slides/slide19.xml><?xml version="1.0" encoding="utf-8"?>
+<p:sld xmlns:a="http://schemas.openxmlformats.org/drawingml/2006/main" xmlns:r="http://schemas.openxmlformats.org/officeDocument/2006/relationships" xmlns:p="http://schemas.openxmlformats.org/presentationml/2006/main">
+  <p:cSld>
+    <p:spTree>
+      <p:nvGrpSpPr>
+        <p:cNvPr id="1" name=""/>
+        <p:cNvGrpSpPr/>
+        <p:nvPr/>
+      </p:nvGrpSpPr>
+      <p:grpSpPr>
+        <a:xfrm>
+          <a:off x="0" y="0"/>
+          <a:ext cx="0" cy="0"/>
+          <a:chOff x="0" y="0"/>
+          <a:chExt cx="0" cy="0"/>
+        </a:xfrm>
+      </p:grpSpPr>
+      <p:sp>
+        <p:nvSpPr>
+          <p:cNvPr id="2" name="タイトル 1"/>
+          <p:cNvSpPr>
+            <a:spLocks noGrp="1"/>
+          </p:cNvSpPr>
+          <p:nvPr>
+            <p:ph type="title"/>
+          </p:nvPr>
+        </p:nvSpPr>
+        <p:spPr/>
+        <p:txBody>
+          <a:bodyPr/>
+          <a:lstStyle/>
+          <a:p>
+            <a:pPr algn="ctr"/>
+            <a:r>
+              <a:rPr kumimoji="1" lang="ja-JP" altLang="en-US" sz="4000" dirty="0" smtClean="0">
+                <a:solidFill>
+                  <a:schemeClr val="tx1"/>
+                </a:solidFill>
+                <a:latin typeface="メイリオ" pitchFamily="50" charset="-128"/>
+                <a:ea typeface="メイリオ" pitchFamily="50" charset="-128"/>
+                <a:cs typeface="メイリオ" pitchFamily="50" charset="-128"/>
+              </a:rPr>
+              <a:t>効率よくコードを書くためのキモ</a:t>
+            </a:r>
+            <a:endParaRPr kumimoji="1" lang="ja-JP" altLang="en-US" sz="4000" dirty="0">
+              <a:solidFill>
+                <a:schemeClr val="tx1"/>
+              </a:solidFill>
+              <a:latin typeface="メイリオ" pitchFamily="50" charset="-128"/>
+              <a:ea typeface="メイリオ" pitchFamily="50" charset="-128"/>
+              <a:cs typeface="メイリオ" pitchFamily="50" charset="-128"/>
+            </a:endParaRPr>
+          </a:p>
+        </p:txBody>
+      </p:sp>
+      <p:sp>
+        <p:nvSpPr>
+          <p:cNvPr id="3" name="コンテンツ プレースホルダー 2"/>
+          <p:cNvSpPr>
+            <a:spLocks noGrp="1"/>
+          </p:cNvSpPr>
+          <p:nvPr>
+            <p:ph idx="1"/>
+          </p:nvPr>
+        </p:nvSpPr>
+        <p:spPr/>
+        <p:txBody>
+          <a:bodyPr anchor="ctr"/>
+          <a:lstStyle/>
+          <a:p>
+            <a:r>
+              <a:rPr kumimoji="1" lang="ja-JP" altLang="en-US" sz="4800" dirty="0" smtClean="0">
+                <a:solidFill>
+                  <a:schemeClr val="bg1">
+                    <a:lumMod val="75000"/>
+                  </a:schemeClr>
+                </a:solidFill>
+                <a:latin typeface="メイリオ" pitchFamily="50" charset="-128"/>
+                <a:ea typeface="メイリオ" pitchFamily="50" charset="-128"/>
+                <a:cs typeface="メイリオ" pitchFamily="50" charset="-128"/>
+              </a:rPr>
+              <a:t>コード品質の維持</a:t>
+            </a:r>
+            <a:endParaRPr kumimoji="1" lang="en-US" altLang="ja-JP" sz="4800" dirty="0" smtClean="0">
+              <a:solidFill>
+                <a:schemeClr val="bg1">
+                  <a:lumMod val="75000"/>
+                </a:schemeClr>
+              </a:solidFill>
+              <a:latin typeface="メイリオ" pitchFamily="50" charset="-128"/>
+              <a:ea typeface="メイリオ" pitchFamily="50" charset="-128"/>
+              <a:cs typeface="メイリオ" pitchFamily="50" charset="-128"/>
+            </a:endParaRPr>
+          </a:p>
+          <a:p>
+            <a:r>
+              <a:rPr lang="ja-JP" altLang="en-US" sz="4800" dirty="0" smtClean="0">
+                <a:solidFill>
+                  <a:schemeClr val="bg1">
+                    <a:lumMod val="75000"/>
+                  </a:schemeClr>
+                </a:solidFill>
+                <a:latin typeface="メイリオ" pitchFamily="50" charset="-128"/>
+                <a:ea typeface="メイリオ" pitchFamily="50" charset="-128"/>
+                <a:cs typeface="メイリオ" pitchFamily="50" charset="-128"/>
+              </a:rPr>
+              <a:t>デバッグ</a:t>
+            </a:r>
+            <a:endParaRPr lang="en-US" altLang="ja-JP" sz="4800" dirty="0" smtClean="0">
+              <a:solidFill>
+                <a:schemeClr val="bg1">
+                  <a:lumMod val="75000"/>
+                </a:schemeClr>
+              </a:solidFill>
+              <a:latin typeface="メイリオ" pitchFamily="50" charset="-128"/>
+              <a:ea typeface="メイリオ" pitchFamily="50" charset="-128"/>
+              <a:cs typeface="メイリオ" pitchFamily="50" charset="-128"/>
+            </a:endParaRPr>
+          </a:p>
+          <a:p>
+            <a:r>
+              <a:rPr kumimoji="1" lang="ja-JP" altLang="en-US" sz="4800" dirty="0" smtClean="0">
+                <a:latin typeface="メイリオ" pitchFamily="50" charset="-128"/>
+                <a:ea typeface="メイリオ" pitchFamily="50" charset="-128"/>
+                <a:cs typeface="メイリオ" pitchFamily="50" charset="-128"/>
+              </a:rPr>
+              <a:t>処理の最適化</a:t>
+            </a:r>
+            <a:endParaRPr kumimoji="1" lang="ja-JP" altLang="en-US" sz="4800" dirty="0">
+              <a:latin typeface="メイリオ" pitchFamily="50" charset="-128"/>
+              <a:ea typeface="メイリオ" pitchFamily="50" charset="-128"/>
+              <a:cs typeface="メイリオ" pitchFamily="50" charset="-128"/>
+            </a:endParaRPr>
+          </a:p>
+        </p:txBody>
+      </p:sp>
+      <p:sp>
+        <p:nvSpPr>
+          <p:cNvPr id="4" name="日付プレースホルダー 3"/>
+          <p:cNvSpPr>
+            <a:spLocks noGrp="1"/>
+          </p:cNvSpPr>
+          <p:nvPr>
+            <p:ph type="dt" sz="half" idx="10"/>
+          </p:nvPr>
+        </p:nvSpPr>
+        <p:spPr/>
+        <p:txBody>
+          <a:bodyPr/>
+          <a:lstStyle/>
+          <a:p>
+            <a:pPr>
+              <a:defRPr/>
+            </a:pPr>
+            <a:fld id="{A9259AFE-7AC7-4F49-85B9-5B069C761CE3}" type="datetime5">
+              <a:rPr lang="ja-JP" altLang="en-US" smtClean="0">
+                <a:latin typeface="メイリオ" pitchFamily="50" charset="-128"/>
+                <a:ea typeface="メイリオ" pitchFamily="50" charset="-128"/>
+                <a:cs typeface="メイリオ" pitchFamily="50" charset="-128"/>
+              </a:rPr>
+              <a:pPr>
+                <a:defRPr/>
+              </a:pPr>
+              <a:t>2014/08/31</a:t>
+            </a:fld>
+            <a:endParaRPr lang="ja-JP" altLang="en-US" dirty="0">
+              <a:latin typeface="メイリオ" pitchFamily="50" charset="-128"/>
+              <a:ea typeface="メイリオ" pitchFamily="50" charset="-128"/>
+              <a:cs typeface="メイリオ" pitchFamily="50" charset="-128"/>
+            </a:endParaRPr>
+          </a:p>
+        </p:txBody>
+      </p:sp>
+      <p:sp>
+        <p:nvSpPr>
+          <p:cNvPr id="6" name="スライド番号プレースホルダー 5"/>
+          <p:cNvSpPr>
+            <a:spLocks noGrp="1"/>
+          </p:cNvSpPr>
+          <p:nvPr>
+            <p:ph type="sldNum" sz="quarter" idx="12"/>
+          </p:nvPr>
+        </p:nvSpPr>
+        <p:spPr/>
+        <p:txBody>
+          <a:bodyPr/>
+          <a:lstStyle/>
+          <a:p>
+            <a:pPr>
+              <a:defRPr/>
+            </a:pPr>
+            <a:fld id="{29799127-F303-4AE7-A969-D0F8A278DEB3}" type="slidenum">
+              <a:rPr lang="ja-JP" altLang="en-US" smtClean="0">
+                <a:latin typeface="メイリオ" pitchFamily="50" charset="-128"/>
+                <a:ea typeface="メイリオ" pitchFamily="50" charset="-128"/>
+                <a:cs typeface="メイリオ" pitchFamily="50" charset="-128"/>
+              </a:rPr>
+              <a:pPr>
+                <a:defRPr/>
+              </a:pPr>
+              <a:t>19</a:t>
+            </a:fld>
+            <a:endParaRPr lang="ja-JP" altLang="en-US">
+              <a:latin typeface="メイリオ" pitchFamily="50" charset="-128"/>
+              <a:ea typeface="メイリオ" pitchFamily="50" charset="-128"/>
+              <a:cs typeface="メイリオ" pitchFamily="50" charset="-128"/>
+            </a:endParaRPr>
+          </a:p>
+        </p:txBody>
+      </p:sp>
+    </p:spTree>
+    <p:extLst>
+      <p:ext uri="{BB962C8B-B14F-4D97-AF65-F5344CB8AC3E}">
+        <p14:creationId xmlns="" xmlns:p14="http://schemas.microsoft.com/office/powerpoint/2010/main" val="1890745276"/>
+      </p:ext>
+    </p:extLst>
+  </p:cSld>
+  <p:clrMapOvr>
+    <a:masterClrMapping/>
+  </p:clrMapOvr>
+</p:sld>
+</file>
+
+<file path=ppt/slides/slide2.xml><?xml version="1.0" encoding="utf-8"?>
+<p:sld xmlns:a="http://schemas.openxmlformats.org/drawingml/2006/main" xmlns:r="http://schemas.openxmlformats.org/officeDocument/2006/relationships" xmlns:p="http://schemas.openxmlformats.org/presentationml/2006/main">
+  <p:cSld>
+    <p:spTree>
+      <p:nvGrpSpPr>
+        <p:cNvPr id="1" name=""/>
+        <p:cNvGrpSpPr/>
+        <p:nvPr/>
+      </p:nvGrpSpPr>
+      <p:grpSpPr>
+        <a:xfrm>
+          <a:off x="0" y="0"/>
+          <a:ext cx="0" cy="0"/>
+          <a:chOff x="0" y="0"/>
+          <a:chExt cx="0" cy="0"/>
+        </a:xfrm>
+      </p:grpSpPr>
+      <p:sp>
+        <p:nvSpPr>
+          <p:cNvPr id="2" name="タイトル 1"/>
+          <p:cNvSpPr>
+            <a:spLocks noGrp="1"/>
+          </p:cNvSpPr>
+          <p:nvPr>
+            <p:ph type="title"/>
+          </p:nvPr>
+        </p:nvSpPr>
+        <p:spPr/>
+        <p:txBody>
+          <a:bodyPr/>
+          <a:lstStyle/>
+          <a:p>
+            <a:pPr algn="ctr"/>
+            <a:r>
+              <a:rPr kumimoji="1" lang="ja-JP" altLang="en-US" sz="4000" dirty="0" smtClean="0">
+                <a:solidFill>
+                  <a:schemeClr val="tx1"/>
+                </a:solidFill>
+                <a:latin typeface="メイリオ" pitchFamily="50" charset="-128"/>
+                <a:ea typeface="メイリオ" pitchFamily="50" charset="-128"/>
+                <a:cs typeface="メイリオ" pitchFamily="50" charset="-128"/>
+              </a:rPr>
+              <a:t>会社紹介</a:t>
+            </a:r>
+            <a:endParaRPr kumimoji="1" lang="ja-JP" altLang="en-US" sz="4000" dirty="0">
+              <a:solidFill>
+                <a:schemeClr val="tx1"/>
+              </a:solidFill>
+              <a:latin typeface="メイリオ" pitchFamily="50" charset="-128"/>
+              <a:ea typeface="メイリオ" pitchFamily="50" charset="-128"/>
+              <a:cs typeface="メイリオ" pitchFamily="50" charset="-128"/>
+            </a:endParaRPr>
+          </a:p>
+        </p:txBody>
+      </p:sp>
+      <p:sp>
+        <p:nvSpPr>
+          <p:cNvPr id="3" name="コンテンツ プレースホルダー 2"/>
+          <p:cNvSpPr>
+            <a:spLocks noGrp="1"/>
+          </p:cNvSpPr>
+          <p:nvPr>
+            <p:ph idx="1"/>
+          </p:nvPr>
+        </p:nvSpPr>
+        <p:spPr/>
+        <p:txBody>
+          <a:bodyPr anchor="ctr"/>
+          <a:lstStyle/>
+          <a:p>
+            <a:r>
+              <a:rPr lang="ja-JP" altLang="en-US" dirty="0" smtClean="0"/>
+              <a:t>映像プロダクション向けにシステムを提供</a:t>
+            </a:r>
+            <a:endParaRPr lang="en-US" altLang="ja-JP" dirty="0" smtClean="0"/>
+          </a:p>
+          <a:p>
+            <a:r>
+              <a:rPr lang="ja-JP" altLang="en-US" dirty="0" smtClean="0"/>
+              <a:t>オフィスは設けず、全てオンラインで</a:t>
+            </a:r>
+            <a:r>
+              <a:rPr lang="ja-JP" altLang="en-US" dirty="0" smtClean="0"/>
+              <a:t>開発</a:t>
+            </a:r>
+            <a:endParaRPr lang="en-US" altLang="ja-JP" dirty="0" smtClean="0"/>
+          </a:p>
+        </p:txBody>
+      </p:sp>
+      <p:sp>
+        <p:nvSpPr>
+          <p:cNvPr id="4" name="日付プレースホルダー 3"/>
+          <p:cNvSpPr>
+            <a:spLocks noGrp="1"/>
+          </p:cNvSpPr>
+          <p:nvPr>
+            <p:ph type="dt" sz="half" idx="10"/>
+          </p:nvPr>
+        </p:nvSpPr>
+        <p:spPr/>
+        <p:txBody>
+          <a:bodyPr/>
+          <a:lstStyle/>
+          <a:p>
+            <a:pPr>
+              <a:defRPr/>
+            </a:pPr>
+            <a:fld id="{A9259AFE-7AC7-4F49-85B9-5B069C761CE3}" type="datetime5">
+              <a:rPr lang="ja-JP" altLang="en-US" smtClean="0">
+                <a:latin typeface="メイリオ" pitchFamily="50" charset="-128"/>
+                <a:ea typeface="メイリオ" pitchFamily="50" charset="-128"/>
+                <a:cs typeface="メイリオ" pitchFamily="50" charset="-128"/>
+              </a:rPr>
+              <a:pPr>
+                <a:defRPr/>
+              </a:pPr>
+              <a:t>2014/08/31</a:t>
+            </a:fld>
+            <a:endParaRPr lang="ja-JP" altLang="en-US" dirty="0">
+              <a:latin typeface="メイリオ" pitchFamily="50" charset="-128"/>
+              <a:ea typeface="メイリオ" pitchFamily="50" charset="-128"/>
+              <a:cs typeface="メイリオ" pitchFamily="50" charset="-128"/>
+            </a:endParaRPr>
+          </a:p>
+        </p:txBody>
+      </p:sp>
+      <p:sp>
+        <p:nvSpPr>
+          <p:cNvPr id="6" name="スライド番号プレースホルダー 5"/>
+          <p:cNvSpPr>
+            <a:spLocks noGrp="1"/>
+          </p:cNvSpPr>
+          <p:nvPr>
+            <p:ph type="sldNum" sz="quarter" idx="12"/>
+          </p:nvPr>
+        </p:nvSpPr>
+        <p:spPr/>
+        <p:txBody>
+          <a:bodyPr/>
+          <a:lstStyle/>
+          <a:p>
+            <a:pPr>
+              <a:defRPr/>
+            </a:pPr>
+            <a:fld id="{29799127-F303-4AE7-A969-D0F8A278DEB3}" type="slidenum">
+              <a:rPr lang="ja-JP" altLang="en-US" smtClean="0">
+                <a:latin typeface="メイリオ" pitchFamily="50" charset="-128"/>
+                <a:ea typeface="メイリオ" pitchFamily="50" charset="-128"/>
+                <a:cs typeface="メイリオ" pitchFamily="50" charset="-128"/>
+              </a:rPr>
+              <a:pPr>
+                <a:defRPr/>
+              </a:pPr>
+              <a:t>2</a:t>
+            </a:fld>
+            <a:endParaRPr lang="ja-JP" altLang="en-US">
+              <a:latin typeface="メイリオ" pitchFamily="50" charset="-128"/>
+              <a:ea typeface="メイリオ" pitchFamily="50" charset="-128"/>
+              <a:cs typeface="メイリオ" pitchFamily="50" charset="-128"/>
+            </a:endParaRPr>
+          </a:p>
+        </p:txBody>
+      </p:sp>
+    </p:spTree>
+    <p:extLst>
+      <p:ext uri="{BB962C8B-B14F-4D97-AF65-F5344CB8AC3E}">
+        <p14:creationId xmlns="" xmlns:p14="http://schemas.microsoft.com/office/powerpoint/2010/main" val="1890745276"/>
+      </p:ext>
+    </p:extLst>
+  </p:cSld>
+  <p:clrMapOvr>
+    <a:masterClrMapping/>
+  </p:clrMapOvr>
+</p:sld>
+</file>
+
+<file path=ppt/slides/slide20.xml><?xml version="1.0" encoding="utf-8"?>
+<p:sld xmlns:a="http://schemas.openxmlformats.org/drawingml/2006/main" xmlns:r="http://schemas.openxmlformats.org/officeDocument/2006/relationships" xmlns:p="http://schemas.openxmlformats.org/presentationml/2006/main">
+  <p:cSld>
+    <p:spTree>
+      <p:nvGrpSpPr>
+        <p:cNvPr id="1" name=""/>
+        <p:cNvGrpSpPr/>
+        <p:nvPr/>
+      </p:nvGrpSpPr>
+      <p:grpSpPr>
+        <a:xfrm>
+          <a:off x="0" y="0"/>
+          <a:ext cx="0" cy="0"/>
+          <a:chOff x="0" y="0"/>
+          <a:chExt cx="0" cy="0"/>
+        </a:xfrm>
+      </p:grpSpPr>
+      <p:sp>
+        <p:nvSpPr>
+          <p:cNvPr id="2" name="タイトル 1"/>
+          <p:cNvSpPr>
+            <a:spLocks noGrp="1"/>
+          </p:cNvSpPr>
+          <p:nvPr>
+            <p:ph type="title"/>
+          </p:nvPr>
+        </p:nvSpPr>
+        <p:spPr/>
+        <p:txBody>
+          <a:bodyPr/>
+          <a:lstStyle/>
+          <a:p>
+            <a:pPr algn="ctr"/>
+            <a:r>
+              <a:rPr lang="ja-JP" altLang="en-US" sz="4000" dirty="0" smtClean="0">
+                <a:solidFill>
+                  <a:schemeClr val="tx1"/>
+                </a:solidFill>
+                <a:latin typeface="メイリオ" pitchFamily="50" charset="-128"/>
+                <a:ea typeface="メイリオ" pitchFamily="50" charset="-128"/>
+                <a:cs typeface="メイリオ" pitchFamily="50" charset="-128"/>
+              </a:rPr>
+              <a:t>パフォーマンスチェック</a:t>
+            </a:r>
+            <a:endParaRPr kumimoji="1" lang="ja-JP" altLang="en-US" sz="4000" dirty="0">
+              <a:solidFill>
+                <a:schemeClr val="tx1"/>
+              </a:solidFill>
+              <a:latin typeface="メイリオ" pitchFamily="50" charset="-128"/>
+              <a:ea typeface="メイリオ" pitchFamily="50" charset="-128"/>
+              <a:cs typeface="メイリオ" pitchFamily="50" charset="-128"/>
+            </a:endParaRPr>
+          </a:p>
+        </p:txBody>
+      </p:sp>
+      <p:sp>
+        <p:nvSpPr>
+          <p:cNvPr id="3" name="コンテンツ プレースホルダー 2"/>
+          <p:cNvSpPr>
+            <a:spLocks noGrp="1"/>
+          </p:cNvSpPr>
+          <p:nvPr>
+            <p:ph idx="1"/>
+          </p:nvPr>
+        </p:nvSpPr>
+        <p:spPr/>
+        <p:txBody>
+          <a:bodyPr/>
+          <a:lstStyle/>
+          <a:p>
+            <a:r>
+              <a:rPr kumimoji="1" lang="ja-JP" altLang="en-US" dirty="0" smtClean="0">
+                <a:latin typeface="メイリオ" pitchFamily="50" charset="-128"/>
+                <a:ea typeface="メイリオ" pitchFamily="50" charset="-128"/>
+                <a:cs typeface="メイリオ" pitchFamily="50" charset="-128"/>
+              </a:rPr>
+              <a:t>ユーザーから作成したツールが遅いという報告が上がった場合の対応方法</a:t>
+            </a:r>
+            <a:endParaRPr kumimoji="1" lang="en-US" altLang="ja-JP" dirty="0" smtClean="0">
+              <a:latin typeface="メイリオ" pitchFamily="50" charset="-128"/>
+              <a:ea typeface="メイリオ" pitchFamily="50" charset="-128"/>
+              <a:cs typeface="メイリオ" pitchFamily="50" charset="-128"/>
+            </a:endParaRPr>
+          </a:p>
+          <a:p>
+            <a:r>
+              <a:rPr lang="ja-JP" altLang="en-US" dirty="0" smtClean="0">
+                <a:latin typeface="メイリオ" pitchFamily="50" charset="-128"/>
+                <a:ea typeface="メイリオ" pitchFamily="50" charset="-128"/>
+                <a:cs typeface="メイリオ" pitchFamily="50" charset="-128"/>
+              </a:rPr>
+              <a:t>無暗にコードを改変していませんか</a:t>
+            </a:r>
+            <a:r>
+              <a:rPr lang="en-US" altLang="ja-JP" dirty="0" smtClean="0">
+                <a:latin typeface="メイリオ" pitchFamily="50" charset="-128"/>
+                <a:ea typeface="メイリオ" pitchFamily="50" charset="-128"/>
+                <a:cs typeface="メイリオ" pitchFamily="50" charset="-128"/>
+              </a:rPr>
+              <a:t>?</a:t>
+            </a:r>
+          </a:p>
+          <a:p>
+            <a:pPr lvl="1"/>
+            <a:r>
+              <a:rPr kumimoji="1" lang="ja-JP" altLang="en-US" sz="2600" dirty="0" smtClean="0">
+                <a:latin typeface="メイリオ" pitchFamily="50" charset="-128"/>
+                <a:ea typeface="メイリオ" pitchFamily="50" charset="-128"/>
+                <a:cs typeface="メイリオ" pitchFamily="50" charset="-128"/>
+              </a:rPr>
+              <a:t>ファイルアクセスが遅い→メモリにキャッシュ</a:t>
+            </a:r>
+            <a:endParaRPr kumimoji="1" lang="en-US" altLang="ja-JP" sz="2600" dirty="0" smtClean="0">
+              <a:latin typeface="メイリオ" pitchFamily="50" charset="-128"/>
+              <a:ea typeface="メイリオ" pitchFamily="50" charset="-128"/>
+              <a:cs typeface="メイリオ" pitchFamily="50" charset="-128"/>
+            </a:endParaRPr>
+          </a:p>
+          <a:p>
+            <a:pPr lvl="1"/>
+            <a:r>
+              <a:rPr kumimoji="1" lang="ja-JP" altLang="en-US" sz="2600" dirty="0" smtClean="0">
+                <a:latin typeface="メイリオ" pitchFamily="50" charset="-128"/>
+                <a:ea typeface="メイリオ" pitchFamily="50" charset="-128"/>
+                <a:cs typeface="メイリオ" pitchFamily="50" charset="-128"/>
+              </a:rPr>
+              <a:t>小手先のテクニックでコードの最適化</a:t>
+            </a:r>
+            <a:endParaRPr kumimoji="1" lang="en-US" altLang="ja-JP" sz="2600" dirty="0" smtClean="0">
+              <a:latin typeface="メイリオ" pitchFamily="50" charset="-128"/>
+              <a:ea typeface="メイリオ" pitchFamily="50" charset="-128"/>
+              <a:cs typeface="メイリオ" pitchFamily="50" charset="-128"/>
+            </a:endParaRPr>
+          </a:p>
+          <a:p>
+            <a:r>
+              <a:rPr kumimoji="1" lang="ja-JP" altLang="en-US" dirty="0" smtClean="0">
+                <a:latin typeface="メイリオ" pitchFamily="50" charset="-128"/>
+                <a:ea typeface="メイリオ" pitchFamily="50" charset="-128"/>
+                <a:cs typeface="メイリオ" pitchFamily="50" charset="-128"/>
+              </a:rPr>
+              <a:t>その改変、本当に意味ありますか</a:t>
+            </a:r>
+            <a:r>
+              <a:rPr kumimoji="1" lang="en-US" altLang="ja-JP" dirty="0" smtClean="0">
+                <a:latin typeface="メイリオ" pitchFamily="50" charset="-128"/>
+                <a:ea typeface="メイリオ" pitchFamily="50" charset="-128"/>
+                <a:cs typeface="メイリオ" pitchFamily="50" charset="-128"/>
+              </a:rPr>
+              <a:t>?</a:t>
+            </a:r>
+            <a:endParaRPr kumimoji="1" lang="ja-JP" altLang="en-US" dirty="0">
+              <a:latin typeface="メイリオ" pitchFamily="50" charset="-128"/>
+              <a:ea typeface="メイリオ" pitchFamily="50" charset="-128"/>
+              <a:cs typeface="メイリオ" pitchFamily="50" charset="-128"/>
+            </a:endParaRPr>
+          </a:p>
+        </p:txBody>
+      </p:sp>
+      <p:sp>
+        <p:nvSpPr>
+          <p:cNvPr id="4" name="日付プレースホルダー 3"/>
+          <p:cNvSpPr>
+            <a:spLocks noGrp="1"/>
+          </p:cNvSpPr>
+          <p:nvPr>
+            <p:ph type="dt" sz="half" idx="10"/>
+          </p:nvPr>
+        </p:nvSpPr>
+        <p:spPr/>
+        <p:txBody>
+          <a:bodyPr/>
+          <a:lstStyle/>
+          <a:p>
+            <a:pPr>
+              <a:defRPr/>
+            </a:pPr>
+            <a:fld id="{A9259AFE-7AC7-4F49-85B9-5B069C761CE3}" type="datetime5">
+              <a:rPr lang="ja-JP" altLang="en-US" smtClean="0">
+                <a:latin typeface="メイリオ" pitchFamily="50" charset="-128"/>
+                <a:ea typeface="メイリオ" pitchFamily="50" charset="-128"/>
+                <a:cs typeface="メイリオ" pitchFamily="50" charset="-128"/>
+              </a:rPr>
+              <a:pPr>
+                <a:defRPr/>
+              </a:pPr>
+              <a:t>2014/08/29</a:t>
+            </a:fld>
+            <a:endParaRPr lang="ja-JP" altLang="en-US" dirty="0">
+              <a:latin typeface="メイリオ" pitchFamily="50" charset="-128"/>
+              <a:ea typeface="メイリオ" pitchFamily="50" charset="-128"/>
+              <a:cs typeface="メイリオ" pitchFamily="50" charset="-128"/>
+            </a:endParaRPr>
+          </a:p>
+        </p:txBody>
+      </p:sp>
+      <p:sp>
+        <p:nvSpPr>
+          <p:cNvPr id="6" name="スライド番号プレースホルダー 5"/>
+          <p:cNvSpPr>
+            <a:spLocks noGrp="1"/>
+          </p:cNvSpPr>
+          <p:nvPr>
+            <p:ph type="sldNum" sz="quarter" idx="12"/>
+          </p:nvPr>
+        </p:nvSpPr>
+        <p:spPr/>
+        <p:txBody>
+          <a:bodyPr/>
+          <a:lstStyle/>
+          <a:p>
+            <a:pPr>
+              <a:defRPr/>
+            </a:pPr>
+            <a:fld id="{29799127-F303-4AE7-A969-D0F8A278DEB3}" type="slidenum">
+              <a:rPr lang="ja-JP" altLang="en-US" smtClean="0">
+                <a:latin typeface="メイリオ" pitchFamily="50" charset="-128"/>
+                <a:ea typeface="メイリオ" pitchFamily="50" charset="-128"/>
+                <a:cs typeface="メイリオ" pitchFamily="50" charset="-128"/>
+              </a:rPr>
+              <a:pPr>
+                <a:defRPr/>
+              </a:pPr>
+              <a:t>20</a:t>
+            </a:fld>
+            <a:endParaRPr lang="ja-JP" altLang="en-US">
+              <a:latin typeface="メイリオ" pitchFamily="50" charset="-128"/>
+              <a:ea typeface="メイリオ" pitchFamily="50" charset="-128"/>
+              <a:cs typeface="メイリオ" pitchFamily="50" charset="-128"/>
+            </a:endParaRPr>
+          </a:p>
+        </p:txBody>
+      </p:sp>
+    </p:spTree>
+    <p:extLst>
+      <p:ext uri="{BB962C8B-B14F-4D97-AF65-F5344CB8AC3E}">
+        <p14:creationId xmlns="" xmlns:p14="http://schemas.microsoft.com/office/powerpoint/2010/main" val="1890745276"/>
+      </p:ext>
+    </p:extLst>
+  </p:cSld>
+  <p:clrMapOvr>
+    <a:masterClrMapping/>
+  </p:clrMapOvr>
+</p:sld>
+</file>
+
+<file path=ppt/slides/slide21.xml><?xml version="1.0" encoding="utf-8"?>
+<p:sld xmlns:a="http://schemas.openxmlformats.org/drawingml/2006/main" xmlns:r="http://schemas.openxmlformats.org/officeDocument/2006/relationships" xmlns:p="http://schemas.openxmlformats.org/presentationml/2006/main">
+  <p:cSld>
+    <p:spTree>
+      <p:nvGrpSpPr>
+        <p:cNvPr id="1" name=""/>
+        <p:cNvGrpSpPr/>
+        <p:nvPr/>
+      </p:nvGrpSpPr>
+      <p:grpSpPr>
+        <a:xfrm>
+          <a:off x="0" y="0"/>
+          <a:ext cx="0" cy="0"/>
+          <a:chOff x="0" y="0"/>
+          <a:chExt cx="0" cy="0"/>
+        </a:xfrm>
+      </p:grpSpPr>
+      <p:sp>
+        <p:nvSpPr>
+          <p:cNvPr id="2" name="タイトル 1"/>
+          <p:cNvSpPr>
+            <a:spLocks noGrp="1"/>
+          </p:cNvSpPr>
+          <p:nvPr>
+            <p:ph type="title"/>
+          </p:nvPr>
+        </p:nvSpPr>
+        <p:spPr/>
+        <p:txBody>
+          <a:bodyPr/>
+          <a:lstStyle/>
+          <a:p>
+            <a:pPr algn="ctr"/>
+            <a:r>
+              <a:rPr kumimoji="1" lang="ja-JP" altLang="en-US" sz="4000" dirty="0" smtClean="0">
+                <a:solidFill>
+                  <a:schemeClr val="tx1"/>
+                </a:solidFill>
+                <a:latin typeface="メイリオ" pitchFamily="50" charset="-128"/>
+                <a:ea typeface="メイリオ" pitchFamily="50" charset="-128"/>
+                <a:cs typeface="メイリオ" pitchFamily="50" charset="-128"/>
+              </a:rPr>
+              <a:t>その</a:t>
+            </a:r>
+            <a:r>
+              <a:rPr lang="ja-JP" altLang="en-US" sz="4000" dirty="0" smtClean="0">
+                <a:solidFill>
+                  <a:schemeClr val="tx1"/>
+                </a:solidFill>
+                <a:latin typeface="メイリオ" pitchFamily="50" charset="-128"/>
+                <a:ea typeface="メイリオ" pitchFamily="50" charset="-128"/>
+                <a:cs typeface="メイリオ" pitchFamily="50" charset="-128"/>
+              </a:rPr>
+              <a:t>改変</a:t>
+            </a:r>
+            <a:r>
+              <a:rPr kumimoji="1" lang="ja-JP" altLang="en-US" sz="4000" dirty="0" smtClean="0">
+                <a:solidFill>
+                  <a:schemeClr val="tx1"/>
+                </a:solidFill>
+                <a:latin typeface="メイリオ" pitchFamily="50" charset="-128"/>
+                <a:ea typeface="メイリオ" pitchFamily="50" charset="-128"/>
+                <a:cs typeface="メイリオ" pitchFamily="50" charset="-128"/>
+              </a:rPr>
+              <a:t>、効果ありますか</a:t>
+            </a:r>
+            <a:r>
+              <a:rPr kumimoji="1" lang="en-US" altLang="ja-JP" sz="4000" dirty="0" smtClean="0">
+                <a:solidFill>
+                  <a:schemeClr val="tx1"/>
+                </a:solidFill>
+                <a:latin typeface="メイリオ" pitchFamily="50" charset="-128"/>
+                <a:ea typeface="メイリオ" pitchFamily="50" charset="-128"/>
+                <a:cs typeface="メイリオ" pitchFamily="50" charset="-128"/>
+              </a:rPr>
+              <a:t>?</a:t>
+            </a:r>
+            <a:endParaRPr kumimoji="1" lang="ja-JP" altLang="en-US" sz="4000" dirty="0">
+              <a:solidFill>
+                <a:schemeClr val="tx1"/>
+              </a:solidFill>
+              <a:latin typeface="メイリオ" pitchFamily="50" charset="-128"/>
+              <a:ea typeface="メイリオ" pitchFamily="50" charset="-128"/>
+              <a:cs typeface="メイリオ" pitchFamily="50" charset="-128"/>
+            </a:endParaRPr>
+          </a:p>
+        </p:txBody>
+      </p:sp>
+      <p:sp>
+        <p:nvSpPr>
+          <p:cNvPr id="3" name="コンテンツ プレースホルダー 2"/>
+          <p:cNvSpPr>
+            <a:spLocks noGrp="1"/>
+          </p:cNvSpPr>
+          <p:nvPr>
+            <p:ph idx="1"/>
+          </p:nvPr>
+        </p:nvSpPr>
+        <p:spPr/>
+        <p:txBody>
+          <a:bodyPr/>
+          <a:lstStyle/>
+          <a:p>
+            <a:r>
+              <a:rPr kumimoji="1" lang="ja-JP" altLang="en-US" dirty="0" smtClean="0">
+                <a:latin typeface="メイリオ" pitchFamily="50" charset="-128"/>
+                <a:ea typeface="メイリオ" pitchFamily="50" charset="-128"/>
+                <a:cs typeface="メイリオ" pitchFamily="50" charset="-128"/>
+              </a:rPr>
+              <a:t>ボトルネックを把握しましょう</a:t>
+            </a:r>
+            <a:endParaRPr kumimoji="1" lang="en-US" altLang="ja-JP" dirty="0" smtClean="0">
+              <a:latin typeface="メイリオ" pitchFamily="50" charset="-128"/>
+              <a:ea typeface="メイリオ" pitchFamily="50" charset="-128"/>
+              <a:cs typeface="メイリオ" pitchFamily="50" charset="-128"/>
+            </a:endParaRPr>
+          </a:p>
+          <a:p>
+            <a:r>
+              <a:rPr lang="ja-JP" altLang="en-US" dirty="0" smtClean="0">
+                <a:latin typeface="メイリオ" pitchFamily="50" charset="-128"/>
+                <a:ea typeface="メイリオ" pitchFamily="50" charset="-128"/>
+                <a:cs typeface="メイリオ" pitchFamily="50" charset="-128"/>
+              </a:rPr>
+              <a:t>どうやって</a:t>
+            </a:r>
+            <a:r>
+              <a:rPr lang="en-US" altLang="ja-JP" dirty="0" smtClean="0">
+                <a:latin typeface="メイリオ" pitchFamily="50" charset="-128"/>
+                <a:ea typeface="メイリオ" pitchFamily="50" charset="-128"/>
+                <a:cs typeface="メイリオ" pitchFamily="50" charset="-128"/>
+              </a:rPr>
+              <a:t>?</a:t>
+            </a:r>
+          </a:p>
+          <a:p>
+            <a:r>
+              <a:rPr kumimoji="1" lang="ja-JP" altLang="en-US" dirty="0" smtClean="0">
+                <a:latin typeface="メイリオ" pitchFamily="50" charset="-128"/>
+                <a:ea typeface="メイリオ" pitchFamily="50" charset="-128"/>
+                <a:cs typeface="メイリオ" pitchFamily="50" charset="-128"/>
+              </a:rPr>
+              <a:t>プロファイラを使用する</a:t>
+            </a:r>
+            <a:endParaRPr kumimoji="1" lang="ja-JP" altLang="en-US" dirty="0">
+              <a:latin typeface="メイリオ" pitchFamily="50" charset="-128"/>
+              <a:ea typeface="メイリオ" pitchFamily="50" charset="-128"/>
+              <a:cs typeface="メイリオ" pitchFamily="50" charset="-128"/>
+            </a:endParaRPr>
+          </a:p>
+        </p:txBody>
+      </p:sp>
+      <p:sp>
+        <p:nvSpPr>
+          <p:cNvPr id="4" name="日付プレースホルダー 3"/>
+          <p:cNvSpPr>
+            <a:spLocks noGrp="1"/>
+          </p:cNvSpPr>
+          <p:nvPr>
+            <p:ph type="dt" sz="half" idx="10"/>
+          </p:nvPr>
+        </p:nvSpPr>
+        <p:spPr/>
+        <p:txBody>
+          <a:bodyPr/>
+          <a:lstStyle/>
+          <a:p>
+            <a:pPr>
+              <a:defRPr/>
+            </a:pPr>
+            <a:fld id="{A9259AFE-7AC7-4F49-85B9-5B069C761CE3}" type="datetime5">
+              <a:rPr lang="ja-JP" altLang="en-US" smtClean="0">
+                <a:latin typeface="メイリオ" pitchFamily="50" charset="-128"/>
+                <a:ea typeface="メイリオ" pitchFamily="50" charset="-128"/>
+                <a:cs typeface="メイリオ" pitchFamily="50" charset="-128"/>
+              </a:rPr>
+              <a:pPr>
+                <a:defRPr/>
+              </a:pPr>
+              <a:t>2014/08/29</a:t>
+            </a:fld>
+            <a:endParaRPr lang="ja-JP" altLang="en-US" dirty="0">
+              <a:latin typeface="メイリオ" pitchFamily="50" charset="-128"/>
+              <a:ea typeface="メイリオ" pitchFamily="50" charset="-128"/>
+              <a:cs typeface="メイリオ" pitchFamily="50" charset="-128"/>
+            </a:endParaRPr>
+          </a:p>
+        </p:txBody>
+      </p:sp>
+      <p:sp>
+        <p:nvSpPr>
+          <p:cNvPr id="6" name="スライド番号プレースホルダー 5"/>
+          <p:cNvSpPr>
+            <a:spLocks noGrp="1"/>
+          </p:cNvSpPr>
+          <p:nvPr>
+            <p:ph type="sldNum" sz="quarter" idx="12"/>
+          </p:nvPr>
+        </p:nvSpPr>
+        <p:spPr/>
+        <p:txBody>
+          <a:bodyPr/>
+          <a:lstStyle/>
+          <a:p>
+            <a:pPr>
+              <a:defRPr/>
+            </a:pPr>
+            <a:fld id="{29799127-F303-4AE7-A969-D0F8A278DEB3}" type="slidenum">
+              <a:rPr lang="ja-JP" altLang="en-US" smtClean="0">
+                <a:latin typeface="メイリオ" pitchFamily="50" charset="-128"/>
+                <a:ea typeface="メイリオ" pitchFamily="50" charset="-128"/>
+                <a:cs typeface="メイリオ" pitchFamily="50" charset="-128"/>
+              </a:rPr>
+              <a:pPr>
+                <a:defRPr/>
+              </a:pPr>
+              <a:t>21</a:t>
+            </a:fld>
+            <a:endParaRPr lang="ja-JP" altLang="en-US">
+              <a:latin typeface="メイリオ" pitchFamily="50" charset="-128"/>
+              <a:ea typeface="メイリオ" pitchFamily="50" charset="-128"/>
+              <a:cs typeface="メイリオ" pitchFamily="50" charset="-128"/>
+            </a:endParaRPr>
+          </a:p>
+        </p:txBody>
+      </p:sp>
+    </p:spTree>
+    <p:extLst>
+      <p:ext uri="{BB962C8B-B14F-4D97-AF65-F5344CB8AC3E}">
+        <p14:creationId xmlns="" xmlns:p14="http://schemas.microsoft.com/office/powerpoint/2010/main" val="1890745276"/>
+      </p:ext>
+    </p:extLst>
+  </p:cSld>
+  <p:clrMapOvr>
+    <a:masterClrMapping/>
+  </p:clrMapOvr>
+</p:sld>
+</file>
+
+<file path=ppt/slides/slide22.xml><?xml version="1.0" encoding="utf-8"?>
+<p:sld xmlns:a="http://schemas.openxmlformats.org/drawingml/2006/main" xmlns:r="http://schemas.openxmlformats.org/officeDocument/2006/relationships" xmlns:p="http://schemas.openxmlformats.org/presentationml/2006/main">
+  <p:cSld>
+    <p:spTree>
+      <p:nvGrpSpPr>
+        <p:cNvPr id="1" name=""/>
+        <p:cNvGrpSpPr/>
+        <p:nvPr/>
+      </p:nvGrpSpPr>
+      <p:grpSpPr>
+        <a:xfrm>
+          <a:off x="0" y="0"/>
+          <a:ext cx="0" cy="0"/>
+          <a:chOff x="0" y="0"/>
+          <a:chExt cx="0" cy="0"/>
+        </a:xfrm>
+      </p:grpSpPr>
+      <p:sp>
+        <p:nvSpPr>
+          <p:cNvPr id="2" name="タイトル 1"/>
+          <p:cNvSpPr>
+            <a:spLocks noGrp="1"/>
+          </p:cNvSpPr>
+          <p:nvPr>
+            <p:ph type="title"/>
+          </p:nvPr>
+        </p:nvSpPr>
+        <p:spPr/>
+        <p:txBody>
+          <a:bodyPr/>
+          <a:lstStyle/>
+          <a:p>
+            <a:pPr algn="ctr"/>
+            <a:r>
+              <a:rPr lang="en-US" altLang="ja-JP" sz="4000" dirty="0" smtClean="0">
+                <a:solidFill>
+                  <a:schemeClr val="tx1"/>
+                </a:solidFill>
+                <a:latin typeface="メイリオ" pitchFamily="50" charset="-128"/>
+                <a:ea typeface="メイリオ" pitchFamily="50" charset="-128"/>
+                <a:cs typeface="メイリオ" pitchFamily="50" charset="-128"/>
+              </a:rPr>
+              <a:t>Python </a:t>
+            </a:r>
+            <a:r>
+              <a:rPr lang="ja-JP" altLang="en-US" sz="4000" dirty="0" err="1" smtClean="0">
+                <a:solidFill>
+                  <a:schemeClr val="tx1"/>
+                </a:solidFill>
+                <a:latin typeface="メイリオ" pitchFamily="50" charset="-128"/>
+                <a:ea typeface="メイリオ" pitchFamily="50" charset="-128"/>
+                <a:cs typeface="メイリオ" pitchFamily="50" charset="-128"/>
+              </a:rPr>
+              <a:t>での</a:t>
+            </a:r>
+            <a:r>
+              <a:rPr lang="ja-JP" altLang="en-US" sz="4000" dirty="0" smtClean="0">
+                <a:solidFill>
+                  <a:schemeClr val="tx1"/>
+                </a:solidFill>
+                <a:latin typeface="メイリオ" pitchFamily="50" charset="-128"/>
+                <a:ea typeface="メイリオ" pitchFamily="50" charset="-128"/>
+                <a:cs typeface="メイリオ" pitchFamily="50" charset="-128"/>
+              </a:rPr>
+              <a:t>プロファイリング</a:t>
+            </a:r>
+            <a:endParaRPr kumimoji="1" lang="ja-JP" altLang="en-US" sz="4000" dirty="0">
+              <a:solidFill>
+                <a:schemeClr val="tx1"/>
+              </a:solidFill>
+              <a:latin typeface="メイリオ" pitchFamily="50" charset="-128"/>
+              <a:ea typeface="メイリオ" pitchFamily="50" charset="-128"/>
+              <a:cs typeface="メイリオ" pitchFamily="50" charset="-128"/>
+            </a:endParaRPr>
+          </a:p>
+        </p:txBody>
+      </p:sp>
+      <p:sp>
+        <p:nvSpPr>
+          <p:cNvPr id="3" name="コンテンツ プレースホルダー 2"/>
+          <p:cNvSpPr>
+            <a:spLocks noGrp="1"/>
+          </p:cNvSpPr>
+          <p:nvPr>
+            <p:ph idx="1"/>
+          </p:nvPr>
+        </p:nvSpPr>
+        <p:spPr>
+          <a:xfrm>
+            <a:off x="457200" y="942977"/>
+            <a:ext cx="8229600" cy="628641"/>
+          </a:xfrm>
+        </p:spPr>
+        <p:txBody>
+          <a:bodyPr/>
+          <a:lstStyle/>
+          <a:p>
+            <a:r>
+              <a:rPr lang="en-US" altLang="ja-JP" dirty="0" smtClean="0">
+                <a:latin typeface="メイリオ" pitchFamily="50" charset="-128"/>
+                <a:ea typeface="メイリオ" pitchFamily="50" charset="-128"/>
+                <a:cs typeface="メイリオ" pitchFamily="50" charset="-128"/>
+              </a:rPr>
+              <a:t>Python </a:t>
+            </a:r>
+            <a:r>
+              <a:rPr lang="ja-JP" altLang="en-US" dirty="0" smtClean="0">
+                <a:latin typeface="メイリオ" pitchFamily="50" charset="-128"/>
+                <a:ea typeface="メイリオ" pitchFamily="50" charset="-128"/>
+                <a:cs typeface="メイリオ" pitchFamily="50" charset="-128"/>
+              </a:rPr>
+              <a:t>では </a:t>
+            </a:r>
+            <a:r>
+              <a:rPr lang="en-US" altLang="ja-JP" dirty="0" err="1" smtClean="0">
+                <a:latin typeface="メイリオ" pitchFamily="50" charset="-128"/>
+                <a:ea typeface="メイリオ" pitchFamily="50" charset="-128"/>
+                <a:cs typeface="メイリオ" pitchFamily="50" charset="-128"/>
+              </a:rPr>
+              <a:t>cProfile</a:t>
+            </a:r>
+            <a:r>
+              <a:rPr lang="en-US" altLang="ja-JP" dirty="0" smtClean="0">
+                <a:latin typeface="メイリオ" pitchFamily="50" charset="-128"/>
+                <a:ea typeface="メイリオ" pitchFamily="50" charset="-128"/>
+                <a:cs typeface="メイリオ" pitchFamily="50" charset="-128"/>
+              </a:rPr>
+              <a:t> </a:t>
+            </a:r>
+            <a:r>
+              <a:rPr lang="ja-JP" altLang="en-US" dirty="0" smtClean="0">
+                <a:latin typeface="メイリオ" pitchFamily="50" charset="-128"/>
+                <a:ea typeface="メイリオ" pitchFamily="50" charset="-128"/>
+                <a:cs typeface="メイリオ" pitchFamily="50" charset="-128"/>
+              </a:rPr>
+              <a:t>を使用する</a:t>
+            </a:r>
+            <a:endParaRPr lang="en-US" altLang="ja-JP" dirty="0" smtClean="0">
+              <a:latin typeface="メイリオ" pitchFamily="50" charset="-128"/>
+              <a:ea typeface="メイリオ" pitchFamily="50" charset="-128"/>
+              <a:cs typeface="メイリオ" pitchFamily="50" charset="-128"/>
+            </a:endParaRPr>
+          </a:p>
+        </p:txBody>
+      </p:sp>
+      <p:sp>
+        <p:nvSpPr>
+          <p:cNvPr id="4" name="日付プレースホルダー 3"/>
+          <p:cNvSpPr>
+            <a:spLocks noGrp="1"/>
+          </p:cNvSpPr>
+          <p:nvPr>
+            <p:ph type="dt" sz="half" idx="10"/>
+          </p:nvPr>
+        </p:nvSpPr>
+        <p:spPr/>
+        <p:txBody>
+          <a:bodyPr/>
+          <a:lstStyle/>
+          <a:p>
+            <a:pPr>
+              <a:defRPr/>
+            </a:pPr>
+            <a:fld id="{A9259AFE-7AC7-4F49-85B9-5B069C761CE3}" type="datetime5">
+              <a:rPr lang="ja-JP" altLang="en-US" smtClean="0">
+                <a:latin typeface="メイリオ" pitchFamily="50" charset="-128"/>
+                <a:ea typeface="メイリオ" pitchFamily="50" charset="-128"/>
+                <a:cs typeface="メイリオ" pitchFamily="50" charset="-128"/>
+              </a:rPr>
+              <a:pPr>
+                <a:defRPr/>
+              </a:pPr>
+              <a:t>2014/08/29</a:t>
+            </a:fld>
+            <a:endParaRPr lang="ja-JP" altLang="en-US" dirty="0">
+              <a:latin typeface="メイリオ" pitchFamily="50" charset="-128"/>
+              <a:ea typeface="メイリオ" pitchFamily="50" charset="-128"/>
+              <a:cs typeface="メイリオ" pitchFamily="50" charset="-128"/>
+            </a:endParaRPr>
+          </a:p>
+        </p:txBody>
+      </p:sp>
+      <p:sp>
+        <p:nvSpPr>
+          <p:cNvPr id="6" name="スライド番号プレースホルダー 5"/>
+          <p:cNvSpPr>
+            <a:spLocks noGrp="1"/>
+          </p:cNvSpPr>
+          <p:nvPr>
+            <p:ph type="sldNum" sz="quarter" idx="12"/>
+          </p:nvPr>
+        </p:nvSpPr>
+        <p:spPr/>
+        <p:txBody>
+          <a:bodyPr/>
+          <a:lstStyle/>
+          <a:p>
+            <a:pPr>
+              <a:defRPr/>
+            </a:pPr>
+            <a:fld id="{29799127-F303-4AE7-A969-D0F8A278DEB3}" type="slidenum">
+              <a:rPr lang="ja-JP" altLang="en-US" smtClean="0">
+                <a:latin typeface="メイリオ" pitchFamily="50" charset="-128"/>
+                <a:ea typeface="メイリオ" pitchFamily="50" charset="-128"/>
+                <a:cs typeface="メイリオ" pitchFamily="50" charset="-128"/>
+              </a:rPr>
+              <a:pPr>
+                <a:defRPr/>
+              </a:pPr>
+              <a:t>22</a:t>
+            </a:fld>
+            <a:endParaRPr lang="ja-JP" altLang="en-US">
+              <a:latin typeface="メイリオ" pitchFamily="50" charset="-128"/>
+              <a:ea typeface="メイリオ" pitchFamily="50" charset="-128"/>
+              <a:cs typeface="メイリオ" pitchFamily="50" charset="-128"/>
+            </a:endParaRPr>
+          </a:p>
+        </p:txBody>
+      </p:sp>
+      <p:sp>
+        <p:nvSpPr>
+          <p:cNvPr id="7" name="テキスト ボックス 6"/>
+          <p:cNvSpPr txBox="1"/>
+          <p:nvPr/>
+        </p:nvSpPr>
+        <p:spPr>
+          <a:xfrm>
+            <a:off x="785786" y="1824333"/>
+            <a:ext cx="7143800" cy="461665"/>
+          </a:xfrm>
+          <a:prstGeom prst="rect">
+            <a:avLst/>
+          </a:prstGeom>
+          <a:solidFill>
+            <a:schemeClr val="bg1">
+              <a:lumMod val="85000"/>
+            </a:schemeClr>
+          </a:solidFill>
+          <a:ln>
+            <a:solidFill>
+              <a:schemeClr val="tx1"/>
+            </a:solidFill>
+          </a:ln>
+        </p:spPr>
+        <p:txBody>
+          <a:bodyPr wrap="square" rtlCol="0">
+            <a:spAutoFit/>
+          </a:bodyPr>
+          <a:lstStyle/>
+          <a:p>
+            <a:r>
+              <a:rPr lang="en-US" sz="1200" dirty="0" smtClean="0">
+                <a:latin typeface="メイリオ" pitchFamily="50" charset="-128"/>
+                <a:ea typeface="メイリオ" pitchFamily="50" charset="-128"/>
+                <a:cs typeface="メイリオ" pitchFamily="50" charset="-128"/>
+              </a:rPr>
+              <a:t>import </a:t>
+            </a:r>
+            <a:r>
+              <a:rPr lang="en-US" sz="1200" dirty="0" err="1" smtClean="0">
+                <a:latin typeface="メイリオ" pitchFamily="50" charset="-128"/>
+                <a:ea typeface="メイリオ" pitchFamily="50" charset="-128"/>
+                <a:cs typeface="メイリオ" pitchFamily="50" charset="-128"/>
+              </a:rPr>
+              <a:t>cProfile</a:t>
+            </a:r>
+            <a:r>
+              <a:rPr lang="en-US" sz="1200" dirty="0" smtClean="0">
+                <a:latin typeface="メイリオ" pitchFamily="50" charset="-128"/>
+                <a:ea typeface="メイリオ" pitchFamily="50" charset="-128"/>
+                <a:cs typeface="メイリオ" pitchFamily="50" charset="-128"/>
+              </a:rPr>
+              <a:t/>
+            </a:r>
+            <a:br>
+              <a:rPr lang="en-US" sz="1200" dirty="0" smtClean="0">
+                <a:latin typeface="メイリオ" pitchFamily="50" charset="-128"/>
+                <a:ea typeface="メイリオ" pitchFamily="50" charset="-128"/>
+                <a:cs typeface="メイリオ" pitchFamily="50" charset="-128"/>
+              </a:rPr>
+            </a:br>
+            <a:r>
+              <a:rPr lang="en-US" sz="1200" dirty="0" err="1" smtClean="0">
+                <a:latin typeface="メイリオ" pitchFamily="50" charset="-128"/>
+                <a:ea typeface="メイリオ" pitchFamily="50" charset="-128"/>
+                <a:cs typeface="メイリオ" pitchFamily="50" charset="-128"/>
+              </a:rPr>
+              <a:t>cProfile.run</a:t>
+            </a:r>
+            <a:r>
+              <a:rPr lang="en-US" sz="1200" dirty="0" smtClean="0">
+                <a:latin typeface="メイリオ" pitchFamily="50" charset="-128"/>
+                <a:ea typeface="メイリオ" pitchFamily="50" charset="-128"/>
+                <a:cs typeface="メイリオ" pitchFamily="50" charset="-128"/>
+              </a:rPr>
+              <a:t>(‘</a:t>
+            </a:r>
+            <a:r>
+              <a:rPr lang="en-US" sz="1200" dirty="0" err="1" smtClean="0">
+                <a:latin typeface="メイリオ" pitchFamily="50" charset="-128"/>
+                <a:ea typeface="メイリオ" pitchFamily="50" charset="-128"/>
+                <a:cs typeface="メイリオ" pitchFamily="50" charset="-128"/>
+              </a:rPr>
+              <a:t>someHeavyOperation</a:t>
+            </a:r>
+            <a:r>
+              <a:rPr lang="en-US" sz="1200" dirty="0" smtClean="0">
+                <a:latin typeface="メイリオ" pitchFamily="50" charset="-128"/>
+                <a:ea typeface="メイリオ" pitchFamily="50" charset="-128"/>
+                <a:cs typeface="メイリオ" pitchFamily="50" charset="-128"/>
+              </a:rPr>
+              <a:t>()')　#</a:t>
+            </a:r>
+            <a:r>
+              <a:rPr lang="ja-JP" altLang="en-US" sz="1200" dirty="0" smtClean="0">
+                <a:latin typeface="メイリオ" pitchFamily="50" charset="-128"/>
+                <a:ea typeface="メイリオ" pitchFamily="50" charset="-128"/>
+                <a:cs typeface="メイリオ" pitchFamily="50" charset="-128"/>
+              </a:rPr>
+              <a:t>処理時間を計測</a:t>
+            </a:r>
+            <a:endParaRPr kumimoji="1" lang="ja-JP" altLang="en-US" sz="1200" dirty="0">
+              <a:latin typeface="メイリオ" pitchFamily="50" charset="-128"/>
+              <a:ea typeface="メイリオ" pitchFamily="50" charset="-128"/>
+              <a:cs typeface="メイリオ" pitchFamily="50" charset="-128"/>
+            </a:endParaRPr>
+          </a:p>
+        </p:txBody>
+      </p:sp>
+      <p:sp>
+        <p:nvSpPr>
+          <p:cNvPr id="9" name="コンテンツ プレースホルダー 2"/>
+          <p:cNvSpPr txBox="1">
+            <a:spLocks/>
+          </p:cNvSpPr>
+          <p:nvPr/>
+        </p:nvSpPr>
+        <p:spPr bwMode="auto">
+          <a:xfrm>
+            <a:off x="457200" y="2500312"/>
+            <a:ext cx="8229600" cy="2071702"/>
+          </a:xfrm>
+          <a:prstGeom prst="rect">
+            <a:avLst/>
+          </a:prstGeom>
+          <a:noFill/>
+          <a:ln w="9525">
+            <a:noFill/>
+            <a:miter lim="800000"/>
+            <a:headEnd/>
+            <a:tailEnd/>
+          </a:ln>
+        </p:spPr>
+        <p:txBody>
+          <a:bodyPr vert="horz" wrap="square" lIns="91440" tIns="45720" rIns="91440" bIns="45720" numCol="1" anchor="t" anchorCtr="0" compatLnSpc="1">
+            <a:prstTxWarp prst="textNoShape">
+              <a:avLst/>
+            </a:prstTxWarp>
+          </a:bodyPr>
+          <a:lstStyle/>
+          <a:p>
+            <a:pPr marL="342900" lvl="0" indent="-342900">
+              <a:spcBef>
+                <a:spcPct val="20000"/>
+              </a:spcBef>
+              <a:buFont typeface="Arial" charset="0"/>
+              <a:buChar char="•"/>
+            </a:pPr>
+            <a:r>
+              <a:rPr lang="en-US" altLang="ja-JP" sz="3200" dirty="0" err="1" smtClean="0">
+                <a:latin typeface="メイリオ" pitchFamily="50" charset="-128"/>
+                <a:ea typeface="メイリオ" pitchFamily="50" charset="-128"/>
+                <a:cs typeface="メイリオ" pitchFamily="50" charset="-128"/>
+              </a:rPr>
+              <a:t>someHeavyOperation</a:t>
+            </a:r>
+            <a:r>
+              <a:rPr lang="en-US" altLang="ja-JP" sz="3200" dirty="0" smtClean="0">
+                <a:latin typeface="メイリオ" pitchFamily="50" charset="-128"/>
+                <a:ea typeface="メイリオ" pitchFamily="50" charset="-128"/>
+                <a:cs typeface="メイリオ" pitchFamily="50" charset="-128"/>
+              </a:rPr>
+              <a:t>() </a:t>
+            </a:r>
+            <a:r>
+              <a:rPr lang="ja-JP" altLang="en-US" sz="3200" dirty="0" smtClean="0">
+                <a:latin typeface="メイリオ" pitchFamily="50" charset="-128"/>
+                <a:ea typeface="メイリオ" pitchFamily="50" charset="-128"/>
+                <a:cs typeface="メイリオ" pitchFamily="50" charset="-128"/>
+              </a:rPr>
+              <a:t>を行った際にどの関数でどれだけ処理に時間がかかったかを把握することができる</a:t>
+            </a:r>
+            <a:endParaRPr kumimoji="1" lang="en-US" altLang="ja-JP" sz="3200" b="0" i="0" u="none" strike="noStrike" kern="1200" cap="none" spc="0" normalizeH="0" baseline="0" noProof="0" dirty="0" smtClean="0">
+              <a:ln>
+                <a:noFill/>
+              </a:ln>
+              <a:solidFill>
+                <a:schemeClr val="tx1"/>
+              </a:solidFill>
+              <a:effectLst/>
+              <a:uLnTx/>
+              <a:uFillTx/>
+              <a:latin typeface="メイリオ" pitchFamily="50" charset="-128"/>
+              <a:ea typeface="メイリオ" pitchFamily="50" charset="-128"/>
+              <a:cs typeface="メイリオ" pitchFamily="50" charset="-128"/>
+            </a:endParaRPr>
+          </a:p>
+        </p:txBody>
+      </p:sp>
+    </p:spTree>
+    <p:extLst>
+      <p:ext uri="{BB962C8B-B14F-4D97-AF65-F5344CB8AC3E}">
+        <p14:creationId xmlns="" xmlns:p14="http://schemas.microsoft.com/office/powerpoint/2010/main" val="1890745276"/>
+      </p:ext>
+    </p:extLst>
+  </p:cSld>
+  <p:clrMapOvr>
+    <a:masterClrMapping/>
+  </p:clrMapOvr>
+</p:sld>
+</file>
+
+<file path=ppt/slides/slide23.xml><?xml version="1.0" encoding="utf-8"?>
+<p:sld xmlns:a="http://schemas.openxmlformats.org/drawingml/2006/main" xmlns:r="http://schemas.openxmlformats.org/officeDocument/2006/relationships" xmlns:p="http://schemas.openxmlformats.org/presentationml/2006/main">
+  <p:cSld>
+    <p:spTree>
+      <p:nvGrpSpPr>
+        <p:cNvPr id="1" name=""/>
+        <p:cNvGrpSpPr/>
+        <p:nvPr/>
+      </p:nvGrpSpPr>
+      <p:grpSpPr>
+        <a:xfrm>
+          <a:off x="0" y="0"/>
+          <a:ext cx="0" cy="0"/>
+          <a:chOff x="0" y="0"/>
+          <a:chExt cx="0" cy="0"/>
+        </a:xfrm>
+      </p:grpSpPr>
+      <p:sp>
+        <p:nvSpPr>
+          <p:cNvPr id="2" name="タイトル 1"/>
+          <p:cNvSpPr>
+            <a:spLocks noGrp="1"/>
+          </p:cNvSpPr>
+          <p:nvPr>
+            <p:ph type="title"/>
+          </p:nvPr>
+        </p:nvSpPr>
+        <p:spPr/>
+        <p:txBody>
+          <a:bodyPr/>
+          <a:lstStyle/>
+          <a:p>
+            <a:pPr algn="ctr"/>
+            <a:r>
+              <a:rPr lang="ja-JP" altLang="en-US" sz="4000" dirty="0" smtClean="0">
+                <a:solidFill>
+                  <a:schemeClr val="tx1"/>
+                </a:solidFill>
+                <a:latin typeface="メイリオ" pitchFamily="50" charset="-128"/>
+                <a:ea typeface="メイリオ" pitchFamily="50" charset="-128"/>
+                <a:cs typeface="メイリオ" pitchFamily="50" charset="-128"/>
+              </a:rPr>
+              <a:t>プロファイリング結果の分析</a:t>
+            </a:r>
+            <a:endParaRPr kumimoji="1" lang="ja-JP" altLang="en-US" sz="4000" dirty="0">
+              <a:solidFill>
+                <a:schemeClr val="tx1"/>
+              </a:solidFill>
+              <a:latin typeface="メイリオ" pitchFamily="50" charset="-128"/>
+              <a:ea typeface="メイリオ" pitchFamily="50" charset="-128"/>
+              <a:cs typeface="メイリオ" pitchFamily="50" charset="-128"/>
+            </a:endParaRPr>
+          </a:p>
+        </p:txBody>
+      </p:sp>
+      <p:sp>
+        <p:nvSpPr>
+          <p:cNvPr id="4" name="日付プレースホルダー 3"/>
+          <p:cNvSpPr>
+            <a:spLocks noGrp="1"/>
+          </p:cNvSpPr>
+          <p:nvPr>
+            <p:ph type="dt" sz="half" idx="10"/>
+          </p:nvPr>
+        </p:nvSpPr>
+        <p:spPr/>
+        <p:txBody>
+          <a:bodyPr/>
+          <a:lstStyle/>
+          <a:p>
+            <a:pPr>
+              <a:defRPr/>
+            </a:pPr>
+            <a:fld id="{A9259AFE-7AC7-4F49-85B9-5B069C761CE3}" type="datetime5">
+              <a:rPr lang="ja-JP" altLang="en-US" smtClean="0">
+                <a:latin typeface="メイリオ" pitchFamily="50" charset="-128"/>
+                <a:ea typeface="メイリオ" pitchFamily="50" charset="-128"/>
+                <a:cs typeface="メイリオ" pitchFamily="50" charset="-128"/>
+              </a:rPr>
+              <a:pPr>
+                <a:defRPr/>
+              </a:pPr>
+              <a:t>2014/08/29</a:t>
+            </a:fld>
+            <a:endParaRPr lang="ja-JP" altLang="en-US" dirty="0">
+              <a:latin typeface="メイリオ" pitchFamily="50" charset="-128"/>
+              <a:ea typeface="メイリオ" pitchFamily="50" charset="-128"/>
+              <a:cs typeface="メイリオ" pitchFamily="50" charset="-128"/>
+            </a:endParaRPr>
+          </a:p>
+        </p:txBody>
+      </p:sp>
+      <p:sp>
+        <p:nvSpPr>
+          <p:cNvPr id="6" name="スライド番号プレースホルダー 5"/>
+          <p:cNvSpPr>
+            <a:spLocks noGrp="1"/>
+          </p:cNvSpPr>
+          <p:nvPr>
+            <p:ph type="sldNum" sz="quarter" idx="12"/>
+          </p:nvPr>
+        </p:nvSpPr>
+        <p:spPr/>
+        <p:txBody>
+          <a:bodyPr/>
+          <a:lstStyle/>
+          <a:p>
+            <a:pPr>
+              <a:defRPr/>
+            </a:pPr>
+            <a:fld id="{29799127-F303-4AE7-A969-D0F8A278DEB3}" type="slidenum">
+              <a:rPr lang="ja-JP" altLang="en-US" smtClean="0">
+                <a:latin typeface="メイリオ" pitchFamily="50" charset="-128"/>
+                <a:ea typeface="メイリオ" pitchFamily="50" charset="-128"/>
+                <a:cs typeface="メイリオ" pitchFamily="50" charset="-128"/>
+              </a:rPr>
+              <a:pPr>
+                <a:defRPr/>
+              </a:pPr>
+              <a:t>23</a:t>
+            </a:fld>
+            <a:endParaRPr lang="ja-JP" altLang="en-US">
+              <a:latin typeface="メイリオ" pitchFamily="50" charset="-128"/>
+              <a:ea typeface="メイリオ" pitchFamily="50" charset="-128"/>
+              <a:cs typeface="メイリオ" pitchFamily="50" charset="-128"/>
+            </a:endParaRPr>
+          </a:p>
+        </p:txBody>
+      </p:sp>
+      <p:sp>
+        <p:nvSpPr>
+          <p:cNvPr id="7" name="テキスト ボックス 6"/>
+          <p:cNvSpPr txBox="1"/>
+          <p:nvPr/>
+        </p:nvSpPr>
+        <p:spPr>
+          <a:xfrm>
+            <a:off x="785786" y="1079880"/>
+            <a:ext cx="7143800" cy="3631763"/>
+          </a:xfrm>
+          <a:prstGeom prst="rect">
+            <a:avLst/>
+          </a:prstGeom>
+          <a:solidFill>
+            <a:schemeClr val="bg1">
+              <a:lumMod val="85000"/>
+            </a:schemeClr>
+          </a:solidFill>
+          <a:ln>
+            <a:solidFill>
+              <a:schemeClr val="tx1"/>
+            </a:solidFill>
+          </a:ln>
+        </p:spPr>
+        <p:txBody>
+          <a:bodyPr wrap="square" rtlCol="0">
+            <a:spAutoFit/>
+          </a:bodyPr>
+          <a:lstStyle/>
+          <a:p>
+            <a:r>
+              <a:rPr lang="en-US" sz="1000" dirty="0" smtClean="0">
+                <a:latin typeface="MS UI Gothic" pitchFamily="50" charset="-128"/>
+                <a:ea typeface="MS UI Gothic" pitchFamily="50" charset="-128"/>
+                <a:cs typeface="メイリオ" pitchFamily="50" charset="-128"/>
+              </a:rPr>
+              <a:t>D:\chiyama&gt;python testDirectoryDefs.py</a:t>
+            </a:r>
+          </a:p>
+          <a:p>
+            <a:r>
+              <a:rPr lang="en-US" sz="1000" dirty="0" smtClean="0">
+                <a:latin typeface="MS UI Gothic" pitchFamily="50" charset="-128"/>
+                <a:ea typeface="MS UI Gothic" pitchFamily="50" charset="-128"/>
+                <a:cs typeface="メイリオ" pitchFamily="50" charset="-128"/>
+              </a:rPr>
+              <a:t>         11190417 function calls (11057225 primitive calls) in 28.010 CPU seconds</a:t>
+            </a:r>
+          </a:p>
+          <a:p>
+            <a:endParaRPr lang="en-US" sz="1000" dirty="0" smtClean="0">
+              <a:latin typeface="MS UI Gothic" pitchFamily="50" charset="-128"/>
+              <a:ea typeface="MS UI Gothic" pitchFamily="50" charset="-128"/>
+              <a:cs typeface="メイリオ" pitchFamily="50" charset="-128"/>
+            </a:endParaRPr>
+          </a:p>
+          <a:p>
+            <a:r>
+              <a:rPr lang="en-US" sz="1000" dirty="0" smtClean="0">
+                <a:latin typeface="MS UI Gothic" pitchFamily="50" charset="-128"/>
+                <a:ea typeface="MS UI Gothic" pitchFamily="50" charset="-128"/>
+                <a:cs typeface="メイリオ" pitchFamily="50" charset="-128"/>
+              </a:rPr>
+              <a:t>   Ordered by: standard name</a:t>
+            </a:r>
+          </a:p>
+          <a:p>
+            <a:endParaRPr lang="en-US" sz="1000" dirty="0" smtClean="0">
+              <a:latin typeface="MS UI Gothic" pitchFamily="50" charset="-128"/>
+              <a:ea typeface="MS UI Gothic" pitchFamily="50" charset="-128"/>
+              <a:cs typeface="メイリオ" pitchFamily="50" charset="-128"/>
+            </a:endParaRPr>
+          </a:p>
+          <a:p>
+            <a:r>
+              <a:rPr lang="en-US" sz="1000" dirty="0" smtClean="0">
+                <a:latin typeface="MS UI Gothic" pitchFamily="50" charset="-128"/>
+                <a:ea typeface="MS UI Gothic" pitchFamily="50" charset="-128"/>
+                <a:cs typeface="メイリオ" pitchFamily="50" charset="-128"/>
+              </a:rPr>
+              <a:t>   </a:t>
+            </a:r>
+            <a:r>
+              <a:rPr lang="en-US" sz="1000" dirty="0" err="1" smtClean="0">
+                <a:latin typeface="MS UI Gothic" pitchFamily="50" charset="-128"/>
+                <a:ea typeface="MS UI Gothic" pitchFamily="50" charset="-128"/>
+                <a:cs typeface="メイリオ" pitchFamily="50" charset="-128"/>
+              </a:rPr>
+              <a:t>ncalls</a:t>
+            </a:r>
+            <a:r>
+              <a:rPr lang="en-US" sz="1000" dirty="0" smtClean="0">
+                <a:latin typeface="MS UI Gothic" pitchFamily="50" charset="-128"/>
+                <a:ea typeface="MS UI Gothic" pitchFamily="50" charset="-128"/>
+                <a:cs typeface="メイリオ" pitchFamily="50" charset="-128"/>
+              </a:rPr>
+              <a:t>  </a:t>
+            </a:r>
+            <a:r>
+              <a:rPr lang="en-US" sz="1000" dirty="0" err="1" smtClean="0">
+                <a:latin typeface="MS UI Gothic" pitchFamily="50" charset="-128"/>
+                <a:ea typeface="MS UI Gothic" pitchFamily="50" charset="-128"/>
+                <a:cs typeface="メイリオ" pitchFamily="50" charset="-128"/>
+              </a:rPr>
+              <a:t>tottime</a:t>
+            </a:r>
+            <a:r>
+              <a:rPr lang="en-US" sz="1000" dirty="0" smtClean="0">
+                <a:latin typeface="MS UI Gothic" pitchFamily="50" charset="-128"/>
+                <a:ea typeface="MS UI Gothic" pitchFamily="50" charset="-128"/>
+                <a:cs typeface="メイリオ" pitchFamily="50" charset="-128"/>
+              </a:rPr>
+              <a:t>  </a:t>
+            </a:r>
+            <a:r>
+              <a:rPr lang="en-US" sz="1000" dirty="0" err="1" smtClean="0">
+                <a:latin typeface="MS UI Gothic" pitchFamily="50" charset="-128"/>
+                <a:ea typeface="MS UI Gothic" pitchFamily="50" charset="-128"/>
+                <a:cs typeface="メイリオ" pitchFamily="50" charset="-128"/>
+              </a:rPr>
+              <a:t>percall</a:t>
+            </a:r>
+            <a:r>
+              <a:rPr lang="en-US" sz="1000" dirty="0" smtClean="0">
+                <a:latin typeface="MS UI Gothic" pitchFamily="50" charset="-128"/>
+                <a:ea typeface="MS UI Gothic" pitchFamily="50" charset="-128"/>
+                <a:cs typeface="メイリオ" pitchFamily="50" charset="-128"/>
+              </a:rPr>
+              <a:t>  </a:t>
+            </a:r>
+            <a:r>
+              <a:rPr lang="en-US" sz="1000" dirty="0" err="1" smtClean="0">
+                <a:latin typeface="MS UI Gothic" pitchFamily="50" charset="-128"/>
+                <a:ea typeface="MS UI Gothic" pitchFamily="50" charset="-128"/>
+                <a:cs typeface="メイリオ" pitchFamily="50" charset="-128"/>
+              </a:rPr>
+              <a:t>cumtime</a:t>
+            </a:r>
+            <a:r>
+              <a:rPr lang="en-US" sz="1000" dirty="0" smtClean="0">
+                <a:latin typeface="MS UI Gothic" pitchFamily="50" charset="-128"/>
+                <a:ea typeface="MS UI Gothic" pitchFamily="50" charset="-128"/>
+                <a:cs typeface="メイリオ" pitchFamily="50" charset="-128"/>
+              </a:rPr>
+              <a:t>  </a:t>
+            </a:r>
+            <a:r>
+              <a:rPr lang="en-US" sz="1000" dirty="0" err="1" smtClean="0">
+                <a:latin typeface="MS UI Gothic" pitchFamily="50" charset="-128"/>
+                <a:ea typeface="MS UI Gothic" pitchFamily="50" charset="-128"/>
+                <a:cs typeface="メイリオ" pitchFamily="50" charset="-128"/>
+              </a:rPr>
+              <a:t>percall</a:t>
+            </a:r>
+            <a:r>
+              <a:rPr lang="en-US" sz="1000" dirty="0" smtClean="0">
+                <a:latin typeface="MS UI Gothic" pitchFamily="50" charset="-128"/>
+                <a:ea typeface="MS UI Gothic" pitchFamily="50" charset="-128"/>
+                <a:cs typeface="メイリオ" pitchFamily="50" charset="-128"/>
+              </a:rPr>
+              <a:t> </a:t>
+            </a:r>
+            <a:r>
+              <a:rPr lang="en-US" sz="1000" dirty="0" err="1" smtClean="0">
+                <a:latin typeface="MS UI Gothic" pitchFamily="50" charset="-128"/>
+                <a:ea typeface="MS UI Gothic" pitchFamily="50" charset="-128"/>
+                <a:cs typeface="メイリオ" pitchFamily="50" charset="-128"/>
+              </a:rPr>
+              <a:t>filename:lineno</a:t>
+            </a:r>
+            <a:r>
+              <a:rPr lang="en-US" sz="1000" dirty="0" smtClean="0">
+                <a:latin typeface="MS UI Gothic" pitchFamily="50" charset="-128"/>
+                <a:ea typeface="MS UI Gothic" pitchFamily="50" charset="-128"/>
+                <a:cs typeface="メイリオ" pitchFamily="50" charset="-128"/>
+              </a:rPr>
+              <a:t>(function)</a:t>
+            </a:r>
+          </a:p>
+          <a:p>
+            <a:r>
+              <a:rPr lang="en-US" sz="1000" dirty="0" smtClean="0">
+                <a:latin typeface="MS UI Gothic" pitchFamily="50" charset="-128"/>
+                <a:ea typeface="MS UI Gothic" pitchFamily="50" charset="-128"/>
+                <a:cs typeface="メイリオ" pitchFamily="50" charset="-128"/>
+              </a:rPr>
+              <a:t>        1    0.000    0.000    0.000    0.000 &lt;string&gt;:1(&lt;module&gt;)</a:t>
+            </a:r>
+          </a:p>
+          <a:p>
+            <a:r>
+              <a:rPr lang="en-US" sz="1000" dirty="0" smtClean="0">
+                <a:latin typeface="MS UI Gothic" pitchFamily="50" charset="-128"/>
+                <a:ea typeface="MS UI Gothic" pitchFamily="50" charset="-128"/>
+                <a:cs typeface="メイリオ" pitchFamily="50" charset="-128"/>
+              </a:rPr>
+              <a:t>       84    0.003    0.000   27.492    0.327 DirectoryDefs.py:1033(</a:t>
+            </a:r>
+            <a:r>
+              <a:rPr lang="en-US" sz="1000" dirty="0" err="1" smtClean="0">
+                <a:latin typeface="MS UI Gothic" pitchFamily="50" charset="-128"/>
+                <a:ea typeface="MS UI Gothic" pitchFamily="50" charset="-128"/>
+                <a:cs typeface="メイリオ" pitchFamily="50" charset="-128"/>
+              </a:rPr>
+              <a:t>filterNames</a:t>
+            </a:r>
+            <a:r>
+              <a:rPr lang="en-US" sz="1000" dirty="0" smtClean="0">
+                <a:latin typeface="MS UI Gothic" pitchFamily="50" charset="-128"/>
+                <a:ea typeface="MS UI Gothic" pitchFamily="50" charset="-128"/>
+                <a:cs typeface="メイリオ" pitchFamily="50" charset="-128"/>
+              </a:rPr>
+              <a:t>)</a:t>
+            </a:r>
+          </a:p>
+          <a:p>
+            <a:r>
+              <a:rPr lang="en-US" sz="1000" dirty="0" smtClean="0">
+                <a:latin typeface="MS UI Gothic" pitchFamily="50" charset="-128"/>
+                <a:ea typeface="MS UI Gothic" pitchFamily="50" charset="-128"/>
+                <a:cs typeface="メイリオ" pitchFamily="50" charset="-128"/>
+              </a:rPr>
+              <a:t>       36    0.000    0.000    0.000    0.000 DirectoryDefs.py:1066(Get)</a:t>
+            </a:r>
+          </a:p>
+          <a:p>
+            <a:r>
+              <a:rPr lang="en-US" sz="1000" dirty="0" smtClean="0">
+                <a:latin typeface="MS UI Gothic" pitchFamily="50" charset="-128"/>
+                <a:ea typeface="MS UI Gothic" pitchFamily="50" charset="-128"/>
+                <a:cs typeface="メイリオ" pitchFamily="50" charset="-128"/>
+              </a:rPr>
+              <a:t>      261    0.002    0.000    0.006    0.000 DirectoryDefs.py:121(</a:t>
+            </a:r>
+            <a:r>
+              <a:rPr lang="en-US" sz="1000" dirty="0" err="1" smtClean="0">
+                <a:latin typeface="MS UI Gothic" pitchFamily="50" charset="-128"/>
+                <a:ea typeface="MS UI Gothic" pitchFamily="50" charset="-128"/>
+                <a:cs typeface="メイリオ" pitchFamily="50" charset="-128"/>
+              </a:rPr>
+              <a:t>getChild</a:t>
+            </a:r>
+            <a:r>
+              <a:rPr lang="en-US" sz="1000" dirty="0" smtClean="0">
+                <a:latin typeface="MS UI Gothic" pitchFamily="50" charset="-128"/>
+                <a:ea typeface="MS UI Gothic" pitchFamily="50" charset="-128"/>
+                <a:cs typeface="メイリオ" pitchFamily="50" charset="-128"/>
+              </a:rPr>
+              <a:t>)</a:t>
+            </a:r>
+          </a:p>
+          <a:p>
+            <a:r>
+              <a:rPr lang="en-US" sz="1000" dirty="0" smtClean="0">
+                <a:latin typeface="MS UI Gothic" pitchFamily="50" charset="-128"/>
+                <a:ea typeface="MS UI Gothic" pitchFamily="50" charset="-128"/>
+                <a:cs typeface="メイリオ" pitchFamily="50" charset="-128"/>
+              </a:rPr>
+              <a:t>      855    0.004    0.000    0.004    0.000 DirectoryDefs.py:132(_</a:t>
+            </a:r>
+            <a:r>
+              <a:rPr lang="en-US" sz="1000" dirty="0" err="1" smtClean="0">
+                <a:latin typeface="MS UI Gothic" pitchFamily="50" charset="-128"/>
+                <a:ea typeface="MS UI Gothic" pitchFamily="50" charset="-128"/>
+                <a:cs typeface="メイリオ" pitchFamily="50" charset="-128"/>
+              </a:rPr>
+              <a:t>getSomeChildren</a:t>
+            </a:r>
+            <a:r>
+              <a:rPr lang="en-US" sz="1000" dirty="0" smtClean="0">
+                <a:latin typeface="MS UI Gothic" pitchFamily="50" charset="-128"/>
+                <a:ea typeface="MS UI Gothic" pitchFamily="50" charset="-128"/>
+                <a:cs typeface="メイリオ" pitchFamily="50" charset="-128"/>
+              </a:rPr>
+              <a:t>)</a:t>
+            </a:r>
+          </a:p>
+          <a:p>
+            <a:r>
+              <a:rPr lang="en-US" sz="1000" dirty="0" smtClean="0">
+                <a:latin typeface="MS UI Gothic" pitchFamily="50" charset="-128"/>
+                <a:ea typeface="MS UI Gothic" pitchFamily="50" charset="-128"/>
+                <a:cs typeface="メイリオ" pitchFamily="50" charset="-128"/>
+              </a:rPr>
+              <a:t>      285    0.000    0.000    0.002    0.000 DirectoryDefs.py:157(</a:t>
+            </a:r>
+            <a:r>
+              <a:rPr lang="en-US" sz="1000" dirty="0" err="1" smtClean="0">
+                <a:latin typeface="MS UI Gothic" pitchFamily="50" charset="-128"/>
+                <a:ea typeface="MS UI Gothic" pitchFamily="50" charset="-128"/>
+                <a:cs typeface="メイリオ" pitchFamily="50" charset="-128"/>
+              </a:rPr>
+              <a:t>getRequiredChildren</a:t>
+            </a:r>
+            <a:r>
+              <a:rPr lang="en-US" sz="1000" dirty="0" smtClean="0">
+                <a:latin typeface="MS UI Gothic" pitchFamily="50" charset="-128"/>
+                <a:ea typeface="MS UI Gothic" pitchFamily="50" charset="-128"/>
+                <a:cs typeface="メイリオ" pitchFamily="50" charset="-128"/>
+              </a:rPr>
+              <a:t>)</a:t>
+            </a:r>
+          </a:p>
+          <a:p>
+            <a:r>
+              <a:rPr lang="en-US" sz="1000" dirty="0" smtClean="0">
+                <a:latin typeface="MS UI Gothic" pitchFamily="50" charset="-128"/>
+                <a:ea typeface="MS UI Gothic" pitchFamily="50" charset="-128"/>
+                <a:cs typeface="メイリオ" pitchFamily="50" charset="-128"/>
+              </a:rPr>
+              <a:t>      285    0.000    0.000    0.001    0.000 DirectoryDefs.py:161(</a:t>
+            </a:r>
+            <a:r>
+              <a:rPr lang="en-US" sz="1000" dirty="0" err="1" smtClean="0">
+                <a:latin typeface="MS UI Gothic" pitchFamily="50" charset="-128"/>
+                <a:ea typeface="MS UI Gothic" pitchFamily="50" charset="-128"/>
+                <a:cs typeface="メイリオ" pitchFamily="50" charset="-128"/>
+              </a:rPr>
+              <a:t>getOptionalChildren</a:t>
+            </a:r>
+            <a:r>
+              <a:rPr lang="en-US" sz="1000" dirty="0" smtClean="0">
+                <a:latin typeface="MS UI Gothic" pitchFamily="50" charset="-128"/>
+                <a:ea typeface="MS UI Gothic" pitchFamily="50" charset="-128"/>
+                <a:cs typeface="メイリオ" pitchFamily="50" charset="-128"/>
+              </a:rPr>
+              <a:t>)</a:t>
+            </a:r>
+          </a:p>
+          <a:p>
+            <a:r>
+              <a:rPr lang="en-US" sz="1000" dirty="0" smtClean="0">
+                <a:latin typeface="MS UI Gothic" pitchFamily="50" charset="-128"/>
+                <a:ea typeface="MS UI Gothic" pitchFamily="50" charset="-128"/>
+                <a:cs typeface="メイリオ" pitchFamily="50" charset="-128"/>
+              </a:rPr>
+              <a:t>      285    0.000    0.000    0.001    0.000 DirectoryDefs.py:165(</a:t>
+            </a:r>
+            <a:r>
+              <a:rPr lang="en-US" sz="1000" dirty="0" err="1" smtClean="0">
+                <a:latin typeface="MS UI Gothic" pitchFamily="50" charset="-128"/>
+                <a:ea typeface="MS UI Gothic" pitchFamily="50" charset="-128"/>
+                <a:cs typeface="メイリオ" pitchFamily="50" charset="-128"/>
+              </a:rPr>
+              <a:t>getUnknownChildren</a:t>
+            </a:r>
+            <a:r>
+              <a:rPr lang="en-US" sz="1000" dirty="0" smtClean="0">
+                <a:latin typeface="MS UI Gothic" pitchFamily="50" charset="-128"/>
+                <a:ea typeface="MS UI Gothic" pitchFamily="50" charset="-128"/>
+                <a:cs typeface="メイリオ" pitchFamily="50" charset="-128"/>
+              </a:rPr>
+              <a:t>)</a:t>
+            </a:r>
+          </a:p>
+          <a:p>
+            <a:r>
+              <a:rPr lang="en-US" sz="1000" dirty="0" smtClean="0">
+                <a:latin typeface="MS UI Gothic" pitchFamily="50" charset="-128"/>
+                <a:ea typeface="MS UI Gothic" pitchFamily="50" charset="-128"/>
+                <a:cs typeface="メイリオ" pitchFamily="50" charset="-128"/>
+              </a:rPr>
+              <a:t>       12    0.000    0.000    0.001    0.000 DirectoryDefs.py:169(</a:t>
+            </a:r>
+            <a:r>
+              <a:rPr lang="en-US" sz="1000" dirty="0" err="1" smtClean="0">
+                <a:latin typeface="MS UI Gothic" pitchFamily="50" charset="-128"/>
+                <a:ea typeface="MS UI Gothic" pitchFamily="50" charset="-128"/>
+                <a:cs typeface="メイリオ" pitchFamily="50" charset="-128"/>
+              </a:rPr>
+              <a:t>getChildren</a:t>
+            </a:r>
+            <a:r>
+              <a:rPr lang="en-US" sz="1000" dirty="0" smtClean="0">
+                <a:latin typeface="MS UI Gothic" pitchFamily="50" charset="-128"/>
+                <a:ea typeface="MS UI Gothic" pitchFamily="50" charset="-128"/>
+                <a:cs typeface="メイリオ" pitchFamily="50" charset="-128"/>
+              </a:rPr>
+              <a:t>)</a:t>
+            </a:r>
+          </a:p>
+          <a:p>
+            <a:r>
+              <a:rPr lang="en-US" sz="1000" dirty="0" smtClean="0">
+                <a:latin typeface="MS UI Gothic" pitchFamily="50" charset="-128"/>
+                <a:ea typeface="MS UI Gothic" pitchFamily="50" charset="-128"/>
+                <a:cs typeface="メイリオ" pitchFamily="50" charset="-128"/>
+              </a:rPr>
+              <a:t>      261    0.001    0.000    0.001    0.000 DirectoryDefs.py:206(_</a:t>
+            </a:r>
+            <a:r>
+              <a:rPr lang="en-US" sz="1000" dirty="0" err="1" smtClean="0">
+                <a:latin typeface="MS UI Gothic" pitchFamily="50" charset="-128"/>
+                <a:ea typeface="MS UI Gothic" pitchFamily="50" charset="-128"/>
+                <a:cs typeface="メイリオ" pitchFamily="50" charset="-128"/>
+              </a:rPr>
+              <a:t>addElement</a:t>
+            </a:r>
+            <a:r>
+              <a:rPr lang="en-US" sz="1000" dirty="0" smtClean="0">
+                <a:latin typeface="MS UI Gothic" pitchFamily="50" charset="-128"/>
+                <a:ea typeface="MS UI Gothic" pitchFamily="50" charset="-128"/>
+                <a:cs typeface="メイリオ" pitchFamily="50" charset="-128"/>
+              </a:rPr>
+              <a:t>)</a:t>
+            </a:r>
+          </a:p>
+          <a:p>
+            <a:r>
+              <a:rPr lang="en-US" sz="1000" dirty="0" smtClean="0">
+                <a:latin typeface="MS UI Gothic" pitchFamily="50" charset="-128"/>
+                <a:ea typeface="MS UI Gothic" pitchFamily="50" charset="-128"/>
+                <a:cs typeface="メイリオ" pitchFamily="50" charset="-128"/>
+              </a:rPr>
+              <a:t>       24    0.004    0.000   27.544    1.148 DirectoryDefs.py:219(</a:t>
+            </a:r>
+            <a:r>
+              <a:rPr lang="en-US" sz="1000" dirty="0" err="1" smtClean="0">
+                <a:latin typeface="MS UI Gothic" pitchFamily="50" charset="-128"/>
+                <a:ea typeface="MS UI Gothic" pitchFamily="50" charset="-128"/>
+                <a:cs typeface="メイリオ" pitchFamily="50" charset="-128"/>
+              </a:rPr>
+              <a:t>addChildren</a:t>
+            </a:r>
+            <a:r>
+              <a:rPr lang="en-US" sz="1000" dirty="0" smtClean="0">
+                <a:latin typeface="MS UI Gothic" pitchFamily="50" charset="-128"/>
+                <a:ea typeface="MS UI Gothic" pitchFamily="50" charset="-128"/>
+                <a:cs typeface="メイリオ" pitchFamily="50" charset="-128"/>
+              </a:rPr>
+              <a:t>)</a:t>
+            </a:r>
+          </a:p>
+          <a:p>
+            <a:r>
+              <a:rPr lang="en-US" sz="1000" dirty="0" smtClean="0">
+                <a:latin typeface="MS UI Gothic" pitchFamily="50" charset="-128"/>
+                <a:ea typeface="MS UI Gothic" pitchFamily="50" charset="-128"/>
+                <a:cs typeface="メイリオ" pitchFamily="50" charset="-128"/>
+              </a:rPr>
+              <a:t>(</a:t>
+            </a:r>
+            <a:r>
+              <a:rPr lang="ja-JP" altLang="en-US" sz="1000" dirty="0" smtClean="0">
+                <a:latin typeface="MS UI Gothic" pitchFamily="50" charset="-128"/>
+                <a:ea typeface="MS UI Gothic" pitchFamily="50" charset="-128"/>
+                <a:cs typeface="メイリオ" pitchFamily="50" charset="-128"/>
+              </a:rPr>
+              <a:t>中略</a:t>
+            </a:r>
+            <a:r>
+              <a:rPr lang="en-US" altLang="ja-JP" sz="1000" dirty="0" smtClean="0">
+                <a:latin typeface="MS UI Gothic" pitchFamily="50" charset="-128"/>
+                <a:ea typeface="MS UI Gothic" pitchFamily="50" charset="-128"/>
+                <a:cs typeface="メイリオ" pitchFamily="50" charset="-128"/>
+              </a:rPr>
+              <a:t>)</a:t>
+            </a:r>
+          </a:p>
+          <a:p>
+            <a:r>
+              <a:rPr lang="en-US" altLang="ja-JP" sz="1000" dirty="0" smtClean="0">
+                <a:latin typeface="MS UI Gothic" pitchFamily="50" charset="-128"/>
+                <a:ea typeface="MS UI Gothic" pitchFamily="50" charset="-128"/>
+                <a:cs typeface="メイリオ" pitchFamily="50" charset="-128"/>
+              </a:rPr>
+              <a:t>      744    0.003    0.000   25.210    0.034 </a:t>
+            </a:r>
+            <a:r>
+              <a:rPr lang="en-US" sz="1000" dirty="0" smtClean="0">
+                <a:latin typeface="MS UI Gothic" pitchFamily="50" charset="-128"/>
+                <a:ea typeface="MS UI Gothic" pitchFamily="50" charset="-128"/>
+                <a:cs typeface="メイリオ" pitchFamily="50" charset="-128"/>
+              </a:rPr>
+              <a:t>Project.py:349(</a:t>
+            </a:r>
+            <a:r>
+              <a:rPr lang="en-US" sz="1000" dirty="0" err="1" smtClean="0">
+                <a:latin typeface="MS UI Gothic" pitchFamily="50" charset="-128"/>
+                <a:ea typeface="MS UI Gothic" pitchFamily="50" charset="-128"/>
+                <a:cs typeface="メイリオ" pitchFamily="50" charset="-128"/>
+              </a:rPr>
+              <a:t>getAbsPathByNode</a:t>
+            </a:r>
+            <a:r>
+              <a:rPr lang="en-US" sz="1000" dirty="0" smtClean="0">
+                <a:latin typeface="MS UI Gothic" pitchFamily="50" charset="-128"/>
+                <a:ea typeface="MS UI Gothic" pitchFamily="50" charset="-128"/>
+                <a:cs typeface="メイリオ" pitchFamily="50" charset="-128"/>
+              </a:rPr>
+              <a:t>)</a:t>
+            </a:r>
+          </a:p>
+          <a:p>
+            <a:r>
+              <a:rPr lang="en-US" sz="1000" dirty="0" smtClean="0">
+                <a:latin typeface="MS UI Gothic" pitchFamily="50" charset="-128"/>
+                <a:ea typeface="MS UI Gothic" pitchFamily="50" charset="-128"/>
+                <a:cs typeface="メイリオ" pitchFamily="50" charset="-128"/>
+              </a:rPr>
+              <a:t>      732    0.024    0.000   24.842    0.034 Project.py:353(</a:t>
+            </a:r>
+            <a:r>
+              <a:rPr lang="en-US" sz="1000" dirty="0" err="1" smtClean="0">
+                <a:latin typeface="MS UI Gothic" pitchFamily="50" charset="-128"/>
+                <a:ea typeface="MS UI Gothic" pitchFamily="50" charset="-128"/>
+                <a:cs typeface="メイリオ" pitchFamily="50" charset="-128"/>
+              </a:rPr>
+              <a:t>getAbsPath</a:t>
+            </a:r>
+            <a:r>
+              <a:rPr lang="en-US" sz="1000" dirty="0" smtClean="0">
+                <a:latin typeface="MS UI Gothic" pitchFamily="50" charset="-128"/>
+                <a:ea typeface="MS UI Gothic" pitchFamily="50" charset="-128"/>
+                <a:cs typeface="メイリオ" pitchFamily="50" charset="-128"/>
+              </a:rPr>
+              <a:t>)</a:t>
+            </a:r>
+          </a:p>
+          <a:p>
+            <a:r>
+              <a:rPr lang="en-US" sz="1000" dirty="0" smtClean="0">
+                <a:latin typeface="MS UI Gothic" pitchFamily="50" charset="-128"/>
+                <a:ea typeface="MS UI Gothic" pitchFamily="50" charset="-128"/>
+                <a:cs typeface="メイリオ" pitchFamily="50" charset="-128"/>
+              </a:rPr>
+              <a:t>98256/16376    1.432    0.000   22.201    0.001 Project.py:90(</a:t>
+            </a:r>
+            <a:r>
+              <a:rPr lang="en-US" sz="1000" dirty="0" err="1" smtClean="0">
+                <a:latin typeface="MS UI Gothic" pitchFamily="50" charset="-128"/>
+                <a:ea typeface="MS UI Gothic" pitchFamily="50" charset="-128"/>
+                <a:cs typeface="メイリオ" pitchFamily="50" charset="-128"/>
+              </a:rPr>
+              <a:t>getInfo</a:t>
+            </a:r>
+            <a:r>
+              <a:rPr lang="en-US" sz="1000" dirty="0" smtClean="0">
+                <a:latin typeface="MS UI Gothic" pitchFamily="50" charset="-128"/>
+                <a:ea typeface="MS UI Gothic" pitchFamily="50" charset="-128"/>
+                <a:cs typeface="メイリオ" pitchFamily="50" charset="-128"/>
+              </a:rPr>
+              <a:t>)</a:t>
+            </a:r>
+          </a:p>
+          <a:p>
+            <a:r>
+              <a:rPr lang="en-US" sz="1000" dirty="0" smtClean="0">
+                <a:latin typeface="MS UI Gothic" pitchFamily="50" charset="-128"/>
+                <a:ea typeface="MS UI Gothic" pitchFamily="50" charset="-128"/>
+                <a:cs typeface="メイリオ" pitchFamily="50" charset="-128"/>
+              </a:rPr>
+              <a:t>    32796    0.278    0.000    0.278    0.000 ProjectInfoManager.py:132(Get)</a:t>
+            </a:r>
+          </a:p>
+          <a:p>
+            <a:r>
+              <a:rPr lang="en-US" sz="1000" dirty="0" smtClean="0">
+                <a:latin typeface="MS UI Gothic" pitchFamily="50" charset="-128"/>
+                <a:ea typeface="MS UI Gothic" pitchFamily="50" charset="-128"/>
+                <a:cs typeface="メイリオ" pitchFamily="50" charset="-128"/>
+              </a:rPr>
+              <a:t>    32796    0.599    0.000    0.600    0.000 ProjectInfoManager.py:64(</a:t>
+            </a:r>
+            <a:r>
+              <a:rPr lang="en-US" sz="1000" dirty="0" err="1" smtClean="0">
+                <a:latin typeface="MS UI Gothic" pitchFamily="50" charset="-128"/>
+                <a:ea typeface="MS UI Gothic" pitchFamily="50" charset="-128"/>
+                <a:cs typeface="メイリオ" pitchFamily="50" charset="-128"/>
+              </a:rPr>
+              <a:t>getProject</a:t>
+            </a:r>
+            <a:r>
+              <a:rPr lang="en-US" sz="1000" dirty="0" smtClean="0">
+                <a:latin typeface="MS UI Gothic" pitchFamily="50" charset="-128"/>
+                <a:ea typeface="MS UI Gothic" pitchFamily="50" charset="-128"/>
+                <a:cs typeface="メイリオ" pitchFamily="50" charset="-128"/>
+              </a:rPr>
+              <a:t>)</a:t>
+            </a:r>
+          </a:p>
+        </p:txBody>
+      </p:sp>
+    </p:spTree>
+    <p:extLst>
+      <p:ext uri="{BB962C8B-B14F-4D97-AF65-F5344CB8AC3E}">
+        <p14:creationId xmlns="" xmlns:p14="http://schemas.microsoft.com/office/powerpoint/2010/main" val="1890745276"/>
+      </p:ext>
+    </p:extLst>
+  </p:cSld>
+  <p:clrMapOvr>
+    <a:masterClrMapping/>
+  </p:clrMapOvr>
+</p:sld>
+</file>
+
+<file path=ppt/slides/slide24.xml><?xml version="1.0" encoding="utf-8"?>
+<p:sld xmlns:a="http://schemas.openxmlformats.org/drawingml/2006/main" xmlns:r="http://schemas.openxmlformats.org/officeDocument/2006/relationships" xmlns:p="http://schemas.openxmlformats.org/presentationml/2006/main">
+  <p:cSld>
+    <p:spTree>
+      <p:nvGrpSpPr>
+        <p:cNvPr id="1" name=""/>
+        <p:cNvGrpSpPr/>
+        <p:nvPr/>
+      </p:nvGrpSpPr>
+      <p:grpSpPr>
+        <a:xfrm>
+          <a:off x="0" y="0"/>
+          <a:ext cx="0" cy="0"/>
+          <a:chOff x="0" y="0"/>
+          <a:chExt cx="0" cy="0"/>
+        </a:xfrm>
+      </p:grpSpPr>
+      <p:sp>
+        <p:nvSpPr>
+          <p:cNvPr id="2" name="タイトル 1"/>
+          <p:cNvSpPr>
+            <a:spLocks noGrp="1"/>
+          </p:cNvSpPr>
+          <p:nvPr>
+            <p:ph type="title"/>
+          </p:nvPr>
+        </p:nvSpPr>
+        <p:spPr/>
+        <p:txBody>
+          <a:bodyPr/>
+          <a:lstStyle/>
+          <a:p>
+            <a:pPr algn="ctr"/>
+            <a:r>
+              <a:rPr lang="ja-JP" altLang="en-US" sz="4000" dirty="0" smtClean="0">
+                <a:solidFill>
+                  <a:schemeClr val="tx1"/>
+                </a:solidFill>
+                <a:latin typeface="メイリオ" pitchFamily="50" charset="-128"/>
+                <a:ea typeface="メイリオ" pitchFamily="50" charset="-128"/>
+                <a:cs typeface="メイリオ" pitchFamily="50" charset="-128"/>
+              </a:rPr>
+              <a:t>プロファイリング結果の分析</a:t>
+            </a:r>
+            <a:endParaRPr kumimoji="1" lang="ja-JP" altLang="en-US" sz="4000" dirty="0">
+              <a:solidFill>
+                <a:schemeClr val="tx1"/>
+              </a:solidFill>
+              <a:latin typeface="メイリオ" pitchFamily="50" charset="-128"/>
+              <a:ea typeface="メイリオ" pitchFamily="50" charset="-128"/>
+              <a:cs typeface="メイリオ" pitchFamily="50" charset="-128"/>
+            </a:endParaRPr>
+          </a:p>
+        </p:txBody>
+      </p:sp>
+      <p:sp>
+        <p:nvSpPr>
+          <p:cNvPr id="4" name="日付プレースホルダー 3"/>
+          <p:cNvSpPr>
+            <a:spLocks noGrp="1"/>
+          </p:cNvSpPr>
+          <p:nvPr>
+            <p:ph type="dt" sz="half" idx="10"/>
+          </p:nvPr>
+        </p:nvSpPr>
+        <p:spPr/>
+        <p:txBody>
+          <a:bodyPr/>
+          <a:lstStyle/>
+          <a:p>
+            <a:pPr>
+              <a:defRPr/>
+            </a:pPr>
+            <a:fld id="{A9259AFE-7AC7-4F49-85B9-5B069C761CE3}" type="datetime5">
+              <a:rPr lang="ja-JP" altLang="en-US" smtClean="0">
+                <a:latin typeface="メイリオ" pitchFamily="50" charset="-128"/>
+                <a:ea typeface="メイリオ" pitchFamily="50" charset="-128"/>
+                <a:cs typeface="メイリオ" pitchFamily="50" charset="-128"/>
+              </a:rPr>
+              <a:pPr>
+                <a:defRPr/>
+              </a:pPr>
+              <a:t>2014/08/29</a:t>
+            </a:fld>
+            <a:endParaRPr lang="ja-JP" altLang="en-US" dirty="0">
+              <a:latin typeface="メイリオ" pitchFamily="50" charset="-128"/>
+              <a:ea typeface="メイリオ" pitchFamily="50" charset="-128"/>
+              <a:cs typeface="メイリオ" pitchFamily="50" charset="-128"/>
+            </a:endParaRPr>
+          </a:p>
+        </p:txBody>
+      </p:sp>
+      <p:sp>
+        <p:nvSpPr>
+          <p:cNvPr id="6" name="スライド番号プレースホルダー 5"/>
+          <p:cNvSpPr>
+            <a:spLocks noGrp="1"/>
+          </p:cNvSpPr>
+          <p:nvPr>
+            <p:ph type="sldNum" sz="quarter" idx="12"/>
+          </p:nvPr>
+        </p:nvSpPr>
+        <p:spPr/>
+        <p:txBody>
+          <a:bodyPr/>
+          <a:lstStyle/>
+          <a:p>
+            <a:pPr>
+              <a:defRPr/>
+            </a:pPr>
+            <a:fld id="{29799127-F303-4AE7-A969-D0F8A278DEB3}" type="slidenum">
+              <a:rPr lang="ja-JP" altLang="en-US" smtClean="0">
+                <a:latin typeface="メイリオ" pitchFamily="50" charset="-128"/>
+                <a:ea typeface="メイリオ" pitchFamily="50" charset="-128"/>
+                <a:cs typeface="メイリオ" pitchFamily="50" charset="-128"/>
+              </a:rPr>
+              <a:pPr>
+                <a:defRPr/>
+              </a:pPr>
+              <a:t>24</a:t>
+            </a:fld>
+            <a:endParaRPr lang="ja-JP" altLang="en-US">
+              <a:latin typeface="メイリオ" pitchFamily="50" charset="-128"/>
+              <a:ea typeface="メイリオ" pitchFamily="50" charset="-128"/>
+              <a:cs typeface="メイリオ" pitchFamily="50" charset="-128"/>
+            </a:endParaRPr>
+          </a:p>
+        </p:txBody>
+      </p:sp>
       <p:grpSp>
         <p:nvGrpSpPr>
-          <p:cNvPr id="13" name="グループ化 12"/>
+          <p:cNvPr id="3" name="グループ化 12"/>
           <p:cNvGrpSpPr/>
           <p:nvPr/>
         </p:nvGrpSpPr>
         <p:grpSpPr>
           <a:xfrm>
-            <a:off x="214282" y="1079880"/>
-            <a:ext cx="8143932" cy="3277820"/>
-            <a:chOff x="214282" y="768856"/>
-            <a:chExt cx="8143932" cy="3277820"/>
+            <a:off x="142844" y="1079880"/>
+            <a:ext cx="8215370" cy="3631763"/>
+            <a:chOff x="142844" y="768856"/>
+            <a:chExt cx="8215370" cy="3631763"/>
           </a:xfrm>
         </p:grpSpPr>
         <p:sp>
@@ -9391,7 +12855,7 @@
           <p:spPr>
             <a:xfrm>
               <a:off x="785786" y="768856"/>
-              <a:ext cx="7143800" cy="3277820"/>
+              <a:ext cx="7143800" cy="3631763"/>
             </a:xfrm>
             <a:prstGeom prst="rect">
               <a:avLst/>
@@ -9414,176 +12878,160 @@
             <a:lstStyle/>
             <a:p>
               <a:r>
-                <a:rPr lang="en-US" sz="900" dirty="0" smtClean="0">
-                  <a:latin typeface="メイリオ" pitchFamily="50" charset="-128"/>
-                  <a:ea typeface="メイリオ" pitchFamily="50" charset="-128"/>
+                <a:rPr lang="en-US" sz="1000" dirty="0" smtClean="0">
+                  <a:latin typeface="MS UI Gothic" pitchFamily="50" charset="-128"/>
+                  <a:ea typeface="MS UI Gothic" pitchFamily="50" charset="-128"/>
                   <a:cs typeface="メイリオ" pitchFamily="50" charset="-128"/>
                 </a:rPr>
-                <a:t>D:\</a:t>
-              </a:r>
-              <a:r>
-                <a:rPr lang="en-US" sz="900" dirty="0" smtClean="0">
-                  <a:latin typeface="メイリオ" pitchFamily="50" charset="-128"/>
-                  <a:ea typeface="メイリオ" pitchFamily="50" charset="-128"/>
-                  <a:cs typeface="メイリオ" pitchFamily="50" charset="-128"/>
-                </a:rPr>
-                <a:t>chiyama&gt;python </a:t>
-              </a:r>
-              <a:r>
-                <a:rPr lang="en-US" sz="900" dirty="0" smtClean="0">
-                  <a:latin typeface="メイリオ" pitchFamily="50" charset="-128"/>
-                  <a:ea typeface="メイリオ" pitchFamily="50" charset="-128"/>
-                  <a:cs typeface="メイリオ" pitchFamily="50" charset="-128"/>
-                </a:rPr>
-                <a:t>testDirectoryDefs.py</a:t>
+                <a:t>D:\chiyama&gt;python testDirectoryDefs.py</a:t>
               </a:r>
             </a:p>
             <a:p>
               <a:r>
-                <a:rPr lang="en-US" sz="900" dirty="0" smtClean="0">
-                  <a:latin typeface="メイリオ" pitchFamily="50" charset="-128"/>
-                  <a:ea typeface="メイリオ" pitchFamily="50" charset="-128"/>
+                <a:rPr lang="en-US" sz="1000" dirty="0" smtClean="0">
+                  <a:latin typeface="MS UI Gothic" pitchFamily="50" charset="-128"/>
+                  <a:ea typeface="MS UI Gothic" pitchFamily="50" charset="-128"/>
                   <a:cs typeface="メイリオ" pitchFamily="50" charset="-128"/>
                 </a:rPr>
                 <a:t>         11190417 function calls (11057225 primitive calls) in </a:t>
               </a:r>
               <a:r>
-                <a:rPr lang="en-US" sz="900" b="1" dirty="0" smtClean="0">
+                <a:rPr lang="en-US" sz="1000" b="1" dirty="0" smtClean="0">
                   <a:solidFill>
                     <a:srgbClr val="FF0000"/>
                   </a:solidFill>
-                  <a:latin typeface="メイリオ" pitchFamily="50" charset="-128"/>
-                  <a:ea typeface="メイリオ" pitchFamily="50" charset="-128"/>
+                  <a:latin typeface="MS UI Gothic" pitchFamily="50" charset="-128"/>
+                  <a:ea typeface="MS UI Gothic" pitchFamily="50" charset="-128"/>
                   <a:cs typeface="メイリオ" pitchFamily="50" charset="-128"/>
                 </a:rPr>
                 <a:t>28.010 CPU seconds</a:t>
               </a:r>
             </a:p>
             <a:p>
-              <a:endParaRPr lang="en-US" sz="900" dirty="0" smtClean="0">
-                <a:latin typeface="メイリオ" pitchFamily="50" charset="-128"/>
-                <a:ea typeface="メイリオ" pitchFamily="50" charset="-128"/>
+              <a:endParaRPr lang="en-US" sz="1000" dirty="0" smtClean="0">
+                <a:latin typeface="MS UI Gothic" pitchFamily="50" charset="-128"/>
+                <a:ea typeface="MS UI Gothic" pitchFamily="50" charset="-128"/>
                 <a:cs typeface="メイリオ" pitchFamily="50" charset="-128"/>
               </a:endParaRPr>
             </a:p>
             <a:p>
               <a:r>
-                <a:rPr lang="en-US" sz="900" dirty="0" smtClean="0">
-                  <a:latin typeface="メイリオ" pitchFamily="50" charset="-128"/>
-                  <a:ea typeface="メイリオ" pitchFamily="50" charset="-128"/>
+                <a:rPr lang="en-US" sz="1000" dirty="0" smtClean="0">
+                  <a:latin typeface="MS UI Gothic" pitchFamily="50" charset="-128"/>
+                  <a:ea typeface="MS UI Gothic" pitchFamily="50" charset="-128"/>
                   <a:cs typeface="メイリオ" pitchFamily="50" charset="-128"/>
                 </a:rPr>
                 <a:t>   Ordered by: standard name</a:t>
               </a:r>
             </a:p>
             <a:p>
-              <a:endParaRPr lang="en-US" sz="900" dirty="0" smtClean="0">
-                <a:latin typeface="メイリオ" pitchFamily="50" charset="-128"/>
-                <a:ea typeface="メイリオ" pitchFamily="50" charset="-128"/>
+              <a:endParaRPr lang="en-US" sz="1000" dirty="0" smtClean="0">
+                <a:latin typeface="MS UI Gothic" pitchFamily="50" charset="-128"/>
+                <a:ea typeface="MS UI Gothic" pitchFamily="50" charset="-128"/>
                 <a:cs typeface="メイリオ" pitchFamily="50" charset="-128"/>
               </a:endParaRPr>
             </a:p>
             <a:p>
               <a:r>
-                <a:rPr lang="en-US" sz="900" dirty="0" smtClean="0">
-                  <a:latin typeface="メイリオ" pitchFamily="50" charset="-128"/>
-                  <a:ea typeface="メイリオ" pitchFamily="50" charset="-128"/>
+                <a:rPr lang="en-US" sz="1000" dirty="0" smtClean="0">
+                  <a:latin typeface="MS UI Gothic" pitchFamily="50" charset="-128"/>
+                  <a:ea typeface="MS UI Gothic" pitchFamily="50" charset="-128"/>
                   <a:cs typeface="メイリオ" pitchFamily="50" charset="-128"/>
                 </a:rPr>
                 <a:t>   </a:t>
               </a:r>
               <a:r>
-                <a:rPr lang="en-US" sz="900" dirty="0" err="1" smtClean="0">
-                  <a:latin typeface="メイリオ" pitchFamily="50" charset="-128"/>
-                  <a:ea typeface="メイリオ" pitchFamily="50" charset="-128"/>
+                <a:rPr lang="en-US" sz="1000" dirty="0" err="1" smtClean="0">
+                  <a:latin typeface="MS UI Gothic" pitchFamily="50" charset="-128"/>
+                  <a:ea typeface="MS UI Gothic" pitchFamily="50" charset="-128"/>
                   <a:cs typeface="メイリオ" pitchFamily="50" charset="-128"/>
                 </a:rPr>
                 <a:t>ncalls</a:t>
               </a:r>
               <a:r>
-                <a:rPr lang="en-US" sz="900" dirty="0" smtClean="0">
-                  <a:latin typeface="メイリオ" pitchFamily="50" charset="-128"/>
-                  <a:ea typeface="メイリオ" pitchFamily="50" charset="-128"/>
+                <a:rPr lang="en-US" sz="1000" dirty="0" smtClean="0">
+                  <a:latin typeface="MS UI Gothic" pitchFamily="50" charset="-128"/>
+                  <a:ea typeface="MS UI Gothic" pitchFamily="50" charset="-128"/>
                   <a:cs typeface="メイリオ" pitchFamily="50" charset="-128"/>
                 </a:rPr>
                 <a:t>  </a:t>
               </a:r>
               <a:r>
-                <a:rPr lang="en-US" sz="900" dirty="0" err="1" smtClean="0">
-                  <a:latin typeface="メイリオ" pitchFamily="50" charset="-128"/>
-                  <a:ea typeface="メイリオ" pitchFamily="50" charset="-128"/>
+                <a:rPr lang="en-US" sz="1000" dirty="0" err="1" smtClean="0">
+                  <a:latin typeface="MS UI Gothic" pitchFamily="50" charset="-128"/>
+                  <a:ea typeface="MS UI Gothic" pitchFamily="50" charset="-128"/>
                   <a:cs typeface="メイリオ" pitchFamily="50" charset="-128"/>
                 </a:rPr>
                 <a:t>tottime</a:t>
               </a:r>
               <a:r>
-                <a:rPr lang="en-US" sz="900" dirty="0" smtClean="0">
-                  <a:latin typeface="メイリオ" pitchFamily="50" charset="-128"/>
-                  <a:ea typeface="メイリオ" pitchFamily="50" charset="-128"/>
+                <a:rPr lang="en-US" sz="1000" dirty="0" smtClean="0">
+                  <a:latin typeface="MS UI Gothic" pitchFamily="50" charset="-128"/>
+                  <a:ea typeface="MS UI Gothic" pitchFamily="50" charset="-128"/>
                   <a:cs typeface="メイリオ" pitchFamily="50" charset="-128"/>
                 </a:rPr>
                 <a:t>  </a:t>
               </a:r>
               <a:r>
-                <a:rPr lang="en-US" sz="900" dirty="0" err="1" smtClean="0">
-                  <a:latin typeface="メイリオ" pitchFamily="50" charset="-128"/>
-                  <a:ea typeface="メイリオ" pitchFamily="50" charset="-128"/>
+                <a:rPr lang="en-US" sz="1000" dirty="0" err="1" smtClean="0">
+                  <a:latin typeface="MS UI Gothic" pitchFamily="50" charset="-128"/>
+                  <a:ea typeface="MS UI Gothic" pitchFamily="50" charset="-128"/>
                   <a:cs typeface="メイリオ" pitchFamily="50" charset="-128"/>
                 </a:rPr>
                 <a:t>percall</a:t>
               </a:r>
               <a:r>
-                <a:rPr lang="en-US" sz="900" dirty="0" smtClean="0">
-                  <a:latin typeface="メイリオ" pitchFamily="50" charset="-128"/>
-                  <a:ea typeface="メイリオ" pitchFamily="50" charset="-128"/>
+                <a:rPr lang="en-US" sz="1000" dirty="0" smtClean="0">
+                  <a:latin typeface="MS UI Gothic" pitchFamily="50" charset="-128"/>
+                  <a:ea typeface="MS UI Gothic" pitchFamily="50" charset="-128"/>
                   <a:cs typeface="メイリオ" pitchFamily="50" charset="-128"/>
                 </a:rPr>
                 <a:t>  </a:t>
               </a:r>
               <a:r>
-                <a:rPr lang="en-US" sz="900" dirty="0" err="1" smtClean="0">
-                  <a:latin typeface="メイリオ" pitchFamily="50" charset="-128"/>
-                  <a:ea typeface="メイリオ" pitchFamily="50" charset="-128"/>
+                <a:rPr lang="en-US" sz="1000" dirty="0" err="1" smtClean="0">
+                  <a:latin typeface="MS UI Gothic" pitchFamily="50" charset="-128"/>
+                  <a:ea typeface="MS UI Gothic" pitchFamily="50" charset="-128"/>
                   <a:cs typeface="メイリオ" pitchFamily="50" charset="-128"/>
                 </a:rPr>
                 <a:t>cumtime</a:t>
               </a:r>
               <a:r>
-                <a:rPr lang="en-US" sz="900" dirty="0" smtClean="0">
-                  <a:latin typeface="メイリオ" pitchFamily="50" charset="-128"/>
-                  <a:ea typeface="メイリオ" pitchFamily="50" charset="-128"/>
+                <a:rPr lang="en-US" sz="1000" dirty="0" smtClean="0">
+                  <a:latin typeface="MS UI Gothic" pitchFamily="50" charset="-128"/>
+                  <a:ea typeface="MS UI Gothic" pitchFamily="50" charset="-128"/>
                   <a:cs typeface="メイリオ" pitchFamily="50" charset="-128"/>
                 </a:rPr>
                 <a:t>  </a:t>
               </a:r>
               <a:r>
-                <a:rPr lang="en-US" sz="900" dirty="0" err="1" smtClean="0">
-                  <a:latin typeface="メイリオ" pitchFamily="50" charset="-128"/>
-                  <a:ea typeface="メイリオ" pitchFamily="50" charset="-128"/>
+                <a:rPr lang="en-US" sz="1000" dirty="0" err="1" smtClean="0">
+                  <a:latin typeface="MS UI Gothic" pitchFamily="50" charset="-128"/>
+                  <a:ea typeface="MS UI Gothic" pitchFamily="50" charset="-128"/>
                   <a:cs typeface="メイリオ" pitchFamily="50" charset="-128"/>
                 </a:rPr>
                 <a:t>percall</a:t>
               </a:r>
               <a:r>
-                <a:rPr lang="en-US" sz="900" dirty="0" smtClean="0">
-                  <a:latin typeface="メイリオ" pitchFamily="50" charset="-128"/>
-                  <a:ea typeface="メイリオ" pitchFamily="50" charset="-128"/>
+                <a:rPr lang="en-US" sz="1000" dirty="0" smtClean="0">
+                  <a:latin typeface="MS UI Gothic" pitchFamily="50" charset="-128"/>
+                  <a:ea typeface="MS UI Gothic" pitchFamily="50" charset="-128"/>
                   <a:cs typeface="メイリオ" pitchFamily="50" charset="-128"/>
                 </a:rPr>
                 <a:t> </a:t>
               </a:r>
               <a:r>
-                <a:rPr lang="en-US" sz="900" dirty="0" err="1" smtClean="0">
-                  <a:latin typeface="メイリオ" pitchFamily="50" charset="-128"/>
-                  <a:ea typeface="メイリオ" pitchFamily="50" charset="-128"/>
+                <a:rPr lang="en-US" sz="1000" dirty="0" err="1" smtClean="0">
+                  <a:latin typeface="MS UI Gothic" pitchFamily="50" charset="-128"/>
+                  <a:ea typeface="MS UI Gothic" pitchFamily="50" charset="-128"/>
                   <a:cs typeface="メイリオ" pitchFamily="50" charset="-128"/>
                 </a:rPr>
                 <a:t>filename:lineno</a:t>
               </a:r>
               <a:r>
-                <a:rPr lang="en-US" sz="900" dirty="0" smtClean="0">
-                  <a:latin typeface="メイリオ" pitchFamily="50" charset="-128"/>
-                  <a:ea typeface="メイリオ" pitchFamily="50" charset="-128"/>
+                <a:rPr lang="en-US" sz="1000" dirty="0" smtClean="0">
+                  <a:latin typeface="MS UI Gothic" pitchFamily="50" charset="-128"/>
+                  <a:ea typeface="MS UI Gothic" pitchFamily="50" charset="-128"/>
                   <a:cs typeface="メイリオ" pitchFamily="50" charset="-128"/>
                 </a:rPr>
                 <a:t>(function)</a:t>
@@ -9591,9 +13039,9 @@
             </a:p>
             <a:p>
               <a:r>
-                <a:rPr lang="en-US" sz="900" dirty="0" smtClean="0">
-                  <a:latin typeface="メイリオ" pitchFamily="50" charset="-128"/>
-                  <a:ea typeface="メイリオ" pitchFamily="50" charset="-128"/>
+                <a:rPr lang="en-US" sz="1000" dirty="0" smtClean="0">
+                  <a:latin typeface="MS UI Gothic" pitchFamily="50" charset="-128"/>
+                  <a:ea typeface="MS UI Gothic" pitchFamily="50" charset="-128"/>
                   <a:cs typeface="メイリオ" pitchFamily="50" charset="-128"/>
                 </a:rPr>
                 <a:t>        1    0.000    0.000    0.000    0.000 &lt;string&gt;:1(&lt;module&gt;)</a:t>
@@ -9601,25 +13049,25 @@
             </a:p>
             <a:p>
               <a:r>
-                <a:rPr lang="en-US" sz="900" dirty="0" smtClean="0">
-                  <a:latin typeface="メイリオ" pitchFamily="50" charset="-128"/>
-                  <a:ea typeface="メイリオ" pitchFamily="50" charset="-128"/>
+                <a:rPr lang="en-US" sz="1000" dirty="0" smtClean="0">
+                  <a:latin typeface="MS UI Gothic" pitchFamily="50" charset="-128"/>
+                  <a:ea typeface="MS UI Gothic" pitchFamily="50" charset="-128"/>
                   <a:cs typeface="メイリオ" pitchFamily="50" charset="-128"/>
                 </a:rPr>
                 <a:t>       84    0.003    0.000   27.492    0.327 DirectoryDefs.py:1033(</a:t>
               </a:r>
               <a:r>
-                <a:rPr lang="en-US" sz="900" dirty="0" err="1" smtClean="0">
-                  <a:latin typeface="メイリオ" pitchFamily="50" charset="-128"/>
-                  <a:ea typeface="メイリオ" pitchFamily="50" charset="-128"/>
+                <a:rPr lang="en-US" sz="1000" dirty="0" err="1" smtClean="0">
+                  <a:latin typeface="MS UI Gothic" pitchFamily="50" charset="-128"/>
+                  <a:ea typeface="MS UI Gothic" pitchFamily="50" charset="-128"/>
                   <a:cs typeface="メイリオ" pitchFamily="50" charset="-128"/>
                 </a:rPr>
                 <a:t>filterNames</a:t>
               </a:r>
               <a:r>
-                <a:rPr lang="en-US" sz="900" dirty="0" smtClean="0">
-                  <a:latin typeface="メイリオ" pitchFamily="50" charset="-128"/>
-                  <a:ea typeface="メイリオ" pitchFamily="50" charset="-128"/>
+                <a:rPr lang="en-US" sz="1000" dirty="0" smtClean="0">
+                  <a:latin typeface="MS UI Gothic" pitchFamily="50" charset="-128"/>
+                  <a:ea typeface="MS UI Gothic" pitchFamily="50" charset="-128"/>
                   <a:cs typeface="メイリオ" pitchFamily="50" charset="-128"/>
                 </a:rPr>
                 <a:t>)</a:t>
@@ -9627,9 +13075,9 @@
             </a:p>
             <a:p>
               <a:r>
-                <a:rPr lang="en-US" sz="900" dirty="0" smtClean="0">
-                  <a:latin typeface="メイリオ" pitchFamily="50" charset="-128"/>
-                  <a:ea typeface="メイリオ" pitchFamily="50" charset="-128"/>
+                <a:rPr lang="en-US" sz="1000" dirty="0" smtClean="0">
+                  <a:latin typeface="MS UI Gothic" pitchFamily="50" charset="-128"/>
+                  <a:ea typeface="MS UI Gothic" pitchFamily="50" charset="-128"/>
                   <a:cs typeface="メイリオ" pitchFamily="50" charset="-128"/>
                 </a:rPr>
                 <a:t>       36    0.000    0.000    0.000    0.000 DirectoryDefs.py:1066(Get)</a:t>
@@ -9637,25 +13085,25 @@
             </a:p>
             <a:p>
               <a:r>
-                <a:rPr lang="en-US" sz="900" dirty="0" smtClean="0">
-                  <a:latin typeface="メイリオ" pitchFamily="50" charset="-128"/>
-                  <a:ea typeface="メイリオ" pitchFamily="50" charset="-128"/>
+                <a:rPr lang="en-US" sz="1000" dirty="0" smtClean="0">
+                  <a:latin typeface="MS UI Gothic" pitchFamily="50" charset="-128"/>
+                  <a:ea typeface="MS UI Gothic" pitchFamily="50" charset="-128"/>
                   <a:cs typeface="メイリオ" pitchFamily="50" charset="-128"/>
                 </a:rPr>
                 <a:t>      261    0.002    0.000    0.006    0.000 DirectoryDefs.py:121(</a:t>
               </a:r>
               <a:r>
-                <a:rPr lang="en-US" sz="900" dirty="0" err="1" smtClean="0">
-                  <a:latin typeface="メイリオ" pitchFamily="50" charset="-128"/>
-                  <a:ea typeface="メイリオ" pitchFamily="50" charset="-128"/>
+                <a:rPr lang="en-US" sz="1000" dirty="0" err="1" smtClean="0">
+                  <a:latin typeface="MS UI Gothic" pitchFamily="50" charset="-128"/>
+                  <a:ea typeface="MS UI Gothic" pitchFamily="50" charset="-128"/>
                   <a:cs typeface="メイリオ" pitchFamily="50" charset="-128"/>
                 </a:rPr>
                 <a:t>getChild</a:t>
               </a:r>
               <a:r>
-                <a:rPr lang="en-US" sz="900" dirty="0" smtClean="0">
-                  <a:latin typeface="メイリオ" pitchFamily="50" charset="-128"/>
-                  <a:ea typeface="メイリオ" pitchFamily="50" charset="-128"/>
+                <a:rPr lang="en-US" sz="1000" dirty="0" smtClean="0">
+                  <a:latin typeface="MS UI Gothic" pitchFamily="50" charset="-128"/>
+                  <a:ea typeface="MS UI Gothic" pitchFamily="50" charset="-128"/>
                   <a:cs typeface="メイリオ" pitchFamily="50" charset="-128"/>
                 </a:rPr>
                 <a:t>)</a:t>
@@ -9663,25 +13111,25 @@
             </a:p>
             <a:p>
               <a:r>
-                <a:rPr lang="en-US" sz="900" dirty="0" smtClean="0">
-                  <a:latin typeface="メイリオ" pitchFamily="50" charset="-128"/>
-                  <a:ea typeface="メイリオ" pitchFamily="50" charset="-128"/>
+                <a:rPr lang="en-US" sz="1000" dirty="0" smtClean="0">
+                  <a:latin typeface="MS UI Gothic" pitchFamily="50" charset="-128"/>
+                  <a:ea typeface="MS UI Gothic" pitchFamily="50" charset="-128"/>
                   <a:cs typeface="メイリオ" pitchFamily="50" charset="-128"/>
                 </a:rPr>
                 <a:t>      855    0.004    0.000    0.004    0.000 DirectoryDefs.py:132(_</a:t>
               </a:r>
               <a:r>
-                <a:rPr lang="en-US" sz="900" dirty="0" err="1" smtClean="0">
-                  <a:latin typeface="メイリオ" pitchFamily="50" charset="-128"/>
-                  <a:ea typeface="メイリオ" pitchFamily="50" charset="-128"/>
+                <a:rPr lang="en-US" sz="1000" dirty="0" err="1" smtClean="0">
+                  <a:latin typeface="MS UI Gothic" pitchFamily="50" charset="-128"/>
+                  <a:ea typeface="MS UI Gothic" pitchFamily="50" charset="-128"/>
                   <a:cs typeface="メイリオ" pitchFamily="50" charset="-128"/>
                 </a:rPr>
                 <a:t>getSomeChildren</a:t>
               </a:r>
               <a:r>
-                <a:rPr lang="en-US" sz="900" dirty="0" smtClean="0">
-                  <a:latin typeface="メイリオ" pitchFamily="50" charset="-128"/>
-                  <a:ea typeface="メイリオ" pitchFamily="50" charset="-128"/>
+                <a:rPr lang="en-US" sz="1000" dirty="0" smtClean="0">
+                  <a:latin typeface="MS UI Gothic" pitchFamily="50" charset="-128"/>
+                  <a:ea typeface="MS UI Gothic" pitchFamily="50" charset="-128"/>
                   <a:cs typeface="メイリオ" pitchFamily="50" charset="-128"/>
                 </a:rPr>
                 <a:t>)</a:t>
@@ -9689,25 +13137,25 @@
             </a:p>
             <a:p>
               <a:r>
-                <a:rPr lang="en-US" sz="900" dirty="0" smtClean="0">
-                  <a:latin typeface="メイリオ" pitchFamily="50" charset="-128"/>
-                  <a:ea typeface="メイリオ" pitchFamily="50" charset="-128"/>
+                <a:rPr lang="en-US" sz="1000" dirty="0" smtClean="0">
+                  <a:latin typeface="MS UI Gothic" pitchFamily="50" charset="-128"/>
+                  <a:ea typeface="MS UI Gothic" pitchFamily="50" charset="-128"/>
                   <a:cs typeface="メイリオ" pitchFamily="50" charset="-128"/>
                 </a:rPr>
                 <a:t>      285    0.000    0.000    0.002    0.000 DirectoryDefs.py:157(</a:t>
               </a:r>
               <a:r>
-                <a:rPr lang="en-US" sz="900" dirty="0" err="1" smtClean="0">
-                  <a:latin typeface="メイリオ" pitchFamily="50" charset="-128"/>
-                  <a:ea typeface="メイリオ" pitchFamily="50" charset="-128"/>
+                <a:rPr lang="en-US" sz="1000" dirty="0" err="1" smtClean="0">
+                  <a:latin typeface="MS UI Gothic" pitchFamily="50" charset="-128"/>
+                  <a:ea typeface="MS UI Gothic" pitchFamily="50" charset="-128"/>
                   <a:cs typeface="メイリオ" pitchFamily="50" charset="-128"/>
                 </a:rPr>
                 <a:t>getRequiredChildren</a:t>
               </a:r>
               <a:r>
-                <a:rPr lang="en-US" sz="900" dirty="0" smtClean="0">
-                  <a:latin typeface="メイリオ" pitchFamily="50" charset="-128"/>
-                  <a:ea typeface="メイリオ" pitchFamily="50" charset="-128"/>
+                <a:rPr lang="en-US" sz="1000" dirty="0" smtClean="0">
+                  <a:latin typeface="MS UI Gothic" pitchFamily="50" charset="-128"/>
+                  <a:ea typeface="MS UI Gothic" pitchFamily="50" charset="-128"/>
                   <a:cs typeface="メイリオ" pitchFamily="50" charset="-128"/>
                 </a:rPr>
                 <a:t>)</a:t>
@@ -9715,25 +13163,25 @@
             </a:p>
             <a:p>
               <a:r>
-                <a:rPr lang="en-US" sz="900" dirty="0" smtClean="0">
-                  <a:latin typeface="メイリオ" pitchFamily="50" charset="-128"/>
-                  <a:ea typeface="メイリオ" pitchFamily="50" charset="-128"/>
+                <a:rPr lang="en-US" sz="1000" dirty="0" smtClean="0">
+                  <a:latin typeface="MS UI Gothic" pitchFamily="50" charset="-128"/>
+                  <a:ea typeface="MS UI Gothic" pitchFamily="50" charset="-128"/>
                   <a:cs typeface="メイリオ" pitchFamily="50" charset="-128"/>
                 </a:rPr>
                 <a:t>      285    0.000    0.000    0.001    0.000 DirectoryDefs.py:161(</a:t>
               </a:r>
               <a:r>
-                <a:rPr lang="en-US" sz="900" dirty="0" err="1" smtClean="0">
-                  <a:latin typeface="メイリオ" pitchFamily="50" charset="-128"/>
-                  <a:ea typeface="メイリオ" pitchFamily="50" charset="-128"/>
+                <a:rPr lang="en-US" sz="1000" dirty="0" err="1" smtClean="0">
+                  <a:latin typeface="MS UI Gothic" pitchFamily="50" charset="-128"/>
+                  <a:ea typeface="MS UI Gothic" pitchFamily="50" charset="-128"/>
                   <a:cs typeface="メイリオ" pitchFamily="50" charset="-128"/>
                 </a:rPr>
                 <a:t>getOptionalChildren</a:t>
               </a:r>
               <a:r>
-                <a:rPr lang="en-US" sz="900" dirty="0" smtClean="0">
-                  <a:latin typeface="メイリオ" pitchFamily="50" charset="-128"/>
-                  <a:ea typeface="メイリオ" pitchFamily="50" charset="-128"/>
+                <a:rPr lang="en-US" sz="1000" dirty="0" smtClean="0">
+                  <a:latin typeface="MS UI Gothic" pitchFamily="50" charset="-128"/>
+                  <a:ea typeface="MS UI Gothic" pitchFamily="50" charset="-128"/>
                   <a:cs typeface="メイリオ" pitchFamily="50" charset="-128"/>
                 </a:rPr>
                 <a:t>)</a:t>
@@ -9741,25 +13189,25 @@
             </a:p>
             <a:p>
               <a:r>
-                <a:rPr lang="en-US" sz="900" dirty="0" smtClean="0">
-                  <a:latin typeface="メイリオ" pitchFamily="50" charset="-128"/>
-                  <a:ea typeface="メイリオ" pitchFamily="50" charset="-128"/>
+                <a:rPr lang="en-US" sz="1000" dirty="0" smtClean="0">
+                  <a:latin typeface="MS UI Gothic" pitchFamily="50" charset="-128"/>
+                  <a:ea typeface="MS UI Gothic" pitchFamily="50" charset="-128"/>
                   <a:cs typeface="メイリオ" pitchFamily="50" charset="-128"/>
                 </a:rPr>
                 <a:t>      285    0.000    0.000    0.001    0.000 DirectoryDefs.py:165(</a:t>
               </a:r>
               <a:r>
-                <a:rPr lang="en-US" sz="900" dirty="0" err="1" smtClean="0">
-                  <a:latin typeface="メイリオ" pitchFamily="50" charset="-128"/>
-                  <a:ea typeface="メイリオ" pitchFamily="50" charset="-128"/>
+                <a:rPr lang="en-US" sz="1000" dirty="0" err="1" smtClean="0">
+                  <a:latin typeface="MS UI Gothic" pitchFamily="50" charset="-128"/>
+                  <a:ea typeface="MS UI Gothic" pitchFamily="50" charset="-128"/>
                   <a:cs typeface="メイリオ" pitchFamily="50" charset="-128"/>
                 </a:rPr>
                 <a:t>getUnknownChildren</a:t>
               </a:r>
               <a:r>
-                <a:rPr lang="en-US" sz="900" dirty="0" smtClean="0">
-                  <a:latin typeface="メイリオ" pitchFamily="50" charset="-128"/>
-                  <a:ea typeface="メイリオ" pitchFamily="50" charset="-128"/>
+                <a:rPr lang="en-US" sz="1000" dirty="0" smtClean="0">
+                  <a:latin typeface="MS UI Gothic" pitchFamily="50" charset="-128"/>
+                  <a:ea typeface="MS UI Gothic" pitchFamily="50" charset="-128"/>
                   <a:cs typeface="メイリオ" pitchFamily="50" charset="-128"/>
                 </a:rPr>
                 <a:t>)</a:t>
@@ -9767,25 +13215,25 @@
             </a:p>
             <a:p>
               <a:r>
-                <a:rPr lang="en-US" sz="900" dirty="0" smtClean="0">
-                  <a:latin typeface="メイリオ" pitchFamily="50" charset="-128"/>
-                  <a:ea typeface="メイリオ" pitchFamily="50" charset="-128"/>
+                <a:rPr lang="en-US" sz="1000" dirty="0" smtClean="0">
+                  <a:latin typeface="MS UI Gothic" pitchFamily="50" charset="-128"/>
+                  <a:ea typeface="MS UI Gothic" pitchFamily="50" charset="-128"/>
                   <a:cs typeface="メイリオ" pitchFamily="50" charset="-128"/>
                 </a:rPr>
                 <a:t>       12    0.000    0.000    0.001    0.000 DirectoryDefs.py:169(</a:t>
               </a:r>
               <a:r>
-                <a:rPr lang="en-US" sz="900" dirty="0" err="1" smtClean="0">
-                  <a:latin typeface="メイリオ" pitchFamily="50" charset="-128"/>
-                  <a:ea typeface="メイリオ" pitchFamily="50" charset="-128"/>
+                <a:rPr lang="en-US" sz="1000" dirty="0" err="1" smtClean="0">
+                  <a:latin typeface="MS UI Gothic" pitchFamily="50" charset="-128"/>
+                  <a:ea typeface="MS UI Gothic" pitchFamily="50" charset="-128"/>
                   <a:cs typeface="メイリオ" pitchFamily="50" charset="-128"/>
                 </a:rPr>
                 <a:t>getChildren</a:t>
               </a:r>
               <a:r>
-                <a:rPr lang="en-US" sz="900" dirty="0" smtClean="0">
-                  <a:latin typeface="メイリオ" pitchFamily="50" charset="-128"/>
-                  <a:ea typeface="メイリオ" pitchFamily="50" charset="-128"/>
+                <a:rPr lang="en-US" sz="1000" dirty="0" smtClean="0">
+                  <a:latin typeface="MS UI Gothic" pitchFamily="50" charset="-128"/>
+                  <a:ea typeface="MS UI Gothic" pitchFamily="50" charset="-128"/>
                   <a:cs typeface="メイリオ" pitchFamily="50" charset="-128"/>
                 </a:rPr>
                 <a:t>)</a:t>
@@ -9793,25 +13241,25 @@
             </a:p>
             <a:p>
               <a:r>
-                <a:rPr lang="en-US" sz="900" dirty="0" smtClean="0">
-                  <a:latin typeface="メイリオ" pitchFamily="50" charset="-128"/>
-                  <a:ea typeface="メイリオ" pitchFamily="50" charset="-128"/>
+                <a:rPr lang="en-US" sz="1000" dirty="0" smtClean="0">
+                  <a:latin typeface="MS UI Gothic" pitchFamily="50" charset="-128"/>
+                  <a:ea typeface="MS UI Gothic" pitchFamily="50" charset="-128"/>
                   <a:cs typeface="メイリオ" pitchFamily="50" charset="-128"/>
                 </a:rPr>
                 <a:t>      261    0.001    0.000    0.001    0.000 DirectoryDefs.py:206(_</a:t>
               </a:r>
               <a:r>
-                <a:rPr lang="en-US" sz="900" dirty="0" err="1" smtClean="0">
-                  <a:latin typeface="メイリオ" pitchFamily="50" charset="-128"/>
-                  <a:ea typeface="メイリオ" pitchFamily="50" charset="-128"/>
+                <a:rPr lang="en-US" sz="1000" dirty="0" err="1" smtClean="0">
+                  <a:latin typeface="MS UI Gothic" pitchFamily="50" charset="-128"/>
+                  <a:ea typeface="MS UI Gothic" pitchFamily="50" charset="-128"/>
                   <a:cs typeface="メイリオ" pitchFamily="50" charset="-128"/>
                 </a:rPr>
                 <a:t>addElement</a:t>
               </a:r>
               <a:r>
-                <a:rPr lang="en-US" sz="900" dirty="0" smtClean="0">
-                  <a:latin typeface="メイリオ" pitchFamily="50" charset="-128"/>
-                  <a:ea typeface="メイリオ" pitchFamily="50" charset="-128"/>
+                <a:rPr lang="en-US" sz="1000" dirty="0" smtClean="0">
+                  <a:latin typeface="MS UI Gothic" pitchFamily="50" charset="-128"/>
+                  <a:ea typeface="MS UI Gothic" pitchFamily="50" charset="-128"/>
                   <a:cs typeface="メイリオ" pitchFamily="50" charset="-128"/>
                 </a:rPr>
                 <a:t>)</a:t>
@@ -9819,25 +13267,25 @@
             </a:p>
             <a:p>
               <a:r>
-                <a:rPr lang="en-US" sz="900" dirty="0" smtClean="0">
-                  <a:latin typeface="メイリオ" pitchFamily="50" charset="-128"/>
-                  <a:ea typeface="メイリオ" pitchFamily="50" charset="-128"/>
+                <a:rPr lang="en-US" sz="1000" dirty="0" smtClean="0">
+                  <a:latin typeface="MS UI Gothic" pitchFamily="50" charset="-128"/>
+                  <a:ea typeface="MS UI Gothic" pitchFamily="50" charset="-128"/>
                   <a:cs typeface="メイリオ" pitchFamily="50" charset="-128"/>
                 </a:rPr>
                 <a:t>       24    0.004    0.000   27.544    1.148 DirectoryDefs.py:219(</a:t>
               </a:r>
               <a:r>
-                <a:rPr lang="en-US" sz="900" dirty="0" err="1" smtClean="0">
-                  <a:latin typeface="メイリオ" pitchFamily="50" charset="-128"/>
-                  <a:ea typeface="メイリオ" pitchFamily="50" charset="-128"/>
+                <a:rPr lang="en-US" sz="1000" dirty="0" err="1" smtClean="0">
+                  <a:latin typeface="MS UI Gothic" pitchFamily="50" charset="-128"/>
+                  <a:ea typeface="MS UI Gothic" pitchFamily="50" charset="-128"/>
                   <a:cs typeface="メイリオ" pitchFamily="50" charset="-128"/>
                 </a:rPr>
                 <a:t>addChildren</a:t>
               </a:r>
               <a:r>
-                <a:rPr lang="en-US" sz="900" dirty="0" smtClean="0">
-                  <a:latin typeface="メイリオ" pitchFamily="50" charset="-128"/>
-                  <a:ea typeface="メイリオ" pitchFamily="50" charset="-128"/>
+                <a:rPr lang="en-US" sz="1000" dirty="0" smtClean="0">
+                  <a:latin typeface="MS UI Gothic" pitchFamily="50" charset="-128"/>
+                  <a:ea typeface="MS UI Gothic" pitchFamily="50" charset="-128"/>
                   <a:cs typeface="メイリオ" pitchFamily="50" charset="-128"/>
                 </a:rPr>
                 <a:t>)</a:t>
@@ -9845,25 +13293,25 @@
             </a:p>
             <a:p>
               <a:r>
-                <a:rPr lang="en-US" sz="900" dirty="0" smtClean="0">
-                  <a:latin typeface="メイリオ" pitchFamily="50" charset="-128"/>
-                  <a:ea typeface="メイリオ" pitchFamily="50" charset="-128"/>
+                <a:rPr lang="en-US" sz="1000" dirty="0" smtClean="0">
+                  <a:latin typeface="MS UI Gothic" pitchFamily="50" charset="-128"/>
+                  <a:ea typeface="MS UI Gothic" pitchFamily="50" charset="-128"/>
                   <a:cs typeface="メイリオ" pitchFamily="50" charset="-128"/>
                 </a:rPr>
                 <a:t>(</a:t>
               </a:r>
               <a:r>
-                <a:rPr lang="ja-JP" altLang="en-US" sz="900" dirty="0" smtClean="0">
-                  <a:latin typeface="メイリオ" pitchFamily="50" charset="-128"/>
-                  <a:ea typeface="メイリオ" pitchFamily="50" charset="-128"/>
+                <a:rPr lang="ja-JP" altLang="en-US" sz="1000" dirty="0" smtClean="0">
+                  <a:latin typeface="MS UI Gothic" pitchFamily="50" charset="-128"/>
+                  <a:ea typeface="MS UI Gothic" pitchFamily="50" charset="-128"/>
                   <a:cs typeface="メイリオ" pitchFamily="50" charset="-128"/>
                 </a:rPr>
                 <a:t>中略</a:t>
               </a:r>
               <a:r>
-                <a:rPr lang="en-US" altLang="ja-JP" sz="900" dirty="0" smtClean="0">
-                  <a:latin typeface="メイリオ" pitchFamily="50" charset="-128"/>
-                  <a:ea typeface="メイリオ" pitchFamily="50" charset="-128"/>
+                <a:rPr lang="en-US" altLang="ja-JP" sz="1000" dirty="0" smtClean="0">
+                  <a:latin typeface="MS UI Gothic" pitchFamily="50" charset="-128"/>
+                  <a:ea typeface="MS UI Gothic" pitchFamily="50" charset="-128"/>
                   <a:cs typeface="メイリオ" pitchFamily="50" charset="-128"/>
                 </a:rPr>
                 <a:t>)</a:t>
@@ -9871,33 +13319,33 @@
             </a:p>
             <a:p>
               <a:r>
-                <a:rPr lang="en-US" altLang="ja-JP" sz="900" dirty="0" smtClean="0">
-                  <a:latin typeface="メイリオ" pitchFamily="50" charset="-128"/>
-                  <a:ea typeface="メイリオ" pitchFamily="50" charset="-128"/>
+                <a:rPr lang="en-US" altLang="ja-JP" sz="1000" dirty="0" smtClean="0">
+                  <a:latin typeface="MS UI Gothic" pitchFamily="50" charset="-128"/>
+                  <a:ea typeface="MS UI Gothic" pitchFamily="50" charset="-128"/>
                   <a:cs typeface="メイリオ" pitchFamily="50" charset="-128"/>
                 </a:rPr>
                 <a:t>      744    0.003    0.000   25.210    0.034 </a:t>
               </a:r>
               <a:r>
-                <a:rPr lang="en-US" sz="900" dirty="0" smtClean="0">
-                  <a:latin typeface="メイリオ" pitchFamily="50" charset="-128"/>
-                  <a:ea typeface="メイリオ" pitchFamily="50" charset="-128"/>
+                <a:rPr lang="en-US" sz="1000" dirty="0" smtClean="0">
+                  <a:latin typeface="MS UI Gothic" pitchFamily="50" charset="-128"/>
+                  <a:ea typeface="MS UI Gothic" pitchFamily="50" charset="-128"/>
                   <a:cs typeface="メイリオ" pitchFamily="50" charset="-128"/>
                 </a:rPr>
                 <a:t>Project.py:349(</a:t>
               </a:r>
               <a:r>
-                <a:rPr lang="en-US" sz="900" dirty="0" err="1" smtClean="0">
-                  <a:latin typeface="メイリオ" pitchFamily="50" charset="-128"/>
-                  <a:ea typeface="メイリオ" pitchFamily="50" charset="-128"/>
+                <a:rPr lang="en-US" sz="1000" dirty="0" err="1" smtClean="0">
+                  <a:latin typeface="MS UI Gothic" pitchFamily="50" charset="-128"/>
+                  <a:ea typeface="MS UI Gothic" pitchFamily="50" charset="-128"/>
                   <a:cs typeface="メイリオ" pitchFamily="50" charset="-128"/>
                 </a:rPr>
                 <a:t>getAbsPathByNode</a:t>
               </a:r>
               <a:r>
-                <a:rPr lang="en-US" sz="900" dirty="0" smtClean="0">
-                  <a:latin typeface="メイリオ" pitchFamily="50" charset="-128"/>
-                  <a:ea typeface="メイリオ" pitchFamily="50" charset="-128"/>
+                <a:rPr lang="en-US" sz="1000" dirty="0" smtClean="0">
+                  <a:latin typeface="MS UI Gothic" pitchFamily="50" charset="-128"/>
+                  <a:ea typeface="MS UI Gothic" pitchFamily="50" charset="-128"/>
                   <a:cs typeface="メイリオ" pitchFamily="50" charset="-128"/>
                 </a:rPr>
                 <a:t>)</a:t>
@@ -9905,25 +13353,25 @@
             </a:p>
             <a:p>
               <a:r>
-                <a:rPr lang="en-US" sz="900" dirty="0" smtClean="0">
-                  <a:latin typeface="メイリオ" pitchFamily="50" charset="-128"/>
-                  <a:ea typeface="メイリオ" pitchFamily="50" charset="-128"/>
+                <a:rPr lang="en-US" sz="1000" dirty="0" smtClean="0">
+                  <a:latin typeface="MS UI Gothic" pitchFamily="50" charset="-128"/>
+                  <a:ea typeface="MS UI Gothic" pitchFamily="50" charset="-128"/>
                   <a:cs typeface="メイリオ" pitchFamily="50" charset="-128"/>
                 </a:rPr>
                 <a:t>      732    0.024    0.000   24.842    0.034 Project.py:353(</a:t>
               </a:r>
               <a:r>
-                <a:rPr lang="en-US" sz="900" dirty="0" err="1" smtClean="0">
-                  <a:latin typeface="メイリオ" pitchFamily="50" charset="-128"/>
-                  <a:ea typeface="メイリオ" pitchFamily="50" charset="-128"/>
+                <a:rPr lang="en-US" sz="1000" dirty="0" err="1" smtClean="0">
+                  <a:latin typeface="MS UI Gothic" pitchFamily="50" charset="-128"/>
+                  <a:ea typeface="MS UI Gothic" pitchFamily="50" charset="-128"/>
                   <a:cs typeface="メイリオ" pitchFamily="50" charset="-128"/>
                 </a:rPr>
                 <a:t>getAbsPath</a:t>
               </a:r>
               <a:r>
-                <a:rPr lang="en-US" sz="900" dirty="0" smtClean="0">
-                  <a:latin typeface="メイリオ" pitchFamily="50" charset="-128"/>
-                  <a:ea typeface="メイリオ" pitchFamily="50" charset="-128"/>
+                <a:rPr lang="en-US" sz="1000" dirty="0" smtClean="0">
+                  <a:latin typeface="MS UI Gothic" pitchFamily="50" charset="-128"/>
+                  <a:ea typeface="MS UI Gothic" pitchFamily="50" charset="-128"/>
                   <a:cs typeface="メイリオ" pitchFamily="50" charset="-128"/>
                 </a:rPr>
                 <a:t>)</a:t>
@@ -9931,34 +13379,34 @@
             </a:p>
             <a:p>
               <a:r>
-                <a:rPr lang="en-US" sz="900" b="1" dirty="0" smtClean="0">
+                <a:rPr lang="en-US" sz="1000" b="1" dirty="0" smtClean="0">
                   <a:solidFill>
                     <a:srgbClr val="FF0000"/>
                   </a:solidFill>
-                  <a:latin typeface="メイリオ" pitchFamily="50" charset="-128"/>
-                  <a:ea typeface="メイリオ" pitchFamily="50" charset="-128"/>
+                  <a:latin typeface="MS UI Gothic" pitchFamily="50" charset="-128"/>
+                  <a:ea typeface="MS UI Gothic" pitchFamily="50" charset="-128"/>
                   <a:cs typeface="メイリオ" pitchFamily="50" charset="-128"/>
                 </a:rPr>
                 <a:t>98256/16376    1.432    0.000   22.201    0.001 Project.py:90(</a:t>
               </a:r>
               <a:r>
-                <a:rPr lang="en-US" sz="900" b="1" dirty="0" err="1" smtClean="0">
+                <a:rPr lang="en-US" sz="1000" b="1" dirty="0" err="1" smtClean="0">
                   <a:solidFill>
                     <a:srgbClr val="FF0000"/>
                   </a:solidFill>
-                  <a:latin typeface="メイリオ" pitchFamily="50" charset="-128"/>
-                  <a:ea typeface="メイリオ" pitchFamily="50" charset="-128"/>
+                  <a:latin typeface="MS UI Gothic" pitchFamily="50" charset="-128"/>
+                  <a:ea typeface="MS UI Gothic" pitchFamily="50" charset="-128"/>
                   <a:cs typeface="メイリオ" pitchFamily="50" charset="-128"/>
                 </a:rPr>
                 <a:t>getInfo</a:t>
               </a:r>
               <a:r>
-                <a:rPr lang="en-US" sz="900" b="1" dirty="0" smtClean="0">
+                <a:rPr lang="en-US" sz="1000" b="1" dirty="0" smtClean="0">
                   <a:solidFill>
                     <a:srgbClr val="FF0000"/>
                   </a:solidFill>
-                  <a:latin typeface="メイリオ" pitchFamily="50" charset="-128"/>
-                  <a:ea typeface="メイリオ" pitchFamily="50" charset="-128"/>
+                  <a:latin typeface="MS UI Gothic" pitchFamily="50" charset="-128"/>
+                  <a:ea typeface="MS UI Gothic" pitchFamily="50" charset="-128"/>
                   <a:cs typeface="メイリオ" pitchFamily="50" charset="-128"/>
                 </a:rPr>
                 <a:t>)</a:t>
@@ -9966,9 +13414,9 @@
             </a:p>
             <a:p>
               <a:r>
-                <a:rPr lang="en-US" sz="900" dirty="0" smtClean="0">
-                  <a:latin typeface="メイリオ" pitchFamily="50" charset="-128"/>
-                  <a:ea typeface="メイリオ" pitchFamily="50" charset="-128"/>
+                <a:rPr lang="en-US" sz="1000" dirty="0" smtClean="0">
+                  <a:latin typeface="MS UI Gothic" pitchFamily="50" charset="-128"/>
+                  <a:ea typeface="MS UI Gothic" pitchFamily="50" charset="-128"/>
                   <a:cs typeface="メイリオ" pitchFamily="50" charset="-128"/>
                 </a:rPr>
                 <a:t>    32796    0.278    0.000    0.278    0.000 ProjectInfoManager.py:132(Get)</a:t>
@@ -9976,25 +13424,25 @@
             </a:p>
             <a:p>
               <a:r>
-                <a:rPr lang="en-US" sz="900" dirty="0" smtClean="0">
-                  <a:latin typeface="メイリオ" pitchFamily="50" charset="-128"/>
-                  <a:ea typeface="メイリオ" pitchFamily="50" charset="-128"/>
+                <a:rPr lang="en-US" sz="1000" dirty="0" smtClean="0">
+                  <a:latin typeface="MS UI Gothic" pitchFamily="50" charset="-128"/>
+                  <a:ea typeface="MS UI Gothic" pitchFamily="50" charset="-128"/>
                   <a:cs typeface="メイリオ" pitchFamily="50" charset="-128"/>
                 </a:rPr>
                 <a:t>    32796    0.599    0.000    0.600    0.000 ProjectInfoManager.py:64(</a:t>
               </a:r>
               <a:r>
-                <a:rPr lang="en-US" sz="900" dirty="0" err="1" smtClean="0">
-                  <a:latin typeface="メイリオ" pitchFamily="50" charset="-128"/>
-                  <a:ea typeface="メイリオ" pitchFamily="50" charset="-128"/>
+                <a:rPr lang="en-US" sz="1000" dirty="0" err="1" smtClean="0">
+                  <a:latin typeface="MS UI Gothic" pitchFamily="50" charset="-128"/>
+                  <a:ea typeface="MS UI Gothic" pitchFamily="50" charset="-128"/>
                   <a:cs typeface="メイリオ" pitchFamily="50" charset="-128"/>
                 </a:rPr>
                 <a:t>getProject</a:t>
               </a:r>
               <a:r>
-                <a:rPr lang="en-US" sz="900" dirty="0" smtClean="0">
-                  <a:latin typeface="メイリオ" pitchFamily="50" charset="-128"/>
-                  <a:ea typeface="メイリオ" pitchFamily="50" charset="-128"/>
+                <a:rPr lang="en-US" sz="1000" dirty="0" smtClean="0">
+                  <a:latin typeface="MS UI Gothic" pitchFamily="50" charset="-128"/>
+                  <a:ea typeface="MS UI Gothic" pitchFamily="50" charset="-128"/>
                   <a:cs typeface="メイリオ" pitchFamily="50" charset="-128"/>
                 </a:rPr>
                 <a:t>)</a:t>
@@ -10080,13 +13528,13 @@
           </p:nvSpPr>
           <p:spPr>
             <a:xfrm>
-              <a:off x="5357818" y="3117982"/>
+              <a:off x="5214942" y="3449900"/>
               <a:ext cx="3000396" cy="525338"/>
             </a:xfrm>
             <a:prstGeom prst="wedgeRectCallout">
               <a:avLst>
-                <a:gd name="adj1" fmla="val -55330"/>
-                <a:gd name="adj2" fmla="val 40192"/>
+                <a:gd name="adj1" fmla="val -71203"/>
+                <a:gd name="adj2" fmla="val 45027"/>
               </a:avLst>
             </a:prstGeom>
           </p:spPr>
@@ -10148,15 +13596,7 @@
                   <a:ea typeface="メイリオ" pitchFamily="50" charset="-128"/>
                   <a:cs typeface="メイリオ" pitchFamily="50" charset="-128"/>
                 </a:rPr>
-                <a:t>秒</a:t>
-              </a:r>
-              <a:r>
-                <a:rPr lang="ja-JP" altLang="en-US" sz="1600" dirty="0" smtClean="0">
-                  <a:latin typeface="メイリオ" pitchFamily="50" charset="-128"/>
-                  <a:ea typeface="メイリオ" pitchFamily="50" charset="-128"/>
-                  <a:cs typeface="メイリオ" pitchFamily="50" charset="-128"/>
-                </a:rPr>
-                <a:t>かかっている</a:t>
+                <a:t>秒かかっている</a:t>
               </a:r>
               <a:endParaRPr lang="ja-JP" altLang="en-US" sz="1600" dirty="0">
                 <a:latin typeface="メイリオ" pitchFamily="50" charset="-128"/>
@@ -10174,7 +13614,7 @@
           </p:nvSpPr>
           <p:spPr>
             <a:xfrm>
-              <a:off x="214282" y="2571750"/>
+              <a:off x="142844" y="2903668"/>
               <a:ext cx="2286016" cy="500066"/>
             </a:xfrm>
             <a:prstGeom prst="wedgeRectCallout">
@@ -10226,23 +13666,7 @@
                   <a:ea typeface="メイリオ" pitchFamily="50" charset="-128"/>
                   <a:cs typeface="メイリオ" pitchFamily="50" charset="-128"/>
                 </a:rPr>
-                <a:t>万</a:t>
-              </a:r>
-              <a:r>
-                <a:rPr lang="ja-JP" altLang="en-US" sz="1600" dirty="0" smtClean="0">
-                  <a:latin typeface="メイリオ" pitchFamily="50" charset="-128"/>
-                  <a:ea typeface="メイリオ" pitchFamily="50" charset="-128"/>
-                  <a:cs typeface="メイリオ" pitchFamily="50" charset="-128"/>
-                </a:rPr>
-                <a:t>回呼ばれて</a:t>
-              </a:r>
-              <a:r>
-                <a:rPr lang="ja-JP" altLang="en-US" sz="1600" dirty="0" smtClean="0">
-                  <a:latin typeface="メイリオ" pitchFamily="50" charset="-128"/>
-                  <a:ea typeface="メイリオ" pitchFamily="50" charset="-128"/>
-                  <a:cs typeface="メイリオ" pitchFamily="50" charset="-128"/>
-                </a:rPr>
-                <a:t>いる</a:t>
+                <a:t>万回呼ばれている</a:t>
               </a:r>
               <a:endParaRPr lang="ja-JP" altLang="en-US" sz="1600" dirty="0">
                 <a:latin typeface="メイリオ" pitchFamily="50" charset="-128"/>
@@ -10256,7 +13680,7 @@
     </p:spTree>
     <p:extLst>
       <p:ext uri="{BB962C8B-B14F-4D97-AF65-F5344CB8AC3E}">
-        <p14:creationId xmlns:p14="http://schemas.microsoft.com/office/powerpoint/2010/main" xmlns="" val="1890745276"/>
+        <p14:creationId xmlns="" xmlns:p14="http://schemas.microsoft.com/office/powerpoint/2010/main" val="1890745276"/>
       </p:ext>
     </p:extLst>
   </p:cSld>
@@ -10266,7 +13690,7 @@
 </p:sld>
 </file>
 
-<file path=ppt/slides/slide14.xml><?xml version="1.0" encoding="utf-8"?>
+<file path=ppt/slides/slide25.xml><?xml version="1.0" encoding="utf-8"?>
 <p:sld xmlns:a="http://schemas.openxmlformats.org/drawingml/2006/main" xmlns:r="http://schemas.openxmlformats.org/officeDocument/2006/relationships" xmlns:p="http://schemas.openxmlformats.org/presentationml/2006/main">
   <p:cSld>
     <p:spTree>
@@ -10442,7 +13866,15 @@
                 <a:ea typeface="メイリオ" pitchFamily="50" charset="-128"/>
                 <a:cs typeface="メイリオ" pitchFamily="50" charset="-128"/>
               </a:rPr>
-              <a:t>秒と、</a:t>
+              <a:t>秒と</a:t>
+            </a:r>
+            <a:r>
+              <a:rPr lang="ja-JP" altLang="en-US" sz="2400" dirty="0" smtClean="0">
+                <a:latin typeface="メイリオ" pitchFamily="50" charset="-128"/>
+                <a:ea typeface="メイリオ" pitchFamily="50" charset="-128"/>
+                <a:cs typeface="メイリオ" pitchFamily="50" charset="-128"/>
+              </a:rPr>
+              <a:t>、</a:t>
             </a:r>
             <a:r>
               <a:rPr lang="en-US" altLang="ja-JP" sz="2400" dirty="0" smtClean="0">
@@ -10450,7 +13882,7 @@
                 <a:ea typeface="メイリオ" pitchFamily="50" charset="-128"/>
                 <a:cs typeface="メイリオ" pitchFamily="50" charset="-128"/>
               </a:rPr>
-              <a:t>70% </a:t>
+              <a:t>3.18</a:t>
             </a:r>
             <a:r>
               <a:rPr lang="ja-JP" altLang="en-US" sz="2400" dirty="0" smtClean="0">
@@ -10458,7 +13890,15 @@
                 <a:ea typeface="メイリオ" pitchFamily="50" charset="-128"/>
                 <a:cs typeface="メイリオ" pitchFamily="50" charset="-128"/>
               </a:rPr>
-              <a:t>程度の高速化</a:t>
+              <a:t>倍の</a:t>
+            </a:r>
+            <a:r>
+              <a:rPr lang="ja-JP" altLang="en-US" sz="2400" dirty="0" smtClean="0">
+                <a:latin typeface="メイリオ" pitchFamily="50" charset="-128"/>
+                <a:ea typeface="メイリオ" pitchFamily="50" charset="-128"/>
+                <a:cs typeface="メイリオ" pitchFamily="50" charset="-128"/>
+              </a:rPr>
+              <a:t>高速化</a:t>
             </a:r>
             <a:endParaRPr lang="en-US" altLang="ja-JP" sz="2400" dirty="0" smtClean="0">
               <a:latin typeface="メイリオ" pitchFamily="50" charset="-128"/>
@@ -10495,7 +13935,7 @@
               <a:pPr>
                 <a:defRPr/>
               </a:pPr>
-              <a:t>2014/08/16</a:t>
+              <a:t>2014/08/29</a:t>
             </a:fld>
             <a:endParaRPr lang="ja-JP" altLang="en-US" dirty="0">
               <a:latin typeface="メイリオ" pitchFamily="50" charset="-128"/>
@@ -10532,7 +13972,7 @@
               <a:pPr>
                 <a:defRPr/>
               </a:pPr>
-              <a:t>14</a:t>
+              <a:t>25</a:t>
             </a:fld>
             <a:endParaRPr lang="ja-JP" altLang="en-US">
               <a:latin typeface="メイリオ" pitchFamily="50" charset="-128"/>
@@ -10552,15 +13992,14 @@
         </p:nvPicPr>
         <p:blipFill>
           <a:blip r:embed="rId2"/>
-          <a:srcRect/>
           <a:stretch>
             <a:fillRect/>
           </a:stretch>
         </p:blipFill>
         <p:spPr bwMode="auto">
           <a:xfrm>
-            <a:off x="2091127" y="820340"/>
-            <a:ext cx="4961747" cy="2511696"/>
+            <a:off x="2091271" y="820340"/>
+            <a:ext cx="4961459" cy="2511696"/>
           </a:xfrm>
           <a:prstGeom prst="rect">
             <a:avLst/>
@@ -10571,7 +14010,7 @@
     </p:spTree>
     <p:extLst>
       <p:ext uri="{BB962C8B-B14F-4D97-AF65-F5344CB8AC3E}">
-        <p14:creationId xmlns:p14="http://schemas.microsoft.com/office/powerpoint/2010/main" xmlns="" val="1890745276"/>
+        <p14:creationId xmlns="" xmlns:p14="http://schemas.microsoft.com/office/powerpoint/2010/main" val="1890745276"/>
       </p:ext>
     </p:extLst>
   </p:cSld>
@@ -10581,7 +14020,7 @@
 </p:sld>
 </file>
 
-<file path=ppt/slides/slide15.xml><?xml version="1.0" encoding="utf-8"?>
+<file path=ppt/slides/slide26.xml><?xml version="1.0" encoding="utf-8"?>
 <p:sld xmlns:a="http://schemas.openxmlformats.org/drawingml/2006/main" xmlns:r="http://schemas.openxmlformats.org/officeDocument/2006/relationships" xmlns:p="http://schemas.openxmlformats.org/presentationml/2006/main">
   <p:cSld>
     <p:spTree>
@@ -10755,7 +14194,15 @@
                 <a:ea typeface="メイリオ" pitchFamily="50" charset="-128"/>
                 <a:cs typeface="メイリオ" pitchFamily="50" charset="-128"/>
               </a:rPr>
-              <a:t>効果が出ていなかったら単なるおまじないを唱えただけなので失敗</a:t>
+              <a:t>効果が出ていなかったら単なるおまじないを唱えただけなので</a:t>
+            </a:r>
+            <a:r>
+              <a:rPr lang="ja-JP" altLang="en-US" sz="2800" dirty="0" smtClean="0">
+                <a:latin typeface="メイリオ" pitchFamily="50" charset="-128"/>
+                <a:ea typeface="メイリオ" pitchFamily="50" charset="-128"/>
+                <a:cs typeface="メイリオ" pitchFamily="50" charset="-128"/>
+              </a:rPr>
+              <a:t>失敗</a:t>
             </a:r>
             <a:endParaRPr lang="en-US" altLang="ja-JP" sz="2800" dirty="0" smtClean="0">
               <a:latin typeface="メイリオ" pitchFamily="50" charset="-128"/>
@@ -10763,53 +14210,6 @@
               <a:cs typeface="メイリオ" pitchFamily="50" charset="-128"/>
             </a:endParaRPr>
           </a:p>
-          <a:p>
-            <a:r>
-              <a:rPr lang="ja-JP" altLang="en-US" sz="2800" dirty="0" smtClean="0">
-                <a:latin typeface="メイリオ" pitchFamily="50" charset="-128"/>
-                <a:ea typeface="メイリオ" pitchFamily="50" charset="-128"/>
-                <a:cs typeface="メイリオ" pitchFamily="50" charset="-128"/>
-              </a:rPr>
-              <a:t>経験上、</a:t>
-            </a:r>
-            <a:r>
-              <a:rPr lang="en-US" altLang="ja-JP" sz="2800" dirty="0" smtClean="0">
-                <a:latin typeface="メイリオ" pitchFamily="50" charset="-128"/>
-                <a:ea typeface="メイリオ" pitchFamily="50" charset="-128"/>
-                <a:cs typeface="メイリオ" pitchFamily="50" charset="-128"/>
-              </a:rPr>
-              <a:t>10</a:t>
-            </a:r>
-            <a:r>
-              <a:rPr lang="ja-JP" altLang="en-US" sz="2800" dirty="0" smtClean="0">
-                <a:latin typeface="メイリオ" pitchFamily="50" charset="-128"/>
-                <a:ea typeface="メイリオ" pitchFamily="50" charset="-128"/>
-                <a:cs typeface="メイリオ" pitchFamily="50" charset="-128"/>
-              </a:rPr>
-              <a:t>倍くらい</a:t>
-            </a:r>
-            <a:r>
-              <a:rPr lang="ja-JP" altLang="en-US" sz="2800" dirty="0" smtClean="0">
-                <a:latin typeface="メイリオ" pitchFamily="50" charset="-128"/>
-                <a:ea typeface="メイリオ" pitchFamily="50" charset="-128"/>
-                <a:cs typeface="メイリオ" pitchFamily="50" charset="-128"/>
-              </a:rPr>
-              <a:t>は簡単に速く</a:t>
-            </a:r>
-            <a:r>
-              <a:rPr lang="ja-JP" altLang="en-US" sz="2800" dirty="0" smtClean="0">
-                <a:latin typeface="メイリオ" pitchFamily="50" charset="-128"/>
-                <a:ea typeface="メイリオ" pitchFamily="50" charset="-128"/>
-                <a:cs typeface="メイリオ" pitchFamily="50" charset="-128"/>
-              </a:rPr>
-              <a:t>なる</a:t>
-            </a:r>
-            <a:endParaRPr lang="en-US" altLang="ja-JP" sz="2800" dirty="0" smtClean="0">
-              <a:latin typeface="メイリオ" pitchFamily="50" charset="-128"/>
-              <a:ea typeface="メイリオ" pitchFamily="50" charset="-128"/>
-              <a:cs typeface="メイリオ" pitchFamily="50" charset="-128"/>
-            </a:endParaRPr>
-          </a:p>
         </p:txBody>
       </p:sp>
       <p:sp>
@@ -10839,7 +14239,7 @@
               <a:pPr>
                 <a:defRPr/>
               </a:pPr>
-              <a:t>2014/08/16</a:t>
+              <a:t>2014/08/29</a:t>
             </a:fld>
             <a:endParaRPr lang="ja-JP" altLang="en-US" dirty="0">
               <a:latin typeface="メイリオ" pitchFamily="50" charset="-128"/>
@@ -10876,7 +14276,7 @@
               <a:pPr>
                 <a:defRPr/>
               </a:pPr>
-              <a:t>15</a:t>
+              <a:t>26</a:t>
             </a:fld>
             <a:endParaRPr lang="ja-JP" altLang="en-US">
               <a:latin typeface="メイリオ" pitchFamily="50" charset="-128"/>
@@ -10889,7 +14289,7 @@
     </p:spTree>
     <p:extLst>
       <p:ext uri="{BB962C8B-B14F-4D97-AF65-F5344CB8AC3E}">
-        <p14:creationId xmlns:p14="http://schemas.microsoft.com/office/powerpoint/2010/main" xmlns="" val="1890745276"/>
+        <p14:creationId xmlns="" xmlns:p14="http://schemas.microsoft.com/office/powerpoint/2010/main" val="1890745276"/>
       </p:ext>
     </p:extLst>
   </p:cSld>
@@ -10899,7 +14299,7 @@
 </p:sld>
 </file>
 
-<file path=ppt/slides/slide16.xml><?xml version="1.0" encoding="utf-8"?>
+<file path=ppt/slides/slide27.xml><?xml version="1.0" encoding="utf-8"?>
 <p:sld xmlns:a="http://schemas.openxmlformats.org/drawingml/2006/main" xmlns:r="http://schemas.openxmlformats.org/officeDocument/2006/relationships" xmlns:p="http://schemas.openxmlformats.org/presentationml/2006/main">
   <p:cSld>
     <p:spTree>
@@ -10980,21 +14380,8 @@
                 <a:ea typeface="メイリオ" pitchFamily="50" charset="-128"/>
                 <a:cs typeface="メイリオ" pitchFamily="50" charset="-128"/>
               </a:rPr>
-              <a:t>大抵の場合、ボトルネックになっている場所は以下の傾向が</a:t>
-            </a:r>
-            <a:r>
-              <a:rPr lang="ja-JP" altLang="en-US" sz="2800" dirty="0" smtClean="0">
-                <a:latin typeface="メイリオ" pitchFamily="50" charset="-128"/>
-                <a:ea typeface="メイリオ" pitchFamily="50" charset="-128"/>
-                <a:cs typeface="メイリオ" pitchFamily="50" charset="-128"/>
-              </a:rPr>
-              <a:t>ある</a:t>
-            </a:r>
-            <a:endParaRPr lang="ja-JP" altLang="en-US" sz="2800" dirty="0" smtClean="0">
-              <a:latin typeface="メイリオ" pitchFamily="50" charset="-128"/>
-              <a:ea typeface="メイリオ" pitchFamily="50" charset="-128"/>
-              <a:cs typeface="メイリオ" pitchFamily="50" charset="-128"/>
-            </a:endParaRPr>
+              <a:t>大抵の場合、ボトルネックになっている場所は以下の傾向がある</a:t>
+            </a:r>
           </a:p>
           <a:p>
             <a:pPr lvl="1"/>
@@ -11004,42 +14391,18 @@
                 <a:ea typeface="メイリオ" pitchFamily="50" charset="-128"/>
                 <a:cs typeface="メイリオ" pitchFamily="50" charset="-128"/>
               </a:rPr>
-              <a:t>一回</a:t>
-            </a:r>
+              <a:t>一回の呼び出しに時間がかかっている</a:t>
+            </a:r>
+          </a:p>
+          <a:p>
+            <a:pPr lvl="1"/>
             <a:r>
               <a:rPr lang="ja-JP" altLang="en-US" sz="2400" dirty="0" smtClean="0">
                 <a:latin typeface="メイリオ" pitchFamily="50" charset="-128"/>
                 <a:ea typeface="メイリオ" pitchFamily="50" charset="-128"/>
                 <a:cs typeface="メイリオ" pitchFamily="50" charset="-128"/>
               </a:rPr>
-              <a:t>の呼び出しに時間がかかっている</a:t>
-            </a:r>
-          </a:p>
-          <a:p>
-            <a:pPr lvl="1"/>
-            <a:r>
-              <a:rPr lang="ja-JP" altLang="en-US" sz="2400" dirty="0" smtClean="0">
-                <a:latin typeface="メイリオ" pitchFamily="50" charset="-128"/>
-                <a:ea typeface="メイリオ" pitchFamily="50" charset="-128"/>
-                <a:cs typeface="メイリオ" pitchFamily="50" charset="-128"/>
-              </a:rPr>
-              <a:t>一回</a:t>
-            </a:r>
-            <a:r>
-              <a:rPr lang="ja-JP" altLang="en-US" sz="2400" dirty="0" smtClean="0">
-                <a:latin typeface="メイリオ" pitchFamily="50" charset="-128"/>
-                <a:ea typeface="メイリオ" pitchFamily="50" charset="-128"/>
-                <a:cs typeface="メイリオ" pitchFamily="50" charset="-128"/>
-              </a:rPr>
-              <a:t>の呼び出しは大したコストではないが、大量に呼び出されて</a:t>
-            </a:r>
-            <a:r>
-              <a:rPr lang="ja-JP" altLang="en-US" sz="2400" dirty="0" smtClean="0">
-                <a:latin typeface="メイリオ" pitchFamily="50" charset="-128"/>
-                <a:ea typeface="メイリオ" pitchFamily="50" charset="-128"/>
-                <a:cs typeface="メイリオ" pitchFamily="50" charset="-128"/>
-              </a:rPr>
-              <a:t>いる</a:t>
+              <a:t>一回の呼び出しは大したコストではないが、大量に呼び出されている</a:t>
             </a:r>
             <a:endParaRPr lang="en-US" altLang="ja-JP" sz="2400" dirty="0" smtClean="0">
               <a:latin typeface="メイリオ" pitchFamily="50" charset="-128"/>
@@ -11055,15 +14418,7 @@
                 <a:ea typeface="メイリオ" pitchFamily="50" charset="-128"/>
                 <a:cs typeface="メイリオ" pitchFamily="50" charset="-128"/>
               </a:rPr>
-              <a:t>ディスク</a:t>
-            </a:r>
-            <a:r>
-              <a:rPr lang="ja-JP" altLang="en-US" sz="2400" dirty="0" smtClean="0">
-                <a:latin typeface="メイリオ" pitchFamily="50" charset="-128"/>
-                <a:ea typeface="メイリオ" pitchFamily="50" charset="-128"/>
-                <a:cs typeface="メイリオ" pitchFamily="50" charset="-128"/>
-              </a:rPr>
-              <a:t>やネットワークの </a:t>
+              <a:t>ディスクやネットワークの </a:t>
             </a:r>
             <a:r>
               <a:rPr lang="en-US" altLang="ja-JP" sz="2400" dirty="0" smtClean="0">
@@ -11086,15 +14441,7 @@
                 <a:ea typeface="メイリオ" pitchFamily="50" charset="-128"/>
                 <a:cs typeface="メイリオ" pitchFamily="50" charset="-128"/>
               </a:rPr>
-              <a:t>こういった部分を見つけて、優先的に最適化を行っていくことが</a:t>
-            </a:r>
-            <a:r>
-              <a:rPr lang="ja-JP" altLang="en-US" sz="2800" dirty="0" smtClean="0">
-                <a:latin typeface="メイリオ" pitchFamily="50" charset="-128"/>
-                <a:ea typeface="メイリオ" pitchFamily="50" charset="-128"/>
-                <a:cs typeface="メイリオ" pitchFamily="50" charset="-128"/>
-              </a:rPr>
-              <a:t>大事</a:t>
+              <a:t>こういった部分を見つけて、優先的に最適化を行っていくことが大事</a:t>
             </a:r>
             <a:endParaRPr lang="en-US" altLang="ja-JP" sz="2800" dirty="0" smtClean="0">
               <a:latin typeface="メイリオ" pitchFamily="50" charset="-128"/>
@@ -11131,7 +14478,7 @@
               <a:pPr>
                 <a:defRPr/>
               </a:pPr>
-              <a:t>2014/08/16</a:t>
+              <a:t>2014/08/29</a:t>
             </a:fld>
             <a:endParaRPr lang="ja-JP" altLang="en-US" dirty="0">
               <a:latin typeface="メイリオ" pitchFamily="50" charset="-128"/>
@@ -11168,7 +14515,7 @@
               <a:pPr>
                 <a:defRPr/>
               </a:pPr>
-              <a:t>16</a:t>
+              <a:t>27</a:t>
             </a:fld>
             <a:endParaRPr lang="ja-JP" altLang="en-US">
               <a:latin typeface="メイリオ" pitchFamily="50" charset="-128"/>
@@ -11181,7 +14528,7 @@
     </p:spTree>
     <p:extLst>
       <p:ext uri="{BB962C8B-B14F-4D97-AF65-F5344CB8AC3E}">
-        <p14:creationId xmlns:p14="http://schemas.microsoft.com/office/powerpoint/2010/main" xmlns="" val="1890745276"/>
+        <p14:creationId xmlns="" xmlns:p14="http://schemas.microsoft.com/office/powerpoint/2010/main" val="1890745276"/>
       </p:ext>
     </p:extLst>
   </p:cSld>
@@ -11191,7 +14538,7 @@
 </p:sld>
 </file>
 
-<file path=ppt/slides/slide17.xml><?xml version="1.0" encoding="utf-8"?>
+<file path=ppt/slides/slide28.xml><?xml version="1.0" encoding="utf-8"?>
 <p:sld xmlns:a="http://schemas.openxmlformats.org/drawingml/2006/main" xmlns:r="http://schemas.openxmlformats.org/officeDocument/2006/relationships" xmlns:p="http://schemas.openxmlformats.org/presentationml/2006/main">
   <p:cSld>
     <p:spTree>
@@ -11273,7 +14620,7 @@
               <a:pPr>
                 <a:defRPr/>
               </a:pPr>
-              <a:t>2014/08/16</a:t>
+              <a:t>2014/08/29</a:t>
             </a:fld>
             <a:endParaRPr lang="ja-JP" altLang="en-US" dirty="0">
               <a:latin typeface="メイリオ" pitchFamily="50" charset="-128"/>
@@ -11310,7 +14657,7 @@
               <a:pPr>
                 <a:defRPr/>
               </a:pPr>
-              <a:t>17</a:t>
+              <a:t>28</a:t>
             </a:fld>
             <a:endParaRPr lang="ja-JP" altLang="en-US">
               <a:latin typeface="メイリオ" pitchFamily="50" charset="-128"/>
@@ -11473,7 +14820,7 @@
     </p:spTree>
     <p:extLst>
       <p:ext uri="{BB962C8B-B14F-4D97-AF65-F5344CB8AC3E}">
-        <p14:creationId xmlns:p14="http://schemas.microsoft.com/office/powerpoint/2010/main" xmlns="" val="1890745276"/>
+        <p14:creationId xmlns="" xmlns:p14="http://schemas.microsoft.com/office/powerpoint/2010/main" val="1890745276"/>
       </p:ext>
     </p:extLst>
   </p:cSld>
@@ -11483,7 +14830,7 @@
 </p:sld>
 </file>
 
-<file path=ppt/slides/slide18.xml><?xml version="1.0" encoding="utf-8"?>
+<file path=ppt/slides/slide29.xml><?xml version="1.0" encoding="utf-8"?>
 <p:sld xmlns:a="http://schemas.openxmlformats.org/drawingml/2006/main" xmlns:r="http://schemas.openxmlformats.org/officeDocument/2006/relationships" xmlns:p="http://schemas.openxmlformats.org/presentationml/2006/main">
   <p:cSld>
     <p:spTree>
@@ -11525,7 +14872,7 @@
                 <a:ea typeface="メイリオ" pitchFamily="50" charset="-128"/>
                 <a:cs typeface="メイリオ" pitchFamily="50" charset="-128"/>
               </a:rPr>
-              <a:t>ログ確認ツール</a:t>
+              <a:t>注意</a:t>
             </a:r>
             <a:endParaRPr kumimoji="1" lang="ja-JP" altLang="en-US" sz="4000" dirty="0">
               <a:solidFill>
@@ -11540,6 +14887,63 @@
       </p:sp>
       <p:sp>
         <p:nvSpPr>
+          <p:cNvPr id="3" name="コンテンツ プレースホルダー 2"/>
+          <p:cNvSpPr>
+            <a:spLocks noGrp="1"/>
+          </p:cNvSpPr>
+          <p:nvPr>
+            <p:ph idx="1"/>
+          </p:nvPr>
+        </p:nvSpPr>
+        <p:spPr>
+          <a:xfrm>
+            <a:off x="457200" y="857239"/>
+            <a:ext cx="8229600" cy="3680236"/>
+          </a:xfrm>
+        </p:spPr>
+        <p:txBody>
+          <a:bodyPr anchor="ctr"/>
+          <a:lstStyle/>
+          <a:p>
+            <a:pPr algn="ctr">
+              <a:buNone/>
+            </a:pPr>
+            <a:r>
+              <a:rPr lang="ja-JP" altLang="en-US" b="1" dirty="0" smtClean="0">
+                <a:latin typeface="メイリオ" pitchFamily="50" charset="-128"/>
+                <a:ea typeface="メイリオ" pitchFamily="50" charset="-128"/>
+                <a:cs typeface="メイリオ" pitchFamily="50" charset="-128"/>
+              </a:rPr>
+              <a:t>コードをこねくり回す前に</a:t>
+            </a:r>
+            <a:endParaRPr lang="en-US" altLang="ja-JP" b="1" dirty="0" smtClean="0">
+              <a:latin typeface="メイリオ" pitchFamily="50" charset="-128"/>
+              <a:ea typeface="メイリオ" pitchFamily="50" charset="-128"/>
+              <a:cs typeface="メイリオ" pitchFamily="50" charset="-128"/>
+            </a:endParaRPr>
+          </a:p>
+          <a:p>
+            <a:pPr algn="ctr">
+              <a:buNone/>
+            </a:pPr>
+            <a:r>
+              <a:rPr lang="ja-JP" altLang="en-US" b="1" dirty="0" smtClean="0">
+                <a:latin typeface="メイリオ" pitchFamily="50" charset="-128"/>
+                <a:ea typeface="メイリオ" pitchFamily="50" charset="-128"/>
+                <a:cs typeface="メイリオ" pitchFamily="50" charset="-128"/>
+              </a:rPr>
+              <a:t>アルゴリズムはきちんと精査しましょう</a:t>
+            </a:r>
+            <a:endParaRPr lang="en-US" altLang="ja-JP" b="1" dirty="0" smtClean="0">
+              <a:latin typeface="メイリオ" pitchFamily="50" charset="-128"/>
+              <a:ea typeface="メイリオ" pitchFamily="50" charset="-128"/>
+              <a:cs typeface="メイリオ" pitchFamily="50" charset="-128"/>
+            </a:endParaRPr>
+          </a:p>
+        </p:txBody>
+      </p:sp>
+      <p:sp>
+        <p:nvSpPr>
           <p:cNvPr id="4" name="日付プレースホルダー 3"/>
           <p:cNvSpPr>
             <a:spLocks noGrp="1"/>
@@ -11565,7 +14969,7 @@
               <a:pPr>
                 <a:defRPr/>
               </a:pPr>
-              <a:t>2014/08/16</a:t>
+              <a:t>2014/08/29</a:t>
             </a:fld>
             <a:endParaRPr lang="ja-JP" altLang="en-US" dirty="0">
               <a:latin typeface="メイリオ" pitchFamily="50" charset="-128"/>
@@ -11602,7 +15006,352 @@
               <a:pPr>
                 <a:defRPr/>
               </a:pPr>
-              <a:t>18</a:t>
+              <a:t>29</a:t>
+            </a:fld>
+            <a:endParaRPr lang="ja-JP" altLang="en-US">
+              <a:latin typeface="メイリオ" pitchFamily="50" charset="-128"/>
+              <a:ea typeface="メイリオ" pitchFamily="50" charset="-128"/>
+              <a:cs typeface="メイリオ" pitchFamily="50" charset="-128"/>
+            </a:endParaRPr>
+          </a:p>
+        </p:txBody>
+      </p:sp>
+    </p:spTree>
+    <p:extLst>
+      <p:ext uri="{BB962C8B-B14F-4D97-AF65-F5344CB8AC3E}">
+        <p14:creationId xmlns="" xmlns:p14="http://schemas.microsoft.com/office/powerpoint/2010/main" val="1890745276"/>
+      </p:ext>
+    </p:extLst>
+  </p:cSld>
+  <p:clrMapOvr>
+    <a:masterClrMapping/>
+  </p:clrMapOvr>
+</p:sld>
+</file>
+
+<file path=ppt/slides/slide3.xml><?xml version="1.0" encoding="utf-8"?>
+<p:sld xmlns:a="http://schemas.openxmlformats.org/drawingml/2006/main" xmlns:r="http://schemas.openxmlformats.org/officeDocument/2006/relationships" xmlns:p="http://schemas.openxmlformats.org/presentationml/2006/main">
+  <p:cSld>
+    <p:spTree>
+      <p:nvGrpSpPr>
+        <p:cNvPr id="1" name=""/>
+        <p:cNvGrpSpPr/>
+        <p:nvPr/>
+      </p:nvGrpSpPr>
+      <p:grpSpPr>
+        <a:xfrm>
+          <a:off x="0" y="0"/>
+          <a:ext cx="0" cy="0"/>
+          <a:chOff x="0" y="0"/>
+          <a:chExt cx="0" cy="0"/>
+        </a:xfrm>
+      </p:grpSpPr>
+      <p:sp>
+        <p:nvSpPr>
+          <p:cNvPr id="2" name="タイトル 1"/>
+          <p:cNvSpPr>
+            <a:spLocks noGrp="1"/>
+          </p:cNvSpPr>
+          <p:nvPr>
+            <p:ph type="title"/>
+          </p:nvPr>
+        </p:nvSpPr>
+        <p:spPr/>
+        <p:txBody>
+          <a:bodyPr/>
+          <a:lstStyle/>
+          <a:p>
+            <a:pPr algn="ctr"/>
+            <a:r>
+              <a:rPr kumimoji="1" lang="ja-JP" altLang="en-US" sz="4000" dirty="0" smtClean="0">
+                <a:solidFill>
+                  <a:schemeClr val="tx1"/>
+                </a:solidFill>
+                <a:latin typeface="メイリオ" pitchFamily="50" charset="-128"/>
+                <a:ea typeface="メイリオ" pitchFamily="50" charset="-128"/>
+                <a:cs typeface="メイリオ" pitchFamily="50" charset="-128"/>
+              </a:rPr>
+              <a:t>効率よくコードを書くためのキモ</a:t>
+            </a:r>
+            <a:endParaRPr kumimoji="1" lang="ja-JP" altLang="en-US" sz="4000" dirty="0">
+              <a:solidFill>
+                <a:schemeClr val="tx1"/>
+              </a:solidFill>
+              <a:latin typeface="メイリオ" pitchFamily="50" charset="-128"/>
+              <a:ea typeface="メイリオ" pitchFamily="50" charset="-128"/>
+              <a:cs typeface="メイリオ" pitchFamily="50" charset="-128"/>
+            </a:endParaRPr>
+          </a:p>
+        </p:txBody>
+      </p:sp>
+      <p:sp>
+        <p:nvSpPr>
+          <p:cNvPr id="3" name="コンテンツ プレースホルダー 2"/>
+          <p:cNvSpPr>
+            <a:spLocks noGrp="1"/>
+          </p:cNvSpPr>
+          <p:nvPr>
+            <p:ph idx="1"/>
+          </p:nvPr>
+        </p:nvSpPr>
+        <p:spPr/>
+        <p:txBody>
+          <a:bodyPr anchor="ctr"/>
+          <a:lstStyle/>
+          <a:p>
+            <a:r>
+              <a:rPr kumimoji="1" lang="ja-JP" altLang="en-US" sz="4800" dirty="0" smtClean="0">
+                <a:latin typeface="メイリオ" pitchFamily="50" charset="-128"/>
+                <a:ea typeface="メイリオ" pitchFamily="50" charset="-128"/>
+                <a:cs typeface="メイリオ" pitchFamily="50" charset="-128"/>
+              </a:rPr>
+              <a:t>コード品質の維持</a:t>
+            </a:r>
+            <a:endParaRPr kumimoji="1" lang="en-US" altLang="ja-JP" sz="4800" dirty="0" smtClean="0">
+              <a:latin typeface="メイリオ" pitchFamily="50" charset="-128"/>
+              <a:ea typeface="メイリオ" pitchFamily="50" charset="-128"/>
+              <a:cs typeface="メイリオ" pitchFamily="50" charset="-128"/>
+            </a:endParaRPr>
+          </a:p>
+          <a:p>
+            <a:r>
+              <a:rPr lang="ja-JP" altLang="en-US" sz="4800" dirty="0" smtClean="0">
+                <a:latin typeface="メイリオ" pitchFamily="50" charset="-128"/>
+                <a:ea typeface="メイリオ" pitchFamily="50" charset="-128"/>
+                <a:cs typeface="メイリオ" pitchFamily="50" charset="-128"/>
+              </a:rPr>
+              <a:t>デバッグ</a:t>
+            </a:r>
+            <a:endParaRPr lang="en-US" altLang="ja-JP" sz="4800" dirty="0" smtClean="0">
+              <a:latin typeface="メイリオ" pitchFamily="50" charset="-128"/>
+              <a:ea typeface="メイリオ" pitchFamily="50" charset="-128"/>
+              <a:cs typeface="メイリオ" pitchFamily="50" charset="-128"/>
+            </a:endParaRPr>
+          </a:p>
+          <a:p>
+            <a:r>
+              <a:rPr kumimoji="1" lang="ja-JP" altLang="en-US" sz="4800" dirty="0" smtClean="0">
+                <a:latin typeface="メイリオ" pitchFamily="50" charset="-128"/>
+                <a:ea typeface="メイリオ" pitchFamily="50" charset="-128"/>
+                <a:cs typeface="メイリオ" pitchFamily="50" charset="-128"/>
+              </a:rPr>
+              <a:t>処理の最適化</a:t>
+            </a:r>
+            <a:endParaRPr kumimoji="1" lang="ja-JP" altLang="en-US" sz="4800" dirty="0">
+              <a:latin typeface="メイリオ" pitchFamily="50" charset="-128"/>
+              <a:ea typeface="メイリオ" pitchFamily="50" charset="-128"/>
+              <a:cs typeface="メイリオ" pitchFamily="50" charset="-128"/>
+            </a:endParaRPr>
+          </a:p>
+        </p:txBody>
+      </p:sp>
+      <p:sp>
+        <p:nvSpPr>
+          <p:cNvPr id="4" name="日付プレースホルダー 3"/>
+          <p:cNvSpPr>
+            <a:spLocks noGrp="1"/>
+          </p:cNvSpPr>
+          <p:nvPr>
+            <p:ph type="dt" sz="half" idx="10"/>
+          </p:nvPr>
+        </p:nvSpPr>
+        <p:spPr/>
+        <p:txBody>
+          <a:bodyPr/>
+          <a:lstStyle/>
+          <a:p>
+            <a:pPr>
+              <a:defRPr/>
+            </a:pPr>
+            <a:fld id="{A9259AFE-7AC7-4F49-85B9-5B069C761CE3}" type="datetime5">
+              <a:rPr lang="ja-JP" altLang="en-US" smtClean="0">
+                <a:latin typeface="メイリオ" pitchFamily="50" charset="-128"/>
+                <a:ea typeface="メイリオ" pitchFamily="50" charset="-128"/>
+                <a:cs typeface="メイリオ" pitchFamily="50" charset="-128"/>
+              </a:rPr>
+              <a:pPr>
+                <a:defRPr/>
+              </a:pPr>
+              <a:t>2014/08/31</a:t>
+            </a:fld>
+            <a:endParaRPr lang="ja-JP" altLang="en-US" dirty="0">
+              <a:latin typeface="メイリオ" pitchFamily="50" charset="-128"/>
+              <a:ea typeface="メイリオ" pitchFamily="50" charset="-128"/>
+              <a:cs typeface="メイリオ" pitchFamily="50" charset="-128"/>
+            </a:endParaRPr>
+          </a:p>
+        </p:txBody>
+      </p:sp>
+      <p:sp>
+        <p:nvSpPr>
+          <p:cNvPr id="6" name="スライド番号プレースホルダー 5"/>
+          <p:cNvSpPr>
+            <a:spLocks noGrp="1"/>
+          </p:cNvSpPr>
+          <p:nvPr>
+            <p:ph type="sldNum" sz="quarter" idx="12"/>
+          </p:nvPr>
+        </p:nvSpPr>
+        <p:spPr/>
+        <p:txBody>
+          <a:bodyPr/>
+          <a:lstStyle/>
+          <a:p>
+            <a:pPr>
+              <a:defRPr/>
+            </a:pPr>
+            <a:fld id="{29799127-F303-4AE7-A969-D0F8A278DEB3}" type="slidenum">
+              <a:rPr lang="ja-JP" altLang="en-US" smtClean="0">
+                <a:latin typeface="メイリオ" pitchFamily="50" charset="-128"/>
+                <a:ea typeface="メイリオ" pitchFamily="50" charset="-128"/>
+                <a:cs typeface="メイリオ" pitchFamily="50" charset="-128"/>
+              </a:rPr>
+              <a:pPr>
+                <a:defRPr/>
+              </a:pPr>
+              <a:t>3</a:t>
+            </a:fld>
+            <a:endParaRPr lang="ja-JP" altLang="en-US">
+              <a:latin typeface="メイリオ" pitchFamily="50" charset="-128"/>
+              <a:ea typeface="メイリオ" pitchFamily="50" charset="-128"/>
+              <a:cs typeface="メイリオ" pitchFamily="50" charset="-128"/>
+            </a:endParaRPr>
+          </a:p>
+        </p:txBody>
+      </p:sp>
+    </p:spTree>
+    <p:extLst>
+      <p:ext uri="{BB962C8B-B14F-4D97-AF65-F5344CB8AC3E}">
+        <p14:creationId xmlns="" xmlns:p14="http://schemas.microsoft.com/office/powerpoint/2010/main" val="1890745276"/>
+      </p:ext>
+    </p:extLst>
+  </p:cSld>
+  <p:clrMapOvr>
+    <a:masterClrMapping/>
+  </p:clrMapOvr>
+</p:sld>
+</file>
+
+<file path=ppt/slides/slide30.xml><?xml version="1.0" encoding="utf-8"?>
+<p:sld xmlns:a="http://schemas.openxmlformats.org/drawingml/2006/main" xmlns:r="http://schemas.openxmlformats.org/officeDocument/2006/relationships" xmlns:p="http://schemas.openxmlformats.org/presentationml/2006/main">
+  <p:cSld>
+    <p:spTree>
+      <p:nvGrpSpPr>
+        <p:cNvPr id="1" name=""/>
+        <p:cNvGrpSpPr/>
+        <p:nvPr/>
+      </p:nvGrpSpPr>
+      <p:grpSpPr>
+        <a:xfrm>
+          <a:off x="0" y="0"/>
+          <a:ext cx="0" cy="0"/>
+          <a:chOff x="0" y="0"/>
+          <a:chExt cx="0" cy="0"/>
+        </a:xfrm>
+      </p:grpSpPr>
+      <p:sp>
+        <p:nvSpPr>
+          <p:cNvPr id="2" name="タイトル 1"/>
+          <p:cNvSpPr>
+            <a:spLocks noGrp="1"/>
+          </p:cNvSpPr>
+          <p:nvPr>
+            <p:ph type="title"/>
+          </p:nvPr>
+        </p:nvSpPr>
+        <p:spPr/>
+        <p:txBody>
+          <a:bodyPr/>
+          <a:lstStyle/>
+          <a:p>
+            <a:pPr algn="ctr"/>
+            <a:r>
+              <a:rPr kumimoji="1" lang="ja-JP" altLang="en-US" sz="4000" dirty="0" smtClean="0">
+                <a:solidFill>
+                  <a:schemeClr val="tx1"/>
+                </a:solidFill>
+                <a:latin typeface="メイリオ" pitchFamily="50" charset="-128"/>
+                <a:ea typeface="メイリオ" pitchFamily="50" charset="-128"/>
+                <a:cs typeface="メイリオ" pitchFamily="50" charset="-128"/>
+              </a:rPr>
+              <a:t>ログ確認ツール</a:t>
+            </a:r>
+            <a:endParaRPr kumimoji="1" lang="ja-JP" altLang="en-US" sz="4000" dirty="0">
+              <a:solidFill>
+                <a:schemeClr val="tx1"/>
+              </a:solidFill>
+              <a:latin typeface="メイリオ" pitchFamily="50" charset="-128"/>
+              <a:ea typeface="メイリオ" pitchFamily="50" charset="-128"/>
+              <a:cs typeface="メイリオ" pitchFamily="50" charset="-128"/>
+            </a:endParaRPr>
+          </a:p>
+        </p:txBody>
+      </p:sp>
+      <p:sp>
+        <p:nvSpPr>
+          <p:cNvPr id="4" name="日付プレースホルダー 3"/>
+          <p:cNvSpPr>
+            <a:spLocks noGrp="1"/>
+          </p:cNvSpPr>
+          <p:nvPr>
+            <p:ph type="dt" sz="half" idx="10"/>
+          </p:nvPr>
+        </p:nvSpPr>
+        <p:spPr/>
+        <p:txBody>
+          <a:bodyPr/>
+          <a:lstStyle/>
+          <a:p>
+            <a:pPr>
+              <a:defRPr/>
+            </a:pPr>
+            <a:fld id="{A9259AFE-7AC7-4F49-85B9-5B069C761CE3}" type="datetime5">
+              <a:rPr lang="ja-JP" altLang="en-US" smtClean="0">
+                <a:latin typeface="メイリオ" pitchFamily="50" charset="-128"/>
+                <a:ea typeface="メイリオ" pitchFamily="50" charset="-128"/>
+                <a:cs typeface="メイリオ" pitchFamily="50" charset="-128"/>
+              </a:rPr>
+              <a:pPr>
+                <a:defRPr/>
+              </a:pPr>
+              <a:t>2014/08/29</a:t>
+            </a:fld>
+            <a:endParaRPr lang="ja-JP" altLang="en-US" dirty="0">
+              <a:latin typeface="メイリオ" pitchFamily="50" charset="-128"/>
+              <a:ea typeface="メイリオ" pitchFamily="50" charset="-128"/>
+              <a:cs typeface="メイリオ" pitchFamily="50" charset="-128"/>
+            </a:endParaRPr>
+          </a:p>
+        </p:txBody>
+      </p:sp>
+      <p:sp>
+        <p:nvSpPr>
+          <p:cNvPr id="6" name="スライド番号プレースホルダー 5"/>
+          <p:cNvSpPr>
+            <a:spLocks noGrp="1"/>
+          </p:cNvSpPr>
+          <p:nvPr>
+            <p:ph type="sldNum" sz="quarter" idx="12"/>
+          </p:nvPr>
+        </p:nvSpPr>
+        <p:spPr/>
+        <p:txBody>
+          <a:bodyPr/>
+          <a:lstStyle/>
+          <a:p>
+            <a:pPr>
+              <a:defRPr/>
+            </a:pPr>
+            <a:fld id="{29799127-F303-4AE7-A969-D0F8A278DEB3}" type="slidenum">
+              <a:rPr lang="ja-JP" altLang="en-US" smtClean="0">
+                <a:latin typeface="メイリオ" pitchFamily="50" charset="-128"/>
+                <a:ea typeface="メイリオ" pitchFamily="50" charset="-128"/>
+                <a:cs typeface="メイリオ" pitchFamily="50" charset="-128"/>
+              </a:rPr>
+              <a:pPr>
+                <a:defRPr/>
+              </a:pPr>
+              <a:t>30</a:t>
             </a:fld>
             <a:endParaRPr lang="ja-JP" altLang="en-US">
               <a:latin typeface="メイリオ" pitchFamily="50" charset="-128"/>
@@ -11641,7 +15390,7 @@
     </p:spTree>
     <p:extLst>
       <p:ext uri="{BB962C8B-B14F-4D97-AF65-F5344CB8AC3E}">
-        <p14:creationId xmlns:p14="http://schemas.microsoft.com/office/powerpoint/2010/main" xmlns="" val="1890745276"/>
+        <p14:creationId xmlns="" xmlns:p14="http://schemas.microsoft.com/office/powerpoint/2010/main" val="1890745276"/>
       </p:ext>
     </p:extLst>
   </p:cSld>
@@ -11651,7 +15400,7 @@
 </p:sld>
 </file>
 
-<file path=ppt/slides/slide19.xml><?xml version="1.0" encoding="utf-8"?>
+<file path=ppt/slides/slide31.xml><?xml version="1.0" encoding="utf-8"?>
 <p:sld xmlns:a="http://schemas.openxmlformats.org/drawingml/2006/main" xmlns:r="http://schemas.openxmlformats.org/officeDocument/2006/relationships" xmlns:p="http://schemas.openxmlformats.org/presentationml/2006/main">
   <p:cSld>
     <p:spTree>
@@ -11693,7 +15442,7 @@
                 <a:ea typeface="メイリオ" pitchFamily="50" charset="-128"/>
                 <a:cs typeface="メイリオ" pitchFamily="50" charset="-128"/>
               </a:rPr>
-              <a:t>デバッガの活用</a:t>
+              <a:t>以上、三つ</a:t>
             </a:r>
             <a:endParaRPr kumimoji="1" lang="ja-JP" altLang="en-US" sz="4000" dirty="0">
               <a:solidFill>
@@ -11718,15 +15467,53 @@
         </p:nvSpPr>
         <p:spPr/>
         <p:txBody>
-          <a:bodyPr/>
+          <a:bodyPr anchor="ctr"/>
           <a:lstStyle/>
           <a:p>
-            <a:endParaRPr kumimoji="1" lang="ja-JP" altLang="en-US" dirty="0">
+            <a:r>
+              <a:rPr kumimoji="1" lang="ja-JP" altLang="en-US" sz="4800" dirty="0" smtClean="0">
+                <a:latin typeface="メイリオ" pitchFamily="50" charset="-128"/>
+                <a:ea typeface="メイリオ" pitchFamily="50" charset="-128"/>
+                <a:cs typeface="メイリオ" pitchFamily="50" charset="-128"/>
+              </a:rPr>
+              <a:t>コード品質の維持</a:t>
+            </a:r>
+            <a:endParaRPr kumimoji="1" lang="en-US" altLang="ja-JP" sz="4800" dirty="0" smtClean="0">
               <a:latin typeface="メイリオ" pitchFamily="50" charset="-128"/>
               <a:ea typeface="メイリオ" pitchFamily="50" charset="-128"/>
               <a:cs typeface="メイリオ" pitchFamily="50" charset="-128"/>
             </a:endParaRPr>
           </a:p>
+          <a:p>
+            <a:r>
+              <a:rPr lang="ja-JP" altLang="en-US" sz="4800" dirty="0" smtClean="0">
+                <a:latin typeface="メイリオ" pitchFamily="50" charset="-128"/>
+                <a:ea typeface="メイリオ" pitchFamily="50" charset="-128"/>
+                <a:cs typeface="メイリオ" pitchFamily="50" charset="-128"/>
+              </a:rPr>
+              <a:t>デバッグ</a:t>
+            </a:r>
+            <a:endParaRPr lang="en-US" altLang="ja-JP" sz="4800" dirty="0" smtClean="0">
+              <a:latin typeface="メイリオ" pitchFamily="50" charset="-128"/>
+              <a:ea typeface="メイリオ" pitchFamily="50" charset="-128"/>
+              <a:cs typeface="メイリオ" pitchFamily="50" charset="-128"/>
+            </a:endParaRPr>
+          </a:p>
+          <a:p>
+            <a:r>
+              <a:rPr kumimoji="1" lang="ja-JP" altLang="en-US" sz="4800" dirty="0" smtClean="0">
+                <a:latin typeface="メイリオ" pitchFamily="50" charset="-128"/>
+                <a:ea typeface="メイリオ" pitchFamily="50" charset="-128"/>
+                <a:cs typeface="メイリオ" pitchFamily="50" charset="-128"/>
+              </a:rPr>
+              <a:t>処理の最適化</a:t>
+            </a:r>
+            <a:endParaRPr kumimoji="1" lang="ja-JP" altLang="en-US" sz="4800" dirty="0">
+              <a:latin typeface="メイリオ" pitchFamily="50" charset="-128"/>
+              <a:ea typeface="メイリオ" pitchFamily="50" charset="-128"/>
+              <a:cs typeface="メイリオ" pitchFamily="50" charset="-128"/>
+            </a:endParaRPr>
+          </a:p>
         </p:txBody>
       </p:sp>
       <p:sp>
@@ -11756,7 +15543,7 @@
               <a:pPr>
                 <a:defRPr/>
               </a:pPr>
-              <a:t>2014/08/16</a:t>
+              <a:t>2014/08/31</a:t>
             </a:fld>
             <a:endParaRPr lang="ja-JP" altLang="en-US" dirty="0">
               <a:latin typeface="メイリオ" pitchFamily="50" charset="-128"/>
@@ -11793,7 +15580,7 @@
               <a:pPr>
                 <a:defRPr/>
               </a:pPr>
-              <a:t>19</a:t>
+              <a:t>31</a:t>
             </a:fld>
             <a:endParaRPr lang="ja-JP" altLang="en-US">
               <a:latin typeface="メイリオ" pitchFamily="50" charset="-128"/>
@@ -11806,566 +15593,7 @@
     </p:spTree>
     <p:extLst>
       <p:ext uri="{BB962C8B-B14F-4D97-AF65-F5344CB8AC3E}">
-        <p14:creationId xmlns:p14="http://schemas.microsoft.com/office/powerpoint/2010/main" xmlns="" val="1890745276"/>
-      </p:ext>
-    </p:extLst>
-  </p:cSld>
-  <p:clrMapOvr>
-    <a:masterClrMapping/>
-  </p:clrMapOvr>
-</p:sld>
-</file>
-
-<file path=ppt/slides/slide2.xml><?xml version="1.0" encoding="utf-8"?>
-<p:sld xmlns:a="http://schemas.openxmlformats.org/drawingml/2006/main" xmlns:r="http://schemas.openxmlformats.org/officeDocument/2006/relationships" xmlns:p="http://schemas.openxmlformats.org/presentationml/2006/main">
-  <p:cSld>
-    <p:spTree>
-      <p:nvGrpSpPr>
-        <p:cNvPr id="1" name=""/>
-        <p:cNvGrpSpPr/>
-        <p:nvPr/>
-      </p:nvGrpSpPr>
-      <p:grpSpPr>
-        <a:xfrm>
-          <a:off x="0" y="0"/>
-          <a:ext cx="0" cy="0"/>
-          <a:chOff x="0" y="0"/>
-          <a:chExt cx="0" cy="0"/>
-        </a:xfrm>
-      </p:grpSpPr>
-      <p:sp>
-        <p:nvSpPr>
-          <p:cNvPr id="2" name="タイトル 1"/>
-          <p:cNvSpPr>
-            <a:spLocks noGrp="1"/>
-          </p:cNvSpPr>
-          <p:nvPr>
-            <p:ph type="title"/>
-          </p:nvPr>
-        </p:nvSpPr>
-        <p:spPr/>
-        <p:txBody>
-          <a:bodyPr/>
-          <a:lstStyle/>
-          <a:p>
-            <a:pPr algn="ctr"/>
-            <a:r>
-              <a:rPr kumimoji="1" lang="ja-JP" altLang="en-US" sz="4000" dirty="0" smtClean="0">
-                <a:solidFill>
-                  <a:schemeClr val="tx1"/>
-                </a:solidFill>
-                <a:latin typeface="メイリオ" pitchFamily="50" charset="-128"/>
-                <a:ea typeface="メイリオ" pitchFamily="50" charset="-128"/>
-                <a:cs typeface="メイリオ" pitchFamily="50" charset="-128"/>
-              </a:rPr>
-              <a:t>コードに対して意味を持たせる</a:t>
-            </a:r>
-            <a:endParaRPr kumimoji="1" lang="ja-JP" altLang="en-US" sz="4000" dirty="0">
-              <a:solidFill>
-                <a:schemeClr val="tx1"/>
-              </a:solidFill>
-              <a:latin typeface="メイリオ" pitchFamily="50" charset="-128"/>
-              <a:ea typeface="メイリオ" pitchFamily="50" charset="-128"/>
-              <a:cs typeface="メイリオ" pitchFamily="50" charset="-128"/>
-            </a:endParaRPr>
-          </a:p>
-        </p:txBody>
-      </p:sp>
-      <p:sp>
-        <p:nvSpPr>
-          <p:cNvPr id="3" name="コンテンツ プレースホルダー 2"/>
-          <p:cNvSpPr>
-            <a:spLocks noGrp="1"/>
-          </p:cNvSpPr>
-          <p:nvPr>
-            <p:ph idx="1"/>
-          </p:nvPr>
-        </p:nvSpPr>
-        <p:spPr>
-          <a:xfrm>
-            <a:off x="3286116" y="942977"/>
-            <a:ext cx="785818" cy="3594497"/>
-          </a:xfrm>
-        </p:spPr>
-        <p:txBody>
-          <a:bodyPr vert="eaVert"/>
-          <a:lstStyle/>
-          <a:p>
-            <a:pPr marL="0" indent="0">
-              <a:buNone/>
-            </a:pPr>
-            <a:r>
-              <a:rPr kumimoji="1" lang="ja-JP" altLang="en-US" sz="2000" dirty="0" smtClean="0">
-                <a:latin typeface="メイリオ" pitchFamily="50" charset="-128"/>
-                <a:ea typeface="メイリオ" pitchFamily="50" charset="-128"/>
-                <a:cs typeface="メイリオ" pitchFamily="50" charset="-128"/>
-              </a:rPr>
-              <a:t>おねえちゃん</a:t>
-            </a:r>
-            <a:r>
-              <a:rPr lang="ja-JP" altLang="en-US" sz="2000" dirty="0" smtClean="0">
-                <a:latin typeface="メイリオ" pitchFamily="50" charset="-128"/>
-                <a:ea typeface="メイリオ" pitchFamily="50" charset="-128"/>
-                <a:cs typeface="メイリオ" pitchFamily="50" charset="-128"/>
-              </a:rPr>
-              <a:t>の髪はとても黒くて綺麗です</a:t>
-            </a:r>
-            <a:endParaRPr lang="en-US" altLang="ja-JP" sz="2000" dirty="0" smtClean="0">
-              <a:latin typeface="メイリオ" pitchFamily="50" charset="-128"/>
-              <a:ea typeface="メイリオ" pitchFamily="50" charset="-128"/>
-              <a:cs typeface="メイリオ" pitchFamily="50" charset="-128"/>
-            </a:endParaRPr>
-          </a:p>
-        </p:txBody>
-      </p:sp>
-      <p:sp>
-        <p:nvSpPr>
-          <p:cNvPr id="4" name="日付プレースホルダー 3"/>
-          <p:cNvSpPr>
-            <a:spLocks noGrp="1"/>
-          </p:cNvSpPr>
-          <p:nvPr>
-            <p:ph type="dt" sz="half" idx="10"/>
-          </p:nvPr>
-        </p:nvSpPr>
-        <p:spPr/>
-        <p:txBody>
-          <a:bodyPr/>
-          <a:lstStyle/>
-          <a:p>
-            <a:pPr>
-              <a:defRPr/>
-            </a:pPr>
-            <a:fld id="{A9259AFE-7AC7-4F49-85B9-5B069C761CE3}" type="datetime5">
-              <a:rPr lang="ja-JP" altLang="en-US" smtClean="0">
-                <a:latin typeface="メイリオ" pitchFamily="50" charset="-128"/>
-                <a:ea typeface="メイリオ" pitchFamily="50" charset="-128"/>
-                <a:cs typeface="メイリオ" pitchFamily="50" charset="-128"/>
-              </a:rPr>
-              <a:pPr>
-                <a:defRPr/>
-              </a:pPr>
-              <a:t>2014/08/16</a:t>
-            </a:fld>
-            <a:endParaRPr lang="ja-JP" altLang="en-US" dirty="0">
-              <a:latin typeface="メイリオ" pitchFamily="50" charset="-128"/>
-              <a:ea typeface="メイリオ" pitchFamily="50" charset="-128"/>
-              <a:cs typeface="メイリオ" pitchFamily="50" charset="-128"/>
-            </a:endParaRPr>
-          </a:p>
-        </p:txBody>
-      </p:sp>
-      <p:sp>
-        <p:nvSpPr>
-          <p:cNvPr id="6" name="スライド番号プレースホルダー 5"/>
-          <p:cNvSpPr>
-            <a:spLocks noGrp="1"/>
-          </p:cNvSpPr>
-          <p:nvPr>
-            <p:ph type="sldNum" sz="quarter" idx="12"/>
-          </p:nvPr>
-        </p:nvSpPr>
-        <p:spPr/>
-        <p:txBody>
-          <a:bodyPr/>
-          <a:lstStyle/>
-          <a:p>
-            <a:pPr>
-              <a:defRPr/>
-            </a:pPr>
-            <a:fld id="{29799127-F303-4AE7-A969-D0F8A278DEB3}" type="slidenum">
-              <a:rPr lang="ja-JP" altLang="en-US" smtClean="0">
-                <a:latin typeface="メイリオ" pitchFamily="50" charset="-128"/>
-                <a:ea typeface="メイリオ" pitchFamily="50" charset="-128"/>
-                <a:cs typeface="メイリオ" pitchFamily="50" charset="-128"/>
-              </a:rPr>
-              <a:pPr>
-                <a:defRPr/>
-              </a:pPr>
-              <a:t>2</a:t>
-            </a:fld>
-            <a:endParaRPr lang="ja-JP" altLang="en-US">
-              <a:latin typeface="メイリオ" pitchFamily="50" charset="-128"/>
-              <a:ea typeface="メイリオ" pitchFamily="50" charset="-128"/>
-              <a:cs typeface="メイリオ" pitchFamily="50" charset="-128"/>
-            </a:endParaRPr>
-          </a:p>
-        </p:txBody>
-      </p:sp>
-      <p:sp>
-        <p:nvSpPr>
-          <p:cNvPr id="7" name="コンテンツ プレースホルダー 2"/>
-          <p:cNvSpPr txBox="1">
-            <a:spLocks/>
-          </p:cNvSpPr>
-          <p:nvPr/>
-        </p:nvSpPr>
-        <p:spPr bwMode="auto">
-          <a:xfrm>
-            <a:off x="5072066" y="942977"/>
-            <a:ext cx="1214446" cy="3594497"/>
-          </a:xfrm>
-          <a:prstGeom prst="rect">
-            <a:avLst/>
-          </a:prstGeom>
-          <a:noFill/>
-          <a:ln w="9525">
-            <a:noFill/>
-            <a:miter lim="800000"/>
-            <a:headEnd/>
-            <a:tailEnd/>
-          </a:ln>
-        </p:spPr>
-        <p:txBody>
-          <a:bodyPr vert="eaVert" wrap="square" lIns="91440" tIns="45720" rIns="91440" bIns="45720" numCol="1" anchor="t" anchorCtr="0" compatLnSpc="1">
-            <a:prstTxWarp prst="textNoShape">
-              <a:avLst/>
-            </a:prstTxWarp>
-          </a:bodyPr>
-          <a:lstStyle/>
-          <a:p>
-            <a:r>
-              <a:rPr lang="ja-JP" altLang="en-US" sz="2000" dirty="0" smtClean="0">
-                <a:latin typeface="メイリオ" pitchFamily="50" charset="-128"/>
-                <a:ea typeface="メイリオ" pitchFamily="50" charset="-128"/>
-                <a:cs typeface="メイリオ" pitchFamily="50" charset="-128"/>
-              </a:rPr>
-              <a:t>その子二十</a:t>
-            </a:r>
-            <a:endParaRPr lang="en-US" altLang="ja-JP" sz="2000" dirty="0" smtClean="0">
-              <a:latin typeface="メイリオ" pitchFamily="50" charset="-128"/>
-              <a:ea typeface="メイリオ" pitchFamily="50" charset="-128"/>
-              <a:cs typeface="メイリオ" pitchFamily="50" charset="-128"/>
-            </a:endParaRPr>
-          </a:p>
-          <a:p>
-            <a:r>
-              <a:rPr lang="ja-JP" altLang="en-US" sz="2000" dirty="0" smtClean="0">
-                <a:latin typeface="メイリオ" pitchFamily="50" charset="-128"/>
-                <a:ea typeface="メイリオ" pitchFamily="50" charset="-128"/>
-                <a:cs typeface="メイリオ" pitchFamily="50" charset="-128"/>
-              </a:rPr>
-              <a:t>櫛に</a:t>
-            </a:r>
-            <a:r>
-              <a:rPr lang="ja-JP" altLang="en-US" sz="2000" dirty="0" err="1" smtClean="0">
-                <a:latin typeface="メイリオ" pitchFamily="50" charset="-128"/>
-                <a:ea typeface="メイリオ" pitchFamily="50" charset="-128"/>
-                <a:cs typeface="メイリオ" pitchFamily="50" charset="-128"/>
-              </a:rPr>
-              <a:t>ながるる黒髪の</a:t>
-            </a:r>
-            <a:endParaRPr lang="en-US" altLang="ja-JP" sz="2000" dirty="0" smtClean="0">
-              <a:latin typeface="メイリオ" pitchFamily="50" charset="-128"/>
-              <a:ea typeface="メイリオ" pitchFamily="50" charset="-128"/>
-              <a:cs typeface="メイリオ" pitchFamily="50" charset="-128"/>
-            </a:endParaRPr>
-          </a:p>
-          <a:p>
-            <a:r>
-              <a:rPr lang="ja-JP" altLang="en-US" sz="2000" dirty="0" smtClean="0">
-                <a:latin typeface="メイリオ" pitchFamily="50" charset="-128"/>
-                <a:ea typeface="メイリオ" pitchFamily="50" charset="-128"/>
-                <a:cs typeface="メイリオ" pitchFamily="50" charset="-128"/>
-              </a:rPr>
-              <a:t>おごりの春のうつくしきかな</a:t>
-            </a:r>
-            <a:endParaRPr lang="en-US" altLang="ja-JP" sz="2000" dirty="0" smtClean="0">
-              <a:latin typeface="メイリオ" pitchFamily="50" charset="-128"/>
-              <a:ea typeface="メイリオ" pitchFamily="50" charset="-128"/>
-              <a:cs typeface="メイリオ" pitchFamily="50" charset="-128"/>
-            </a:endParaRPr>
-          </a:p>
-          <a:p>
-            <a:pPr algn="r"/>
-            <a:r>
-              <a:rPr lang="ja-JP" altLang="en-US" sz="1200" dirty="0" smtClean="0">
-                <a:latin typeface="メイリオ" pitchFamily="50" charset="-128"/>
-                <a:ea typeface="メイリオ" pitchFamily="50" charset="-128"/>
-                <a:cs typeface="メイリオ" pitchFamily="50" charset="-128"/>
-              </a:rPr>
-              <a:t>与謝野晶子</a:t>
-            </a:r>
-          </a:p>
-          <a:p>
-            <a:endParaRPr lang="ja-JP" altLang="en-US" sz="2000" dirty="0">
-              <a:latin typeface="メイリオ" pitchFamily="50" charset="-128"/>
-              <a:ea typeface="メイリオ" pitchFamily="50" charset="-128"/>
-              <a:cs typeface="メイリオ" pitchFamily="50" charset="-128"/>
-            </a:endParaRPr>
-          </a:p>
-        </p:txBody>
-      </p:sp>
-    </p:spTree>
-    <p:extLst>
-      <p:ext uri="{BB962C8B-B14F-4D97-AF65-F5344CB8AC3E}">
-        <p14:creationId xmlns:p14="http://schemas.microsoft.com/office/powerpoint/2010/main" xmlns="" val="1890745276"/>
-      </p:ext>
-    </p:extLst>
-  </p:cSld>
-  <p:clrMapOvr>
-    <a:masterClrMapping/>
-  </p:clrMapOvr>
-</p:sld>
-</file>
-
-<file path=ppt/slides/slide3.xml><?xml version="1.0" encoding="utf-8"?>
-<p:sld xmlns:a="http://schemas.openxmlformats.org/drawingml/2006/main" xmlns:r="http://schemas.openxmlformats.org/officeDocument/2006/relationships" xmlns:p="http://schemas.openxmlformats.org/presentationml/2006/main">
-  <p:cSld>
-    <p:spTree>
-      <p:nvGrpSpPr>
-        <p:cNvPr id="1" name=""/>
-        <p:cNvGrpSpPr/>
-        <p:nvPr/>
-      </p:nvGrpSpPr>
-      <p:grpSpPr>
-        <a:xfrm>
-          <a:off x="0" y="0"/>
-          <a:ext cx="0" cy="0"/>
-          <a:chOff x="0" y="0"/>
-          <a:chExt cx="0" cy="0"/>
-        </a:xfrm>
-      </p:grpSpPr>
-      <p:sp>
-        <p:nvSpPr>
-          <p:cNvPr id="2" name="タイトル 1"/>
-          <p:cNvSpPr>
-            <a:spLocks noGrp="1"/>
-          </p:cNvSpPr>
-          <p:nvPr>
-            <p:ph type="title"/>
-          </p:nvPr>
-        </p:nvSpPr>
-        <p:spPr/>
-        <p:txBody>
-          <a:bodyPr/>
-          <a:lstStyle/>
-          <a:p>
-            <a:pPr algn="ctr"/>
-            <a:r>
-              <a:rPr kumimoji="1" lang="ja-JP" altLang="en-US" sz="4000" dirty="0" smtClean="0">
-                <a:solidFill>
-                  <a:schemeClr val="tx1"/>
-                </a:solidFill>
-                <a:latin typeface="メイリオ" pitchFamily="50" charset="-128"/>
-                <a:ea typeface="メイリオ" pitchFamily="50" charset="-128"/>
-                <a:cs typeface="メイリオ" pitchFamily="50" charset="-128"/>
-              </a:rPr>
-              <a:t>似たような処理の実装</a:t>
-            </a:r>
-            <a:endParaRPr kumimoji="1" lang="ja-JP" altLang="en-US" sz="4000" dirty="0">
-              <a:solidFill>
-                <a:schemeClr val="tx1"/>
-              </a:solidFill>
-              <a:latin typeface="メイリオ" pitchFamily="50" charset="-128"/>
-              <a:ea typeface="メイリオ" pitchFamily="50" charset="-128"/>
-              <a:cs typeface="メイリオ" pitchFamily="50" charset="-128"/>
-            </a:endParaRPr>
-          </a:p>
-        </p:txBody>
-      </p:sp>
-      <p:sp>
-        <p:nvSpPr>
-          <p:cNvPr id="3" name="コンテンツ プレースホルダー 2"/>
-          <p:cNvSpPr>
-            <a:spLocks noGrp="1"/>
-          </p:cNvSpPr>
-          <p:nvPr>
-            <p:ph idx="1"/>
-          </p:nvPr>
-        </p:nvSpPr>
-        <p:spPr/>
-        <p:txBody>
-          <a:bodyPr/>
-          <a:lstStyle/>
-          <a:p>
-            <a:r>
-              <a:rPr kumimoji="1" lang="ja-JP" altLang="en-US" dirty="0" smtClean="0">
-                <a:latin typeface="メイリオ" pitchFamily="50" charset="-128"/>
-                <a:ea typeface="メイリオ" pitchFamily="50" charset="-128"/>
-                <a:cs typeface="メイリオ" pitchFamily="50" charset="-128"/>
-              </a:rPr>
-              <a:t>テクスチャのパスをかきかえる</a:t>
-            </a:r>
-            <a:endParaRPr kumimoji="1" lang="en-US" altLang="ja-JP" dirty="0" smtClean="0">
-              <a:latin typeface="メイリオ" pitchFamily="50" charset="-128"/>
-              <a:ea typeface="メイリオ" pitchFamily="50" charset="-128"/>
-              <a:cs typeface="メイリオ" pitchFamily="50" charset="-128"/>
-            </a:endParaRPr>
-          </a:p>
-          <a:p>
-            <a:r>
-              <a:rPr kumimoji="1" lang="ja-JP" altLang="en-US" dirty="0" smtClean="0">
-                <a:latin typeface="メイリオ" pitchFamily="50" charset="-128"/>
-                <a:ea typeface="メイリオ" pitchFamily="50" charset="-128"/>
-                <a:cs typeface="メイリオ" pitchFamily="50" charset="-128"/>
-              </a:rPr>
-              <a:t>キャッシュのパスをかきかえる</a:t>
-            </a:r>
-            <a:endParaRPr kumimoji="1" lang="en-US" altLang="ja-JP" dirty="0" smtClean="0">
-              <a:latin typeface="メイリオ" pitchFamily="50" charset="-128"/>
-              <a:ea typeface="メイリオ" pitchFamily="50" charset="-128"/>
-              <a:cs typeface="メイリオ" pitchFamily="50" charset="-128"/>
-            </a:endParaRPr>
-          </a:p>
-          <a:p>
-            <a:r>
-              <a:rPr lang="ja-JP" altLang="en-US" dirty="0" smtClean="0">
-                <a:latin typeface="メイリオ" pitchFamily="50" charset="-128"/>
-                <a:ea typeface="メイリオ" pitchFamily="50" charset="-128"/>
-                <a:cs typeface="メイリオ" pitchFamily="50" charset="-128"/>
-              </a:rPr>
-              <a:t>レンダリング</a:t>
-            </a:r>
-            <a:r>
-              <a:rPr lang="ja-JP" altLang="en-US" dirty="0" smtClean="0">
-                <a:latin typeface="メイリオ" pitchFamily="50" charset="-128"/>
-                <a:ea typeface="メイリオ" pitchFamily="50" charset="-128"/>
-                <a:cs typeface="メイリオ" pitchFamily="50" charset="-128"/>
-              </a:rPr>
-              <a:t>先</a:t>
-            </a:r>
-            <a:r>
-              <a:rPr lang="ja-JP" altLang="en-US" dirty="0" smtClean="0">
-                <a:latin typeface="メイリオ" pitchFamily="50" charset="-128"/>
-                <a:ea typeface="メイリオ" pitchFamily="50" charset="-128"/>
-                <a:cs typeface="メイリオ" pitchFamily="50" charset="-128"/>
-              </a:rPr>
-              <a:t>を指定する</a:t>
-            </a:r>
-            <a:endParaRPr lang="en-US" altLang="ja-JP" dirty="0" smtClean="0">
-              <a:latin typeface="メイリオ" pitchFamily="50" charset="-128"/>
-              <a:ea typeface="メイリオ" pitchFamily="50" charset="-128"/>
-              <a:cs typeface="メイリオ" pitchFamily="50" charset="-128"/>
-            </a:endParaRPr>
-          </a:p>
-          <a:p>
-            <a:r>
-              <a:rPr kumimoji="1" lang="ja-JP" altLang="en-US" dirty="0" smtClean="0">
-                <a:latin typeface="メイリオ" pitchFamily="50" charset="-128"/>
-                <a:ea typeface="メイリオ" pitchFamily="50" charset="-128"/>
-                <a:cs typeface="メイリオ" pitchFamily="50" charset="-128"/>
-              </a:rPr>
-              <a:t>やっていること</a:t>
-            </a:r>
-            <a:r>
-              <a:rPr kumimoji="1" lang="ja-JP" altLang="en-US" dirty="0" smtClean="0">
-                <a:latin typeface="メイリオ" pitchFamily="50" charset="-128"/>
-                <a:ea typeface="メイリオ" pitchFamily="50" charset="-128"/>
-                <a:cs typeface="メイリオ" pitchFamily="50" charset="-128"/>
-              </a:rPr>
-              <a:t>は同じ</a:t>
-            </a:r>
-            <a:r>
-              <a:rPr kumimoji="1" lang="en-US" altLang="ja-JP" dirty="0" smtClean="0">
-                <a:latin typeface="メイリオ" pitchFamily="50" charset="-128"/>
-                <a:ea typeface="メイリオ" pitchFamily="50" charset="-128"/>
-                <a:cs typeface="メイリオ" pitchFamily="50" charset="-128"/>
-              </a:rPr>
-              <a:t>”</a:t>
-            </a:r>
-            <a:r>
-              <a:rPr kumimoji="1" lang="ja-JP" altLang="en-US" dirty="0" smtClean="0">
-                <a:latin typeface="メイリオ" pitchFamily="50" charset="-128"/>
-                <a:ea typeface="メイリオ" pitchFamily="50" charset="-128"/>
-                <a:cs typeface="メイリオ" pitchFamily="50" charset="-128"/>
-              </a:rPr>
-              <a:t>パスの設定をする</a:t>
-            </a:r>
-            <a:r>
-              <a:rPr kumimoji="1" lang="en-US" altLang="ja-JP" dirty="0" smtClean="0">
-                <a:latin typeface="メイリオ" pitchFamily="50" charset="-128"/>
-                <a:ea typeface="メイリオ" pitchFamily="50" charset="-128"/>
-                <a:cs typeface="メイリオ" pitchFamily="50" charset="-128"/>
-              </a:rPr>
-              <a:t>”</a:t>
-            </a:r>
-            <a:endParaRPr kumimoji="1" lang="ja-JP" altLang="en-US" dirty="0">
-              <a:latin typeface="メイリオ" pitchFamily="50" charset="-128"/>
-              <a:ea typeface="メイリオ" pitchFamily="50" charset="-128"/>
-              <a:cs typeface="メイリオ" pitchFamily="50" charset="-128"/>
-            </a:endParaRPr>
-          </a:p>
-        </p:txBody>
-      </p:sp>
-      <p:sp>
-        <p:nvSpPr>
-          <p:cNvPr id="4" name="日付プレースホルダー 3"/>
-          <p:cNvSpPr>
-            <a:spLocks noGrp="1"/>
-          </p:cNvSpPr>
-          <p:nvPr>
-            <p:ph type="dt" sz="half" idx="10"/>
-          </p:nvPr>
-        </p:nvSpPr>
-        <p:spPr/>
-        <p:txBody>
-          <a:bodyPr/>
-          <a:lstStyle/>
-          <a:p>
-            <a:pPr>
-              <a:defRPr/>
-            </a:pPr>
-            <a:fld id="{A9259AFE-7AC7-4F49-85B9-5B069C761CE3}" type="datetime5">
-              <a:rPr lang="ja-JP" altLang="en-US" smtClean="0">
-                <a:latin typeface="メイリオ" pitchFamily="50" charset="-128"/>
-                <a:ea typeface="メイリオ" pitchFamily="50" charset="-128"/>
-                <a:cs typeface="メイリオ" pitchFamily="50" charset="-128"/>
-              </a:rPr>
-              <a:pPr>
-                <a:defRPr/>
-              </a:pPr>
-              <a:t>2014/08/16</a:t>
-            </a:fld>
-            <a:endParaRPr lang="ja-JP" altLang="en-US" dirty="0">
-              <a:latin typeface="メイリオ" pitchFamily="50" charset="-128"/>
-              <a:ea typeface="メイリオ" pitchFamily="50" charset="-128"/>
-              <a:cs typeface="メイリオ" pitchFamily="50" charset="-128"/>
-            </a:endParaRPr>
-          </a:p>
-        </p:txBody>
-      </p:sp>
-      <p:sp>
-        <p:nvSpPr>
-          <p:cNvPr id="6" name="スライド番号プレースホルダー 5"/>
-          <p:cNvSpPr>
-            <a:spLocks noGrp="1"/>
-          </p:cNvSpPr>
-          <p:nvPr>
-            <p:ph type="sldNum" sz="quarter" idx="12"/>
-          </p:nvPr>
-        </p:nvSpPr>
-        <p:spPr/>
-        <p:txBody>
-          <a:bodyPr/>
-          <a:lstStyle/>
-          <a:p>
-            <a:pPr>
-              <a:defRPr/>
-            </a:pPr>
-            <a:fld id="{29799127-F303-4AE7-A969-D0F8A278DEB3}" type="slidenum">
-              <a:rPr lang="ja-JP" altLang="en-US" smtClean="0">
-                <a:latin typeface="メイリオ" pitchFamily="50" charset="-128"/>
-                <a:ea typeface="メイリオ" pitchFamily="50" charset="-128"/>
-                <a:cs typeface="メイリオ" pitchFamily="50" charset="-128"/>
-              </a:rPr>
-              <a:pPr>
-                <a:defRPr/>
-              </a:pPr>
-              <a:t>3</a:t>
-            </a:fld>
-            <a:endParaRPr lang="ja-JP" altLang="en-US">
-              <a:latin typeface="メイリオ" pitchFamily="50" charset="-128"/>
-              <a:ea typeface="メイリオ" pitchFamily="50" charset="-128"/>
-              <a:cs typeface="メイリオ" pitchFamily="50" charset="-128"/>
-            </a:endParaRPr>
-          </a:p>
-        </p:txBody>
-      </p:sp>
-    </p:spTree>
-    <p:extLst>
-      <p:ext uri="{BB962C8B-B14F-4D97-AF65-F5344CB8AC3E}">
-        <p14:creationId xmlns:p14="http://schemas.microsoft.com/office/powerpoint/2010/main" xmlns="" val="1890745276"/>
+        <p14:creationId xmlns="" xmlns:p14="http://schemas.microsoft.com/office/powerpoint/2010/main" val="1890745276"/>
       </p:ext>
     </p:extLst>
   </p:cSld>
@@ -12417,7 +15645,7 @@
                 <a:ea typeface="メイリオ" pitchFamily="50" charset="-128"/>
                 <a:cs typeface="メイリオ" pitchFamily="50" charset="-128"/>
               </a:rPr>
-              <a:t>似たような処理の実装</a:t>
+              <a:t>効率よくコードを書くためのキモ</a:t>
             </a:r>
             <a:endParaRPr kumimoji="1" lang="ja-JP" altLang="en-US" sz="4000" dirty="0">
               <a:solidFill>
@@ -12440,25 +15668,20 @@
             <p:ph idx="1"/>
           </p:nvPr>
         </p:nvSpPr>
-        <p:spPr>
-          <a:xfrm>
-            <a:off x="457200" y="2143122"/>
-            <a:ext cx="8229600" cy="2394352"/>
-          </a:xfrm>
-        </p:spPr>
-        <p:txBody>
-          <a:bodyPr/>
+        <p:spPr/>
+        <p:txBody>
+          <a:bodyPr anchor="ctr"/>
           <a:lstStyle/>
           <a:p>
             <a:r>
-              <a:rPr lang="ja-JP" altLang="en-US" dirty="0" smtClean="0">
-                <a:latin typeface="メイリオ" pitchFamily="50" charset="-128"/>
-                <a:ea typeface="メイリオ" pitchFamily="50" charset="-128"/>
-                <a:cs typeface="メイリオ" pitchFamily="50" charset="-128"/>
-              </a:rPr>
-              <a:t>みんなそれぞれ微妙にやり方が違う</a:t>
-            </a:r>
-            <a:endParaRPr lang="en-US" altLang="ja-JP" dirty="0" smtClean="0">
+              <a:rPr kumimoji="1" lang="ja-JP" altLang="en-US" sz="4800" dirty="0" smtClean="0">
+                <a:latin typeface="メイリオ" pitchFamily="50" charset="-128"/>
+                <a:ea typeface="メイリオ" pitchFamily="50" charset="-128"/>
+                <a:cs typeface="メイリオ" pitchFamily="50" charset="-128"/>
+              </a:rPr>
+              <a:t>コード品質の維持</a:t>
+            </a:r>
+            <a:endParaRPr kumimoji="1" lang="en-US" altLang="ja-JP" sz="4800" dirty="0" smtClean="0">
               <a:latin typeface="メイリオ" pitchFamily="50" charset="-128"/>
               <a:ea typeface="メイリオ" pitchFamily="50" charset="-128"/>
               <a:cs typeface="メイリオ" pitchFamily="50" charset="-128"/>
@@ -12466,22 +15689,24 @@
           </a:p>
           <a:p>
             <a:r>
-              <a:rPr kumimoji="1" lang="ja-JP" altLang="en-US" dirty="0" smtClean="0">
-                <a:latin typeface="メイリオ" pitchFamily="50" charset="-128"/>
-                <a:ea typeface="メイリオ" pitchFamily="50" charset="-128"/>
-                <a:cs typeface="メイリオ" pitchFamily="50" charset="-128"/>
-              </a:rPr>
-              <a:t>対応</a:t>
-            </a:r>
-            <a:r>
-              <a:rPr kumimoji="1" lang="ja-JP" altLang="en-US" dirty="0" smtClean="0">
-                <a:latin typeface="メイリオ" pitchFamily="50" charset="-128"/>
-                <a:ea typeface="メイリオ" pitchFamily="50" charset="-128"/>
-                <a:cs typeface="メイリオ" pitchFamily="50" charset="-128"/>
-              </a:rPr>
-              <a:t>する形式が増えるとその分パターンが増える</a:t>
-            </a:r>
-            <a:endParaRPr kumimoji="1" lang="en-US" altLang="ja-JP" dirty="0" smtClean="0">
+              <a:rPr lang="ja-JP" altLang="en-US" sz="4800" dirty="0" smtClean="0">
+                <a:solidFill>
+                  <a:schemeClr val="bg1">
+                    <a:lumMod val="75000"/>
+                  </a:schemeClr>
+                </a:solidFill>
+                <a:latin typeface="メイリオ" pitchFamily="50" charset="-128"/>
+                <a:ea typeface="メイリオ" pitchFamily="50" charset="-128"/>
+                <a:cs typeface="メイリオ" pitchFamily="50" charset="-128"/>
+              </a:rPr>
+              <a:t>デバッグ</a:t>
+            </a:r>
+            <a:endParaRPr lang="en-US" altLang="ja-JP" sz="4800" dirty="0" smtClean="0">
+              <a:solidFill>
+                <a:schemeClr val="bg1">
+                  <a:lumMod val="75000"/>
+                </a:schemeClr>
+              </a:solidFill>
               <a:latin typeface="メイリオ" pitchFamily="50" charset="-128"/>
               <a:ea typeface="メイリオ" pitchFamily="50" charset="-128"/>
               <a:cs typeface="メイリオ" pitchFamily="50" charset="-128"/>
@@ -12489,22 +15714,24 @@
           </a:p>
           <a:p>
             <a:r>
-              <a:rPr lang="ja-JP" altLang="en-US" dirty="0" smtClean="0">
-                <a:latin typeface="メイリオ" pitchFamily="50" charset="-128"/>
-                <a:ea typeface="メイリオ" pitchFamily="50" charset="-128"/>
-                <a:cs typeface="メイリオ" pitchFamily="50" charset="-128"/>
-              </a:rPr>
-              <a:t>行儀の</a:t>
-            </a:r>
-            <a:r>
-              <a:rPr lang="ja-JP" altLang="en-US" dirty="0" smtClean="0">
-                <a:latin typeface="メイリオ" pitchFamily="50" charset="-128"/>
-                <a:ea typeface="メイリオ" pitchFamily="50" charset="-128"/>
-                <a:cs typeface="メイリオ" pitchFamily="50" charset="-128"/>
-              </a:rPr>
-              <a:t>悪いプラグインがあると最悪</a:t>
-            </a:r>
-            <a:endParaRPr kumimoji="1" lang="ja-JP" altLang="en-US" dirty="0">
+              <a:rPr kumimoji="1" lang="ja-JP" altLang="en-US" sz="4800" dirty="0" smtClean="0">
+                <a:solidFill>
+                  <a:schemeClr val="bg1">
+                    <a:lumMod val="75000"/>
+                  </a:schemeClr>
+                </a:solidFill>
+                <a:latin typeface="メイリオ" pitchFamily="50" charset="-128"/>
+                <a:ea typeface="メイリオ" pitchFamily="50" charset="-128"/>
+                <a:cs typeface="メイリオ" pitchFamily="50" charset="-128"/>
+              </a:rPr>
+              <a:t>処理の最適化</a:t>
+            </a:r>
+            <a:endParaRPr kumimoji="1" lang="ja-JP" altLang="en-US" sz="4800" dirty="0">
+              <a:solidFill>
+                <a:schemeClr val="bg1">
+                  <a:lumMod val="75000"/>
+                </a:schemeClr>
+              </a:solidFill>
               <a:latin typeface="メイリオ" pitchFamily="50" charset="-128"/>
               <a:ea typeface="メイリオ" pitchFamily="50" charset="-128"/>
               <a:cs typeface="メイリオ" pitchFamily="50" charset="-128"/>
@@ -12539,7 +15766,7 @@
               <a:pPr>
                 <a:defRPr/>
               </a:pPr>
-              <a:t>2014/08/17</a:t>
+              <a:t>2014/08/31</a:t>
             </a:fld>
             <a:endParaRPr lang="ja-JP" altLang="en-US" dirty="0">
               <a:latin typeface="メイリオ" pitchFamily="50" charset="-128"/>
@@ -12586,191 +15813,10 @@
           </a:p>
         </p:txBody>
       </p:sp>
-      <p:sp>
-        <p:nvSpPr>
-          <p:cNvPr id="7" name="テキスト ボックス 6"/>
-          <p:cNvSpPr txBox="1"/>
-          <p:nvPr/>
-        </p:nvSpPr>
-        <p:spPr>
-          <a:xfrm>
-            <a:off x="785786" y="1071552"/>
-            <a:ext cx="7143800" cy="830997"/>
-          </a:xfrm>
-          <a:prstGeom prst="rect">
-            <a:avLst/>
-          </a:prstGeom>
-          <a:solidFill>
-            <a:schemeClr val="bg1">
-              <a:lumMod val="85000"/>
-            </a:schemeClr>
-          </a:solidFill>
-          <a:ln>
-            <a:solidFill>
-              <a:schemeClr val="tx1"/>
-            </a:solidFill>
-          </a:ln>
-        </p:spPr>
-        <p:txBody>
-          <a:bodyPr wrap="square" rtlCol="0">
-            <a:spAutoFit/>
-          </a:bodyPr>
-          <a:lstStyle/>
-          <a:p>
-            <a:r>
-              <a:rPr lang="en-US" altLang="ja-JP" sz="1200" dirty="0" err="1" smtClean="0">
-                <a:latin typeface="メイリオ" pitchFamily="50" charset="-128"/>
-                <a:ea typeface="メイリオ" pitchFamily="50" charset="-128"/>
-                <a:cs typeface="メイリオ" pitchFamily="50" charset="-128"/>
-              </a:rPr>
-              <a:t>cmds.setAttr</a:t>
-            </a:r>
-            <a:r>
-              <a:rPr lang="en-US" altLang="ja-JP" sz="1200" dirty="0" smtClean="0">
-                <a:latin typeface="メイリオ" pitchFamily="50" charset="-128"/>
-                <a:ea typeface="メイリオ" pitchFamily="50" charset="-128"/>
-                <a:cs typeface="メイリオ" pitchFamily="50" charset="-128"/>
-              </a:rPr>
-              <a:t>(node + '.</a:t>
-            </a:r>
-            <a:r>
-              <a:rPr lang="en-US" altLang="ja-JP" sz="1200" dirty="0" err="1" smtClean="0">
-                <a:latin typeface="メイリオ" pitchFamily="50" charset="-128"/>
-                <a:ea typeface="メイリオ" pitchFamily="50" charset="-128"/>
-                <a:cs typeface="メイリオ" pitchFamily="50" charset="-128"/>
-              </a:rPr>
-              <a:t>fileTextureName</a:t>
-            </a:r>
-            <a:r>
-              <a:rPr lang="en-US" altLang="ja-JP" sz="1200" dirty="0" smtClean="0">
-                <a:latin typeface="メイリオ" pitchFamily="50" charset="-128"/>
-                <a:ea typeface="メイリオ" pitchFamily="50" charset="-128"/>
-                <a:cs typeface="メイリオ" pitchFamily="50" charset="-128"/>
-              </a:rPr>
-              <a:t>‘, path, type='string')</a:t>
-            </a:r>
-          </a:p>
-          <a:p>
-            <a:r>
-              <a:rPr lang="en-US" altLang="ja-JP" sz="1200" dirty="0" err="1" smtClean="0">
-                <a:latin typeface="メイリオ" pitchFamily="50" charset="-128"/>
-                <a:ea typeface="メイリオ" pitchFamily="50" charset="-128"/>
-                <a:cs typeface="メイリオ" pitchFamily="50" charset="-128"/>
-              </a:rPr>
-              <a:t>cmds.setAttr</a:t>
-            </a:r>
-            <a:r>
-              <a:rPr lang="en-US" altLang="ja-JP" sz="1200" dirty="0" smtClean="0">
-                <a:latin typeface="メイリオ" pitchFamily="50" charset="-128"/>
-                <a:ea typeface="メイリオ" pitchFamily="50" charset="-128"/>
-                <a:cs typeface="メイリオ" pitchFamily="50" charset="-128"/>
-              </a:rPr>
-              <a:t>(node + '.Path', </a:t>
-            </a:r>
-            <a:r>
-              <a:rPr lang="en-US" altLang="ja-JP" sz="1200" dirty="0" err="1" smtClean="0">
-                <a:latin typeface="メイリオ" pitchFamily="50" charset="-128"/>
-                <a:ea typeface="メイリオ" pitchFamily="50" charset="-128"/>
-                <a:cs typeface="メイリオ" pitchFamily="50" charset="-128"/>
-              </a:rPr>
-              <a:t>path.replace</a:t>
-            </a:r>
-            <a:r>
-              <a:rPr lang="en-US" altLang="ja-JP" sz="1200" dirty="0" smtClean="0">
-                <a:latin typeface="メイリオ" pitchFamily="50" charset="-128"/>
-                <a:ea typeface="メイリオ" pitchFamily="50" charset="-128"/>
-                <a:cs typeface="メイリオ" pitchFamily="50" charset="-128"/>
-              </a:rPr>
-              <a:t>(os.sep, '/'), type='string')</a:t>
-            </a:r>
-          </a:p>
-          <a:p>
-            <a:r>
-              <a:rPr lang="en-US" altLang="ja-JP" sz="1200" dirty="0" err="1" smtClean="0">
-                <a:latin typeface="メイリオ" pitchFamily="50" charset="-128"/>
-                <a:ea typeface="メイリオ" pitchFamily="50" charset="-128"/>
-                <a:cs typeface="メイリオ" pitchFamily="50" charset="-128"/>
-              </a:rPr>
-              <a:t>cmds.setAttr</a:t>
-            </a:r>
-            <a:r>
-              <a:rPr lang="en-US" altLang="ja-JP" sz="1200" dirty="0" smtClean="0">
-                <a:latin typeface="メイリオ" pitchFamily="50" charset="-128"/>
-                <a:ea typeface="メイリオ" pitchFamily="50" charset="-128"/>
-                <a:cs typeface="メイリオ" pitchFamily="50" charset="-128"/>
-              </a:rPr>
-              <a:t>(node + '.</a:t>
-            </a:r>
-            <a:r>
-              <a:rPr lang="en-US" altLang="ja-JP" sz="1200" dirty="0" err="1" smtClean="0">
-                <a:latin typeface="メイリオ" pitchFamily="50" charset="-128"/>
-                <a:ea typeface="メイリオ" pitchFamily="50" charset="-128"/>
-                <a:cs typeface="メイリオ" pitchFamily="50" charset="-128"/>
-              </a:rPr>
-              <a:t>cacheFileName</a:t>
-            </a:r>
-            <a:r>
-              <a:rPr lang="en-US" altLang="ja-JP" sz="1200" dirty="0" smtClean="0">
-                <a:latin typeface="メイリオ" pitchFamily="50" charset="-128"/>
-                <a:ea typeface="メイリオ" pitchFamily="50" charset="-128"/>
-                <a:cs typeface="メイリオ" pitchFamily="50" charset="-128"/>
-              </a:rPr>
-              <a:t>', path, type='string</a:t>
-            </a:r>
-            <a:r>
-              <a:rPr lang="en-US" altLang="ja-JP" sz="1200" dirty="0" smtClean="0">
-                <a:latin typeface="メイリオ" pitchFamily="50" charset="-128"/>
-                <a:ea typeface="メイリオ" pitchFamily="50" charset="-128"/>
-                <a:cs typeface="メイリオ" pitchFamily="50" charset="-128"/>
-              </a:rPr>
-              <a:t>')</a:t>
-            </a:r>
-          </a:p>
-          <a:p>
-            <a:r>
-              <a:rPr lang="en-US" altLang="ja-JP" sz="1200" dirty="0" err="1" smtClean="0">
-                <a:latin typeface="メイリオ" pitchFamily="50" charset="-128"/>
-                <a:ea typeface="メイリオ" pitchFamily="50" charset="-128"/>
-                <a:cs typeface="メイリオ" pitchFamily="50" charset="-128"/>
-              </a:rPr>
-              <a:t>cmds.setAttr</a:t>
-            </a:r>
-            <a:r>
-              <a:rPr lang="en-US" altLang="ja-JP" sz="1200" dirty="0" smtClean="0">
-                <a:latin typeface="メイリオ" pitchFamily="50" charset="-128"/>
-                <a:ea typeface="メイリオ" pitchFamily="50" charset="-128"/>
-                <a:cs typeface="メイリオ" pitchFamily="50" charset="-128"/>
-              </a:rPr>
-              <a:t>('</a:t>
-            </a:r>
-            <a:r>
-              <a:rPr lang="en-US" altLang="ja-JP" sz="1200" dirty="0" err="1" smtClean="0">
-                <a:latin typeface="メイリオ" pitchFamily="50" charset="-128"/>
-                <a:ea typeface="メイリオ" pitchFamily="50" charset="-128"/>
-                <a:cs typeface="メイリオ" pitchFamily="50" charset="-128"/>
-              </a:rPr>
-              <a:t>defaultRenderGlobals.imageFilePrefix</a:t>
-            </a:r>
-            <a:r>
-              <a:rPr lang="en-US" altLang="ja-JP" sz="1200" dirty="0" smtClean="0">
-                <a:latin typeface="メイリオ" pitchFamily="50" charset="-128"/>
-                <a:ea typeface="メイリオ" pitchFamily="50" charset="-128"/>
-                <a:cs typeface="メイリオ" pitchFamily="50" charset="-128"/>
-              </a:rPr>
-              <a:t>', prefix, type='string')</a:t>
-            </a:r>
-            <a:endParaRPr kumimoji="1" lang="ja-JP" altLang="en-US" sz="1200" dirty="0">
-              <a:latin typeface="メイリオ" pitchFamily="50" charset="-128"/>
-              <a:ea typeface="メイリオ" pitchFamily="50" charset="-128"/>
-              <a:cs typeface="メイリオ" pitchFamily="50" charset="-128"/>
-            </a:endParaRPr>
-          </a:p>
-        </p:txBody>
-      </p:sp>
     </p:spTree>
     <p:extLst>
       <p:ext uri="{BB962C8B-B14F-4D97-AF65-F5344CB8AC3E}">
-        <p14:creationId xmlns:p14="http://schemas.microsoft.com/office/powerpoint/2010/main" xmlns="" val="1890745276"/>
+        <p14:creationId xmlns="" xmlns:p14="http://schemas.microsoft.com/office/powerpoint/2010/main" val="1890745276"/>
       </p:ext>
     </p:extLst>
   </p:cSld>
@@ -12822,7 +15868,7 @@
                 <a:ea typeface="メイリオ" pitchFamily="50" charset="-128"/>
                 <a:cs typeface="メイリオ" pitchFamily="50" charset="-128"/>
               </a:rPr>
-              <a:t>コードのカオス化</a:t>
+              <a:t>似たような処理の実装</a:t>
             </a:r>
             <a:endParaRPr kumimoji="1" lang="ja-JP" altLang="en-US" sz="4000" dirty="0">
               <a:solidFill>
@@ -12845,6 +15891,647 @@
             <p:ph idx="1"/>
           </p:nvPr>
         </p:nvSpPr>
+        <p:spPr/>
+        <p:txBody>
+          <a:bodyPr/>
+          <a:lstStyle/>
+          <a:p>
+            <a:r>
+              <a:rPr kumimoji="1" lang="ja-JP" altLang="en-US" dirty="0" smtClean="0">
+                <a:latin typeface="メイリオ" pitchFamily="50" charset="-128"/>
+                <a:ea typeface="メイリオ" pitchFamily="50" charset="-128"/>
+                <a:cs typeface="メイリオ" pitchFamily="50" charset="-128"/>
+              </a:rPr>
+              <a:t>テクスチャのパスをかきかえる</a:t>
+            </a:r>
+            <a:endParaRPr kumimoji="1" lang="en-US" altLang="ja-JP" dirty="0" smtClean="0">
+              <a:latin typeface="メイリオ" pitchFamily="50" charset="-128"/>
+              <a:ea typeface="メイリオ" pitchFamily="50" charset="-128"/>
+              <a:cs typeface="メイリオ" pitchFamily="50" charset="-128"/>
+            </a:endParaRPr>
+          </a:p>
+          <a:p>
+            <a:r>
+              <a:rPr kumimoji="1" lang="ja-JP" altLang="en-US" dirty="0" smtClean="0">
+                <a:latin typeface="メイリオ" pitchFamily="50" charset="-128"/>
+                <a:ea typeface="メイリオ" pitchFamily="50" charset="-128"/>
+                <a:cs typeface="メイリオ" pitchFamily="50" charset="-128"/>
+              </a:rPr>
+              <a:t>キャッシュのパスをかきかえる</a:t>
+            </a:r>
+            <a:endParaRPr kumimoji="1" lang="en-US" altLang="ja-JP" dirty="0" smtClean="0">
+              <a:latin typeface="メイリオ" pitchFamily="50" charset="-128"/>
+              <a:ea typeface="メイリオ" pitchFamily="50" charset="-128"/>
+              <a:cs typeface="メイリオ" pitchFamily="50" charset="-128"/>
+            </a:endParaRPr>
+          </a:p>
+          <a:p>
+            <a:r>
+              <a:rPr lang="ja-JP" altLang="en-US" dirty="0" smtClean="0">
+                <a:latin typeface="メイリオ" pitchFamily="50" charset="-128"/>
+                <a:ea typeface="メイリオ" pitchFamily="50" charset="-128"/>
+                <a:cs typeface="メイリオ" pitchFamily="50" charset="-128"/>
+              </a:rPr>
+              <a:t>レンダリング先を指定する</a:t>
+            </a:r>
+            <a:endParaRPr lang="en-US" altLang="ja-JP" dirty="0" smtClean="0">
+              <a:latin typeface="メイリオ" pitchFamily="50" charset="-128"/>
+              <a:ea typeface="メイリオ" pitchFamily="50" charset="-128"/>
+              <a:cs typeface="メイリオ" pitchFamily="50" charset="-128"/>
+            </a:endParaRPr>
+          </a:p>
+          <a:p>
+            <a:r>
+              <a:rPr kumimoji="1" lang="ja-JP" altLang="en-US" dirty="0" smtClean="0">
+                <a:latin typeface="メイリオ" pitchFamily="50" charset="-128"/>
+                <a:ea typeface="メイリオ" pitchFamily="50" charset="-128"/>
+                <a:cs typeface="メイリオ" pitchFamily="50" charset="-128"/>
+              </a:rPr>
+              <a:t>やっていることは同じ</a:t>
+            </a:r>
+            <a:r>
+              <a:rPr kumimoji="1" lang="en-US" altLang="ja-JP" dirty="0" smtClean="0">
+                <a:latin typeface="メイリオ" pitchFamily="50" charset="-128"/>
+                <a:ea typeface="メイリオ" pitchFamily="50" charset="-128"/>
+                <a:cs typeface="メイリオ" pitchFamily="50" charset="-128"/>
+              </a:rPr>
+              <a:t>”</a:t>
+            </a:r>
+            <a:r>
+              <a:rPr kumimoji="1" lang="ja-JP" altLang="en-US" dirty="0" smtClean="0">
+                <a:latin typeface="メイリオ" pitchFamily="50" charset="-128"/>
+                <a:ea typeface="メイリオ" pitchFamily="50" charset="-128"/>
+                <a:cs typeface="メイリオ" pitchFamily="50" charset="-128"/>
+              </a:rPr>
+              <a:t>パスの設定をする</a:t>
+            </a:r>
+            <a:r>
+              <a:rPr kumimoji="1" lang="en-US" altLang="ja-JP" dirty="0" smtClean="0">
+                <a:latin typeface="メイリオ" pitchFamily="50" charset="-128"/>
+                <a:ea typeface="メイリオ" pitchFamily="50" charset="-128"/>
+                <a:cs typeface="メイリオ" pitchFamily="50" charset="-128"/>
+              </a:rPr>
+              <a:t>”</a:t>
+            </a:r>
+          </a:p>
+          <a:p>
+            <a:r>
+              <a:rPr kumimoji="1" lang="ja-JP" altLang="en-US" dirty="0" smtClean="0">
+                <a:latin typeface="メイリオ" pitchFamily="50" charset="-128"/>
+                <a:ea typeface="メイリオ" pitchFamily="50" charset="-128"/>
+                <a:cs typeface="メイリオ" pitchFamily="50" charset="-128"/>
+              </a:rPr>
+              <a:t>それぞれ微妙に方法</a:t>
+            </a:r>
+            <a:r>
+              <a:rPr lang="ja-JP" altLang="en-US" dirty="0" smtClean="0">
+                <a:latin typeface="メイリオ" pitchFamily="50" charset="-128"/>
+                <a:ea typeface="メイリオ" pitchFamily="50" charset="-128"/>
+                <a:cs typeface="メイリオ" pitchFamily="50" charset="-128"/>
+              </a:rPr>
+              <a:t>が違う</a:t>
+            </a:r>
+            <a:endParaRPr kumimoji="1" lang="ja-JP" altLang="en-US" dirty="0">
+              <a:latin typeface="メイリオ" pitchFamily="50" charset="-128"/>
+              <a:ea typeface="メイリオ" pitchFamily="50" charset="-128"/>
+              <a:cs typeface="メイリオ" pitchFamily="50" charset="-128"/>
+            </a:endParaRPr>
+          </a:p>
+        </p:txBody>
+      </p:sp>
+      <p:sp>
+        <p:nvSpPr>
+          <p:cNvPr id="4" name="日付プレースホルダー 3"/>
+          <p:cNvSpPr>
+            <a:spLocks noGrp="1"/>
+          </p:cNvSpPr>
+          <p:nvPr>
+            <p:ph type="dt" sz="half" idx="10"/>
+          </p:nvPr>
+        </p:nvSpPr>
+        <p:spPr/>
+        <p:txBody>
+          <a:bodyPr/>
+          <a:lstStyle/>
+          <a:p>
+            <a:pPr>
+              <a:defRPr/>
+            </a:pPr>
+            <a:fld id="{A9259AFE-7AC7-4F49-85B9-5B069C761CE3}" type="datetime5">
+              <a:rPr lang="ja-JP" altLang="en-US" smtClean="0">
+                <a:latin typeface="メイリオ" pitchFamily="50" charset="-128"/>
+                <a:ea typeface="メイリオ" pitchFamily="50" charset="-128"/>
+                <a:cs typeface="メイリオ" pitchFamily="50" charset="-128"/>
+              </a:rPr>
+              <a:pPr>
+                <a:defRPr/>
+              </a:pPr>
+              <a:t>2014/08/29</a:t>
+            </a:fld>
+            <a:endParaRPr lang="ja-JP" altLang="en-US" dirty="0">
+              <a:latin typeface="メイリオ" pitchFamily="50" charset="-128"/>
+              <a:ea typeface="メイリオ" pitchFamily="50" charset="-128"/>
+              <a:cs typeface="メイリオ" pitchFamily="50" charset="-128"/>
+            </a:endParaRPr>
+          </a:p>
+        </p:txBody>
+      </p:sp>
+      <p:sp>
+        <p:nvSpPr>
+          <p:cNvPr id="6" name="スライド番号プレースホルダー 5"/>
+          <p:cNvSpPr>
+            <a:spLocks noGrp="1"/>
+          </p:cNvSpPr>
+          <p:nvPr>
+            <p:ph type="sldNum" sz="quarter" idx="12"/>
+          </p:nvPr>
+        </p:nvSpPr>
+        <p:spPr/>
+        <p:txBody>
+          <a:bodyPr/>
+          <a:lstStyle/>
+          <a:p>
+            <a:pPr>
+              <a:defRPr/>
+            </a:pPr>
+            <a:fld id="{29799127-F303-4AE7-A969-D0F8A278DEB3}" type="slidenum">
+              <a:rPr lang="ja-JP" altLang="en-US" smtClean="0">
+                <a:latin typeface="メイリオ" pitchFamily="50" charset="-128"/>
+                <a:ea typeface="メイリオ" pitchFamily="50" charset="-128"/>
+                <a:cs typeface="メイリオ" pitchFamily="50" charset="-128"/>
+              </a:rPr>
+              <a:pPr>
+                <a:defRPr/>
+              </a:pPr>
+              <a:t>5</a:t>
+            </a:fld>
+            <a:endParaRPr lang="ja-JP" altLang="en-US">
+              <a:latin typeface="メイリオ" pitchFamily="50" charset="-128"/>
+              <a:ea typeface="メイリオ" pitchFamily="50" charset="-128"/>
+              <a:cs typeface="メイリオ" pitchFamily="50" charset="-128"/>
+            </a:endParaRPr>
+          </a:p>
+        </p:txBody>
+      </p:sp>
+    </p:spTree>
+    <p:extLst>
+      <p:ext uri="{BB962C8B-B14F-4D97-AF65-F5344CB8AC3E}">
+        <p14:creationId xmlns="" xmlns:p14="http://schemas.microsoft.com/office/powerpoint/2010/main" val="1890745276"/>
+      </p:ext>
+    </p:extLst>
+  </p:cSld>
+  <p:clrMapOvr>
+    <a:masterClrMapping/>
+  </p:clrMapOvr>
+</p:sld>
+</file>
+
+<file path=ppt/slides/slide6.xml><?xml version="1.0" encoding="utf-8"?>
+<p:sld xmlns:a="http://schemas.openxmlformats.org/drawingml/2006/main" xmlns:r="http://schemas.openxmlformats.org/officeDocument/2006/relationships" xmlns:p="http://schemas.openxmlformats.org/presentationml/2006/main">
+  <p:cSld>
+    <p:spTree>
+      <p:nvGrpSpPr>
+        <p:cNvPr id="1" name=""/>
+        <p:cNvGrpSpPr/>
+        <p:nvPr/>
+      </p:nvGrpSpPr>
+      <p:grpSpPr>
+        <a:xfrm>
+          <a:off x="0" y="0"/>
+          <a:ext cx="0" cy="0"/>
+          <a:chOff x="0" y="0"/>
+          <a:chExt cx="0" cy="0"/>
+        </a:xfrm>
+      </p:grpSpPr>
+      <p:sp>
+        <p:nvSpPr>
+          <p:cNvPr id="2" name="タイトル 1"/>
+          <p:cNvSpPr>
+            <a:spLocks noGrp="1"/>
+          </p:cNvSpPr>
+          <p:nvPr>
+            <p:ph type="title"/>
+          </p:nvPr>
+        </p:nvSpPr>
+        <p:spPr/>
+        <p:txBody>
+          <a:bodyPr/>
+          <a:lstStyle/>
+          <a:p>
+            <a:pPr algn="ctr"/>
+            <a:r>
+              <a:rPr kumimoji="1" lang="ja-JP" altLang="en-US" sz="4000" dirty="0" smtClean="0">
+                <a:solidFill>
+                  <a:schemeClr val="tx1"/>
+                </a:solidFill>
+                <a:latin typeface="メイリオ" pitchFamily="50" charset="-128"/>
+                <a:ea typeface="メイリオ" pitchFamily="50" charset="-128"/>
+                <a:cs typeface="メイリオ" pitchFamily="50" charset="-128"/>
+              </a:rPr>
+              <a:t>似たような処理の実装</a:t>
+            </a:r>
+            <a:endParaRPr kumimoji="1" lang="ja-JP" altLang="en-US" sz="4000" dirty="0">
+              <a:solidFill>
+                <a:schemeClr val="tx1"/>
+              </a:solidFill>
+              <a:latin typeface="メイリオ" pitchFamily="50" charset="-128"/>
+              <a:ea typeface="メイリオ" pitchFamily="50" charset="-128"/>
+              <a:cs typeface="メイリオ" pitchFamily="50" charset="-128"/>
+            </a:endParaRPr>
+          </a:p>
+        </p:txBody>
+      </p:sp>
+      <p:sp>
+        <p:nvSpPr>
+          <p:cNvPr id="3" name="コンテンツ プレースホルダー 2"/>
+          <p:cNvSpPr>
+            <a:spLocks noGrp="1"/>
+          </p:cNvSpPr>
+          <p:nvPr>
+            <p:ph idx="1"/>
+          </p:nvPr>
+        </p:nvSpPr>
+        <p:spPr>
+          <a:xfrm>
+            <a:off x="457200" y="2143122"/>
+            <a:ext cx="8229600" cy="2394352"/>
+          </a:xfrm>
+        </p:spPr>
+        <p:txBody>
+          <a:bodyPr/>
+          <a:lstStyle/>
+          <a:p>
+            <a:r>
+              <a:rPr lang="ja-JP" altLang="en-US" dirty="0" smtClean="0">
+                <a:latin typeface="メイリオ" pitchFamily="50" charset="-128"/>
+                <a:ea typeface="メイリオ" pitchFamily="50" charset="-128"/>
+                <a:cs typeface="メイリオ" pitchFamily="50" charset="-128"/>
+              </a:rPr>
+              <a:t>みんなそれぞれ微妙にやり方が違う</a:t>
+            </a:r>
+            <a:endParaRPr lang="en-US" altLang="ja-JP" dirty="0" smtClean="0">
+              <a:latin typeface="メイリオ" pitchFamily="50" charset="-128"/>
+              <a:ea typeface="メイリオ" pitchFamily="50" charset="-128"/>
+              <a:cs typeface="メイリオ" pitchFamily="50" charset="-128"/>
+            </a:endParaRPr>
+          </a:p>
+          <a:p>
+            <a:r>
+              <a:rPr kumimoji="1" lang="ja-JP" altLang="en-US" dirty="0" smtClean="0">
+                <a:latin typeface="メイリオ" pitchFamily="50" charset="-128"/>
+                <a:ea typeface="メイリオ" pitchFamily="50" charset="-128"/>
+                <a:cs typeface="メイリオ" pitchFamily="50" charset="-128"/>
+              </a:rPr>
+              <a:t>対応する形式が増えるとその分パターンが増える</a:t>
+            </a:r>
+            <a:endParaRPr kumimoji="1" lang="en-US" altLang="ja-JP" dirty="0" smtClean="0">
+              <a:latin typeface="メイリオ" pitchFamily="50" charset="-128"/>
+              <a:ea typeface="メイリオ" pitchFamily="50" charset="-128"/>
+              <a:cs typeface="メイリオ" pitchFamily="50" charset="-128"/>
+            </a:endParaRPr>
+          </a:p>
+          <a:p>
+            <a:r>
+              <a:rPr lang="ja-JP" altLang="en-US" dirty="0" smtClean="0">
+                <a:latin typeface="メイリオ" pitchFamily="50" charset="-128"/>
+                <a:ea typeface="メイリオ" pitchFamily="50" charset="-128"/>
+                <a:cs typeface="メイリオ" pitchFamily="50" charset="-128"/>
+              </a:rPr>
+              <a:t>行儀の悪いプラグインがあると最悪</a:t>
+            </a:r>
+            <a:endParaRPr kumimoji="1" lang="ja-JP" altLang="en-US" dirty="0">
+              <a:latin typeface="メイリオ" pitchFamily="50" charset="-128"/>
+              <a:ea typeface="メイリオ" pitchFamily="50" charset="-128"/>
+              <a:cs typeface="メイリオ" pitchFamily="50" charset="-128"/>
+            </a:endParaRPr>
+          </a:p>
+        </p:txBody>
+      </p:sp>
+      <p:sp>
+        <p:nvSpPr>
+          <p:cNvPr id="4" name="日付プレースホルダー 3"/>
+          <p:cNvSpPr>
+            <a:spLocks noGrp="1"/>
+          </p:cNvSpPr>
+          <p:nvPr>
+            <p:ph type="dt" sz="half" idx="10"/>
+          </p:nvPr>
+        </p:nvSpPr>
+        <p:spPr/>
+        <p:txBody>
+          <a:bodyPr/>
+          <a:lstStyle/>
+          <a:p>
+            <a:pPr>
+              <a:defRPr/>
+            </a:pPr>
+            <a:fld id="{A9259AFE-7AC7-4F49-85B9-5B069C761CE3}" type="datetime5">
+              <a:rPr lang="ja-JP" altLang="en-US" smtClean="0">
+                <a:latin typeface="メイリオ" pitchFamily="50" charset="-128"/>
+                <a:ea typeface="メイリオ" pitchFamily="50" charset="-128"/>
+                <a:cs typeface="メイリオ" pitchFamily="50" charset="-128"/>
+              </a:rPr>
+              <a:pPr>
+                <a:defRPr/>
+              </a:pPr>
+              <a:t>2014/08/29</a:t>
+            </a:fld>
+            <a:endParaRPr lang="ja-JP" altLang="en-US" dirty="0">
+              <a:latin typeface="メイリオ" pitchFamily="50" charset="-128"/>
+              <a:ea typeface="メイリオ" pitchFamily="50" charset="-128"/>
+              <a:cs typeface="メイリオ" pitchFamily="50" charset="-128"/>
+            </a:endParaRPr>
+          </a:p>
+        </p:txBody>
+      </p:sp>
+      <p:sp>
+        <p:nvSpPr>
+          <p:cNvPr id="6" name="スライド番号プレースホルダー 5"/>
+          <p:cNvSpPr>
+            <a:spLocks noGrp="1"/>
+          </p:cNvSpPr>
+          <p:nvPr>
+            <p:ph type="sldNum" sz="quarter" idx="12"/>
+          </p:nvPr>
+        </p:nvSpPr>
+        <p:spPr/>
+        <p:txBody>
+          <a:bodyPr/>
+          <a:lstStyle/>
+          <a:p>
+            <a:pPr>
+              <a:defRPr/>
+            </a:pPr>
+            <a:fld id="{29799127-F303-4AE7-A969-D0F8A278DEB3}" type="slidenum">
+              <a:rPr lang="ja-JP" altLang="en-US" smtClean="0">
+                <a:latin typeface="メイリオ" pitchFamily="50" charset="-128"/>
+                <a:ea typeface="メイリオ" pitchFamily="50" charset="-128"/>
+                <a:cs typeface="メイリオ" pitchFamily="50" charset="-128"/>
+              </a:rPr>
+              <a:pPr>
+                <a:defRPr/>
+              </a:pPr>
+              <a:t>6</a:t>
+            </a:fld>
+            <a:endParaRPr lang="ja-JP" altLang="en-US">
+              <a:latin typeface="メイリオ" pitchFamily="50" charset="-128"/>
+              <a:ea typeface="メイリオ" pitchFamily="50" charset="-128"/>
+              <a:cs typeface="メイリオ" pitchFamily="50" charset="-128"/>
+            </a:endParaRPr>
+          </a:p>
+        </p:txBody>
+      </p:sp>
+      <p:sp>
+        <p:nvSpPr>
+          <p:cNvPr id="7" name="テキスト ボックス 6"/>
+          <p:cNvSpPr txBox="1"/>
+          <p:nvPr/>
+        </p:nvSpPr>
+        <p:spPr>
+          <a:xfrm>
+            <a:off x="785786" y="1071552"/>
+            <a:ext cx="7143800" cy="830997"/>
+          </a:xfrm>
+          <a:prstGeom prst="rect">
+            <a:avLst/>
+          </a:prstGeom>
+          <a:solidFill>
+            <a:schemeClr val="bg1">
+              <a:lumMod val="85000"/>
+            </a:schemeClr>
+          </a:solidFill>
+          <a:ln>
+            <a:solidFill>
+              <a:schemeClr val="tx1"/>
+            </a:solidFill>
+          </a:ln>
+        </p:spPr>
+        <p:txBody>
+          <a:bodyPr wrap="square" rtlCol="0">
+            <a:spAutoFit/>
+          </a:bodyPr>
+          <a:lstStyle/>
+          <a:p>
+            <a:r>
+              <a:rPr lang="en-US" altLang="ja-JP" sz="1200" dirty="0" err="1" smtClean="0">
+                <a:latin typeface="メイリオ" pitchFamily="50" charset="-128"/>
+                <a:ea typeface="メイリオ" pitchFamily="50" charset="-128"/>
+                <a:cs typeface="メイリオ" pitchFamily="50" charset="-128"/>
+              </a:rPr>
+              <a:t>cmds.setAttr</a:t>
+            </a:r>
+            <a:r>
+              <a:rPr lang="en-US" altLang="ja-JP" sz="1200" dirty="0" smtClean="0">
+                <a:latin typeface="メイリオ" pitchFamily="50" charset="-128"/>
+                <a:ea typeface="メイリオ" pitchFamily="50" charset="-128"/>
+                <a:cs typeface="メイリオ" pitchFamily="50" charset="-128"/>
+              </a:rPr>
+              <a:t>(node + '.</a:t>
+            </a:r>
+            <a:r>
+              <a:rPr lang="en-US" altLang="ja-JP" sz="1200" dirty="0" err="1" smtClean="0">
+                <a:latin typeface="メイリオ" pitchFamily="50" charset="-128"/>
+                <a:ea typeface="メイリオ" pitchFamily="50" charset="-128"/>
+                <a:cs typeface="メイリオ" pitchFamily="50" charset="-128"/>
+              </a:rPr>
+              <a:t>fileTextureName</a:t>
+            </a:r>
+            <a:r>
+              <a:rPr lang="en-US" altLang="ja-JP" sz="1200" dirty="0" smtClean="0">
+                <a:latin typeface="メイリオ" pitchFamily="50" charset="-128"/>
+                <a:ea typeface="メイリオ" pitchFamily="50" charset="-128"/>
+                <a:cs typeface="メイリオ" pitchFamily="50" charset="-128"/>
+              </a:rPr>
+              <a:t>‘, path, type='string')</a:t>
+            </a:r>
+          </a:p>
+          <a:p>
+            <a:r>
+              <a:rPr lang="en-US" altLang="ja-JP" sz="1200" dirty="0" err="1" smtClean="0">
+                <a:latin typeface="メイリオ" pitchFamily="50" charset="-128"/>
+                <a:ea typeface="メイリオ" pitchFamily="50" charset="-128"/>
+                <a:cs typeface="メイリオ" pitchFamily="50" charset="-128"/>
+              </a:rPr>
+              <a:t>cmds.setAttr</a:t>
+            </a:r>
+            <a:r>
+              <a:rPr lang="en-US" altLang="ja-JP" sz="1200" dirty="0" smtClean="0">
+                <a:latin typeface="メイリオ" pitchFamily="50" charset="-128"/>
+                <a:ea typeface="メイリオ" pitchFamily="50" charset="-128"/>
+                <a:cs typeface="メイリオ" pitchFamily="50" charset="-128"/>
+              </a:rPr>
+              <a:t>(node + '.Path', </a:t>
+            </a:r>
+            <a:r>
+              <a:rPr lang="en-US" altLang="ja-JP" sz="1200" dirty="0" err="1" smtClean="0">
+                <a:latin typeface="メイリオ" pitchFamily="50" charset="-128"/>
+                <a:ea typeface="メイリオ" pitchFamily="50" charset="-128"/>
+                <a:cs typeface="メイリオ" pitchFamily="50" charset="-128"/>
+              </a:rPr>
+              <a:t>path.replace</a:t>
+            </a:r>
+            <a:r>
+              <a:rPr lang="en-US" altLang="ja-JP" sz="1200" dirty="0" smtClean="0">
+                <a:latin typeface="メイリオ" pitchFamily="50" charset="-128"/>
+                <a:ea typeface="メイリオ" pitchFamily="50" charset="-128"/>
+                <a:cs typeface="メイリオ" pitchFamily="50" charset="-128"/>
+              </a:rPr>
+              <a:t>(os.sep, '/'), type='string')</a:t>
+            </a:r>
+          </a:p>
+          <a:p>
+            <a:r>
+              <a:rPr lang="en-US" altLang="ja-JP" sz="1200" dirty="0" err="1" smtClean="0">
+                <a:latin typeface="メイリオ" pitchFamily="50" charset="-128"/>
+                <a:ea typeface="メイリオ" pitchFamily="50" charset="-128"/>
+                <a:cs typeface="メイリオ" pitchFamily="50" charset="-128"/>
+              </a:rPr>
+              <a:t>cmds.setAttr</a:t>
+            </a:r>
+            <a:r>
+              <a:rPr lang="en-US" altLang="ja-JP" sz="1200" dirty="0" smtClean="0">
+                <a:latin typeface="メイリオ" pitchFamily="50" charset="-128"/>
+                <a:ea typeface="メイリオ" pitchFamily="50" charset="-128"/>
+                <a:cs typeface="メイリオ" pitchFamily="50" charset="-128"/>
+              </a:rPr>
+              <a:t>(node + '.</a:t>
+            </a:r>
+            <a:r>
+              <a:rPr lang="en-US" altLang="ja-JP" sz="1200" dirty="0" err="1" smtClean="0">
+                <a:latin typeface="メイリオ" pitchFamily="50" charset="-128"/>
+                <a:ea typeface="メイリオ" pitchFamily="50" charset="-128"/>
+                <a:cs typeface="メイリオ" pitchFamily="50" charset="-128"/>
+              </a:rPr>
+              <a:t>cacheFileName</a:t>
+            </a:r>
+            <a:r>
+              <a:rPr lang="en-US" altLang="ja-JP" sz="1200" dirty="0" smtClean="0">
+                <a:latin typeface="メイリオ" pitchFamily="50" charset="-128"/>
+                <a:ea typeface="メイリオ" pitchFamily="50" charset="-128"/>
+                <a:cs typeface="メイリオ" pitchFamily="50" charset="-128"/>
+              </a:rPr>
+              <a:t>', path, type='string')</a:t>
+            </a:r>
+          </a:p>
+          <a:p>
+            <a:r>
+              <a:rPr lang="en-US" altLang="ja-JP" sz="1200" dirty="0" err="1" smtClean="0">
+                <a:latin typeface="メイリオ" pitchFamily="50" charset="-128"/>
+                <a:ea typeface="メイリオ" pitchFamily="50" charset="-128"/>
+                <a:cs typeface="メイリオ" pitchFamily="50" charset="-128"/>
+              </a:rPr>
+              <a:t>cmds.setAttr</a:t>
+            </a:r>
+            <a:r>
+              <a:rPr lang="en-US" altLang="ja-JP" sz="1200" dirty="0" smtClean="0">
+                <a:latin typeface="メイリオ" pitchFamily="50" charset="-128"/>
+                <a:ea typeface="メイリオ" pitchFamily="50" charset="-128"/>
+                <a:cs typeface="メイリオ" pitchFamily="50" charset="-128"/>
+              </a:rPr>
+              <a:t>('</a:t>
+            </a:r>
+            <a:r>
+              <a:rPr lang="en-US" altLang="ja-JP" sz="1200" dirty="0" err="1" smtClean="0">
+                <a:latin typeface="メイリオ" pitchFamily="50" charset="-128"/>
+                <a:ea typeface="メイリオ" pitchFamily="50" charset="-128"/>
+                <a:cs typeface="メイリオ" pitchFamily="50" charset="-128"/>
+              </a:rPr>
+              <a:t>defaultRenderGlobals.imageFilePrefix</a:t>
+            </a:r>
+            <a:r>
+              <a:rPr lang="en-US" altLang="ja-JP" sz="1200" dirty="0" smtClean="0">
+                <a:latin typeface="メイリオ" pitchFamily="50" charset="-128"/>
+                <a:ea typeface="メイリオ" pitchFamily="50" charset="-128"/>
+                <a:cs typeface="メイリオ" pitchFamily="50" charset="-128"/>
+              </a:rPr>
+              <a:t>', prefix, type='string')</a:t>
+            </a:r>
+            <a:endParaRPr kumimoji="1" lang="ja-JP" altLang="en-US" sz="1200" dirty="0">
+              <a:latin typeface="メイリオ" pitchFamily="50" charset="-128"/>
+              <a:ea typeface="メイリオ" pitchFamily="50" charset="-128"/>
+              <a:cs typeface="メイリオ" pitchFamily="50" charset="-128"/>
+            </a:endParaRPr>
+          </a:p>
+        </p:txBody>
+      </p:sp>
+    </p:spTree>
+    <p:extLst>
+      <p:ext uri="{BB962C8B-B14F-4D97-AF65-F5344CB8AC3E}">
+        <p14:creationId xmlns="" xmlns:p14="http://schemas.microsoft.com/office/powerpoint/2010/main" val="1890745276"/>
+      </p:ext>
+    </p:extLst>
+  </p:cSld>
+  <p:clrMapOvr>
+    <a:masterClrMapping/>
+  </p:clrMapOvr>
+</p:sld>
+</file>
+
+<file path=ppt/slides/slide7.xml><?xml version="1.0" encoding="utf-8"?>
+<p:sld xmlns:a="http://schemas.openxmlformats.org/drawingml/2006/main" xmlns:r="http://schemas.openxmlformats.org/officeDocument/2006/relationships" xmlns:p="http://schemas.openxmlformats.org/presentationml/2006/main">
+  <p:cSld>
+    <p:spTree>
+      <p:nvGrpSpPr>
+        <p:cNvPr id="1" name=""/>
+        <p:cNvGrpSpPr/>
+        <p:nvPr/>
+      </p:nvGrpSpPr>
+      <p:grpSpPr>
+        <a:xfrm>
+          <a:off x="0" y="0"/>
+          <a:ext cx="0" cy="0"/>
+          <a:chOff x="0" y="0"/>
+          <a:chExt cx="0" cy="0"/>
+        </a:xfrm>
+      </p:grpSpPr>
+      <p:sp>
+        <p:nvSpPr>
+          <p:cNvPr id="2" name="タイトル 1"/>
+          <p:cNvSpPr>
+            <a:spLocks noGrp="1"/>
+          </p:cNvSpPr>
+          <p:nvPr>
+            <p:ph type="title"/>
+          </p:nvPr>
+        </p:nvSpPr>
+        <p:spPr/>
+        <p:txBody>
+          <a:bodyPr/>
+          <a:lstStyle/>
+          <a:p>
+            <a:pPr algn="ctr"/>
+            <a:r>
+              <a:rPr kumimoji="1" lang="ja-JP" altLang="en-US" sz="4000" dirty="0" smtClean="0">
+                <a:solidFill>
+                  <a:schemeClr val="tx1"/>
+                </a:solidFill>
+                <a:latin typeface="メイリオ" pitchFamily="50" charset="-128"/>
+                <a:ea typeface="メイリオ" pitchFamily="50" charset="-128"/>
+                <a:cs typeface="メイリオ" pitchFamily="50" charset="-128"/>
+              </a:rPr>
+              <a:t>コードのカオス化</a:t>
+            </a:r>
+            <a:endParaRPr kumimoji="1" lang="ja-JP" altLang="en-US" sz="4000" dirty="0">
+              <a:solidFill>
+                <a:schemeClr val="tx1"/>
+              </a:solidFill>
+              <a:latin typeface="メイリオ" pitchFamily="50" charset="-128"/>
+              <a:ea typeface="メイリオ" pitchFamily="50" charset="-128"/>
+              <a:cs typeface="メイリオ" pitchFamily="50" charset="-128"/>
+            </a:endParaRPr>
+          </a:p>
+        </p:txBody>
+      </p:sp>
+      <p:sp>
+        <p:nvSpPr>
+          <p:cNvPr id="3" name="コンテンツ プレースホルダー 2"/>
+          <p:cNvSpPr>
+            <a:spLocks noGrp="1"/>
+          </p:cNvSpPr>
+          <p:nvPr>
+            <p:ph idx="1"/>
+          </p:nvPr>
+        </p:nvSpPr>
         <p:spPr>
           <a:xfrm>
             <a:off x="457200" y="3214692"/>
@@ -12913,7 +16600,7 @@
               <a:pPr>
                 <a:defRPr/>
               </a:pPr>
-              <a:t>2014/08/18</a:t>
+              <a:t>2014/08/29</a:t>
             </a:fld>
             <a:endParaRPr lang="ja-JP" altLang="en-US" dirty="0">
               <a:latin typeface="メイリオ" pitchFamily="50" charset="-128"/>
@@ -12950,7 +16637,7 @@
               <a:pPr>
                 <a:defRPr/>
               </a:pPr>
-              <a:t>5</a:t>
+              <a:t>7</a:t>
             </a:fld>
             <a:endParaRPr lang="ja-JP" altLang="en-US">
               <a:latin typeface="メイリオ" pitchFamily="50" charset="-128"/>
@@ -13249,8 +16936,8 @@
         </p:nvSpPr>
         <p:spPr>
           <a:xfrm>
-            <a:off x="2071670" y="1857370"/>
-            <a:ext cx="1357322" cy="571504"/>
+            <a:off x="2071670" y="1785932"/>
+            <a:ext cx="1357322" cy="642942"/>
           </a:xfrm>
           <a:prstGeom prst="cloudCallout">
             <a:avLst>
@@ -13547,516 +17234,7 @@
     </p:spTree>
     <p:extLst>
       <p:ext uri="{BB962C8B-B14F-4D97-AF65-F5344CB8AC3E}">
-        <p14:creationId xmlns:p14="http://schemas.microsoft.com/office/powerpoint/2010/main" xmlns="" val="1890745276"/>
-      </p:ext>
-    </p:extLst>
-  </p:cSld>
-  <p:clrMapOvr>
-    <a:masterClrMapping/>
-  </p:clrMapOvr>
-</p:sld>
-</file>
-
-<file path=ppt/slides/slide6.xml><?xml version="1.0" encoding="utf-8"?>
-<p:sld xmlns:a="http://schemas.openxmlformats.org/drawingml/2006/main" xmlns:r="http://schemas.openxmlformats.org/officeDocument/2006/relationships" xmlns:p="http://schemas.openxmlformats.org/presentationml/2006/main">
-  <p:cSld>
-    <p:spTree>
-      <p:nvGrpSpPr>
-        <p:cNvPr id="1" name=""/>
-        <p:cNvGrpSpPr/>
-        <p:nvPr/>
-      </p:nvGrpSpPr>
-      <p:grpSpPr>
-        <a:xfrm>
-          <a:off x="0" y="0"/>
-          <a:ext cx="0" cy="0"/>
-          <a:chOff x="0" y="0"/>
-          <a:chExt cx="0" cy="0"/>
-        </a:xfrm>
-      </p:grpSpPr>
-      <p:sp>
-        <p:nvSpPr>
-          <p:cNvPr id="2" name="タイトル 1"/>
-          <p:cNvSpPr>
-            <a:spLocks noGrp="1"/>
-          </p:cNvSpPr>
-          <p:nvPr>
-            <p:ph type="title"/>
-          </p:nvPr>
-        </p:nvSpPr>
-        <p:spPr/>
-        <p:txBody>
-          <a:bodyPr/>
-          <a:lstStyle/>
-          <a:p>
-            <a:pPr algn="ctr"/>
-            <a:r>
-              <a:rPr kumimoji="1" lang="ja-JP" altLang="en-US" sz="4000" dirty="0" smtClean="0">
-                <a:solidFill>
-                  <a:schemeClr val="tx1"/>
-                </a:solidFill>
-                <a:latin typeface="メイリオ" pitchFamily="50" charset="-128"/>
-                <a:ea typeface="メイリオ" pitchFamily="50" charset="-128"/>
-                <a:cs typeface="メイリオ" pitchFamily="50" charset="-128"/>
-              </a:rPr>
-              <a:t>どうやって対応する</a:t>
-            </a:r>
-            <a:r>
-              <a:rPr kumimoji="1" lang="en-US" altLang="ja-JP" sz="4000" dirty="0" smtClean="0">
-                <a:solidFill>
-                  <a:schemeClr val="tx1"/>
-                </a:solidFill>
-                <a:latin typeface="メイリオ" pitchFamily="50" charset="-128"/>
-                <a:ea typeface="メイリオ" pitchFamily="50" charset="-128"/>
-                <a:cs typeface="メイリオ" pitchFamily="50" charset="-128"/>
-              </a:rPr>
-              <a:t>?</a:t>
-            </a:r>
-            <a:endParaRPr kumimoji="1" lang="ja-JP" altLang="en-US" sz="4000" dirty="0">
-              <a:solidFill>
-                <a:schemeClr val="tx1"/>
-              </a:solidFill>
-              <a:latin typeface="メイリオ" pitchFamily="50" charset="-128"/>
-              <a:ea typeface="メイリオ" pitchFamily="50" charset="-128"/>
-              <a:cs typeface="メイリオ" pitchFamily="50" charset="-128"/>
-            </a:endParaRPr>
-          </a:p>
-        </p:txBody>
-      </p:sp>
-      <p:sp>
-        <p:nvSpPr>
-          <p:cNvPr id="3" name="コンテンツ プレースホルダー 2"/>
-          <p:cNvSpPr>
-            <a:spLocks noGrp="1"/>
-          </p:cNvSpPr>
-          <p:nvPr>
-            <p:ph idx="1"/>
-          </p:nvPr>
-        </p:nvSpPr>
-        <p:spPr/>
-        <p:txBody>
-          <a:bodyPr/>
-          <a:lstStyle/>
-          <a:p>
-            <a:r>
-              <a:rPr kumimoji="1" lang="ja-JP" altLang="en-US" dirty="0" smtClean="0">
-                <a:latin typeface="メイリオ" pitchFamily="50" charset="-128"/>
-                <a:ea typeface="メイリオ" pitchFamily="50" charset="-128"/>
-                <a:cs typeface="メイリオ" pitchFamily="50" charset="-128"/>
-              </a:rPr>
-              <a:t>問題を簡単で小さな単位におしこめる</a:t>
-            </a:r>
-            <a:endParaRPr kumimoji="1" lang="en-US" altLang="ja-JP" dirty="0" smtClean="0">
-              <a:latin typeface="メイリオ" pitchFamily="50" charset="-128"/>
-              <a:ea typeface="メイリオ" pitchFamily="50" charset="-128"/>
-              <a:cs typeface="メイリオ" pitchFamily="50" charset="-128"/>
-            </a:endParaRPr>
-          </a:p>
-          <a:p>
-            <a:r>
-              <a:rPr lang="ja-JP" altLang="en-US" dirty="0" smtClean="0">
-                <a:latin typeface="メイリオ" pitchFamily="50" charset="-128"/>
-                <a:ea typeface="メイリオ" pitchFamily="50" charset="-128"/>
-                <a:cs typeface="メイリオ" pitchFamily="50" charset="-128"/>
-              </a:rPr>
-              <a:t>コードの依存関係を極力排除する</a:t>
-            </a:r>
-            <a:endParaRPr kumimoji="1" lang="en-US" altLang="ja-JP" dirty="0" smtClean="0">
-              <a:latin typeface="メイリオ" pitchFamily="50" charset="-128"/>
-              <a:ea typeface="メイリオ" pitchFamily="50" charset="-128"/>
-              <a:cs typeface="メイリオ" pitchFamily="50" charset="-128"/>
-            </a:endParaRPr>
-          </a:p>
-          <a:p>
-            <a:r>
-              <a:rPr kumimoji="1" lang="ja-JP" altLang="en-US" dirty="0" smtClean="0">
-                <a:latin typeface="メイリオ" pitchFamily="50" charset="-128"/>
-                <a:ea typeface="メイリオ" pitchFamily="50" charset="-128"/>
-                <a:cs typeface="メイリオ" pitchFamily="50" charset="-128"/>
-              </a:rPr>
-              <a:t>通常処理と例外事項の切り分け</a:t>
-            </a:r>
-            <a:endParaRPr kumimoji="1" lang="en-US" altLang="ja-JP" dirty="0" smtClean="0">
-              <a:latin typeface="メイリオ" pitchFamily="50" charset="-128"/>
-              <a:ea typeface="メイリオ" pitchFamily="50" charset="-128"/>
-              <a:cs typeface="メイリオ" pitchFamily="50" charset="-128"/>
-            </a:endParaRPr>
-          </a:p>
-          <a:p>
-            <a:r>
-              <a:rPr kumimoji="1" lang="ja-JP" altLang="en-US" dirty="0" smtClean="0">
-                <a:latin typeface="メイリオ" pitchFamily="50" charset="-128"/>
-                <a:ea typeface="メイリオ" pitchFamily="50" charset="-128"/>
-                <a:cs typeface="メイリオ" pitchFamily="50" charset="-128"/>
-              </a:rPr>
-              <a:t>複雑さが一定水準に保たれるようにする</a:t>
-            </a:r>
-            <a:endParaRPr kumimoji="1" lang="en-US" altLang="ja-JP" dirty="0" smtClean="0">
-              <a:latin typeface="メイリオ" pitchFamily="50" charset="-128"/>
-              <a:ea typeface="メイリオ" pitchFamily="50" charset="-128"/>
-              <a:cs typeface="メイリオ" pitchFamily="50" charset="-128"/>
-            </a:endParaRPr>
-          </a:p>
-        </p:txBody>
-      </p:sp>
-      <p:sp>
-        <p:nvSpPr>
-          <p:cNvPr id="4" name="日付プレースホルダー 3"/>
-          <p:cNvSpPr>
-            <a:spLocks noGrp="1"/>
-          </p:cNvSpPr>
-          <p:nvPr>
-            <p:ph type="dt" sz="half" idx="10"/>
-          </p:nvPr>
-        </p:nvSpPr>
-        <p:spPr/>
-        <p:txBody>
-          <a:bodyPr/>
-          <a:lstStyle/>
-          <a:p>
-            <a:pPr>
-              <a:defRPr/>
-            </a:pPr>
-            <a:fld id="{A9259AFE-7AC7-4F49-85B9-5B069C761CE3}" type="datetime5">
-              <a:rPr lang="ja-JP" altLang="en-US" smtClean="0">
-                <a:latin typeface="メイリオ" pitchFamily="50" charset="-128"/>
-                <a:ea typeface="メイリオ" pitchFamily="50" charset="-128"/>
-                <a:cs typeface="メイリオ" pitchFamily="50" charset="-128"/>
-              </a:rPr>
-              <a:pPr>
-                <a:defRPr/>
-              </a:pPr>
-              <a:t>2014/08/17</a:t>
-            </a:fld>
-            <a:endParaRPr lang="ja-JP" altLang="en-US" dirty="0">
-              <a:latin typeface="メイリオ" pitchFamily="50" charset="-128"/>
-              <a:ea typeface="メイリオ" pitchFamily="50" charset="-128"/>
-              <a:cs typeface="メイリオ" pitchFamily="50" charset="-128"/>
-            </a:endParaRPr>
-          </a:p>
-        </p:txBody>
-      </p:sp>
-      <p:sp>
-        <p:nvSpPr>
-          <p:cNvPr id="6" name="スライド番号プレースホルダー 5"/>
-          <p:cNvSpPr>
-            <a:spLocks noGrp="1"/>
-          </p:cNvSpPr>
-          <p:nvPr>
-            <p:ph type="sldNum" sz="quarter" idx="12"/>
-          </p:nvPr>
-        </p:nvSpPr>
-        <p:spPr/>
-        <p:txBody>
-          <a:bodyPr/>
-          <a:lstStyle/>
-          <a:p>
-            <a:pPr>
-              <a:defRPr/>
-            </a:pPr>
-            <a:fld id="{29799127-F303-4AE7-A969-D0F8A278DEB3}" type="slidenum">
-              <a:rPr lang="ja-JP" altLang="en-US" smtClean="0">
-                <a:latin typeface="メイリオ" pitchFamily="50" charset="-128"/>
-                <a:ea typeface="メイリオ" pitchFamily="50" charset="-128"/>
-                <a:cs typeface="メイリオ" pitchFamily="50" charset="-128"/>
-              </a:rPr>
-              <a:pPr>
-                <a:defRPr/>
-              </a:pPr>
-              <a:t>6</a:t>
-            </a:fld>
-            <a:endParaRPr lang="ja-JP" altLang="en-US">
-              <a:latin typeface="メイリオ" pitchFamily="50" charset="-128"/>
-              <a:ea typeface="メイリオ" pitchFamily="50" charset="-128"/>
-              <a:cs typeface="メイリオ" pitchFamily="50" charset="-128"/>
-            </a:endParaRPr>
-          </a:p>
-        </p:txBody>
-      </p:sp>
-    </p:spTree>
-    <p:extLst>
-      <p:ext uri="{BB962C8B-B14F-4D97-AF65-F5344CB8AC3E}">
-        <p14:creationId xmlns:p14="http://schemas.microsoft.com/office/powerpoint/2010/main" xmlns="" val="1890745276"/>
-      </p:ext>
-    </p:extLst>
-  </p:cSld>
-  <p:clrMapOvr>
-    <a:masterClrMapping/>
-  </p:clrMapOvr>
-</p:sld>
-</file>
-
-<file path=ppt/slides/slide7.xml><?xml version="1.0" encoding="utf-8"?>
-<p:sld xmlns:a="http://schemas.openxmlformats.org/drawingml/2006/main" xmlns:r="http://schemas.openxmlformats.org/officeDocument/2006/relationships" xmlns:p="http://schemas.openxmlformats.org/presentationml/2006/main">
-  <p:cSld>
-    <p:spTree>
-      <p:nvGrpSpPr>
-        <p:cNvPr id="1" name=""/>
-        <p:cNvGrpSpPr/>
-        <p:nvPr/>
-      </p:nvGrpSpPr>
-      <p:grpSpPr>
-        <a:xfrm>
-          <a:off x="0" y="0"/>
-          <a:ext cx="0" cy="0"/>
-          <a:chOff x="0" y="0"/>
-          <a:chExt cx="0" cy="0"/>
-        </a:xfrm>
-      </p:grpSpPr>
-      <p:sp>
-        <p:nvSpPr>
-          <p:cNvPr id="2" name="タイトル 1"/>
-          <p:cNvSpPr>
-            <a:spLocks noGrp="1"/>
-          </p:cNvSpPr>
-          <p:nvPr>
-            <p:ph type="title"/>
-          </p:nvPr>
-        </p:nvSpPr>
-        <p:spPr/>
-        <p:txBody>
-          <a:bodyPr/>
-          <a:lstStyle/>
-          <a:p>
-            <a:pPr algn="ctr"/>
-            <a:r>
-              <a:rPr kumimoji="1" lang="ja-JP" altLang="en-US" sz="4000" dirty="0" smtClean="0">
-                <a:solidFill>
-                  <a:schemeClr val="tx1"/>
-                </a:solidFill>
-                <a:latin typeface="メイリオ" pitchFamily="50" charset="-128"/>
-                <a:ea typeface="メイリオ" pitchFamily="50" charset="-128"/>
-                <a:cs typeface="メイリオ" pitchFamily="50" charset="-128"/>
-              </a:rPr>
-              <a:t>そんなことを言っても</a:t>
-            </a:r>
-            <a:r>
-              <a:rPr kumimoji="1" lang="ja-JP" altLang="en-US" sz="4000" dirty="0" err="1" smtClean="0">
-                <a:solidFill>
-                  <a:schemeClr val="tx1"/>
-                </a:solidFill>
-                <a:latin typeface="メイリオ" pitchFamily="50" charset="-128"/>
-                <a:ea typeface="メイリオ" pitchFamily="50" charset="-128"/>
-                <a:cs typeface="メイリオ" pitchFamily="50" charset="-128"/>
-              </a:rPr>
-              <a:t>。。。</a:t>
-            </a:r>
-            <a:endParaRPr kumimoji="1" lang="ja-JP" altLang="en-US" sz="4000" dirty="0">
-              <a:solidFill>
-                <a:schemeClr val="tx1"/>
-              </a:solidFill>
-              <a:latin typeface="メイリオ" pitchFamily="50" charset="-128"/>
-              <a:ea typeface="メイリオ" pitchFamily="50" charset="-128"/>
-              <a:cs typeface="メイリオ" pitchFamily="50" charset="-128"/>
-            </a:endParaRPr>
-          </a:p>
-        </p:txBody>
-      </p:sp>
-      <p:sp>
-        <p:nvSpPr>
-          <p:cNvPr id="3" name="コンテンツ プレースホルダー 2"/>
-          <p:cNvSpPr>
-            <a:spLocks noGrp="1"/>
-          </p:cNvSpPr>
-          <p:nvPr>
-            <p:ph idx="1"/>
-          </p:nvPr>
-        </p:nvSpPr>
-        <p:spPr/>
-        <p:txBody>
-          <a:bodyPr/>
-          <a:lstStyle/>
-          <a:p>
-            <a:r>
-              <a:rPr kumimoji="1" lang="ja-JP" altLang="en-US" dirty="0" smtClean="0">
-                <a:latin typeface="メイリオ" pitchFamily="50" charset="-128"/>
-                <a:ea typeface="メイリオ" pitchFamily="50" charset="-128"/>
-                <a:cs typeface="メイリオ" pitchFamily="50" charset="-128"/>
-              </a:rPr>
-              <a:t>全部微妙に違うし</a:t>
-            </a:r>
-            <a:r>
-              <a:rPr kumimoji="1" lang="ja-JP" altLang="en-US" dirty="0" err="1" smtClean="0">
-                <a:latin typeface="メイリオ" pitchFamily="50" charset="-128"/>
-                <a:ea typeface="メイリオ" pitchFamily="50" charset="-128"/>
-                <a:cs typeface="メイリオ" pitchFamily="50" charset="-128"/>
-              </a:rPr>
-              <a:t>。。。</a:t>
-            </a:r>
-            <a:endParaRPr kumimoji="1" lang="en-US" altLang="ja-JP" dirty="0" smtClean="0">
-              <a:latin typeface="メイリオ" pitchFamily="50" charset="-128"/>
-              <a:ea typeface="メイリオ" pitchFamily="50" charset="-128"/>
-              <a:cs typeface="メイリオ" pitchFamily="50" charset="-128"/>
-            </a:endParaRPr>
-          </a:p>
-          <a:p>
-            <a:r>
-              <a:rPr lang="ja-JP" altLang="en-US" dirty="0" smtClean="0">
-                <a:latin typeface="メイリオ" pitchFamily="50" charset="-128"/>
-                <a:ea typeface="メイリオ" pitchFamily="50" charset="-128"/>
-                <a:cs typeface="メイリオ" pitchFamily="50" charset="-128"/>
-              </a:rPr>
-              <a:t>対応</a:t>
-            </a:r>
-            <a:r>
-              <a:rPr lang="ja-JP" altLang="en-US" dirty="0" smtClean="0">
-                <a:latin typeface="メイリオ" pitchFamily="50" charset="-128"/>
-                <a:ea typeface="メイリオ" pitchFamily="50" charset="-128"/>
-                <a:cs typeface="メイリオ" pitchFamily="50" charset="-128"/>
-              </a:rPr>
-              <a:t>しない</a:t>
-            </a:r>
-            <a:r>
-              <a:rPr lang="ja-JP" altLang="en-US" dirty="0" smtClean="0">
-                <a:latin typeface="メイリオ" pitchFamily="50" charset="-128"/>
-                <a:ea typeface="メイリオ" pitchFamily="50" charset="-128"/>
-                <a:cs typeface="メイリオ" pitchFamily="50" charset="-128"/>
-              </a:rPr>
-              <a:t>といけない</a:t>
-            </a:r>
-            <a:r>
-              <a:rPr lang="ja-JP" altLang="en-US" dirty="0" smtClean="0">
-                <a:latin typeface="メイリオ" pitchFamily="50" charset="-128"/>
-                <a:ea typeface="メイリオ" pitchFamily="50" charset="-128"/>
-                <a:cs typeface="メイリオ" pitchFamily="50" charset="-128"/>
-              </a:rPr>
-              <a:t>もの</a:t>
-            </a:r>
-            <a:r>
-              <a:rPr lang="ja-JP" altLang="en-US" dirty="0" smtClean="0">
-                <a:latin typeface="メイリオ" pitchFamily="50" charset="-128"/>
-                <a:ea typeface="メイリオ" pitchFamily="50" charset="-128"/>
-                <a:cs typeface="メイリオ" pitchFamily="50" charset="-128"/>
-              </a:rPr>
-              <a:t>は山盛り</a:t>
-            </a:r>
-            <a:endParaRPr kumimoji="1" lang="en-US" altLang="ja-JP" dirty="0" smtClean="0">
-              <a:latin typeface="メイリオ" pitchFamily="50" charset="-128"/>
-              <a:ea typeface="メイリオ" pitchFamily="50" charset="-128"/>
-              <a:cs typeface="メイリオ" pitchFamily="50" charset="-128"/>
-            </a:endParaRPr>
-          </a:p>
-          <a:p>
-            <a:r>
-              <a:rPr lang="ja-JP" altLang="en-US" dirty="0" smtClean="0">
-                <a:latin typeface="メイリオ" pitchFamily="50" charset="-128"/>
-                <a:ea typeface="メイリオ" pitchFamily="50" charset="-128"/>
-                <a:cs typeface="メイリオ" pitchFamily="50" charset="-128"/>
-              </a:rPr>
-              <a:t>新しいプラグインが出たらどうするの</a:t>
-            </a:r>
-            <a:r>
-              <a:rPr lang="en-US" altLang="ja-JP" dirty="0" smtClean="0">
-                <a:latin typeface="メイリオ" pitchFamily="50" charset="-128"/>
-                <a:ea typeface="メイリオ" pitchFamily="50" charset="-128"/>
-                <a:cs typeface="メイリオ" pitchFamily="50" charset="-128"/>
-              </a:rPr>
-              <a:t>?</a:t>
-            </a:r>
-          </a:p>
-          <a:p>
-            <a:r>
-              <a:rPr lang="ja-JP" altLang="en-US" dirty="0" smtClean="0">
-                <a:latin typeface="メイリオ" pitchFamily="50" charset="-128"/>
-                <a:ea typeface="メイリオ" pitchFamily="50" charset="-128"/>
-                <a:cs typeface="メイリオ" pitchFamily="50" charset="-128"/>
-              </a:rPr>
-              <a:t>バグ</a:t>
-            </a:r>
-            <a:r>
-              <a:rPr lang="ja-JP" altLang="en-US" dirty="0" smtClean="0">
-                <a:latin typeface="メイリオ" pitchFamily="50" charset="-128"/>
-                <a:ea typeface="メイリオ" pitchFamily="50" charset="-128"/>
-                <a:cs typeface="メイリオ" pitchFamily="50" charset="-128"/>
-              </a:rPr>
-              <a:t>を踏んだら例外処理しないと</a:t>
-            </a:r>
-            <a:endParaRPr lang="en-US" altLang="ja-JP" dirty="0" smtClean="0">
-              <a:latin typeface="メイリオ" pitchFamily="50" charset="-128"/>
-              <a:ea typeface="メイリオ" pitchFamily="50" charset="-128"/>
-              <a:cs typeface="メイリオ" pitchFamily="50" charset="-128"/>
-            </a:endParaRPr>
-          </a:p>
-        </p:txBody>
-      </p:sp>
-      <p:sp>
-        <p:nvSpPr>
-          <p:cNvPr id="4" name="日付プレースホルダー 3"/>
-          <p:cNvSpPr>
-            <a:spLocks noGrp="1"/>
-          </p:cNvSpPr>
-          <p:nvPr>
-            <p:ph type="dt" sz="half" idx="10"/>
-          </p:nvPr>
-        </p:nvSpPr>
-        <p:spPr/>
-        <p:txBody>
-          <a:bodyPr/>
-          <a:lstStyle/>
-          <a:p>
-            <a:pPr>
-              <a:defRPr/>
-            </a:pPr>
-            <a:fld id="{A9259AFE-7AC7-4F49-85B9-5B069C761CE3}" type="datetime5">
-              <a:rPr lang="ja-JP" altLang="en-US" smtClean="0">
-                <a:latin typeface="メイリオ" pitchFamily="50" charset="-128"/>
-                <a:ea typeface="メイリオ" pitchFamily="50" charset="-128"/>
-                <a:cs typeface="メイリオ" pitchFamily="50" charset="-128"/>
-              </a:rPr>
-              <a:pPr>
-                <a:defRPr/>
-              </a:pPr>
-              <a:t>2014/08/17</a:t>
-            </a:fld>
-            <a:endParaRPr lang="ja-JP" altLang="en-US" dirty="0">
-              <a:latin typeface="メイリオ" pitchFamily="50" charset="-128"/>
-              <a:ea typeface="メイリオ" pitchFamily="50" charset="-128"/>
-              <a:cs typeface="メイリオ" pitchFamily="50" charset="-128"/>
-            </a:endParaRPr>
-          </a:p>
-        </p:txBody>
-      </p:sp>
-      <p:sp>
-        <p:nvSpPr>
-          <p:cNvPr id="6" name="スライド番号プレースホルダー 5"/>
-          <p:cNvSpPr>
-            <a:spLocks noGrp="1"/>
-          </p:cNvSpPr>
-          <p:nvPr>
-            <p:ph type="sldNum" sz="quarter" idx="12"/>
-          </p:nvPr>
-        </p:nvSpPr>
-        <p:spPr/>
-        <p:txBody>
-          <a:bodyPr/>
-          <a:lstStyle/>
-          <a:p>
-            <a:pPr>
-              <a:defRPr/>
-            </a:pPr>
-            <a:fld id="{29799127-F303-4AE7-A969-D0F8A278DEB3}" type="slidenum">
-              <a:rPr lang="ja-JP" altLang="en-US" smtClean="0">
-                <a:latin typeface="メイリオ" pitchFamily="50" charset="-128"/>
-                <a:ea typeface="メイリオ" pitchFamily="50" charset="-128"/>
-                <a:cs typeface="メイリオ" pitchFamily="50" charset="-128"/>
-              </a:rPr>
-              <a:pPr>
-                <a:defRPr/>
-              </a:pPr>
-              <a:t>7</a:t>
-            </a:fld>
-            <a:endParaRPr lang="ja-JP" altLang="en-US">
-              <a:latin typeface="メイリオ" pitchFamily="50" charset="-128"/>
-              <a:ea typeface="メイリオ" pitchFamily="50" charset="-128"/>
-              <a:cs typeface="メイリオ" pitchFamily="50" charset="-128"/>
-            </a:endParaRPr>
-          </a:p>
-        </p:txBody>
-      </p:sp>
-    </p:spTree>
-    <p:extLst>
-      <p:ext uri="{BB962C8B-B14F-4D97-AF65-F5344CB8AC3E}">
-        <p14:creationId xmlns:p14="http://schemas.microsoft.com/office/powerpoint/2010/main" xmlns="" val="1890745276"/>
+        <p14:creationId xmlns="" xmlns:p14="http://schemas.microsoft.com/office/powerpoint/2010/main" val="1890745276"/>
       </p:ext>
     </p:extLst>
   </p:cSld>
@@ -14108,7 +17286,18 @@
                 <a:ea typeface="メイリオ" pitchFamily="50" charset="-128"/>
                 <a:cs typeface="メイリオ" pitchFamily="50" charset="-128"/>
               </a:rPr>
-              <a:t>共通のインターフェースを定義</a:t>
+              <a:t>どうやって対応する</a:t>
+            </a:r>
+            <a:r>
+              <a:rPr kumimoji="1" lang="en-US" altLang="ja-JP" sz="4000" dirty="0" smtClean="0">
+                <a:solidFill>
+                  <a:schemeClr val="tx1"/>
+                </a:solidFill>
+                <a:latin typeface="メイリオ" pitchFamily="50" charset="-128"/>
+                <a:ea typeface="メイリオ" pitchFamily="50" charset="-128"/>
+                <a:cs typeface="メイリオ" pitchFamily="50" charset="-128"/>
+              </a:rPr>
+              <a:t>?</a:t>
             </a:r>
             <a:endParaRPr kumimoji="1" lang="ja-JP" altLang="en-US" sz="4000" dirty="0">
               <a:solidFill>
@@ -14142,7 +17331,7 @@
                 <a:ea typeface="メイリオ" pitchFamily="50" charset="-128"/>
                 <a:cs typeface="メイリオ" pitchFamily="50" charset="-128"/>
               </a:rPr>
-              <a:t>対象毎にクラス化</a:t>
+              <a:t>問題を簡単で小さな単位におしこめる</a:t>
             </a:r>
             <a:endParaRPr kumimoji="1" lang="en-US" altLang="ja-JP" dirty="0" smtClean="0">
               <a:latin typeface="メイリオ" pitchFamily="50" charset="-128"/>
@@ -14152,12 +17341,12 @@
           </a:p>
           <a:p>
             <a:r>
-              <a:rPr kumimoji="1" lang="ja-JP" altLang="en-US" dirty="0" smtClean="0">
-                <a:latin typeface="メイリオ" pitchFamily="50" charset="-128"/>
-                <a:ea typeface="メイリオ" pitchFamily="50" charset="-128"/>
-                <a:cs typeface="メイリオ" pitchFamily="50" charset="-128"/>
-              </a:rPr>
-              <a:t>外のプログラムからは共通のインターフェース</a:t>
+              <a:rPr lang="ja-JP" altLang="en-US" dirty="0" smtClean="0">
+                <a:latin typeface="メイリオ" pitchFamily="50" charset="-128"/>
+                <a:ea typeface="メイリオ" pitchFamily="50" charset="-128"/>
+                <a:cs typeface="メイリオ" pitchFamily="50" charset="-128"/>
+              </a:rPr>
+              <a:t>コードの依存関係を極力排除する</a:t>
             </a:r>
             <a:endParaRPr kumimoji="1" lang="en-US" altLang="ja-JP" dirty="0" smtClean="0">
               <a:latin typeface="メイリオ" pitchFamily="50" charset="-128"/>
@@ -14167,22 +17356,14 @@
           </a:p>
           <a:p>
             <a:r>
-              <a:rPr lang="ja-JP" altLang="en-US" dirty="0" smtClean="0">
-                <a:latin typeface="メイリオ" pitchFamily="50" charset="-128"/>
-                <a:ea typeface="メイリオ" pitchFamily="50" charset="-128"/>
-                <a:cs typeface="メイリオ" pitchFamily="50" charset="-128"/>
-              </a:rPr>
-              <a:t>内部</a:t>
-            </a:r>
-            <a:r>
-              <a:rPr lang="ja-JP" altLang="en-US" dirty="0" smtClean="0">
-                <a:latin typeface="メイリオ" pitchFamily="50" charset="-128"/>
-                <a:ea typeface="メイリオ" pitchFamily="50" charset="-128"/>
-                <a:cs typeface="メイリオ" pitchFamily="50" charset="-128"/>
-              </a:rPr>
-              <a:t>の処理を対象毎に実装する</a:t>
-            </a:r>
-            <a:endParaRPr lang="en-US" altLang="ja-JP" dirty="0" smtClean="0">
+              <a:rPr kumimoji="1" lang="ja-JP" altLang="en-US" dirty="0" smtClean="0">
+                <a:latin typeface="メイリオ" pitchFamily="50" charset="-128"/>
+                <a:ea typeface="メイリオ" pitchFamily="50" charset="-128"/>
+                <a:cs typeface="メイリオ" pitchFamily="50" charset="-128"/>
+              </a:rPr>
+              <a:t>通常処理と例外事項の切り分け</a:t>
+            </a:r>
+            <a:endParaRPr kumimoji="1" lang="en-US" altLang="ja-JP" dirty="0" smtClean="0">
               <a:latin typeface="メイリオ" pitchFamily="50" charset="-128"/>
               <a:ea typeface="メイリオ" pitchFamily="50" charset="-128"/>
               <a:cs typeface="メイリオ" pitchFamily="50" charset="-128"/>
@@ -14195,17 +17376,9 @@
                 <a:ea typeface="メイリオ" pitchFamily="50" charset="-128"/>
                 <a:cs typeface="メイリオ" pitchFamily="50" charset="-128"/>
               </a:rPr>
-              <a:t>対象</a:t>
-            </a:r>
-            <a:r>
-              <a:rPr kumimoji="1" lang="ja-JP" altLang="en-US" dirty="0" smtClean="0">
-                <a:latin typeface="メイリオ" pitchFamily="50" charset="-128"/>
-                <a:ea typeface="メイリオ" pitchFamily="50" charset="-128"/>
-                <a:cs typeface="メイリオ" pitchFamily="50" charset="-128"/>
-              </a:rPr>
-              <a:t>が増えたらクラスを増やすだけ</a:t>
-            </a:r>
-            <a:endParaRPr kumimoji="1" lang="ja-JP" altLang="en-US" dirty="0">
+              <a:t>複雑さが一定水準に保たれるようにする</a:t>
+            </a:r>
+            <a:endParaRPr kumimoji="1" lang="en-US" altLang="ja-JP" dirty="0" smtClean="0">
               <a:latin typeface="メイリオ" pitchFamily="50" charset="-128"/>
               <a:ea typeface="メイリオ" pitchFamily="50" charset="-128"/>
               <a:cs typeface="メイリオ" pitchFamily="50" charset="-128"/>
@@ -14240,7 +17413,7 @@
               <a:pPr>
                 <a:defRPr/>
               </a:pPr>
-              <a:t>2014/08/17</a:t>
+              <a:t>2014/08/29</a:t>
             </a:fld>
             <a:endParaRPr lang="ja-JP" altLang="en-US" dirty="0">
               <a:latin typeface="メイリオ" pitchFamily="50" charset="-128"/>
@@ -14290,7 +17463,7 @@
     </p:spTree>
     <p:extLst>
       <p:ext uri="{BB962C8B-B14F-4D97-AF65-F5344CB8AC3E}">
-        <p14:creationId xmlns:p14="http://schemas.microsoft.com/office/powerpoint/2010/main" xmlns="" val="1890745276"/>
+        <p14:creationId xmlns="" xmlns:p14="http://schemas.microsoft.com/office/powerpoint/2010/main" val="1890745276"/>
       </p:ext>
     </p:extLst>
   </p:cSld>
@@ -14319,31 +17492,46 @@
       </p:grpSpPr>
       <p:sp>
         <p:nvSpPr>
-          <p:cNvPr id="3" name="コンテンツ プレースホルダー 2"/>
-          <p:cNvSpPr>
-            <a:spLocks noGrp="1"/>
-          </p:cNvSpPr>
-          <p:nvPr>
-            <p:ph idx="1"/>
+          <p:cNvPr id="2" name="タイトル 1"/>
+          <p:cNvSpPr>
+            <a:spLocks noGrp="1"/>
+          </p:cNvSpPr>
+          <p:nvPr>
+            <p:ph type="title"/>
           </p:nvPr>
         </p:nvSpPr>
         <p:spPr/>
         <p:txBody>
-          <a:bodyPr anchor="ctr"/>
+          <a:bodyPr/>
           <a:lstStyle/>
           <a:p>
-            <a:pPr algn="ctr">
-              <a:buNone/>
-            </a:pPr>
-            <a:r>
-              <a:rPr kumimoji="1" lang="ja-JP" altLang="en-US" sz="4800" dirty="0" smtClean="0">
-                <a:latin typeface="メイリオ" pitchFamily="50" charset="-128"/>
-                <a:ea typeface="メイリオ" pitchFamily="50" charset="-128"/>
-                <a:cs typeface="メイリオ" pitchFamily="50" charset="-128"/>
-              </a:rPr>
-              <a:t>処理の最適化</a:t>
-            </a:r>
-            <a:endParaRPr kumimoji="1" lang="ja-JP" altLang="en-US" sz="4800" dirty="0">
+            <a:pPr algn="ctr"/>
+            <a:r>
+              <a:rPr kumimoji="1" lang="ja-JP" altLang="en-US" sz="4000" dirty="0" smtClean="0">
+                <a:solidFill>
+                  <a:schemeClr val="tx1"/>
+                </a:solidFill>
+                <a:latin typeface="メイリオ" pitchFamily="50" charset="-128"/>
+                <a:ea typeface="メイリオ" pitchFamily="50" charset="-128"/>
+                <a:cs typeface="メイリオ" pitchFamily="50" charset="-128"/>
+              </a:rPr>
+              <a:t>そんなことを言っても</a:t>
+            </a:r>
+            <a:r>
+              <a:rPr kumimoji="1" lang="ja-JP" altLang="en-US" sz="4000" dirty="0" err="1" smtClean="0">
+                <a:solidFill>
+                  <a:schemeClr val="tx1"/>
+                </a:solidFill>
+                <a:latin typeface="メイリオ" pitchFamily="50" charset="-128"/>
+                <a:ea typeface="メイリオ" pitchFamily="50" charset="-128"/>
+                <a:cs typeface="メイリオ" pitchFamily="50" charset="-128"/>
+              </a:rPr>
+              <a:t>。。。</a:t>
+            </a:r>
+            <a:endParaRPr kumimoji="1" lang="ja-JP" altLang="en-US" sz="4000" dirty="0">
+              <a:solidFill>
+                <a:schemeClr val="tx1"/>
+              </a:solidFill>
               <a:latin typeface="メイリオ" pitchFamily="50" charset="-128"/>
               <a:ea typeface="メイリオ" pitchFamily="50" charset="-128"/>
               <a:cs typeface="メイリオ" pitchFamily="50" charset="-128"/>
@@ -14353,6 +17541,93 @@
       </p:sp>
       <p:sp>
         <p:nvSpPr>
+          <p:cNvPr id="3" name="コンテンツ プレースホルダー 2"/>
+          <p:cNvSpPr>
+            <a:spLocks noGrp="1"/>
+          </p:cNvSpPr>
+          <p:nvPr>
+            <p:ph idx="1"/>
+          </p:nvPr>
+        </p:nvSpPr>
+        <p:spPr/>
+        <p:txBody>
+          <a:bodyPr/>
+          <a:lstStyle/>
+          <a:p>
+            <a:r>
+              <a:rPr kumimoji="1" lang="ja-JP" altLang="en-US" dirty="0" smtClean="0">
+                <a:latin typeface="メイリオ" pitchFamily="50" charset="-128"/>
+                <a:ea typeface="メイリオ" pitchFamily="50" charset="-128"/>
+                <a:cs typeface="メイリオ" pitchFamily="50" charset="-128"/>
+              </a:rPr>
+              <a:t>全部微妙に違うし</a:t>
+            </a:r>
+            <a:r>
+              <a:rPr kumimoji="1" lang="ja-JP" altLang="en-US" dirty="0" err="1" smtClean="0">
+                <a:latin typeface="メイリオ" pitchFamily="50" charset="-128"/>
+                <a:ea typeface="メイリオ" pitchFamily="50" charset="-128"/>
+                <a:cs typeface="メイリオ" pitchFamily="50" charset="-128"/>
+              </a:rPr>
+              <a:t>。。。</a:t>
+            </a:r>
+            <a:endParaRPr kumimoji="1" lang="en-US" altLang="ja-JP" dirty="0" smtClean="0">
+              <a:latin typeface="メイリオ" pitchFamily="50" charset="-128"/>
+              <a:ea typeface="メイリオ" pitchFamily="50" charset="-128"/>
+              <a:cs typeface="メイリオ" pitchFamily="50" charset="-128"/>
+            </a:endParaRPr>
+          </a:p>
+          <a:p>
+            <a:r>
+              <a:rPr lang="ja-JP" altLang="en-US" dirty="0" smtClean="0">
+                <a:latin typeface="メイリオ" pitchFamily="50" charset="-128"/>
+                <a:ea typeface="メイリオ" pitchFamily="50" charset="-128"/>
+                <a:cs typeface="メイリオ" pitchFamily="50" charset="-128"/>
+              </a:rPr>
+              <a:t>対応しないといけないものは山盛り</a:t>
+            </a:r>
+            <a:endParaRPr kumimoji="1" lang="en-US" altLang="ja-JP" dirty="0" smtClean="0">
+              <a:latin typeface="メイリオ" pitchFamily="50" charset="-128"/>
+              <a:ea typeface="メイリオ" pitchFamily="50" charset="-128"/>
+              <a:cs typeface="メイリオ" pitchFamily="50" charset="-128"/>
+            </a:endParaRPr>
+          </a:p>
+          <a:p>
+            <a:r>
+              <a:rPr lang="ja-JP" altLang="en-US" dirty="0" smtClean="0">
+                <a:latin typeface="メイリオ" pitchFamily="50" charset="-128"/>
+                <a:ea typeface="メイリオ" pitchFamily="50" charset="-128"/>
+                <a:cs typeface="メイリオ" pitchFamily="50" charset="-128"/>
+              </a:rPr>
+              <a:t>新しいプラグインが出たらどうするの</a:t>
+            </a:r>
+            <a:r>
+              <a:rPr lang="en-US" altLang="ja-JP" dirty="0" smtClean="0">
+                <a:latin typeface="メイリオ" pitchFamily="50" charset="-128"/>
+                <a:ea typeface="メイリオ" pitchFamily="50" charset="-128"/>
+                <a:cs typeface="メイリオ" pitchFamily="50" charset="-128"/>
+              </a:rPr>
+              <a:t>?</a:t>
+            </a:r>
+          </a:p>
+          <a:p>
+            <a:r>
+              <a:rPr lang="ja-JP" altLang="en-US" dirty="0" smtClean="0">
+                <a:latin typeface="メイリオ" pitchFamily="50" charset="-128"/>
+                <a:ea typeface="メイリオ" pitchFamily="50" charset="-128"/>
+                <a:cs typeface="メイリオ" pitchFamily="50" charset="-128"/>
+              </a:rPr>
+              <a:t>バグを踏んだら例外処理しないと</a:t>
+            </a:r>
+            <a:endParaRPr lang="en-US" altLang="ja-JP" dirty="0" smtClean="0">
+              <a:latin typeface="メイリオ" pitchFamily="50" charset="-128"/>
+              <a:ea typeface="メイリオ" pitchFamily="50" charset="-128"/>
+              <a:cs typeface="メイリオ" pitchFamily="50" charset="-128"/>
+            </a:endParaRPr>
+          </a:p>
+        </p:txBody>
+      </p:sp>
+      <p:sp>
+        <p:nvSpPr>
           <p:cNvPr id="4" name="日付プレースホルダー 3"/>
           <p:cNvSpPr>
             <a:spLocks noGrp="1"/>
@@ -14378,7 +17653,7 @@
               <a:pPr>
                 <a:defRPr/>
               </a:pPr>
-              <a:t>2014/08/16</a:t>
+              <a:t>2014/08/29</a:t>
             </a:fld>
             <a:endParaRPr lang="ja-JP" altLang="en-US" dirty="0">
               <a:latin typeface="メイリオ" pitchFamily="50" charset="-128"/>
@@ -14428,7 +17703,7 @@
     </p:spTree>
     <p:extLst>
       <p:ext uri="{BB962C8B-B14F-4D97-AF65-F5344CB8AC3E}">
-        <p14:creationId xmlns:p14="http://schemas.microsoft.com/office/powerpoint/2010/main" xmlns="" val="1890745276"/>
+        <p14:creationId xmlns="" xmlns:p14="http://schemas.microsoft.com/office/powerpoint/2010/main" val="1890745276"/>
       </p:ext>
     </p:extLst>
   </p:cSld>

--- a/chiyama/2014cedec_chiyama.pptx
+++ b/chiyama/2014cedec_chiyama.pptx
@@ -6,10 +6,10 @@
     <p:sldMasterId id="2147483882" r:id="rId2"/>
   </p:sldMasterIdLst>
   <p:notesMasterIdLst>
-    <p:notesMasterId r:id="rId34"/>
+    <p:notesMasterId r:id="rId35"/>
   </p:notesMasterIdLst>
   <p:handoutMasterIdLst>
-    <p:handoutMasterId r:id="rId35"/>
+    <p:handoutMasterId r:id="rId36"/>
   </p:handoutMasterIdLst>
   <p:sldIdLst>
     <p:sldId id="256" r:id="rId3"/>
@@ -22,27 +22,28 @@
     <p:sldId id="271" r:id="rId10"/>
     <p:sldId id="275" r:id="rId11"/>
     <p:sldId id="274" r:id="rId12"/>
-    <p:sldId id="292" r:id="rId13"/>
-    <p:sldId id="288" r:id="rId14"/>
-    <p:sldId id="259" r:id="rId15"/>
-    <p:sldId id="279" r:id="rId16"/>
-    <p:sldId id="280" r:id="rId17"/>
-    <p:sldId id="282" r:id="rId18"/>
-    <p:sldId id="284" r:id="rId19"/>
-    <p:sldId id="283" r:id="rId20"/>
-    <p:sldId id="289" r:id="rId21"/>
-    <p:sldId id="276" r:id="rId22"/>
-    <p:sldId id="261" r:id="rId23"/>
-    <p:sldId id="262" r:id="rId24"/>
-    <p:sldId id="263" r:id="rId25"/>
-    <p:sldId id="277" r:id="rId26"/>
-    <p:sldId id="264" r:id="rId27"/>
-    <p:sldId id="265" r:id="rId28"/>
-    <p:sldId id="267" r:id="rId29"/>
-    <p:sldId id="268" r:id="rId30"/>
-    <p:sldId id="278" r:id="rId31"/>
-    <p:sldId id="266" r:id="rId32"/>
-    <p:sldId id="290" r:id="rId33"/>
+    <p:sldId id="293" r:id="rId13"/>
+    <p:sldId id="292" r:id="rId14"/>
+    <p:sldId id="288" r:id="rId15"/>
+    <p:sldId id="259" r:id="rId16"/>
+    <p:sldId id="279" r:id="rId17"/>
+    <p:sldId id="280" r:id="rId18"/>
+    <p:sldId id="282" r:id="rId19"/>
+    <p:sldId id="284" r:id="rId20"/>
+    <p:sldId id="283" r:id="rId21"/>
+    <p:sldId id="289" r:id="rId22"/>
+    <p:sldId id="276" r:id="rId23"/>
+    <p:sldId id="261" r:id="rId24"/>
+    <p:sldId id="262" r:id="rId25"/>
+    <p:sldId id="263" r:id="rId26"/>
+    <p:sldId id="277" r:id="rId27"/>
+    <p:sldId id="264" r:id="rId28"/>
+    <p:sldId id="265" r:id="rId29"/>
+    <p:sldId id="267" r:id="rId30"/>
+    <p:sldId id="268" r:id="rId31"/>
+    <p:sldId id="278" r:id="rId32"/>
+    <p:sldId id="266" r:id="rId33"/>
+    <p:sldId id="290" r:id="rId34"/>
   </p:sldIdLst>
   <p:sldSz cx="9144000" cy="5143500" type="screen16x9"/>
   <p:notesSz cx="6802438" cy="9934575"/>
@@ -8375,15 +8376,7 @@
                 <a:ea typeface="メイリオ" pitchFamily="50" charset="-128"/>
                 <a:cs typeface="メイリオ" pitchFamily="50" charset="-128"/>
               </a:rPr>
-              <a:t>外</a:t>
-            </a:r>
-            <a:r>
-              <a:rPr kumimoji="1" lang="ja-JP" altLang="en-US" sz="2800" dirty="0" smtClean="0">
-                <a:latin typeface="メイリオ" pitchFamily="50" charset="-128"/>
-                <a:ea typeface="メイリオ" pitchFamily="50" charset="-128"/>
-                <a:cs typeface="メイリオ" pitchFamily="50" charset="-128"/>
-              </a:rPr>
-              <a:t>のから</a:t>
+              <a:t>外から</a:t>
             </a:r>
             <a:r>
               <a:rPr kumimoji="1" lang="ja-JP" altLang="en-US" sz="2800" dirty="0" smtClean="0">
@@ -8515,7 +8508,7 @@
         </p:blipFill>
         <p:spPr bwMode="auto">
           <a:xfrm>
-            <a:off x="2355038" y="714362"/>
+            <a:off x="2355038" y="789904"/>
             <a:ext cx="4433924" cy="2281912"/>
           </a:xfrm>
           <a:prstGeom prst="rect">
@@ -8579,97 +8572,12 @@
                 <a:ea typeface="メイリオ" pitchFamily="50" charset="-128"/>
                 <a:cs typeface="メイリオ" pitchFamily="50" charset="-128"/>
               </a:rPr>
-              <a:t>コードの品質を維持するために</a:t>
+              <a:t>コード例</a:t>
             </a:r>
             <a:endParaRPr kumimoji="1" lang="ja-JP" altLang="en-US" sz="4000" dirty="0">
               <a:solidFill>
                 <a:schemeClr val="tx1"/>
               </a:solidFill>
-              <a:latin typeface="メイリオ" pitchFamily="50" charset="-128"/>
-              <a:ea typeface="メイリオ" pitchFamily="50" charset="-128"/>
-              <a:cs typeface="メイリオ" pitchFamily="50" charset="-128"/>
-            </a:endParaRPr>
-          </a:p>
-        </p:txBody>
-      </p:sp>
-      <p:sp>
-        <p:nvSpPr>
-          <p:cNvPr id="3" name="コンテンツ プレースホルダー 2"/>
-          <p:cNvSpPr>
-            <a:spLocks noGrp="1"/>
-          </p:cNvSpPr>
-          <p:nvPr>
-            <p:ph idx="1"/>
-          </p:nvPr>
-        </p:nvSpPr>
-        <p:spPr/>
-        <p:txBody>
-          <a:bodyPr/>
-          <a:lstStyle/>
-          <a:p>
-            <a:r>
-              <a:rPr kumimoji="1" lang="ja-JP" altLang="en-US" dirty="0" smtClean="0">
-                <a:latin typeface="メイリオ" pitchFamily="50" charset="-128"/>
-                <a:ea typeface="メイリオ" pitchFamily="50" charset="-128"/>
-                <a:cs typeface="メイリオ" pitchFamily="50" charset="-128"/>
-              </a:rPr>
-              <a:t>処理をそのままベタ書きしない</a:t>
-            </a:r>
-            <a:endParaRPr kumimoji="1" lang="en-US" altLang="ja-JP" dirty="0" smtClean="0">
-              <a:latin typeface="メイリオ" pitchFamily="50" charset="-128"/>
-              <a:ea typeface="メイリオ" pitchFamily="50" charset="-128"/>
-              <a:cs typeface="メイリオ" pitchFamily="50" charset="-128"/>
-            </a:endParaRPr>
-          </a:p>
-          <a:p>
-            <a:r>
-              <a:rPr lang="ja-JP" altLang="en-US" dirty="0" smtClean="0">
-                <a:latin typeface="メイリオ" pitchFamily="50" charset="-128"/>
-                <a:ea typeface="メイリオ" pitchFamily="50" charset="-128"/>
-                <a:cs typeface="メイリオ" pitchFamily="50" charset="-128"/>
-              </a:rPr>
-              <a:t>プログラミング</a:t>
-            </a:r>
-            <a:r>
-              <a:rPr lang="ja-JP" altLang="en-US" dirty="0" smtClean="0">
-                <a:latin typeface="メイリオ" pitchFamily="50" charset="-128"/>
-                <a:ea typeface="メイリオ" pitchFamily="50" charset="-128"/>
-                <a:cs typeface="メイリオ" pitchFamily="50" charset="-128"/>
-              </a:rPr>
-              <a:t>言語</a:t>
-            </a:r>
-            <a:r>
-              <a:rPr lang="ja-JP" altLang="en-US" dirty="0" smtClean="0">
-                <a:latin typeface="メイリオ" pitchFamily="50" charset="-128"/>
-                <a:ea typeface="メイリオ" pitchFamily="50" charset="-128"/>
-                <a:cs typeface="メイリオ" pitchFamily="50" charset="-128"/>
-              </a:rPr>
-              <a:t>の</a:t>
-            </a:r>
-            <a:r>
-              <a:rPr lang="ja-JP" altLang="en-US" dirty="0" smtClean="0">
-                <a:latin typeface="メイリオ" pitchFamily="50" charset="-128"/>
-                <a:ea typeface="メイリオ" pitchFamily="50" charset="-128"/>
-                <a:cs typeface="メイリオ" pitchFamily="50" charset="-128"/>
-              </a:rPr>
-              <a:t>力</a:t>
-            </a:r>
-            <a:r>
-              <a:rPr lang="ja-JP" altLang="en-US" dirty="0" smtClean="0">
-                <a:latin typeface="メイリオ" pitchFamily="50" charset="-128"/>
-                <a:ea typeface="メイリオ" pitchFamily="50" charset="-128"/>
-                <a:cs typeface="メイリオ" pitchFamily="50" charset="-128"/>
-              </a:rPr>
-              <a:t>を利用する</a:t>
-            </a:r>
-            <a:endParaRPr lang="en-US" altLang="ja-JP" dirty="0" smtClean="0">
-              <a:latin typeface="メイリオ" pitchFamily="50" charset="-128"/>
-              <a:ea typeface="メイリオ" pitchFamily="50" charset="-128"/>
-              <a:cs typeface="メイリオ" pitchFamily="50" charset="-128"/>
-            </a:endParaRPr>
-          </a:p>
-          <a:p>
-            <a:endParaRPr kumimoji="1" lang="en-US" altLang="ja-JP" dirty="0" smtClean="0">
               <a:latin typeface="メイリオ" pitchFamily="50" charset="-128"/>
               <a:ea typeface="メイリオ" pitchFamily="50" charset="-128"/>
               <a:cs typeface="メイリオ" pitchFamily="50" charset="-128"/>
@@ -8744,6 +8652,1082 @@
               <a:t>11</a:t>
             </a:fld>
             <a:endParaRPr lang="ja-JP" altLang="en-US">
+              <a:latin typeface="メイリオ" pitchFamily="50" charset="-128"/>
+              <a:ea typeface="メイリオ" pitchFamily="50" charset="-128"/>
+              <a:cs typeface="メイリオ" pitchFamily="50" charset="-128"/>
+            </a:endParaRPr>
+          </a:p>
+        </p:txBody>
+      </p:sp>
+      <p:sp>
+        <p:nvSpPr>
+          <p:cNvPr id="7" name="テキスト ボックス 6"/>
+          <p:cNvSpPr txBox="1"/>
+          <p:nvPr/>
+        </p:nvSpPr>
+        <p:spPr>
+          <a:xfrm>
+            <a:off x="214282" y="1071552"/>
+            <a:ext cx="2143140" cy="2092881"/>
+          </a:xfrm>
+          <a:prstGeom prst="rect">
+            <a:avLst/>
+          </a:prstGeom>
+          <a:solidFill>
+            <a:schemeClr val="bg1">
+              <a:lumMod val="85000"/>
+            </a:schemeClr>
+          </a:solidFill>
+          <a:ln>
+            <a:solidFill>
+              <a:schemeClr val="tx1"/>
+            </a:solidFill>
+          </a:ln>
+        </p:spPr>
+        <p:txBody>
+          <a:bodyPr wrap="square" rtlCol="0">
+            <a:spAutoFit/>
+          </a:bodyPr>
+          <a:lstStyle/>
+          <a:p>
+            <a:r>
+              <a:rPr lang="en-US" sz="1000" dirty="0" smtClean="0">
+                <a:latin typeface="MS UI Gothic" pitchFamily="50" charset="-128"/>
+                <a:ea typeface="MS UI Gothic" pitchFamily="50" charset="-128"/>
+                <a:cs typeface="メイリオ" pitchFamily="50" charset="-128"/>
+              </a:rPr>
+              <a:t>class </a:t>
+            </a:r>
+            <a:r>
+              <a:rPr lang="en-US" sz="1000" dirty="0" err="1" smtClean="0">
+                <a:latin typeface="MS UI Gothic" pitchFamily="50" charset="-128"/>
+                <a:ea typeface="MS UI Gothic" pitchFamily="50" charset="-128"/>
+                <a:cs typeface="メイリオ" pitchFamily="50" charset="-128"/>
+              </a:rPr>
+              <a:t>nodeBase</a:t>
+            </a:r>
+            <a:r>
+              <a:rPr lang="en-US" sz="1000" dirty="0" smtClean="0">
+                <a:latin typeface="MS UI Gothic" pitchFamily="50" charset="-128"/>
+                <a:ea typeface="MS UI Gothic" pitchFamily="50" charset="-128"/>
+                <a:cs typeface="メイリオ" pitchFamily="50" charset="-128"/>
+              </a:rPr>
+              <a:t>(object):</a:t>
+            </a:r>
+          </a:p>
+          <a:p>
+            <a:r>
+              <a:rPr lang="en-US" sz="1000" dirty="0" smtClean="0">
+                <a:latin typeface="MS UI Gothic" pitchFamily="50" charset="-128"/>
+                <a:ea typeface="MS UI Gothic" pitchFamily="50" charset="-128"/>
+                <a:cs typeface="メイリオ" pitchFamily="50" charset="-128"/>
+              </a:rPr>
+              <a:t>    def __init__(self, node, prop=None):</a:t>
+            </a:r>
+          </a:p>
+          <a:p>
+            <a:r>
+              <a:rPr lang="en-US" sz="1000" dirty="0" smtClean="0">
+                <a:latin typeface="MS UI Gothic" pitchFamily="50" charset="-128"/>
+                <a:ea typeface="MS UI Gothic" pitchFamily="50" charset="-128"/>
+                <a:cs typeface="メイリオ" pitchFamily="50" charset="-128"/>
+              </a:rPr>
+              <a:t>        </a:t>
+            </a:r>
+            <a:r>
+              <a:rPr lang="en-US" sz="1000" dirty="0" err="1" smtClean="0">
+                <a:latin typeface="MS UI Gothic" pitchFamily="50" charset="-128"/>
+                <a:ea typeface="MS UI Gothic" pitchFamily="50" charset="-128"/>
+                <a:cs typeface="メイリオ" pitchFamily="50" charset="-128"/>
+              </a:rPr>
+              <a:t>self.node</a:t>
+            </a:r>
+            <a:r>
+              <a:rPr lang="en-US" sz="1000" dirty="0" smtClean="0">
+                <a:latin typeface="MS UI Gothic" pitchFamily="50" charset="-128"/>
+                <a:ea typeface="MS UI Gothic" pitchFamily="50" charset="-128"/>
+                <a:cs typeface="メイリオ" pitchFamily="50" charset="-128"/>
+              </a:rPr>
+              <a:t> = node</a:t>
+            </a:r>
+          </a:p>
+          <a:p>
+            <a:endParaRPr lang="en-US" sz="1000" dirty="0" smtClean="0">
+              <a:latin typeface="MS UI Gothic" pitchFamily="50" charset="-128"/>
+              <a:ea typeface="MS UI Gothic" pitchFamily="50" charset="-128"/>
+              <a:cs typeface="メイリオ" pitchFamily="50" charset="-128"/>
+            </a:endParaRPr>
+          </a:p>
+          <a:p>
+            <a:r>
+              <a:rPr lang="en-US" sz="1000" dirty="0" smtClean="0">
+                <a:latin typeface="MS UI Gothic" pitchFamily="50" charset="-128"/>
+                <a:ea typeface="MS UI Gothic" pitchFamily="50" charset="-128"/>
+                <a:cs typeface="メイリオ" pitchFamily="50" charset="-128"/>
+              </a:rPr>
+              <a:t>    def </a:t>
+            </a:r>
+            <a:r>
+              <a:rPr lang="en-US" sz="1000" dirty="0" err="1" smtClean="0">
+                <a:latin typeface="MS UI Gothic" pitchFamily="50" charset="-128"/>
+                <a:ea typeface="MS UI Gothic" pitchFamily="50" charset="-128"/>
+                <a:cs typeface="メイリオ" pitchFamily="50" charset="-128"/>
+              </a:rPr>
+              <a:t>getPath</a:t>
+            </a:r>
+            <a:r>
+              <a:rPr lang="en-US" sz="1000" dirty="0" smtClean="0">
+                <a:latin typeface="MS UI Gothic" pitchFamily="50" charset="-128"/>
+                <a:ea typeface="MS UI Gothic" pitchFamily="50" charset="-128"/>
+                <a:cs typeface="メイリオ" pitchFamily="50" charset="-128"/>
+              </a:rPr>
+              <a:t>(self</a:t>
+            </a:r>
+            <a:r>
+              <a:rPr lang="en-US" sz="1000" dirty="0" smtClean="0">
+                <a:latin typeface="MS UI Gothic" pitchFamily="50" charset="-128"/>
+                <a:ea typeface="MS UI Gothic" pitchFamily="50" charset="-128"/>
+                <a:cs typeface="メイリオ" pitchFamily="50" charset="-128"/>
+              </a:rPr>
+              <a:t>):</a:t>
+            </a:r>
+            <a:endParaRPr lang="en-US" sz="1000" dirty="0" smtClean="0">
+              <a:latin typeface="MS UI Gothic" pitchFamily="50" charset="-128"/>
+              <a:ea typeface="MS UI Gothic" pitchFamily="50" charset="-128"/>
+              <a:cs typeface="メイリオ" pitchFamily="50" charset="-128"/>
+            </a:endParaRPr>
+          </a:p>
+          <a:p>
+            <a:r>
+              <a:rPr lang="en-US" sz="1000" dirty="0" smtClean="0">
+                <a:latin typeface="MS UI Gothic" pitchFamily="50" charset="-128"/>
+                <a:ea typeface="MS UI Gothic" pitchFamily="50" charset="-128"/>
+                <a:cs typeface="メイリオ" pitchFamily="50" charset="-128"/>
+              </a:rPr>
+              <a:t>        return None</a:t>
+            </a:r>
+          </a:p>
+          <a:p>
+            <a:endParaRPr lang="en-US" sz="1000" dirty="0" smtClean="0">
+              <a:latin typeface="MS UI Gothic" pitchFamily="50" charset="-128"/>
+              <a:ea typeface="MS UI Gothic" pitchFamily="50" charset="-128"/>
+              <a:cs typeface="メイリオ" pitchFamily="50" charset="-128"/>
+            </a:endParaRPr>
+          </a:p>
+          <a:p>
+            <a:r>
+              <a:rPr lang="en-US" sz="1000" dirty="0" smtClean="0">
+                <a:latin typeface="MS UI Gothic" pitchFamily="50" charset="-128"/>
+                <a:ea typeface="MS UI Gothic" pitchFamily="50" charset="-128"/>
+                <a:cs typeface="メイリオ" pitchFamily="50" charset="-128"/>
+              </a:rPr>
+              <a:t>    def </a:t>
+            </a:r>
+            <a:r>
+              <a:rPr lang="en-US" sz="1000" dirty="0" err="1" smtClean="0">
+                <a:latin typeface="MS UI Gothic" pitchFamily="50" charset="-128"/>
+                <a:ea typeface="MS UI Gothic" pitchFamily="50" charset="-128"/>
+                <a:cs typeface="メイリオ" pitchFamily="50" charset="-128"/>
+              </a:rPr>
+              <a:t>setPath</a:t>
+            </a:r>
+            <a:r>
+              <a:rPr lang="en-US" sz="1000" dirty="0" smtClean="0">
+                <a:latin typeface="MS UI Gothic" pitchFamily="50" charset="-128"/>
+                <a:ea typeface="MS UI Gothic" pitchFamily="50" charset="-128"/>
+                <a:cs typeface="メイリオ" pitchFamily="50" charset="-128"/>
+              </a:rPr>
+              <a:t>(self, path):</a:t>
+            </a:r>
+          </a:p>
+          <a:p>
+            <a:r>
+              <a:rPr lang="en-US" sz="1000" dirty="0" smtClean="0">
+                <a:latin typeface="MS UI Gothic" pitchFamily="50" charset="-128"/>
+                <a:ea typeface="MS UI Gothic" pitchFamily="50" charset="-128"/>
+                <a:cs typeface="メイリオ" pitchFamily="50" charset="-128"/>
+              </a:rPr>
+              <a:t>        return path</a:t>
+            </a:r>
+          </a:p>
+          <a:p>
+            <a:endParaRPr lang="en-US" sz="1000" dirty="0" smtClean="0">
+              <a:latin typeface="MS UI Gothic" pitchFamily="50" charset="-128"/>
+              <a:ea typeface="MS UI Gothic" pitchFamily="50" charset="-128"/>
+              <a:cs typeface="メイリオ" pitchFamily="50" charset="-128"/>
+            </a:endParaRPr>
+          </a:p>
+          <a:p>
+            <a:endParaRPr lang="en-US" sz="1000" dirty="0" smtClean="0">
+              <a:latin typeface="MS UI Gothic" pitchFamily="50" charset="-128"/>
+              <a:ea typeface="MS UI Gothic" pitchFamily="50" charset="-128"/>
+              <a:cs typeface="メイリオ" pitchFamily="50" charset="-128"/>
+            </a:endParaRPr>
+          </a:p>
+          <a:p>
+            <a:endParaRPr lang="en-US" sz="1000" dirty="0" smtClean="0">
+              <a:latin typeface="MS UI Gothic" pitchFamily="50" charset="-128"/>
+              <a:ea typeface="MS UI Gothic" pitchFamily="50" charset="-128"/>
+              <a:cs typeface="メイリオ" pitchFamily="50" charset="-128"/>
+            </a:endParaRPr>
+          </a:p>
+          <a:p>
+            <a:endParaRPr lang="en-US" sz="1000" dirty="0" smtClean="0">
+              <a:latin typeface="MS UI Gothic" pitchFamily="50" charset="-128"/>
+              <a:ea typeface="MS UI Gothic" pitchFamily="50" charset="-128"/>
+              <a:cs typeface="メイリオ" pitchFamily="50" charset="-128"/>
+            </a:endParaRPr>
+          </a:p>
+        </p:txBody>
+      </p:sp>
+      <p:sp>
+        <p:nvSpPr>
+          <p:cNvPr id="8" name="テキスト ボックス 7"/>
+          <p:cNvSpPr txBox="1"/>
+          <p:nvPr/>
+        </p:nvSpPr>
+        <p:spPr>
+          <a:xfrm>
+            <a:off x="2428860" y="1071552"/>
+            <a:ext cx="3214710" cy="2092881"/>
+          </a:xfrm>
+          <a:prstGeom prst="rect">
+            <a:avLst/>
+          </a:prstGeom>
+          <a:solidFill>
+            <a:schemeClr val="bg1">
+              <a:lumMod val="85000"/>
+            </a:schemeClr>
+          </a:solidFill>
+          <a:ln>
+            <a:solidFill>
+              <a:schemeClr val="tx1"/>
+            </a:solidFill>
+          </a:ln>
+        </p:spPr>
+        <p:txBody>
+          <a:bodyPr wrap="square" rtlCol="0">
+            <a:spAutoFit/>
+          </a:bodyPr>
+          <a:lstStyle/>
+          <a:p>
+            <a:r>
+              <a:rPr lang="en-US" sz="1000" dirty="0" smtClean="0">
+                <a:latin typeface="MS UI Gothic" pitchFamily="50" charset="-128"/>
+                <a:ea typeface="MS UI Gothic" pitchFamily="50" charset="-128"/>
+                <a:cs typeface="メイリオ" pitchFamily="50" charset="-128"/>
+              </a:rPr>
+              <a:t>class </a:t>
+            </a:r>
+            <a:r>
+              <a:rPr lang="en-US" sz="1000" dirty="0" smtClean="0">
+                <a:latin typeface="MS UI Gothic" pitchFamily="50" charset="-128"/>
+                <a:ea typeface="MS UI Gothic" pitchFamily="50" charset="-128"/>
+                <a:cs typeface="メイリオ" pitchFamily="50" charset="-128"/>
+              </a:rPr>
+              <a:t>texture(</a:t>
+            </a:r>
+            <a:r>
+              <a:rPr lang="en-US" sz="1000" dirty="0" err="1" smtClean="0">
+                <a:latin typeface="MS UI Gothic" pitchFamily="50" charset="-128"/>
+                <a:ea typeface="MS UI Gothic" pitchFamily="50" charset="-128"/>
+                <a:cs typeface="メイリオ" pitchFamily="50" charset="-128"/>
+              </a:rPr>
+              <a:t>nodeBase</a:t>
+            </a:r>
+            <a:r>
+              <a:rPr lang="en-US" sz="1000" dirty="0" smtClean="0">
+                <a:latin typeface="MS UI Gothic" pitchFamily="50" charset="-128"/>
+                <a:ea typeface="MS UI Gothic" pitchFamily="50" charset="-128"/>
+                <a:cs typeface="メイリオ" pitchFamily="50" charset="-128"/>
+              </a:rPr>
+              <a:t>):</a:t>
+            </a:r>
+          </a:p>
+          <a:p>
+            <a:r>
+              <a:rPr lang="en-US" sz="1000" dirty="0" smtClean="0">
+                <a:latin typeface="MS UI Gothic" pitchFamily="50" charset="-128"/>
+                <a:ea typeface="MS UI Gothic" pitchFamily="50" charset="-128"/>
+                <a:cs typeface="メイリオ" pitchFamily="50" charset="-128"/>
+              </a:rPr>
+              <a:t>    </a:t>
+            </a:r>
+            <a:r>
+              <a:rPr lang="en-US" sz="1000" dirty="0" smtClean="0">
+                <a:latin typeface="MS UI Gothic" pitchFamily="50" charset="-128"/>
+                <a:ea typeface="MS UI Gothic" pitchFamily="50" charset="-128"/>
+                <a:cs typeface="メイリオ" pitchFamily="50" charset="-128"/>
+              </a:rPr>
+              <a:t>def </a:t>
+            </a:r>
+            <a:r>
+              <a:rPr lang="en-US" sz="1000" dirty="0" err="1" smtClean="0">
+                <a:latin typeface="MS UI Gothic" pitchFamily="50" charset="-128"/>
+                <a:ea typeface="MS UI Gothic" pitchFamily="50" charset="-128"/>
+                <a:cs typeface="メイリオ" pitchFamily="50" charset="-128"/>
+              </a:rPr>
+              <a:t>getPath</a:t>
+            </a:r>
+            <a:r>
+              <a:rPr lang="en-US" sz="1000" dirty="0" smtClean="0">
+                <a:latin typeface="MS UI Gothic" pitchFamily="50" charset="-128"/>
+                <a:ea typeface="MS UI Gothic" pitchFamily="50" charset="-128"/>
+                <a:cs typeface="メイリオ" pitchFamily="50" charset="-128"/>
+              </a:rPr>
+              <a:t>(self):</a:t>
+            </a:r>
+          </a:p>
+          <a:p>
+            <a:r>
+              <a:rPr lang="en-US" sz="1000" dirty="0" smtClean="0">
+                <a:latin typeface="MS UI Gothic" pitchFamily="50" charset="-128"/>
+                <a:ea typeface="MS UI Gothic" pitchFamily="50" charset="-128"/>
+                <a:cs typeface="メイリオ" pitchFamily="50" charset="-128"/>
+              </a:rPr>
+              <a:t>        path = </a:t>
+            </a:r>
+            <a:r>
+              <a:rPr lang="en-US" sz="1000" dirty="0" err="1" smtClean="0">
+                <a:latin typeface="MS UI Gothic" pitchFamily="50" charset="-128"/>
+                <a:ea typeface="MS UI Gothic" pitchFamily="50" charset="-128"/>
+                <a:cs typeface="メイリオ" pitchFamily="50" charset="-128"/>
+              </a:rPr>
+              <a:t>cmds.getAttr</a:t>
+            </a:r>
+            <a:r>
+              <a:rPr lang="en-US" sz="1000" dirty="0" smtClean="0">
+                <a:latin typeface="MS UI Gothic" pitchFamily="50" charset="-128"/>
+                <a:ea typeface="MS UI Gothic" pitchFamily="50" charset="-128"/>
+                <a:cs typeface="メイリオ" pitchFamily="50" charset="-128"/>
+              </a:rPr>
+              <a:t>(</a:t>
+            </a:r>
+            <a:r>
+              <a:rPr lang="en-US" sz="1000" dirty="0" err="1" smtClean="0">
+                <a:latin typeface="MS UI Gothic" pitchFamily="50" charset="-128"/>
+                <a:ea typeface="MS UI Gothic" pitchFamily="50" charset="-128"/>
+                <a:cs typeface="メイリオ" pitchFamily="50" charset="-128"/>
+              </a:rPr>
+              <a:t>self.node</a:t>
+            </a:r>
+            <a:r>
+              <a:rPr lang="en-US" sz="1000" dirty="0" smtClean="0">
+                <a:latin typeface="MS UI Gothic" pitchFamily="50" charset="-128"/>
+                <a:ea typeface="MS UI Gothic" pitchFamily="50" charset="-128"/>
+                <a:cs typeface="メイリオ" pitchFamily="50" charset="-128"/>
+              </a:rPr>
+              <a:t> + '.</a:t>
+            </a:r>
+            <a:r>
+              <a:rPr lang="en-US" sz="1000" dirty="0" err="1" smtClean="0">
+                <a:latin typeface="MS UI Gothic" pitchFamily="50" charset="-128"/>
+                <a:ea typeface="MS UI Gothic" pitchFamily="50" charset="-128"/>
+                <a:cs typeface="メイリオ" pitchFamily="50" charset="-128"/>
+              </a:rPr>
+              <a:t>fileTextureName</a:t>
+            </a:r>
+            <a:r>
+              <a:rPr lang="en-US" sz="1000" dirty="0" smtClean="0">
+                <a:latin typeface="MS UI Gothic" pitchFamily="50" charset="-128"/>
+                <a:ea typeface="MS UI Gothic" pitchFamily="50" charset="-128"/>
+                <a:cs typeface="メイリオ" pitchFamily="50" charset="-128"/>
+              </a:rPr>
+              <a:t>')</a:t>
+            </a:r>
+          </a:p>
+          <a:p>
+            <a:r>
+              <a:rPr lang="en-US" sz="1000" dirty="0" smtClean="0">
+                <a:latin typeface="MS UI Gothic" pitchFamily="50" charset="-128"/>
+                <a:ea typeface="MS UI Gothic" pitchFamily="50" charset="-128"/>
+                <a:cs typeface="メイリオ" pitchFamily="50" charset="-128"/>
+              </a:rPr>
+              <a:t>        if path == None:</a:t>
+            </a:r>
+          </a:p>
+          <a:p>
+            <a:r>
+              <a:rPr lang="en-US" sz="1000" dirty="0" smtClean="0">
+                <a:latin typeface="MS UI Gothic" pitchFamily="50" charset="-128"/>
+                <a:ea typeface="MS UI Gothic" pitchFamily="50" charset="-128"/>
+                <a:cs typeface="メイリオ" pitchFamily="50" charset="-128"/>
+              </a:rPr>
+              <a:t>            return ''</a:t>
+            </a:r>
+          </a:p>
+          <a:p>
+            <a:endParaRPr lang="en-US" sz="1000" dirty="0" smtClean="0">
+              <a:latin typeface="MS UI Gothic" pitchFamily="50" charset="-128"/>
+              <a:ea typeface="MS UI Gothic" pitchFamily="50" charset="-128"/>
+              <a:cs typeface="メイリオ" pitchFamily="50" charset="-128"/>
+            </a:endParaRPr>
+          </a:p>
+          <a:p>
+            <a:r>
+              <a:rPr lang="en-US" sz="1000" dirty="0" smtClean="0">
+                <a:latin typeface="MS UI Gothic" pitchFamily="50" charset="-128"/>
+                <a:ea typeface="MS UI Gothic" pitchFamily="50" charset="-128"/>
+                <a:cs typeface="メイリオ" pitchFamily="50" charset="-128"/>
+              </a:rPr>
+              <a:t>        return </a:t>
+            </a:r>
+            <a:r>
+              <a:rPr lang="en-US" sz="1000" dirty="0" err="1" smtClean="0">
+                <a:latin typeface="MS UI Gothic" pitchFamily="50" charset="-128"/>
+                <a:ea typeface="MS UI Gothic" pitchFamily="50" charset="-128"/>
+                <a:cs typeface="メイリオ" pitchFamily="50" charset="-128"/>
+              </a:rPr>
+              <a:t>path.replace</a:t>
+            </a:r>
+            <a:r>
+              <a:rPr lang="en-US" sz="1000" dirty="0" smtClean="0">
+                <a:latin typeface="MS UI Gothic" pitchFamily="50" charset="-128"/>
+                <a:ea typeface="MS UI Gothic" pitchFamily="50" charset="-128"/>
+                <a:cs typeface="メイリオ" pitchFamily="50" charset="-128"/>
+              </a:rPr>
+              <a:t>('/', os.sep</a:t>
+            </a:r>
+            <a:r>
+              <a:rPr lang="en-US" sz="1000" dirty="0" smtClean="0">
+                <a:latin typeface="MS UI Gothic" pitchFamily="50" charset="-128"/>
+                <a:ea typeface="MS UI Gothic" pitchFamily="50" charset="-128"/>
+                <a:cs typeface="メイリオ" pitchFamily="50" charset="-128"/>
+              </a:rPr>
+              <a:t>)</a:t>
+            </a:r>
+          </a:p>
+          <a:p>
+            <a:endParaRPr lang="en-US" sz="1000" dirty="0" smtClean="0">
+              <a:latin typeface="MS UI Gothic" pitchFamily="50" charset="-128"/>
+              <a:ea typeface="MS UI Gothic" pitchFamily="50" charset="-128"/>
+              <a:cs typeface="メイリオ" pitchFamily="50" charset="-128"/>
+            </a:endParaRPr>
+          </a:p>
+          <a:p>
+            <a:r>
+              <a:rPr lang="en-US" sz="1000" dirty="0" smtClean="0">
+                <a:latin typeface="MS UI Gothic" pitchFamily="50" charset="-128"/>
+                <a:ea typeface="MS UI Gothic" pitchFamily="50" charset="-128"/>
+                <a:cs typeface="メイリオ" pitchFamily="50" charset="-128"/>
+              </a:rPr>
+              <a:t> def </a:t>
+            </a:r>
+            <a:r>
+              <a:rPr lang="en-US" sz="1000" dirty="0" err="1" smtClean="0">
+                <a:latin typeface="MS UI Gothic" pitchFamily="50" charset="-128"/>
+                <a:ea typeface="MS UI Gothic" pitchFamily="50" charset="-128"/>
+                <a:cs typeface="メイリオ" pitchFamily="50" charset="-128"/>
+              </a:rPr>
+              <a:t>setPath</a:t>
+            </a:r>
+            <a:r>
+              <a:rPr lang="en-US" sz="1000" dirty="0" smtClean="0">
+                <a:latin typeface="MS UI Gothic" pitchFamily="50" charset="-128"/>
+                <a:ea typeface="MS UI Gothic" pitchFamily="50" charset="-128"/>
+                <a:cs typeface="メイリオ" pitchFamily="50" charset="-128"/>
+              </a:rPr>
+              <a:t>(self, path):</a:t>
+            </a:r>
+          </a:p>
+          <a:p>
+            <a:r>
+              <a:rPr lang="en-US" sz="1000" dirty="0" smtClean="0">
+                <a:latin typeface="MS UI Gothic" pitchFamily="50" charset="-128"/>
+                <a:ea typeface="MS UI Gothic" pitchFamily="50" charset="-128"/>
+                <a:cs typeface="メイリオ" pitchFamily="50" charset="-128"/>
+              </a:rPr>
+              <a:t>        </a:t>
+            </a:r>
+            <a:r>
+              <a:rPr lang="en-US" sz="1000" dirty="0" err="1" smtClean="0">
+                <a:latin typeface="MS UI Gothic" pitchFamily="50" charset="-128"/>
+                <a:ea typeface="MS UI Gothic" pitchFamily="50" charset="-128"/>
+                <a:cs typeface="メイリオ" pitchFamily="50" charset="-128"/>
+              </a:rPr>
+              <a:t>cmds.setAttr</a:t>
+            </a:r>
+            <a:r>
+              <a:rPr lang="en-US" sz="1000" dirty="0" smtClean="0">
+                <a:latin typeface="MS UI Gothic" pitchFamily="50" charset="-128"/>
+                <a:ea typeface="MS UI Gothic" pitchFamily="50" charset="-128"/>
+                <a:cs typeface="メイリオ" pitchFamily="50" charset="-128"/>
+              </a:rPr>
+              <a:t>(</a:t>
+            </a:r>
+            <a:r>
+              <a:rPr lang="en-US" sz="1000" dirty="0" err="1" smtClean="0">
+                <a:latin typeface="MS UI Gothic" pitchFamily="50" charset="-128"/>
+                <a:ea typeface="MS UI Gothic" pitchFamily="50" charset="-128"/>
+                <a:cs typeface="メイリオ" pitchFamily="50" charset="-128"/>
+              </a:rPr>
+              <a:t>self.node</a:t>
+            </a:r>
+            <a:r>
+              <a:rPr lang="en-US" sz="1000" dirty="0" smtClean="0">
+                <a:latin typeface="MS UI Gothic" pitchFamily="50" charset="-128"/>
+                <a:ea typeface="MS UI Gothic" pitchFamily="50" charset="-128"/>
+                <a:cs typeface="メイリオ" pitchFamily="50" charset="-128"/>
+              </a:rPr>
+              <a:t> + </a:t>
+            </a:r>
+            <a:r>
+              <a:rPr lang="en-US" sz="1000" dirty="0" smtClean="0">
+                <a:latin typeface="MS UI Gothic" pitchFamily="50" charset="-128"/>
+                <a:ea typeface="MS UI Gothic" pitchFamily="50" charset="-128"/>
+                <a:cs typeface="メイリオ" pitchFamily="50" charset="-128"/>
+              </a:rPr>
+              <a:t>'.</a:t>
+            </a:r>
+            <a:r>
+              <a:rPr lang="en-US" sz="1000" dirty="0" err="1" smtClean="0">
+                <a:latin typeface="MS UI Gothic" pitchFamily="50" charset="-128"/>
+                <a:ea typeface="MS UI Gothic" pitchFamily="50" charset="-128"/>
+                <a:cs typeface="メイリオ" pitchFamily="50" charset="-128"/>
+              </a:rPr>
+              <a:t>fileTextureName</a:t>
+            </a:r>
+            <a:r>
+              <a:rPr lang="en-US" sz="1000" dirty="0" smtClean="0">
+                <a:latin typeface="MS UI Gothic" pitchFamily="50" charset="-128"/>
+                <a:ea typeface="MS UI Gothic" pitchFamily="50" charset="-128"/>
+                <a:cs typeface="メイリオ" pitchFamily="50" charset="-128"/>
+              </a:rPr>
+              <a:t>',</a:t>
+            </a:r>
+          </a:p>
+          <a:p>
+            <a:r>
+              <a:rPr lang="en-US" sz="1000" dirty="0" smtClean="0">
+                <a:latin typeface="MS UI Gothic" pitchFamily="50" charset="-128"/>
+                <a:ea typeface="MS UI Gothic" pitchFamily="50" charset="-128"/>
+                <a:cs typeface="メイリオ" pitchFamily="50" charset="-128"/>
+              </a:rPr>
+              <a:t> </a:t>
+            </a:r>
+            <a:r>
+              <a:rPr lang="en-US" sz="1000" dirty="0" smtClean="0">
+                <a:latin typeface="MS UI Gothic" pitchFamily="50" charset="-128"/>
+                <a:ea typeface="MS UI Gothic" pitchFamily="50" charset="-128"/>
+                <a:cs typeface="メイリオ" pitchFamily="50" charset="-128"/>
+              </a:rPr>
+              <a:t>                          </a:t>
+            </a:r>
+            <a:r>
+              <a:rPr lang="en-US" sz="1000" dirty="0" err="1" smtClean="0">
+                <a:latin typeface="MS UI Gothic" pitchFamily="50" charset="-128"/>
+                <a:ea typeface="MS UI Gothic" pitchFamily="50" charset="-128"/>
+                <a:cs typeface="メイリオ" pitchFamily="50" charset="-128"/>
+              </a:rPr>
+              <a:t>path.replace</a:t>
+            </a:r>
+            <a:r>
+              <a:rPr lang="en-US" sz="1000" dirty="0" smtClean="0">
+                <a:latin typeface="MS UI Gothic" pitchFamily="50" charset="-128"/>
+                <a:ea typeface="MS UI Gothic" pitchFamily="50" charset="-128"/>
+                <a:cs typeface="メイリオ" pitchFamily="50" charset="-128"/>
+              </a:rPr>
+              <a:t>(os.sep, '/'), type='string</a:t>
+            </a:r>
+            <a:r>
+              <a:rPr lang="en-US" sz="1000" dirty="0" smtClean="0">
+                <a:latin typeface="MS UI Gothic" pitchFamily="50" charset="-128"/>
+                <a:ea typeface="MS UI Gothic" pitchFamily="50" charset="-128"/>
+                <a:cs typeface="メイリオ" pitchFamily="50" charset="-128"/>
+              </a:rPr>
+              <a:t>')</a:t>
+            </a:r>
+          </a:p>
+          <a:p>
+            <a:endParaRPr lang="en-US" sz="1000" dirty="0" smtClean="0">
+              <a:latin typeface="MS UI Gothic" pitchFamily="50" charset="-128"/>
+              <a:ea typeface="MS UI Gothic" pitchFamily="50" charset="-128"/>
+              <a:cs typeface="メイリオ" pitchFamily="50" charset="-128"/>
+            </a:endParaRPr>
+          </a:p>
+          <a:p>
+            <a:r>
+              <a:rPr lang="en-US" sz="1000" dirty="0" smtClean="0">
+                <a:latin typeface="MS UI Gothic" pitchFamily="50" charset="-128"/>
+                <a:ea typeface="MS UI Gothic" pitchFamily="50" charset="-128"/>
+                <a:cs typeface="メイリオ" pitchFamily="50" charset="-128"/>
+              </a:rPr>
+              <a:t>        return </a:t>
+            </a:r>
+            <a:r>
+              <a:rPr lang="en-US" sz="1000" dirty="0" err="1" smtClean="0">
+                <a:latin typeface="MS UI Gothic" pitchFamily="50" charset="-128"/>
+                <a:ea typeface="MS UI Gothic" pitchFamily="50" charset="-128"/>
+                <a:cs typeface="メイリオ" pitchFamily="50" charset="-128"/>
+              </a:rPr>
+              <a:t>self.getPath</a:t>
+            </a:r>
+            <a:r>
+              <a:rPr lang="en-US" sz="1000" dirty="0" smtClean="0">
+                <a:latin typeface="MS UI Gothic" pitchFamily="50" charset="-128"/>
+                <a:ea typeface="MS UI Gothic" pitchFamily="50" charset="-128"/>
+                <a:cs typeface="メイリオ" pitchFamily="50" charset="-128"/>
+              </a:rPr>
+              <a:t>()</a:t>
+            </a:r>
+          </a:p>
+        </p:txBody>
+      </p:sp>
+      <p:sp>
+        <p:nvSpPr>
+          <p:cNvPr id="9" name="テキスト ボックス 8"/>
+          <p:cNvSpPr txBox="1"/>
+          <p:nvPr/>
+        </p:nvSpPr>
+        <p:spPr>
+          <a:xfrm>
+            <a:off x="5715008" y="1071552"/>
+            <a:ext cx="3214710" cy="2092881"/>
+          </a:xfrm>
+          <a:prstGeom prst="rect">
+            <a:avLst/>
+          </a:prstGeom>
+          <a:solidFill>
+            <a:schemeClr val="bg1">
+              <a:lumMod val="85000"/>
+            </a:schemeClr>
+          </a:solidFill>
+          <a:ln>
+            <a:solidFill>
+              <a:schemeClr val="tx1"/>
+            </a:solidFill>
+          </a:ln>
+        </p:spPr>
+        <p:txBody>
+          <a:bodyPr wrap="square" rtlCol="0">
+            <a:spAutoFit/>
+          </a:bodyPr>
+          <a:lstStyle/>
+          <a:p>
+            <a:r>
+              <a:rPr lang="en-US" sz="1000" dirty="0" smtClean="0">
+                <a:latin typeface="MS UI Gothic" pitchFamily="50" charset="-128"/>
+                <a:ea typeface="MS UI Gothic" pitchFamily="50" charset="-128"/>
+                <a:cs typeface="メイリオ" pitchFamily="50" charset="-128"/>
+              </a:rPr>
+              <a:t>class </a:t>
+            </a:r>
+            <a:r>
+              <a:rPr lang="en-US" sz="1000" dirty="0" smtClean="0">
+                <a:latin typeface="MS UI Gothic" pitchFamily="50" charset="-128"/>
+                <a:ea typeface="MS UI Gothic" pitchFamily="50" charset="-128"/>
+                <a:cs typeface="メイリオ" pitchFamily="50" charset="-128"/>
+              </a:rPr>
+              <a:t>alembic(</a:t>
+            </a:r>
+            <a:r>
+              <a:rPr lang="en-US" sz="1000" dirty="0" err="1" smtClean="0">
+                <a:latin typeface="MS UI Gothic" pitchFamily="50" charset="-128"/>
+                <a:ea typeface="MS UI Gothic" pitchFamily="50" charset="-128"/>
+                <a:cs typeface="メイリオ" pitchFamily="50" charset="-128"/>
+              </a:rPr>
+              <a:t>nodeBase</a:t>
+            </a:r>
+            <a:r>
+              <a:rPr lang="en-US" sz="1000" dirty="0" smtClean="0">
+                <a:latin typeface="MS UI Gothic" pitchFamily="50" charset="-128"/>
+                <a:ea typeface="MS UI Gothic" pitchFamily="50" charset="-128"/>
+                <a:cs typeface="メイリオ" pitchFamily="50" charset="-128"/>
+              </a:rPr>
+              <a:t>):</a:t>
+            </a:r>
+          </a:p>
+          <a:p>
+            <a:r>
+              <a:rPr lang="en-US" sz="1000" dirty="0" smtClean="0">
+                <a:latin typeface="MS UI Gothic" pitchFamily="50" charset="-128"/>
+                <a:ea typeface="MS UI Gothic" pitchFamily="50" charset="-128"/>
+                <a:cs typeface="メイリオ" pitchFamily="50" charset="-128"/>
+              </a:rPr>
+              <a:t>    def </a:t>
+            </a:r>
+            <a:r>
+              <a:rPr lang="en-US" sz="1000" dirty="0" err="1" smtClean="0">
+                <a:latin typeface="MS UI Gothic" pitchFamily="50" charset="-128"/>
+                <a:ea typeface="MS UI Gothic" pitchFamily="50" charset="-128"/>
+                <a:cs typeface="メイリオ" pitchFamily="50" charset="-128"/>
+              </a:rPr>
+              <a:t>getPath</a:t>
+            </a:r>
+            <a:r>
+              <a:rPr lang="en-US" sz="1000" dirty="0" smtClean="0">
+                <a:latin typeface="MS UI Gothic" pitchFamily="50" charset="-128"/>
+                <a:ea typeface="MS UI Gothic" pitchFamily="50" charset="-128"/>
+                <a:cs typeface="メイリオ" pitchFamily="50" charset="-128"/>
+              </a:rPr>
+              <a:t>(self):</a:t>
+            </a:r>
+          </a:p>
+          <a:p>
+            <a:r>
+              <a:rPr lang="en-US" sz="1000" dirty="0" smtClean="0">
+                <a:latin typeface="MS UI Gothic" pitchFamily="50" charset="-128"/>
+                <a:ea typeface="MS UI Gothic" pitchFamily="50" charset="-128"/>
+                <a:cs typeface="メイリオ" pitchFamily="50" charset="-128"/>
+              </a:rPr>
+              <a:t>        path = </a:t>
+            </a:r>
+            <a:r>
+              <a:rPr lang="en-US" sz="1000" dirty="0" err="1" smtClean="0">
+                <a:latin typeface="MS UI Gothic" pitchFamily="50" charset="-128"/>
+                <a:ea typeface="MS UI Gothic" pitchFamily="50" charset="-128"/>
+                <a:cs typeface="メイリオ" pitchFamily="50" charset="-128"/>
+              </a:rPr>
+              <a:t>cmds.getAttr</a:t>
+            </a:r>
+            <a:r>
+              <a:rPr lang="en-US" sz="1000" dirty="0" smtClean="0">
+                <a:latin typeface="MS UI Gothic" pitchFamily="50" charset="-128"/>
+                <a:ea typeface="MS UI Gothic" pitchFamily="50" charset="-128"/>
+                <a:cs typeface="メイリオ" pitchFamily="50" charset="-128"/>
+              </a:rPr>
+              <a:t>(</a:t>
+            </a:r>
+            <a:r>
+              <a:rPr lang="en-US" sz="1000" dirty="0" err="1" smtClean="0">
+                <a:latin typeface="MS UI Gothic" pitchFamily="50" charset="-128"/>
+                <a:ea typeface="MS UI Gothic" pitchFamily="50" charset="-128"/>
+                <a:cs typeface="メイリオ" pitchFamily="50" charset="-128"/>
+              </a:rPr>
+              <a:t>self.node</a:t>
+            </a:r>
+            <a:r>
+              <a:rPr lang="en-US" sz="1000" dirty="0" smtClean="0">
+                <a:latin typeface="MS UI Gothic" pitchFamily="50" charset="-128"/>
+                <a:ea typeface="MS UI Gothic" pitchFamily="50" charset="-128"/>
+                <a:cs typeface="メイリオ" pitchFamily="50" charset="-128"/>
+              </a:rPr>
+              <a:t> + '.</a:t>
+            </a:r>
+            <a:r>
+              <a:rPr lang="en-US" sz="1000" dirty="0" err="1" smtClean="0">
+                <a:latin typeface="MS UI Gothic" pitchFamily="50" charset="-128"/>
+                <a:ea typeface="MS UI Gothic" pitchFamily="50" charset="-128"/>
+                <a:cs typeface="メイリオ" pitchFamily="50" charset="-128"/>
+              </a:rPr>
+              <a:t>abc_File</a:t>
+            </a:r>
+            <a:r>
+              <a:rPr lang="en-US" sz="1000" dirty="0" smtClean="0">
+                <a:latin typeface="MS UI Gothic" pitchFamily="50" charset="-128"/>
+                <a:ea typeface="MS UI Gothic" pitchFamily="50" charset="-128"/>
+                <a:cs typeface="メイリオ" pitchFamily="50" charset="-128"/>
+              </a:rPr>
+              <a:t>')</a:t>
+            </a:r>
+          </a:p>
+          <a:p>
+            <a:endParaRPr lang="en-US" sz="1000" dirty="0" smtClean="0">
+              <a:latin typeface="MS UI Gothic" pitchFamily="50" charset="-128"/>
+              <a:ea typeface="MS UI Gothic" pitchFamily="50" charset="-128"/>
+              <a:cs typeface="メイリオ" pitchFamily="50" charset="-128"/>
+            </a:endParaRPr>
+          </a:p>
+          <a:p>
+            <a:r>
+              <a:rPr lang="en-US" sz="1000" dirty="0" smtClean="0">
+                <a:latin typeface="MS UI Gothic" pitchFamily="50" charset="-128"/>
+                <a:ea typeface="MS UI Gothic" pitchFamily="50" charset="-128"/>
+                <a:cs typeface="メイリオ" pitchFamily="50" charset="-128"/>
+              </a:rPr>
+              <a:t>        return </a:t>
+            </a:r>
+            <a:r>
+              <a:rPr lang="en-US" sz="1000" dirty="0" err="1" smtClean="0">
+                <a:latin typeface="MS UI Gothic" pitchFamily="50" charset="-128"/>
+                <a:ea typeface="MS UI Gothic" pitchFamily="50" charset="-128"/>
+                <a:cs typeface="メイリオ" pitchFamily="50" charset="-128"/>
+              </a:rPr>
+              <a:t>path</a:t>
+            </a:r>
+            <a:r>
+              <a:rPr lang="en-US" sz="1000" dirty="0" err="1" smtClean="0">
+                <a:latin typeface="MS UI Gothic" pitchFamily="50" charset="-128"/>
+                <a:ea typeface="MS UI Gothic" pitchFamily="50" charset="-128"/>
+                <a:cs typeface="メイリオ" pitchFamily="50" charset="-128"/>
+              </a:rPr>
+              <a:t>.replace</a:t>
+            </a:r>
+            <a:r>
+              <a:rPr lang="en-US" sz="1000" dirty="0" smtClean="0">
+                <a:latin typeface="MS UI Gothic" pitchFamily="50" charset="-128"/>
+                <a:ea typeface="MS UI Gothic" pitchFamily="50" charset="-128"/>
+                <a:cs typeface="メイリオ" pitchFamily="50" charset="-128"/>
+              </a:rPr>
+              <a:t>('/', os.sep)</a:t>
+            </a:r>
+          </a:p>
+          <a:p>
+            <a:endParaRPr lang="en-US" sz="1000" dirty="0" smtClean="0">
+              <a:latin typeface="MS UI Gothic" pitchFamily="50" charset="-128"/>
+              <a:ea typeface="MS UI Gothic" pitchFamily="50" charset="-128"/>
+              <a:cs typeface="メイリオ" pitchFamily="50" charset="-128"/>
+            </a:endParaRPr>
+          </a:p>
+          <a:p>
+            <a:r>
+              <a:rPr lang="en-US" sz="1000" dirty="0" smtClean="0">
+                <a:latin typeface="MS UI Gothic" pitchFamily="50" charset="-128"/>
+                <a:ea typeface="MS UI Gothic" pitchFamily="50" charset="-128"/>
+                <a:cs typeface="メイリオ" pitchFamily="50" charset="-128"/>
+              </a:rPr>
+              <a:t>    def </a:t>
+            </a:r>
+            <a:r>
+              <a:rPr lang="en-US" sz="1000" dirty="0" err="1" smtClean="0">
+                <a:latin typeface="MS UI Gothic" pitchFamily="50" charset="-128"/>
+                <a:ea typeface="MS UI Gothic" pitchFamily="50" charset="-128"/>
+                <a:cs typeface="メイリオ" pitchFamily="50" charset="-128"/>
+              </a:rPr>
+              <a:t>setPath</a:t>
+            </a:r>
+            <a:r>
+              <a:rPr lang="en-US" sz="1000" dirty="0" smtClean="0">
+                <a:latin typeface="MS UI Gothic" pitchFamily="50" charset="-128"/>
+                <a:ea typeface="MS UI Gothic" pitchFamily="50" charset="-128"/>
+                <a:cs typeface="メイリオ" pitchFamily="50" charset="-128"/>
+              </a:rPr>
+              <a:t>(self, path):</a:t>
+            </a:r>
+          </a:p>
+          <a:p>
+            <a:r>
+              <a:rPr lang="en-US" sz="1000" dirty="0" smtClean="0">
+                <a:latin typeface="MS UI Gothic" pitchFamily="50" charset="-128"/>
+                <a:ea typeface="MS UI Gothic" pitchFamily="50" charset="-128"/>
+                <a:cs typeface="メイリオ" pitchFamily="50" charset="-128"/>
+              </a:rPr>
+              <a:t>        </a:t>
+            </a:r>
+            <a:r>
+              <a:rPr lang="en-US" sz="1000" dirty="0" err="1" smtClean="0">
+                <a:latin typeface="MS UI Gothic" pitchFamily="50" charset="-128"/>
+                <a:ea typeface="MS UI Gothic" pitchFamily="50" charset="-128"/>
+                <a:cs typeface="メイリオ" pitchFamily="50" charset="-128"/>
+              </a:rPr>
+              <a:t>cmds.setAttr</a:t>
+            </a:r>
+            <a:r>
+              <a:rPr lang="en-US" sz="1000" dirty="0" smtClean="0">
+                <a:latin typeface="MS UI Gothic" pitchFamily="50" charset="-128"/>
+                <a:ea typeface="MS UI Gothic" pitchFamily="50" charset="-128"/>
+                <a:cs typeface="メイリオ" pitchFamily="50" charset="-128"/>
+              </a:rPr>
+              <a:t>(</a:t>
+            </a:r>
+            <a:r>
+              <a:rPr lang="en-US" sz="1000" dirty="0" err="1" smtClean="0">
+                <a:latin typeface="MS UI Gothic" pitchFamily="50" charset="-128"/>
+                <a:ea typeface="MS UI Gothic" pitchFamily="50" charset="-128"/>
+                <a:cs typeface="メイリオ" pitchFamily="50" charset="-128"/>
+              </a:rPr>
+              <a:t>self.node</a:t>
+            </a:r>
+            <a:r>
+              <a:rPr lang="en-US" sz="1000" dirty="0" smtClean="0">
+                <a:latin typeface="MS UI Gothic" pitchFamily="50" charset="-128"/>
+                <a:ea typeface="MS UI Gothic" pitchFamily="50" charset="-128"/>
+                <a:cs typeface="メイリオ" pitchFamily="50" charset="-128"/>
+              </a:rPr>
+              <a:t> + '.</a:t>
+            </a:r>
+            <a:r>
+              <a:rPr lang="en-US" sz="1000" dirty="0" err="1" smtClean="0">
+                <a:latin typeface="MS UI Gothic" pitchFamily="50" charset="-128"/>
+                <a:ea typeface="MS UI Gothic" pitchFamily="50" charset="-128"/>
+                <a:cs typeface="メイリオ" pitchFamily="50" charset="-128"/>
+              </a:rPr>
+              <a:t>abc_File</a:t>
+            </a:r>
+            <a:r>
+              <a:rPr lang="en-US" sz="1000" dirty="0" smtClean="0">
+                <a:latin typeface="MS UI Gothic" pitchFamily="50" charset="-128"/>
+                <a:ea typeface="MS UI Gothic" pitchFamily="50" charset="-128"/>
+                <a:cs typeface="メイリオ" pitchFamily="50" charset="-128"/>
+              </a:rPr>
+              <a:t>',</a:t>
+            </a:r>
+          </a:p>
+          <a:p>
+            <a:r>
+              <a:rPr lang="en-US" sz="1000" dirty="0" smtClean="0">
+                <a:latin typeface="MS UI Gothic" pitchFamily="50" charset="-128"/>
+                <a:ea typeface="MS UI Gothic" pitchFamily="50" charset="-128"/>
+                <a:cs typeface="メイリオ" pitchFamily="50" charset="-128"/>
+              </a:rPr>
+              <a:t>                           </a:t>
+            </a:r>
+            <a:r>
+              <a:rPr lang="en-US" sz="1000" dirty="0" err="1" smtClean="0">
+                <a:latin typeface="MS UI Gothic" pitchFamily="50" charset="-128"/>
+                <a:ea typeface="MS UI Gothic" pitchFamily="50" charset="-128"/>
+                <a:cs typeface="メイリオ" pitchFamily="50" charset="-128"/>
+              </a:rPr>
+              <a:t>path.replace</a:t>
+            </a:r>
+            <a:r>
+              <a:rPr lang="en-US" sz="1000" dirty="0" smtClean="0">
+                <a:latin typeface="MS UI Gothic" pitchFamily="50" charset="-128"/>
+                <a:ea typeface="MS UI Gothic" pitchFamily="50" charset="-128"/>
+                <a:cs typeface="メイリオ" pitchFamily="50" charset="-128"/>
+              </a:rPr>
+              <a:t>(os.sep</a:t>
+            </a:r>
+            <a:r>
+              <a:rPr lang="en-US" sz="1000" dirty="0" smtClean="0">
+                <a:latin typeface="MS UI Gothic" pitchFamily="50" charset="-128"/>
+                <a:ea typeface="MS UI Gothic" pitchFamily="50" charset="-128"/>
+                <a:cs typeface="メイリオ" pitchFamily="50" charset="-128"/>
+              </a:rPr>
+              <a:t>, '/'), type='string</a:t>
+            </a:r>
+            <a:r>
+              <a:rPr lang="en-US" sz="1000" dirty="0" smtClean="0">
+                <a:latin typeface="MS UI Gothic" pitchFamily="50" charset="-128"/>
+                <a:ea typeface="MS UI Gothic" pitchFamily="50" charset="-128"/>
+                <a:cs typeface="メイリオ" pitchFamily="50" charset="-128"/>
+              </a:rPr>
+              <a:t>')</a:t>
+            </a:r>
+          </a:p>
+          <a:p>
+            <a:endParaRPr lang="en-US" sz="1000" dirty="0" smtClean="0">
+              <a:latin typeface="MS UI Gothic" pitchFamily="50" charset="-128"/>
+              <a:ea typeface="MS UI Gothic" pitchFamily="50" charset="-128"/>
+              <a:cs typeface="メイリオ" pitchFamily="50" charset="-128"/>
+            </a:endParaRPr>
+          </a:p>
+          <a:p>
+            <a:r>
+              <a:rPr lang="en-US" sz="1000" dirty="0" smtClean="0">
+                <a:latin typeface="MS UI Gothic" pitchFamily="50" charset="-128"/>
+                <a:ea typeface="MS UI Gothic" pitchFamily="50" charset="-128"/>
+                <a:cs typeface="メイリオ" pitchFamily="50" charset="-128"/>
+              </a:rPr>
+              <a:t>        return </a:t>
+            </a:r>
+            <a:r>
+              <a:rPr lang="en-US" sz="1000" dirty="0" err="1" smtClean="0">
+                <a:latin typeface="MS UI Gothic" pitchFamily="50" charset="-128"/>
+                <a:ea typeface="MS UI Gothic" pitchFamily="50" charset="-128"/>
+                <a:cs typeface="メイリオ" pitchFamily="50" charset="-128"/>
+              </a:rPr>
+              <a:t>self.getPath</a:t>
+            </a:r>
+            <a:r>
+              <a:rPr lang="en-US" sz="1000" dirty="0" smtClean="0">
+                <a:latin typeface="MS UI Gothic" pitchFamily="50" charset="-128"/>
+                <a:ea typeface="MS UI Gothic" pitchFamily="50" charset="-128"/>
+                <a:cs typeface="メイリオ" pitchFamily="50" charset="-128"/>
+              </a:rPr>
+              <a:t>()</a:t>
+            </a:r>
+          </a:p>
+          <a:p>
+            <a:endParaRPr lang="en-US" sz="1000" dirty="0" smtClean="0">
+              <a:latin typeface="MS UI Gothic" pitchFamily="50" charset="-128"/>
+              <a:ea typeface="MS UI Gothic" pitchFamily="50" charset="-128"/>
+              <a:cs typeface="メイリオ" pitchFamily="50" charset="-128"/>
+            </a:endParaRPr>
+          </a:p>
+          <a:p>
+            <a:endParaRPr lang="en-US" sz="1000" dirty="0" smtClean="0">
+              <a:latin typeface="MS UI Gothic" pitchFamily="50" charset="-128"/>
+              <a:ea typeface="MS UI Gothic" pitchFamily="50" charset="-128"/>
+              <a:cs typeface="メイリオ" pitchFamily="50" charset="-128"/>
+            </a:endParaRPr>
+          </a:p>
+        </p:txBody>
+      </p:sp>
+      <p:sp>
+        <p:nvSpPr>
+          <p:cNvPr id="10" name="コンテンツ プレースホルダー 2"/>
+          <p:cNvSpPr>
+            <a:spLocks noGrp="1"/>
+          </p:cNvSpPr>
+          <p:nvPr>
+            <p:ph idx="1"/>
+          </p:nvPr>
+        </p:nvSpPr>
+        <p:spPr>
+          <a:xfrm>
+            <a:off x="457200" y="3214692"/>
+            <a:ext cx="8229600" cy="1428760"/>
+          </a:xfrm>
+        </p:spPr>
+        <p:txBody>
+          <a:bodyPr/>
+          <a:lstStyle/>
+          <a:p>
+            <a:r>
+              <a:rPr lang="ja-JP" altLang="en-US" sz="2800" dirty="0" smtClean="0">
+                <a:latin typeface="メイリオ" pitchFamily="50" charset="-128"/>
+                <a:ea typeface="メイリオ" pitchFamily="50" charset="-128"/>
+                <a:cs typeface="メイリオ" pitchFamily="50" charset="-128"/>
+              </a:rPr>
+              <a:t>見て</a:t>
+            </a:r>
+            <a:r>
+              <a:rPr lang="ja-JP" altLang="en-US" sz="2800" dirty="0" smtClean="0">
+                <a:latin typeface="メイリオ" pitchFamily="50" charset="-128"/>
+                <a:ea typeface="メイリオ" pitchFamily="50" charset="-128"/>
+                <a:cs typeface="メイリオ" pitchFamily="50" charset="-128"/>
+              </a:rPr>
+              <a:t>の通り</a:t>
+            </a:r>
+            <a:r>
+              <a:rPr lang="ja-JP" altLang="en-US" sz="2800" dirty="0" err="1" smtClean="0">
+                <a:latin typeface="メイリオ" pitchFamily="50" charset="-128"/>
+                <a:ea typeface="メイリオ" pitchFamily="50" charset="-128"/>
+                <a:cs typeface="メイリオ" pitchFamily="50" charset="-128"/>
+              </a:rPr>
+              <a:t>大</a:t>
+            </a:r>
+            <a:r>
+              <a:rPr lang="ja-JP" altLang="en-US" sz="2800" dirty="0" err="1" smtClean="0">
+                <a:latin typeface="メイリオ" pitchFamily="50" charset="-128"/>
+                <a:ea typeface="メイリオ" pitchFamily="50" charset="-128"/>
+                <a:cs typeface="メイリオ" pitchFamily="50" charset="-128"/>
+              </a:rPr>
+              <a:t>した</a:t>
+            </a:r>
+            <a:r>
+              <a:rPr lang="ja-JP" altLang="en-US" sz="2800" dirty="0" smtClean="0">
+                <a:latin typeface="メイリオ" pitchFamily="50" charset="-128"/>
+                <a:ea typeface="メイリオ" pitchFamily="50" charset="-128"/>
+                <a:cs typeface="メイリオ" pitchFamily="50" charset="-128"/>
+              </a:rPr>
+              <a:t>こと</a:t>
+            </a:r>
+            <a:r>
+              <a:rPr lang="ja-JP" altLang="en-US" sz="2800" dirty="0" smtClean="0">
+                <a:latin typeface="メイリオ" pitchFamily="50" charset="-128"/>
+                <a:ea typeface="メイリオ" pitchFamily="50" charset="-128"/>
+                <a:cs typeface="メイリオ" pitchFamily="50" charset="-128"/>
+              </a:rPr>
+              <a:t>をしているわけではない</a:t>
+            </a:r>
+            <a:endParaRPr lang="en-US" altLang="ja-JP" sz="2800" dirty="0" smtClean="0">
+              <a:latin typeface="メイリオ" pitchFamily="50" charset="-128"/>
+              <a:ea typeface="メイリオ" pitchFamily="50" charset="-128"/>
+              <a:cs typeface="メイリオ" pitchFamily="50" charset="-128"/>
+            </a:endParaRPr>
+          </a:p>
+          <a:p>
+            <a:r>
+              <a:rPr lang="ja-JP" altLang="en-US" sz="2800" dirty="0" smtClean="0">
+                <a:latin typeface="メイリオ" pitchFamily="50" charset="-128"/>
+                <a:ea typeface="メイリオ" pitchFamily="50" charset="-128"/>
+                <a:cs typeface="メイリオ" pitchFamily="50" charset="-128"/>
+              </a:rPr>
+              <a:t>ちょっとした工夫で腐らないコードにすることができるという例</a:t>
+            </a:r>
+            <a:endParaRPr lang="en-US" altLang="ja-JP" sz="2800" dirty="0" smtClean="0">
               <a:latin typeface="メイリオ" pitchFamily="50" charset="-128"/>
               <a:ea typeface="メイリオ" pitchFamily="50" charset="-128"/>
               <a:cs typeface="メイリオ" pitchFamily="50" charset="-128"/>
@@ -8806,7 +9790,7 @@
                 <a:ea typeface="メイリオ" pitchFamily="50" charset="-128"/>
                 <a:cs typeface="メイリオ" pitchFamily="50" charset="-128"/>
               </a:rPr>
-              <a:t>効率よくコードを書くためのキモ</a:t>
+              <a:t>コードの品質を維持するために</a:t>
             </a:r>
             <a:endParaRPr kumimoji="1" lang="ja-JP" altLang="en-US" sz="4000" dirty="0">
               <a:solidFill>
@@ -8831,28 +9815,18 @@
         </p:nvSpPr>
         <p:spPr/>
         <p:txBody>
-          <a:bodyPr anchor="ctr"/>
+          <a:bodyPr/>
           <a:lstStyle/>
           <a:p>
             <a:r>
-              <a:rPr kumimoji="1" lang="ja-JP" altLang="en-US" sz="4800" dirty="0" smtClean="0">
-                <a:solidFill>
-                  <a:schemeClr val="bg1">
-                    <a:lumMod val="75000"/>
-                  </a:schemeClr>
-                </a:solidFill>
-                <a:latin typeface="メイリオ" pitchFamily="50" charset="-128"/>
-                <a:ea typeface="メイリオ" pitchFamily="50" charset="-128"/>
-                <a:cs typeface="メイリオ" pitchFamily="50" charset="-128"/>
-              </a:rPr>
-              <a:t>コード品質の維持</a:t>
-            </a:r>
-            <a:endParaRPr kumimoji="1" lang="en-US" altLang="ja-JP" sz="4800" dirty="0" smtClean="0">
-              <a:solidFill>
-                <a:schemeClr val="bg1">
-                  <a:lumMod val="75000"/>
-                </a:schemeClr>
-              </a:solidFill>
+              <a:rPr kumimoji="1" lang="ja-JP" altLang="en-US" dirty="0" smtClean="0">
+                <a:latin typeface="メイリオ" pitchFamily="50" charset="-128"/>
+                <a:ea typeface="メイリオ" pitchFamily="50" charset="-128"/>
+                <a:cs typeface="メイリオ" pitchFamily="50" charset="-128"/>
+              </a:rPr>
+              <a:t>処理をそのままベタ書きしない</a:t>
+            </a:r>
+            <a:endParaRPr kumimoji="1" lang="en-US" altLang="ja-JP" dirty="0" smtClean="0">
               <a:latin typeface="メイリオ" pitchFamily="50" charset="-128"/>
               <a:ea typeface="メイリオ" pitchFamily="50" charset="-128"/>
               <a:cs typeface="メイリオ" pitchFamily="50" charset="-128"/>
@@ -8860,14 +9834,46 @@
           </a:p>
           <a:p>
             <a:r>
-              <a:rPr lang="ja-JP" altLang="en-US" sz="4800" dirty="0" smtClean="0">
-                <a:latin typeface="メイリオ" pitchFamily="50" charset="-128"/>
-                <a:ea typeface="メイリオ" pitchFamily="50" charset="-128"/>
-                <a:cs typeface="メイリオ" pitchFamily="50" charset="-128"/>
-              </a:rPr>
-              <a:t>デバッグ</a:t>
-            </a:r>
-            <a:endParaRPr lang="en-US" altLang="ja-JP" sz="4800" dirty="0" smtClean="0">
+              <a:rPr lang="ja-JP" altLang="en-US" dirty="0" smtClean="0">
+                <a:latin typeface="メイリオ" pitchFamily="50" charset="-128"/>
+                <a:ea typeface="メイリオ" pitchFamily="50" charset="-128"/>
+                <a:cs typeface="メイリオ" pitchFamily="50" charset="-128"/>
+              </a:rPr>
+              <a:t>プログラミング</a:t>
+            </a:r>
+            <a:r>
+              <a:rPr lang="ja-JP" altLang="en-US" dirty="0" smtClean="0">
+                <a:latin typeface="メイリオ" pitchFamily="50" charset="-128"/>
+                <a:ea typeface="メイリオ" pitchFamily="50" charset="-128"/>
+                <a:cs typeface="メイリオ" pitchFamily="50" charset="-128"/>
+              </a:rPr>
+              <a:t>言語</a:t>
+            </a:r>
+            <a:r>
+              <a:rPr lang="ja-JP" altLang="en-US" dirty="0" smtClean="0">
+                <a:latin typeface="メイリオ" pitchFamily="50" charset="-128"/>
+                <a:ea typeface="メイリオ" pitchFamily="50" charset="-128"/>
+                <a:cs typeface="メイリオ" pitchFamily="50" charset="-128"/>
+              </a:rPr>
+              <a:t>の</a:t>
+            </a:r>
+            <a:r>
+              <a:rPr lang="ja-JP" altLang="en-US" dirty="0" smtClean="0">
+                <a:latin typeface="メイリオ" pitchFamily="50" charset="-128"/>
+                <a:ea typeface="メイリオ" pitchFamily="50" charset="-128"/>
+                <a:cs typeface="メイリオ" pitchFamily="50" charset="-128"/>
+              </a:rPr>
+              <a:t>力</a:t>
+            </a:r>
+            <a:r>
+              <a:rPr lang="ja-JP" altLang="en-US" dirty="0" smtClean="0">
+                <a:latin typeface="メイリオ" pitchFamily="50" charset="-128"/>
+                <a:ea typeface="メイリオ" pitchFamily="50" charset="-128"/>
+                <a:cs typeface="メイリオ" pitchFamily="50" charset="-128"/>
+              </a:rPr>
+              <a:t>を利用する</a:t>
+            </a:r>
+            <a:endParaRPr lang="en-US" altLang="ja-JP" dirty="0" smtClean="0">
               <a:latin typeface="メイリオ" pitchFamily="50" charset="-128"/>
               <a:ea typeface="メイリオ" pitchFamily="50" charset="-128"/>
               <a:cs typeface="メイリオ" pitchFamily="50" charset="-128"/>
@@ -8875,24 +9881,29 @@
           </a:p>
           <a:p>
             <a:r>
-              <a:rPr kumimoji="1" lang="ja-JP" altLang="en-US" sz="4800" dirty="0" smtClean="0">
-                <a:solidFill>
-                  <a:schemeClr val="bg1">
-                    <a:lumMod val="75000"/>
-                  </a:schemeClr>
-                </a:solidFill>
-                <a:latin typeface="メイリオ" pitchFamily="50" charset="-128"/>
-                <a:ea typeface="メイリオ" pitchFamily="50" charset="-128"/>
-                <a:cs typeface="メイリオ" pitchFamily="50" charset="-128"/>
-              </a:rPr>
-              <a:t>処理の最適化</a:t>
-            </a:r>
-            <a:endParaRPr kumimoji="1" lang="ja-JP" altLang="en-US" sz="4800" dirty="0">
-              <a:solidFill>
-                <a:schemeClr val="bg1">
-                  <a:lumMod val="75000"/>
-                </a:schemeClr>
-              </a:solidFill>
+              <a:rPr lang="ja-JP" altLang="en-US" dirty="0" smtClean="0">
+                <a:latin typeface="メイリオ" pitchFamily="50" charset="-128"/>
+                <a:ea typeface="メイリオ" pitchFamily="50" charset="-128"/>
+                <a:cs typeface="メイリオ" pitchFamily="50" charset="-128"/>
+              </a:rPr>
+              <a:t>やりすぎる</a:t>
+            </a:r>
+            <a:r>
+              <a:rPr lang="ja-JP" altLang="en-US" dirty="0" smtClean="0">
+                <a:latin typeface="メイリオ" pitchFamily="50" charset="-128"/>
+                <a:ea typeface="メイリオ" pitchFamily="50" charset="-128"/>
+                <a:cs typeface="メイリオ" pitchFamily="50" charset="-128"/>
+              </a:rPr>
+              <a:t>とメンテナンスできないコードになるのでやりすぎはダメ</a:t>
+            </a:r>
+            <a:endParaRPr lang="en-US" altLang="ja-JP" dirty="0" smtClean="0">
+              <a:latin typeface="メイリオ" pitchFamily="50" charset="-128"/>
+              <a:ea typeface="メイリオ" pitchFamily="50" charset="-128"/>
+              <a:cs typeface="メイリオ" pitchFamily="50" charset="-128"/>
+            </a:endParaRPr>
+          </a:p>
+          <a:p>
+            <a:endParaRPr kumimoji="1" lang="en-US" altLang="ja-JP" dirty="0" smtClean="0">
               <a:latin typeface="メイリオ" pitchFamily="50" charset="-128"/>
               <a:ea typeface="メイリオ" pitchFamily="50" charset="-128"/>
               <a:cs typeface="メイリオ" pitchFamily="50" charset="-128"/>
@@ -9029,7 +10040,7 @@
                 <a:ea typeface="メイリオ" pitchFamily="50" charset="-128"/>
                 <a:cs typeface="メイリオ" pitchFamily="50" charset="-128"/>
               </a:rPr>
-              <a:t>バグが出た時の対応</a:t>
+              <a:t>効率よくコードを書くためのキモ</a:t>
             </a:r>
             <a:endParaRPr kumimoji="1" lang="ja-JP" altLang="en-US" sz="4000" dirty="0">
               <a:solidFill>
@@ -9054,26 +10065,28 @@
         </p:nvSpPr>
         <p:spPr/>
         <p:txBody>
-          <a:bodyPr/>
+          <a:bodyPr anchor="ctr"/>
           <a:lstStyle/>
           <a:p>
             <a:r>
-              <a:rPr kumimoji="1" lang="ja-JP" altLang="en-US" dirty="0" smtClean="0">
-                <a:latin typeface="メイリオ" pitchFamily="50" charset="-128"/>
-                <a:ea typeface="メイリオ" pitchFamily="50" charset="-128"/>
-                <a:cs typeface="メイリオ" pitchFamily="50" charset="-128"/>
-              </a:rPr>
-              <a:t>バグ</a:t>
-            </a:r>
-            <a:r>
-              <a:rPr lang="ja-JP" altLang="en-US" dirty="0" smtClean="0">
-                <a:latin typeface="メイリオ" pitchFamily="50" charset="-128"/>
-                <a:ea typeface="メイリオ" pitchFamily="50" charset="-128"/>
-                <a:cs typeface="メイリオ" pitchFamily="50" charset="-128"/>
-              </a:rPr>
-              <a:t>の原因の特定</a:t>
-            </a:r>
-            <a:endParaRPr lang="en-US" altLang="ja-JP" dirty="0" smtClean="0">
+              <a:rPr kumimoji="1" lang="ja-JP" altLang="en-US" sz="4800" dirty="0" smtClean="0">
+                <a:solidFill>
+                  <a:schemeClr val="bg1">
+                    <a:lumMod val="75000"/>
+                  </a:schemeClr>
+                </a:solidFill>
+                <a:latin typeface="メイリオ" pitchFamily="50" charset="-128"/>
+                <a:ea typeface="メイリオ" pitchFamily="50" charset="-128"/>
+                <a:cs typeface="メイリオ" pitchFamily="50" charset="-128"/>
+              </a:rPr>
+              <a:t>コード品質の維持</a:t>
+            </a:r>
+            <a:endParaRPr kumimoji="1" lang="en-US" altLang="ja-JP" sz="4800" dirty="0" smtClean="0">
+              <a:solidFill>
+                <a:schemeClr val="bg1">
+                  <a:lumMod val="75000"/>
+                </a:schemeClr>
+              </a:solidFill>
               <a:latin typeface="メイリオ" pitchFamily="50" charset="-128"/>
               <a:ea typeface="メイリオ" pitchFamily="50" charset="-128"/>
               <a:cs typeface="メイリオ" pitchFamily="50" charset="-128"/>
@@ -9081,72 +10094,39 @@
           </a:p>
           <a:p>
             <a:r>
-              <a:rPr lang="en-US" altLang="ja-JP" dirty="0" err="1" smtClean="0">
-                <a:latin typeface="メイリオ" pitchFamily="50" charset="-128"/>
-                <a:ea typeface="メイリオ" pitchFamily="50" charset="-128"/>
-                <a:cs typeface="メイリオ" pitchFamily="50" charset="-128"/>
-              </a:rPr>
-              <a:t>p</a:t>
-            </a:r>
-            <a:r>
-              <a:rPr kumimoji="1" lang="en-US" altLang="ja-JP" dirty="0" err="1" smtClean="0">
-                <a:latin typeface="メイリオ" pitchFamily="50" charset="-128"/>
-                <a:ea typeface="メイリオ" pitchFamily="50" charset="-128"/>
-                <a:cs typeface="メイリオ" pitchFamily="50" charset="-128"/>
-              </a:rPr>
-              <a:t>rintf</a:t>
-            </a:r>
-            <a:r>
-              <a:rPr kumimoji="1" lang="en-US" altLang="ja-JP" dirty="0" smtClean="0">
-                <a:latin typeface="メイリオ" pitchFamily="50" charset="-128"/>
-                <a:ea typeface="メイリオ" pitchFamily="50" charset="-128"/>
-                <a:cs typeface="メイリオ" pitchFamily="50" charset="-128"/>
-              </a:rPr>
-              <a:t> </a:t>
-            </a:r>
-            <a:r>
-              <a:rPr kumimoji="1" lang="ja-JP" altLang="en-US" dirty="0" smtClean="0">
-                <a:latin typeface="メイリオ" pitchFamily="50" charset="-128"/>
-                <a:ea typeface="メイリオ" pitchFamily="50" charset="-128"/>
-                <a:cs typeface="メイリオ" pitchFamily="50" charset="-128"/>
-              </a:rPr>
-              <a:t>デバッグに頼っていませんか</a:t>
-            </a:r>
-            <a:r>
-              <a:rPr kumimoji="1" lang="en-US" altLang="ja-JP" dirty="0" smtClean="0">
-                <a:latin typeface="メイリオ" pitchFamily="50" charset="-128"/>
-                <a:ea typeface="メイリオ" pitchFamily="50" charset="-128"/>
-                <a:cs typeface="メイリオ" pitchFamily="50" charset="-128"/>
-              </a:rPr>
-              <a:t>?</a:t>
-            </a:r>
-          </a:p>
-          <a:p>
-            <a:r>
-              <a:rPr kumimoji="1" lang="ja-JP" altLang="en-US" dirty="0" smtClean="0">
-                <a:latin typeface="メイリオ" pitchFamily="50" charset="-128"/>
-                <a:ea typeface="メイリオ" pitchFamily="50" charset="-128"/>
-                <a:cs typeface="メイリオ" pitchFamily="50" charset="-128"/>
-              </a:rPr>
-              <a:t>変数</a:t>
-            </a:r>
-            <a:r>
-              <a:rPr lang="ja-JP" altLang="en-US" dirty="0" smtClean="0">
-                <a:latin typeface="メイリオ" pitchFamily="50" charset="-128"/>
-                <a:ea typeface="メイリオ" pitchFamily="50" charset="-128"/>
-                <a:cs typeface="メイリオ" pitchFamily="50" charset="-128"/>
-              </a:rPr>
-              <a:t>を表示</a:t>
-            </a:r>
-            <a:r>
-              <a:rPr kumimoji="1" lang="ja-JP" altLang="en-US" dirty="0" smtClean="0">
-                <a:latin typeface="メイリオ" pitchFamily="50" charset="-128"/>
-                <a:ea typeface="メイリオ" pitchFamily="50" charset="-128"/>
-                <a:cs typeface="メイリオ" pitchFamily="50" charset="-128"/>
-              </a:rPr>
-              <a:t>しまくって山のようなログが流れるとか</a:t>
-            </a:r>
-            <a:endParaRPr kumimoji="1" lang="ja-JP" altLang="en-US" dirty="0">
+              <a:rPr lang="ja-JP" altLang="en-US" sz="4800" dirty="0" smtClean="0">
+                <a:latin typeface="メイリオ" pitchFamily="50" charset="-128"/>
+                <a:ea typeface="メイリオ" pitchFamily="50" charset="-128"/>
+                <a:cs typeface="メイリオ" pitchFamily="50" charset="-128"/>
+              </a:rPr>
+              <a:t>デバッグ</a:t>
+            </a:r>
+            <a:endParaRPr lang="en-US" altLang="ja-JP" sz="4800" dirty="0" smtClean="0">
+              <a:latin typeface="メイリオ" pitchFamily="50" charset="-128"/>
+              <a:ea typeface="メイリオ" pitchFamily="50" charset="-128"/>
+              <a:cs typeface="メイリオ" pitchFamily="50" charset="-128"/>
+            </a:endParaRPr>
+          </a:p>
+          <a:p>
+            <a:r>
+              <a:rPr kumimoji="1" lang="ja-JP" altLang="en-US" sz="4800" dirty="0" smtClean="0">
+                <a:solidFill>
+                  <a:schemeClr val="bg1">
+                    <a:lumMod val="75000"/>
+                  </a:schemeClr>
+                </a:solidFill>
+                <a:latin typeface="メイリオ" pitchFamily="50" charset="-128"/>
+                <a:ea typeface="メイリオ" pitchFamily="50" charset="-128"/>
+                <a:cs typeface="メイリオ" pitchFamily="50" charset="-128"/>
+              </a:rPr>
+              <a:t>処理の最適化</a:t>
+            </a:r>
+            <a:endParaRPr kumimoji="1" lang="ja-JP" altLang="en-US" sz="4800" dirty="0">
+              <a:solidFill>
+                <a:schemeClr val="bg1">
+                  <a:lumMod val="75000"/>
+                </a:schemeClr>
+              </a:solidFill>
               <a:latin typeface="メイリオ" pitchFamily="50" charset="-128"/>
               <a:ea typeface="メイリオ" pitchFamily="50" charset="-128"/>
               <a:cs typeface="メイリオ" pitchFamily="50" charset="-128"/>
@@ -9181,7 +10161,7 @@
               <a:pPr>
                 <a:defRPr/>
               </a:pPr>
-              <a:t>2014/08/29</a:t>
+              <a:t>2014/08/31</a:t>
             </a:fld>
             <a:endParaRPr lang="ja-JP" altLang="en-US" dirty="0">
               <a:latin typeface="メイリオ" pitchFamily="50" charset="-128"/>
@@ -9283,7 +10263,7 @@
                 <a:ea typeface="メイリオ" pitchFamily="50" charset="-128"/>
                 <a:cs typeface="メイリオ" pitchFamily="50" charset="-128"/>
               </a:rPr>
-              <a:t>デバッガの活用</a:t>
+              <a:t>バグが出た時の対応</a:t>
             </a:r>
             <a:endParaRPr kumimoji="1" lang="ja-JP" altLang="en-US" sz="4000" dirty="0">
               <a:solidFill>
@@ -9317,9 +10297,17 @@
                 <a:ea typeface="メイリオ" pitchFamily="50" charset="-128"/>
                 <a:cs typeface="メイリオ" pitchFamily="50" charset="-128"/>
               </a:rPr>
-              <a:t>デバッガを使いましょう</a:t>
-            </a:r>
-            <a:endParaRPr kumimoji="1" lang="en-US" altLang="ja-JP" dirty="0" smtClean="0">
+              <a:t>バグ</a:t>
+            </a:r>
+            <a:r>
+              <a:rPr lang="ja-JP" altLang="en-US" dirty="0" smtClean="0">
+                <a:latin typeface="メイリオ" pitchFamily="50" charset="-128"/>
+                <a:ea typeface="メイリオ" pitchFamily="50" charset="-128"/>
+                <a:cs typeface="メイリオ" pitchFamily="50" charset="-128"/>
+              </a:rPr>
+              <a:t>の原因の特定</a:t>
+            </a:r>
+            <a:endParaRPr lang="en-US" altLang="ja-JP" dirty="0" smtClean="0">
               <a:latin typeface="メイリオ" pitchFamily="50" charset="-128"/>
               <a:ea typeface="メイリオ" pitchFamily="50" charset="-128"/>
               <a:cs typeface="メイリオ" pitchFamily="50" charset="-128"/>
@@ -9327,12 +10315,28 @@
           </a:p>
           <a:p>
             <a:r>
+              <a:rPr lang="en-US" altLang="ja-JP" dirty="0" err="1" smtClean="0">
+                <a:latin typeface="メイリオ" pitchFamily="50" charset="-128"/>
+                <a:ea typeface="メイリオ" pitchFamily="50" charset="-128"/>
+                <a:cs typeface="メイリオ" pitchFamily="50" charset="-128"/>
+              </a:rPr>
+              <a:t>p</a:t>
+            </a:r>
+            <a:r>
+              <a:rPr kumimoji="1" lang="en-US" altLang="ja-JP" dirty="0" err="1" smtClean="0">
+                <a:latin typeface="メイリオ" pitchFamily="50" charset="-128"/>
+                <a:ea typeface="メイリオ" pitchFamily="50" charset="-128"/>
+                <a:cs typeface="メイリオ" pitchFamily="50" charset="-128"/>
+              </a:rPr>
+              <a:t>rintf</a:t>
+            </a:r>
+            <a:r>
               <a:rPr kumimoji="1" lang="en-US" altLang="ja-JP" dirty="0" smtClean="0">
                 <a:latin typeface="メイリオ" pitchFamily="50" charset="-128"/>
                 <a:ea typeface="メイリオ" pitchFamily="50" charset="-128"/>
                 <a:cs typeface="メイリオ" pitchFamily="50" charset="-128"/>
               </a:rPr>
-              <a:t>Python </a:t>
+              <a:t> </a:t>
             </a:r>
             <a:r>
               <a:rPr kumimoji="1" lang="ja-JP" altLang="en-US" dirty="0" smtClean="0">
@@ -9340,54 +10344,33 @@
                 <a:ea typeface="メイリオ" pitchFamily="50" charset="-128"/>
                 <a:cs typeface="メイリオ" pitchFamily="50" charset="-128"/>
               </a:rPr>
-              <a:t>だったら </a:t>
-            </a:r>
-            <a:r>
-              <a:rPr kumimoji="1" lang="en-US" altLang="ja-JP" dirty="0" err="1" smtClean="0">
-                <a:latin typeface="メイリオ" pitchFamily="50" charset="-128"/>
-                <a:ea typeface="メイリオ" pitchFamily="50" charset="-128"/>
-                <a:cs typeface="メイリオ" pitchFamily="50" charset="-128"/>
-              </a:rPr>
-              <a:t>pdb</a:t>
-            </a:r>
-            <a:endParaRPr kumimoji="1" lang="en-US" altLang="ja-JP" dirty="0" smtClean="0">
-              <a:latin typeface="メイリオ" pitchFamily="50" charset="-128"/>
-              <a:ea typeface="メイリオ" pitchFamily="50" charset="-128"/>
-              <a:cs typeface="メイリオ" pitchFamily="50" charset="-128"/>
-            </a:endParaRPr>
-          </a:p>
-          <a:p>
+              <a:t>デバッグに頼っていませんか</a:t>
+            </a:r>
             <a:r>
               <a:rPr kumimoji="1" lang="en-US" altLang="ja-JP" dirty="0" smtClean="0">
                 <a:latin typeface="メイリオ" pitchFamily="50" charset="-128"/>
                 <a:ea typeface="メイリオ" pitchFamily="50" charset="-128"/>
                 <a:cs typeface="メイリオ" pitchFamily="50" charset="-128"/>
               </a:rPr>
-              <a:t>GUI </a:t>
-            </a:r>
+              <a:t>?</a:t>
+            </a:r>
+          </a:p>
+          <a:p>
             <a:r>
               <a:rPr kumimoji="1" lang="ja-JP" altLang="en-US" dirty="0" smtClean="0">
                 <a:latin typeface="メイリオ" pitchFamily="50" charset="-128"/>
                 <a:ea typeface="メイリオ" pitchFamily="50" charset="-128"/>
                 <a:cs typeface="メイリオ" pitchFamily="50" charset="-128"/>
               </a:rPr>
-              <a:t>が必要なら </a:t>
-            </a:r>
-            <a:r>
-              <a:rPr kumimoji="1" lang="en-US" altLang="ja-JP" dirty="0" err="1" smtClean="0">
-                <a:latin typeface="メイリオ" pitchFamily="50" charset="-128"/>
-                <a:ea typeface="メイリオ" pitchFamily="50" charset="-128"/>
-                <a:cs typeface="メイリオ" pitchFamily="50" charset="-128"/>
-              </a:rPr>
-              <a:t>WinPDB</a:t>
-            </a:r>
-            <a:r>
-              <a:rPr kumimoji="1" lang="en-US" altLang="ja-JP" dirty="0" smtClean="0">
-                <a:latin typeface="メイリオ" pitchFamily="50" charset="-128"/>
-                <a:ea typeface="メイリオ" pitchFamily="50" charset="-128"/>
-                <a:cs typeface="メイリオ" pitchFamily="50" charset="-128"/>
-              </a:rPr>
-              <a:t> </a:t>
+              <a:t>変数</a:t>
+            </a:r>
+            <a:r>
+              <a:rPr lang="ja-JP" altLang="en-US" dirty="0" smtClean="0">
+                <a:latin typeface="メイリオ" pitchFamily="50" charset="-128"/>
+                <a:ea typeface="メイリオ" pitchFamily="50" charset="-128"/>
+                <a:cs typeface="メイリオ" pitchFamily="50" charset="-128"/>
+              </a:rPr>
+              <a:t>を表示</a:t>
             </a:r>
             <a:r>
               <a:rPr kumimoji="1" lang="ja-JP" altLang="en-US" dirty="0" smtClean="0">
@@ -9395,70 +10378,7 @@
                 <a:ea typeface="メイリオ" pitchFamily="50" charset="-128"/>
                 <a:cs typeface="メイリオ" pitchFamily="50" charset="-128"/>
               </a:rPr>
-              <a:t>とか </a:t>
-            </a:r>
-            <a:r>
-              <a:rPr kumimoji="1" lang="en-US" altLang="ja-JP" dirty="0" smtClean="0">
-                <a:latin typeface="メイリオ" pitchFamily="50" charset="-128"/>
-                <a:ea typeface="メイリオ" pitchFamily="50" charset="-128"/>
-                <a:cs typeface="メイリオ" pitchFamily="50" charset="-128"/>
-              </a:rPr>
-              <a:t>Eclipse </a:t>
-            </a:r>
-            <a:r>
-              <a:rPr kumimoji="1" lang="ja-JP" altLang="en-US" dirty="0" smtClean="0">
-                <a:latin typeface="メイリオ" pitchFamily="50" charset="-128"/>
-                <a:ea typeface="メイリオ" pitchFamily="50" charset="-128"/>
-                <a:cs typeface="メイリオ" pitchFamily="50" charset="-128"/>
-              </a:rPr>
-              <a:t>とかいろいろあります</a:t>
-            </a:r>
-            <a:endParaRPr kumimoji="1" lang="en-US" altLang="ja-JP" dirty="0" smtClean="0">
-              <a:latin typeface="メイリオ" pitchFamily="50" charset="-128"/>
-              <a:ea typeface="メイリオ" pitchFamily="50" charset="-128"/>
-              <a:cs typeface="メイリオ" pitchFamily="50" charset="-128"/>
-            </a:endParaRPr>
-          </a:p>
-          <a:p>
-            <a:r>
-              <a:rPr lang="ja-JP" altLang="en-US" dirty="0" smtClean="0">
-                <a:latin typeface="メイリオ" pitchFamily="50" charset="-128"/>
-                <a:ea typeface="メイリオ" pitchFamily="50" charset="-128"/>
-                <a:cs typeface="メイリオ" pitchFamily="50" charset="-128"/>
-              </a:rPr>
-              <a:t>今回</a:t>
-            </a:r>
-            <a:r>
-              <a:rPr lang="ja-JP" altLang="en-US" dirty="0" smtClean="0">
-                <a:latin typeface="メイリオ" pitchFamily="50" charset="-128"/>
-                <a:ea typeface="メイリオ" pitchFamily="50" charset="-128"/>
-                <a:cs typeface="メイリオ" pitchFamily="50" charset="-128"/>
-              </a:rPr>
-              <a:t>は </a:t>
-            </a:r>
-            <a:r>
-              <a:rPr lang="en-US" altLang="ja-JP" dirty="0" err="1" smtClean="0">
-                <a:latin typeface="メイリオ" pitchFamily="50" charset="-128"/>
-                <a:ea typeface="メイリオ" pitchFamily="50" charset="-128"/>
-                <a:cs typeface="メイリオ" pitchFamily="50" charset="-128"/>
-              </a:rPr>
-              <a:t>WinPDB</a:t>
-            </a:r>
-            <a:r>
-              <a:rPr lang="en-US" altLang="ja-JP" dirty="0" smtClean="0">
-                <a:latin typeface="メイリオ" pitchFamily="50" charset="-128"/>
-                <a:ea typeface="メイリオ" pitchFamily="50" charset="-128"/>
-                <a:cs typeface="メイリオ" pitchFamily="50" charset="-128"/>
-              </a:rPr>
-              <a:t> </a:t>
-            </a:r>
-            <a:r>
-              <a:rPr lang="ja-JP" altLang="en-US" dirty="0" smtClean="0">
-                <a:latin typeface="メイリオ" pitchFamily="50" charset="-128"/>
-                <a:ea typeface="メイリオ" pitchFamily="50" charset="-128"/>
-                <a:cs typeface="メイリオ" pitchFamily="50" charset="-128"/>
-              </a:rPr>
-              <a:t>の紹介</a:t>
+              <a:t>しまくって山のようなログが流れるとか</a:t>
             </a:r>
             <a:endParaRPr kumimoji="1" lang="ja-JP" altLang="en-US" dirty="0">
               <a:latin typeface="メイリオ" pitchFamily="50" charset="-128"/>
@@ -9589,7 +10509,7 @@
           <a:p>
             <a:pPr algn="ctr"/>
             <a:r>
-              <a:rPr kumimoji="1" lang="en-US" altLang="ja-JP" sz="4000" dirty="0" err="1" smtClean="0">
+              <a:rPr kumimoji="1" lang="ja-JP" altLang="en-US" sz="4000" dirty="0" smtClean="0">
                 <a:solidFill>
                   <a:schemeClr val="tx1"/>
                 </a:solidFill>
@@ -9597,7 +10517,7 @@
                 <a:ea typeface="メイリオ" pitchFamily="50" charset="-128"/>
                 <a:cs typeface="メイリオ" pitchFamily="50" charset="-128"/>
               </a:rPr>
-              <a:t>WinPDB</a:t>
+              <a:t>デバッガの活用</a:t>
             </a:r>
             <a:endParaRPr kumimoji="1" lang="ja-JP" altLang="en-US" sz="4000" dirty="0">
               <a:solidFill>
@@ -9620,12 +10540,7 @@
             <p:ph idx="1"/>
           </p:nvPr>
         </p:nvSpPr>
-        <p:spPr>
-          <a:xfrm>
-            <a:off x="3457596" y="942977"/>
-            <a:ext cx="5543560" cy="3594497"/>
-          </a:xfrm>
-        </p:spPr>
+        <p:spPr/>
         <p:txBody>
           <a:bodyPr/>
           <a:lstStyle/>
@@ -9636,7 +10551,7 @@
                 <a:ea typeface="メイリオ" pitchFamily="50" charset="-128"/>
                 <a:cs typeface="メイリオ" pitchFamily="50" charset="-128"/>
               </a:rPr>
-              <a:t>シンプル</a:t>
+              <a:t>デバッガを使いましょう</a:t>
             </a:r>
             <a:endParaRPr kumimoji="1" lang="en-US" altLang="ja-JP" dirty="0" smtClean="0">
               <a:latin typeface="メイリオ" pitchFamily="50" charset="-128"/>
@@ -9646,12 +10561,28 @@
           </a:p>
           <a:p>
             <a:r>
+              <a:rPr kumimoji="1" lang="en-US" altLang="ja-JP" dirty="0" smtClean="0">
+                <a:latin typeface="メイリオ" pitchFamily="50" charset="-128"/>
+                <a:ea typeface="メイリオ" pitchFamily="50" charset="-128"/>
+                <a:cs typeface="メイリオ" pitchFamily="50" charset="-128"/>
+              </a:rPr>
+              <a:t>Python </a:t>
+            </a:r>
+            <a:r>
               <a:rPr kumimoji="1" lang="ja-JP" altLang="en-US" dirty="0" smtClean="0">
                 <a:latin typeface="メイリオ" pitchFamily="50" charset="-128"/>
                 <a:ea typeface="メイリオ" pitchFamily="50" charset="-128"/>
                 <a:cs typeface="メイリオ" pitchFamily="50" charset="-128"/>
               </a:rPr>
-              <a:t>デバッガに特化</a:t>
+              <a:t>だったら </a:t>
+            </a:r>
+            <a:r>
+              <a:rPr kumimoji="1" lang="en-US" altLang="ja-JP" dirty="0" err="1" smtClean="0">
+                <a:latin typeface="メイリオ" pitchFamily="50" charset="-128"/>
+                <a:ea typeface="メイリオ" pitchFamily="50" charset="-128"/>
+                <a:cs typeface="メイリオ" pitchFamily="50" charset="-128"/>
+              </a:rPr>
+              <a:t>pdb</a:t>
             </a:r>
             <a:endParaRPr kumimoji="1" lang="en-US" altLang="ja-JP" dirty="0" smtClean="0">
               <a:latin typeface="メイリオ" pitchFamily="50" charset="-128"/>
@@ -9661,12 +10592,315 @@
           </a:p>
           <a:p>
             <a:r>
+              <a:rPr kumimoji="1" lang="en-US" altLang="ja-JP" dirty="0" smtClean="0">
+                <a:latin typeface="メイリオ" pitchFamily="50" charset="-128"/>
+                <a:ea typeface="メイリオ" pitchFamily="50" charset="-128"/>
+                <a:cs typeface="メイリオ" pitchFamily="50" charset="-128"/>
+              </a:rPr>
+              <a:t>GUI </a:t>
+            </a:r>
+            <a:r>
               <a:rPr kumimoji="1" lang="ja-JP" altLang="en-US" dirty="0" smtClean="0">
                 <a:latin typeface="メイリオ" pitchFamily="50" charset="-128"/>
                 <a:ea typeface="メイリオ" pitchFamily="50" charset="-128"/>
                 <a:cs typeface="メイリオ" pitchFamily="50" charset="-128"/>
               </a:rPr>
-              <a:t>リモートデバッグも対応</a:t>
+              <a:t>が必要なら </a:t>
+            </a:r>
+            <a:r>
+              <a:rPr kumimoji="1" lang="en-US" altLang="ja-JP" dirty="0" err="1" smtClean="0">
+                <a:latin typeface="メイリオ" pitchFamily="50" charset="-128"/>
+                <a:ea typeface="メイリオ" pitchFamily="50" charset="-128"/>
+                <a:cs typeface="メイリオ" pitchFamily="50" charset="-128"/>
+              </a:rPr>
+              <a:t>WinPDB</a:t>
+            </a:r>
+            <a:r>
+              <a:rPr kumimoji="1" lang="en-US" altLang="ja-JP" dirty="0" smtClean="0">
+                <a:latin typeface="メイリオ" pitchFamily="50" charset="-128"/>
+                <a:ea typeface="メイリオ" pitchFamily="50" charset="-128"/>
+                <a:cs typeface="メイリオ" pitchFamily="50" charset="-128"/>
+              </a:rPr>
+              <a:t> </a:t>
+            </a:r>
+            <a:r>
+              <a:rPr kumimoji="1" lang="ja-JP" altLang="en-US" dirty="0" smtClean="0">
+                <a:latin typeface="メイリオ" pitchFamily="50" charset="-128"/>
+                <a:ea typeface="メイリオ" pitchFamily="50" charset="-128"/>
+                <a:cs typeface="メイリオ" pitchFamily="50" charset="-128"/>
+              </a:rPr>
+              <a:t>とか </a:t>
+            </a:r>
+            <a:r>
+              <a:rPr kumimoji="1" lang="en-US" altLang="ja-JP" dirty="0" smtClean="0">
+                <a:latin typeface="メイリオ" pitchFamily="50" charset="-128"/>
+                <a:ea typeface="メイリオ" pitchFamily="50" charset="-128"/>
+                <a:cs typeface="メイリオ" pitchFamily="50" charset="-128"/>
+              </a:rPr>
+              <a:t>Eclipse </a:t>
+            </a:r>
+            <a:r>
+              <a:rPr kumimoji="1" lang="ja-JP" altLang="en-US" dirty="0" smtClean="0">
+                <a:latin typeface="メイリオ" pitchFamily="50" charset="-128"/>
+                <a:ea typeface="メイリオ" pitchFamily="50" charset="-128"/>
+                <a:cs typeface="メイリオ" pitchFamily="50" charset="-128"/>
+              </a:rPr>
+              <a:t>とかいろいろあります</a:t>
+            </a:r>
+            <a:endParaRPr kumimoji="1" lang="en-US" altLang="ja-JP" dirty="0" smtClean="0">
+              <a:latin typeface="メイリオ" pitchFamily="50" charset="-128"/>
+              <a:ea typeface="メイリオ" pitchFamily="50" charset="-128"/>
+              <a:cs typeface="メイリオ" pitchFamily="50" charset="-128"/>
+            </a:endParaRPr>
+          </a:p>
+          <a:p>
+            <a:r>
+              <a:rPr lang="ja-JP" altLang="en-US" dirty="0" smtClean="0">
+                <a:latin typeface="メイリオ" pitchFamily="50" charset="-128"/>
+                <a:ea typeface="メイリオ" pitchFamily="50" charset="-128"/>
+                <a:cs typeface="メイリオ" pitchFamily="50" charset="-128"/>
+              </a:rPr>
+              <a:t>今回</a:t>
+            </a:r>
+            <a:r>
+              <a:rPr lang="ja-JP" altLang="en-US" dirty="0" smtClean="0">
+                <a:latin typeface="メイリオ" pitchFamily="50" charset="-128"/>
+                <a:ea typeface="メイリオ" pitchFamily="50" charset="-128"/>
+                <a:cs typeface="メイリオ" pitchFamily="50" charset="-128"/>
+              </a:rPr>
+              <a:t>は </a:t>
+            </a:r>
+            <a:r>
+              <a:rPr lang="en-US" altLang="ja-JP" dirty="0" err="1" smtClean="0">
+                <a:latin typeface="メイリオ" pitchFamily="50" charset="-128"/>
+                <a:ea typeface="メイリオ" pitchFamily="50" charset="-128"/>
+                <a:cs typeface="メイリオ" pitchFamily="50" charset="-128"/>
+              </a:rPr>
+              <a:t>WinPDB</a:t>
+            </a:r>
+            <a:r>
+              <a:rPr lang="en-US" altLang="ja-JP" dirty="0" smtClean="0">
+                <a:latin typeface="メイリオ" pitchFamily="50" charset="-128"/>
+                <a:ea typeface="メイリオ" pitchFamily="50" charset="-128"/>
+                <a:cs typeface="メイリオ" pitchFamily="50" charset="-128"/>
+              </a:rPr>
+              <a:t> </a:t>
+            </a:r>
+            <a:r>
+              <a:rPr lang="ja-JP" altLang="en-US" dirty="0" smtClean="0">
+                <a:latin typeface="メイリオ" pitchFamily="50" charset="-128"/>
+                <a:ea typeface="メイリオ" pitchFamily="50" charset="-128"/>
+                <a:cs typeface="メイリオ" pitchFamily="50" charset="-128"/>
+              </a:rPr>
+              <a:t>の紹介</a:t>
+            </a:r>
+            <a:endParaRPr kumimoji="1" lang="ja-JP" altLang="en-US" dirty="0">
+              <a:latin typeface="メイリオ" pitchFamily="50" charset="-128"/>
+              <a:ea typeface="メイリオ" pitchFamily="50" charset="-128"/>
+              <a:cs typeface="メイリオ" pitchFamily="50" charset="-128"/>
+            </a:endParaRPr>
+          </a:p>
+        </p:txBody>
+      </p:sp>
+      <p:sp>
+        <p:nvSpPr>
+          <p:cNvPr id="4" name="日付プレースホルダー 3"/>
+          <p:cNvSpPr>
+            <a:spLocks noGrp="1"/>
+          </p:cNvSpPr>
+          <p:nvPr>
+            <p:ph type="dt" sz="half" idx="10"/>
+          </p:nvPr>
+        </p:nvSpPr>
+        <p:spPr/>
+        <p:txBody>
+          <a:bodyPr/>
+          <a:lstStyle/>
+          <a:p>
+            <a:pPr>
+              <a:defRPr/>
+            </a:pPr>
+            <a:fld id="{A9259AFE-7AC7-4F49-85B9-5B069C761CE3}" type="datetime5">
+              <a:rPr lang="ja-JP" altLang="en-US" smtClean="0">
+                <a:latin typeface="メイリオ" pitchFamily="50" charset="-128"/>
+                <a:ea typeface="メイリオ" pitchFamily="50" charset="-128"/>
+                <a:cs typeface="メイリオ" pitchFamily="50" charset="-128"/>
+              </a:rPr>
+              <a:pPr>
+                <a:defRPr/>
+              </a:pPr>
+              <a:t>2014/08/29</a:t>
+            </a:fld>
+            <a:endParaRPr lang="ja-JP" altLang="en-US" dirty="0">
+              <a:latin typeface="メイリオ" pitchFamily="50" charset="-128"/>
+              <a:ea typeface="メイリオ" pitchFamily="50" charset="-128"/>
+              <a:cs typeface="メイリオ" pitchFamily="50" charset="-128"/>
+            </a:endParaRPr>
+          </a:p>
+        </p:txBody>
+      </p:sp>
+      <p:sp>
+        <p:nvSpPr>
+          <p:cNvPr id="6" name="スライド番号プレースホルダー 5"/>
+          <p:cNvSpPr>
+            <a:spLocks noGrp="1"/>
+          </p:cNvSpPr>
+          <p:nvPr>
+            <p:ph type="sldNum" sz="quarter" idx="12"/>
+          </p:nvPr>
+        </p:nvSpPr>
+        <p:spPr/>
+        <p:txBody>
+          <a:bodyPr/>
+          <a:lstStyle/>
+          <a:p>
+            <a:pPr>
+              <a:defRPr/>
+            </a:pPr>
+            <a:fld id="{29799127-F303-4AE7-A969-D0F8A278DEB3}" type="slidenum">
+              <a:rPr lang="ja-JP" altLang="en-US" smtClean="0">
+                <a:latin typeface="メイリオ" pitchFamily="50" charset="-128"/>
+                <a:ea typeface="メイリオ" pitchFamily="50" charset="-128"/>
+                <a:cs typeface="メイリオ" pitchFamily="50" charset="-128"/>
+              </a:rPr>
+              <a:pPr>
+                <a:defRPr/>
+              </a:pPr>
+              <a:t>15</a:t>
+            </a:fld>
+            <a:endParaRPr lang="ja-JP" altLang="en-US">
+              <a:latin typeface="メイリオ" pitchFamily="50" charset="-128"/>
+              <a:ea typeface="メイリオ" pitchFamily="50" charset="-128"/>
+              <a:cs typeface="メイリオ" pitchFamily="50" charset="-128"/>
+            </a:endParaRPr>
+          </a:p>
+        </p:txBody>
+      </p:sp>
+    </p:spTree>
+    <p:extLst>
+      <p:ext uri="{BB962C8B-B14F-4D97-AF65-F5344CB8AC3E}">
+        <p14:creationId xmlns="" xmlns:p14="http://schemas.microsoft.com/office/powerpoint/2010/main" val="1890745276"/>
+      </p:ext>
+    </p:extLst>
+  </p:cSld>
+  <p:clrMapOvr>
+    <a:masterClrMapping/>
+  </p:clrMapOvr>
+</p:sld>
+</file>
+
+<file path=ppt/slides/slide16.xml><?xml version="1.0" encoding="utf-8"?>
+<p:sld xmlns:a="http://schemas.openxmlformats.org/drawingml/2006/main" xmlns:r="http://schemas.openxmlformats.org/officeDocument/2006/relationships" xmlns:p="http://schemas.openxmlformats.org/presentationml/2006/main">
+  <p:cSld>
+    <p:spTree>
+      <p:nvGrpSpPr>
+        <p:cNvPr id="1" name=""/>
+        <p:cNvGrpSpPr/>
+        <p:nvPr/>
+      </p:nvGrpSpPr>
+      <p:grpSpPr>
+        <a:xfrm>
+          <a:off x="0" y="0"/>
+          <a:ext cx="0" cy="0"/>
+          <a:chOff x="0" y="0"/>
+          <a:chExt cx="0" cy="0"/>
+        </a:xfrm>
+      </p:grpSpPr>
+      <p:sp>
+        <p:nvSpPr>
+          <p:cNvPr id="2" name="タイトル 1"/>
+          <p:cNvSpPr>
+            <a:spLocks noGrp="1"/>
+          </p:cNvSpPr>
+          <p:nvPr>
+            <p:ph type="title"/>
+          </p:nvPr>
+        </p:nvSpPr>
+        <p:spPr/>
+        <p:txBody>
+          <a:bodyPr/>
+          <a:lstStyle/>
+          <a:p>
+            <a:pPr algn="ctr"/>
+            <a:r>
+              <a:rPr kumimoji="1" lang="en-US" altLang="ja-JP" sz="4000" dirty="0" err="1" smtClean="0">
+                <a:solidFill>
+                  <a:schemeClr val="tx1"/>
+                </a:solidFill>
+                <a:latin typeface="メイリオ" pitchFamily="50" charset="-128"/>
+                <a:ea typeface="メイリオ" pitchFamily="50" charset="-128"/>
+                <a:cs typeface="メイリオ" pitchFamily="50" charset="-128"/>
+              </a:rPr>
+              <a:t>WinPDB</a:t>
+            </a:r>
+            <a:endParaRPr kumimoji="1" lang="ja-JP" altLang="en-US" sz="4000" dirty="0">
+              <a:solidFill>
+                <a:schemeClr val="tx1"/>
+              </a:solidFill>
+              <a:latin typeface="メイリオ" pitchFamily="50" charset="-128"/>
+              <a:ea typeface="メイリオ" pitchFamily="50" charset="-128"/>
+              <a:cs typeface="メイリオ" pitchFamily="50" charset="-128"/>
+            </a:endParaRPr>
+          </a:p>
+        </p:txBody>
+      </p:sp>
+      <p:sp>
+        <p:nvSpPr>
+          <p:cNvPr id="3" name="コンテンツ プレースホルダー 2"/>
+          <p:cNvSpPr>
+            <a:spLocks noGrp="1"/>
+          </p:cNvSpPr>
+          <p:nvPr>
+            <p:ph idx="1"/>
+          </p:nvPr>
+        </p:nvSpPr>
+        <p:spPr>
+          <a:xfrm>
+            <a:off x="3457596" y="857238"/>
+            <a:ext cx="5543560" cy="3929089"/>
+          </a:xfrm>
+        </p:spPr>
+        <p:txBody>
+          <a:bodyPr/>
+          <a:lstStyle/>
+          <a:p>
+            <a:r>
+              <a:rPr kumimoji="1" lang="ja-JP" altLang="en-US" dirty="0" smtClean="0">
+                <a:latin typeface="メイリオ" pitchFamily="50" charset="-128"/>
+                <a:ea typeface="メイリオ" pitchFamily="50" charset="-128"/>
+                <a:cs typeface="メイリオ" pitchFamily="50" charset="-128"/>
+              </a:rPr>
+              <a:t>シンプル</a:t>
+            </a:r>
+            <a:endParaRPr kumimoji="1" lang="en-US" altLang="ja-JP" dirty="0" smtClean="0">
+              <a:latin typeface="メイリオ" pitchFamily="50" charset="-128"/>
+              <a:ea typeface="メイリオ" pitchFamily="50" charset="-128"/>
+              <a:cs typeface="メイリオ" pitchFamily="50" charset="-128"/>
+            </a:endParaRPr>
+          </a:p>
+          <a:p>
+            <a:r>
+              <a:rPr kumimoji="1" lang="ja-JP" altLang="en-US" dirty="0" smtClean="0">
+                <a:latin typeface="メイリオ" pitchFamily="50" charset="-128"/>
+                <a:ea typeface="メイリオ" pitchFamily="50" charset="-128"/>
+                <a:cs typeface="メイリオ" pitchFamily="50" charset="-128"/>
+              </a:rPr>
+              <a:t>デバッガに特化</a:t>
+            </a:r>
+            <a:endParaRPr kumimoji="1" lang="en-US" altLang="ja-JP" dirty="0" smtClean="0">
+              <a:latin typeface="メイリオ" pitchFamily="50" charset="-128"/>
+              <a:ea typeface="メイリオ" pitchFamily="50" charset="-128"/>
+              <a:cs typeface="メイリオ" pitchFamily="50" charset="-128"/>
+            </a:endParaRPr>
+          </a:p>
+          <a:p>
+            <a:r>
+              <a:rPr kumimoji="1" lang="ja-JP" altLang="en-US" dirty="0" smtClean="0">
+                <a:latin typeface="メイリオ" pitchFamily="50" charset="-128"/>
+                <a:ea typeface="メイリオ" pitchFamily="50" charset="-128"/>
+                <a:cs typeface="メイリオ" pitchFamily="50" charset="-128"/>
+              </a:rPr>
+              <a:t>リモートデバッグにも対応</a:t>
             </a:r>
             <a:endParaRPr kumimoji="1" lang="en-US" altLang="ja-JP" dirty="0" smtClean="0">
               <a:latin typeface="メイリオ" pitchFamily="50" charset="-128"/>
@@ -9786,7 +11020,7 @@
               <a:pPr>
                 <a:defRPr/>
               </a:pPr>
-              <a:t>15</a:t>
+              <a:t>16</a:t>
             </a:fld>
             <a:endParaRPr lang="ja-JP" altLang="en-US">
               <a:latin typeface="メイリオ" pitchFamily="50" charset="-128"/>
@@ -9835,7 +11069,7 @@
 </p:sld>
 </file>
 
-<file path=ppt/slides/slide16.xml><?xml version="1.0" encoding="utf-8"?>
+<file path=ppt/slides/slide17.xml><?xml version="1.0" encoding="utf-8"?>
 <p:sld xmlns:a="http://schemas.openxmlformats.org/drawingml/2006/main" xmlns:r="http://schemas.openxmlformats.org/officeDocument/2006/relationships" xmlns:p="http://schemas.openxmlformats.org/presentationml/2006/main">
   <p:cSld>
     <p:spTree>
@@ -10044,7 +11278,7 @@
               <a:pPr>
                 <a:defRPr/>
               </a:pPr>
-              <a:t>16</a:t>
+              <a:t>17</a:t>
             </a:fld>
             <a:endParaRPr lang="ja-JP" altLang="en-US">
               <a:latin typeface="メイリオ" pitchFamily="50" charset="-128"/>
@@ -10100,391 +11334,6 @@
               <a:ea typeface="MS UI Gothic" pitchFamily="50" charset="-128"/>
               <a:cs typeface="メイリオ" pitchFamily="50" charset="-128"/>
             </a:endParaRPr>
-          </a:p>
-        </p:txBody>
-      </p:sp>
-    </p:spTree>
-    <p:extLst>
-      <p:ext uri="{BB962C8B-B14F-4D97-AF65-F5344CB8AC3E}">
-        <p14:creationId xmlns="" xmlns:p14="http://schemas.microsoft.com/office/powerpoint/2010/main" val="1890745276"/>
-      </p:ext>
-    </p:extLst>
-  </p:cSld>
-  <p:clrMapOvr>
-    <a:masterClrMapping/>
-  </p:clrMapOvr>
-</p:sld>
-</file>
-
-<file path=ppt/slides/slide17.xml><?xml version="1.0" encoding="utf-8"?>
-<p:sld xmlns:a="http://schemas.openxmlformats.org/drawingml/2006/main" xmlns:r="http://schemas.openxmlformats.org/officeDocument/2006/relationships" xmlns:p="http://schemas.openxmlformats.org/presentationml/2006/main">
-  <p:cSld>
-    <p:spTree>
-      <p:nvGrpSpPr>
-        <p:cNvPr id="1" name=""/>
-        <p:cNvGrpSpPr/>
-        <p:nvPr/>
-      </p:nvGrpSpPr>
-      <p:grpSpPr>
-        <a:xfrm>
-          <a:off x="0" y="0"/>
-          <a:ext cx="0" cy="0"/>
-          <a:chOff x="0" y="0"/>
-          <a:chExt cx="0" cy="0"/>
-        </a:xfrm>
-      </p:grpSpPr>
-      <p:sp>
-        <p:nvSpPr>
-          <p:cNvPr id="2" name="タイトル 1"/>
-          <p:cNvSpPr>
-            <a:spLocks noGrp="1"/>
-          </p:cNvSpPr>
-          <p:nvPr>
-            <p:ph type="title"/>
-          </p:nvPr>
-        </p:nvSpPr>
-        <p:spPr/>
-        <p:txBody>
-          <a:bodyPr/>
-          <a:lstStyle/>
-          <a:p>
-            <a:pPr algn="ctr"/>
-            <a:r>
-              <a:rPr kumimoji="1" lang="ja-JP" altLang="en-US" sz="4000" dirty="0" smtClean="0">
-                <a:solidFill>
-                  <a:schemeClr val="tx1"/>
-                </a:solidFill>
-                <a:latin typeface="メイリオ" pitchFamily="50" charset="-128"/>
-                <a:ea typeface="メイリオ" pitchFamily="50" charset="-128"/>
-                <a:cs typeface="メイリオ" pitchFamily="50" charset="-128"/>
-              </a:rPr>
-              <a:t>リモートデバッグの例</a:t>
-            </a:r>
-            <a:endParaRPr kumimoji="1" lang="ja-JP" altLang="en-US" sz="4000" dirty="0">
-              <a:solidFill>
-                <a:schemeClr val="tx1"/>
-              </a:solidFill>
-              <a:latin typeface="メイリオ" pitchFamily="50" charset="-128"/>
-              <a:ea typeface="メイリオ" pitchFamily="50" charset="-128"/>
-              <a:cs typeface="メイリオ" pitchFamily="50" charset="-128"/>
-            </a:endParaRPr>
-          </a:p>
-        </p:txBody>
-      </p:sp>
-      <p:sp>
-        <p:nvSpPr>
-          <p:cNvPr id="3" name="コンテンツ プレースホルダー 2"/>
-          <p:cNvSpPr>
-            <a:spLocks noGrp="1"/>
-          </p:cNvSpPr>
-          <p:nvPr>
-            <p:ph idx="1"/>
-          </p:nvPr>
-        </p:nvSpPr>
-        <p:spPr>
-          <a:xfrm>
-            <a:off x="457200" y="942977"/>
-            <a:ext cx="8229600" cy="3700475"/>
-          </a:xfrm>
-        </p:spPr>
-        <p:txBody>
-          <a:bodyPr/>
-          <a:lstStyle/>
-          <a:p>
-            <a:r>
-              <a:rPr kumimoji="1" lang="en-US" altLang="ja-JP" dirty="0" smtClean="0">
-                <a:latin typeface="メイリオ" pitchFamily="50" charset="-128"/>
-                <a:ea typeface="メイリオ" pitchFamily="50" charset="-128"/>
-                <a:cs typeface="メイリオ" pitchFamily="50" charset="-128"/>
-              </a:rPr>
-              <a:t>Maya</a:t>
-            </a:r>
-            <a:r>
-              <a:rPr kumimoji="1" lang="ja-JP" altLang="en-US" dirty="0" smtClean="0">
-                <a:latin typeface="メイリオ" pitchFamily="50" charset="-128"/>
-                <a:ea typeface="メイリオ" pitchFamily="50" charset="-128"/>
-                <a:cs typeface="メイリオ" pitchFamily="50" charset="-128"/>
-              </a:rPr>
-              <a:t>上</a:t>
-            </a:r>
-            <a:r>
-              <a:rPr lang="ja-JP" altLang="en-US" dirty="0" smtClean="0">
-                <a:latin typeface="メイリオ" pitchFamily="50" charset="-128"/>
-                <a:ea typeface="メイリオ" pitchFamily="50" charset="-128"/>
-                <a:cs typeface="メイリオ" pitchFamily="50" charset="-128"/>
-              </a:rPr>
-              <a:t>で動作する</a:t>
-            </a:r>
-            <a:r>
-              <a:rPr kumimoji="1" lang="ja-JP" altLang="en-US" dirty="0" smtClean="0">
-                <a:latin typeface="メイリオ" pitchFamily="50" charset="-128"/>
-                <a:ea typeface="メイリオ" pitchFamily="50" charset="-128"/>
-                <a:cs typeface="メイリオ" pitchFamily="50" charset="-128"/>
-              </a:rPr>
-              <a:t>スクリプトをデバッグする</a:t>
-            </a:r>
-            <a:endParaRPr kumimoji="1" lang="en-US" altLang="ja-JP" dirty="0" smtClean="0">
-              <a:latin typeface="メイリオ" pitchFamily="50" charset="-128"/>
-              <a:ea typeface="メイリオ" pitchFamily="50" charset="-128"/>
-              <a:cs typeface="メイリオ" pitchFamily="50" charset="-128"/>
-            </a:endParaRPr>
-          </a:p>
-          <a:p>
-            <a:r>
-              <a:rPr lang="ja-JP" altLang="en-US" dirty="0" smtClean="0">
-                <a:latin typeface="メイリオ" pitchFamily="50" charset="-128"/>
-                <a:ea typeface="メイリオ" pitchFamily="50" charset="-128"/>
-                <a:cs typeface="メイリオ" pitchFamily="50" charset="-128"/>
-              </a:rPr>
-              <a:t>例</a:t>
-            </a:r>
-            <a:r>
-              <a:rPr lang="en-US" altLang="ja-JP" dirty="0" smtClean="0">
-                <a:latin typeface="メイリオ" pitchFamily="50" charset="-128"/>
-                <a:ea typeface="メイリオ" pitchFamily="50" charset="-128"/>
-                <a:cs typeface="メイリオ" pitchFamily="50" charset="-128"/>
-              </a:rPr>
-              <a:t>:</a:t>
-            </a:r>
-            <a:r>
-              <a:rPr lang="ja-JP" altLang="en-US" dirty="0" smtClean="0">
-                <a:latin typeface="メイリオ" pitchFamily="50" charset="-128"/>
-                <a:ea typeface="メイリオ" pitchFamily="50" charset="-128"/>
-                <a:cs typeface="メイリオ" pitchFamily="50" charset="-128"/>
-              </a:rPr>
-              <a:t>選択</a:t>
-            </a:r>
-            <a:r>
-              <a:rPr lang="ja-JP" altLang="en-US" dirty="0" smtClean="0">
-                <a:latin typeface="メイリオ" pitchFamily="50" charset="-128"/>
-                <a:ea typeface="メイリオ" pitchFamily="50" charset="-128"/>
-                <a:cs typeface="メイリオ" pitchFamily="50" charset="-128"/>
-              </a:rPr>
-              <a:t>して</a:t>
-            </a:r>
-            <a:r>
-              <a:rPr lang="ja-JP" altLang="en-US" dirty="0" smtClean="0">
-                <a:latin typeface="メイリオ" pitchFamily="50" charset="-128"/>
-                <a:ea typeface="メイリオ" pitchFamily="50" charset="-128"/>
-                <a:cs typeface="メイリオ" pitchFamily="50" charset="-128"/>
-              </a:rPr>
-              <a:t>いるオブジェクトのアトリビュートを一覧するスクリプト</a:t>
-            </a:r>
-            <a:endParaRPr kumimoji="1" lang="en-US" altLang="ja-JP" dirty="0" smtClean="0">
-              <a:latin typeface="メイリオ" pitchFamily="50" charset="-128"/>
-              <a:ea typeface="メイリオ" pitchFamily="50" charset="-128"/>
-              <a:cs typeface="メイリオ" pitchFamily="50" charset="-128"/>
-            </a:endParaRPr>
-          </a:p>
-        </p:txBody>
-      </p:sp>
-      <p:sp>
-        <p:nvSpPr>
-          <p:cNvPr id="4" name="日付プレースホルダー 3"/>
-          <p:cNvSpPr>
-            <a:spLocks noGrp="1"/>
-          </p:cNvSpPr>
-          <p:nvPr>
-            <p:ph type="dt" sz="half" idx="10"/>
-          </p:nvPr>
-        </p:nvSpPr>
-        <p:spPr/>
-        <p:txBody>
-          <a:bodyPr/>
-          <a:lstStyle/>
-          <a:p>
-            <a:pPr>
-              <a:defRPr/>
-            </a:pPr>
-            <a:fld id="{A9259AFE-7AC7-4F49-85B9-5B069C761CE3}" type="datetime5">
-              <a:rPr lang="ja-JP" altLang="en-US" smtClean="0">
-                <a:latin typeface="メイリオ" pitchFamily="50" charset="-128"/>
-                <a:ea typeface="メイリオ" pitchFamily="50" charset="-128"/>
-                <a:cs typeface="メイリオ" pitchFamily="50" charset="-128"/>
-              </a:rPr>
-              <a:pPr>
-                <a:defRPr/>
-              </a:pPr>
-              <a:t>2014/08/30</a:t>
-            </a:fld>
-            <a:endParaRPr lang="ja-JP" altLang="en-US" dirty="0">
-              <a:latin typeface="メイリオ" pitchFamily="50" charset="-128"/>
-              <a:ea typeface="メイリオ" pitchFamily="50" charset="-128"/>
-              <a:cs typeface="メイリオ" pitchFamily="50" charset="-128"/>
-            </a:endParaRPr>
-          </a:p>
-        </p:txBody>
-      </p:sp>
-      <p:sp>
-        <p:nvSpPr>
-          <p:cNvPr id="6" name="スライド番号プレースホルダー 5"/>
-          <p:cNvSpPr>
-            <a:spLocks noGrp="1"/>
-          </p:cNvSpPr>
-          <p:nvPr>
-            <p:ph type="sldNum" sz="quarter" idx="12"/>
-          </p:nvPr>
-        </p:nvSpPr>
-        <p:spPr/>
-        <p:txBody>
-          <a:bodyPr/>
-          <a:lstStyle/>
-          <a:p>
-            <a:pPr>
-              <a:defRPr/>
-            </a:pPr>
-            <a:fld id="{29799127-F303-4AE7-A969-D0F8A278DEB3}" type="slidenum">
-              <a:rPr lang="ja-JP" altLang="en-US" smtClean="0">
-                <a:latin typeface="メイリオ" pitchFamily="50" charset="-128"/>
-                <a:ea typeface="メイリオ" pitchFamily="50" charset="-128"/>
-                <a:cs typeface="メイリオ" pitchFamily="50" charset="-128"/>
-              </a:rPr>
-              <a:pPr>
-                <a:defRPr/>
-              </a:pPr>
-              <a:t>17</a:t>
-            </a:fld>
-            <a:endParaRPr lang="ja-JP" altLang="en-US">
-              <a:latin typeface="メイリオ" pitchFamily="50" charset="-128"/>
-              <a:ea typeface="メイリオ" pitchFamily="50" charset="-128"/>
-              <a:cs typeface="メイリオ" pitchFamily="50" charset="-128"/>
-            </a:endParaRPr>
-          </a:p>
-        </p:txBody>
-      </p:sp>
-      <p:sp>
-        <p:nvSpPr>
-          <p:cNvPr id="7" name="テキスト ボックス 6"/>
-          <p:cNvSpPr txBox="1"/>
-          <p:nvPr/>
-        </p:nvSpPr>
-        <p:spPr>
-          <a:xfrm>
-            <a:off x="785786" y="3105699"/>
-            <a:ext cx="7143800" cy="1323439"/>
-          </a:xfrm>
-          <a:prstGeom prst="rect">
-            <a:avLst/>
-          </a:prstGeom>
-          <a:solidFill>
-            <a:schemeClr val="bg1">
-              <a:lumMod val="85000"/>
-            </a:schemeClr>
-          </a:solidFill>
-          <a:ln>
-            <a:solidFill>
-              <a:schemeClr val="tx1"/>
-            </a:solidFill>
-          </a:ln>
-        </p:spPr>
-        <p:txBody>
-          <a:bodyPr wrap="square" rtlCol="0">
-            <a:spAutoFit/>
-          </a:bodyPr>
-          <a:lstStyle/>
-          <a:p>
-            <a:r>
-              <a:rPr lang="en-US" sz="1000" dirty="0" smtClean="0"/>
-              <a:t>import </a:t>
-            </a:r>
-            <a:r>
-              <a:rPr lang="en-US" sz="1000" dirty="0" err="1" smtClean="0"/>
-              <a:t>maya.cmds</a:t>
-            </a:r>
-            <a:r>
-              <a:rPr lang="en-US" sz="1000" dirty="0" smtClean="0"/>
-              <a:t> as </a:t>
-            </a:r>
-            <a:r>
-              <a:rPr lang="en-US" sz="1000" dirty="0" err="1" smtClean="0"/>
-              <a:t>cmds</a:t>
-            </a:r>
-            <a:endParaRPr lang="en-US" sz="1000" dirty="0" smtClean="0"/>
-          </a:p>
-          <a:p>
-            <a:endParaRPr lang="en-US" sz="1000" dirty="0" smtClean="0"/>
-          </a:p>
-          <a:p>
-            <a:r>
-              <a:rPr lang="en-US" sz="1000" dirty="0" smtClean="0"/>
-              <a:t>def </a:t>
-            </a:r>
-            <a:r>
-              <a:rPr lang="en-US" sz="1000" dirty="0" err="1" smtClean="0"/>
-              <a:t>printAttr</a:t>
-            </a:r>
-            <a:r>
-              <a:rPr lang="en-US" sz="1000" dirty="0" smtClean="0"/>
-              <a:t>():</a:t>
-            </a:r>
-          </a:p>
-          <a:p>
-            <a:r>
-              <a:rPr lang="en-US" sz="1000" dirty="0" smtClean="0"/>
-              <a:t>    for l in cmds.ls(</a:t>
-            </a:r>
-            <a:r>
-              <a:rPr lang="en-US" sz="1000" dirty="0" err="1" smtClean="0"/>
-              <a:t>sl</a:t>
-            </a:r>
-            <a:r>
-              <a:rPr lang="en-US" sz="1000" dirty="0" smtClean="0"/>
-              <a:t>=True):</a:t>
-            </a:r>
-          </a:p>
-          <a:p>
-            <a:r>
-              <a:rPr lang="en-US" sz="1000" dirty="0" smtClean="0"/>
-              <a:t>        for </a:t>
-            </a:r>
-            <a:r>
-              <a:rPr lang="en-US" sz="1000" dirty="0" err="1" smtClean="0"/>
-              <a:t>attr</a:t>
-            </a:r>
-            <a:r>
-              <a:rPr lang="en-US" sz="1000" dirty="0" smtClean="0"/>
-              <a:t> in </a:t>
-            </a:r>
-            <a:r>
-              <a:rPr lang="en-US" sz="1000" dirty="0" err="1" smtClean="0"/>
-              <a:t>cmds.listAttr</a:t>
-            </a:r>
-            <a:r>
-              <a:rPr lang="en-US" sz="1000" dirty="0" smtClean="0"/>
-              <a:t>(</a:t>
-            </a:r>
-            <a:r>
-              <a:rPr lang="en-US" sz="1000" dirty="0" err="1" smtClean="0"/>
-              <a:t>i</a:t>
-            </a:r>
-            <a:r>
-              <a:rPr lang="en-US" sz="1000" dirty="0" smtClean="0"/>
-              <a:t>):</a:t>
-            </a:r>
-          </a:p>
-          <a:p>
-            <a:r>
-              <a:rPr lang="en-US" sz="1000" dirty="0" smtClean="0"/>
-              <a:t>            print </a:t>
-            </a:r>
-            <a:r>
-              <a:rPr lang="en-US" sz="1000" dirty="0" err="1" smtClean="0"/>
-              <a:t>attr</a:t>
-            </a:r>
-            <a:endParaRPr lang="en-US" sz="1000" dirty="0" smtClean="0"/>
-          </a:p>
-          <a:p>
-            <a:endParaRPr lang="en-US" sz="1000" dirty="0" smtClean="0"/>
-          </a:p>
-          <a:p>
-            <a:r>
-              <a:rPr lang="en-US" sz="1000" dirty="0" err="1" smtClean="0"/>
-              <a:t>printAttr</a:t>
-            </a:r>
-            <a:r>
-              <a:rPr lang="en-US" sz="1000" dirty="0" smtClean="0"/>
-              <a:t>()</a:t>
-            </a:r>
           </a:p>
         </p:txBody>
       </p:sp>
@@ -10535,7 +11384,7 @@
           <a:p>
             <a:pPr algn="ctr"/>
             <a:r>
-              <a:rPr lang="ja-JP" altLang="en-US" sz="4000" dirty="0" smtClean="0">
+              <a:rPr kumimoji="1" lang="ja-JP" altLang="en-US" sz="4000" dirty="0" smtClean="0">
                 <a:solidFill>
                   <a:schemeClr val="tx1"/>
                 </a:solidFill>
@@ -10543,12 +11392,119 @@
                 <a:ea typeface="メイリオ" pitchFamily="50" charset="-128"/>
                 <a:cs typeface="メイリオ" pitchFamily="50" charset="-128"/>
               </a:rPr>
-              <a:t>デモ</a:t>
+              <a:t>リモートデバッグの例</a:t>
             </a:r>
             <a:endParaRPr kumimoji="1" lang="ja-JP" altLang="en-US" sz="4000" dirty="0">
               <a:solidFill>
                 <a:schemeClr val="tx1"/>
               </a:solidFill>
+              <a:latin typeface="メイリオ" pitchFamily="50" charset="-128"/>
+              <a:ea typeface="メイリオ" pitchFamily="50" charset="-128"/>
+              <a:cs typeface="メイリオ" pitchFamily="50" charset="-128"/>
+            </a:endParaRPr>
+          </a:p>
+        </p:txBody>
+      </p:sp>
+      <p:sp>
+        <p:nvSpPr>
+          <p:cNvPr id="3" name="コンテンツ プレースホルダー 2"/>
+          <p:cNvSpPr>
+            <a:spLocks noGrp="1"/>
+          </p:cNvSpPr>
+          <p:nvPr>
+            <p:ph idx="1"/>
+          </p:nvPr>
+        </p:nvSpPr>
+        <p:spPr>
+          <a:xfrm>
+            <a:off x="457200" y="942977"/>
+            <a:ext cx="8229600" cy="3700475"/>
+          </a:xfrm>
+        </p:spPr>
+        <p:txBody>
+          <a:bodyPr/>
+          <a:lstStyle/>
+          <a:p>
+            <a:r>
+              <a:rPr kumimoji="1" lang="en-US" altLang="ja-JP" dirty="0" smtClean="0">
+                <a:latin typeface="メイリオ" pitchFamily="50" charset="-128"/>
+                <a:ea typeface="メイリオ" pitchFamily="50" charset="-128"/>
+                <a:cs typeface="メイリオ" pitchFamily="50" charset="-128"/>
+              </a:rPr>
+              <a:t>Maya</a:t>
+            </a:r>
+            <a:r>
+              <a:rPr kumimoji="1" lang="ja-JP" altLang="en-US" dirty="0" smtClean="0">
+                <a:latin typeface="メイリオ" pitchFamily="50" charset="-128"/>
+                <a:ea typeface="メイリオ" pitchFamily="50" charset="-128"/>
+                <a:cs typeface="メイリオ" pitchFamily="50" charset="-128"/>
+              </a:rPr>
+              <a:t>上</a:t>
+            </a:r>
+            <a:r>
+              <a:rPr lang="ja-JP" altLang="en-US" dirty="0" smtClean="0">
+                <a:latin typeface="メイリオ" pitchFamily="50" charset="-128"/>
+                <a:ea typeface="メイリオ" pitchFamily="50" charset="-128"/>
+                <a:cs typeface="メイリオ" pitchFamily="50" charset="-128"/>
+              </a:rPr>
+              <a:t>で動作する</a:t>
+            </a:r>
+            <a:r>
+              <a:rPr kumimoji="1" lang="ja-JP" altLang="en-US" dirty="0" smtClean="0">
+                <a:latin typeface="メイリオ" pitchFamily="50" charset="-128"/>
+                <a:ea typeface="メイリオ" pitchFamily="50" charset="-128"/>
+                <a:cs typeface="メイリオ" pitchFamily="50" charset="-128"/>
+              </a:rPr>
+              <a:t>スクリプトをデバッグする</a:t>
+            </a:r>
+            <a:endParaRPr kumimoji="1" lang="en-US" altLang="ja-JP" dirty="0" smtClean="0">
+              <a:latin typeface="メイリオ" pitchFamily="50" charset="-128"/>
+              <a:ea typeface="メイリオ" pitchFamily="50" charset="-128"/>
+              <a:cs typeface="メイリオ" pitchFamily="50" charset="-128"/>
+            </a:endParaRPr>
+          </a:p>
+          <a:p>
+            <a:r>
+              <a:rPr lang="ja-JP" altLang="en-US" dirty="0" smtClean="0">
+                <a:latin typeface="メイリオ" pitchFamily="50" charset="-128"/>
+                <a:ea typeface="メイリオ" pitchFamily="50" charset="-128"/>
+                <a:cs typeface="メイリオ" pitchFamily="50" charset="-128"/>
+              </a:rPr>
+              <a:t>例</a:t>
+            </a:r>
+            <a:r>
+              <a:rPr lang="en-US" altLang="ja-JP" dirty="0" smtClean="0">
+                <a:latin typeface="メイリオ" pitchFamily="50" charset="-128"/>
+                <a:ea typeface="メイリオ" pitchFamily="50" charset="-128"/>
+                <a:cs typeface="メイリオ" pitchFamily="50" charset="-128"/>
+              </a:rPr>
+              <a:t>:</a:t>
+            </a:r>
+            <a:r>
+              <a:rPr lang="ja-JP" altLang="en-US" dirty="0" smtClean="0">
+                <a:latin typeface="メイリオ" pitchFamily="50" charset="-128"/>
+                <a:ea typeface="メイリオ" pitchFamily="50" charset="-128"/>
+                <a:cs typeface="メイリオ" pitchFamily="50" charset="-128"/>
+              </a:rPr>
+              <a:t>選択</a:t>
+            </a:r>
+            <a:r>
+              <a:rPr lang="ja-JP" altLang="en-US" dirty="0" smtClean="0">
+                <a:latin typeface="メイリオ" pitchFamily="50" charset="-128"/>
+                <a:ea typeface="メイリオ" pitchFamily="50" charset="-128"/>
+                <a:cs typeface="メイリオ" pitchFamily="50" charset="-128"/>
+              </a:rPr>
+              <a:t>して</a:t>
+            </a:r>
+            <a:r>
+              <a:rPr lang="ja-JP" altLang="en-US" dirty="0" smtClean="0">
+                <a:latin typeface="メイリオ" pitchFamily="50" charset="-128"/>
+                <a:ea typeface="メイリオ" pitchFamily="50" charset="-128"/>
+                <a:cs typeface="メイリオ" pitchFamily="50" charset="-128"/>
+              </a:rPr>
+              <a:t>いるオブジェクトのアトリビュートを一覧するスクリプト</a:t>
+            </a:r>
+            <a:endParaRPr kumimoji="1" lang="en-US" altLang="ja-JP" dirty="0" smtClean="0">
               <a:latin typeface="メイリオ" pitchFamily="50" charset="-128"/>
               <a:ea typeface="メイリオ" pitchFamily="50" charset="-128"/>
               <a:cs typeface="メイリオ" pitchFamily="50" charset="-128"/>
@@ -10621,6 +11577,284 @@
                 <a:defRPr/>
               </a:pPr>
               <a:t>18</a:t>
+            </a:fld>
+            <a:endParaRPr lang="ja-JP" altLang="en-US">
+              <a:latin typeface="メイリオ" pitchFamily="50" charset="-128"/>
+              <a:ea typeface="メイリオ" pitchFamily="50" charset="-128"/>
+              <a:cs typeface="メイリオ" pitchFamily="50" charset="-128"/>
+            </a:endParaRPr>
+          </a:p>
+        </p:txBody>
+      </p:sp>
+      <p:sp>
+        <p:nvSpPr>
+          <p:cNvPr id="7" name="テキスト ボックス 6"/>
+          <p:cNvSpPr txBox="1"/>
+          <p:nvPr/>
+        </p:nvSpPr>
+        <p:spPr>
+          <a:xfrm>
+            <a:off x="785786" y="3105699"/>
+            <a:ext cx="7143800" cy="1323439"/>
+          </a:xfrm>
+          <a:prstGeom prst="rect">
+            <a:avLst/>
+          </a:prstGeom>
+          <a:solidFill>
+            <a:schemeClr val="bg1">
+              <a:lumMod val="85000"/>
+            </a:schemeClr>
+          </a:solidFill>
+          <a:ln>
+            <a:solidFill>
+              <a:schemeClr val="tx1"/>
+            </a:solidFill>
+          </a:ln>
+        </p:spPr>
+        <p:txBody>
+          <a:bodyPr wrap="square" rtlCol="0">
+            <a:spAutoFit/>
+          </a:bodyPr>
+          <a:lstStyle/>
+          <a:p>
+            <a:r>
+              <a:rPr lang="en-US" sz="1000" dirty="0" smtClean="0"/>
+              <a:t>import </a:t>
+            </a:r>
+            <a:r>
+              <a:rPr lang="en-US" sz="1000" dirty="0" err="1" smtClean="0"/>
+              <a:t>maya.cmds</a:t>
+            </a:r>
+            <a:r>
+              <a:rPr lang="en-US" sz="1000" dirty="0" smtClean="0"/>
+              <a:t> as </a:t>
+            </a:r>
+            <a:r>
+              <a:rPr lang="en-US" sz="1000" dirty="0" err="1" smtClean="0"/>
+              <a:t>cmds</a:t>
+            </a:r>
+            <a:endParaRPr lang="en-US" sz="1000" dirty="0" smtClean="0"/>
+          </a:p>
+          <a:p>
+            <a:endParaRPr lang="en-US" sz="1000" dirty="0" smtClean="0"/>
+          </a:p>
+          <a:p>
+            <a:r>
+              <a:rPr lang="en-US" sz="1000" dirty="0" smtClean="0"/>
+              <a:t>def </a:t>
+            </a:r>
+            <a:r>
+              <a:rPr lang="en-US" sz="1000" dirty="0" err="1" smtClean="0"/>
+              <a:t>printAttr</a:t>
+            </a:r>
+            <a:r>
+              <a:rPr lang="en-US" sz="1000" dirty="0" smtClean="0"/>
+              <a:t>():</a:t>
+            </a:r>
+          </a:p>
+          <a:p>
+            <a:r>
+              <a:rPr lang="en-US" sz="1000" dirty="0" smtClean="0"/>
+              <a:t>    for l in cmds.ls(</a:t>
+            </a:r>
+            <a:r>
+              <a:rPr lang="en-US" sz="1000" dirty="0" err="1" smtClean="0"/>
+              <a:t>sl</a:t>
+            </a:r>
+            <a:r>
+              <a:rPr lang="en-US" sz="1000" dirty="0" smtClean="0"/>
+              <a:t>=True):</a:t>
+            </a:r>
+          </a:p>
+          <a:p>
+            <a:r>
+              <a:rPr lang="en-US" sz="1000" dirty="0" smtClean="0"/>
+              <a:t>        for </a:t>
+            </a:r>
+            <a:r>
+              <a:rPr lang="en-US" sz="1000" dirty="0" err="1" smtClean="0"/>
+              <a:t>attr</a:t>
+            </a:r>
+            <a:r>
+              <a:rPr lang="en-US" sz="1000" dirty="0" smtClean="0"/>
+              <a:t> in </a:t>
+            </a:r>
+            <a:r>
+              <a:rPr lang="en-US" sz="1000" dirty="0" err="1" smtClean="0"/>
+              <a:t>cmds.listAttr</a:t>
+            </a:r>
+            <a:r>
+              <a:rPr lang="en-US" sz="1000" dirty="0" smtClean="0"/>
+              <a:t>(</a:t>
+            </a:r>
+            <a:r>
+              <a:rPr lang="en-US" sz="1000" dirty="0" err="1" smtClean="0"/>
+              <a:t>i</a:t>
+            </a:r>
+            <a:r>
+              <a:rPr lang="en-US" sz="1000" dirty="0" smtClean="0"/>
+              <a:t>):</a:t>
+            </a:r>
+          </a:p>
+          <a:p>
+            <a:r>
+              <a:rPr lang="en-US" sz="1000" dirty="0" smtClean="0"/>
+              <a:t>            print </a:t>
+            </a:r>
+            <a:r>
+              <a:rPr lang="en-US" sz="1000" dirty="0" err="1" smtClean="0"/>
+              <a:t>attr</a:t>
+            </a:r>
+            <a:endParaRPr lang="en-US" sz="1000" dirty="0" smtClean="0"/>
+          </a:p>
+          <a:p>
+            <a:endParaRPr lang="en-US" sz="1000" dirty="0" smtClean="0"/>
+          </a:p>
+          <a:p>
+            <a:r>
+              <a:rPr lang="en-US" sz="1000" dirty="0" err="1" smtClean="0"/>
+              <a:t>printAttr</a:t>
+            </a:r>
+            <a:r>
+              <a:rPr lang="en-US" sz="1000" dirty="0" smtClean="0"/>
+              <a:t>()</a:t>
+            </a:r>
+          </a:p>
+        </p:txBody>
+      </p:sp>
+    </p:spTree>
+    <p:extLst>
+      <p:ext uri="{BB962C8B-B14F-4D97-AF65-F5344CB8AC3E}">
+        <p14:creationId xmlns="" xmlns:p14="http://schemas.microsoft.com/office/powerpoint/2010/main" val="1890745276"/>
+      </p:ext>
+    </p:extLst>
+  </p:cSld>
+  <p:clrMapOvr>
+    <a:masterClrMapping/>
+  </p:clrMapOvr>
+</p:sld>
+</file>
+
+<file path=ppt/slides/slide19.xml><?xml version="1.0" encoding="utf-8"?>
+<p:sld xmlns:a="http://schemas.openxmlformats.org/drawingml/2006/main" xmlns:r="http://schemas.openxmlformats.org/officeDocument/2006/relationships" xmlns:p="http://schemas.openxmlformats.org/presentationml/2006/main">
+  <p:cSld>
+    <p:spTree>
+      <p:nvGrpSpPr>
+        <p:cNvPr id="1" name=""/>
+        <p:cNvGrpSpPr/>
+        <p:nvPr/>
+      </p:nvGrpSpPr>
+      <p:grpSpPr>
+        <a:xfrm>
+          <a:off x="0" y="0"/>
+          <a:ext cx="0" cy="0"/>
+          <a:chOff x="0" y="0"/>
+          <a:chExt cx="0" cy="0"/>
+        </a:xfrm>
+      </p:grpSpPr>
+      <p:sp>
+        <p:nvSpPr>
+          <p:cNvPr id="2" name="タイトル 1"/>
+          <p:cNvSpPr>
+            <a:spLocks noGrp="1"/>
+          </p:cNvSpPr>
+          <p:nvPr>
+            <p:ph type="title"/>
+          </p:nvPr>
+        </p:nvSpPr>
+        <p:spPr/>
+        <p:txBody>
+          <a:bodyPr/>
+          <a:lstStyle/>
+          <a:p>
+            <a:pPr algn="ctr"/>
+            <a:r>
+              <a:rPr lang="ja-JP" altLang="en-US" sz="4000" dirty="0" smtClean="0">
+                <a:solidFill>
+                  <a:schemeClr val="tx1"/>
+                </a:solidFill>
+                <a:latin typeface="メイリオ" pitchFamily="50" charset="-128"/>
+                <a:ea typeface="メイリオ" pitchFamily="50" charset="-128"/>
+                <a:cs typeface="メイリオ" pitchFamily="50" charset="-128"/>
+              </a:rPr>
+              <a:t>デモ</a:t>
+            </a:r>
+            <a:endParaRPr kumimoji="1" lang="ja-JP" altLang="en-US" sz="4000" dirty="0">
+              <a:solidFill>
+                <a:schemeClr val="tx1"/>
+              </a:solidFill>
+              <a:latin typeface="メイリオ" pitchFamily="50" charset="-128"/>
+              <a:ea typeface="メイリオ" pitchFamily="50" charset="-128"/>
+              <a:cs typeface="メイリオ" pitchFamily="50" charset="-128"/>
+            </a:endParaRPr>
+          </a:p>
+        </p:txBody>
+      </p:sp>
+      <p:sp>
+        <p:nvSpPr>
+          <p:cNvPr id="4" name="日付プレースホルダー 3"/>
+          <p:cNvSpPr>
+            <a:spLocks noGrp="1"/>
+          </p:cNvSpPr>
+          <p:nvPr>
+            <p:ph type="dt" sz="half" idx="10"/>
+          </p:nvPr>
+        </p:nvSpPr>
+        <p:spPr/>
+        <p:txBody>
+          <a:bodyPr/>
+          <a:lstStyle/>
+          <a:p>
+            <a:pPr>
+              <a:defRPr/>
+            </a:pPr>
+            <a:fld id="{A9259AFE-7AC7-4F49-85B9-5B069C761CE3}" type="datetime5">
+              <a:rPr lang="ja-JP" altLang="en-US" smtClean="0">
+                <a:latin typeface="メイリオ" pitchFamily="50" charset="-128"/>
+                <a:ea typeface="メイリオ" pitchFamily="50" charset="-128"/>
+                <a:cs typeface="メイリオ" pitchFamily="50" charset="-128"/>
+              </a:rPr>
+              <a:pPr>
+                <a:defRPr/>
+              </a:pPr>
+              <a:t>2014/08/31</a:t>
+            </a:fld>
+            <a:endParaRPr lang="ja-JP" altLang="en-US" dirty="0">
+              <a:latin typeface="メイリオ" pitchFamily="50" charset="-128"/>
+              <a:ea typeface="メイリオ" pitchFamily="50" charset="-128"/>
+              <a:cs typeface="メイリオ" pitchFamily="50" charset="-128"/>
+            </a:endParaRPr>
+          </a:p>
+        </p:txBody>
+      </p:sp>
+      <p:sp>
+        <p:nvSpPr>
+          <p:cNvPr id="6" name="スライド番号プレースホルダー 5"/>
+          <p:cNvSpPr>
+            <a:spLocks noGrp="1"/>
+          </p:cNvSpPr>
+          <p:nvPr>
+            <p:ph type="sldNum" sz="quarter" idx="12"/>
+          </p:nvPr>
+        </p:nvSpPr>
+        <p:spPr/>
+        <p:txBody>
+          <a:bodyPr/>
+          <a:lstStyle/>
+          <a:p>
+            <a:pPr>
+              <a:defRPr/>
+            </a:pPr>
+            <a:fld id="{29799127-F303-4AE7-A969-D0F8A278DEB3}" type="slidenum">
+              <a:rPr lang="ja-JP" altLang="en-US" smtClean="0">
+                <a:latin typeface="メイリオ" pitchFamily="50" charset="-128"/>
+                <a:ea typeface="メイリオ" pitchFamily="50" charset="-128"/>
+                <a:cs typeface="メイリオ" pitchFamily="50" charset="-128"/>
+              </a:rPr>
+              <a:pPr>
+                <a:defRPr/>
+              </a:pPr>
+              <a:t>19</a:t>
             </a:fld>
             <a:endParaRPr lang="ja-JP" altLang="en-US">
               <a:latin typeface="メイリオ" pitchFamily="50" charset="-128"/>
@@ -10668,229 +11902,13 @@
   <p:clrMapOvr>
     <a:masterClrMapping/>
   </p:clrMapOvr>
-</p:sld>
-</file>
-
-<file path=ppt/slides/slide19.xml><?xml version="1.0" encoding="utf-8"?>
-<p:sld xmlns:a="http://schemas.openxmlformats.org/drawingml/2006/main" xmlns:r="http://schemas.openxmlformats.org/officeDocument/2006/relationships" xmlns:p="http://schemas.openxmlformats.org/presentationml/2006/main">
-  <p:cSld>
-    <p:spTree>
-      <p:nvGrpSpPr>
-        <p:cNvPr id="1" name=""/>
-        <p:cNvGrpSpPr/>
-        <p:nvPr/>
-      </p:nvGrpSpPr>
-      <p:grpSpPr>
-        <a:xfrm>
-          <a:off x="0" y="0"/>
-          <a:ext cx="0" cy="0"/>
-          <a:chOff x="0" y="0"/>
-          <a:chExt cx="0" cy="0"/>
-        </a:xfrm>
-      </p:grpSpPr>
-      <p:sp>
-        <p:nvSpPr>
-          <p:cNvPr id="2" name="タイトル 1"/>
-          <p:cNvSpPr>
-            <a:spLocks noGrp="1"/>
-          </p:cNvSpPr>
-          <p:nvPr>
-            <p:ph type="title"/>
-          </p:nvPr>
-        </p:nvSpPr>
-        <p:spPr/>
-        <p:txBody>
-          <a:bodyPr/>
-          <a:lstStyle/>
-          <a:p>
-            <a:pPr algn="ctr"/>
-            <a:r>
-              <a:rPr kumimoji="1" lang="ja-JP" altLang="en-US" sz="4000" dirty="0" smtClean="0">
-                <a:solidFill>
-                  <a:schemeClr val="tx1"/>
-                </a:solidFill>
-                <a:latin typeface="メイリオ" pitchFamily="50" charset="-128"/>
-                <a:ea typeface="メイリオ" pitchFamily="50" charset="-128"/>
-                <a:cs typeface="メイリオ" pitchFamily="50" charset="-128"/>
-              </a:rPr>
-              <a:t>効率よくコードを書くためのキモ</a:t>
-            </a:r>
-            <a:endParaRPr kumimoji="1" lang="ja-JP" altLang="en-US" sz="4000" dirty="0">
-              <a:solidFill>
-                <a:schemeClr val="tx1"/>
-              </a:solidFill>
-              <a:latin typeface="メイリオ" pitchFamily="50" charset="-128"/>
-              <a:ea typeface="メイリオ" pitchFamily="50" charset="-128"/>
-              <a:cs typeface="メイリオ" pitchFamily="50" charset="-128"/>
-            </a:endParaRPr>
-          </a:p>
-        </p:txBody>
-      </p:sp>
-      <p:sp>
-        <p:nvSpPr>
-          <p:cNvPr id="3" name="コンテンツ プレースホルダー 2"/>
-          <p:cNvSpPr>
-            <a:spLocks noGrp="1"/>
-          </p:cNvSpPr>
-          <p:nvPr>
-            <p:ph idx="1"/>
-          </p:nvPr>
-        </p:nvSpPr>
-        <p:spPr/>
-        <p:txBody>
-          <a:bodyPr anchor="ctr"/>
-          <a:lstStyle/>
-          <a:p>
-            <a:r>
-              <a:rPr kumimoji="1" lang="ja-JP" altLang="en-US" sz="4800" dirty="0" smtClean="0">
-                <a:solidFill>
-                  <a:schemeClr val="bg1">
-                    <a:lumMod val="75000"/>
-                  </a:schemeClr>
-                </a:solidFill>
-                <a:latin typeface="メイリオ" pitchFamily="50" charset="-128"/>
-                <a:ea typeface="メイリオ" pitchFamily="50" charset="-128"/>
-                <a:cs typeface="メイリオ" pitchFamily="50" charset="-128"/>
-              </a:rPr>
-              <a:t>コード品質の維持</a:t>
-            </a:r>
-            <a:endParaRPr kumimoji="1" lang="en-US" altLang="ja-JP" sz="4800" dirty="0" smtClean="0">
-              <a:solidFill>
-                <a:schemeClr val="bg1">
-                  <a:lumMod val="75000"/>
-                </a:schemeClr>
-              </a:solidFill>
-              <a:latin typeface="メイリオ" pitchFamily="50" charset="-128"/>
-              <a:ea typeface="メイリオ" pitchFamily="50" charset="-128"/>
-              <a:cs typeface="メイリオ" pitchFamily="50" charset="-128"/>
-            </a:endParaRPr>
-          </a:p>
-          <a:p>
-            <a:r>
-              <a:rPr lang="ja-JP" altLang="en-US" sz="4800" dirty="0" smtClean="0">
-                <a:solidFill>
-                  <a:schemeClr val="bg1">
-                    <a:lumMod val="75000"/>
-                  </a:schemeClr>
-                </a:solidFill>
-                <a:latin typeface="メイリオ" pitchFamily="50" charset="-128"/>
-                <a:ea typeface="メイリオ" pitchFamily="50" charset="-128"/>
-                <a:cs typeface="メイリオ" pitchFamily="50" charset="-128"/>
-              </a:rPr>
-              <a:t>デバッグ</a:t>
-            </a:r>
-            <a:endParaRPr lang="en-US" altLang="ja-JP" sz="4800" dirty="0" smtClean="0">
-              <a:solidFill>
-                <a:schemeClr val="bg1">
-                  <a:lumMod val="75000"/>
-                </a:schemeClr>
-              </a:solidFill>
-              <a:latin typeface="メイリオ" pitchFamily="50" charset="-128"/>
-              <a:ea typeface="メイリオ" pitchFamily="50" charset="-128"/>
-              <a:cs typeface="メイリオ" pitchFamily="50" charset="-128"/>
-            </a:endParaRPr>
-          </a:p>
-          <a:p>
-            <a:r>
-              <a:rPr kumimoji="1" lang="ja-JP" altLang="en-US" sz="4800" dirty="0" smtClean="0">
-                <a:latin typeface="メイリオ" pitchFamily="50" charset="-128"/>
-                <a:ea typeface="メイリオ" pitchFamily="50" charset="-128"/>
-                <a:cs typeface="メイリオ" pitchFamily="50" charset="-128"/>
-              </a:rPr>
-              <a:t>処理の最適化</a:t>
-            </a:r>
-            <a:endParaRPr kumimoji="1" lang="ja-JP" altLang="en-US" sz="4800" dirty="0">
-              <a:latin typeface="メイリオ" pitchFamily="50" charset="-128"/>
-              <a:ea typeface="メイリオ" pitchFamily="50" charset="-128"/>
-              <a:cs typeface="メイリオ" pitchFamily="50" charset="-128"/>
-            </a:endParaRPr>
-          </a:p>
-        </p:txBody>
-      </p:sp>
-      <p:sp>
-        <p:nvSpPr>
-          <p:cNvPr id="4" name="日付プレースホルダー 3"/>
-          <p:cNvSpPr>
-            <a:spLocks noGrp="1"/>
-          </p:cNvSpPr>
-          <p:nvPr>
-            <p:ph type="dt" sz="half" idx="10"/>
-          </p:nvPr>
-        </p:nvSpPr>
-        <p:spPr/>
-        <p:txBody>
-          <a:bodyPr/>
-          <a:lstStyle/>
-          <a:p>
-            <a:pPr>
-              <a:defRPr/>
-            </a:pPr>
-            <a:fld id="{A9259AFE-7AC7-4F49-85B9-5B069C761CE3}" type="datetime5">
-              <a:rPr lang="ja-JP" altLang="en-US" smtClean="0">
-                <a:latin typeface="メイリオ" pitchFamily="50" charset="-128"/>
-                <a:ea typeface="メイリオ" pitchFamily="50" charset="-128"/>
-                <a:cs typeface="メイリオ" pitchFamily="50" charset="-128"/>
-              </a:rPr>
-              <a:pPr>
-                <a:defRPr/>
-              </a:pPr>
-              <a:t>2014/08/31</a:t>
-            </a:fld>
-            <a:endParaRPr lang="ja-JP" altLang="en-US" dirty="0">
-              <a:latin typeface="メイリオ" pitchFamily="50" charset="-128"/>
-              <a:ea typeface="メイリオ" pitchFamily="50" charset="-128"/>
-              <a:cs typeface="メイリオ" pitchFamily="50" charset="-128"/>
-            </a:endParaRPr>
-          </a:p>
-        </p:txBody>
-      </p:sp>
-      <p:sp>
-        <p:nvSpPr>
-          <p:cNvPr id="6" name="スライド番号プレースホルダー 5"/>
-          <p:cNvSpPr>
-            <a:spLocks noGrp="1"/>
-          </p:cNvSpPr>
-          <p:nvPr>
-            <p:ph type="sldNum" sz="quarter" idx="12"/>
-          </p:nvPr>
-        </p:nvSpPr>
-        <p:spPr/>
-        <p:txBody>
-          <a:bodyPr/>
-          <a:lstStyle/>
-          <a:p>
-            <a:pPr>
-              <a:defRPr/>
-            </a:pPr>
-            <a:fld id="{29799127-F303-4AE7-A969-D0F8A278DEB3}" type="slidenum">
-              <a:rPr lang="ja-JP" altLang="en-US" smtClean="0">
-                <a:latin typeface="メイリオ" pitchFamily="50" charset="-128"/>
-                <a:ea typeface="メイリオ" pitchFamily="50" charset="-128"/>
-                <a:cs typeface="メイリオ" pitchFamily="50" charset="-128"/>
-              </a:rPr>
-              <a:pPr>
-                <a:defRPr/>
-              </a:pPr>
-              <a:t>19</a:t>
-            </a:fld>
-            <a:endParaRPr lang="ja-JP" altLang="en-US">
-              <a:latin typeface="メイリオ" pitchFamily="50" charset="-128"/>
-              <a:ea typeface="メイリオ" pitchFamily="50" charset="-128"/>
-              <a:cs typeface="メイリオ" pitchFamily="50" charset="-128"/>
-            </a:endParaRPr>
-          </a:p>
-        </p:txBody>
-      </p:sp>
-    </p:spTree>
-    <p:extLst>
-      <p:ext uri="{BB962C8B-B14F-4D97-AF65-F5344CB8AC3E}">
-        <p14:creationId xmlns="" xmlns:p14="http://schemas.microsoft.com/office/powerpoint/2010/main" val="1890745276"/>
-      </p:ext>
-    </p:extLst>
-  </p:cSld>
-  <p:clrMapOvr>
-    <a:masterClrMapping/>
-  </p:clrMapOvr>
+  <p:timing>
+    <p:tnLst>
+      <p:par>
+        <p:cTn id="1" dur="indefinite" restart="never" nodeType="tmRoot"/>
+      </p:par>
+    </p:tnLst>
+  </p:timing>
 </p:sld>
 </file>
 
@@ -10978,6 +11996,13 @@
             <a:r>
               <a:rPr lang="ja-JP" altLang="en-US" dirty="0" smtClean="0"/>
               <a:t>開発</a:t>
+            </a:r>
+            <a:endParaRPr lang="en-US" altLang="ja-JP" dirty="0" smtClean="0"/>
+          </a:p>
+          <a:p>
+            <a:r>
+              <a:rPr lang="ja-JP" altLang="en-US" dirty="0" smtClean="0"/>
+              <a:t>成果物を複数社に提供、改良を繰り返す</a:t>
             </a:r>
             <a:endParaRPr lang="en-US" altLang="ja-JP" dirty="0" smtClean="0"/>
           </a:p>
@@ -11104,7 +12129,7 @@
           <a:p>
             <a:pPr algn="ctr"/>
             <a:r>
-              <a:rPr lang="ja-JP" altLang="en-US" sz="4000" dirty="0" smtClean="0">
+              <a:rPr kumimoji="1" lang="ja-JP" altLang="en-US" sz="4000" dirty="0" smtClean="0">
                 <a:solidFill>
                   <a:schemeClr val="tx1"/>
                 </a:solidFill>
@@ -11112,7 +12137,7 @@
                 <a:ea typeface="メイリオ" pitchFamily="50" charset="-128"/>
                 <a:cs typeface="メイリオ" pitchFamily="50" charset="-128"/>
               </a:rPr>
-              <a:t>パフォーマンスチェック</a:t>
+              <a:t>効率よくコードを書くためのキモ</a:t>
             </a:r>
             <a:endParaRPr kumimoji="1" lang="ja-JP" altLang="en-US" sz="4000" dirty="0">
               <a:solidFill>
@@ -11137,18 +12162,28 @@
         </p:nvSpPr>
         <p:spPr/>
         <p:txBody>
-          <a:bodyPr/>
+          <a:bodyPr anchor="ctr"/>
           <a:lstStyle/>
           <a:p>
             <a:r>
-              <a:rPr kumimoji="1" lang="ja-JP" altLang="en-US" dirty="0" smtClean="0">
-                <a:latin typeface="メイリオ" pitchFamily="50" charset="-128"/>
-                <a:ea typeface="メイリオ" pitchFamily="50" charset="-128"/>
-                <a:cs typeface="メイリオ" pitchFamily="50" charset="-128"/>
-              </a:rPr>
-              <a:t>ユーザーから作成したツールが遅いという報告が上がった場合の対応方法</a:t>
-            </a:r>
-            <a:endParaRPr kumimoji="1" lang="en-US" altLang="ja-JP" dirty="0" smtClean="0">
+              <a:rPr kumimoji="1" lang="ja-JP" altLang="en-US" sz="4800" dirty="0" smtClean="0">
+                <a:solidFill>
+                  <a:schemeClr val="bg1">
+                    <a:lumMod val="75000"/>
+                  </a:schemeClr>
+                </a:solidFill>
+                <a:latin typeface="メイリオ" pitchFamily="50" charset="-128"/>
+                <a:ea typeface="メイリオ" pitchFamily="50" charset="-128"/>
+                <a:cs typeface="メイリオ" pitchFamily="50" charset="-128"/>
+              </a:rPr>
+              <a:t>コード品質の維持</a:t>
+            </a:r>
+            <a:endParaRPr kumimoji="1" lang="en-US" altLang="ja-JP" sz="4800" dirty="0" smtClean="0">
+              <a:solidFill>
+                <a:schemeClr val="bg1">
+                  <a:lumMod val="75000"/>
+                </a:schemeClr>
+              </a:solidFill>
               <a:latin typeface="メイリオ" pitchFamily="50" charset="-128"/>
               <a:ea typeface="メイリオ" pitchFamily="50" charset="-128"/>
               <a:cs typeface="メイリオ" pitchFamily="50" charset="-128"/>
@@ -11156,72 +12191,39 @@
           </a:p>
           <a:p>
             <a:r>
-              <a:rPr lang="ja-JP" altLang="en-US" dirty="0" smtClean="0">
-                <a:latin typeface="メイリオ" pitchFamily="50" charset="-128"/>
-                <a:ea typeface="メイリオ" pitchFamily="50" charset="-128"/>
-                <a:cs typeface="メイリオ" pitchFamily="50" charset="-128"/>
-              </a:rPr>
-              <a:t>無暗にコードを改変していませんか</a:t>
-            </a:r>
-            <a:r>
-              <a:rPr lang="en-US" altLang="ja-JP" dirty="0" smtClean="0">
-                <a:latin typeface="メイリオ" pitchFamily="50" charset="-128"/>
-                <a:ea typeface="メイリオ" pitchFamily="50" charset="-128"/>
-                <a:cs typeface="メイリオ" pitchFamily="50" charset="-128"/>
-              </a:rPr>
-              <a:t>?</a:t>
-            </a:r>
-          </a:p>
-          <a:p>
-            <a:pPr lvl="1"/>
-            <a:r>
-              <a:rPr kumimoji="1" lang="ja-JP" altLang="en-US" sz="2600" dirty="0" smtClean="0">
-                <a:latin typeface="メイリオ" pitchFamily="50" charset="-128"/>
-                <a:ea typeface="メイリオ" pitchFamily="50" charset="-128"/>
-                <a:cs typeface="メイリオ" pitchFamily="50" charset="-128"/>
-              </a:rPr>
-              <a:t>ファイルアクセスが遅い→メモリにキャッシュ</a:t>
-            </a:r>
-            <a:endParaRPr kumimoji="1" lang="en-US" altLang="ja-JP" sz="2600" dirty="0" smtClean="0">
+              <a:rPr lang="ja-JP" altLang="en-US" sz="4800" dirty="0" smtClean="0">
+                <a:solidFill>
+                  <a:schemeClr val="bg1">
+                    <a:lumMod val="75000"/>
+                  </a:schemeClr>
+                </a:solidFill>
+                <a:latin typeface="メイリオ" pitchFamily="50" charset="-128"/>
+                <a:ea typeface="メイリオ" pitchFamily="50" charset="-128"/>
+                <a:cs typeface="メイリオ" pitchFamily="50" charset="-128"/>
+              </a:rPr>
+              <a:t>デバッグ</a:t>
+            </a:r>
+            <a:endParaRPr lang="en-US" altLang="ja-JP" sz="4800" dirty="0" smtClean="0">
+              <a:solidFill>
+                <a:schemeClr val="bg1">
+                  <a:lumMod val="75000"/>
+                </a:schemeClr>
+              </a:solidFill>
               <a:latin typeface="メイリオ" pitchFamily="50" charset="-128"/>
               <a:ea typeface="メイリオ" pitchFamily="50" charset="-128"/>
               <a:cs typeface="メイリオ" pitchFamily="50" charset="-128"/>
             </a:endParaRPr>
           </a:p>
           <a:p>
-            <a:pPr lvl="1"/>
-            <a:r>
-              <a:rPr kumimoji="1" lang="ja-JP" altLang="en-US" sz="2600" dirty="0" smtClean="0">
-                <a:latin typeface="メイリオ" pitchFamily="50" charset="-128"/>
-                <a:ea typeface="メイリオ" pitchFamily="50" charset="-128"/>
-                <a:cs typeface="メイリオ" pitchFamily="50" charset="-128"/>
-              </a:rPr>
-              <a:t>小手先のテクニックでコードの最適化</a:t>
-            </a:r>
-            <a:endParaRPr kumimoji="1" lang="en-US" altLang="ja-JP" sz="2600" dirty="0" smtClean="0">
-              <a:latin typeface="メイリオ" pitchFamily="50" charset="-128"/>
-              <a:ea typeface="メイリオ" pitchFamily="50" charset="-128"/>
-              <a:cs typeface="メイリオ" pitchFamily="50" charset="-128"/>
-            </a:endParaRPr>
-          </a:p>
-          <a:p>
-            <a:r>
-              <a:rPr kumimoji="1" lang="ja-JP" altLang="en-US" dirty="0" smtClean="0">
-                <a:latin typeface="メイリオ" pitchFamily="50" charset="-128"/>
-                <a:ea typeface="メイリオ" pitchFamily="50" charset="-128"/>
-                <a:cs typeface="メイリオ" pitchFamily="50" charset="-128"/>
-              </a:rPr>
-              <a:t>その改変、本当に意味ありますか</a:t>
-            </a:r>
-            <a:r>
-              <a:rPr kumimoji="1" lang="en-US" altLang="ja-JP" dirty="0" smtClean="0">
-                <a:latin typeface="メイリオ" pitchFamily="50" charset="-128"/>
-                <a:ea typeface="メイリオ" pitchFamily="50" charset="-128"/>
-                <a:cs typeface="メイリオ" pitchFamily="50" charset="-128"/>
-              </a:rPr>
-              <a:t>?</a:t>
-            </a:r>
-            <a:endParaRPr kumimoji="1" lang="ja-JP" altLang="en-US" dirty="0">
+            <a:r>
+              <a:rPr kumimoji="1" lang="ja-JP" altLang="en-US" sz="4800" dirty="0" smtClean="0">
+                <a:latin typeface="メイリオ" pitchFamily="50" charset="-128"/>
+                <a:ea typeface="メイリオ" pitchFamily="50" charset="-128"/>
+                <a:cs typeface="メイリオ" pitchFamily="50" charset="-128"/>
+              </a:rPr>
+              <a:t>処理の最適化</a:t>
+            </a:r>
+            <a:endParaRPr kumimoji="1" lang="ja-JP" altLang="en-US" sz="4800" dirty="0">
               <a:latin typeface="メイリオ" pitchFamily="50" charset="-128"/>
               <a:ea typeface="メイリオ" pitchFamily="50" charset="-128"/>
               <a:cs typeface="メイリオ" pitchFamily="50" charset="-128"/>
@@ -11256,7 +12258,7 @@
               <a:pPr>
                 <a:defRPr/>
               </a:pPr>
-              <a:t>2014/08/29</a:t>
+              <a:t>2014/08/31</a:t>
             </a:fld>
             <a:endParaRPr lang="ja-JP" altLang="en-US" dirty="0">
               <a:latin typeface="メイリオ" pitchFamily="50" charset="-128"/>
@@ -11313,6 +12315,13 @@
   <p:clrMapOvr>
     <a:masterClrMapping/>
   </p:clrMapOvr>
+  <p:timing>
+    <p:tnLst>
+      <p:par>
+        <p:cTn id="1" dur="indefinite" restart="never" nodeType="tmRoot"/>
+      </p:par>
+    </p:tnLst>
+  </p:timing>
 </p:sld>
 </file>
 
@@ -11350,17 +12359,6 @@
           <a:p>
             <a:pPr algn="ctr"/>
             <a:r>
-              <a:rPr kumimoji="1" lang="ja-JP" altLang="en-US" sz="4000" dirty="0" smtClean="0">
-                <a:solidFill>
-                  <a:schemeClr val="tx1"/>
-                </a:solidFill>
-                <a:latin typeface="メイリオ" pitchFamily="50" charset="-128"/>
-                <a:ea typeface="メイリオ" pitchFamily="50" charset="-128"/>
-                <a:cs typeface="メイリオ" pitchFamily="50" charset="-128"/>
-              </a:rPr>
-              <a:t>その</a:t>
-            </a:r>
-            <a:r>
               <a:rPr lang="ja-JP" altLang="en-US" sz="4000" dirty="0" smtClean="0">
                 <a:solidFill>
                   <a:schemeClr val="tx1"/>
@@ -11369,29 +12367,7 @@
                 <a:ea typeface="メイリオ" pitchFamily="50" charset="-128"/>
                 <a:cs typeface="メイリオ" pitchFamily="50" charset="-128"/>
               </a:rPr>
-              <a:t>改変</a:t>
-            </a:r>
-            <a:r>
-              <a:rPr kumimoji="1" lang="ja-JP" altLang="en-US" sz="4000" dirty="0" smtClean="0">
-                <a:solidFill>
-                  <a:schemeClr val="tx1"/>
-                </a:solidFill>
-                <a:latin typeface="メイリオ" pitchFamily="50" charset="-128"/>
-                <a:ea typeface="メイリオ" pitchFamily="50" charset="-128"/>
-                <a:cs typeface="メイリオ" pitchFamily="50" charset="-128"/>
-              </a:rPr>
-              <a:t>、効果ありますか</a:t>
-            </a:r>
-            <a:r>
-              <a:rPr kumimoji="1" lang="en-US" altLang="ja-JP" sz="4000" dirty="0" smtClean="0">
-                <a:solidFill>
-                  <a:schemeClr val="tx1"/>
-                </a:solidFill>
-                <a:latin typeface="メイリオ" pitchFamily="50" charset="-128"/>
-                <a:ea typeface="メイリオ" pitchFamily="50" charset="-128"/>
-                <a:cs typeface="メイリオ" pitchFamily="50" charset="-128"/>
-              </a:rPr>
-              <a:t>?</a:t>
+              <a:t>パフォーマンスチェック</a:t>
             </a:r>
             <a:endParaRPr kumimoji="1" lang="ja-JP" altLang="en-US" sz="4000" dirty="0">
               <a:solidFill>
@@ -11425,7 +12401,7 @@
                 <a:ea typeface="メイリオ" pitchFamily="50" charset="-128"/>
                 <a:cs typeface="メイリオ" pitchFamily="50" charset="-128"/>
               </a:rPr>
-              <a:t>ボトルネックを把握しましょう</a:t>
+              <a:t>ユーザーから作成したツールが遅いという報告が上がった場合の対応方法</a:t>
             </a:r>
             <a:endParaRPr kumimoji="1" lang="en-US" altLang="ja-JP" dirty="0" smtClean="0">
               <a:latin typeface="メイリオ" pitchFamily="50" charset="-128"/>
@@ -11440,7 +12416,7 @@
                 <a:ea typeface="メイリオ" pitchFamily="50" charset="-128"/>
                 <a:cs typeface="メイリオ" pitchFamily="50" charset="-128"/>
               </a:rPr>
-              <a:t>どうやって</a:t>
+              <a:t>無暗にコードを改変していませんか</a:t>
             </a:r>
             <a:r>
               <a:rPr lang="en-US" altLang="ja-JP" dirty="0" smtClean="0">
@@ -11452,13 +12428,72 @@
             </a:r>
           </a:p>
           <a:p>
+            <a:pPr lvl="1"/>
+            <a:r>
+              <a:rPr kumimoji="1" lang="ja-JP" altLang="en-US" sz="2600" dirty="0" smtClean="0">
+                <a:latin typeface="メイリオ" pitchFamily="50" charset="-128"/>
+                <a:ea typeface="メイリオ" pitchFamily="50" charset="-128"/>
+                <a:cs typeface="メイリオ" pitchFamily="50" charset="-128"/>
+              </a:rPr>
+              <a:t>ファイルアクセスが遅い→メモリにキャッシュ</a:t>
+            </a:r>
+            <a:endParaRPr kumimoji="1" lang="en-US" altLang="ja-JP" sz="2600" dirty="0" smtClean="0">
+              <a:latin typeface="メイリオ" pitchFamily="50" charset="-128"/>
+              <a:ea typeface="メイリオ" pitchFamily="50" charset="-128"/>
+              <a:cs typeface="メイリオ" pitchFamily="50" charset="-128"/>
+            </a:endParaRPr>
+          </a:p>
+          <a:p>
+            <a:pPr lvl="1"/>
+            <a:r>
+              <a:rPr kumimoji="1" lang="ja-JP" altLang="en-US" sz="2600" dirty="0" smtClean="0">
+                <a:latin typeface="メイリオ" pitchFamily="50" charset="-128"/>
+                <a:ea typeface="メイリオ" pitchFamily="50" charset="-128"/>
+                <a:cs typeface="メイリオ" pitchFamily="50" charset="-128"/>
+              </a:rPr>
+              <a:t>小手先のテクニックでコードの最適化</a:t>
+            </a:r>
+            <a:endParaRPr kumimoji="1" lang="en-US" altLang="ja-JP" sz="2600" dirty="0" smtClean="0">
+              <a:latin typeface="メイリオ" pitchFamily="50" charset="-128"/>
+              <a:ea typeface="メイリオ" pitchFamily="50" charset="-128"/>
+              <a:cs typeface="メイリオ" pitchFamily="50" charset="-128"/>
+            </a:endParaRPr>
+          </a:p>
+          <a:p>
             <a:r>
               <a:rPr kumimoji="1" lang="ja-JP" altLang="en-US" dirty="0" smtClean="0">
                 <a:latin typeface="メイリオ" pitchFamily="50" charset="-128"/>
                 <a:ea typeface="メイリオ" pitchFamily="50" charset="-128"/>
                 <a:cs typeface="メイリオ" pitchFamily="50" charset="-128"/>
               </a:rPr>
-              <a:t>プロファイラを使用する</a:t>
+              <a:t>その改変、本当に意味ありますか</a:t>
+            </a:r>
+            <a:r>
+              <a:rPr kumimoji="1" lang="en-US" altLang="ja-JP" dirty="0" smtClean="0">
+                <a:latin typeface="メイリオ" pitchFamily="50" charset="-128"/>
+                <a:ea typeface="メイリオ" pitchFamily="50" charset="-128"/>
+                <a:cs typeface="メイリオ" pitchFamily="50" charset="-128"/>
+              </a:rPr>
+              <a:t>?</a:t>
+            </a:r>
+          </a:p>
+          <a:p>
+            <a:pPr lvl="1"/>
+            <a:r>
+              <a:rPr lang="ja-JP" altLang="en-US" dirty="0" smtClean="0">
+                <a:latin typeface="メイリオ" pitchFamily="50" charset="-128"/>
+                <a:ea typeface="メイリオ" pitchFamily="50" charset="-128"/>
+                <a:cs typeface="メイリオ" pitchFamily="50" charset="-128"/>
+              </a:rPr>
+              <a:t>勘</a:t>
+            </a:r>
+            <a:r>
+              <a:rPr lang="ja-JP" altLang="en-US" dirty="0" smtClean="0">
+                <a:latin typeface="メイリオ" pitchFamily="50" charset="-128"/>
+                <a:ea typeface="メイリオ" pitchFamily="50" charset="-128"/>
+                <a:cs typeface="メイリオ" pitchFamily="50" charset="-128"/>
+              </a:rPr>
+              <a:t>でとりあえずエイヤッと変更</a:t>
             </a:r>
             <a:endParaRPr kumimoji="1" lang="ja-JP" altLang="en-US" dirty="0">
               <a:latin typeface="メイリオ" pitchFamily="50" charset="-128"/>
@@ -11589,7 +12624,7 @@
           <a:p>
             <a:pPr algn="ctr"/>
             <a:r>
-              <a:rPr lang="en-US" altLang="ja-JP" sz="4000" dirty="0" smtClean="0">
+              <a:rPr kumimoji="1" lang="ja-JP" altLang="en-US" sz="4000" dirty="0" smtClean="0">
                 <a:solidFill>
                   <a:schemeClr val="tx1"/>
                 </a:solidFill>
@@ -11597,18 +12632,7 @@
                 <a:ea typeface="メイリオ" pitchFamily="50" charset="-128"/>
                 <a:cs typeface="メイリオ" pitchFamily="50" charset="-128"/>
               </a:rPr>
-              <a:t>Python </a:t>
-            </a:r>
-            <a:r>
-              <a:rPr lang="ja-JP" altLang="en-US" sz="4000" dirty="0" err="1" smtClean="0">
-                <a:solidFill>
-                  <a:schemeClr val="tx1"/>
-                </a:solidFill>
-                <a:latin typeface="メイリオ" pitchFamily="50" charset="-128"/>
-                <a:ea typeface="メイリオ" pitchFamily="50" charset="-128"/>
-                <a:cs typeface="メイリオ" pitchFamily="50" charset="-128"/>
-              </a:rPr>
-              <a:t>での</a:t>
+              <a:t>その</a:t>
             </a:r>
             <a:r>
               <a:rPr lang="ja-JP" altLang="en-US" sz="4000" dirty="0" smtClean="0">
@@ -11619,7 +12643,29 @@
                 <a:ea typeface="メイリオ" pitchFamily="50" charset="-128"/>
                 <a:cs typeface="メイリオ" pitchFamily="50" charset="-128"/>
               </a:rPr>
-              <a:t>プロファイリング</a:t>
+              <a:t>改変</a:t>
+            </a:r>
+            <a:r>
+              <a:rPr kumimoji="1" lang="ja-JP" altLang="en-US" sz="4000" dirty="0" smtClean="0">
+                <a:solidFill>
+                  <a:schemeClr val="tx1"/>
+                </a:solidFill>
+                <a:latin typeface="メイリオ" pitchFamily="50" charset="-128"/>
+                <a:ea typeface="メイリオ" pitchFamily="50" charset="-128"/>
+                <a:cs typeface="メイリオ" pitchFamily="50" charset="-128"/>
+              </a:rPr>
+              <a:t>、効果ありますか</a:t>
+            </a:r>
+            <a:r>
+              <a:rPr kumimoji="1" lang="en-US" altLang="ja-JP" sz="4000" dirty="0" smtClean="0">
+                <a:solidFill>
+                  <a:schemeClr val="tx1"/>
+                </a:solidFill>
+                <a:latin typeface="メイリオ" pitchFamily="50" charset="-128"/>
+                <a:ea typeface="メイリオ" pitchFamily="50" charset="-128"/>
+                <a:cs typeface="メイリオ" pitchFamily="50" charset="-128"/>
+              </a:rPr>
+              <a:t>?</a:t>
             </a:r>
             <a:endParaRPr kumimoji="1" lang="ja-JP" altLang="en-US" sz="4000" dirty="0">
               <a:solidFill>
@@ -11642,57 +12688,53 @@
             <p:ph idx="1"/>
           </p:nvPr>
         </p:nvSpPr>
-        <p:spPr>
-          <a:xfrm>
-            <a:off x="457200" y="942977"/>
-            <a:ext cx="8229600" cy="628641"/>
-          </a:xfrm>
-        </p:spPr>
+        <p:spPr/>
         <p:txBody>
           <a:bodyPr/>
           <a:lstStyle/>
           <a:p>
             <a:r>
+              <a:rPr kumimoji="1" lang="ja-JP" altLang="en-US" dirty="0" smtClean="0">
+                <a:latin typeface="メイリオ" pitchFamily="50" charset="-128"/>
+                <a:ea typeface="メイリオ" pitchFamily="50" charset="-128"/>
+                <a:cs typeface="メイリオ" pitchFamily="50" charset="-128"/>
+              </a:rPr>
+              <a:t>ボトルネックを把握しましょう</a:t>
+            </a:r>
+            <a:endParaRPr kumimoji="1" lang="en-US" altLang="ja-JP" dirty="0" smtClean="0">
+              <a:latin typeface="メイリオ" pitchFamily="50" charset="-128"/>
+              <a:ea typeface="メイリオ" pitchFamily="50" charset="-128"/>
+              <a:cs typeface="メイリオ" pitchFamily="50" charset="-128"/>
+            </a:endParaRPr>
+          </a:p>
+          <a:p>
+            <a:r>
+              <a:rPr lang="ja-JP" altLang="en-US" dirty="0" smtClean="0">
+                <a:latin typeface="メイリオ" pitchFamily="50" charset="-128"/>
+                <a:ea typeface="メイリオ" pitchFamily="50" charset="-128"/>
+                <a:cs typeface="メイリオ" pitchFamily="50" charset="-128"/>
+              </a:rPr>
+              <a:t>どうやって</a:t>
+            </a:r>
+            <a:r>
               <a:rPr lang="en-US" altLang="ja-JP" dirty="0" smtClean="0">
                 <a:latin typeface="メイリオ" pitchFamily="50" charset="-128"/>
                 <a:ea typeface="メイリオ" pitchFamily="50" charset="-128"/>
                 <a:cs typeface="メイリオ" pitchFamily="50" charset="-128"/>
               </a:rPr>
-              <a:t>Python </a:t>
-            </a:r>
-            <a:r>
-              <a:rPr lang="ja-JP" altLang="en-US" dirty="0" smtClean="0">
-                <a:latin typeface="メイリオ" pitchFamily="50" charset="-128"/>
-                <a:ea typeface="メイリオ" pitchFamily="50" charset="-128"/>
-                <a:cs typeface="メイリオ" pitchFamily="50" charset="-128"/>
-              </a:rPr>
-              <a:t>では </a:t>
-            </a:r>
-            <a:r>
-              <a:rPr lang="en-US" altLang="ja-JP" dirty="0" err="1" smtClean="0">
-                <a:latin typeface="メイリオ" pitchFamily="50" charset="-128"/>
-                <a:ea typeface="メイリオ" pitchFamily="50" charset="-128"/>
-                <a:cs typeface="メイリオ" pitchFamily="50" charset="-128"/>
-              </a:rPr>
-              <a:t>cProfile</a:t>
-            </a:r>
-            <a:r>
-              <a:rPr lang="en-US" altLang="ja-JP" dirty="0" smtClean="0">
-                <a:latin typeface="メイリオ" pitchFamily="50" charset="-128"/>
-                <a:ea typeface="メイリオ" pitchFamily="50" charset="-128"/>
-                <a:cs typeface="メイリオ" pitchFamily="50" charset="-128"/>
-              </a:rPr>
-              <a:t> </a:t>
-            </a:r>
-            <a:r>
-              <a:rPr lang="ja-JP" altLang="en-US" dirty="0" smtClean="0">
-                <a:latin typeface="メイリオ" pitchFamily="50" charset="-128"/>
-                <a:ea typeface="メイリオ" pitchFamily="50" charset="-128"/>
-                <a:cs typeface="メイリオ" pitchFamily="50" charset="-128"/>
-              </a:rPr>
-              <a:t>を使用する</a:t>
-            </a:r>
-            <a:endParaRPr lang="en-US" altLang="ja-JP" dirty="0" smtClean="0">
+              <a:t>?</a:t>
+            </a:r>
+          </a:p>
+          <a:p>
+            <a:r>
+              <a:rPr kumimoji="1" lang="ja-JP" altLang="en-US" dirty="0" smtClean="0">
+                <a:latin typeface="メイリオ" pitchFamily="50" charset="-128"/>
+                <a:ea typeface="メイリオ" pitchFamily="50" charset="-128"/>
+                <a:cs typeface="メイリオ" pitchFamily="50" charset="-128"/>
+              </a:rPr>
+              <a:t>プロファイラを使用する</a:t>
+            </a:r>
+            <a:endParaRPr kumimoji="1" lang="ja-JP" altLang="en-US" dirty="0">
               <a:latin typeface="メイリオ" pitchFamily="50" charset="-128"/>
               <a:ea typeface="メイリオ" pitchFamily="50" charset="-128"/>
               <a:cs typeface="メイリオ" pitchFamily="50" charset="-128"/>
@@ -11767,196 +12809,6 @@
               <a:t>22</a:t>
             </a:fld>
             <a:endParaRPr lang="ja-JP" altLang="en-US">
-              <a:latin typeface="メイリオ" pitchFamily="50" charset="-128"/>
-              <a:ea typeface="メイリオ" pitchFamily="50" charset="-128"/>
-              <a:cs typeface="メイリオ" pitchFamily="50" charset="-128"/>
-            </a:endParaRPr>
-          </a:p>
-        </p:txBody>
-      </p:sp>
-      <p:sp>
-        <p:nvSpPr>
-          <p:cNvPr id="7" name="テキスト ボックス 6"/>
-          <p:cNvSpPr txBox="1"/>
-          <p:nvPr/>
-        </p:nvSpPr>
-        <p:spPr>
-          <a:xfrm>
-            <a:off x="785786" y="1824333"/>
-            <a:ext cx="7143800" cy="461665"/>
-          </a:xfrm>
-          <a:prstGeom prst="rect">
-            <a:avLst/>
-          </a:prstGeom>
-          <a:solidFill>
-            <a:schemeClr val="bg1">
-              <a:lumMod val="85000"/>
-            </a:schemeClr>
-          </a:solidFill>
-          <a:ln>
-            <a:solidFill>
-              <a:schemeClr val="tx1"/>
-            </a:solidFill>
-          </a:ln>
-        </p:spPr>
-        <p:txBody>
-          <a:bodyPr wrap="square" rtlCol="0">
-            <a:spAutoFit/>
-          </a:bodyPr>
-          <a:lstStyle/>
-          <a:p>
-            <a:r>
-              <a:rPr lang="en-US" sz="1200" dirty="0" smtClean="0">
-                <a:latin typeface="メイリオ" pitchFamily="50" charset="-128"/>
-                <a:ea typeface="メイリオ" pitchFamily="50" charset="-128"/>
-                <a:cs typeface="メイリオ" pitchFamily="50" charset="-128"/>
-              </a:rPr>
-              <a:t>import </a:t>
-            </a:r>
-            <a:r>
-              <a:rPr lang="en-US" sz="1200" dirty="0" err="1" smtClean="0">
-                <a:latin typeface="メイリオ" pitchFamily="50" charset="-128"/>
-                <a:ea typeface="メイリオ" pitchFamily="50" charset="-128"/>
-                <a:cs typeface="メイリオ" pitchFamily="50" charset="-128"/>
-              </a:rPr>
-              <a:t>cProfile</a:t>
-            </a:r>
-            <a:r>
-              <a:rPr lang="en-US" sz="1200" dirty="0" smtClean="0">
-                <a:latin typeface="メイリオ" pitchFamily="50" charset="-128"/>
-                <a:ea typeface="メイリオ" pitchFamily="50" charset="-128"/>
-                <a:cs typeface="メイリオ" pitchFamily="50" charset="-128"/>
-              </a:rPr>
-              <a:t/>
-            </a:r>
-            <a:br>
-              <a:rPr lang="en-US" sz="1200" dirty="0" smtClean="0">
-                <a:latin typeface="メイリオ" pitchFamily="50" charset="-128"/>
-                <a:ea typeface="メイリオ" pitchFamily="50" charset="-128"/>
-                <a:cs typeface="メイリオ" pitchFamily="50" charset="-128"/>
-              </a:rPr>
-            </a:br>
-            <a:r>
-              <a:rPr lang="en-US" sz="1200" dirty="0" err="1" smtClean="0">
-                <a:latin typeface="メイリオ" pitchFamily="50" charset="-128"/>
-                <a:ea typeface="メイリオ" pitchFamily="50" charset="-128"/>
-                <a:cs typeface="メイリオ" pitchFamily="50" charset="-128"/>
-              </a:rPr>
-              <a:t>cProfile.run</a:t>
-            </a:r>
-            <a:r>
-              <a:rPr lang="en-US" sz="1200" dirty="0" smtClean="0">
-                <a:latin typeface="メイリオ" pitchFamily="50" charset="-128"/>
-                <a:ea typeface="メイリオ" pitchFamily="50" charset="-128"/>
-                <a:cs typeface="メイリオ" pitchFamily="50" charset="-128"/>
-              </a:rPr>
-              <a:t>(‘</a:t>
-            </a:r>
-            <a:r>
-              <a:rPr lang="en-US" sz="1200" dirty="0" err="1" smtClean="0">
-                <a:latin typeface="メイリオ" pitchFamily="50" charset="-128"/>
-                <a:ea typeface="メイリオ" pitchFamily="50" charset="-128"/>
-                <a:cs typeface="メイリオ" pitchFamily="50" charset="-128"/>
-              </a:rPr>
-              <a:t>someHeavyOperation</a:t>
-            </a:r>
-            <a:r>
-              <a:rPr lang="en-US" sz="1200" dirty="0" smtClean="0">
-                <a:latin typeface="メイリオ" pitchFamily="50" charset="-128"/>
-                <a:ea typeface="メイリオ" pitchFamily="50" charset="-128"/>
-                <a:cs typeface="メイリオ" pitchFamily="50" charset="-128"/>
-              </a:rPr>
-              <a:t>()')　#</a:t>
-            </a:r>
-            <a:r>
-              <a:rPr lang="ja-JP" altLang="en-US" sz="1200" dirty="0" smtClean="0">
-                <a:latin typeface="メイリオ" pitchFamily="50" charset="-128"/>
-                <a:ea typeface="メイリオ" pitchFamily="50" charset="-128"/>
-                <a:cs typeface="メイリオ" pitchFamily="50" charset="-128"/>
-              </a:rPr>
-              <a:t>処理時間を計測</a:t>
-            </a:r>
-            <a:endParaRPr kumimoji="1" lang="ja-JP" altLang="en-US" sz="1200" dirty="0">
-              <a:latin typeface="メイリオ" pitchFamily="50" charset="-128"/>
-              <a:ea typeface="メイリオ" pitchFamily="50" charset="-128"/>
-              <a:cs typeface="メイリオ" pitchFamily="50" charset="-128"/>
-            </a:endParaRPr>
-          </a:p>
-        </p:txBody>
-      </p:sp>
-      <p:sp>
-        <p:nvSpPr>
-          <p:cNvPr id="9" name="コンテンツ プレースホルダー 2"/>
-          <p:cNvSpPr txBox="1">
-            <a:spLocks/>
-          </p:cNvSpPr>
-          <p:nvPr/>
-        </p:nvSpPr>
-        <p:spPr bwMode="auto">
-          <a:xfrm>
-            <a:off x="457200" y="2500312"/>
-            <a:ext cx="8229600" cy="2071702"/>
-          </a:xfrm>
-          <a:prstGeom prst="rect">
-            <a:avLst/>
-          </a:prstGeom>
-          <a:noFill/>
-          <a:ln w="9525">
-            <a:noFill/>
-            <a:miter lim="800000"/>
-            <a:headEnd/>
-            <a:tailEnd/>
-          </a:ln>
-        </p:spPr>
-        <p:txBody>
-          <a:bodyPr vert="horz" wrap="square" lIns="91440" tIns="45720" rIns="91440" bIns="45720" numCol="1" anchor="t" anchorCtr="0" compatLnSpc="1">
-            <a:prstTxWarp prst="textNoShape">
-              <a:avLst/>
-            </a:prstTxWarp>
-          </a:bodyPr>
-          <a:lstStyle/>
-          <a:p>
-            <a:pPr marL="342900" lvl="0" indent="-342900">
-              <a:spcBef>
-                <a:spcPct val="20000"/>
-              </a:spcBef>
-              <a:buFont typeface="Arial" charset="0"/>
-              <a:buChar char="•"/>
-            </a:pPr>
-            <a:r>
-              <a:rPr lang="en-US" altLang="ja-JP" sz="3200" dirty="0" err="1" smtClean="0">
-                <a:latin typeface="メイリオ" pitchFamily="50" charset="-128"/>
-                <a:ea typeface="メイリオ" pitchFamily="50" charset="-128"/>
-                <a:cs typeface="メイリオ" pitchFamily="50" charset="-128"/>
-              </a:rPr>
-              <a:t>someHeavyOperation</a:t>
-            </a:r>
-            <a:r>
-              <a:rPr lang="en-US" altLang="ja-JP" sz="3200" dirty="0" smtClean="0">
-                <a:latin typeface="メイリオ" pitchFamily="50" charset="-128"/>
-                <a:ea typeface="メイリオ" pitchFamily="50" charset="-128"/>
-                <a:cs typeface="メイリオ" pitchFamily="50" charset="-128"/>
-              </a:rPr>
-              <a:t>() </a:t>
-            </a:r>
-            <a:r>
-              <a:rPr lang="ja-JP" altLang="en-US" sz="3200" dirty="0" smtClean="0">
-                <a:latin typeface="メイリオ" pitchFamily="50" charset="-128"/>
-                <a:ea typeface="メイリオ" pitchFamily="50" charset="-128"/>
-                <a:cs typeface="メイリオ" pitchFamily="50" charset="-128"/>
-              </a:rPr>
-              <a:t>を行った際にどの関数でどれだけ処理に時間がかかったかを把握することができる</a:t>
-            </a:r>
-            <a:endParaRPr kumimoji="1" lang="en-US" altLang="ja-JP" sz="3200" b="0" i="0" u="none" strike="noStrike" kern="1200" cap="none" spc="0" normalizeH="0" baseline="0" noProof="0" dirty="0" smtClean="0">
-              <a:ln>
-                <a:noFill/>
-              </a:ln>
-              <a:solidFill>
-                <a:schemeClr val="tx1"/>
-              </a:solidFill>
-              <a:effectLst/>
-              <a:uLnTx/>
-              <a:uFillTx/>
               <a:latin typeface="メイリオ" pitchFamily="50" charset="-128"/>
               <a:ea typeface="メイリオ" pitchFamily="50" charset="-128"/>
               <a:cs typeface="メイリオ" pitchFamily="50" charset="-128"/>
@@ -12011,6 +12863,28 @@
           <a:p>
             <a:pPr algn="ctr"/>
             <a:r>
+              <a:rPr lang="en-US" altLang="ja-JP" sz="4000" dirty="0" smtClean="0">
+                <a:solidFill>
+                  <a:schemeClr val="tx1"/>
+                </a:solidFill>
+                <a:latin typeface="メイリオ" pitchFamily="50" charset="-128"/>
+                <a:ea typeface="メイリオ" pitchFamily="50" charset="-128"/>
+                <a:cs typeface="メイリオ" pitchFamily="50" charset="-128"/>
+              </a:rPr>
+              <a:t>Python </a:t>
+            </a:r>
+            <a:r>
+              <a:rPr lang="ja-JP" altLang="en-US" sz="4000" dirty="0" err="1" smtClean="0">
+                <a:solidFill>
+                  <a:schemeClr val="tx1"/>
+                </a:solidFill>
+                <a:latin typeface="メイリオ" pitchFamily="50" charset="-128"/>
+                <a:ea typeface="メイリオ" pitchFamily="50" charset="-128"/>
+                <a:cs typeface="メイリオ" pitchFamily="50" charset="-128"/>
+              </a:rPr>
+              <a:t>での</a:t>
+            </a:r>
+            <a:r>
               <a:rPr lang="ja-JP" altLang="en-US" sz="4000" dirty="0" smtClean="0">
                 <a:solidFill>
                   <a:schemeClr val="tx1"/>
@@ -12019,12 +12893,80 @@
                 <a:ea typeface="メイリオ" pitchFamily="50" charset="-128"/>
                 <a:cs typeface="メイリオ" pitchFamily="50" charset="-128"/>
               </a:rPr>
-              <a:t>プロファイリング結果の分析</a:t>
+              <a:t>プロファイリング</a:t>
             </a:r>
             <a:endParaRPr kumimoji="1" lang="ja-JP" altLang="en-US" sz="4000" dirty="0">
               <a:solidFill>
                 <a:schemeClr val="tx1"/>
               </a:solidFill>
+              <a:latin typeface="メイリオ" pitchFamily="50" charset="-128"/>
+              <a:ea typeface="メイリオ" pitchFamily="50" charset="-128"/>
+              <a:cs typeface="メイリオ" pitchFamily="50" charset="-128"/>
+            </a:endParaRPr>
+          </a:p>
+        </p:txBody>
+      </p:sp>
+      <p:sp>
+        <p:nvSpPr>
+          <p:cNvPr id="3" name="コンテンツ プレースホルダー 2"/>
+          <p:cNvSpPr>
+            <a:spLocks noGrp="1"/>
+          </p:cNvSpPr>
+          <p:nvPr>
+            <p:ph idx="1"/>
+          </p:nvPr>
+        </p:nvSpPr>
+        <p:spPr>
+          <a:xfrm>
+            <a:off x="457200" y="942977"/>
+            <a:ext cx="8229600" cy="628641"/>
+          </a:xfrm>
+        </p:spPr>
+        <p:txBody>
+          <a:bodyPr/>
+          <a:lstStyle/>
+          <a:p>
+            <a:r>
+              <a:rPr lang="en-US" altLang="ja-JP" dirty="0" smtClean="0">
+                <a:latin typeface="メイリオ" pitchFamily="50" charset="-128"/>
+                <a:ea typeface="メイリオ" pitchFamily="50" charset="-128"/>
+                <a:cs typeface="メイリオ" pitchFamily="50" charset="-128"/>
+              </a:rPr>
+              <a:t>Python </a:t>
+            </a:r>
+            <a:r>
+              <a:rPr lang="ja-JP" altLang="en-US" dirty="0" smtClean="0">
+                <a:latin typeface="メイリオ" pitchFamily="50" charset="-128"/>
+                <a:ea typeface="メイリオ" pitchFamily="50" charset="-128"/>
+                <a:cs typeface="メイリオ" pitchFamily="50" charset="-128"/>
+              </a:rPr>
+              <a:t>では </a:t>
+            </a:r>
+            <a:r>
+              <a:rPr lang="en-US" altLang="ja-JP" dirty="0" err="1" smtClean="0">
+                <a:latin typeface="メイリオ" pitchFamily="50" charset="-128"/>
+                <a:ea typeface="メイリオ" pitchFamily="50" charset="-128"/>
+                <a:cs typeface="メイリオ" pitchFamily="50" charset="-128"/>
+              </a:rPr>
+              <a:t>cProfile</a:t>
+            </a:r>
+            <a:r>
+              <a:rPr lang="en-US" altLang="ja-JP" dirty="0" smtClean="0">
+                <a:latin typeface="メイリオ" pitchFamily="50" charset="-128"/>
+                <a:ea typeface="メイリオ" pitchFamily="50" charset="-128"/>
+                <a:cs typeface="メイリオ" pitchFamily="50" charset="-128"/>
+              </a:rPr>
+              <a:t> </a:t>
+            </a:r>
+            <a:r>
+              <a:rPr lang="ja-JP" altLang="en-US" dirty="0" smtClean="0">
+                <a:latin typeface="メイリオ" pitchFamily="50" charset="-128"/>
+                <a:ea typeface="メイリオ" pitchFamily="50" charset="-128"/>
+                <a:cs typeface="メイリオ" pitchFamily="50" charset="-128"/>
+              </a:rPr>
+              <a:t>を使用する</a:t>
+            </a:r>
+            <a:endParaRPr lang="en-US" altLang="ja-JP" dirty="0" smtClean="0">
               <a:latin typeface="メイリオ" pitchFamily="50" charset="-128"/>
               <a:ea typeface="メイリオ" pitchFamily="50" charset="-128"/>
               <a:cs typeface="メイリオ" pitchFamily="50" charset="-128"/>
@@ -12114,8 +13056,8 @@
         </p:nvSpPr>
         <p:spPr>
           <a:xfrm>
-            <a:off x="785786" y="1079880"/>
-            <a:ext cx="7143800" cy="3631763"/>
+            <a:off x="785786" y="1824333"/>
+            <a:ext cx="7143800" cy="461665"/>
           </a:xfrm>
           <a:prstGeom prst="rect">
             <a:avLst/>
@@ -12138,555 +13080,161 @@
           <a:lstStyle/>
           <a:p>
             <a:r>
-              <a:rPr lang="en-US" sz="1000" dirty="0" smtClean="0">
-                <a:latin typeface="MS UI Gothic" pitchFamily="50" charset="-128"/>
-                <a:ea typeface="MS UI Gothic" pitchFamily="50" charset="-128"/>
-                <a:cs typeface="メイリオ" pitchFamily="50" charset="-128"/>
-              </a:rPr>
-              <a:t>D:\chiyama&gt;python testDirectoryDefs.py</a:t>
-            </a:r>
-          </a:p>
-          <a:p>
-            <a:r>
-              <a:rPr lang="en-US" sz="1000" dirty="0" smtClean="0">
-                <a:latin typeface="MS UI Gothic" pitchFamily="50" charset="-128"/>
-                <a:ea typeface="MS UI Gothic" pitchFamily="50" charset="-128"/>
-                <a:cs typeface="メイリオ" pitchFamily="50" charset="-128"/>
-              </a:rPr>
-              <a:t>         11190417 function calls (11057225 primitive calls) in 28.010 CPU seconds</a:t>
-            </a:r>
-          </a:p>
-          <a:p>
-            <a:endParaRPr lang="en-US" sz="1000" dirty="0" smtClean="0">
-              <a:latin typeface="MS UI Gothic" pitchFamily="50" charset="-128"/>
-              <a:ea typeface="MS UI Gothic" pitchFamily="50" charset="-128"/>
+              <a:rPr lang="en-US" sz="1200" dirty="0" smtClean="0">
+                <a:latin typeface="メイリオ" pitchFamily="50" charset="-128"/>
+                <a:ea typeface="メイリオ" pitchFamily="50" charset="-128"/>
+                <a:cs typeface="メイリオ" pitchFamily="50" charset="-128"/>
+              </a:rPr>
+              <a:t>import </a:t>
+            </a:r>
+            <a:r>
+              <a:rPr lang="en-US" sz="1200" dirty="0" err="1" smtClean="0">
+                <a:latin typeface="メイリオ" pitchFamily="50" charset="-128"/>
+                <a:ea typeface="メイリオ" pitchFamily="50" charset="-128"/>
+                <a:cs typeface="メイリオ" pitchFamily="50" charset="-128"/>
+              </a:rPr>
+              <a:t>cProfile</a:t>
+            </a:r>
+            <a:r>
+              <a:rPr lang="en-US" sz="1200" dirty="0" smtClean="0">
+                <a:latin typeface="メイリオ" pitchFamily="50" charset="-128"/>
+                <a:ea typeface="メイリオ" pitchFamily="50" charset="-128"/>
+                <a:cs typeface="メイリオ" pitchFamily="50" charset="-128"/>
+              </a:rPr>
+              <a:t/>
+            </a:r>
+            <a:br>
+              <a:rPr lang="en-US" sz="1200" dirty="0" smtClean="0">
+                <a:latin typeface="メイリオ" pitchFamily="50" charset="-128"/>
+                <a:ea typeface="メイリオ" pitchFamily="50" charset="-128"/>
+                <a:cs typeface="メイリオ" pitchFamily="50" charset="-128"/>
+              </a:rPr>
+            </a:br>
+            <a:r>
+              <a:rPr lang="en-US" sz="1200" dirty="0" err="1" smtClean="0">
+                <a:latin typeface="メイリオ" pitchFamily="50" charset="-128"/>
+                <a:ea typeface="メイリオ" pitchFamily="50" charset="-128"/>
+                <a:cs typeface="メイリオ" pitchFamily="50" charset="-128"/>
+              </a:rPr>
+              <a:t>cProfile.run</a:t>
+            </a:r>
+            <a:r>
+              <a:rPr lang="en-US" sz="1200" dirty="0" smtClean="0">
+                <a:latin typeface="メイリオ" pitchFamily="50" charset="-128"/>
+                <a:ea typeface="メイリオ" pitchFamily="50" charset="-128"/>
+                <a:cs typeface="メイリオ" pitchFamily="50" charset="-128"/>
+              </a:rPr>
+              <a:t>(‘</a:t>
+            </a:r>
+            <a:r>
+              <a:rPr lang="en-US" sz="1200" dirty="0" err="1" smtClean="0">
+                <a:latin typeface="メイリオ" pitchFamily="50" charset="-128"/>
+                <a:ea typeface="メイリオ" pitchFamily="50" charset="-128"/>
+                <a:cs typeface="メイリオ" pitchFamily="50" charset="-128"/>
+              </a:rPr>
+              <a:t>someHeavyOperation</a:t>
+            </a:r>
+            <a:r>
+              <a:rPr lang="en-US" sz="1200" dirty="0" smtClean="0">
+                <a:latin typeface="メイリオ" pitchFamily="50" charset="-128"/>
+                <a:ea typeface="メイリオ" pitchFamily="50" charset="-128"/>
+                <a:cs typeface="メイリオ" pitchFamily="50" charset="-128"/>
+              </a:rPr>
+              <a:t>()')　#</a:t>
+            </a:r>
+            <a:r>
+              <a:rPr lang="ja-JP" altLang="en-US" sz="1200" dirty="0" smtClean="0">
+                <a:latin typeface="メイリオ" pitchFamily="50" charset="-128"/>
+                <a:ea typeface="メイリオ" pitchFamily="50" charset="-128"/>
+                <a:cs typeface="メイリオ" pitchFamily="50" charset="-128"/>
+              </a:rPr>
+              <a:t>処理時間を計測</a:t>
+            </a:r>
+            <a:endParaRPr kumimoji="1" lang="ja-JP" altLang="en-US" sz="1200" dirty="0">
+              <a:latin typeface="メイリオ" pitchFamily="50" charset="-128"/>
+              <a:ea typeface="メイリオ" pitchFamily="50" charset="-128"/>
               <a:cs typeface="メイリオ" pitchFamily="50" charset="-128"/>
             </a:endParaRPr>
           </a:p>
-          <a:p>
-            <a:r>
-              <a:rPr lang="en-US" sz="1000" dirty="0" smtClean="0">
-                <a:latin typeface="MS UI Gothic" pitchFamily="50" charset="-128"/>
-                <a:ea typeface="MS UI Gothic" pitchFamily="50" charset="-128"/>
-                <a:cs typeface="メイリオ" pitchFamily="50" charset="-128"/>
-              </a:rPr>
-              <a:t>   Ordered by: standard name</a:t>
-            </a:r>
-          </a:p>
-          <a:p>
-            <a:endParaRPr lang="en-US" sz="1000" dirty="0" smtClean="0">
-              <a:latin typeface="MS UI Gothic" pitchFamily="50" charset="-128"/>
-              <a:ea typeface="MS UI Gothic" pitchFamily="50" charset="-128"/>
+        </p:txBody>
+      </p:sp>
+      <p:sp>
+        <p:nvSpPr>
+          <p:cNvPr id="9" name="コンテンツ プレースホルダー 2"/>
+          <p:cNvSpPr txBox="1">
+            <a:spLocks/>
+          </p:cNvSpPr>
+          <p:nvPr/>
+        </p:nvSpPr>
+        <p:spPr bwMode="auto">
+          <a:xfrm>
+            <a:off x="457200" y="2500312"/>
+            <a:ext cx="8229600" cy="2071702"/>
+          </a:xfrm>
+          <a:prstGeom prst="rect">
+            <a:avLst/>
+          </a:prstGeom>
+          <a:noFill/>
+          <a:ln w="9525">
+            <a:noFill/>
+            <a:miter lim="800000"/>
+            <a:headEnd/>
+            <a:tailEnd/>
+          </a:ln>
+        </p:spPr>
+        <p:txBody>
+          <a:bodyPr vert="horz" wrap="square" lIns="91440" tIns="45720" rIns="91440" bIns="45720" numCol="1" anchor="t" anchorCtr="0" compatLnSpc="1">
+            <a:prstTxWarp prst="textNoShape">
+              <a:avLst/>
+            </a:prstTxWarp>
+          </a:bodyPr>
+          <a:lstStyle/>
+          <a:p>
+            <a:pPr marL="342900" lvl="0" indent="-342900">
+              <a:spcBef>
+                <a:spcPct val="20000"/>
+              </a:spcBef>
+              <a:buFont typeface="Arial" charset="0"/>
+              <a:buChar char="•"/>
+            </a:pPr>
+            <a:r>
+              <a:rPr lang="en-US" altLang="ja-JP" sz="3200" dirty="0" err="1" smtClean="0">
+                <a:latin typeface="メイリオ" pitchFamily="50" charset="-128"/>
+                <a:ea typeface="メイリオ" pitchFamily="50" charset="-128"/>
+                <a:cs typeface="メイリオ" pitchFamily="50" charset="-128"/>
+              </a:rPr>
+              <a:t>someHeavyOperation</a:t>
+            </a:r>
+            <a:r>
+              <a:rPr lang="en-US" altLang="ja-JP" sz="3200" dirty="0" smtClean="0">
+                <a:latin typeface="メイリオ" pitchFamily="50" charset="-128"/>
+                <a:ea typeface="メイリオ" pitchFamily="50" charset="-128"/>
+                <a:cs typeface="メイリオ" pitchFamily="50" charset="-128"/>
+              </a:rPr>
+              <a:t>() </a:t>
+            </a:r>
+            <a:r>
+              <a:rPr lang="ja-JP" altLang="en-US" sz="3200" dirty="0" smtClean="0">
+                <a:latin typeface="メイリオ" pitchFamily="50" charset="-128"/>
+                <a:ea typeface="メイリオ" pitchFamily="50" charset="-128"/>
+                <a:cs typeface="メイリオ" pitchFamily="50" charset="-128"/>
+              </a:rPr>
+              <a:t>を行った際にどの関数でどれだけ処理に時間がかかったかを把握することができる</a:t>
+            </a:r>
+            <a:endParaRPr kumimoji="1" lang="en-US" altLang="ja-JP" sz="3200" b="0" i="0" u="none" strike="noStrike" kern="1200" cap="none" spc="0" normalizeH="0" baseline="0" noProof="0" dirty="0" smtClean="0">
+              <a:ln>
+                <a:noFill/>
+              </a:ln>
+              <a:solidFill>
+                <a:schemeClr val="tx1"/>
+              </a:solidFill>
+              <a:effectLst/>
+              <a:uLnTx/>
+              <a:uFillTx/>
+              <a:latin typeface="メイリオ" pitchFamily="50" charset="-128"/>
+              <a:ea typeface="メイリオ" pitchFamily="50" charset="-128"/>
               <a:cs typeface="メイリオ" pitchFamily="50" charset="-128"/>
             </a:endParaRPr>
-          </a:p>
-          <a:p>
-            <a:r>
-              <a:rPr lang="en-US" sz="1000" dirty="0" smtClean="0">
-                <a:latin typeface="MS UI Gothic" pitchFamily="50" charset="-128"/>
-                <a:ea typeface="MS UI Gothic" pitchFamily="50" charset="-128"/>
-                <a:cs typeface="メイリオ" pitchFamily="50" charset="-128"/>
-              </a:rPr>
-              <a:t>   </a:t>
-            </a:r>
-            <a:r>
-              <a:rPr lang="en-US" sz="1000" dirty="0" err="1" smtClean="0">
-                <a:latin typeface="MS UI Gothic" pitchFamily="50" charset="-128"/>
-                <a:ea typeface="MS UI Gothic" pitchFamily="50" charset="-128"/>
-                <a:cs typeface="メイリオ" pitchFamily="50" charset="-128"/>
-              </a:rPr>
-              <a:t>ncalls</a:t>
-            </a:r>
-            <a:r>
-              <a:rPr lang="en-US" sz="1000" dirty="0" smtClean="0">
-                <a:latin typeface="MS UI Gothic" pitchFamily="50" charset="-128"/>
-                <a:ea typeface="MS UI Gothic" pitchFamily="50" charset="-128"/>
-                <a:cs typeface="メイリオ" pitchFamily="50" charset="-128"/>
-              </a:rPr>
-              <a:t>  </a:t>
-            </a:r>
-            <a:r>
-              <a:rPr lang="en-US" sz="1000" dirty="0" err="1" smtClean="0">
-                <a:latin typeface="MS UI Gothic" pitchFamily="50" charset="-128"/>
-                <a:ea typeface="MS UI Gothic" pitchFamily="50" charset="-128"/>
-                <a:cs typeface="メイリオ" pitchFamily="50" charset="-128"/>
-              </a:rPr>
-              <a:t>tottime</a:t>
-            </a:r>
-            <a:r>
-              <a:rPr lang="en-US" sz="1000" dirty="0" smtClean="0">
-                <a:latin typeface="MS UI Gothic" pitchFamily="50" charset="-128"/>
-                <a:ea typeface="MS UI Gothic" pitchFamily="50" charset="-128"/>
-                <a:cs typeface="メイリオ" pitchFamily="50" charset="-128"/>
-              </a:rPr>
-              <a:t>  </a:t>
-            </a:r>
-            <a:r>
-              <a:rPr lang="en-US" sz="1000" dirty="0" err="1" smtClean="0">
-                <a:latin typeface="MS UI Gothic" pitchFamily="50" charset="-128"/>
-                <a:ea typeface="MS UI Gothic" pitchFamily="50" charset="-128"/>
-                <a:cs typeface="メイリオ" pitchFamily="50" charset="-128"/>
-              </a:rPr>
-              <a:t>percall</a:t>
-            </a:r>
-            <a:r>
-              <a:rPr lang="en-US" sz="1000" dirty="0" smtClean="0">
-                <a:latin typeface="MS UI Gothic" pitchFamily="50" charset="-128"/>
-                <a:ea typeface="MS UI Gothic" pitchFamily="50" charset="-128"/>
-                <a:cs typeface="メイリオ" pitchFamily="50" charset="-128"/>
-              </a:rPr>
-              <a:t>  </a:t>
-            </a:r>
-            <a:r>
-              <a:rPr lang="en-US" sz="1000" dirty="0" err="1" smtClean="0">
-                <a:latin typeface="MS UI Gothic" pitchFamily="50" charset="-128"/>
-                <a:ea typeface="MS UI Gothic" pitchFamily="50" charset="-128"/>
-                <a:cs typeface="メイリオ" pitchFamily="50" charset="-128"/>
-              </a:rPr>
-              <a:t>cumtime</a:t>
-            </a:r>
-            <a:r>
-              <a:rPr lang="en-US" sz="1000" dirty="0" smtClean="0">
-                <a:latin typeface="MS UI Gothic" pitchFamily="50" charset="-128"/>
-                <a:ea typeface="MS UI Gothic" pitchFamily="50" charset="-128"/>
-                <a:cs typeface="メイリオ" pitchFamily="50" charset="-128"/>
-              </a:rPr>
-              <a:t>  </a:t>
-            </a:r>
-            <a:r>
-              <a:rPr lang="en-US" sz="1000" dirty="0" err="1" smtClean="0">
-                <a:latin typeface="MS UI Gothic" pitchFamily="50" charset="-128"/>
-                <a:ea typeface="MS UI Gothic" pitchFamily="50" charset="-128"/>
-                <a:cs typeface="メイリオ" pitchFamily="50" charset="-128"/>
-              </a:rPr>
-              <a:t>percall</a:t>
-            </a:r>
-            <a:r>
-              <a:rPr lang="en-US" sz="1000" dirty="0" smtClean="0">
-                <a:latin typeface="MS UI Gothic" pitchFamily="50" charset="-128"/>
-                <a:ea typeface="MS UI Gothic" pitchFamily="50" charset="-128"/>
-                <a:cs typeface="メイリオ" pitchFamily="50" charset="-128"/>
-              </a:rPr>
-              <a:t> </a:t>
-            </a:r>
-            <a:r>
-              <a:rPr lang="en-US" sz="1000" dirty="0" err="1" smtClean="0">
-                <a:latin typeface="MS UI Gothic" pitchFamily="50" charset="-128"/>
-                <a:ea typeface="MS UI Gothic" pitchFamily="50" charset="-128"/>
-                <a:cs typeface="メイリオ" pitchFamily="50" charset="-128"/>
-              </a:rPr>
-              <a:t>filename:lineno</a:t>
-            </a:r>
-            <a:r>
-              <a:rPr lang="en-US" sz="1000" dirty="0" smtClean="0">
-                <a:latin typeface="MS UI Gothic" pitchFamily="50" charset="-128"/>
-                <a:ea typeface="MS UI Gothic" pitchFamily="50" charset="-128"/>
-                <a:cs typeface="メイリオ" pitchFamily="50" charset="-128"/>
-              </a:rPr>
-              <a:t>(function)</a:t>
-            </a:r>
-          </a:p>
-          <a:p>
-            <a:r>
-              <a:rPr lang="en-US" sz="1000" dirty="0" smtClean="0">
-                <a:latin typeface="MS UI Gothic" pitchFamily="50" charset="-128"/>
-                <a:ea typeface="MS UI Gothic" pitchFamily="50" charset="-128"/>
-                <a:cs typeface="メイリオ" pitchFamily="50" charset="-128"/>
-              </a:rPr>
-              <a:t>        1    0.000    0.000    0.000    0.000 &lt;string&gt;:1(&lt;module&gt;)</a:t>
-            </a:r>
-          </a:p>
-          <a:p>
-            <a:r>
-              <a:rPr lang="en-US" sz="1000" dirty="0" smtClean="0">
-                <a:latin typeface="MS UI Gothic" pitchFamily="50" charset="-128"/>
-                <a:ea typeface="MS UI Gothic" pitchFamily="50" charset="-128"/>
-                <a:cs typeface="メイリオ" pitchFamily="50" charset="-128"/>
-              </a:rPr>
-              <a:t>       84    0.003    0.000   27.492    0.327 DirectoryDefs.py:1033(</a:t>
-            </a:r>
-            <a:r>
-              <a:rPr lang="en-US" sz="1000" dirty="0" err="1" smtClean="0">
-                <a:latin typeface="MS UI Gothic" pitchFamily="50" charset="-128"/>
-                <a:ea typeface="MS UI Gothic" pitchFamily="50" charset="-128"/>
-                <a:cs typeface="メイリオ" pitchFamily="50" charset="-128"/>
-              </a:rPr>
-              <a:t>filterNames</a:t>
-            </a:r>
-            <a:r>
-              <a:rPr lang="en-US" sz="1000" dirty="0" smtClean="0">
-                <a:latin typeface="MS UI Gothic" pitchFamily="50" charset="-128"/>
-                <a:ea typeface="MS UI Gothic" pitchFamily="50" charset="-128"/>
-                <a:cs typeface="メイリオ" pitchFamily="50" charset="-128"/>
-              </a:rPr>
-              <a:t>)</a:t>
-            </a:r>
-          </a:p>
-          <a:p>
-            <a:r>
-              <a:rPr lang="en-US" sz="1000" dirty="0" smtClean="0">
-                <a:latin typeface="MS UI Gothic" pitchFamily="50" charset="-128"/>
-                <a:ea typeface="MS UI Gothic" pitchFamily="50" charset="-128"/>
-                <a:cs typeface="メイリオ" pitchFamily="50" charset="-128"/>
-              </a:rPr>
-              <a:t>       36    0.000    0.000    0.000    0.000 DirectoryDefs.py:1066(Get)</a:t>
-            </a:r>
-          </a:p>
-          <a:p>
-            <a:r>
-              <a:rPr lang="en-US" sz="1000" dirty="0" smtClean="0">
-                <a:latin typeface="MS UI Gothic" pitchFamily="50" charset="-128"/>
-                <a:ea typeface="MS UI Gothic" pitchFamily="50" charset="-128"/>
-                <a:cs typeface="メイリオ" pitchFamily="50" charset="-128"/>
-              </a:rPr>
-              <a:t>      261    0.002    0.000    0.006    0.000 DirectoryDefs.py:121(</a:t>
-            </a:r>
-            <a:r>
-              <a:rPr lang="en-US" sz="1000" dirty="0" err="1" smtClean="0">
-                <a:latin typeface="MS UI Gothic" pitchFamily="50" charset="-128"/>
-                <a:ea typeface="MS UI Gothic" pitchFamily="50" charset="-128"/>
-                <a:cs typeface="メイリオ" pitchFamily="50" charset="-128"/>
-              </a:rPr>
-              <a:t>getChild</a:t>
-            </a:r>
-            <a:r>
-              <a:rPr lang="en-US" sz="1000" dirty="0" smtClean="0">
-                <a:latin typeface="MS UI Gothic" pitchFamily="50" charset="-128"/>
-                <a:ea typeface="MS UI Gothic" pitchFamily="50" charset="-128"/>
-                <a:cs typeface="メイリオ" pitchFamily="50" charset="-128"/>
-              </a:rPr>
-              <a:t>)</a:t>
-            </a:r>
-          </a:p>
-          <a:p>
-            <a:r>
-              <a:rPr lang="en-US" sz="1000" dirty="0" smtClean="0">
-                <a:latin typeface="MS UI Gothic" pitchFamily="50" charset="-128"/>
-                <a:ea typeface="MS UI Gothic" pitchFamily="50" charset="-128"/>
-                <a:cs typeface="メイリオ" pitchFamily="50" charset="-128"/>
-              </a:rPr>
-              <a:t>      855    0.004    0.000    0.004    0.000 DirectoryDefs.py:132(_</a:t>
-            </a:r>
-            <a:r>
-              <a:rPr lang="en-US" sz="1000" dirty="0" err="1" smtClean="0">
-                <a:latin typeface="MS UI Gothic" pitchFamily="50" charset="-128"/>
-                <a:ea typeface="MS UI Gothic" pitchFamily="50" charset="-128"/>
-                <a:cs typeface="メイリオ" pitchFamily="50" charset="-128"/>
-              </a:rPr>
-              <a:t>getSomeChildren</a:t>
-            </a:r>
-            <a:r>
-              <a:rPr lang="en-US" sz="1000" dirty="0" smtClean="0">
-                <a:latin typeface="MS UI Gothic" pitchFamily="50" charset="-128"/>
-                <a:ea typeface="MS UI Gothic" pitchFamily="50" charset="-128"/>
-                <a:cs typeface="メイリオ" pitchFamily="50" charset="-128"/>
-              </a:rPr>
-              <a:t>)</a:t>
-            </a:r>
-          </a:p>
-          <a:p>
-            <a:r>
-              <a:rPr lang="en-US" sz="1000" dirty="0" smtClean="0">
-                <a:latin typeface="MS UI Gothic" pitchFamily="50" charset="-128"/>
-                <a:ea typeface="MS UI Gothic" pitchFamily="50" charset="-128"/>
-                <a:cs typeface="メイリオ" pitchFamily="50" charset="-128"/>
-              </a:rPr>
-              <a:t>      285    0.000    0.000    0.002    0.000 DirectoryDefs.py:157(</a:t>
-            </a:r>
-            <a:r>
-              <a:rPr lang="en-US" sz="1000" dirty="0" err="1" smtClean="0">
-                <a:latin typeface="MS UI Gothic" pitchFamily="50" charset="-128"/>
-                <a:ea typeface="MS UI Gothic" pitchFamily="50" charset="-128"/>
-                <a:cs typeface="メイリオ" pitchFamily="50" charset="-128"/>
-              </a:rPr>
-              <a:t>getRequiredChildren</a:t>
-            </a:r>
-            <a:r>
-              <a:rPr lang="en-US" sz="1000" dirty="0" smtClean="0">
-                <a:latin typeface="MS UI Gothic" pitchFamily="50" charset="-128"/>
-                <a:ea typeface="MS UI Gothic" pitchFamily="50" charset="-128"/>
-                <a:cs typeface="メイリオ" pitchFamily="50" charset="-128"/>
-              </a:rPr>
-              <a:t>)</a:t>
-            </a:r>
-          </a:p>
-          <a:p>
-            <a:r>
-              <a:rPr lang="en-US" sz="1000" dirty="0" smtClean="0">
-                <a:latin typeface="MS UI Gothic" pitchFamily="50" charset="-128"/>
-                <a:ea typeface="MS UI Gothic" pitchFamily="50" charset="-128"/>
-                <a:cs typeface="メイリオ" pitchFamily="50" charset="-128"/>
-              </a:rPr>
-              <a:t>      285    0.000    0.000    0.001    0.000 DirectoryDefs.py:161(</a:t>
-            </a:r>
-            <a:r>
-              <a:rPr lang="en-US" sz="1000" dirty="0" err="1" smtClean="0">
-                <a:latin typeface="MS UI Gothic" pitchFamily="50" charset="-128"/>
-                <a:ea typeface="MS UI Gothic" pitchFamily="50" charset="-128"/>
-                <a:cs typeface="メイリオ" pitchFamily="50" charset="-128"/>
-              </a:rPr>
-              <a:t>getOptionalChildren</a:t>
-            </a:r>
-            <a:r>
-              <a:rPr lang="en-US" sz="1000" dirty="0" smtClean="0">
-                <a:latin typeface="MS UI Gothic" pitchFamily="50" charset="-128"/>
-                <a:ea typeface="MS UI Gothic" pitchFamily="50" charset="-128"/>
-                <a:cs typeface="メイリオ" pitchFamily="50" charset="-128"/>
-              </a:rPr>
-              <a:t>)</a:t>
-            </a:r>
-          </a:p>
-          <a:p>
-            <a:r>
-              <a:rPr lang="en-US" sz="1000" dirty="0" smtClean="0">
-                <a:latin typeface="MS UI Gothic" pitchFamily="50" charset="-128"/>
-                <a:ea typeface="MS UI Gothic" pitchFamily="50" charset="-128"/>
-                <a:cs typeface="メイリオ" pitchFamily="50" charset="-128"/>
-              </a:rPr>
-              <a:t>      285    0.000    0.000    0.001    0.000 DirectoryDefs.py:165(</a:t>
-            </a:r>
-            <a:r>
-              <a:rPr lang="en-US" sz="1000" dirty="0" err="1" smtClean="0">
-                <a:latin typeface="MS UI Gothic" pitchFamily="50" charset="-128"/>
-                <a:ea typeface="MS UI Gothic" pitchFamily="50" charset="-128"/>
-                <a:cs typeface="メイリオ" pitchFamily="50" charset="-128"/>
-              </a:rPr>
-              <a:t>getUnknownChildren</a:t>
-            </a:r>
-            <a:r>
-              <a:rPr lang="en-US" sz="1000" dirty="0" smtClean="0">
-                <a:latin typeface="MS UI Gothic" pitchFamily="50" charset="-128"/>
-                <a:ea typeface="MS UI Gothic" pitchFamily="50" charset="-128"/>
-                <a:cs typeface="メイリオ" pitchFamily="50" charset="-128"/>
-              </a:rPr>
-              <a:t>)</a:t>
-            </a:r>
-          </a:p>
-          <a:p>
-            <a:r>
-              <a:rPr lang="en-US" sz="1000" dirty="0" smtClean="0">
-                <a:latin typeface="MS UI Gothic" pitchFamily="50" charset="-128"/>
-                <a:ea typeface="MS UI Gothic" pitchFamily="50" charset="-128"/>
-                <a:cs typeface="メイリオ" pitchFamily="50" charset="-128"/>
-              </a:rPr>
-              <a:t>       12    0.000    0.000    0.001    0.000 DirectoryDefs.py:169(</a:t>
-            </a:r>
-            <a:r>
-              <a:rPr lang="en-US" sz="1000" dirty="0" err="1" smtClean="0">
-                <a:latin typeface="MS UI Gothic" pitchFamily="50" charset="-128"/>
-                <a:ea typeface="MS UI Gothic" pitchFamily="50" charset="-128"/>
-                <a:cs typeface="メイリオ" pitchFamily="50" charset="-128"/>
-              </a:rPr>
-              <a:t>getChildren</a:t>
-            </a:r>
-            <a:r>
-              <a:rPr lang="en-US" sz="1000" dirty="0" smtClean="0">
-                <a:latin typeface="MS UI Gothic" pitchFamily="50" charset="-128"/>
-                <a:ea typeface="MS UI Gothic" pitchFamily="50" charset="-128"/>
-                <a:cs typeface="メイリオ" pitchFamily="50" charset="-128"/>
-              </a:rPr>
-              <a:t>)</a:t>
-            </a:r>
-          </a:p>
-          <a:p>
-            <a:r>
-              <a:rPr lang="en-US" sz="1000" dirty="0" smtClean="0">
-                <a:latin typeface="MS UI Gothic" pitchFamily="50" charset="-128"/>
-                <a:ea typeface="MS UI Gothic" pitchFamily="50" charset="-128"/>
-                <a:cs typeface="メイリオ" pitchFamily="50" charset="-128"/>
-              </a:rPr>
-              <a:t>      261    0.001    0.000    0.001    0.000 DirectoryDefs.py:206(_</a:t>
-            </a:r>
-            <a:r>
-              <a:rPr lang="en-US" sz="1000" dirty="0" err="1" smtClean="0">
-                <a:latin typeface="MS UI Gothic" pitchFamily="50" charset="-128"/>
-                <a:ea typeface="MS UI Gothic" pitchFamily="50" charset="-128"/>
-                <a:cs typeface="メイリオ" pitchFamily="50" charset="-128"/>
-              </a:rPr>
-              <a:t>addElement</a:t>
-            </a:r>
-            <a:r>
-              <a:rPr lang="en-US" sz="1000" dirty="0" smtClean="0">
-                <a:latin typeface="MS UI Gothic" pitchFamily="50" charset="-128"/>
-                <a:ea typeface="MS UI Gothic" pitchFamily="50" charset="-128"/>
-                <a:cs typeface="メイリオ" pitchFamily="50" charset="-128"/>
-              </a:rPr>
-              <a:t>)</a:t>
-            </a:r>
-          </a:p>
-          <a:p>
-            <a:r>
-              <a:rPr lang="en-US" sz="1000" dirty="0" smtClean="0">
-                <a:latin typeface="MS UI Gothic" pitchFamily="50" charset="-128"/>
-                <a:ea typeface="MS UI Gothic" pitchFamily="50" charset="-128"/>
-                <a:cs typeface="メイリオ" pitchFamily="50" charset="-128"/>
-              </a:rPr>
-              <a:t>       24    0.004    0.000   27.544    1.148 DirectoryDefs.py:219(</a:t>
-            </a:r>
-            <a:r>
-              <a:rPr lang="en-US" sz="1000" dirty="0" err="1" smtClean="0">
-                <a:latin typeface="MS UI Gothic" pitchFamily="50" charset="-128"/>
-                <a:ea typeface="MS UI Gothic" pitchFamily="50" charset="-128"/>
-                <a:cs typeface="メイリオ" pitchFamily="50" charset="-128"/>
-              </a:rPr>
-              <a:t>addChildren</a:t>
-            </a:r>
-            <a:r>
-              <a:rPr lang="en-US" sz="1000" dirty="0" smtClean="0">
-                <a:latin typeface="MS UI Gothic" pitchFamily="50" charset="-128"/>
-                <a:ea typeface="MS UI Gothic" pitchFamily="50" charset="-128"/>
-                <a:cs typeface="メイリオ" pitchFamily="50" charset="-128"/>
-              </a:rPr>
-              <a:t>)</a:t>
-            </a:r>
-          </a:p>
-          <a:p>
-            <a:r>
-              <a:rPr lang="en-US" sz="1000" dirty="0" smtClean="0">
-                <a:latin typeface="MS UI Gothic" pitchFamily="50" charset="-128"/>
-                <a:ea typeface="MS UI Gothic" pitchFamily="50" charset="-128"/>
-                <a:cs typeface="メイリオ" pitchFamily="50" charset="-128"/>
-              </a:rPr>
-              <a:t>(</a:t>
-            </a:r>
-            <a:r>
-              <a:rPr lang="ja-JP" altLang="en-US" sz="1000" dirty="0" smtClean="0">
-                <a:latin typeface="MS UI Gothic" pitchFamily="50" charset="-128"/>
-                <a:ea typeface="MS UI Gothic" pitchFamily="50" charset="-128"/>
-                <a:cs typeface="メイリオ" pitchFamily="50" charset="-128"/>
-              </a:rPr>
-              <a:t>中略</a:t>
-            </a:r>
-            <a:r>
-              <a:rPr lang="en-US" altLang="ja-JP" sz="1000" dirty="0" smtClean="0">
-                <a:latin typeface="MS UI Gothic" pitchFamily="50" charset="-128"/>
-                <a:ea typeface="MS UI Gothic" pitchFamily="50" charset="-128"/>
-                <a:cs typeface="メイリオ" pitchFamily="50" charset="-128"/>
-              </a:rPr>
-              <a:t>)</a:t>
-            </a:r>
-          </a:p>
-          <a:p>
-            <a:r>
-              <a:rPr lang="en-US" altLang="ja-JP" sz="1000" dirty="0" smtClean="0">
-                <a:latin typeface="MS UI Gothic" pitchFamily="50" charset="-128"/>
-                <a:ea typeface="MS UI Gothic" pitchFamily="50" charset="-128"/>
-                <a:cs typeface="メイリオ" pitchFamily="50" charset="-128"/>
-              </a:rPr>
-              <a:t>      744    0.003    0.000   25.210    0.034 </a:t>
-            </a:r>
-            <a:r>
-              <a:rPr lang="en-US" sz="1000" dirty="0" smtClean="0">
-                <a:latin typeface="MS UI Gothic" pitchFamily="50" charset="-128"/>
-                <a:ea typeface="MS UI Gothic" pitchFamily="50" charset="-128"/>
-                <a:cs typeface="メイリオ" pitchFamily="50" charset="-128"/>
-              </a:rPr>
-              <a:t>Project.py:349(</a:t>
-            </a:r>
-            <a:r>
-              <a:rPr lang="en-US" sz="1000" dirty="0" err="1" smtClean="0">
-                <a:latin typeface="MS UI Gothic" pitchFamily="50" charset="-128"/>
-                <a:ea typeface="MS UI Gothic" pitchFamily="50" charset="-128"/>
-                <a:cs typeface="メイリオ" pitchFamily="50" charset="-128"/>
-              </a:rPr>
-              <a:t>getAbsPathByNode</a:t>
-            </a:r>
-            <a:r>
-              <a:rPr lang="en-US" sz="1000" dirty="0" smtClean="0">
-                <a:latin typeface="MS UI Gothic" pitchFamily="50" charset="-128"/>
-                <a:ea typeface="MS UI Gothic" pitchFamily="50" charset="-128"/>
-                <a:cs typeface="メイリオ" pitchFamily="50" charset="-128"/>
-              </a:rPr>
-              <a:t>)</a:t>
-            </a:r>
-          </a:p>
-          <a:p>
-            <a:r>
-              <a:rPr lang="en-US" sz="1000" dirty="0" smtClean="0">
-                <a:latin typeface="MS UI Gothic" pitchFamily="50" charset="-128"/>
-                <a:ea typeface="MS UI Gothic" pitchFamily="50" charset="-128"/>
-                <a:cs typeface="メイリオ" pitchFamily="50" charset="-128"/>
-              </a:rPr>
-              <a:t>      732    0.024    0.000   24.842    0.034 Project.py:353(</a:t>
-            </a:r>
-            <a:r>
-              <a:rPr lang="en-US" sz="1000" dirty="0" err="1" smtClean="0">
-                <a:latin typeface="MS UI Gothic" pitchFamily="50" charset="-128"/>
-                <a:ea typeface="MS UI Gothic" pitchFamily="50" charset="-128"/>
-                <a:cs typeface="メイリオ" pitchFamily="50" charset="-128"/>
-              </a:rPr>
-              <a:t>getAbsPath</a:t>
-            </a:r>
-            <a:r>
-              <a:rPr lang="en-US" sz="1000" dirty="0" smtClean="0">
-                <a:latin typeface="MS UI Gothic" pitchFamily="50" charset="-128"/>
-                <a:ea typeface="MS UI Gothic" pitchFamily="50" charset="-128"/>
-                <a:cs typeface="メイリオ" pitchFamily="50" charset="-128"/>
-              </a:rPr>
-              <a:t>)</a:t>
-            </a:r>
-          </a:p>
-          <a:p>
-            <a:r>
-              <a:rPr lang="en-US" sz="1000" dirty="0" smtClean="0">
-                <a:latin typeface="MS UI Gothic" pitchFamily="50" charset="-128"/>
-                <a:ea typeface="MS UI Gothic" pitchFamily="50" charset="-128"/>
-                <a:cs typeface="メイリオ" pitchFamily="50" charset="-128"/>
-              </a:rPr>
-              <a:t>98256/16376    1.432    0.000   22.201    0.001 Project.py:90(</a:t>
-            </a:r>
-            <a:r>
-              <a:rPr lang="en-US" sz="1000" dirty="0" err="1" smtClean="0">
-                <a:latin typeface="MS UI Gothic" pitchFamily="50" charset="-128"/>
-                <a:ea typeface="MS UI Gothic" pitchFamily="50" charset="-128"/>
-                <a:cs typeface="メイリオ" pitchFamily="50" charset="-128"/>
-              </a:rPr>
-              <a:t>getInfo</a:t>
-            </a:r>
-            <a:r>
-              <a:rPr lang="en-US" sz="1000" dirty="0" smtClean="0">
-                <a:latin typeface="MS UI Gothic" pitchFamily="50" charset="-128"/>
-                <a:ea typeface="MS UI Gothic" pitchFamily="50" charset="-128"/>
-                <a:cs typeface="メイリオ" pitchFamily="50" charset="-128"/>
-              </a:rPr>
-              <a:t>)</a:t>
-            </a:r>
-          </a:p>
-          <a:p>
-            <a:r>
-              <a:rPr lang="en-US" sz="1000" dirty="0" smtClean="0">
-                <a:latin typeface="MS UI Gothic" pitchFamily="50" charset="-128"/>
-                <a:ea typeface="MS UI Gothic" pitchFamily="50" charset="-128"/>
-                <a:cs typeface="メイリオ" pitchFamily="50" charset="-128"/>
-              </a:rPr>
-              <a:t>    32796    0.278    0.000    0.278    0.000 ProjectInfoManager.py:132(Get)</a:t>
-            </a:r>
-          </a:p>
-          <a:p>
-            <a:r>
-              <a:rPr lang="en-US" sz="1000" dirty="0" smtClean="0">
-                <a:latin typeface="MS UI Gothic" pitchFamily="50" charset="-128"/>
-                <a:ea typeface="MS UI Gothic" pitchFamily="50" charset="-128"/>
-                <a:cs typeface="メイリオ" pitchFamily="50" charset="-128"/>
-              </a:rPr>
-              <a:t>    32796    0.599    0.000    0.600    0.000 ProjectInfoManager.py:64(</a:t>
-            </a:r>
-            <a:r>
-              <a:rPr lang="en-US" sz="1000" dirty="0" err="1" smtClean="0">
-                <a:latin typeface="MS UI Gothic" pitchFamily="50" charset="-128"/>
-                <a:ea typeface="MS UI Gothic" pitchFamily="50" charset="-128"/>
-                <a:cs typeface="メイリオ" pitchFamily="50" charset="-128"/>
-              </a:rPr>
-              <a:t>getProject</a:t>
-            </a:r>
-            <a:r>
-              <a:rPr lang="en-US" sz="1000" dirty="0" smtClean="0">
-                <a:latin typeface="MS UI Gothic" pitchFamily="50" charset="-128"/>
-                <a:ea typeface="MS UI Gothic" pitchFamily="50" charset="-128"/>
-                <a:cs typeface="メイリオ" pitchFamily="50" charset="-128"/>
-              </a:rPr>
-              <a:t>)</a:t>
-            </a:r>
           </a:p>
         </p:txBody>
       </p:sp>
@@ -12823,6 +13371,732 @@
                 <a:defRPr/>
               </a:pPr>
               <a:t>24</a:t>
+            </a:fld>
+            <a:endParaRPr lang="ja-JP" altLang="en-US">
+              <a:latin typeface="メイリオ" pitchFamily="50" charset="-128"/>
+              <a:ea typeface="メイリオ" pitchFamily="50" charset="-128"/>
+              <a:cs typeface="メイリオ" pitchFamily="50" charset="-128"/>
+            </a:endParaRPr>
+          </a:p>
+        </p:txBody>
+      </p:sp>
+      <p:sp>
+        <p:nvSpPr>
+          <p:cNvPr id="7" name="テキスト ボックス 6"/>
+          <p:cNvSpPr txBox="1"/>
+          <p:nvPr/>
+        </p:nvSpPr>
+        <p:spPr>
+          <a:xfrm>
+            <a:off x="785786" y="1079880"/>
+            <a:ext cx="7143800" cy="3631763"/>
+          </a:xfrm>
+          <a:prstGeom prst="rect">
+            <a:avLst/>
+          </a:prstGeom>
+          <a:solidFill>
+            <a:schemeClr val="bg1">
+              <a:lumMod val="85000"/>
+            </a:schemeClr>
+          </a:solidFill>
+          <a:ln>
+            <a:solidFill>
+              <a:schemeClr val="tx1"/>
+            </a:solidFill>
+          </a:ln>
+        </p:spPr>
+        <p:txBody>
+          <a:bodyPr wrap="square" rtlCol="0">
+            <a:spAutoFit/>
+          </a:bodyPr>
+          <a:lstStyle/>
+          <a:p>
+            <a:r>
+              <a:rPr lang="en-US" sz="1000" dirty="0" smtClean="0">
+                <a:latin typeface="MS UI Gothic" pitchFamily="50" charset="-128"/>
+                <a:ea typeface="MS UI Gothic" pitchFamily="50" charset="-128"/>
+                <a:cs typeface="メイリオ" pitchFamily="50" charset="-128"/>
+              </a:rPr>
+              <a:t>D:\chiyama&gt;python testDirectoryDefs.py</a:t>
+            </a:r>
+          </a:p>
+          <a:p>
+            <a:r>
+              <a:rPr lang="en-US" sz="1000" dirty="0" smtClean="0">
+                <a:latin typeface="MS UI Gothic" pitchFamily="50" charset="-128"/>
+                <a:ea typeface="MS UI Gothic" pitchFamily="50" charset="-128"/>
+                <a:cs typeface="メイリオ" pitchFamily="50" charset="-128"/>
+              </a:rPr>
+              <a:t>         11190417 function calls (11057225 primitive calls) in 28.010 CPU seconds</a:t>
+            </a:r>
+          </a:p>
+          <a:p>
+            <a:endParaRPr lang="en-US" sz="1000" dirty="0" smtClean="0">
+              <a:latin typeface="MS UI Gothic" pitchFamily="50" charset="-128"/>
+              <a:ea typeface="MS UI Gothic" pitchFamily="50" charset="-128"/>
+              <a:cs typeface="メイリオ" pitchFamily="50" charset="-128"/>
+            </a:endParaRPr>
+          </a:p>
+          <a:p>
+            <a:r>
+              <a:rPr lang="en-US" sz="1000" dirty="0" smtClean="0">
+                <a:latin typeface="MS UI Gothic" pitchFamily="50" charset="-128"/>
+                <a:ea typeface="MS UI Gothic" pitchFamily="50" charset="-128"/>
+                <a:cs typeface="メイリオ" pitchFamily="50" charset="-128"/>
+              </a:rPr>
+              <a:t>   Ordered by: standard name</a:t>
+            </a:r>
+          </a:p>
+          <a:p>
+            <a:endParaRPr lang="en-US" sz="1000" dirty="0" smtClean="0">
+              <a:latin typeface="MS UI Gothic" pitchFamily="50" charset="-128"/>
+              <a:ea typeface="MS UI Gothic" pitchFamily="50" charset="-128"/>
+              <a:cs typeface="メイリオ" pitchFamily="50" charset="-128"/>
+            </a:endParaRPr>
+          </a:p>
+          <a:p>
+            <a:r>
+              <a:rPr lang="en-US" sz="1000" dirty="0" smtClean="0">
+                <a:latin typeface="MS UI Gothic" pitchFamily="50" charset="-128"/>
+                <a:ea typeface="MS UI Gothic" pitchFamily="50" charset="-128"/>
+                <a:cs typeface="メイリオ" pitchFamily="50" charset="-128"/>
+              </a:rPr>
+              <a:t>   </a:t>
+            </a:r>
+            <a:r>
+              <a:rPr lang="en-US" sz="1000" dirty="0" err="1" smtClean="0">
+                <a:latin typeface="MS UI Gothic" pitchFamily="50" charset="-128"/>
+                <a:ea typeface="MS UI Gothic" pitchFamily="50" charset="-128"/>
+                <a:cs typeface="メイリオ" pitchFamily="50" charset="-128"/>
+              </a:rPr>
+              <a:t>ncalls</a:t>
+            </a:r>
+            <a:r>
+              <a:rPr lang="en-US" sz="1000" dirty="0" smtClean="0">
+                <a:latin typeface="MS UI Gothic" pitchFamily="50" charset="-128"/>
+                <a:ea typeface="MS UI Gothic" pitchFamily="50" charset="-128"/>
+                <a:cs typeface="メイリオ" pitchFamily="50" charset="-128"/>
+              </a:rPr>
+              <a:t>  </a:t>
+            </a:r>
+            <a:r>
+              <a:rPr lang="en-US" sz="1000" dirty="0" err="1" smtClean="0">
+                <a:latin typeface="MS UI Gothic" pitchFamily="50" charset="-128"/>
+                <a:ea typeface="MS UI Gothic" pitchFamily="50" charset="-128"/>
+                <a:cs typeface="メイリオ" pitchFamily="50" charset="-128"/>
+              </a:rPr>
+              <a:t>tottime</a:t>
+            </a:r>
+            <a:r>
+              <a:rPr lang="en-US" sz="1000" dirty="0" smtClean="0">
+                <a:latin typeface="MS UI Gothic" pitchFamily="50" charset="-128"/>
+                <a:ea typeface="MS UI Gothic" pitchFamily="50" charset="-128"/>
+                <a:cs typeface="メイリオ" pitchFamily="50" charset="-128"/>
+              </a:rPr>
+              <a:t>  </a:t>
+            </a:r>
+            <a:r>
+              <a:rPr lang="en-US" sz="1000" dirty="0" err="1" smtClean="0">
+                <a:latin typeface="MS UI Gothic" pitchFamily="50" charset="-128"/>
+                <a:ea typeface="MS UI Gothic" pitchFamily="50" charset="-128"/>
+                <a:cs typeface="メイリオ" pitchFamily="50" charset="-128"/>
+              </a:rPr>
+              <a:t>percall</a:t>
+            </a:r>
+            <a:r>
+              <a:rPr lang="en-US" sz="1000" dirty="0" smtClean="0">
+                <a:latin typeface="MS UI Gothic" pitchFamily="50" charset="-128"/>
+                <a:ea typeface="MS UI Gothic" pitchFamily="50" charset="-128"/>
+                <a:cs typeface="メイリオ" pitchFamily="50" charset="-128"/>
+              </a:rPr>
+              <a:t>  </a:t>
+            </a:r>
+            <a:r>
+              <a:rPr lang="en-US" sz="1000" dirty="0" err="1" smtClean="0">
+                <a:latin typeface="MS UI Gothic" pitchFamily="50" charset="-128"/>
+                <a:ea typeface="MS UI Gothic" pitchFamily="50" charset="-128"/>
+                <a:cs typeface="メイリオ" pitchFamily="50" charset="-128"/>
+              </a:rPr>
+              <a:t>cumtime</a:t>
+            </a:r>
+            <a:r>
+              <a:rPr lang="en-US" sz="1000" dirty="0" smtClean="0">
+                <a:latin typeface="MS UI Gothic" pitchFamily="50" charset="-128"/>
+                <a:ea typeface="MS UI Gothic" pitchFamily="50" charset="-128"/>
+                <a:cs typeface="メイリオ" pitchFamily="50" charset="-128"/>
+              </a:rPr>
+              <a:t>  </a:t>
+            </a:r>
+            <a:r>
+              <a:rPr lang="en-US" sz="1000" dirty="0" err="1" smtClean="0">
+                <a:latin typeface="MS UI Gothic" pitchFamily="50" charset="-128"/>
+                <a:ea typeface="MS UI Gothic" pitchFamily="50" charset="-128"/>
+                <a:cs typeface="メイリオ" pitchFamily="50" charset="-128"/>
+              </a:rPr>
+              <a:t>percall</a:t>
+            </a:r>
+            <a:r>
+              <a:rPr lang="en-US" sz="1000" dirty="0" smtClean="0">
+                <a:latin typeface="MS UI Gothic" pitchFamily="50" charset="-128"/>
+                <a:ea typeface="MS UI Gothic" pitchFamily="50" charset="-128"/>
+                <a:cs typeface="メイリオ" pitchFamily="50" charset="-128"/>
+              </a:rPr>
+              <a:t> </a:t>
+            </a:r>
+            <a:r>
+              <a:rPr lang="en-US" sz="1000" dirty="0" err="1" smtClean="0">
+                <a:latin typeface="MS UI Gothic" pitchFamily="50" charset="-128"/>
+                <a:ea typeface="MS UI Gothic" pitchFamily="50" charset="-128"/>
+                <a:cs typeface="メイリオ" pitchFamily="50" charset="-128"/>
+              </a:rPr>
+              <a:t>filename:lineno</a:t>
+            </a:r>
+            <a:r>
+              <a:rPr lang="en-US" sz="1000" dirty="0" smtClean="0">
+                <a:latin typeface="MS UI Gothic" pitchFamily="50" charset="-128"/>
+                <a:ea typeface="MS UI Gothic" pitchFamily="50" charset="-128"/>
+                <a:cs typeface="メイリオ" pitchFamily="50" charset="-128"/>
+              </a:rPr>
+              <a:t>(function)</a:t>
+            </a:r>
+          </a:p>
+          <a:p>
+            <a:r>
+              <a:rPr lang="en-US" sz="1000" dirty="0" smtClean="0">
+                <a:latin typeface="MS UI Gothic" pitchFamily="50" charset="-128"/>
+                <a:ea typeface="MS UI Gothic" pitchFamily="50" charset="-128"/>
+                <a:cs typeface="メイリオ" pitchFamily="50" charset="-128"/>
+              </a:rPr>
+              <a:t>        1    0.000    0.000    0.000    0.000 &lt;string&gt;:1(&lt;module&gt;)</a:t>
+            </a:r>
+          </a:p>
+          <a:p>
+            <a:r>
+              <a:rPr lang="en-US" sz="1000" dirty="0" smtClean="0">
+                <a:latin typeface="MS UI Gothic" pitchFamily="50" charset="-128"/>
+                <a:ea typeface="MS UI Gothic" pitchFamily="50" charset="-128"/>
+                <a:cs typeface="メイリオ" pitchFamily="50" charset="-128"/>
+              </a:rPr>
+              <a:t>       84    0.003    0.000   27.492    0.327 DirectoryDefs.py:1033(</a:t>
+            </a:r>
+            <a:r>
+              <a:rPr lang="en-US" sz="1000" dirty="0" err="1" smtClean="0">
+                <a:latin typeface="MS UI Gothic" pitchFamily="50" charset="-128"/>
+                <a:ea typeface="MS UI Gothic" pitchFamily="50" charset="-128"/>
+                <a:cs typeface="メイリオ" pitchFamily="50" charset="-128"/>
+              </a:rPr>
+              <a:t>filterNames</a:t>
+            </a:r>
+            <a:r>
+              <a:rPr lang="en-US" sz="1000" dirty="0" smtClean="0">
+                <a:latin typeface="MS UI Gothic" pitchFamily="50" charset="-128"/>
+                <a:ea typeface="MS UI Gothic" pitchFamily="50" charset="-128"/>
+                <a:cs typeface="メイリオ" pitchFamily="50" charset="-128"/>
+              </a:rPr>
+              <a:t>)</a:t>
+            </a:r>
+          </a:p>
+          <a:p>
+            <a:r>
+              <a:rPr lang="en-US" sz="1000" dirty="0" smtClean="0">
+                <a:latin typeface="MS UI Gothic" pitchFamily="50" charset="-128"/>
+                <a:ea typeface="MS UI Gothic" pitchFamily="50" charset="-128"/>
+                <a:cs typeface="メイリオ" pitchFamily="50" charset="-128"/>
+              </a:rPr>
+              <a:t>       36    0.000    0.000    0.000    0.000 DirectoryDefs.py:1066(Get)</a:t>
+            </a:r>
+          </a:p>
+          <a:p>
+            <a:r>
+              <a:rPr lang="en-US" sz="1000" dirty="0" smtClean="0">
+                <a:latin typeface="MS UI Gothic" pitchFamily="50" charset="-128"/>
+                <a:ea typeface="MS UI Gothic" pitchFamily="50" charset="-128"/>
+                <a:cs typeface="メイリオ" pitchFamily="50" charset="-128"/>
+              </a:rPr>
+              <a:t>      261    0.002    0.000    0.006    0.000 DirectoryDefs.py:121(</a:t>
+            </a:r>
+            <a:r>
+              <a:rPr lang="en-US" sz="1000" dirty="0" err="1" smtClean="0">
+                <a:latin typeface="MS UI Gothic" pitchFamily="50" charset="-128"/>
+                <a:ea typeface="MS UI Gothic" pitchFamily="50" charset="-128"/>
+                <a:cs typeface="メイリオ" pitchFamily="50" charset="-128"/>
+              </a:rPr>
+              <a:t>getChild</a:t>
+            </a:r>
+            <a:r>
+              <a:rPr lang="en-US" sz="1000" dirty="0" smtClean="0">
+                <a:latin typeface="MS UI Gothic" pitchFamily="50" charset="-128"/>
+                <a:ea typeface="MS UI Gothic" pitchFamily="50" charset="-128"/>
+                <a:cs typeface="メイリオ" pitchFamily="50" charset="-128"/>
+              </a:rPr>
+              <a:t>)</a:t>
+            </a:r>
+          </a:p>
+          <a:p>
+            <a:r>
+              <a:rPr lang="en-US" sz="1000" dirty="0" smtClean="0">
+                <a:latin typeface="MS UI Gothic" pitchFamily="50" charset="-128"/>
+                <a:ea typeface="MS UI Gothic" pitchFamily="50" charset="-128"/>
+                <a:cs typeface="メイリオ" pitchFamily="50" charset="-128"/>
+              </a:rPr>
+              <a:t>      855    0.004    0.000    0.004    0.000 DirectoryDefs.py:132(_</a:t>
+            </a:r>
+            <a:r>
+              <a:rPr lang="en-US" sz="1000" dirty="0" err="1" smtClean="0">
+                <a:latin typeface="MS UI Gothic" pitchFamily="50" charset="-128"/>
+                <a:ea typeface="MS UI Gothic" pitchFamily="50" charset="-128"/>
+                <a:cs typeface="メイリオ" pitchFamily="50" charset="-128"/>
+              </a:rPr>
+              <a:t>getSomeChildren</a:t>
+            </a:r>
+            <a:r>
+              <a:rPr lang="en-US" sz="1000" dirty="0" smtClean="0">
+                <a:latin typeface="MS UI Gothic" pitchFamily="50" charset="-128"/>
+                <a:ea typeface="MS UI Gothic" pitchFamily="50" charset="-128"/>
+                <a:cs typeface="メイリオ" pitchFamily="50" charset="-128"/>
+              </a:rPr>
+              <a:t>)</a:t>
+            </a:r>
+          </a:p>
+          <a:p>
+            <a:r>
+              <a:rPr lang="en-US" sz="1000" dirty="0" smtClean="0">
+                <a:latin typeface="MS UI Gothic" pitchFamily="50" charset="-128"/>
+                <a:ea typeface="MS UI Gothic" pitchFamily="50" charset="-128"/>
+                <a:cs typeface="メイリオ" pitchFamily="50" charset="-128"/>
+              </a:rPr>
+              <a:t>      285    0.000    0.000    0.002    0.000 DirectoryDefs.py:157(</a:t>
+            </a:r>
+            <a:r>
+              <a:rPr lang="en-US" sz="1000" dirty="0" err="1" smtClean="0">
+                <a:latin typeface="MS UI Gothic" pitchFamily="50" charset="-128"/>
+                <a:ea typeface="MS UI Gothic" pitchFamily="50" charset="-128"/>
+                <a:cs typeface="メイリオ" pitchFamily="50" charset="-128"/>
+              </a:rPr>
+              <a:t>getRequiredChildren</a:t>
+            </a:r>
+            <a:r>
+              <a:rPr lang="en-US" sz="1000" dirty="0" smtClean="0">
+                <a:latin typeface="MS UI Gothic" pitchFamily="50" charset="-128"/>
+                <a:ea typeface="MS UI Gothic" pitchFamily="50" charset="-128"/>
+                <a:cs typeface="メイリオ" pitchFamily="50" charset="-128"/>
+              </a:rPr>
+              <a:t>)</a:t>
+            </a:r>
+          </a:p>
+          <a:p>
+            <a:r>
+              <a:rPr lang="en-US" sz="1000" dirty="0" smtClean="0">
+                <a:latin typeface="MS UI Gothic" pitchFamily="50" charset="-128"/>
+                <a:ea typeface="MS UI Gothic" pitchFamily="50" charset="-128"/>
+                <a:cs typeface="メイリオ" pitchFamily="50" charset="-128"/>
+              </a:rPr>
+              <a:t>      285    0.000    0.000    0.001    0.000 DirectoryDefs.py:161(</a:t>
+            </a:r>
+            <a:r>
+              <a:rPr lang="en-US" sz="1000" dirty="0" err="1" smtClean="0">
+                <a:latin typeface="MS UI Gothic" pitchFamily="50" charset="-128"/>
+                <a:ea typeface="MS UI Gothic" pitchFamily="50" charset="-128"/>
+                <a:cs typeface="メイリオ" pitchFamily="50" charset="-128"/>
+              </a:rPr>
+              <a:t>getOptionalChildren</a:t>
+            </a:r>
+            <a:r>
+              <a:rPr lang="en-US" sz="1000" dirty="0" smtClean="0">
+                <a:latin typeface="MS UI Gothic" pitchFamily="50" charset="-128"/>
+                <a:ea typeface="MS UI Gothic" pitchFamily="50" charset="-128"/>
+                <a:cs typeface="メイリオ" pitchFamily="50" charset="-128"/>
+              </a:rPr>
+              <a:t>)</a:t>
+            </a:r>
+          </a:p>
+          <a:p>
+            <a:r>
+              <a:rPr lang="en-US" sz="1000" dirty="0" smtClean="0">
+                <a:latin typeface="MS UI Gothic" pitchFamily="50" charset="-128"/>
+                <a:ea typeface="MS UI Gothic" pitchFamily="50" charset="-128"/>
+                <a:cs typeface="メイリオ" pitchFamily="50" charset="-128"/>
+              </a:rPr>
+              <a:t>      285    0.000    0.000    0.001    0.000 DirectoryDefs.py:165(</a:t>
+            </a:r>
+            <a:r>
+              <a:rPr lang="en-US" sz="1000" dirty="0" err="1" smtClean="0">
+                <a:latin typeface="MS UI Gothic" pitchFamily="50" charset="-128"/>
+                <a:ea typeface="MS UI Gothic" pitchFamily="50" charset="-128"/>
+                <a:cs typeface="メイリオ" pitchFamily="50" charset="-128"/>
+              </a:rPr>
+              <a:t>getUnknownChildren</a:t>
+            </a:r>
+            <a:r>
+              <a:rPr lang="en-US" sz="1000" dirty="0" smtClean="0">
+                <a:latin typeface="MS UI Gothic" pitchFamily="50" charset="-128"/>
+                <a:ea typeface="MS UI Gothic" pitchFamily="50" charset="-128"/>
+                <a:cs typeface="メイリオ" pitchFamily="50" charset="-128"/>
+              </a:rPr>
+              <a:t>)</a:t>
+            </a:r>
+          </a:p>
+          <a:p>
+            <a:r>
+              <a:rPr lang="en-US" sz="1000" dirty="0" smtClean="0">
+                <a:latin typeface="MS UI Gothic" pitchFamily="50" charset="-128"/>
+                <a:ea typeface="MS UI Gothic" pitchFamily="50" charset="-128"/>
+                <a:cs typeface="メイリオ" pitchFamily="50" charset="-128"/>
+              </a:rPr>
+              <a:t>       12    0.000    0.000    0.001    0.000 DirectoryDefs.py:169(</a:t>
+            </a:r>
+            <a:r>
+              <a:rPr lang="en-US" sz="1000" dirty="0" err="1" smtClean="0">
+                <a:latin typeface="MS UI Gothic" pitchFamily="50" charset="-128"/>
+                <a:ea typeface="MS UI Gothic" pitchFamily="50" charset="-128"/>
+                <a:cs typeface="メイリオ" pitchFamily="50" charset="-128"/>
+              </a:rPr>
+              <a:t>getChildren</a:t>
+            </a:r>
+            <a:r>
+              <a:rPr lang="en-US" sz="1000" dirty="0" smtClean="0">
+                <a:latin typeface="MS UI Gothic" pitchFamily="50" charset="-128"/>
+                <a:ea typeface="MS UI Gothic" pitchFamily="50" charset="-128"/>
+                <a:cs typeface="メイリオ" pitchFamily="50" charset="-128"/>
+              </a:rPr>
+              <a:t>)</a:t>
+            </a:r>
+          </a:p>
+          <a:p>
+            <a:r>
+              <a:rPr lang="en-US" sz="1000" dirty="0" smtClean="0">
+                <a:latin typeface="MS UI Gothic" pitchFamily="50" charset="-128"/>
+                <a:ea typeface="MS UI Gothic" pitchFamily="50" charset="-128"/>
+                <a:cs typeface="メイリオ" pitchFamily="50" charset="-128"/>
+              </a:rPr>
+              <a:t>      261    0.001    0.000    0.001    0.000 DirectoryDefs.py:206(_</a:t>
+            </a:r>
+            <a:r>
+              <a:rPr lang="en-US" sz="1000" dirty="0" err="1" smtClean="0">
+                <a:latin typeface="MS UI Gothic" pitchFamily="50" charset="-128"/>
+                <a:ea typeface="MS UI Gothic" pitchFamily="50" charset="-128"/>
+                <a:cs typeface="メイリオ" pitchFamily="50" charset="-128"/>
+              </a:rPr>
+              <a:t>addElement</a:t>
+            </a:r>
+            <a:r>
+              <a:rPr lang="en-US" sz="1000" dirty="0" smtClean="0">
+                <a:latin typeface="MS UI Gothic" pitchFamily="50" charset="-128"/>
+                <a:ea typeface="MS UI Gothic" pitchFamily="50" charset="-128"/>
+                <a:cs typeface="メイリオ" pitchFamily="50" charset="-128"/>
+              </a:rPr>
+              <a:t>)</a:t>
+            </a:r>
+          </a:p>
+          <a:p>
+            <a:r>
+              <a:rPr lang="en-US" sz="1000" dirty="0" smtClean="0">
+                <a:latin typeface="MS UI Gothic" pitchFamily="50" charset="-128"/>
+                <a:ea typeface="MS UI Gothic" pitchFamily="50" charset="-128"/>
+                <a:cs typeface="メイリオ" pitchFamily="50" charset="-128"/>
+              </a:rPr>
+              <a:t>       24    0.004    0.000   27.544    1.148 DirectoryDefs.py:219(</a:t>
+            </a:r>
+            <a:r>
+              <a:rPr lang="en-US" sz="1000" dirty="0" err="1" smtClean="0">
+                <a:latin typeface="MS UI Gothic" pitchFamily="50" charset="-128"/>
+                <a:ea typeface="MS UI Gothic" pitchFamily="50" charset="-128"/>
+                <a:cs typeface="メイリオ" pitchFamily="50" charset="-128"/>
+              </a:rPr>
+              <a:t>addChildren</a:t>
+            </a:r>
+            <a:r>
+              <a:rPr lang="en-US" sz="1000" dirty="0" smtClean="0">
+                <a:latin typeface="MS UI Gothic" pitchFamily="50" charset="-128"/>
+                <a:ea typeface="MS UI Gothic" pitchFamily="50" charset="-128"/>
+                <a:cs typeface="メイリオ" pitchFamily="50" charset="-128"/>
+              </a:rPr>
+              <a:t>)</a:t>
+            </a:r>
+          </a:p>
+          <a:p>
+            <a:r>
+              <a:rPr lang="en-US" sz="1000" dirty="0" smtClean="0">
+                <a:latin typeface="MS UI Gothic" pitchFamily="50" charset="-128"/>
+                <a:ea typeface="MS UI Gothic" pitchFamily="50" charset="-128"/>
+                <a:cs typeface="メイリオ" pitchFamily="50" charset="-128"/>
+              </a:rPr>
+              <a:t>(</a:t>
+            </a:r>
+            <a:r>
+              <a:rPr lang="ja-JP" altLang="en-US" sz="1000" dirty="0" smtClean="0">
+                <a:latin typeface="MS UI Gothic" pitchFamily="50" charset="-128"/>
+                <a:ea typeface="MS UI Gothic" pitchFamily="50" charset="-128"/>
+                <a:cs typeface="メイリオ" pitchFamily="50" charset="-128"/>
+              </a:rPr>
+              <a:t>中略</a:t>
+            </a:r>
+            <a:r>
+              <a:rPr lang="en-US" altLang="ja-JP" sz="1000" dirty="0" smtClean="0">
+                <a:latin typeface="MS UI Gothic" pitchFamily="50" charset="-128"/>
+                <a:ea typeface="MS UI Gothic" pitchFamily="50" charset="-128"/>
+                <a:cs typeface="メイリオ" pitchFamily="50" charset="-128"/>
+              </a:rPr>
+              <a:t>)</a:t>
+            </a:r>
+          </a:p>
+          <a:p>
+            <a:r>
+              <a:rPr lang="en-US" altLang="ja-JP" sz="1000" dirty="0" smtClean="0">
+                <a:latin typeface="MS UI Gothic" pitchFamily="50" charset="-128"/>
+                <a:ea typeface="MS UI Gothic" pitchFamily="50" charset="-128"/>
+                <a:cs typeface="メイリオ" pitchFamily="50" charset="-128"/>
+              </a:rPr>
+              <a:t>      744    0.003    0.000   25.210    0.034 </a:t>
+            </a:r>
+            <a:r>
+              <a:rPr lang="en-US" sz="1000" dirty="0" smtClean="0">
+                <a:latin typeface="MS UI Gothic" pitchFamily="50" charset="-128"/>
+                <a:ea typeface="MS UI Gothic" pitchFamily="50" charset="-128"/>
+                <a:cs typeface="メイリオ" pitchFamily="50" charset="-128"/>
+              </a:rPr>
+              <a:t>Project.py:349(</a:t>
+            </a:r>
+            <a:r>
+              <a:rPr lang="en-US" sz="1000" dirty="0" err="1" smtClean="0">
+                <a:latin typeface="MS UI Gothic" pitchFamily="50" charset="-128"/>
+                <a:ea typeface="MS UI Gothic" pitchFamily="50" charset="-128"/>
+                <a:cs typeface="メイリオ" pitchFamily="50" charset="-128"/>
+              </a:rPr>
+              <a:t>getAbsPathByNode</a:t>
+            </a:r>
+            <a:r>
+              <a:rPr lang="en-US" sz="1000" dirty="0" smtClean="0">
+                <a:latin typeface="MS UI Gothic" pitchFamily="50" charset="-128"/>
+                <a:ea typeface="MS UI Gothic" pitchFamily="50" charset="-128"/>
+                <a:cs typeface="メイリオ" pitchFamily="50" charset="-128"/>
+              </a:rPr>
+              <a:t>)</a:t>
+            </a:r>
+          </a:p>
+          <a:p>
+            <a:r>
+              <a:rPr lang="en-US" sz="1000" dirty="0" smtClean="0">
+                <a:latin typeface="MS UI Gothic" pitchFamily="50" charset="-128"/>
+                <a:ea typeface="MS UI Gothic" pitchFamily="50" charset="-128"/>
+                <a:cs typeface="メイリオ" pitchFamily="50" charset="-128"/>
+              </a:rPr>
+              <a:t>      732    0.024    0.000   24.842    0.034 Project.py:353(</a:t>
+            </a:r>
+            <a:r>
+              <a:rPr lang="en-US" sz="1000" dirty="0" err="1" smtClean="0">
+                <a:latin typeface="MS UI Gothic" pitchFamily="50" charset="-128"/>
+                <a:ea typeface="MS UI Gothic" pitchFamily="50" charset="-128"/>
+                <a:cs typeface="メイリオ" pitchFamily="50" charset="-128"/>
+              </a:rPr>
+              <a:t>getAbsPath</a:t>
+            </a:r>
+            <a:r>
+              <a:rPr lang="en-US" sz="1000" dirty="0" smtClean="0">
+                <a:latin typeface="MS UI Gothic" pitchFamily="50" charset="-128"/>
+                <a:ea typeface="MS UI Gothic" pitchFamily="50" charset="-128"/>
+                <a:cs typeface="メイリオ" pitchFamily="50" charset="-128"/>
+              </a:rPr>
+              <a:t>)</a:t>
+            </a:r>
+          </a:p>
+          <a:p>
+            <a:r>
+              <a:rPr lang="en-US" sz="1000" dirty="0" smtClean="0">
+                <a:latin typeface="MS UI Gothic" pitchFamily="50" charset="-128"/>
+                <a:ea typeface="MS UI Gothic" pitchFamily="50" charset="-128"/>
+                <a:cs typeface="メイリオ" pitchFamily="50" charset="-128"/>
+              </a:rPr>
+              <a:t>98256/16376    1.432    0.000   22.201    0.001 Project.py:90(</a:t>
+            </a:r>
+            <a:r>
+              <a:rPr lang="en-US" sz="1000" dirty="0" err="1" smtClean="0">
+                <a:latin typeface="MS UI Gothic" pitchFamily="50" charset="-128"/>
+                <a:ea typeface="MS UI Gothic" pitchFamily="50" charset="-128"/>
+                <a:cs typeface="メイリオ" pitchFamily="50" charset="-128"/>
+              </a:rPr>
+              <a:t>getInfo</a:t>
+            </a:r>
+            <a:r>
+              <a:rPr lang="en-US" sz="1000" dirty="0" smtClean="0">
+                <a:latin typeface="MS UI Gothic" pitchFamily="50" charset="-128"/>
+                <a:ea typeface="MS UI Gothic" pitchFamily="50" charset="-128"/>
+                <a:cs typeface="メイリオ" pitchFamily="50" charset="-128"/>
+              </a:rPr>
+              <a:t>)</a:t>
+            </a:r>
+          </a:p>
+          <a:p>
+            <a:r>
+              <a:rPr lang="en-US" sz="1000" dirty="0" smtClean="0">
+                <a:latin typeface="MS UI Gothic" pitchFamily="50" charset="-128"/>
+                <a:ea typeface="MS UI Gothic" pitchFamily="50" charset="-128"/>
+                <a:cs typeface="メイリオ" pitchFamily="50" charset="-128"/>
+              </a:rPr>
+              <a:t>    32796    0.278    0.000    0.278    0.000 ProjectInfoManager.py:132(Get)</a:t>
+            </a:r>
+          </a:p>
+          <a:p>
+            <a:r>
+              <a:rPr lang="en-US" sz="1000" dirty="0" smtClean="0">
+                <a:latin typeface="MS UI Gothic" pitchFamily="50" charset="-128"/>
+                <a:ea typeface="MS UI Gothic" pitchFamily="50" charset="-128"/>
+                <a:cs typeface="メイリオ" pitchFamily="50" charset="-128"/>
+              </a:rPr>
+              <a:t>    32796    0.599    0.000    0.600    0.000 ProjectInfoManager.py:64(</a:t>
+            </a:r>
+            <a:r>
+              <a:rPr lang="en-US" sz="1000" dirty="0" err="1" smtClean="0">
+                <a:latin typeface="MS UI Gothic" pitchFamily="50" charset="-128"/>
+                <a:ea typeface="MS UI Gothic" pitchFamily="50" charset="-128"/>
+                <a:cs typeface="メイリオ" pitchFamily="50" charset="-128"/>
+              </a:rPr>
+              <a:t>getProject</a:t>
+            </a:r>
+            <a:r>
+              <a:rPr lang="en-US" sz="1000" dirty="0" smtClean="0">
+                <a:latin typeface="MS UI Gothic" pitchFamily="50" charset="-128"/>
+                <a:ea typeface="MS UI Gothic" pitchFamily="50" charset="-128"/>
+                <a:cs typeface="メイリオ" pitchFamily="50" charset="-128"/>
+              </a:rPr>
+              <a:t>)</a:t>
+            </a:r>
+          </a:p>
+        </p:txBody>
+      </p:sp>
+    </p:spTree>
+    <p:extLst>
+      <p:ext uri="{BB962C8B-B14F-4D97-AF65-F5344CB8AC3E}">
+        <p14:creationId xmlns="" xmlns:p14="http://schemas.microsoft.com/office/powerpoint/2010/main" val="1890745276"/>
+      </p:ext>
+    </p:extLst>
+  </p:cSld>
+  <p:clrMapOvr>
+    <a:masterClrMapping/>
+  </p:clrMapOvr>
+</p:sld>
+</file>
+
+<file path=ppt/slides/slide25.xml><?xml version="1.0" encoding="utf-8"?>
+<p:sld xmlns:a="http://schemas.openxmlformats.org/drawingml/2006/main" xmlns:r="http://schemas.openxmlformats.org/officeDocument/2006/relationships" xmlns:p="http://schemas.openxmlformats.org/presentationml/2006/main">
+  <p:cSld>
+    <p:spTree>
+      <p:nvGrpSpPr>
+        <p:cNvPr id="1" name=""/>
+        <p:cNvGrpSpPr/>
+        <p:nvPr/>
+      </p:nvGrpSpPr>
+      <p:grpSpPr>
+        <a:xfrm>
+          <a:off x="0" y="0"/>
+          <a:ext cx="0" cy="0"/>
+          <a:chOff x="0" y="0"/>
+          <a:chExt cx="0" cy="0"/>
+        </a:xfrm>
+      </p:grpSpPr>
+      <p:sp>
+        <p:nvSpPr>
+          <p:cNvPr id="2" name="タイトル 1"/>
+          <p:cNvSpPr>
+            <a:spLocks noGrp="1"/>
+          </p:cNvSpPr>
+          <p:nvPr>
+            <p:ph type="title"/>
+          </p:nvPr>
+        </p:nvSpPr>
+        <p:spPr/>
+        <p:txBody>
+          <a:bodyPr/>
+          <a:lstStyle/>
+          <a:p>
+            <a:pPr algn="ctr"/>
+            <a:r>
+              <a:rPr lang="ja-JP" altLang="en-US" sz="4000" dirty="0" smtClean="0">
+                <a:solidFill>
+                  <a:schemeClr val="tx1"/>
+                </a:solidFill>
+                <a:latin typeface="メイリオ" pitchFamily="50" charset="-128"/>
+                <a:ea typeface="メイリオ" pitchFamily="50" charset="-128"/>
+                <a:cs typeface="メイリオ" pitchFamily="50" charset="-128"/>
+              </a:rPr>
+              <a:t>プロファイリング結果の分析</a:t>
+            </a:r>
+            <a:endParaRPr kumimoji="1" lang="ja-JP" altLang="en-US" sz="4000" dirty="0">
+              <a:solidFill>
+                <a:schemeClr val="tx1"/>
+              </a:solidFill>
+              <a:latin typeface="メイリオ" pitchFamily="50" charset="-128"/>
+              <a:ea typeface="メイリオ" pitchFamily="50" charset="-128"/>
+              <a:cs typeface="メイリオ" pitchFamily="50" charset="-128"/>
+            </a:endParaRPr>
+          </a:p>
+        </p:txBody>
+      </p:sp>
+      <p:sp>
+        <p:nvSpPr>
+          <p:cNvPr id="4" name="日付プレースホルダー 3"/>
+          <p:cNvSpPr>
+            <a:spLocks noGrp="1"/>
+          </p:cNvSpPr>
+          <p:nvPr>
+            <p:ph type="dt" sz="half" idx="10"/>
+          </p:nvPr>
+        </p:nvSpPr>
+        <p:spPr/>
+        <p:txBody>
+          <a:bodyPr/>
+          <a:lstStyle/>
+          <a:p>
+            <a:pPr>
+              <a:defRPr/>
+            </a:pPr>
+            <a:fld id="{A9259AFE-7AC7-4F49-85B9-5B069C761CE3}" type="datetime5">
+              <a:rPr lang="ja-JP" altLang="en-US" smtClean="0">
+                <a:latin typeface="メイリオ" pitchFamily="50" charset="-128"/>
+                <a:ea typeface="メイリオ" pitchFamily="50" charset="-128"/>
+                <a:cs typeface="メイリオ" pitchFamily="50" charset="-128"/>
+              </a:rPr>
+              <a:pPr>
+                <a:defRPr/>
+              </a:pPr>
+              <a:t>2014/08/29</a:t>
+            </a:fld>
+            <a:endParaRPr lang="ja-JP" altLang="en-US" dirty="0">
+              <a:latin typeface="メイリオ" pitchFamily="50" charset="-128"/>
+              <a:ea typeface="メイリオ" pitchFamily="50" charset="-128"/>
+              <a:cs typeface="メイリオ" pitchFamily="50" charset="-128"/>
+            </a:endParaRPr>
+          </a:p>
+        </p:txBody>
+      </p:sp>
+      <p:sp>
+        <p:nvSpPr>
+          <p:cNvPr id="6" name="スライド番号プレースホルダー 5"/>
+          <p:cNvSpPr>
+            <a:spLocks noGrp="1"/>
+          </p:cNvSpPr>
+          <p:nvPr>
+            <p:ph type="sldNum" sz="quarter" idx="12"/>
+          </p:nvPr>
+        </p:nvSpPr>
+        <p:spPr/>
+        <p:txBody>
+          <a:bodyPr/>
+          <a:lstStyle/>
+          <a:p>
+            <a:pPr>
+              <a:defRPr/>
+            </a:pPr>
+            <a:fld id="{29799127-F303-4AE7-A969-D0F8A278DEB3}" type="slidenum">
+              <a:rPr lang="ja-JP" altLang="en-US" smtClean="0">
+                <a:latin typeface="メイリオ" pitchFamily="50" charset="-128"/>
+                <a:ea typeface="メイリオ" pitchFamily="50" charset="-128"/>
+                <a:cs typeface="メイリオ" pitchFamily="50" charset="-128"/>
+              </a:rPr>
+              <a:pPr>
+                <a:defRPr/>
+              </a:pPr>
+              <a:t>25</a:t>
             </a:fld>
             <a:endParaRPr lang="ja-JP" altLang="en-US">
               <a:latin typeface="メイリオ" pitchFamily="50" charset="-128"/>
@@ -13690,7 +14964,7 @@
 </p:sld>
 </file>
 
-<file path=ppt/slides/slide25.xml><?xml version="1.0" encoding="utf-8"?>
+<file path=ppt/slides/slide26.xml><?xml version="1.0" encoding="utf-8"?>
 <p:sld xmlns:a="http://schemas.openxmlformats.org/drawingml/2006/main" xmlns:r="http://schemas.openxmlformats.org/officeDocument/2006/relationships" xmlns:p="http://schemas.openxmlformats.org/presentationml/2006/main">
   <p:cSld>
     <p:spTree>
@@ -13972,7 +15246,7 @@
               <a:pPr>
                 <a:defRPr/>
               </a:pPr>
-              <a:t>25</a:t>
+              <a:t>26</a:t>
             </a:fld>
             <a:endParaRPr lang="ja-JP" altLang="en-US">
               <a:latin typeface="メイリオ" pitchFamily="50" charset="-128"/>
@@ -14020,285 +15294,6 @@
 </p:sld>
 </file>
 
-<file path=ppt/slides/slide26.xml><?xml version="1.0" encoding="utf-8"?>
-<p:sld xmlns:a="http://schemas.openxmlformats.org/drawingml/2006/main" xmlns:r="http://schemas.openxmlformats.org/officeDocument/2006/relationships" xmlns:p="http://schemas.openxmlformats.org/presentationml/2006/main">
-  <p:cSld>
-    <p:spTree>
-      <p:nvGrpSpPr>
-        <p:cNvPr id="1" name=""/>
-        <p:cNvGrpSpPr/>
-        <p:nvPr/>
-      </p:nvGrpSpPr>
-      <p:grpSpPr>
-        <a:xfrm>
-          <a:off x="0" y="0"/>
-          <a:ext cx="0" cy="0"/>
-          <a:chOff x="0" y="0"/>
-          <a:chExt cx="0" cy="0"/>
-        </a:xfrm>
-      </p:grpSpPr>
-      <p:sp>
-        <p:nvSpPr>
-          <p:cNvPr id="2" name="タイトル 1"/>
-          <p:cNvSpPr>
-            <a:spLocks noGrp="1"/>
-          </p:cNvSpPr>
-          <p:nvPr>
-            <p:ph type="title"/>
-          </p:nvPr>
-        </p:nvSpPr>
-        <p:spPr/>
-        <p:txBody>
-          <a:bodyPr/>
-          <a:lstStyle/>
-          <a:p>
-            <a:pPr algn="ctr"/>
-            <a:r>
-              <a:rPr kumimoji="1" lang="ja-JP" altLang="en-US" sz="4000" dirty="0" smtClean="0">
-                <a:solidFill>
-                  <a:schemeClr val="tx1"/>
-                </a:solidFill>
-                <a:latin typeface="メイリオ" pitchFamily="50" charset="-128"/>
-                <a:ea typeface="メイリオ" pitchFamily="50" charset="-128"/>
-                <a:cs typeface="メイリオ" pitchFamily="50" charset="-128"/>
-              </a:rPr>
-              <a:t>修正前後で比較する</a:t>
-            </a:r>
-            <a:endParaRPr kumimoji="1" lang="ja-JP" altLang="en-US" sz="4000" dirty="0">
-              <a:solidFill>
-                <a:schemeClr val="tx1"/>
-              </a:solidFill>
-              <a:latin typeface="メイリオ" pitchFamily="50" charset="-128"/>
-              <a:ea typeface="メイリオ" pitchFamily="50" charset="-128"/>
-              <a:cs typeface="メイリオ" pitchFamily="50" charset="-128"/>
-            </a:endParaRPr>
-          </a:p>
-        </p:txBody>
-      </p:sp>
-      <p:sp>
-        <p:nvSpPr>
-          <p:cNvPr id="3" name="コンテンツ プレースホルダー 2"/>
-          <p:cNvSpPr>
-            <a:spLocks noGrp="1"/>
-          </p:cNvSpPr>
-          <p:nvPr>
-            <p:ph idx="1"/>
-          </p:nvPr>
-        </p:nvSpPr>
-        <p:spPr>
-          <a:xfrm>
-            <a:off x="457200" y="857239"/>
-            <a:ext cx="8229600" cy="3680236"/>
-          </a:xfrm>
-        </p:spPr>
-        <p:txBody>
-          <a:bodyPr/>
-          <a:lstStyle/>
-          <a:p>
-            <a:r>
-              <a:rPr lang="ja-JP" altLang="en-US" sz="2800" dirty="0" smtClean="0">
-                <a:latin typeface="メイリオ" pitchFamily="50" charset="-128"/>
-                <a:ea typeface="メイリオ" pitchFamily="50" charset="-128"/>
-                <a:cs typeface="メイリオ" pitchFamily="50" charset="-128"/>
-              </a:rPr>
-              <a:t>修正後もきちんとプロファイリングをおこなう</a:t>
-            </a:r>
-            <a:endParaRPr lang="en-US" altLang="ja-JP" sz="2800" dirty="0" smtClean="0">
-              <a:latin typeface="メイリオ" pitchFamily="50" charset="-128"/>
-              <a:ea typeface="メイリオ" pitchFamily="50" charset="-128"/>
-              <a:cs typeface="メイリオ" pitchFamily="50" charset="-128"/>
-            </a:endParaRPr>
-          </a:p>
-          <a:p>
-            <a:r>
-              <a:rPr lang="ja-JP" altLang="en-US" sz="2800" dirty="0" smtClean="0">
-                <a:latin typeface="メイリオ" pitchFamily="50" charset="-128"/>
-                <a:ea typeface="メイリオ" pitchFamily="50" charset="-128"/>
-                <a:cs typeface="メイリオ" pitchFamily="50" charset="-128"/>
-              </a:rPr>
-              <a:t>効果が出ていれば成功</a:t>
-            </a:r>
-            <a:endParaRPr lang="en-US" altLang="ja-JP" sz="2800" dirty="0" smtClean="0">
-              <a:latin typeface="メイリオ" pitchFamily="50" charset="-128"/>
-              <a:ea typeface="メイリオ" pitchFamily="50" charset="-128"/>
-              <a:cs typeface="メイリオ" pitchFamily="50" charset="-128"/>
-            </a:endParaRPr>
-          </a:p>
-          <a:p>
-            <a:r>
-              <a:rPr lang="ja-JP" altLang="en-US" sz="2800" dirty="0" smtClean="0">
-                <a:latin typeface="メイリオ" pitchFamily="50" charset="-128"/>
-                <a:ea typeface="メイリオ" pitchFamily="50" charset="-128"/>
-                <a:cs typeface="メイリオ" pitchFamily="50" charset="-128"/>
-              </a:rPr>
-              <a:t>ユーザーに対しても</a:t>
-            </a:r>
-            <a:r>
-              <a:rPr lang="en-US" altLang="ja-JP" sz="2800" dirty="0" smtClean="0">
-                <a:latin typeface="メイリオ" pitchFamily="50" charset="-128"/>
-                <a:ea typeface="メイリオ" pitchFamily="50" charset="-128"/>
-                <a:cs typeface="メイリオ" pitchFamily="50" charset="-128"/>
-              </a:rPr>
-              <a:t>”XX</a:t>
-            </a:r>
-            <a:r>
-              <a:rPr lang="ja-JP" altLang="en-US" sz="2800" dirty="0" smtClean="0">
-                <a:latin typeface="メイリオ" pitchFamily="50" charset="-128"/>
-                <a:ea typeface="メイリオ" pitchFamily="50" charset="-128"/>
-                <a:cs typeface="メイリオ" pitchFamily="50" charset="-128"/>
-              </a:rPr>
-              <a:t>倍速くなりましたよ</a:t>
-            </a:r>
-            <a:r>
-              <a:rPr lang="en-US" altLang="ja-JP" sz="2800" dirty="0" smtClean="0">
-                <a:latin typeface="メイリオ" pitchFamily="50" charset="-128"/>
-                <a:ea typeface="メイリオ" pitchFamily="50" charset="-128"/>
-                <a:cs typeface="メイリオ" pitchFamily="50" charset="-128"/>
-              </a:rPr>
-              <a:t>(</a:t>
-            </a:r>
-            <a:r>
-              <a:rPr lang="ja-JP" altLang="en-US" sz="2800" dirty="0" smtClean="0">
-                <a:latin typeface="メイリオ" pitchFamily="50" charset="-128"/>
-                <a:ea typeface="メイリオ" pitchFamily="50" charset="-128"/>
-                <a:cs typeface="メイリオ" pitchFamily="50" charset="-128"/>
-              </a:rPr>
-              <a:t>ﾄﾞﾔｧ</a:t>
-            </a:r>
-            <a:r>
-              <a:rPr lang="en-US" altLang="ja-JP" sz="2800" dirty="0" smtClean="0">
-                <a:latin typeface="メイリオ" pitchFamily="50" charset="-128"/>
-                <a:ea typeface="メイリオ" pitchFamily="50" charset="-128"/>
-                <a:cs typeface="メイリオ" pitchFamily="50" charset="-128"/>
-              </a:rPr>
-              <a:t>)”</a:t>
-            </a:r>
-            <a:r>
-              <a:rPr lang="ja-JP" altLang="en-US" sz="2800" dirty="0" smtClean="0">
-                <a:latin typeface="メイリオ" pitchFamily="50" charset="-128"/>
-                <a:ea typeface="メイリオ" pitchFamily="50" charset="-128"/>
-                <a:cs typeface="メイリオ" pitchFamily="50" charset="-128"/>
-              </a:rPr>
-              <a:t>と言える</a:t>
-            </a:r>
-            <a:endParaRPr lang="en-US" altLang="ja-JP" sz="2800" dirty="0" smtClean="0">
-              <a:latin typeface="メイリオ" pitchFamily="50" charset="-128"/>
-              <a:ea typeface="メイリオ" pitchFamily="50" charset="-128"/>
-              <a:cs typeface="メイリオ" pitchFamily="50" charset="-128"/>
-            </a:endParaRPr>
-          </a:p>
-          <a:p>
-            <a:r>
-              <a:rPr lang="ja-JP" altLang="en-US" sz="2800" dirty="0" smtClean="0">
-                <a:latin typeface="メイリオ" pitchFamily="50" charset="-128"/>
-                <a:ea typeface="メイリオ" pitchFamily="50" charset="-128"/>
-                <a:cs typeface="メイリオ" pitchFamily="50" charset="-128"/>
-              </a:rPr>
-              <a:t>効果が出ていなかったら単なるおまじないを唱えただけなので</a:t>
-            </a:r>
-            <a:r>
-              <a:rPr lang="ja-JP" altLang="en-US" sz="2800" dirty="0" smtClean="0">
-                <a:latin typeface="メイリオ" pitchFamily="50" charset="-128"/>
-                <a:ea typeface="メイリオ" pitchFamily="50" charset="-128"/>
-                <a:cs typeface="メイリオ" pitchFamily="50" charset="-128"/>
-              </a:rPr>
-              <a:t>失敗</a:t>
-            </a:r>
-            <a:endParaRPr lang="en-US" altLang="ja-JP" sz="2800" dirty="0" smtClean="0">
-              <a:latin typeface="メイリオ" pitchFamily="50" charset="-128"/>
-              <a:ea typeface="メイリオ" pitchFamily="50" charset="-128"/>
-              <a:cs typeface="メイリオ" pitchFamily="50" charset="-128"/>
-            </a:endParaRPr>
-          </a:p>
-        </p:txBody>
-      </p:sp>
-      <p:sp>
-        <p:nvSpPr>
-          <p:cNvPr id="4" name="日付プレースホルダー 3"/>
-          <p:cNvSpPr>
-            <a:spLocks noGrp="1"/>
-          </p:cNvSpPr>
-          <p:nvPr>
-            <p:ph type="dt" sz="half" idx="10"/>
-          </p:nvPr>
-        </p:nvSpPr>
-        <p:spPr/>
-        <p:txBody>
-          <a:bodyPr/>
-          <a:lstStyle/>
-          <a:p>
-            <a:pPr>
-              <a:defRPr/>
-            </a:pPr>
-            <a:fld id="{A9259AFE-7AC7-4F49-85B9-5B069C761CE3}" type="datetime5">
-              <a:rPr lang="ja-JP" altLang="en-US" smtClean="0">
-                <a:latin typeface="メイリオ" pitchFamily="50" charset="-128"/>
-                <a:ea typeface="メイリオ" pitchFamily="50" charset="-128"/>
-                <a:cs typeface="メイリオ" pitchFamily="50" charset="-128"/>
-              </a:rPr>
-              <a:pPr>
-                <a:defRPr/>
-              </a:pPr>
-              <a:t>2014/08/29</a:t>
-            </a:fld>
-            <a:endParaRPr lang="ja-JP" altLang="en-US" dirty="0">
-              <a:latin typeface="メイリオ" pitchFamily="50" charset="-128"/>
-              <a:ea typeface="メイリオ" pitchFamily="50" charset="-128"/>
-              <a:cs typeface="メイリオ" pitchFamily="50" charset="-128"/>
-            </a:endParaRPr>
-          </a:p>
-        </p:txBody>
-      </p:sp>
-      <p:sp>
-        <p:nvSpPr>
-          <p:cNvPr id="6" name="スライド番号プレースホルダー 5"/>
-          <p:cNvSpPr>
-            <a:spLocks noGrp="1"/>
-          </p:cNvSpPr>
-          <p:nvPr>
-            <p:ph type="sldNum" sz="quarter" idx="12"/>
-          </p:nvPr>
-        </p:nvSpPr>
-        <p:spPr/>
-        <p:txBody>
-          <a:bodyPr/>
-          <a:lstStyle/>
-          <a:p>
-            <a:pPr>
-              <a:defRPr/>
-            </a:pPr>
-            <a:fld id="{29799127-F303-4AE7-A969-D0F8A278DEB3}" type="slidenum">
-              <a:rPr lang="ja-JP" altLang="en-US" smtClean="0">
-                <a:latin typeface="メイリオ" pitchFamily="50" charset="-128"/>
-                <a:ea typeface="メイリオ" pitchFamily="50" charset="-128"/>
-                <a:cs typeface="メイリオ" pitchFamily="50" charset="-128"/>
-              </a:rPr>
-              <a:pPr>
-                <a:defRPr/>
-              </a:pPr>
-              <a:t>26</a:t>
-            </a:fld>
-            <a:endParaRPr lang="ja-JP" altLang="en-US">
-              <a:latin typeface="メイリオ" pitchFamily="50" charset="-128"/>
-              <a:ea typeface="メイリオ" pitchFamily="50" charset="-128"/>
-              <a:cs typeface="メイリオ" pitchFamily="50" charset="-128"/>
-            </a:endParaRPr>
-          </a:p>
-        </p:txBody>
-      </p:sp>
-    </p:spTree>
-    <p:extLst>
-      <p:ext uri="{BB962C8B-B14F-4D97-AF65-F5344CB8AC3E}">
-        <p14:creationId xmlns="" xmlns:p14="http://schemas.microsoft.com/office/powerpoint/2010/main" val="1890745276"/>
-      </p:ext>
-    </p:extLst>
-  </p:cSld>
-  <p:clrMapOvr>
-    <a:masterClrMapping/>
-  </p:clrMapOvr>
-</p:sld>
-</file>
-
 <file path=ppt/slides/slide27.xml><?xml version="1.0" encoding="utf-8"?>
 <p:sld xmlns:a="http://schemas.openxmlformats.org/drawingml/2006/main" xmlns:r="http://schemas.openxmlformats.org/officeDocument/2006/relationships" xmlns:p="http://schemas.openxmlformats.org/presentationml/2006/main">
   <p:cSld>
@@ -14333,7 +15328,7 @@
           <a:p>
             <a:pPr algn="ctr"/>
             <a:r>
-              <a:rPr lang="ja-JP" altLang="en-US" sz="4000" dirty="0" smtClean="0">
+              <a:rPr kumimoji="1" lang="ja-JP" altLang="en-US" sz="4000" dirty="0" smtClean="0">
                 <a:solidFill>
                   <a:schemeClr val="tx1"/>
                 </a:solidFill>
@@ -14341,7 +15336,7 @@
                 <a:ea typeface="メイリオ" pitchFamily="50" charset="-128"/>
                 <a:cs typeface="メイリオ" pitchFamily="50" charset="-128"/>
               </a:rPr>
-              <a:t>ボトルネックの傾向</a:t>
+              <a:t>修正前後で比較する</a:t>
             </a:r>
             <a:endParaRPr kumimoji="1" lang="ja-JP" altLang="en-US" sz="4000" dirty="0">
               <a:solidFill>
@@ -14380,55 +15375,24 @@
                 <a:ea typeface="メイリオ" pitchFamily="50" charset="-128"/>
                 <a:cs typeface="メイリオ" pitchFamily="50" charset="-128"/>
               </a:rPr>
-              <a:t>大抵の場合、ボトルネックになっている場所は以下の傾向がある</a:t>
-            </a:r>
-          </a:p>
-          <a:p>
-            <a:pPr lvl="1"/>
-            <a:r>
-              <a:rPr lang="ja-JP" altLang="en-US" sz="2400" dirty="0" smtClean="0">
-                <a:latin typeface="メイリオ" pitchFamily="50" charset="-128"/>
-                <a:ea typeface="メイリオ" pitchFamily="50" charset="-128"/>
-                <a:cs typeface="メイリオ" pitchFamily="50" charset="-128"/>
-              </a:rPr>
-              <a:t>一回の呼び出しに時間がかかっている</a:t>
-            </a:r>
-          </a:p>
-          <a:p>
-            <a:pPr lvl="1"/>
-            <a:r>
-              <a:rPr lang="ja-JP" altLang="en-US" sz="2400" dirty="0" smtClean="0">
-                <a:latin typeface="メイリオ" pitchFamily="50" charset="-128"/>
-                <a:ea typeface="メイリオ" pitchFamily="50" charset="-128"/>
-                <a:cs typeface="メイリオ" pitchFamily="50" charset="-128"/>
-              </a:rPr>
-              <a:t>一回の呼び出しは大したコストではないが、大量に呼び出されている</a:t>
-            </a:r>
-            <a:endParaRPr lang="en-US" altLang="ja-JP" sz="2400" dirty="0" smtClean="0">
+              <a:t>修正後もきちんとプロファイリングをおこなう</a:t>
+            </a:r>
+            <a:endParaRPr lang="en-US" altLang="ja-JP" sz="2800" dirty="0" smtClean="0">
               <a:latin typeface="メイリオ" pitchFamily="50" charset="-128"/>
               <a:ea typeface="メイリオ" pitchFamily="50" charset="-128"/>
               <a:cs typeface="メイリオ" pitchFamily="50" charset="-128"/>
             </a:endParaRPr>
           </a:p>
           <a:p>
-            <a:pPr lvl="1"/>
-            <a:r>
-              <a:rPr lang="ja-JP" altLang="en-US" sz="2400" dirty="0" smtClean="0">
-                <a:latin typeface="メイリオ" pitchFamily="50" charset="-128"/>
-                <a:ea typeface="メイリオ" pitchFamily="50" charset="-128"/>
-                <a:cs typeface="メイリオ" pitchFamily="50" charset="-128"/>
-              </a:rPr>
-              <a:t>ディスクやネットワークの </a:t>
-            </a:r>
-            <a:r>
-              <a:rPr lang="en-US" altLang="ja-JP" sz="2400" dirty="0" smtClean="0">
-                <a:latin typeface="メイリオ" pitchFamily="50" charset="-128"/>
-                <a:ea typeface="メイリオ" pitchFamily="50" charset="-128"/>
-                <a:cs typeface="メイリオ" pitchFamily="50" charset="-128"/>
-              </a:rPr>
-              <a:t>I/O</a:t>
-            </a:r>
-            <a:endParaRPr lang="ja-JP" altLang="en-US" sz="2400" dirty="0" smtClean="0">
+            <a:r>
+              <a:rPr lang="ja-JP" altLang="en-US" sz="2800" dirty="0" smtClean="0">
+                <a:latin typeface="メイリオ" pitchFamily="50" charset="-128"/>
+                <a:ea typeface="メイリオ" pitchFamily="50" charset="-128"/>
+                <a:cs typeface="メイリオ" pitchFamily="50" charset="-128"/>
+              </a:rPr>
+              <a:t>効果が出ていれば成功</a:t>
+            </a:r>
+            <a:endParaRPr lang="en-US" altLang="ja-JP" sz="2800" dirty="0" smtClean="0">
               <a:latin typeface="メイリオ" pitchFamily="50" charset="-128"/>
               <a:ea typeface="メイリオ" pitchFamily="50" charset="-128"/>
               <a:cs typeface="メイリオ" pitchFamily="50" charset="-128"/>
@@ -14441,7 +15405,78 @@
                 <a:ea typeface="メイリオ" pitchFamily="50" charset="-128"/>
                 <a:cs typeface="メイリオ" pitchFamily="50" charset="-128"/>
               </a:rPr>
-              <a:t>こういった部分を見つけて、優先的に最適化を行っていくことが大事</a:t>
+              <a:t>ユーザーに対しても</a:t>
+            </a:r>
+            <a:r>
+              <a:rPr lang="en-US" altLang="ja-JP" sz="2800" dirty="0" smtClean="0">
+                <a:latin typeface="メイリオ" pitchFamily="50" charset="-128"/>
+                <a:ea typeface="メイリオ" pitchFamily="50" charset="-128"/>
+                <a:cs typeface="メイリオ" pitchFamily="50" charset="-128"/>
+              </a:rPr>
+              <a:t>”XX</a:t>
+            </a:r>
+            <a:r>
+              <a:rPr lang="ja-JP" altLang="en-US" sz="2800" dirty="0" smtClean="0">
+                <a:latin typeface="メイリオ" pitchFamily="50" charset="-128"/>
+                <a:ea typeface="メイリオ" pitchFamily="50" charset="-128"/>
+                <a:cs typeface="メイリオ" pitchFamily="50" charset="-128"/>
+              </a:rPr>
+              <a:t>倍速くなりましたよ</a:t>
+            </a:r>
+            <a:r>
+              <a:rPr lang="en-US" altLang="ja-JP" sz="2800" dirty="0" smtClean="0">
+                <a:latin typeface="メイリオ" pitchFamily="50" charset="-128"/>
+                <a:ea typeface="メイリオ" pitchFamily="50" charset="-128"/>
+                <a:cs typeface="メイリオ" pitchFamily="50" charset="-128"/>
+              </a:rPr>
+              <a:t>(</a:t>
+            </a:r>
+            <a:r>
+              <a:rPr lang="ja-JP" altLang="en-US" sz="2800" dirty="0" smtClean="0">
+                <a:latin typeface="メイリオ" pitchFamily="50" charset="-128"/>
+                <a:ea typeface="メイリオ" pitchFamily="50" charset="-128"/>
+                <a:cs typeface="メイリオ" pitchFamily="50" charset="-128"/>
+              </a:rPr>
+              <a:t>ﾄﾞﾔｧ</a:t>
+            </a:r>
+            <a:r>
+              <a:rPr lang="en-US" altLang="ja-JP" sz="2800" dirty="0" smtClean="0">
+                <a:latin typeface="メイリオ" pitchFamily="50" charset="-128"/>
+                <a:ea typeface="メイリオ" pitchFamily="50" charset="-128"/>
+                <a:cs typeface="メイリオ" pitchFamily="50" charset="-128"/>
+              </a:rPr>
+              <a:t>)”</a:t>
+            </a:r>
+            <a:r>
+              <a:rPr lang="ja-JP" altLang="en-US" sz="2800" dirty="0" smtClean="0">
+                <a:latin typeface="メイリオ" pitchFamily="50" charset="-128"/>
+                <a:ea typeface="メイリオ" pitchFamily="50" charset="-128"/>
+                <a:cs typeface="メイリオ" pitchFamily="50" charset="-128"/>
+              </a:rPr>
+              <a:t>と言える</a:t>
+            </a:r>
+            <a:endParaRPr lang="en-US" altLang="ja-JP" sz="2800" dirty="0" smtClean="0">
+              <a:latin typeface="メイリオ" pitchFamily="50" charset="-128"/>
+              <a:ea typeface="メイリオ" pitchFamily="50" charset="-128"/>
+              <a:cs typeface="メイリオ" pitchFamily="50" charset="-128"/>
+            </a:endParaRPr>
+          </a:p>
+          <a:p>
+            <a:r>
+              <a:rPr lang="ja-JP" altLang="en-US" sz="2800" dirty="0" smtClean="0">
+                <a:latin typeface="メイリオ" pitchFamily="50" charset="-128"/>
+                <a:ea typeface="メイリオ" pitchFamily="50" charset="-128"/>
+                <a:cs typeface="メイリオ" pitchFamily="50" charset="-128"/>
+              </a:rPr>
+              <a:t>効果が出ていなかったら単なるおまじないを唱えただけなので</a:t>
+            </a:r>
+            <a:r>
+              <a:rPr lang="ja-JP" altLang="en-US" sz="2800" dirty="0" smtClean="0">
+                <a:latin typeface="メイリオ" pitchFamily="50" charset="-128"/>
+                <a:ea typeface="メイリオ" pitchFamily="50" charset="-128"/>
+                <a:cs typeface="メイリオ" pitchFamily="50" charset="-128"/>
+              </a:rPr>
+              <a:t>失敗</a:t>
             </a:r>
             <a:endParaRPr lang="en-US" altLang="ja-JP" sz="2800" dirty="0" smtClean="0">
               <a:latin typeface="メイリオ" pitchFamily="50" charset="-128"/>
@@ -14580,12 +15615,117 @@
                 <a:ea typeface="メイリオ" pitchFamily="50" charset="-128"/>
                 <a:cs typeface="メイリオ" pitchFamily="50" charset="-128"/>
               </a:rPr>
-              <a:t>環境によるボトルネックの変化</a:t>
+              <a:t>ボトルネックの傾向</a:t>
             </a:r>
             <a:endParaRPr kumimoji="1" lang="ja-JP" altLang="en-US" sz="4000" dirty="0">
               <a:solidFill>
                 <a:schemeClr val="tx1"/>
               </a:solidFill>
+              <a:latin typeface="メイリオ" pitchFamily="50" charset="-128"/>
+              <a:ea typeface="メイリオ" pitchFamily="50" charset="-128"/>
+              <a:cs typeface="メイリオ" pitchFamily="50" charset="-128"/>
+            </a:endParaRPr>
+          </a:p>
+        </p:txBody>
+      </p:sp>
+      <p:sp>
+        <p:nvSpPr>
+          <p:cNvPr id="3" name="コンテンツ プレースホルダー 2"/>
+          <p:cNvSpPr>
+            <a:spLocks noGrp="1"/>
+          </p:cNvSpPr>
+          <p:nvPr>
+            <p:ph idx="1"/>
+          </p:nvPr>
+        </p:nvSpPr>
+        <p:spPr>
+          <a:xfrm>
+            <a:off x="457200" y="857239"/>
+            <a:ext cx="8229600" cy="3680236"/>
+          </a:xfrm>
+        </p:spPr>
+        <p:txBody>
+          <a:bodyPr/>
+          <a:lstStyle/>
+          <a:p>
+            <a:r>
+              <a:rPr lang="ja-JP" altLang="en-US" sz="2800" dirty="0" smtClean="0">
+                <a:latin typeface="メイリオ" pitchFamily="50" charset="-128"/>
+                <a:ea typeface="メイリオ" pitchFamily="50" charset="-128"/>
+                <a:cs typeface="メイリオ" pitchFamily="50" charset="-128"/>
+              </a:rPr>
+              <a:t>ボトルネックは</a:t>
+            </a:r>
+            <a:r>
+              <a:rPr lang="ja-JP" altLang="en-US" sz="2800" dirty="0" smtClean="0">
+                <a:latin typeface="メイリオ" pitchFamily="50" charset="-128"/>
+                <a:ea typeface="メイリオ" pitchFamily="50" charset="-128"/>
+                <a:cs typeface="メイリオ" pitchFamily="50" charset="-128"/>
+              </a:rPr>
+              <a:t>以下の傾向がある</a:t>
+            </a:r>
+          </a:p>
+          <a:p>
+            <a:pPr lvl="1"/>
+            <a:r>
+              <a:rPr lang="ja-JP" altLang="en-US" sz="2400" dirty="0" smtClean="0">
+                <a:latin typeface="メイリオ" pitchFamily="50" charset="-128"/>
+                <a:ea typeface="メイリオ" pitchFamily="50" charset="-128"/>
+                <a:cs typeface="メイリオ" pitchFamily="50" charset="-128"/>
+              </a:rPr>
+              <a:t>一回の呼び出しに時間がかかっている</a:t>
+            </a:r>
+          </a:p>
+          <a:p>
+            <a:pPr lvl="1"/>
+            <a:r>
+              <a:rPr lang="ja-JP" altLang="en-US" sz="2400" dirty="0" smtClean="0">
+                <a:latin typeface="メイリオ" pitchFamily="50" charset="-128"/>
+                <a:ea typeface="メイリオ" pitchFamily="50" charset="-128"/>
+                <a:cs typeface="メイリオ" pitchFamily="50" charset="-128"/>
+              </a:rPr>
+              <a:t>一回の呼び出しは大したコストではないが、大量に呼び出されている</a:t>
+            </a:r>
+            <a:endParaRPr lang="en-US" altLang="ja-JP" sz="2400" dirty="0" smtClean="0">
+              <a:latin typeface="メイリオ" pitchFamily="50" charset="-128"/>
+              <a:ea typeface="メイリオ" pitchFamily="50" charset="-128"/>
+              <a:cs typeface="メイリオ" pitchFamily="50" charset="-128"/>
+            </a:endParaRPr>
+          </a:p>
+          <a:p>
+            <a:pPr lvl="1"/>
+            <a:r>
+              <a:rPr lang="ja-JP" altLang="en-US" sz="2400" dirty="0" smtClean="0">
+                <a:latin typeface="メイリオ" pitchFamily="50" charset="-128"/>
+                <a:ea typeface="メイリオ" pitchFamily="50" charset="-128"/>
+                <a:cs typeface="メイリオ" pitchFamily="50" charset="-128"/>
+              </a:rPr>
+              <a:t>ディスクやネットワークの </a:t>
+            </a:r>
+            <a:r>
+              <a:rPr lang="en-US" altLang="ja-JP" sz="2400" dirty="0" smtClean="0">
+                <a:latin typeface="メイリオ" pitchFamily="50" charset="-128"/>
+                <a:ea typeface="メイリオ" pitchFamily="50" charset="-128"/>
+                <a:cs typeface="メイリオ" pitchFamily="50" charset="-128"/>
+              </a:rPr>
+              <a:t>I/O</a:t>
+            </a:r>
+            <a:endParaRPr lang="ja-JP" altLang="en-US" sz="2400" dirty="0" smtClean="0">
+              <a:latin typeface="メイリオ" pitchFamily="50" charset="-128"/>
+              <a:ea typeface="メイリオ" pitchFamily="50" charset="-128"/>
+              <a:cs typeface="メイリオ" pitchFamily="50" charset="-128"/>
+            </a:endParaRPr>
+          </a:p>
+          <a:p>
+            <a:r>
+              <a:rPr lang="ja-JP" altLang="en-US" sz="2800" dirty="0" smtClean="0">
+                <a:latin typeface="メイリオ" pitchFamily="50" charset="-128"/>
+                <a:ea typeface="メイリオ" pitchFamily="50" charset="-128"/>
+                <a:cs typeface="メイリオ" pitchFamily="50" charset="-128"/>
+              </a:rPr>
+              <a:t>こういった部分を見つけて、優先的に最適化を行っていくことが大事</a:t>
+            </a:r>
+            <a:endParaRPr lang="en-US" altLang="ja-JP" sz="2800" dirty="0" smtClean="0">
               <a:latin typeface="メイリオ" pitchFamily="50" charset="-128"/>
               <a:ea typeface="メイリオ" pitchFamily="50" charset="-128"/>
               <a:cs typeface="メイリオ" pitchFamily="50" charset="-128"/>
@@ -14658,6 +15798,148 @@
                 <a:defRPr/>
               </a:pPr>
               <a:t>28</a:t>
+            </a:fld>
+            <a:endParaRPr lang="ja-JP" altLang="en-US">
+              <a:latin typeface="メイリオ" pitchFamily="50" charset="-128"/>
+              <a:ea typeface="メイリオ" pitchFamily="50" charset="-128"/>
+              <a:cs typeface="メイリオ" pitchFamily="50" charset="-128"/>
+            </a:endParaRPr>
+          </a:p>
+        </p:txBody>
+      </p:sp>
+    </p:spTree>
+    <p:extLst>
+      <p:ext uri="{BB962C8B-B14F-4D97-AF65-F5344CB8AC3E}">
+        <p14:creationId xmlns="" xmlns:p14="http://schemas.microsoft.com/office/powerpoint/2010/main" val="1890745276"/>
+      </p:ext>
+    </p:extLst>
+  </p:cSld>
+  <p:clrMapOvr>
+    <a:masterClrMapping/>
+  </p:clrMapOvr>
+</p:sld>
+</file>
+
+<file path=ppt/slides/slide29.xml><?xml version="1.0" encoding="utf-8"?>
+<p:sld xmlns:a="http://schemas.openxmlformats.org/drawingml/2006/main" xmlns:r="http://schemas.openxmlformats.org/officeDocument/2006/relationships" xmlns:p="http://schemas.openxmlformats.org/presentationml/2006/main">
+  <p:cSld>
+    <p:spTree>
+      <p:nvGrpSpPr>
+        <p:cNvPr id="1" name=""/>
+        <p:cNvGrpSpPr/>
+        <p:nvPr/>
+      </p:nvGrpSpPr>
+      <p:grpSpPr>
+        <a:xfrm>
+          <a:off x="0" y="0"/>
+          <a:ext cx="0" cy="0"/>
+          <a:chOff x="0" y="0"/>
+          <a:chExt cx="0" cy="0"/>
+        </a:xfrm>
+      </p:grpSpPr>
+      <p:sp>
+        <p:nvSpPr>
+          <p:cNvPr id="2" name="タイトル 1"/>
+          <p:cNvSpPr>
+            <a:spLocks noGrp="1"/>
+          </p:cNvSpPr>
+          <p:nvPr>
+            <p:ph type="title"/>
+          </p:nvPr>
+        </p:nvSpPr>
+        <p:spPr/>
+        <p:txBody>
+          <a:bodyPr/>
+          <a:lstStyle/>
+          <a:p>
+            <a:pPr algn="ctr"/>
+            <a:r>
+              <a:rPr lang="ja-JP" altLang="en-US" sz="4000" dirty="0" smtClean="0">
+                <a:solidFill>
+                  <a:schemeClr val="tx1"/>
+                </a:solidFill>
+                <a:latin typeface="メイリオ" pitchFamily="50" charset="-128"/>
+                <a:ea typeface="メイリオ" pitchFamily="50" charset="-128"/>
+                <a:cs typeface="メイリオ" pitchFamily="50" charset="-128"/>
+              </a:rPr>
+              <a:t>環境によるボトルネックの変化</a:t>
+            </a:r>
+            <a:endParaRPr kumimoji="1" lang="ja-JP" altLang="en-US" sz="4000" dirty="0">
+              <a:solidFill>
+                <a:schemeClr val="tx1"/>
+              </a:solidFill>
+              <a:latin typeface="メイリオ" pitchFamily="50" charset="-128"/>
+              <a:ea typeface="メイリオ" pitchFamily="50" charset="-128"/>
+              <a:cs typeface="メイリオ" pitchFamily="50" charset="-128"/>
+            </a:endParaRPr>
+          </a:p>
+        </p:txBody>
+      </p:sp>
+      <p:sp>
+        <p:nvSpPr>
+          <p:cNvPr id="4" name="日付プレースホルダー 3"/>
+          <p:cNvSpPr>
+            <a:spLocks noGrp="1"/>
+          </p:cNvSpPr>
+          <p:nvPr>
+            <p:ph type="dt" sz="half" idx="10"/>
+          </p:nvPr>
+        </p:nvSpPr>
+        <p:spPr/>
+        <p:txBody>
+          <a:bodyPr/>
+          <a:lstStyle/>
+          <a:p>
+            <a:pPr>
+              <a:defRPr/>
+            </a:pPr>
+            <a:fld id="{A9259AFE-7AC7-4F49-85B9-5B069C761CE3}" type="datetime5">
+              <a:rPr lang="ja-JP" altLang="en-US" smtClean="0">
+                <a:latin typeface="メイリオ" pitchFamily="50" charset="-128"/>
+                <a:ea typeface="メイリオ" pitchFamily="50" charset="-128"/>
+                <a:cs typeface="メイリオ" pitchFamily="50" charset="-128"/>
+              </a:rPr>
+              <a:pPr>
+                <a:defRPr/>
+              </a:pPr>
+              <a:t>2014/08/29</a:t>
+            </a:fld>
+            <a:endParaRPr lang="ja-JP" altLang="en-US" dirty="0">
+              <a:latin typeface="メイリオ" pitchFamily="50" charset="-128"/>
+              <a:ea typeface="メイリオ" pitchFamily="50" charset="-128"/>
+              <a:cs typeface="メイリオ" pitchFamily="50" charset="-128"/>
+            </a:endParaRPr>
+          </a:p>
+        </p:txBody>
+      </p:sp>
+      <p:sp>
+        <p:nvSpPr>
+          <p:cNvPr id="6" name="スライド番号プレースホルダー 5"/>
+          <p:cNvSpPr>
+            <a:spLocks noGrp="1"/>
+          </p:cNvSpPr>
+          <p:nvPr>
+            <p:ph type="sldNum" sz="quarter" idx="12"/>
+          </p:nvPr>
+        </p:nvSpPr>
+        <p:spPr/>
+        <p:txBody>
+          <a:bodyPr/>
+          <a:lstStyle/>
+          <a:p>
+            <a:pPr>
+              <a:defRPr/>
+            </a:pPr>
+            <a:fld id="{29799127-F303-4AE7-A969-D0F8A278DEB3}" type="slidenum">
+              <a:rPr lang="ja-JP" altLang="en-US" smtClean="0">
+                <a:latin typeface="メイリオ" pitchFamily="50" charset="-128"/>
+                <a:ea typeface="メイリオ" pitchFamily="50" charset="-128"/>
+                <a:cs typeface="メイリオ" pitchFamily="50" charset="-128"/>
+              </a:rPr>
+              <a:pPr>
+                <a:defRPr/>
+              </a:pPr>
+              <a:t>29</a:t>
             </a:fld>
             <a:endParaRPr lang="ja-JP" altLang="en-US">
               <a:latin typeface="メイリオ" pitchFamily="50" charset="-128"/>
@@ -14830,205 +16112,6 @@
 </p:sld>
 </file>
 
-<file path=ppt/slides/slide29.xml><?xml version="1.0" encoding="utf-8"?>
-<p:sld xmlns:a="http://schemas.openxmlformats.org/drawingml/2006/main" xmlns:r="http://schemas.openxmlformats.org/officeDocument/2006/relationships" xmlns:p="http://schemas.openxmlformats.org/presentationml/2006/main">
-  <p:cSld>
-    <p:spTree>
-      <p:nvGrpSpPr>
-        <p:cNvPr id="1" name=""/>
-        <p:cNvGrpSpPr/>
-        <p:nvPr/>
-      </p:nvGrpSpPr>
-      <p:grpSpPr>
-        <a:xfrm>
-          <a:off x="0" y="0"/>
-          <a:ext cx="0" cy="0"/>
-          <a:chOff x="0" y="0"/>
-          <a:chExt cx="0" cy="0"/>
-        </a:xfrm>
-      </p:grpSpPr>
-      <p:sp>
-        <p:nvSpPr>
-          <p:cNvPr id="2" name="タイトル 1"/>
-          <p:cNvSpPr>
-            <a:spLocks noGrp="1"/>
-          </p:cNvSpPr>
-          <p:nvPr>
-            <p:ph type="title"/>
-          </p:nvPr>
-        </p:nvSpPr>
-        <p:spPr/>
-        <p:txBody>
-          <a:bodyPr/>
-          <a:lstStyle/>
-          <a:p>
-            <a:pPr algn="ctr"/>
-            <a:r>
-              <a:rPr kumimoji="1" lang="ja-JP" altLang="en-US" sz="4000" dirty="0" smtClean="0">
-                <a:solidFill>
-                  <a:schemeClr val="tx1"/>
-                </a:solidFill>
-                <a:latin typeface="メイリオ" pitchFamily="50" charset="-128"/>
-                <a:ea typeface="メイリオ" pitchFamily="50" charset="-128"/>
-                <a:cs typeface="メイリオ" pitchFamily="50" charset="-128"/>
-              </a:rPr>
-              <a:t>注意</a:t>
-            </a:r>
-            <a:endParaRPr kumimoji="1" lang="ja-JP" altLang="en-US" sz="4000" dirty="0">
-              <a:solidFill>
-                <a:schemeClr val="tx1"/>
-              </a:solidFill>
-              <a:latin typeface="メイリオ" pitchFamily="50" charset="-128"/>
-              <a:ea typeface="メイリオ" pitchFamily="50" charset="-128"/>
-              <a:cs typeface="メイリオ" pitchFamily="50" charset="-128"/>
-            </a:endParaRPr>
-          </a:p>
-        </p:txBody>
-      </p:sp>
-      <p:sp>
-        <p:nvSpPr>
-          <p:cNvPr id="3" name="コンテンツ プレースホルダー 2"/>
-          <p:cNvSpPr>
-            <a:spLocks noGrp="1"/>
-          </p:cNvSpPr>
-          <p:nvPr>
-            <p:ph idx="1"/>
-          </p:nvPr>
-        </p:nvSpPr>
-        <p:spPr>
-          <a:xfrm>
-            <a:off x="457200" y="857239"/>
-            <a:ext cx="8229600" cy="3680236"/>
-          </a:xfrm>
-        </p:spPr>
-        <p:txBody>
-          <a:bodyPr anchor="ctr"/>
-          <a:lstStyle/>
-          <a:p>
-            <a:pPr algn="ctr">
-              <a:buNone/>
-            </a:pPr>
-            <a:r>
-              <a:rPr lang="ja-JP" altLang="en-US" b="1" dirty="0" smtClean="0">
-                <a:latin typeface="メイリオ" pitchFamily="50" charset="-128"/>
-                <a:ea typeface="メイリオ" pitchFamily="50" charset="-128"/>
-                <a:cs typeface="メイリオ" pitchFamily="50" charset="-128"/>
-              </a:rPr>
-              <a:t>コードをこねくり回す前に</a:t>
-            </a:r>
-            <a:endParaRPr lang="en-US" altLang="ja-JP" b="1" dirty="0" smtClean="0">
-              <a:latin typeface="メイリオ" pitchFamily="50" charset="-128"/>
-              <a:ea typeface="メイリオ" pitchFamily="50" charset="-128"/>
-              <a:cs typeface="メイリオ" pitchFamily="50" charset="-128"/>
-            </a:endParaRPr>
-          </a:p>
-          <a:p>
-            <a:pPr algn="ctr">
-              <a:buNone/>
-            </a:pPr>
-            <a:r>
-              <a:rPr lang="ja-JP" altLang="en-US" b="1" dirty="0" smtClean="0">
-                <a:latin typeface="メイリオ" pitchFamily="50" charset="-128"/>
-                <a:ea typeface="メイリオ" pitchFamily="50" charset="-128"/>
-                <a:cs typeface="メイリオ" pitchFamily="50" charset="-128"/>
-              </a:rPr>
-              <a:t>アルゴリズムはきちんと精査しましょう</a:t>
-            </a:r>
-            <a:endParaRPr lang="en-US" altLang="ja-JP" b="1" dirty="0" smtClean="0">
-              <a:latin typeface="メイリオ" pitchFamily="50" charset="-128"/>
-              <a:ea typeface="メイリオ" pitchFamily="50" charset="-128"/>
-              <a:cs typeface="メイリオ" pitchFamily="50" charset="-128"/>
-            </a:endParaRPr>
-          </a:p>
-        </p:txBody>
-      </p:sp>
-      <p:sp>
-        <p:nvSpPr>
-          <p:cNvPr id="4" name="日付プレースホルダー 3"/>
-          <p:cNvSpPr>
-            <a:spLocks noGrp="1"/>
-          </p:cNvSpPr>
-          <p:nvPr>
-            <p:ph type="dt" sz="half" idx="10"/>
-          </p:nvPr>
-        </p:nvSpPr>
-        <p:spPr/>
-        <p:txBody>
-          <a:bodyPr/>
-          <a:lstStyle/>
-          <a:p>
-            <a:pPr>
-              <a:defRPr/>
-            </a:pPr>
-            <a:fld id="{A9259AFE-7AC7-4F49-85B9-5B069C761CE3}" type="datetime5">
-              <a:rPr lang="ja-JP" altLang="en-US" smtClean="0">
-                <a:latin typeface="メイリオ" pitchFamily="50" charset="-128"/>
-                <a:ea typeface="メイリオ" pitchFamily="50" charset="-128"/>
-                <a:cs typeface="メイリオ" pitchFamily="50" charset="-128"/>
-              </a:rPr>
-              <a:pPr>
-                <a:defRPr/>
-              </a:pPr>
-              <a:t>2014/08/29</a:t>
-            </a:fld>
-            <a:endParaRPr lang="ja-JP" altLang="en-US" dirty="0">
-              <a:latin typeface="メイリオ" pitchFamily="50" charset="-128"/>
-              <a:ea typeface="メイリオ" pitchFamily="50" charset="-128"/>
-              <a:cs typeface="メイリオ" pitchFamily="50" charset="-128"/>
-            </a:endParaRPr>
-          </a:p>
-        </p:txBody>
-      </p:sp>
-      <p:sp>
-        <p:nvSpPr>
-          <p:cNvPr id="6" name="スライド番号プレースホルダー 5"/>
-          <p:cNvSpPr>
-            <a:spLocks noGrp="1"/>
-          </p:cNvSpPr>
-          <p:nvPr>
-            <p:ph type="sldNum" sz="quarter" idx="12"/>
-          </p:nvPr>
-        </p:nvSpPr>
-        <p:spPr/>
-        <p:txBody>
-          <a:bodyPr/>
-          <a:lstStyle/>
-          <a:p>
-            <a:pPr>
-              <a:defRPr/>
-            </a:pPr>
-            <a:fld id="{29799127-F303-4AE7-A969-D0F8A278DEB3}" type="slidenum">
-              <a:rPr lang="ja-JP" altLang="en-US" smtClean="0">
-                <a:latin typeface="メイリオ" pitchFamily="50" charset="-128"/>
-                <a:ea typeface="メイリオ" pitchFamily="50" charset="-128"/>
-                <a:cs typeface="メイリオ" pitchFamily="50" charset="-128"/>
-              </a:rPr>
-              <a:pPr>
-                <a:defRPr/>
-              </a:pPr>
-              <a:t>29</a:t>
-            </a:fld>
-            <a:endParaRPr lang="ja-JP" altLang="en-US">
-              <a:latin typeface="メイリオ" pitchFamily="50" charset="-128"/>
-              <a:ea typeface="メイリオ" pitchFamily="50" charset="-128"/>
-              <a:cs typeface="メイリオ" pitchFamily="50" charset="-128"/>
-            </a:endParaRPr>
-          </a:p>
-        </p:txBody>
-      </p:sp>
-    </p:spTree>
-    <p:extLst>
-      <p:ext uri="{BB962C8B-B14F-4D97-AF65-F5344CB8AC3E}">
-        <p14:creationId xmlns="" xmlns:p14="http://schemas.microsoft.com/office/powerpoint/2010/main" val="1890745276"/>
-      </p:ext>
-    </p:extLst>
-  </p:cSld>
-  <p:clrMapOvr>
-    <a:masterClrMapping/>
-  </p:clrMapOvr>
-</p:sld>
-</file>
-
 <file path=ppt/slides/slide3.xml><?xml version="1.0" encoding="utf-8"?>
 <p:sld xmlns:a="http://schemas.openxmlformats.org/drawingml/2006/main" xmlns:r="http://schemas.openxmlformats.org/officeDocument/2006/relationships" xmlns:p="http://schemas.openxmlformats.org/presentationml/2006/main">
   <p:cSld>
@@ -15274,12 +16357,69 @@
                 <a:ea typeface="メイリオ" pitchFamily="50" charset="-128"/>
                 <a:cs typeface="メイリオ" pitchFamily="50" charset="-128"/>
               </a:rPr>
-              <a:t>ログ確認ツール</a:t>
+              <a:t>注意</a:t>
             </a:r>
             <a:endParaRPr kumimoji="1" lang="ja-JP" altLang="en-US" sz="4000" dirty="0">
               <a:solidFill>
                 <a:schemeClr val="tx1"/>
               </a:solidFill>
+              <a:latin typeface="メイリオ" pitchFamily="50" charset="-128"/>
+              <a:ea typeface="メイリオ" pitchFamily="50" charset="-128"/>
+              <a:cs typeface="メイリオ" pitchFamily="50" charset="-128"/>
+            </a:endParaRPr>
+          </a:p>
+        </p:txBody>
+      </p:sp>
+      <p:sp>
+        <p:nvSpPr>
+          <p:cNvPr id="3" name="コンテンツ プレースホルダー 2"/>
+          <p:cNvSpPr>
+            <a:spLocks noGrp="1"/>
+          </p:cNvSpPr>
+          <p:nvPr>
+            <p:ph idx="1"/>
+          </p:nvPr>
+        </p:nvSpPr>
+        <p:spPr>
+          <a:xfrm>
+            <a:off x="457200" y="857239"/>
+            <a:ext cx="8229600" cy="3680236"/>
+          </a:xfrm>
+        </p:spPr>
+        <p:txBody>
+          <a:bodyPr anchor="ctr"/>
+          <a:lstStyle/>
+          <a:p>
+            <a:pPr algn="ctr">
+              <a:buNone/>
+            </a:pPr>
+            <a:r>
+              <a:rPr lang="ja-JP" altLang="en-US" b="1" dirty="0" smtClean="0">
+                <a:latin typeface="メイリオ" pitchFamily="50" charset="-128"/>
+                <a:ea typeface="メイリオ" pitchFamily="50" charset="-128"/>
+                <a:cs typeface="メイリオ" pitchFamily="50" charset="-128"/>
+              </a:rPr>
+              <a:t>コードをこねくり回す前に</a:t>
+            </a:r>
+            <a:endParaRPr lang="en-US" altLang="ja-JP" b="1" dirty="0" smtClean="0">
+              <a:latin typeface="メイリオ" pitchFamily="50" charset="-128"/>
+              <a:ea typeface="メイリオ" pitchFamily="50" charset="-128"/>
+              <a:cs typeface="メイリオ" pitchFamily="50" charset="-128"/>
+            </a:endParaRPr>
+          </a:p>
+          <a:p>
+            <a:pPr algn="ctr">
+              <a:buNone/>
+            </a:pPr>
+            <a:r>
+              <a:rPr lang="ja-JP" altLang="en-US" b="1" dirty="0" smtClean="0">
+                <a:latin typeface="メイリオ" pitchFamily="50" charset="-128"/>
+                <a:ea typeface="メイリオ" pitchFamily="50" charset="-128"/>
+                <a:cs typeface="メイリオ" pitchFamily="50" charset="-128"/>
+              </a:rPr>
+              <a:t>アルゴリズムはきちんと精査しましょう</a:t>
+            </a:r>
+            <a:endParaRPr lang="en-US" altLang="ja-JP" b="1" dirty="0" smtClean="0">
               <a:latin typeface="メイリオ" pitchFamily="50" charset="-128"/>
               <a:ea typeface="メイリオ" pitchFamily="50" charset="-128"/>
               <a:cs typeface="メイリオ" pitchFamily="50" charset="-128"/>
@@ -15352,6 +16492,148 @@
                 <a:defRPr/>
               </a:pPr>
               <a:t>30</a:t>
+            </a:fld>
+            <a:endParaRPr lang="ja-JP" altLang="en-US">
+              <a:latin typeface="メイリオ" pitchFamily="50" charset="-128"/>
+              <a:ea typeface="メイリオ" pitchFamily="50" charset="-128"/>
+              <a:cs typeface="メイリオ" pitchFamily="50" charset="-128"/>
+            </a:endParaRPr>
+          </a:p>
+        </p:txBody>
+      </p:sp>
+    </p:spTree>
+    <p:extLst>
+      <p:ext uri="{BB962C8B-B14F-4D97-AF65-F5344CB8AC3E}">
+        <p14:creationId xmlns="" xmlns:p14="http://schemas.microsoft.com/office/powerpoint/2010/main" val="1890745276"/>
+      </p:ext>
+    </p:extLst>
+  </p:cSld>
+  <p:clrMapOvr>
+    <a:masterClrMapping/>
+  </p:clrMapOvr>
+</p:sld>
+</file>
+
+<file path=ppt/slides/slide31.xml><?xml version="1.0" encoding="utf-8"?>
+<p:sld xmlns:a="http://schemas.openxmlformats.org/drawingml/2006/main" xmlns:r="http://schemas.openxmlformats.org/officeDocument/2006/relationships" xmlns:p="http://schemas.openxmlformats.org/presentationml/2006/main">
+  <p:cSld>
+    <p:spTree>
+      <p:nvGrpSpPr>
+        <p:cNvPr id="1" name=""/>
+        <p:cNvGrpSpPr/>
+        <p:nvPr/>
+      </p:nvGrpSpPr>
+      <p:grpSpPr>
+        <a:xfrm>
+          <a:off x="0" y="0"/>
+          <a:ext cx="0" cy="0"/>
+          <a:chOff x="0" y="0"/>
+          <a:chExt cx="0" cy="0"/>
+        </a:xfrm>
+      </p:grpSpPr>
+      <p:sp>
+        <p:nvSpPr>
+          <p:cNvPr id="2" name="タイトル 1"/>
+          <p:cNvSpPr>
+            <a:spLocks noGrp="1"/>
+          </p:cNvSpPr>
+          <p:nvPr>
+            <p:ph type="title"/>
+          </p:nvPr>
+        </p:nvSpPr>
+        <p:spPr/>
+        <p:txBody>
+          <a:bodyPr/>
+          <a:lstStyle/>
+          <a:p>
+            <a:pPr algn="ctr"/>
+            <a:r>
+              <a:rPr kumimoji="1" lang="ja-JP" altLang="en-US" sz="4000" dirty="0" smtClean="0">
+                <a:solidFill>
+                  <a:schemeClr val="tx1"/>
+                </a:solidFill>
+                <a:latin typeface="メイリオ" pitchFamily="50" charset="-128"/>
+                <a:ea typeface="メイリオ" pitchFamily="50" charset="-128"/>
+                <a:cs typeface="メイリオ" pitchFamily="50" charset="-128"/>
+              </a:rPr>
+              <a:t>ログ確認ツール</a:t>
+            </a:r>
+            <a:endParaRPr kumimoji="1" lang="ja-JP" altLang="en-US" sz="4000" dirty="0">
+              <a:solidFill>
+                <a:schemeClr val="tx1"/>
+              </a:solidFill>
+              <a:latin typeface="メイリオ" pitchFamily="50" charset="-128"/>
+              <a:ea typeface="メイリオ" pitchFamily="50" charset="-128"/>
+              <a:cs typeface="メイリオ" pitchFamily="50" charset="-128"/>
+            </a:endParaRPr>
+          </a:p>
+        </p:txBody>
+      </p:sp>
+      <p:sp>
+        <p:nvSpPr>
+          <p:cNvPr id="4" name="日付プレースホルダー 3"/>
+          <p:cNvSpPr>
+            <a:spLocks noGrp="1"/>
+          </p:cNvSpPr>
+          <p:nvPr>
+            <p:ph type="dt" sz="half" idx="10"/>
+          </p:nvPr>
+        </p:nvSpPr>
+        <p:spPr/>
+        <p:txBody>
+          <a:bodyPr/>
+          <a:lstStyle/>
+          <a:p>
+            <a:pPr>
+              <a:defRPr/>
+            </a:pPr>
+            <a:fld id="{A9259AFE-7AC7-4F49-85B9-5B069C761CE3}" type="datetime5">
+              <a:rPr lang="ja-JP" altLang="en-US" smtClean="0">
+                <a:latin typeface="メイリオ" pitchFamily="50" charset="-128"/>
+                <a:ea typeface="メイリオ" pitchFamily="50" charset="-128"/>
+                <a:cs typeface="メイリオ" pitchFamily="50" charset="-128"/>
+              </a:rPr>
+              <a:pPr>
+                <a:defRPr/>
+              </a:pPr>
+              <a:t>2014/08/29</a:t>
+            </a:fld>
+            <a:endParaRPr lang="ja-JP" altLang="en-US" dirty="0">
+              <a:latin typeface="メイリオ" pitchFamily="50" charset="-128"/>
+              <a:ea typeface="メイリオ" pitchFamily="50" charset="-128"/>
+              <a:cs typeface="メイリオ" pitchFamily="50" charset="-128"/>
+            </a:endParaRPr>
+          </a:p>
+        </p:txBody>
+      </p:sp>
+      <p:sp>
+        <p:nvSpPr>
+          <p:cNvPr id="6" name="スライド番号プレースホルダー 5"/>
+          <p:cNvSpPr>
+            <a:spLocks noGrp="1"/>
+          </p:cNvSpPr>
+          <p:nvPr>
+            <p:ph type="sldNum" sz="quarter" idx="12"/>
+          </p:nvPr>
+        </p:nvSpPr>
+        <p:spPr/>
+        <p:txBody>
+          <a:bodyPr/>
+          <a:lstStyle/>
+          <a:p>
+            <a:pPr>
+              <a:defRPr/>
+            </a:pPr>
+            <a:fld id="{29799127-F303-4AE7-A969-D0F8A278DEB3}" type="slidenum">
+              <a:rPr lang="ja-JP" altLang="en-US" smtClean="0">
+                <a:latin typeface="メイリオ" pitchFamily="50" charset="-128"/>
+                <a:ea typeface="メイリオ" pitchFamily="50" charset="-128"/>
+                <a:cs typeface="メイリオ" pitchFamily="50" charset="-128"/>
+              </a:rPr>
+              <a:pPr>
+                <a:defRPr/>
+              </a:pPr>
+              <a:t>31</a:t>
             </a:fld>
             <a:endParaRPr lang="ja-JP" altLang="en-US">
               <a:latin typeface="メイリオ" pitchFamily="50" charset="-128"/>
@@ -15400,7 +16682,7 @@
 </p:sld>
 </file>
 
-<file path=ppt/slides/slide31.xml><?xml version="1.0" encoding="utf-8"?>
+<file path=ppt/slides/slide32.xml><?xml version="1.0" encoding="utf-8"?>
 <p:sld xmlns:a="http://schemas.openxmlformats.org/drawingml/2006/main" xmlns:r="http://schemas.openxmlformats.org/officeDocument/2006/relationships" xmlns:p="http://schemas.openxmlformats.org/presentationml/2006/main">
   <p:cSld>
     <p:spTree>
@@ -15580,7 +16862,7 @@
               <a:pPr>
                 <a:defRPr/>
               </a:pPr>
-              <a:t>31</a:t>
+              <a:t>32</a:t>
             </a:fld>
             <a:endParaRPr lang="ja-JP" altLang="en-US">
               <a:latin typeface="メイリオ" pitchFamily="50" charset="-128"/>
@@ -15868,7 +17150,7 @@
                 <a:ea typeface="メイリオ" pitchFamily="50" charset="-128"/>
                 <a:cs typeface="メイリオ" pitchFamily="50" charset="-128"/>
               </a:rPr>
-              <a:t>似たような処理の実装</a:t>
+              <a:t>データコンバートあるある</a:t>
             </a:r>
             <a:endParaRPr kumimoji="1" lang="ja-JP" altLang="en-US" sz="4000" dirty="0">
               <a:solidFill>

--- a/chiyama/2014cedec_chiyama.pptx
+++ b/chiyama/2014cedec_chiyama.pptx
@@ -9373,7 +9373,7 @@
           </a:xfrm>
         </p:spPr>
         <p:txBody>
-          <a:bodyPr/>
+          <a:bodyPr anchor="ctr"/>
           <a:lstStyle/>
           <a:p>
             <a:r>
@@ -9746,8 +9746,8 @@
         </p:blipFill>
         <p:spPr bwMode="auto">
           <a:xfrm>
-            <a:off x="2355038" y="789904"/>
-            <a:ext cx="4433924" cy="2281911"/>
+            <a:off x="2355039" y="789904"/>
+            <a:ext cx="4433922" cy="2281911"/>
           </a:xfrm>
           <a:prstGeom prst="rect">
             <a:avLst/>
@@ -9979,8 +9979,8 @@
         </p:blipFill>
         <p:spPr bwMode="auto">
           <a:xfrm>
-            <a:off x="2355038" y="789904"/>
-            <a:ext cx="4433924" cy="2281911"/>
+            <a:off x="2355039" y="789904"/>
+            <a:ext cx="4433922" cy="2281911"/>
           </a:xfrm>
           <a:prstGeom prst="rect">
             <a:avLst/>
@@ -10348,7 +10348,7 @@
               <a:pPr>
                 <a:defRPr/>
               </a:pPr>
-              <a:t>2014/09/03</a:t>
+              <a:t>2014/09/04</a:t>
             </a:fld>
             <a:endParaRPr lang="ja-JP" altLang="en-US" dirty="0">
               <a:latin typeface="メイリオ" pitchFamily="50" charset="-128"/>
@@ -10395,912 +10395,1237 @@
           </a:p>
         </p:txBody>
       </p:sp>
-      <p:sp>
-        <p:nvSpPr>
-          <p:cNvPr id="7" name="テキスト ボックス 6"/>
-          <p:cNvSpPr txBox="1"/>
+      <p:grpSp>
+        <p:nvGrpSpPr>
+          <p:cNvPr id="11" name="グループ化 10"/>
+          <p:cNvGrpSpPr/>
           <p:nvPr/>
+        </p:nvGrpSpPr>
+        <p:grpSpPr>
+          <a:xfrm>
+            <a:off x="142844" y="1071552"/>
+            <a:ext cx="8858312" cy="3016210"/>
+            <a:chOff x="142844" y="1071552"/>
+            <a:chExt cx="8858312" cy="3016210"/>
+          </a:xfrm>
+        </p:grpSpPr>
+        <p:sp>
+          <p:nvSpPr>
+            <p:cNvPr id="7" name="テキスト ボックス 6"/>
+            <p:cNvSpPr txBox="1"/>
+            <p:nvPr/>
+          </p:nvSpPr>
+          <p:spPr>
+            <a:xfrm>
+              <a:off x="142844" y="1071552"/>
+              <a:ext cx="2143140" cy="2092881"/>
+            </a:xfrm>
+            <a:prstGeom prst="rect">
+              <a:avLst/>
+            </a:prstGeom>
+            <a:solidFill>
+              <a:schemeClr val="bg1">
+                <a:lumMod val="85000"/>
+              </a:schemeClr>
+            </a:solidFill>
+            <a:ln>
+              <a:solidFill>
+                <a:schemeClr val="tx1"/>
+              </a:solidFill>
+            </a:ln>
+          </p:spPr>
+          <p:txBody>
+            <a:bodyPr wrap="square" rtlCol="0">
+              <a:spAutoFit/>
+            </a:bodyPr>
+            <a:lstStyle/>
+            <a:p>
+              <a:r>
+                <a:rPr lang="en-US" sz="1000" dirty="0" smtClean="0">
+                  <a:latin typeface="MS UI Gothic" pitchFamily="50" charset="-128"/>
+                  <a:ea typeface="MS UI Gothic" pitchFamily="50" charset="-128"/>
+                  <a:cs typeface="メイリオ" pitchFamily="50" charset="-128"/>
+                </a:rPr>
+                <a:t>class </a:t>
+              </a:r>
+              <a:r>
+                <a:rPr lang="en-US" sz="1000" dirty="0" err="1" smtClean="0">
+                  <a:latin typeface="MS UI Gothic" pitchFamily="50" charset="-128"/>
+                  <a:ea typeface="MS UI Gothic" pitchFamily="50" charset="-128"/>
+                  <a:cs typeface="メイリオ" pitchFamily="50" charset="-128"/>
+                </a:rPr>
+                <a:t>nodeBase</a:t>
+              </a:r>
+              <a:r>
+                <a:rPr lang="en-US" sz="1000" dirty="0" smtClean="0">
+                  <a:latin typeface="MS UI Gothic" pitchFamily="50" charset="-128"/>
+                  <a:ea typeface="MS UI Gothic" pitchFamily="50" charset="-128"/>
+                  <a:cs typeface="メイリオ" pitchFamily="50" charset="-128"/>
+                </a:rPr>
+                <a:t>(object):</a:t>
+              </a:r>
+            </a:p>
+            <a:p>
+              <a:r>
+                <a:rPr lang="en-US" sz="1000" dirty="0" smtClean="0">
+                  <a:latin typeface="MS UI Gothic" pitchFamily="50" charset="-128"/>
+                  <a:ea typeface="MS UI Gothic" pitchFamily="50" charset="-128"/>
+                  <a:cs typeface="メイリオ" pitchFamily="50" charset="-128"/>
+                </a:rPr>
+                <a:t>    def __init__(self, node, prop=None):</a:t>
+              </a:r>
+            </a:p>
+            <a:p>
+              <a:r>
+                <a:rPr lang="en-US" sz="1000" dirty="0" smtClean="0">
+                  <a:latin typeface="MS UI Gothic" pitchFamily="50" charset="-128"/>
+                  <a:ea typeface="MS UI Gothic" pitchFamily="50" charset="-128"/>
+                  <a:cs typeface="メイリオ" pitchFamily="50" charset="-128"/>
+                </a:rPr>
+                <a:t>        </a:t>
+              </a:r>
+              <a:r>
+                <a:rPr lang="en-US" sz="1000" dirty="0" err="1" smtClean="0">
+                  <a:latin typeface="MS UI Gothic" pitchFamily="50" charset="-128"/>
+                  <a:ea typeface="MS UI Gothic" pitchFamily="50" charset="-128"/>
+                  <a:cs typeface="メイリオ" pitchFamily="50" charset="-128"/>
+                </a:rPr>
+                <a:t>self.node</a:t>
+              </a:r>
+              <a:r>
+                <a:rPr lang="en-US" sz="1000" dirty="0" smtClean="0">
+                  <a:latin typeface="MS UI Gothic" pitchFamily="50" charset="-128"/>
+                  <a:ea typeface="MS UI Gothic" pitchFamily="50" charset="-128"/>
+                  <a:cs typeface="メイリオ" pitchFamily="50" charset="-128"/>
+                </a:rPr>
+                <a:t> = node</a:t>
+              </a:r>
+            </a:p>
+            <a:p>
+              <a:endParaRPr lang="en-US" sz="1000" dirty="0" smtClean="0">
+                <a:latin typeface="MS UI Gothic" pitchFamily="50" charset="-128"/>
+                <a:ea typeface="MS UI Gothic" pitchFamily="50" charset="-128"/>
+                <a:cs typeface="メイリオ" pitchFamily="50" charset="-128"/>
+              </a:endParaRPr>
+            </a:p>
+            <a:p>
+              <a:r>
+                <a:rPr lang="en-US" sz="1000" dirty="0" smtClean="0">
+                  <a:latin typeface="MS UI Gothic" pitchFamily="50" charset="-128"/>
+                  <a:ea typeface="MS UI Gothic" pitchFamily="50" charset="-128"/>
+                  <a:cs typeface="メイリオ" pitchFamily="50" charset="-128"/>
+                </a:rPr>
+                <a:t>    def </a:t>
+              </a:r>
+              <a:r>
+                <a:rPr lang="en-US" sz="1000" dirty="0" err="1" smtClean="0">
+                  <a:latin typeface="MS UI Gothic" pitchFamily="50" charset="-128"/>
+                  <a:ea typeface="MS UI Gothic" pitchFamily="50" charset="-128"/>
+                  <a:cs typeface="メイリオ" pitchFamily="50" charset="-128"/>
+                </a:rPr>
+                <a:t>getPath</a:t>
+              </a:r>
+              <a:r>
+                <a:rPr lang="en-US" sz="1000" dirty="0" smtClean="0">
+                  <a:latin typeface="MS UI Gothic" pitchFamily="50" charset="-128"/>
+                  <a:ea typeface="MS UI Gothic" pitchFamily="50" charset="-128"/>
+                  <a:cs typeface="メイリオ" pitchFamily="50" charset="-128"/>
+                </a:rPr>
+                <a:t>(self):</a:t>
+              </a:r>
+            </a:p>
+            <a:p>
+              <a:r>
+                <a:rPr lang="en-US" sz="1000" dirty="0" smtClean="0">
+                  <a:latin typeface="MS UI Gothic" pitchFamily="50" charset="-128"/>
+                  <a:ea typeface="MS UI Gothic" pitchFamily="50" charset="-128"/>
+                  <a:cs typeface="メイリオ" pitchFamily="50" charset="-128"/>
+                </a:rPr>
+                <a:t>        return None</a:t>
+              </a:r>
+            </a:p>
+            <a:p>
+              <a:endParaRPr lang="en-US" sz="1000" dirty="0" smtClean="0">
+                <a:latin typeface="MS UI Gothic" pitchFamily="50" charset="-128"/>
+                <a:ea typeface="MS UI Gothic" pitchFamily="50" charset="-128"/>
+                <a:cs typeface="メイリオ" pitchFamily="50" charset="-128"/>
+              </a:endParaRPr>
+            </a:p>
+            <a:p>
+              <a:r>
+                <a:rPr lang="en-US" sz="1000" dirty="0" smtClean="0">
+                  <a:latin typeface="MS UI Gothic" pitchFamily="50" charset="-128"/>
+                  <a:ea typeface="MS UI Gothic" pitchFamily="50" charset="-128"/>
+                  <a:cs typeface="メイリオ" pitchFamily="50" charset="-128"/>
+                </a:rPr>
+                <a:t>    def </a:t>
+              </a:r>
+              <a:r>
+                <a:rPr lang="en-US" sz="1000" dirty="0" err="1" smtClean="0">
+                  <a:latin typeface="MS UI Gothic" pitchFamily="50" charset="-128"/>
+                  <a:ea typeface="MS UI Gothic" pitchFamily="50" charset="-128"/>
+                  <a:cs typeface="メイリオ" pitchFamily="50" charset="-128"/>
+                </a:rPr>
+                <a:t>setPath</a:t>
+              </a:r>
+              <a:r>
+                <a:rPr lang="en-US" sz="1000" dirty="0" smtClean="0">
+                  <a:latin typeface="MS UI Gothic" pitchFamily="50" charset="-128"/>
+                  <a:ea typeface="MS UI Gothic" pitchFamily="50" charset="-128"/>
+                  <a:cs typeface="メイリオ" pitchFamily="50" charset="-128"/>
+                </a:rPr>
+                <a:t>(self, path):</a:t>
+              </a:r>
+            </a:p>
+            <a:p>
+              <a:r>
+                <a:rPr lang="en-US" sz="1000" dirty="0" smtClean="0">
+                  <a:latin typeface="MS UI Gothic" pitchFamily="50" charset="-128"/>
+                  <a:ea typeface="MS UI Gothic" pitchFamily="50" charset="-128"/>
+                  <a:cs typeface="メイリオ" pitchFamily="50" charset="-128"/>
+                </a:rPr>
+                <a:t>        return path</a:t>
+              </a:r>
+            </a:p>
+            <a:p>
+              <a:endParaRPr lang="en-US" sz="1000" dirty="0" smtClean="0">
+                <a:latin typeface="MS UI Gothic" pitchFamily="50" charset="-128"/>
+                <a:ea typeface="MS UI Gothic" pitchFamily="50" charset="-128"/>
+                <a:cs typeface="メイリオ" pitchFamily="50" charset="-128"/>
+              </a:endParaRPr>
+            </a:p>
+            <a:p>
+              <a:endParaRPr lang="en-US" sz="1000" dirty="0" smtClean="0">
+                <a:latin typeface="MS UI Gothic" pitchFamily="50" charset="-128"/>
+                <a:ea typeface="MS UI Gothic" pitchFamily="50" charset="-128"/>
+                <a:cs typeface="メイリオ" pitchFamily="50" charset="-128"/>
+              </a:endParaRPr>
+            </a:p>
+            <a:p>
+              <a:endParaRPr lang="en-US" sz="1000" dirty="0" smtClean="0">
+                <a:latin typeface="MS UI Gothic" pitchFamily="50" charset="-128"/>
+                <a:ea typeface="MS UI Gothic" pitchFamily="50" charset="-128"/>
+                <a:cs typeface="メイリオ" pitchFamily="50" charset="-128"/>
+              </a:endParaRPr>
+            </a:p>
+            <a:p>
+              <a:endParaRPr lang="en-US" sz="1000" dirty="0" smtClean="0">
+                <a:latin typeface="MS UI Gothic" pitchFamily="50" charset="-128"/>
+                <a:ea typeface="MS UI Gothic" pitchFamily="50" charset="-128"/>
+                <a:cs typeface="メイリオ" pitchFamily="50" charset="-128"/>
+              </a:endParaRPr>
+            </a:p>
+          </p:txBody>
+        </p:sp>
+        <p:sp>
+          <p:nvSpPr>
+            <p:cNvPr id="8" name="テキスト ボックス 7"/>
+            <p:cNvSpPr txBox="1"/>
+            <p:nvPr/>
+          </p:nvSpPr>
+          <p:spPr>
+            <a:xfrm>
+              <a:off x="2357422" y="1071552"/>
+              <a:ext cx="3214710" cy="2092881"/>
+            </a:xfrm>
+            <a:prstGeom prst="rect">
+              <a:avLst/>
+            </a:prstGeom>
+            <a:solidFill>
+              <a:schemeClr val="bg1">
+                <a:lumMod val="85000"/>
+              </a:schemeClr>
+            </a:solidFill>
+            <a:ln>
+              <a:solidFill>
+                <a:schemeClr val="tx1"/>
+              </a:solidFill>
+            </a:ln>
+          </p:spPr>
+          <p:txBody>
+            <a:bodyPr wrap="square" rtlCol="0">
+              <a:spAutoFit/>
+            </a:bodyPr>
+            <a:lstStyle/>
+            <a:p>
+              <a:r>
+                <a:rPr lang="en-US" sz="1000" dirty="0" smtClean="0">
+                  <a:latin typeface="MS UI Gothic" pitchFamily="50" charset="-128"/>
+                  <a:ea typeface="MS UI Gothic" pitchFamily="50" charset="-128"/>
+                  <a:cs typeface="メイリオ" pitchFamily="50" charset="-128"/>
+                </a:rPr>
+                <a:t>class texture(</a:t>
+              </a:r>
+              <a:r>
+                <a:rPr lang="en-US" sz="1000" dirty="0" err="1" smtClean="0">
+                  <a:latin typeface="MS UI Gothic" pitchFamily="50" charset="-128"/>
+                  <a:ea typeface="MS UI Gothic" pitchFamily="50" charset="-128"/>
+                  <a:cs typeface="メイリオ" pitchFamily="50" charset="-128"/>
+                </a:rPr>
+                <a:t>nodeBase</a:t>
+              </a:r>
+              <a:r>
+                <a:rPr lang="en-US" sz="1000" dirty="0" smtClean="0">
+                  <a:latin typeface="MS UI Gothic" pitchFamily="50" charset="-128"/>
+                  <a:ea typeface="MS UI Gothic" pitchFamily="50" charset="-128"/>
+                  <a:cs typeface="メイリオ" pitchFamily="50" charset="-128"/>
+                </a:rPr>
+                <a:t>):</a:t>
+              </a:r>
+            </a:p>
+            <a:p>
+              <a:r>
+                <a:rPr lang="en-US" sz="1000" dirty="0" smtClean="0">
+                  <a:latin typeface="MS UI Gothic" pitchFamily="50" charset="-128"/>
+                  <a:ea typeface="MS UI Gothic" pitchFamily="50" charset="-128"/>
+                  <a:cs typeface="メイリオ" pitchFamily="50" charset="-128"/>
+                </a:rPr>
+                <a:t>    def </a:t>
+              </a:r>
+              <a:r>
+                <a:rPr lang="en-US" sz="1000" dirty="0" err="1" smtClean="0">
+                  <a:latin typeface="MS UI Gothic" pitchFamily="50" charset="-128"/>
+                  <a:ea typeface="MS UI Gothic" pitchFamily="50" charset="-128"/>
+                  <a:cs typeface="メイリオ" pitchFamily="50" charset="-128"/>
+                </a:rPr>
+                <a:t>getPath</a:t>
+              </a:r>
+              <a:r>
+                <a:rPr lang="en-US" sz="1000" dirty="0" smtClean="0">
+                  <a:latin typeface="MS UI Gothic" pitchFamily="50" charset="-128"/>
+                  <a:ea typeface="MS UI Gothic" pitchFamily="50" charset="-128"/>
+                  <a:cs typeface="メイリオ" pitchFamily="50" charset="-128"/>
+                </a:rPr>
+                <a:t>(self):</a:t>
+              </a:r>
+            </a:p>
+            <a:p>
+              <a:r>
+                <a:rPr lang="en-US" sz="1000" dirty="0" smtClean="0">
+                  <a:latin typeface="MS UI Gothic" pitchFamily="50" charset="-128"/>
+                  <a:ea typeface="MS UI Gothic" pitchFamily="50" charset="-128"/>
+                  <a:cs typeface="メイリオ" pitchFamily="50" charset="-128"/>
+                </a:rPr>
+                <a:t>        path = </a:t>
+              </a:r>
+              <a:r>
+                <a:rPr lang="en-US" sz="1000" dirty="0" err="1" smtClean="0">
+                  <a:latin typeface="MS UI Gothic" pitchFamily="50" charset="-128"/>
+                  <a:ea typeface="MS UI Gothic" pitchFamily="50" charset="-128"/>
+                  <a:cs typeface="メイリオ" pitchFamily="50" charset="-128"/>
+                </a:rPr>
+                <a:t>cmds.getAttr</a:t>
+              </a:r>
+              <a:r>
+                <a:rPr lang="en-US" sz="1000" dirty="0" smtClean="0">
+                  <a:latin typeface="MS UI Gothic" pitchFamily="50" charset="-128"/>
+                  <a:ea typeface="MS UI Gothic" pitchFamily="50" charset="-128"/>
+                  <a:cs typeface="メイリオ" pitchFamily="50" charset="-128"/>
+                </a:rPr>
+                <a:t>(</a:t>
+              </a:r>
+              <a:r>
+                <a:rPr lang="en-US" sz="1000" dirty="0" err="1" smtClean="0">
+                  <a:latin typeface="MS UI Gothic" pitchFamily="50" charset="-128"/>
+                  <a:ea typeface="MS UI Gothic" pitchFamily="50" charset="-128"/>
+                  <a:cs typeface="メイリオ" pitchFamily="50" charset="-128"/>
+                </a:rPr>
+                <a:t>self.node</a:t>
+              </a:r>
+              <a:r>
+                <a:rPr lang="en-US" sz="1000" dirty="0" smtClean="0">
+                  <a:latin typeface="MS UI Gothic" pitchFamily="50" charset="-128"/>
+                  <a:ea typeface="MS UI Gothic" pitchFamily="50" charset="-128"/>
+                  <a:cs typeface="メイリオ" pitchFamily="50" charset="-128"/>
+                </a:rPr>
+                <a:t> + '.</a:t>
+              </a:r>
+              <a:r>
+                <a:rPr lang="en-US" sz="1000" dirty="0" err="1" smtClean="0">
+                  <a:latin typeface="MS UI Gothic" pitchFamily="50" charset="-128"/>
+                  <a:ea typeface="MS UI Gothic" pitchFamily="50" charset="-128"/>
+                  <a:cs typeface="メイリオ" pitchFamily="50" charset="-128"/>
+                </a:rPr>
+                <a:t>fileTextureName</a:t>
+              </a:r>
+              <a:r>
+                <a:rPr lang="en-US" sz="1000" dirty="0" smtClean="0">
+                  <a:latin typeface="MS UI Gothic" pitchFamily="50" charset="-128"/>
+                  <a:ea typeface="MS UI Gothic" pitchFamily="50" charset="-128"/>
+                  <a:cs typeface="メイリオ" pitchFamily="50" charset="-128"/>
+                </a:rPr>
+                <a:t>')</a:t>
+              </a:r>
+            </a:p>
+            <a:p>
+              <a:r>
+                <a:rPr lang="en-US" sz="1000" dirty="0" smtClean="0">
+                  <a:latin typeface="MS UI Gothic" pitchFamily="50" charset="-128"/>
+                  <a:ea typeface="MS UI Gothic" pitchFamily="50" charset="-128"/>
+                  <a:cs typeface="メイリオ" pitchFamily="50" charset="-128"/>
+                </a:rPr>
+                <a:t>        if path == None:</a:t>
+              </a:r>
+            </a:p>
+            <a:p>
+              <a:r>
+                <a:rPr lang="en-US" sz="1000" dirty="0" smtClean="0">
+                  <a:latin typeface="MS UI Gothic" pitchFamily="50" charset="-128"/>
+                  <a:ea typeface="MS UI Gothic" pitchFamily="50" charset="-128"/>
+                  <a:cs typeface="メイリオ" pitchFamily="50" charset="-128"/>
+                </a:rPr>
+                <a:t>            return ''</a:t>
+              </a:r>
+            </a:p>
+            <a:p>
+              <a:endParaRPr lang="en-US" sz="1000" dirty="0" smtClean="0">
+                <a:latin typeface="MS UI Gothic" pitchFamily="50" charset="-128"/>
+                <a:ea typeface="MS UI Gothic" pitchFamily="50" charset="-128"/>
+                <a:cs typeface="メイリオ" pitchFamily="50" charset="-128"/>
+              </a:endParaRPr>
+            </a:p>
+            <a:p>
+              <a:r>
+                <a:rPr lang="en-US" sz="1000" dirty="0" smtClean="0">
+                  <a:latin typeface="MS UI Gothic" pitchFamily="50" charset="-128"/>
+                  <a:ea typeface="MS UI Gothic" pitchFamily="50" charset="-128"/>
+                  <a:cs typeface="メイリオ" pitchFamily="50" charset="-128"/>
+                </a:rPr>
+                <a:t>        return </a:t>
+              </a:r>
+              <a:r>
+                <a:rPr lang="en-US" sz="1000" dirty="0" err="1" smtClean="0">
+                  <a:latin typeface="MS UI Gothic" pitchFamily="50" charset="-128"/>
+                  <a:ea typeface="MS UI Gothic" pitchFamily="50" charset="-128"/>
+                  <a:cs typeface="メイリオ" pitchFamily="50" charset="-128"/>
+                </a:rPr>
+                <a:t>path.replace</a:t>
+              </a:r>
+              <a:r>
+                <a:rPr lang="en-US" sz="1000" dirty="0" smtClean="0">
+                  <a:latin typeface="MS UI Gothic" pitchFamily="50" charset="-128"/>
+                  <a:ea typeface="MS UI Gothic" pitchFamily="50" charset="-128"/>
+                  <a:cs typeface="メイリオ" pitchFamily="50" charset="-128"/>
+                </a:rPr>
+                <a:t>('/', os.sep)</a:t>
+              </a:r>
+            </a:p>
+            <a:p>
+              <a:endParaRPr lang="en-US" sz="1000" dirty="0" smtClean="0">
+                <a:latin typeface="MS UI Gothic" pitchFamily="50" charset="-128"/>
+                <a:ea typeface="MS UI Gothic" pitchFamily="50" charset="-128"/>
+                <a:cs typeface="メイリオ" pitchFamily="50" charset="-128"/>
+              </a:endParaRPr>
+            </a:p>
+            <a:p>
+              <a:r>
+                <a:rPr lang="en-US" sz="1000" dirty="0" smtClean="0">
+                  <a:latin typeface="MS UI Gothic" pitchFamily="50" charset="-128"/>
+                  <a:ea typeface="MS UI Gothic" pitchFamily="50" charset="-128"/>
+                  <a:cs typeface="メイリオ" pitchFamily="50" charset="-128"/>
+                </a:rPr>
+                <a:t> def </a:t>
+              </a:r>
+              <a:r>
+                <a:rPr lang="en-US" sz="1000" dirty="0" err="1" smtClean="0">
+                  <a:latin typeface="MS UI Gothic" pitchFamily="50" charset="-128"/>
+                  <a:ea typeface="MS UI Gothic" pitchFamily="50" charset="-128"/>
+                  <a:cs typeface="メイリオ" pitchFamily="50" charset="-128"/>
+                </a:rPr>
+                <a:t>setPath</a:t>
+              </a:r>
+              <a:r>
+                <a:rPr lang="en-US" sz="1000" dirty="0" smtClean="0">
+                  <a:latin typeface="MS UI Gothic" pitchFamily="50" charset="-128"/>
+                  <a:ea typeface="MS UI Gothic" pitchFamily="50" charset="-128"/>
+                  <a:cs typeface="メイリオ" pitchFamily="50" charset="-128"/>
+                </a:rPr>
+                <a:t>(self, path):</a:t>
+              </a:r>
+            </a:p>
+            <a:p>
+              <a:r>
+                <a:rPr lang="en-US" sz="1000" dirty="0" smtClean="0">
+                  <a:latin typeface="MS UI Gothic" pitchFamily="50" charset="-128"/>
+                  <a:ea typeface="MS UI Gothic" pitchFamily="50" charset="-128"/>
+                  <a:cs typeface="メイリオ" pitchFamily="50" charset="-128"/>
+                </a:rPr>
+                <a:t>        </a:t>
+              </a:r>
+              <a:r>
+                <a:rPr lang="en-US" sz="1000" dirty="0" err="1" smtClean="0">
+                  <a:latin typeface="MS UI Gothic" pitchFamily="50" charset="-128"/>
+                  <a:ea typeface="MS UI Gothic" pitchFamily="50" charset="-128"/>
+                  <a:cs typeface="メイリオ" pitchFamily="50" charset="-128"/>
+                </a:rPr>
+                <a:t>cmds.setAttr</a:t>
+              </a:r>
+              <a:r>
+                <a:rPr lang="en-US" sz="1000" dirty="0" smtClean="0">
+                  <a:latin typeface="MS UI Gothic" pitchFamily="50" charset="-128"/>
+                  <a:ea typeface="MS UI Gothic" pitchFamily="50" charset="-128"/>
+                  <a:cs typeface="メイリオ" pitchFamily="50" charset="-128"/>
+                </a:rPr>
+                <a:t>(</a:t>
+              </a:r>
+              <a:r>
+                <a:rPr lang="en-US" sz="1000" dirty="0" err="1" smtClean="0">
+                  <a:latin typeface="MS UI Gothic" pitchFamily="50" charset="-128"/>
+                  <a:ea typeface="MS UI Gothic" pitchFamily="50" charset="-128"/>
+                  <a:cs typeface="メイリオ" pitchFamily="50" charset="-128"/>
+                </a:rPr>
+                <a:t>self.node</a:t>
+              </a:r>
+              <a:r>
+                <a:rPr lang="en-US" sz="1000" dirty="0" smtClean="0">
+                  <a:latin typeface="MS UI Gothic" pitchFamily="50" charset="-128"/>
+                  <a:ea typeface="MS UI Gothic" pitchFamily="50" charset="-128"/>
+                  <a:cs typeface="メイリオ" pitchFamily="50" charset="-128"/>
+                </a:rPr>
+                <a:t> + '.</a:t>
+              </a:r>
+              <a:r>
+                <a:rPr lang="en-US" sz="1000" dirty="0" err="1" smtClean="0">
+                  <a:latin typeface="MS UI Gothic" pitchFamily="50" charset="-128"/>
+                  <a:ea typeface="MS UI Gothic" pitchFamily="50" charset="-128"/>
+                  <a:cs typeface="メイリオ" pitchFamily="50" charset="-128"/>
+                </a:rPr>
+                <a:t>fileTextureName</a:t>
+              </a:r>
+              <a:r>
+                <a:rPr lang="en-US" sz="1000" dirty="0" smtClean="0">
+                  <a:latin typeface="MS UI Gothic" pitchFamily="50" charset="-128"/>
+                  <a:ea typeface="MS UI Gothic" pitchFamily="50" charset="-128"/>
+                  <a:cs typeface="メイリオ" pitchFamily="50" charset="-128"/>
+                </a:rPr>
+                <a:t>',</a:t>
+              </a:r>
+            </a:p>
+            <a:p>
+              <a:r>
+                <a:rPr lang="en-US" sz="1000" dirty="0" smtClean="0">
+                  <a:latin typeface="MS UI Gothic" pitchFamily="50" charset="-128"/>
+                  <a:ea typeface="MS UI Gothic" pitchFamily="50" charset="-128"/>
+                  <a:cs typeface="メイリオ" pitchFamily="50" charset="-128"/>
+                </a:rPr>
+                <a:t>                           </a:t>
+              </a:r>
+              <a:r>
+                <a:rPr lang="en-US" sz="1000" dirty="0" err="1" smtClean="0">
+                  <a:latin typeface="MS UI Gothic" pitchFamily="50" charset="-128"/>
+                  <a:ea typeface="MS UI Gothic" pitchFamily="50" charset="-128"/>
+                  <a:cs typeface="メイリオ" pitchFamily="50" charset="-128"/>
+                </a:rPr>
+                <a:t>path.replace</a:t>
+              </a:r>
+              <a:r>
+                <a:rPr lang="en-US" sz="1000" dirty="0" smtClean="0">
+                  <a:latin typeface="MS UI Gothic" pitchFamily="50" charset="-128"/>
+                  <a:ea typeface="MS UI Gothic" pitchFamily="50" charset="-128"/>
+                  <a:cs typeface="メイリオ" pitchFamily="50" charset="-128"/>
+                </a:rPr>
+                <a:t>(os.sep, '/'), type='string')</a:t>
+              </a:r>
+            </a:p>
+            <a:p>
+              <a:endParaRPr lang="en-US" sz="1000" dirty="0" smtClean="0">
+                <a:latin typeface="MS UI Gothic" pitchFamily="50" charset="-128"/>
+                <a:ea typeface="MS UI Gothic" pitchFamily="50" charset="-128"/>
+                <a:cs typeface="メイリオ" pitchFamily="50" charset="-128"/>
+              </a:endParaRPr>
+            </a:p>
+            <a:p>
+              <a:r>
+                <a:rPr lang="en-US" sz="1000" dirty="0" smtClean="0">
+                  <a:latin typeface="MS UI Gothic" pitchFamily="50" charset="-128"/>
+                  <a:ea typeface="MS UI Gothic" pitchFamily="50" charset="-128"/>
+                  <a:cs typeface="メイリオ" pitchFamily="50" charset="-128"/>
+                </a:rPr>
+                <a:t>        return </a:t>
+              </a:r>
+              <a:r>
+                <a:rPr lang="en-US" sz="1000" dirty="0" err="1" smtClean="0">
+                  <a:latin typeface="MS UI Gothic" pitchFamily="50" charset="-128"/>
+                  <a:ea typeface="MS UI Gothic" pitchFamily="50" charset="-128"/>
+                  <a:cs typeface="メイリオ" pitchFamily="50" charset="-128"/>
+                </a:rPr>
+                <a:t>self.getPath</a:t>
+              </a:r>
+              <a:r>
+                <a:rPr lang="en-US" sz="1000" dirty="0" smtClean="0">
+                  <a:latin typeface="MS UI Gothic" pitchFamily="50" charset="-128"/>
+                  <a:ea typeface="MS UI Gothic" pitchFamily="50" charset="-128"/>
+                  <a:cs typeface="メイリオ" pitchFamily="50" charset="-128"/>
+                </a:rPr>
+                <a:t>()</a:t>
+              </a:r>
+            </a:p>
+          </p:txBody>
+        </p:sp>
+        <p:sp>
+          <p:nvSpPr>
+            <p:cNvPr id="9" name="テキスト ボックス 8"/>
+            <p:cNvSpPr txBox="1"/>
+            <p:nvPr/>
+          </p:nvSpPr>
+          <p:spPr>
+            <a:xfrm>
+              <a:off x="5643570" y="1071552"/>
+              <a:ext cx="3357586" cy="3016210"/>
+            </a:xfrm>
+            <a:prstGeom prst="rect">
+              <a:avLst/>
+            </a:prstGeom>
+            <a:solidFill>
+              <a:schemeClr val="bg1">
+                <a:lumMod val="85000"/>
+              </a:schemeClr>
+            </a:solidFill>
+            <a:ln>
+              <a:solidFill>
+                <a:schemeClr val="tx1"/>
+              </a:solidFill>
+            </a:ln>
+          </p:spPr>
+          <p:txBody>
+            <a:bodyPr wrap="square" rtlCol="0">
+              <a:spAutoFit/>
+            </a:bodyPr>
+            <a:lstStyle/>
+            <a:p>
+              <a:r>
+                <a:rPr lang="en-US" sz="1000" dirty="0" smtClean="0">
+                  <a:latin typeface="MS UI Gothic" pitchFamily="50" charset="-128"/>
+                  <a:ea typeface="MS UI Gothic" pitchFamily="50" charset="-128"/>
+                  <a:cs typeface="メイリオ" pitchFamily="50" charset="-128"/>
+                </a:rPr>
+                <a:t>class </a:t>
+              </a:r>
+              <a:r>
+                <a:rPr lang="en-US" sz="1000" dirty="0" err="1" smtClean="0">
+                  <a:latin typeface="MS UI Gothic" pitchFamily="50" charset="-128"/>
+                  <a:ea typeface="MS UI Gothic" pitchFamily="50" charset="-128"/>
+                  <a:cs typeface="メイリオ" pitchFamily="50" charset="-128"/>
+                </a:rPr>
+                <a:t>nCache</a:t>
+              </a:r>
+              <a:r>
+                <a:rPr lang="en-US" sz="1000" dirty="0" smtClean="0">
+                  <a:latin typeface="MS UI Gothic" pitchFamily="50" charset="-128"/>
+                  <a:ea typeface="MS UI Gothic" pitchFamily="50" charset="-128"/>
+                  <a:cs typeface="メイリオ" pitchFamily="50" charset="-128"/>
+                </a:rPr>
+                <a:t>(</a:t>
+              </a:r>
+              <a:r>
+                <a:rPr lang="en-US" sz="1000" dirty="0" err="1" smtClean="0">
+                  <a:latin typeface="MS UI Gothic" pitchFamily="50" charset="-128"/>
+                  <a:ea typeface="MS UI Gothic" pitchFamily="50" charset="-128"/>
+                  <a:cs typeface="メイリオ" pitchFamily="50" charset="-128"/>
+                </a:rPr>
+                <a:t>nodeBase</a:t>
+              </a:r>
+              <a:r>
+                <a:rPr lang="en-US" sz="1000" dirty="0" smtClean="0">
+                  <a:latin typeface="MS UI Gothic" pitchFamily="50" charset="-128"/>
+                  <a:ea typeface="MS UI Gothic" pitchFamily="50" charset="-128"/>
+                  <a:cs typeface="メイリオ" pitchFamily="50" charset="-128"/>
+                </a:rPr>
+                <a:t>):</a:t>
+              </a:r>
+            </a:p>
+            <a:p>
+              <a:r>
+                <a:rPr lang="en-US" sz="1000" dirty="0" smtClean="0">
+                  <a:latin typeface="MS UI Gothic" pitchFamily="50" charset="-128"/>
+                  <a:ea typeface="MS UI Gothic" pitchFamily="50" charset="-128"/>
+                  <a:cs typeface="メイリオ" pitchFamily="50" charset="-128"/>
+                </a:rPr>
+                <a:t>    def </a:t>
+              </a:r>
+              <a:r>
+                <a:rPr lang="en-US" sz="1000" dirty="0" err="1" smtClean="0">
+                  <a:latin typeface="MS UI Gothic" pitchFamily="50" charset="-128"/>
+                  <a:ea typeface="MS UI Gothic" pitchFamily="50" charset="-128"/>
+                  <a:cs typeface="メイリオ" pitchFamily="50" charset="-128"/>
+                </a:rPr>
+                <a:t>getPath</a:t>
+              </a:r>
+              <a:r>
+                <a:rPr lang="en-US" sz="1000" dirty="0" smtClean="0">
+                  <a:latin typeface="MS UI Gothic" pitchFamily="50" charset="-128"/>
+                  <a:ea typeface="MS UI Gothic" pitchFamily="50" charset="-128"/>
+                  <a:cs typeface="メイリオ" pitchFamily="50" charset="-128"/>
+                </a:rPr>
+                <a:t>(self</a:t>
+              </a:r>
+              <a:r>
+                <a:rPr lang="en-US" sz="1000" dirty="0" smtClean="0">
+                  <a:latin typeface="MS UI Gothic" pitchFamily="50" charset="-128"/>
+                  <a:ea typeface="MS UI Gothic" pitchFamily="50" charset="-128"/>
+                  <a:cs typeface="メイリオ" pitchFamily="50" charset="-128"/>
+                </a:rPr>
+                <a:t>):</a:t>
+              </a:r>
+            </a:p>
+            <a:p>
+              <a:r>
+                <a:rPr lang="en-US" sz="1000" dirty="0" smtClean="0">
+                  <a:latin typeface="MS UI Gothic" pitchFamily="50" charset="-128"/>
+                  <a:ea typeface="MS UI Gothic" pitchFamily="50" charset="-128"/>
+                  <a:cs typeface="メイリオ" pitchFamily="50" charset="-128"/>
+                </a:rPr>
+                <a:t>        </a:t>
+              </a:r>
+              <a:r>
+                <a:rPr lang="en-US" sz="1000" dirty="0" err="1" smtClean="0">
+                  <a:latin typeface="MS UI Gothic" pitchFamily="50" charset="-128"/>
+                  <a:ea typeface="MS UI Gothic" pitchFamily="50" charset="-128"/>
+                  <a:cs typeface="メイリオ" pitchFamily="50" charset="-128"/>
+                </a:rPr>
+                <a:t>cacheName</a:t>
+              </a:r>
+              <a:r>
+                <a:rPr lang="en-US" sz="1000" dirty="0" smtClean="0">
+                  <a:latin typeface="MS UI Gothic" pitchFamily="50" charset="-128"/>
+                  <a:ea typeface="MS UI Gothic" pitchFamily="50" charset="-128"/>
+                  <a:cs typeface="メイリオ" pitchFamily="50" charset="-128"/>
+                </a:rPr>
+                <a:t> = </a:t>
+              </a:r>
+              <a:r>
+                <a:rPr lang="en-US" sz="1000" dirty="0" err="1" smtClean="0">
+                  <a:latin typeface="MS UI Gothic" pitchFamily="50" charset="-128"/>
+                  <a:ea typeface="MS UI Gothic" pitchFamily="50" charset="-128"/>
+                  <a:cs typeface="メイリオ" pitchFamily="50" charset="-128"/>
+                </a:rPr>
+                <a:t>cmds.getAttr</a:t>
+              </a:r>
+              <a:r>
+                <a:rPr lang="en-US" sz="1000" dirty="0" smtClean="0">
+                  <a:latin typeface="MS UI Gothic" pitchFamily="50" charset="-128"/>
+                  <a:ea typeface="MS UI Gothic" pitchFamily="50" charset="-128"/>
+                  <a:cs typeface="メイリオ" pitchFamily="50" charset="-128"/>
+                </a:rPr>
+                <a:t>(</a:t>
+              </a:r>
+              <a:r>
+                <a:rPr lang="en-US" sz="1000" dirty="0" err="1" smtClean="0">
+                  <a:latin typeface="MS UI Gothic" pitchFamily="50" charset="-128"/>
+                  <a:ea typeface="MS UI Gothic" pitchFamily="50" charset="-128"/>
+                  <a:cs typeface="メイリオ" pitchFamily="50" charset="-128"/>
+                </a:rPr>
+                <a:t>self.node</a:t>
+              </a:r>
+              <a:r>
+                <a:rPr lang="en-US" sz="1000" dirty="0" smtClean="0">
+                  <a:latin typeface="MS UI Gothic" pitchFamily="50" charset="-128"/>
+                  <a:ea typeface="MS UI Gothic" pitchFamily="50" charset="-128"/>
+                  <a:cs typeface="メイリオ" pitchFamily="50" charset="-128"/>
+                </a:rPr>
+                <a:t> + </a:t>
+              </a:r>
+              <a:r>
+                <a:rPr lang="en-US" sz="1000" dirty="0" err="1" smtClean="0">
+                  <a:latin typeface="MS UI Gothic" pitchFamily="50" charset="-128"/>
+                  <a:ea typeface="MS UI Gothic" pitchFamily="50" charset="-128"/>
+                  <a:cs typeface="メイリオ" pitchFamily="50" charset="-128"/>
+                </a:rPr>
+                <a:t>r'.cacheName</a:t>
+              </a:r>
+              <a:r>
+                <a:rPr lang="en-US" sz="1000" dirty="0" smtClean="0">
+                  <a:latin typeface="MS UI Gothic" pitchFamily="50" charset="-128"/>
+                  <a:ea typeface="MS UI Gothic" pitchFamily="50" charset="-128"/>
+                  <a:cs typeface="メイリオ" pitchFamily="50" charset="-128"/>
+                </a:rPr>
+                <a:t>')</a:t>
+              </a:r>
+            </a:p>
+            <a:p>
+              <a:r>
+                <a:rPr lang="en-US" sz="1000" dirty="0" smtClean="0">
+                  <a:latin typeface="MS UI Gothic" pitchFamily="50" charset="-128"/>
+                  <a:ea typeface="MS UI Gothic" pitchFamily="50" charset="-128"/>
+                  <a:cs typeface="メイリオ" pitchFamily="50" charset="-128"/>
+                </a:rPr>
+                <a:t>        path = </a:t>
+              </a:r>
+              <a:r>
+                <a:rPr lang="en-US" sz="1000" dirty="0" err="1" smtClean="0">
+                  <a:latin typeface="MS UI Gothic" pitchFamily="50" charset="-128"/>
+                  <a:ea typeface="MS UI Gothic" pitchFamily="50" charset="-128"/>
+                  <a:cs typeface="メイリオ" pitchFamily="50" charset="-128"/>
+                </a:rPr>
+                <a:t>cmds.getAttr</a:t>
+              </a:r>
+              <a:r>
+                <a:rPr lang="en-US" sz="1000" dirty="0" smtClean="0">
+                  <a:latin typeface="MS UI Gothic" pitchFamily="50" charset="-128"/>
+                  <a:ea typeface="MS UI Gothic" pitchFamily="50" charset="-128"/>
+                  <a:cs typeface="メイリオ" pitchFamily="50" charset="-128"/>
+                </a:rPr>
+                <a:t>(</a:t>
+              </a:r>
+              <a:r>
+                <a:rPr lang="en-US" sz="1000" dirty="0" err="1" smtClean="0">
+                  <a:latin typeface="MS UI Gothic" pitchFamily="50" charset="-128"/>
+                  <a:ea typeface="MS UI Gothic" pitchFamily="50" charset="-128"/>
+                  <a:cs typeface="メイリオ" pitchFamily="50" charset="-128"/>
+                </a:rPr>
+                <a:t>self.node</a:t>
+              </a:r>
+              <a:r>
+                <a:rPr lang="en-US" sz="1000" dirty="0" smtClean="0">
+                  <a:latin typeface="MS UI Gothic" pitchFamily="50" charset="-128"/>
+                  <a:ea typeface="MS UI Gothic" pitchFamily="50" charset="-128"/>
+                  <a:cs typeface="メイリオ" pitchFamily="50" charset="-128"/>
+                </a:rPr>
+                <a:t> + </a:t>
+              </a:r>
+              <a:r>
+                <a:rPr lang="en-US" sz="1000" dirty="0" err="1" smtClean="0">
+                  <a:latin typeface="MS UI Gothic" pitchFamily="50" charset="-128"/>
+                  <a:ea typeface="MS UI Gothic" pitchFamily="50" charset="-128"/>
+                  <a:cs typeface="メイリオ" pitchFamily="50" charset="-128"/>
+                </a:rPr>
+                <a:t>r'.cachePath</a:t>
+              </a:r>
+              <a:r>
+                <a:rPr lang="en-US" sz="1000" dirty="0" smtClean="0">
+                  <a:latin typeface="MS UI Gothic" pitchFamily="50" charset="-128"/>
+                  <a:ea typeface="MS UI Gothic" pitchFamily="50" charset="-128"/>
+                  <a:cs typeface="メイリオ" pitchFamily="50" charset="-128"/>
+                </a:rPr>
+                <a:t>')</a:t>
+              </a:r>
+            </a:p>
+            <a:p>
+              <a:r>
+                <a:rPr lang="en-US" sz="1000" dirty="0" smtClean="0">
+                  <a:latin typeface="MS UI Gothic" pitchFamily="50" charset="-128"/>
+                  <a:ea typeface="MS UI Gothic" pitchFamily="50" charset="-128"/>
+                  <a:cs typeface="メイリオ" pitchFamily="50" charset="-128"/>
+                </a:rPr>
+                <a:t>        if path == None:</a:t>
+              </a:r>
+            </a:p>
+            <a:p>
+              <a:r>
+                <a:rPr lang="en-US" sz="1000" dirty="0" smtClean="0">
+                  <a:latin typeface="MS UI Gothic" pitchFamily="50" charset="-128"/>
+                  <a:ea typeface="MS UI Gothic" pitchFamily="50" charset="-128"/>
+                  <a:cs typeface="メイリオ" pitchFamily="50" charset="-128"/>
+                </a:rPr>
+                <a:t>            path = </a:t>
+              </a:r>
+              <a:r>
+                <a:rPr lang="en-US" sz="1000" dirty="0" err="1" smtClean="0">
+                  <a:latin typeface="MS UI Gothic" pitchFamily="50" charset="-128"/>
+                  <a:ea typeface="MS UI Gothic" pitchFamily="50" charset="-128"/>
+                  <a:cs typeface="メイリオ" pitchFamily="50" charset="-128"/>
+                </a:rPr>
+                <a:t>os.path.join</a:t>
+              </a:r>
+              <a:r>
+                <a:rPr lang="en-US" sz="1000" dirty="0" smtClean="0">
+                  <a:latin typeface="MS UI Gothic" pitchFamily="50" charset="-128"/>
+                  <a:ea typeface="MS UI Gothic" pitchFamily="50" charset="-128"/>
+                  <a:cs typeface="メイリオ" pitchFamily="50" charset="-128"/>
+                </a:rPr>
+                <a:t>(</a:t>
+              </a:r>
+              <a:r>
+                <a:rPr lang="en-US" sz="1000" dirty="0" err="1" smtClean="0">
+                  <a:latin typeface="MS UI Gothic" pitchFamily="50" charset="-128"/>
+                  <a:ea typeface="MS UI Gothic" pitchFamily="50" charset="-128"/>
+                  <a:cs typeface="メイリオ" pitchFamily="50" charset="-128"/>
+                </a:rPr>
+                <a:t>getCurrentWorkspace</a:t>
+              </a:r>
+              <a:r>
+                <a:rPr lang="en-US" sz="1000" dirty="0" smtClean="0">
+                  <a:latin typeface="MS UI Gothic" pitchFamily="50" charset="-128"/>
+                  <a:ea typeface="MS UI Gothic" pitchFamily="50" charset="-128"/>
+                  <a:cs typeface="メイリオ" pitchFamily="50" charset="-128"/>
+                </a:rPr>
+                <a:t>(), 'data', </a:t>
+              </a:r>
+              <a:r>
+                <a:rPr lang="en-US" sz="1000" dirty="0" err="1" smtClean="0">
+                  <a:latin typeface="MS UI Gothic" pitchFamily="50" charset="-128"/>
+                  <a:ea typeface="MS UI Gothic" pitchFamily="50" charset="-128"/>
+                  <a:cs typeface="メイリオ" pitchFamily="50" charset="-128"/>
+                </a:rPr>
+                <a:t>cacheName</a:t>
+              </a:r>
+              <a:r>
+                <a:rPr lang="en-US" sz="1000" dirty="0" smtClean="0">
+                  <a:latin typeface="MS UI Gothic" pitchFamily="50" charset="-128"/>
+                  <a:ea typeface="MS UI Gothic" pitchFamily="50" charset="-128"/>
+                  <a:cs typeface="メイリオ" pitchFamily="50" charset="-128"/>
+                </a:rPr>
+                <a:t>)</a:t>
+              </a:r>
+            </a:p>
+            <a:p>
+              <a:endParaRPr lang="en-US" sz="1000" dirty="0" smtClean="0">
+                <a:latin typeface="MS UI Gothic" pitchFamily="50" charset="-128"/>
+                <a:ea typeface="MS UI Gothic" pitchFamily="50" charset="-128"/>
+                <a:cs typeface="メイリオ" pitchFamily="50" charset="-128"/>
+              </a:endParaRPr>
+            </a:p>
+            <a:p>
+              <a:r>
+                <a:rPr lang="en-US" sz="1000" dirty="0" smtClean="0">
+                  <a:latin typeface="MS UI Gothic" pitchFamily="50" charset="-128"/>
+                  <a:ea typeface="MS UI Gothic" pitchFamily="50" charset="-128"/>
+                  <a:cs typeface="メイリオ" pitchFamily="50" charset="-128"/>
+                </a:rPr>
+                <a:t>        return </a:t>
+              </a:r>
+              <a:r>
+                <a:rPr lang="en-US" sz="1000" dirty="0" err="1" smtClean="0">
+                  <a:latin typeface="MS UI Gothic" pitchFamily="50" charset="-128"/>
+                  <a:ea typeface="MS UI Gothic" pitchFamily="50" charset="-128"/>
+                  <a:cs typeface="メイリオ" pitchFamily="50" charset="-128"/>
+                </a:rPr>
+                <a:t>os.path.join</a:t>
+              </a:r>
+              <a:r>
+                <a:rPr lang="en-US" sz="1000" dirty="0" smtClean="0">
+                  <a:latin typeface="MS UI Gothic" pitchFamily="50" charset="-128"/>
+                  <a:ea typeface="MS UI Gothic" pitchFamily="50" charset="-128"/>
+                  <a:cs typeface="メイリオ" pitchFamily="50" charset="-128"/>
+                </a:rPr>
+                <a:t>(path, </a:t>
+              </a:r>
+              <a:r>
+                <a:rPr lang="en-US" sz="1000" dirty="0" err="1" smtClean="0">
+                  <a:latin typeface="MS UI Gothic" pitchFamily="50" charset="-128"/>
+                  <a:ea typeface="MS UI Gothic" pitchFamily="50" charset="-128"/>
+                  <a:cs typeface="メイリオ" pitchFamily="50" charset="-128"/>
+                </a:rPr>
+                <a:t>cacheName+'.xml</a:t>
+              </a:r>
+              <a:r>
+                <a:rPr lang="en-US" sz="1000" dirty="0" smtClean="0">
+                  <a:latin typeface="MS UI Gothic" pitchFamily="50" charset="-128"/>
+                  <a:ea typeface="MS UI Gothic" pitchFamily="50" charset="-128"/>
+                  <a:cs typeface="メイリオ" pitchFamily="50" charset="-128"/>
+                </a:rPr>
+                <a:t>')</a:t>
+              </a:r>
+            </a:p>
+            <a:p>
+              <a:endParaRPr lang="en-US" sz="1000" dirty="0" smtClean="0">
+                <a:latin typeface="MS UI Gothic" pitchFamily="50" charset="-128"/>
+                <a:ea typeface="MS UI Gothic" pitchFamily="50" charset="-128"/>
+                <a:cs typeface="メイリオ" pitchFamily="50" charset="-128"/>
+              </a:endParaRPr>
+            </a:p>
+            <a:p>
+              <a:r>
+                <a:rPr lang="en-US" sz="1000" dirty="0" smtClean="0">
+                  <a:latin typeface="MS UI Gothic" pitchFamily="50" charset="-128"/>
+                  <a:ea typeface="MS UI Gothic" pitchFamily="50" charset="-128"/>
+                  <a:cs typeface="メイリオ" pitchFamily="50" charset="-128"/>
+                </a:rPr>
+                <a:t>    def </a:t>
+              </a:r>
+              <a:r>
+                <a:rPr lang="en-US" sz="1000" dirty="0" err="1" smtClean="0">
+                  <a:latin typeface="MS UI Gothic" pitchFamily="50" charset="-128"/>
+                  <a:ea typeface="MS UI Gothic" pitchFamily="50" charset="-128"/>
+                  <a:cs typeface="メイリオ" pitchFamily="50" charset="-128"/>
+                </a:rPr>
+                <a:t>setPath</a:t>
+              </a:r>
+              <a:r>
+                <a:rPr lang="en-US" sz="1000" dirty="0" smtClean="0">
+                  <a:latin typeface="MS UI Gothic" pitchFamily="50" charset="-128"/>
+                  <a:ea typeface="MS UI Gothic" pitchFamily="50" charset="-128"/>
+                  <a:cs typeface="メイリオ" pitchFamily="50" charset="-128"/>
+                </a:rPr>
+                <a:t>(self</a:t>
+              </a:r>
+              <a:r>
+                <a:rPr lang="en-US" sz="1000" dirty="0" smtClean="0">
+                  <a:latin typeface="MS UI Gothic" pitchFamily="50" charset="-128"/>
+                  <a:ea typeface="MS UI Gothic" pitchFamily="50" charset="-128"/>
+                  <a:cs typeface="メイリオ" pitchFamily="50" charset="-128"/>
+                </a:rPr>
+                <a:t>, path):</a:t>
+              </a:r>
+            </a:p>
+            <a:p>
+              <a:r>
+                <a:rPr lang="en-US" sz="1000" dirty="0" smtClean="0">
+                  <a:latin typeface="MS UI Gothic" pitchFamily="50" charset="-128"/>
+                  <a:ea typeface="MS UI Gothic" pitchFamily="50" charset="-128"/>
+                  <a:cs typeface="メイリオ" pitchFamily="50" charset="-128"/>
+                </a:rPr>
+                <a:t>        </a:t>
+              </a:r>
+              <a:r>
+                <a:rPr lang="en-US" sz="1000" dirty="0" err="1" smtClean="0">
+                  <a:latin typeface="MS UI Gothic" pitchFamily="50" charset="-128"/>
+                  <a:ea typeface="MS UI Gothic" pitchFamily="50" charset="-128"/>
+                  <a:cs typeface="メイリオ" pitchFamily="50" charset="-128"/>
+                </a:rPr>
+                <a:t>d,f</a:t>
+              </a:r>
+              <a:r>
+                <a:rPr lang="en-US" sz="1000" dirty="0" smtClean="0">
+                  <a:latin typeface="MS UI Gothic" pitchFamily="50" charset="-128"/>
+                  <a:ea typeface="MS UI Gothic" pitchFamily="50" charset="-128"/>
+                  <a:cs typeface="メイリオ" pitchFamily="50" charset="-128"/>
+                </a:rPr>
+                <a:t> = </a:t>
+              </a:r>
+              <a:r>
+                <a:rPr lang="en-US" sz="1000" dirty="0" err="1" smtClean="0">
+                  <a:latin typeface="MS UI Gothic" pitchFamily="50" charset="-128"/>
+                  <a:ea typeface="MS UI Gothic" pitchFamily="50" charset="-128"/>
+                  <a:cs typeface="メイリオ" pitchFamily="50" charset="-128"/>
+                </a:rPr>
+                <a:t>os.path.split</a:t>
+              </a:r>
+              <a:r>
+                <a:rPr lang="en-US" sz="1000" dirty="0" smtClean="0">
+                  <a:latin typeface="MS UI Gothic" pitchFamily="50" charset="-128"/>
+                  <a:ea typeface="MS UI Gothic" pitchFamily="50" charset="-128"/>
+                  <a:cs typeface="メイリオ" pitchFamily="50" charset="-128"/>
+                </a:rPr>
+                <a:t>(path)</a:t>
+              </a:r>
+            </a:p>
+            <a:p>
+              <a:r>
+                <a:rPr lang="en-US" sz="1000" dirty="0" smtClean="0">
+                  <a:latin typeface="MS UI Gothic" pitchFamily="50" charset="-128"/>
+                  <a:ea typeface="MS UI Gothic" pitchFamily="50" charset="-128"/>
+                  <a:cs typeface="メイリオ" pitchFamily="50" charset="-128"/>
+                </a:rPr>
+                <a:t>        </a:t>
+              </a:r>
+              <a:r>
+                <a:rPr lang="en-US" sz="1000" dirty="0" err="1" smtClean="0">
+                  <a:latin typeface="MS UI Gothic" pitchFamily="50" charset="-128"/>
+                  <a:ea typeface="MS UI Gothic" pitchFamily="50" charset="-128"/>
+                  <a:cs typeface="メイリオ" pitchFamily="50" charset="-128"/>
+                </a:rPr>
+                <a:t>cacheName</a:t>
+              </a:r>
+              <a:r>
+                <a:rPr lang="en-US" sz="1000" dirty="0" smtClean="0">
+                  <a:latin typeface="MS UI Gothic" pitchFamily="50" charset="-128"/>
+                  <a:ea typeface="MS UI Gothic" pitchFamily="50" charset="-128"/>
+                  <a:cs typeface="メイリオ" pitchFamily="50" charset="-128"/>
+                </a:rPr>
+                <a:t>, ext = </a:t>
+              </a:r>
+              <a:r>
+                <a:rPr lang="en-US" sz="1000" dirty="0" err="1" smtClean="0">
+                  <a:latin typeface="MS UI Gothic" pitchFamily="50" charset="-128"/>
+                  <a:ea typeface="MS UI Gothic" pitchFamily="50" charset="-128"/>
+                  <a:cs typeface="メイリオ" pitchFamily="50" charset="-128"/>
+                </a:rPr>
+                <a:t>os.path.splitext</a:t>
+              </a:r>
+              <a:r>
+                <a:rPr lang="en-US" sz="1000" dirty="0" smtClean="0">
+                  <a:latin typeface="MS UI Gothic" pitchFamily="50" charset="-128"/>
+                  <a:ea typeface="MS UI Gothic" pitchFamily="50" charset="-128"/>
+                  <a:cs typeface="メイリオ" pitchFamily="50" charset="-128"/>
+                </a:rPr>
+                <a:t>(f)</a:t>
+              </a:r>
+            </a:p>
+            <a:p>
+              <a:endParaRPr lang="en-US" sz="1000" dirty="0" smtClean="0">
+                <a:latin typeface="MS UI Gothic" pitchFamily="50" charset="-128"/>
+                <a:ea typeface="MS UI Gothic" pitchFamily="50" charset="-128"/>
+                <a:cs typeface="メイリオ" pitchFamily="50" charset="-128"/>
+              </a:endParaRPr>
+            </a:p>
+            <a:p>
+              <a:r>
+                <a:rPr lang="en-US" sz="1000" dirty="0" smtClean="0">
+                  <a:latin typeface="MS UI Gothic" pitchFamily="50" charset="-128"/>
+                  <a:ea typeface="MS UI Gothic" pitchFamily="50" charset="-128"/>
+                  <a:cs typeface="メイリオ" pitchFamily="50" charset="-128"/>
+                </a:rPr>
+                <a:t>        </a:t>
+              </a:r>
+              <a:r>
+                <a:rPr lang="en-US" sz="1000" dirty="0" err="1" smtClean="0">
+                  <a:latin typeface="MS UI Gothic" pitchFamily="50" charset="-128"/>
+                  <a:ea typeface="MS UI Gothic" pitchFamily="50" charset="-128"/>
+                  <a:cs typeface="メイリオ" pitchFamily="50" charset="-128"/>
+                </a:rPr>
+                <a:t>cmds.setAttr</a:t>
+              </a:r>
+              <a:r>
+                <a:rPr lang="en-US" sz="1000" dirty="0" smtClean="0">
+                  <a:latin typeface="MS UI Gothic" pitchFamily="50" charset="-128"/>
+                  <a:ea typeface="MS UI Gothic" pitchFamily="50" charset="-128"/>
+                  <a:cs typeface="メイリオ" pitchFamily="50" charset="-128"/>
+                </a:rPr>
+                <a:t>(</a:t>
+              </a:r>
+              <a:r>
+                <a:rPr lang="en-US" sz="1000" dirty="0" err="1" smtClean="0">
+                  <a:latin typeface="MS UI Gothic" pitchFamily="50" charset="-128"/>
+                  <a:ea typeface="MS UI Gothic" pitchFamily="50" charset="-128"/>
+                  <a:cs typeface="メイリオ" pitchFamily="50" charset="-128"/>
+                </a:rPr>
+                <a:t>self.node</a:t>
+              </a:r>
+              <a:r>
+                <a:rPr lang="en-US" sz="1000" dirty="0" smtClean="0">
+                  <a:latin typeface="MS UI Gothic" pitchFamily="50" charset="-128"/>
+                  <a:ea typeface="MS UI Gothic" pitchFamily="50" charset="-128"/>
+                  <a:cs typeface="メイリオ" pitchFamily="50" charset="-128"/>
+                </a:rPr>
+                <a:t> + '.</a:t>
+              </a:r>
+              <a:r>
+                <a:rPr lang="en-US" sz="1000" dirty="0" err="1" smtClean="0">
+                  <a:latin typeface="MS UI Gothic" pitchFamily="50" charset="-128"/>
+                  <a:ea typeface="MS UI Gothic" pitchFamily="50" charset="-128"/>
+                  <a:cs typeface="メイリオ" pitchFamily="50" charset="-128"/>
+                </a:rPr>
+                <a:t>cachePath</a:t>
+              </a:r>
+              <a:r>
+                <a:rPr lang="en-US" sz="1000" dirty="0" smtClean="0">
+                  <a:latin typeface="MS UI Gothic" pitchFamily="50" charset="-128"/>
+                  <a:ea typeface="MS UI Gothic" pitchFamily="50" charset="-128"/>
+                  <a:cs typeface="メイリオ" pitchFamily="50" charset="-128"/>
+                </a:rPr>
+                <a:t>', </a:t>
+              </a:r>
+              <a:r>
+                <a:rPr lang="en-US" sz="1000" dirty="0" err="1" smtClean="0">
+                  <a:latin typeface="MS UI Gothic" pitchFamily="50" charset="-128"/>
+                  <a:ea typeface="MS UI Gothic" pitchFamily="50" charset="-128"/>
+                  <a:cs typeface="メイリオ" pitchFamily="50" charset="-128"/>
+                </a:rPr>
+                <a:t>d.replace</a:t>
+              </a:r>
+              <a:r>
+                <a:rPr lang="en-US" sz="1000" dirty="0" smtClean="0">
+                  <a:latin typeface="MS UI Gothic" pitchFamily="50" charset="-128"/>
+                  <a:ea typeface="MS UI Gothic" pitchFamily="50" charset="-128"/>
+                  <a:cs typeface="メイリオ" pitchFamily="50" charset="-128"/>
+                </a:rPr>
+                <a:t>(os.sep, '/'), type='string')</a:t>
+              </a:r>
+            </a:p>
+            <a:p>
+              <a:r>
+                <a:rPr lang="en-US" sz="1000" dirty="0" smtClean="0">
+                  <a:latin typeface="MS UI Gothic" pitchFamily="50" charset="-128"/>
+                  <a:ea typeface="MS UI Gothic" pitchFamily="50" charset="-128"/>
+                  <a:cs typeface="メイリオ" pitchFamily="50" charset="-128"/>
+                </a:rPr>
+                <a:t>        </a:t>
+              </a:r>
+              <a:r>
+                <a:rPr lang="en-US" sz="1000" dirty="0" err="1" smtClean="0">
+                  <a:latin typeface="MS UI Gothic" pitchFamily="50" charset="-128"/>
+                  <a:ea typeface="MS UI Gothic" pitchFamily="50" charset="-128"/>
+                  <a:cs typeface="メイリオ" pitchFamily="50" charset="-128"/>
+                </a:rPr>
+                <a:t>cmds.setAttr</a:t>
+              </a:r>
+              <a:r>
+                <a:rPr lang="en-US" sz="1000" dirty="0" smtClean="0">
+                  <a:latin typeface="MS UI Gothic" pitchFamily="50" charset="-128"/>
+                  <a:ea typeface="MS UI Gothic" pitchFamily="50" charset="-128"/>
+                  <a:cs typeface="メイリオ" pitchFamily="50" charset="-128"/>
+                </a:rPr>
+                <a:t>(</a:t>
+              </a:r>
+              <a:r>
+                <a:rPr lang="en-US" sz="1000" dirty="0" err="1" smtClean="0">
+                  <a:latin typeface="MS UI Gothic" pitchFamily="50" charset="-128"/>
+                  <a:ea typeface="MS UI Gothic" pitchFamily="50" charset="-128"/>
+                  <a:cs typeface="メイリオ" pitchFamily="50" charset="-128"/>
+                </a:rPr>
+                <a:t>self.node</a:t>
+              </a:r>
+              <a:r>
+                <a:rPr lang="en-US" sz="1000" dirty="0" smtClean="0">
+                  <a:latin typeface="MS UI Gothic" pitchFamily="50" charset="-128"/>
+                  <a:ea typeface="MS UI Gothic" pitchFamily="50" charset="-128"/>
+                  <a:cs typeface="メイリオ" pitchFamily="50" charset="-128"/>
+                </a:rPr>
+                <a:t> + '.</a:t>
+              </a:r>
+              <a:r>
+                <a:rPr lang="en-US" sz="1000" dirty="0" err="1" smtClean="0">
+                  <a:latin typeface="MS UI Gothic" pitchFamily="50" charset="-128"/>
+                  <a:ea typeface="MS UI Gothic" pitchFamily="50" charset="-128"/>
+                  <a:cs typeface="メイリオ" pitchFamily="50" charset="-128"/>
+                </a:rPr>
+                <a:t>cacheName</a:t>
+              </a:r>
+              <a:r>
+                <a:rPr lang="en-US" sz="1000" dirty="0" smtClean="0">
+                  <a:latin typeface="MS UI Gothic" pitchFamily="50" charset="-128"/>
+                  <a:ea typeface="MS UI Gothic" pitchFamily="50" charset="-128"/>
+                  <a:cs typeface="メイリオ" pitchFamily="50" charset="-128"/>
+                </a:rPr>
+                <a:t>', </a:t>
+              </a:r>
+              <a:r>
+                <a:rPr lang="en-US" sz="1000" dirty="0" err="1" smtClean="0">
+                  <a:latin typeface="MS UI Gothic" pitchFamily="50" charset="-128"/>
+                  <a:ea typeface="MS UI Gothic" pitchFamily="50" charset="-128"/>
+                  <a:cs typeface="メイリオ" pitchFamily="50" charset="-128"/>
+                </a:rPr>
+                <a:t>cacheName</a:t>
+              </a:r>
+              <a:r>
+                <a:rPr lang="en-US" sz="1000" dirty="0" smtClean="0">
+                  <a:latin typeface="MS UI Gothic" pitchFamily="50" charset="-128"/>
+                  <a:ea typeface="MS UI Gothic" pitchFamily="50" charset="-128"/>
+                  <a:cs typeface="メイリオ" pitchFamily="50" charset="-128"/>
+                </a:rPr>
+                <a:t>, type='string')</a:t>
+              </a:r>
+              <a:endParaRPr lang="en-US" sz="1000" dirty="0" smtClean="0">
+                <a:latin typeface="MS UI Gothic" pitchFamily="50" charset="-128"/>
+                <a:ea typeface="MS UI Gothic" pitchFamily="50" charset="-128"/>
+                <a:cs typeface="メイリオ" pitchFamily="50" charset="-128"/>
+              </a:endParaRPr>
+            </a:p>
+            <a:p>
+              <a:endParaRPr lang="en-US" sz="1000" dirty="0" smtClean="0">
+                <a:latin typeface="MS UI Gothic" pitchFamily="50" charset="-128"/>
+                <a:ea typeface="MS UI Gothic" pitchFamily="50" charset="-128"/>
+                <a:cs typeface="メイリオ" pitchFamily="50" charset="-128"/>
+              </a:endParaRPr>
+            </a:p>
+          </p:txBody>
+        </p:sp>
+      </p:grpSp>
+      <p:sp>
+        <p:nvSpPr>
+          <p:cNvPr id="10" name="コンテンツ プレースホルダー 2"/>
+          <p:cNvSpPr>
+            <a:spLocks noGrp="1"/>
+          </p:cNvSpPr>
+          <p:nvPr>
+            <p:ph idx="1"/>
+          </p:nvPr>
         </p:nvSpPr>
         <p:spPr>
           <a:xfrm>
-            <a:off x="214282" y="1071552"/>
-            <a:ext cx="2143140" cy="2092881"/>
-          </a:xfrm>
-          <a:prstGeom prst="rect">
-            <a:avLst/>
-          </a:prstGeom>
-          <a:solidFill>
-            <a:schemeClr val="bg1">
-              <a:lumMod val="85000"/>
-            </a:schemeClr>
-          </a:solidFill>
-          <a:ln>
-            <a:solidFill>
-              <a:schemeClr val="tx1"/>
-            </a:solidFill>
-          </a:ln>
-        </p:spPr>
-        <p:txBody>
-          <a:bodyPr wrap="square" rtlCol="0">
-            <a:spAutoFit/>
-          </a:bodyPr>
-          <a:lstStyle/>
-          <a:p>
-            <a:r>
-              <a:rPr lang="en-US" sz="1000" dirty="0" smtClean="0">
-                <a:latin typeface="MS UI Gothic" pitchFamily="50" charset="-128"/>
-                <a:ea typeface="MS UI Gothic" pitchFamily="50" charset="-128"/>
-                <a:cs typeface="メイリオ" pitchFamily="50" charset="-128"/>
-              </a:rPr>
-              <a:t>class </a:t>
-            </a:r>
-            <a:r>
-              <a:rPr lang="en-US" sz="1000" dirty="0" err="1" smtClean="0">
-                <a:latin typeface="MS UI Gothic" pitchFamily="50" charset="-128"/>
-                <a:ea typeface="MS UI Gothic" pitchFamily="50" charset="-128"/>
-                <a:cs typeface="メイリオ" pitchFamily="50" charset="-128"/>
-              </a:rPr>
-              <a:t>nodeBase</a:t>
-            </a:r>
-            <a:r>
-              <a:rPr lang="en-US" sz="1000" dirty="0" smtClean="0">
-                <a:latin typeface="MS UI Gothic" pitchFamily="50" charset="-128"/>
-                <a:ea typeface="MS UI Gothic" pitchFamily="50" charset="-128"/>
-                <a:cs typeface="メイリオ" pitchFamily="50" charset="-128"/>
-              </a:rPr>
-              <a:t>(object):</a:t>
-            </a:r>
-          </a:p>
-          <a:p>
-            <a:r>
-              <a:rPr lang="en-US" sz="1000" dirty="0" smtClean="0">
-                <a:latin typeface="MS UI Gothic" pitchFamily="50" charset="-128"/>
-                <a:ea typeface="MS UI Gothic" pitchFamily="50" charset="-128"/>
-                <a:cs typeface="メイリオ" pitchFamily="50" charset="-128"/>
-              </a:rPr>
-              <a:t>    def __init__(self, node, prop=None):</a:t>
-            </a:r>
-          </a:p>
-          <a:p>
-            <a:r>
-              <a:rPr lang="en-US" sz="1000" dirty="0" smtClean="0">
-                <a:latin typeface="MS UI Gothic" pitchFamily="50" charset="-128"/>
-                <a:ea typeface="MS UI Gothic" pitchFamily="50" charset="-128"/>
-                <a:cs typeface="メイリオ" pitchFamily="50" charset="-128"/>
-              </a:rPr>
-              <a:t>        </a:t>
-            </a:r>
-            <a:r>
-              <a:rPr lang="en-US" sz="1000" dirty="0" err="1" smtClean="0">
-                <a:latin typeface="MS UI Gothic" pitchFamily="50" charset="-128"/>
-                <a:ea typeface="MS UI Gothic" pitchFamily="50" charset="-128"/>
-                <a:cs typeface="メイリオ" pitchFamily="50" charset="-128"/>
-              </a:rPr>
-              <a:t>self.node</a:t>
-            </a:r>
-            <a:r>
-              <a:rPr lang="en-US" sz="1000" dirty="0" smtClean="0">
-                <a:latin typeface="MS UI Gothic" pitchFamily="50" charset="-128"/>
-                <a:ea typeface="MS UI Gothic" pitchFamily="50" charset="-128"/>
-                <a:cs typeface="メイリオ" pitchFamily="50" charset="-128"/>
-              </a:rPr>
-              <a:t> = node</a:t>
-            </a:r>
-          </a:p>
-          <a:p>
-            <a:endParaRPr lang="en-US" sz="1000" dirty="0" smtClean="0">
-              <a:latin typeface="MS UI Gothic" pitchFamily="50" charset="-128"/>
-              <a:ea typeface="MS UI Gothic" pitchFamily="50" charset="-128"/>
-              <a:cs typeface="メイリオ" pitchFamily="50" charset="-128"/>
-            </a:endParaRPr>
-          </a:p>
-          <a:p>
-            <a:r>
-              <a:rPr lang="en-US" sz="1000" dirty="0" smtClean="0">
-                <a:latin typeface="MS UI Gothic" pitchFamily="50" charset="-128"/>
-                <a:ea typeface="MS UI Gothic" pitchFamily="50" charset="-128"/>
-                <a:cs typeface="メイリオ" pitchFamily="50" charset="-128"/>
-              </a:rPr>
-              <a:t>    def </a:t>
-            </a:r>
-            <a:r>
-              <a:rPr lang="en-US" sz="1000" dirty="0" err="1" smtClean="0">
-                <a:latin typeface="MS UI Gothic" pitchFamily="50" charset="-128"/>
-                <a:ea typeface="MS UI Gothic" pitchFamily="50" charset="-128"/>
-                <a:cs typeface="メイリオ" pitchFamily="50" charset="-128"/>
-              </a:rPr>
-              <a:t>getPath</a:t>
-            </a:r>
-            <a:r>
-              <a:rPr lang="en-US" sz="1000" dirty="0" smtClean="0">
-                <a:latin typeface="MS UI Gothic" pitchFamily="50" charset="-128"/>
-                <a:ea typeface="MS UI Gothic" pitchFamily="50" charset="-128"/>
-                <a:cs typeface="メイリオ" pitchFamily="50" charset="-128"/>
-              </a:rPr>
-              <a:t>(self):</a:t>
-            </a:r>
-          </a:p>
-          <a:p>
-            <a:r>
-              <a:rPr lang="en-US" sz="1000" dirty="0" smtClean="0">
-                <a:latin typeface="MS UI Gothic" pitchFamily="50" charset="-128"/>
-                <a:ea typeface="MS UI Gothic" pitchFamily="50" charset="-128"/>
-                <a:cs typeface="メイリオ" pitchFamily="50" charset="-128"/>
-              </a:rPr>
-              <a:t>        return None</a:t>
-            </a:r>
-          </a:p>
-          <a:p>
-            <a:endParaRPr lang="en-US" sz="1000" dirty="0" smtClean="0">
-              <a:latin typeface="MS UI Gothic" pitchFamily="50" charset="-128"/>
-              <a:ea typeface="MS UI Gothic" pitchFamily="50" charset="-128"/>
-              <a:cs typeface="メイリオ" pitchFamily="50" charset="-128"/>
-            </a:endParaRPr>
-          </a:p>
-          <a:p>
-            <a:r>
-              <a:rPr lang="en-US" sz="1000" dirty="0" smtClean="0">
-                <a:latin typeface="MS UI Gothic" pitchFamily="50" charset="-128"/>
-                <a:ea typeface="MS UI Gothic" pitchFamily="50" charset="-128"/>
-                <a:cs typeface="メイリオ" pitchFamily="50" charset="-128"/>
-              </a:rPr>
-              <a:t>    def </a:t>
-            </a:r>
-            <a:r>
-              <a:rPr lang="en-US" sz="1000" dirty="0" err="1" smtClean="0">
-                <a:latin typeface="MS UI Gothic" pitchFamily="50" charset="-128"/>
-                <a:ea typeface="MS UI Gothic" pitchFamily="50" charset="-128"/>
-                <a:cs typeface="メイリオ" pitchFamily="50" charset="-128"/>
-              </a:rPr>
-              <a:t>setPath</a:t>
-            </a:r>
-            <a:r>
-              <a:rPr lang="en-US" sz="1000" dirty="0" smtClean="0">
-                <a:latin typeface="MS UI Gothic" pitchFamily="50" charset="-128"/>
-                <a:ea typeface="MS UI Gothic" pitchFamily="50" charset="-128"/>
-                <a:cs typeface="メイリオ" pitchFamily="50" charset="-128"/>
-              </a:rPr>
-              <a:t>(self, path):</a:t>
-            </a:r>
-          </a:p>
-          <a:p>
-            <a:r>
-              <a:rPr lang="en-US" sz="1000" dirty="0" smtClean="0">
-                <a:latin typeface="MS UI Gothic" pitchFamily="50" charset="-128"/>
-                <a:ea typeface="MS UI Gothic" pitchFamily="50" charset="-128"/>
-                <a:cs typeface="メイリオ" pitchFamily="50" charset="-128"/>
-              </a:rPr>
-              <a:t>        return path</a:t>
-            </a:r>
-          </a:p>
-          <a:p>
-            <a:endParaRPr lang="en-US" sz="1000" dirty="0" smtClean="0">
-              <a:latin typeface="MS UI Gothic" pitchFamily="50" charset="-128"/>
-              <a:ea typeface="MS UI Gothic" pitchFamily="50" charset="-128"/>
-              <a:cs typeface="メイリオ" pitchFamily="50" charset="-128"/>
-            </a:endParaRPr>
-          </a:p>
-          <a:p>
-            <a:endParaRPr lang="en-US" sz="1000" dirty="0" smtClean="0">
-              <a:latin typeface="MS UI Gothic" pitchFamily="50" charset="-128"/>
-              <a:ea typeface="MS UI Gothic" pitchFamily="50" charset="-128"/>
-              <a:cs typeface="メイリオ" pitchFamily="50" charset="-128"/>
-            </a:endParaRPr>
-          </a:p>
-          <a:p>
-            <a:endParaRPr lang="en-US" sz="1000" dirty="0" smtClean="0">
-              <a:latin typeface="MS UI Gothic" pitchFamily="50" charset="-128"/>
-              <a:ea typeface="MS UI Gothic" pitchFamily="50" charset="-128"/>
-              <a:cs typeface="メイリオ" pitchFamily="50" charset="-128"/>
-            </a:endParaRPr>
-          </a:p>
-          <a:p>
-            <a:endParaRPr lang="en-US" sz="1000" dirty="0" smtClean="0">
-              <a:latin typeface="MS UI Gothic" pitchFamily="50" charset="-128"/>
-              <a:ea typeface="MS UI Gothic" pitchFamily="50" charset="-128"/>
-              <a:cs typeface="メイリオ" pitchFamily="50" charset="-128"/>
-            </a:endParaRPr>
-          </a:p>
-        </p:txBody>
-      </p:sp>
-      <p:sp>
-        <p:nvSpPr>
-          <p:cNvPr id="8" name="テキスト ボックス 7"/>
-          <p:cNvSpPr txBox="1"/>
-          <p:nvPr/>
-        </p:nvSpPr>
-        <p:spPr>
-          <a:xfrm>
-            <a:off x="2428860" y="1071552"/>
-            <a:ext cx="3214710" cy="2092881"/>
-          </a:xfrm>
-          <a:prstGeom prst="rect">
-            <a:avLst/>
-          </a:prstGeom>
-          <a:solidFill>
-            <a:schemeClr val="bg1">
-              <a:lumMod val="85000"/>
-            </a:schemeClr>
-          </a:solidFill>
-          <a:ln>
-            <a:solidFill>
-              <a:schemeClr val="tx1"/>
-            </a:solidFill>
-          </a:ln>
-        </p:spPr>
-        <p:txBody>
-          <a:bodyPr wrap="square" rtlCol="0">
-            <a:spAutoFit/>
-          </a:bodyPr>
-          <a:lstStyle/>
-          <a:p>
-            <a:r>
-              <a:rPr lang="en-US" sz="1000" dirty="0" smtClean="0">
-                <a:latin typeface="MS UI Gothic" pitchFamily="50" charset="-128"/>
-                <a:ea typeface="MS UI Gothic" pitchFamily="50" charset="-128"/>
-                <a:cs typeface="メイリオ" pitchFamily="50" charset="-128"/>
-              </a:rPr>
-              <a:t>class texture(</a:t>
-            </a:r>
-            <a:r>
-              <a:rPr lang="en-US" sz="1000" dirty="0" err="1" smtClean="0">
-                <a:latin typeface="MS UI Gothic" pitchFamily="50" charset="-128"/>
-                <a:ea typeface="MS UI Gothic" pitchFamily="50" charset="-128"/>
-                <a:cs typeface="メイリオ" pitchFamily="50" charset="-128"/>
-              </a:rPr>
-              <a:t>nodeBase</a:t>
-            </a:r>
-            <a:r>
-              <a:rPr lang="en-US" sz="1000" dirty="0" smtClean="0">
-                <a:latin typeface="MS UI Gothic" pitchFamily="50" charset="-128"/>
-                <a:ea typeface="MS UI Gothic" pitchFamily="50" charset="-128"/>
-                <a:cs typeface="メイリオ" pitchFamily="50" charset="-128"/>
-              </a:rPr>
-              <a:t>):</a:t>
-            </a:r>
-          </a:p>
-          <a:p>
-            <a:r>
-              <a:rPr lang="en-US" sz="1000" dirty="0" smtClean="0">
-                <a:latin typeface="MS UI Gothic" pitchFamily="50" charset="-128"/>
-                <a:ea typeface="MS UI Gothic" pitchFamily="50" charset="-128"/>
-                <a:cs typeface="メイリオ" pitchFamily="50" charset="-128"/>
-              </a:rPr>
-              <a:t>    def </a:t>
-            </a:r>
-            <a:r>
-              <a:rPr lang="en-US" sz="1000" dirty="0" err="1" smtClean="0">
-                <a:latin typeface="MS UI Gothic" pitchFamily="50" charset="-128"/>
-                <a:ea typeface="MS UI Gothic" pitchFamily="50" charset="-128"/>
-                <a:cs typeface="メイリオ" pitchFamily="50" charset="-128"/>
-              </a:rPr>
-              <a:t>getPath</a:t>
-            </a:r>
-            <a:r>
-              <a:rPr lang="en-US" sz="1000" dirty="0" smtClean="0">
-                <a:latin typeface="MS UI Gothic" pitchFamily="50" charset="-128"/>
-                <a:ea typeface="MS UI Gothic" pitchFamily="50" charset="-128"/>
-                <a:cs typeface="メイリオ" pitchFamily="50" charset="-128"/>
-              </a:rPr>
-              <a:t>(self):</a:t>
-            </a:r>
-          </a:p>
-          <a:p>
-            <a:r>
-              <a:rPr lang="en-US" sz="1000" dirty="0" smtClean="0">
-                <a:latin typeface="MS UI Gothic" pitchFamily="50" charset="-128"/>
-                <a:ea typeface="MS UI Gothic" pitchFamily="50" charset="-128"/>
-                <a:cs typeface="メイリオ" pitchFamily="50" charset="-128"/>
-              </a:rPr>
-              <a:t>        path = </a:t>
-            </a:r>
-            <a:r>
-              <a:rPr lang="en-US" sz="1000" dirty="0" err="1" smtClean="0">
-                <a:latin typeface="MS UI Gothic" pitchFamily="50" charset="-128"/>
-                <a:ea typeface="MS UI Gothic" pitchFamily="50" charset="-128"/>
-                <a:cs typeface="メイリオ" pitchFamily="50" charset="-128"/>
-              </a:rPr>
-              <a:t>cmds.getAttr</a:t>
-            </a:r>
-            <a:r>
-              <a:rPr lang="en-US" sz="1000" dirty="0" smtClean="0">
-                <a:latin typeface="MS UI Gothic" pitchFamily="50" charset="-128"/>
-                <a:ea typeface="MS UI Gothic" pitchFamily="50" charset="-128"/>
-                <a:cs typeface="メイリオ" pitchFamily="50" charset="-128"/>
-              </a:rPr>
-              <a:t>(</a:t>
-            </a:r>
-            <a:r>
-              <a:rPr lang="en-US" sz="1000" dirty="0" err="1" smtClean="0">
-                <a:latin typeface="MS UI Gothic" pitchFamily="50" charset="-128"/>
-                <a:ea typeface="MS UI Gothic" pitchFamily="50" charset="-128"/>
-                <a:cs typeface="メイリオ" pitchFamily="50" charset="-128"/>
-              </a:rPr>
-              <a:t>self.node</a:t>
-            </a:r>
-            <a:r>
-              <a:rPr lang="en-US" sz="1000" dirty="0" smtClean="0">
-                <a:latin typeface="MS UI Gothic" pitchFamily="50" charset="-128"/>
-                <a:ea typeface="MS UI Gothic" pitchFamily="50" charset="-128"/>
-                <a:cs typeface="メイリオ" pitchFamily="50" charset="-128"/>
-              </a:rPr>
-              <a:t> + '.</a:t>
-            </a:r>
-            <a:r>
-              <a:rPr lang="en-US" sz="1000" dirty="0" err="1" smtClean="0">
-                <a:latin typeface="MS UI Gothic" pitchFamily="50" charset="-128"/>
-                <a:ea typeface="MS UI Gothic" pitchFamily="50" charset="-128"/>
-                <a:cs typeface="メイリオ" pitchFamily="50" charset="-128"/>
-              </a:rPr>
-              <a:t>fileTextureName</a:t>
-            </a:r>
-            <a:r>
-              <a:rPr lang="en-US" sz="1000" dirty="0" smtClean="0">
-                <a:latin typeface="MS UI Gothic" pitchFamily="50" charset="-128"/>
-                <a:ea typeface="MS UI Gothic" pitchFamily="50" charset="-128"/>
-                <a:cs typeface="メイリオ" pitchFamily="50" charset="-128"/>
-              </a:rPr>
-              <a:t>')</a:t>
-            </a:r>
-          </a:p>
-          <a:p>
-            <a:r>
-              <a:rPr lang="en-US" sz="1000" dirty="0" smtClean="0">
-                <a:latin typeface="MS UI Gothic" pitchFamily="50" charset="-128"/>
-                <a:ea typeface="MS UI Gothic" pitchFamily="50" charset="-128"/>
-                <a:cs typeface="メイリオ" pitchFamily="50" charset="-128"/>
-              </a:rPr>
-              <a:t>        if path == None:</a:t>
-            </a:r>
-          </a:p>
-          <a:p>
-            <a:r>
-              <a:rPr lang="en-US" sz="1000" dirty="0" smtClean="0">
-                <a:latin typeface="MS UI Gothic" pitchFamily="50" charset="-128"/>
-                <a:ea typeface="MS UI Gothic" pitchFamily="50" charset="-128"/>
-                <a:cs typeface="メイリオ" pitchFamily="50" charset="-128"/>
-              </a:rPr>
-              <a:t>            return ''</a:t>
-            </a:r>
-          </a:p>
-          <a:p>
-            <a:endParaRPr lang="en-US" sz="1000" dirty="0" smtClean="0">
-              <a:latin typeface="MS UI Gothic" pitchFamily="50" charset="-128"/>
-              <a:ea typeface="MS UI Gothic" pitchFamily="50" charset="-128"/>
-              <a:cs typeface="メイリオ" pitchFamily="50" charset="-128"/>
-            </a:endParaRPr>
-          </a:p>
-          <a:p>
-            <a:r>
-              <a:rPr lang="en-US" sz="1000" dirty="0" smtClean="0">
-                <a:latin typeface="MS UI Gothic" pitchFamily="50" charset="-128"/>
-                <a:ea typeface="MS UI Gothic" pitchFamily="50" charset="-128"/>
-                <a:cs typeface="メイリオ" pitchFamily="50" charset="-128"/>
-              </a:rPr>
-              <a:t>        return </a:t>
-            </a:r>
-            <a:r>
-              <a:rPr lang="en-US" sz="1000" dirty="0" err="1" smtClean="0">
-                <a:latin typeface="MS UI Gothic" pitchFamily="50" charset="-128"/>
-                <a:ea typeface="MS UI Gothic" pitchFamily="50" charset="-128"/>
-                <a:cs typeface="メイリオ" pitchFamily="50" charset="-128"/>
-              </a:rPr>
-              <a:t>path.replace</a:t>
-            </a:r>
-            <a:r>
-              <a:rPr lang="en-US" sz="1000" dirty="0" smtClean="0">
-                <a:latin typeface="MS UI Gothic" pitchFamily="50" charset="-128"/>
-                <a:ea typeface="MS UI Gothic" pitchFamily="50" charset="-128"/>
-                <a:cs typeface="メイリオ" pitchFamily="50" charset="-128"/>
-              </a:rPr>
-              <a:t>('/', os.sep)</a:t>
-            </a:r>
-          </a:p>
-          <a:p>
-            <a:endParaRPr lang="en-US" sz="1000" dirty="0" smtClean="0">
-              <a:latin typeface="MS UI Gothic" pitchFamily="50" charset="-128"/>
-              <a:ea typeface="MS UI Gothic" pitchFamily="50" charset="-128"/>
-              <a:cs typeface="メイリオ" pitchFamily="50" charset="-128"/>
-            </a:endParaRPr>
-          </a:p>
-          <a:p>
-            <a:r>
-              <a:rPr lang="en-US" sz="1000" dirty="0" smtClean="0">
-                <a:latin typeface="MS UI Gothic" pitchFamily="50" charset="-128"/>
-                <a:ea typeface="MS UI Gothic" pitchFamily="50" charset="-128"/>
-                <a:cs typeface="メイリオ" pitchFamily="50" charset="-128"/>
-              </a:rPr>
-              <a:t> def </a:t>
-            </a:r>
-            <a:r>
-              <a:rPr lang="en-US" sz="1000" dirty="0" err="1" smtClean="0">
-                <a:latin typeface="MS UI Gothic" pitchFamily="50" charset="-128"/>
-                <a:ea typeface="MS UI Gothic" pitchFamily="50" charset="-128"/>
-                <a:cs typeface="メイリオ" pitchFamily="50" charset="-128"/>
-              </a:rPr>
-              <a:t>setPath</a:t>
-            </a:r>
-            <a:r>
-              <a:rPr lang="en-US" sz="1000" dirty="0" smtClean="0">
-                <a:latin typeface="MS UI Gothic" pitchFamily="50" charset="-128"/>
-                <a:ea typeface="MS UI Gothic" pitchFamily="50" charset="-128"/>
-                <a:cs typeface="メイリオ" pitchFamily="50" charset="-128"/>
-              </a:rPr>
-              <a:t>(self, path):</a:t>
-            </a:r>
-          </a:p>
-          <a:p>
-            <a:r>
-              <a:rPr lang="en-US" sz="1000" dirty="0" smtClean="0">
-                <a:latin typeface="MS UI Gothic" pitchFamily="50" charset="-128"/>
-                <a:ea typeface="MS UI Gothic" pitchFamily="50" charset="-128"/>
-                <a:cs typeface="メイリオ" pitchFamily="50" charset="-128"/>
-              </a:rPr>
-              <a:t>        </a:t>
-            </a:r>
-            <a:r>
-              <a:rPr lang="en-US" sz="1000" dirty="0" err="1" smtClean="0">
-                <a:latin typeface="MS UI Gothic" pitchFamily="50" charset="-128"/>
-                <a:ea typeface="MS UI Gothic" pitchFamily="50" charset="-128"/>
-                <a:cs typeface="メイリオ" pitchFamily="50" charset="-128"/>
-              </a:rPr>
-              <a:t>cmds.setAttr</a:t>
-            </a:r>
-            <a:r>
-              <a:rPr lang="en-US" sz="1000" dirty="0" smtClean="0">
-                <a:latin typeface="MS UI Gothic" pitchFamily="50" charset="-128"/>
-                <a:ea typeface="MS UI Gothic" pitchFamily="50" charset="-128"/>
-                <a:cs typeface="メイリオ" pitchFamily="50" charset="-128"/>
-              </a:rPr>
-              <a:t>(</a:t>
-            </a:r>
-            <a:r>
-              <a:rPr lang="en-US" sz="1000" dirty="0" err="1" smtClean="0">
-                <a:latin typeface="MS UI Gothic" pitchFamily="50" charset="-128"/>
-                <a:ea typeface="MS UI Gothic" pitchFamily="50" charset="-128"/>
-                <a:cs typeface="メイリオ" pitchFamily="50" charset="-128"/>
-              </a:rPr>
-              <a:t>self.node</a:t>
-            </a:r>
-            <a:r>
-              <a:rPr lang="en-US" sz="1000" dirty="0" smtClean="0">
-                <a:latin typeface="MS UI Gothic" pitchFamily="50" charset="-128"/>
-                <a:ea typeface="MS UI Gothic" pitchFamily="50" charset="-128"/>
-                <a:cs typeface="メイリオ" pitchFamily="50" charset="-128"/>
-              </a:rPr>
-              <a:t> + '.</a:t>
-            </a:r>
-            <a:r>
-              <a:rPr lang="en-US" sz="1000" dirty="0" err="1" smtClean="0">
-                <a:latin typeface="MS UI Gothic" pitchFamily="50" charset="-128"/>
-                <a:ea typeface="MS UI Gothic" pitchFamily="50" charset="-128"/>
-                <a:cs typeface="メイリオ" pitchFamily="50" charset="-128"/>
-              </a:rPr>
-              <a:t>fileTextureName</a:t>
-            </a:r>
-            <a:r>
-              <a:rPr lang="en-US" sz="1000" dirty="0" smtClean="0">
-                <a:latin typeface="MS UI Gothic" pitchFamily="50" charset="-128"/>
-                <a:ea typeface="MS UI Gothic" pitchFamily="50" charset="-128"/>
-                <a:cs typeface="メイリオ" pitchFamily="50" charset="-128"/>
-              </a:rPr>
-              <a:t>',</a:t>
-            </a:r>
-          </a:p>
-          <a:p>
-            <a:r>
-              <a:rPr lang="en-US" sz="1000" dirty="0" smtClean="0">
-                <a:latin typeface="MS UI Gothic" pitchFamily="50" charset="-128"/>
-                <a:ea typeface="MS UI Gothic" pitchFamily="50" charset="-128"/>
-                <a:cs typeface="メイリオ" pitchFamily="50" charset="-128"/>
-              </a:rPr>
-              <a:t>                           </a:t>
-            </a:r>
-            <a:r>
-              <a:rPr lang="en-US" sz="1000" dirty="0" err="1" smtClean="0">
-                <a:latin typeface="MS UI Gothic" pitchFamily="50" charset="-128"/>
-                <a:ea typeface="MS UI Gothic" pitchFamily="50" charset="-128"/>
-                <a:cs typeface="メイリオ" pitchFamily="50" charset="-128"/>
-              </a:rPr>
-              <a:t>path.replace</a:t>
-            </a:r>
-            <a:r>
-              <a:rPr lang="en-US" sz="1000" dirty="0" smtClean="0">
-                <a:latin typeface="MS UI Gothic" pitchFamily="50" charset="-128"/>
-                <a:ea typeface="MS UI Gothic" pitchFamily="50" charset="-128"/>
-                <a:cs typeface="メイリオ" pitchFamily="50" charset="-128"/>
-              </a:rPr>
-              <a:t>(os.sep, '/'), type='string')</a:t>
-            </a:r>
-          </a:p>
-          <a:p>
-            <a:endParaRPr lang="en-US" sz="1000" dirty="0" smtClean="0">
-              <a:latin typeface="MS UI Gothic" pitchFamily="50" charset="-128"/>
-              <a:ea typeface="MS UI Gothic" pitchFamily="50" charset="-128"/>
-              <a:cs typeface="メイリオ" pitchFamily="50" charset="-128"/>
-            </a:endParaRPr>
-          </a:p>
-          <a:p>
-            <a:r>
-              <a:rPr lang="en-US" sz="1000" dirty="0" smtClean="0">
-                <a:latin typeface="MS UI Gothic" pitchFamily="50" charset="-128"/>
-                <a:ea typeface="MS UI Gothic" pitchFamily="50" charset="-128"/>
-                <a:cs typeface="メイリオ" pitchFamily="50" charset="-128"/>
-              </a:rPr>
-              <a:t>        return </a:t>
-            </a:r>
-            <a:r>
-              <a:rPr lang="en-US" sz="1000" dirty="0" err="1" smtClean="0">
-                <a:latin typeface="MS UI Gothic" pitchFamily="50" charset="-128"/>
-                <a:ea typeface="MS UI Gothic" pitchFamily="50" charset="-128"/>
-                <a:cs typeface="メイリオ" pitchFamily="50" charset="-128"/>
-              </a:rPr>
-              <a:t>self.getPath</a:t>
-            </a:r>
-            <a:r>
-              <a:rPr lang="en-US" sz="1000" dirty="0" smtClean="0">
-                <a:latin typeface="MS UI Gothic" pitchFamily="50" charset="-128"/>
-                <a:ea typeface="MS UI Gothic" pitchFamily="50" charset="-128"/>
-                <a:cs typeface="メイリオ" pitchFamily="50" charset="-128"/>
-              </a:rPr>
-              <a:t>()</a:t>
-            </a:r>
-          </a:p>
-        </p:txBody>
-      </p:sp>
-      <p:sp>
-        <p:nvSpPr>
-          <p:cNvPr id="9" name="テキスト ボックス 8"/>
-          <p:cNvSpPr txBox="1"/>
-          <p:nvPr/>
-        </p:nvSpPr>
-        <p:spPr>
-          <a:xfrm>
-            <a:off x="5715008" y="1071552"/>
-            <a:ext cx="3214710" cy="2092881"/>
-          </a:xfrm>
-          <a:prstGeom prst="rect">
-            <a:avLst/>
-          </a:prstGeom>
-          <a:solidFill>
-            <a:schemeClr val="bg1">
-              <a:lumMod val="85000"/>
-            </a:schemeClr>
-          </a:solidFill>
-          <a:ln>
-            <a:solidFill>
-              <a:schemeClr val="tx1"/>
-            </a:solidFill>
-          </a:ln>
-        </p:spPr>
-        <p:txBody>
-          <a:bodyPr wrap="square" rtlCol="0">
-            <a:spAutoFit/>
-          </a:bodyPr>
-          <a:lstStyle/>
-          <a:p>
-            <a:r>
-              <a:rPr lang="en-US" sz="1000" dirty="0" smtClean="0">
-                <a:latin typeface="MS UI Gothic" pitchFamily="50" charset="-128"/>
-                <a:ea typeface="MS UI Gothic" pitchFamily="50" charset="-128"/>
-                <a:cs typeface="メイリオ" pitchFamily="50" charset="-128"/>
-              </a:rPr>
-              <a:t>class alembic(</a:t>
-            </a:r>
-            <a:r>
-              <a:rPr lang="en-US" sz="1000" dirty="0" err="1" smtClean="0">
-                <a:latin typeface="MS UI Gothic" pitchFamily="50" charset="-128"/>
-                <a:ea typeface="MS UI Gothic" pitchFamily="50" charset="-128"/>
-                <a:cs typeface="メイリオ" pitchFamily="50" charset="-128"/>
-              </a:rPr>
-              <a:t>nodeBase</a:t>
-            </a:r>
-            <a:r>
-              <a:rPr lang="en-US" sz="1000" dirty="0" smtClean="0">
-                <a:latin typeface="MS UI Gothic" pitchFamily="50" charset="-128"/>
-                <a:ea typeface="MS UI Gothic" pitchFamily="50" charset="-128"/>
-                <a:cs typeface="メイリオ" pitchFamily="50" charset="-128"/>
-              </a:rPr>
-              <a:t>):</a:t>
-            </a:r>
-          </a:p>
-          <a:p>
-            <a:r>
-              <a:rPr lang="en-US" sz="1000" dirty="0" smtClean="0">
-                <a:latin typeface="MS UI Gothic" pitchFamily="50" charset="-128"/>
-                <a:ea typeface="MS UI Gothic" pitchFamily="50" charset="-128"/>
-                <a:cs typeface="メイリオ" pitchFamily="50" charset="-128"/>
-              </a:rPr>
-              <a:t>    def </a:t>
-            </a:r>
-            <a:r>
-              <a:rPr lang="en-US" sz="1000" dirty="0" err="1" smtClean="0">
-                <a:latin typeface="MS UI Gothic" pitchFamily="50" charset="-128"/>
-                <a:ea typeface="MS UI Gothic" pitchFamily="50" charset="-128"/>
-                <a:cs typeface="メイリオ" pitchFamily="50" charset="-128"/>
-              </a:rPr>
-              <a:t>getPath</a:t>
-            </a:r>
-            <a:r>
-              <a:rPr lang="en-US" sz="1000" dirty="0" smtClean="0">
-                <a:latin typeface="MS UI Gothic" pitchFamily="50" charset="-128"/>
-                <a:ea typeface="MS UI Gothic" pitchFamily="50" charset="-128"/>
-                <a:cs typeface="メイリオ" pitchFamily="50" charset="-128"/>
-              </a:rPr>
-              <a:t>(self):</a:t>
-            </a:r>
-          </a:p>
-          <a:p>
-            <a:r>
-              <a:rPr lang="en-US" sz="1000" dirty="0" smtClean="0">
-                <a:latin typeface="MS UI Gothic" pitchFamily="50" charset="-128"/>
-                <a:ea typeface="MS UI Gothic" pitchFamily="50" charset="-128"/>
-                <a:cs typeface="メイリオ" pitchFamily="50" charset="-128"/>
-              </a:rPr>
-              <a:t>        path = </a:t>
-            </a:r>
-            <a:r>
-              <a:rPr lang="en-US" sz="1000" dirty="0" err="1" smtClean="0">
-                <a:latin typeface="MS UI Gothic" pitchFamily="50" charset="-128"/>
-                <a:ea typeface="MS UI Gothic" pitchFamily="50" charset="-128"/>
-                <a:cs typeface="メイリオ" pitchFamily="50" charset="-128"/>
-              </a:rPr>
-              <a:t>cmds.getAttr</a:t>
-            </a:r>
-            <a:r>
-              <a:rPr lang="en-US" sz="1000" dirty="0" smtClean="0">
-                <a:latin typeface="MS UI Gothic" pitchFamily="50" charset="-128"/>
-                <a:ea typeface="MS UI Gothic" pitchFamily="50" charset="-128"/>
-                <a:cs typeface="メイリオ" pitchFamily="50" charset="-128"/>
-              </a:rPr>
-              <a:t>(</a:t>
-            </a:r>
-            <a:r>
-              <a:rPr lang="en-US" sz="1000" dirty="0" err="1" smtClean="0">
-                <a:latin typeface="MS UI Gothic" pitchFamily="50" charset="-128"/>
-                <a:ea typeface="MS UI Gothic" pitchFamily="50" charset="-128"/>
-                <a:cs typeface="メイリオ" pitchFamily="50" charset="-128"/>
-              </a:rPr>
-              <a:t>self.node</a:t>
-            </a:r>
-            <a:r>
-              <a:rPr lang="en-US" sz="1000" dirty="0" smtClean="0">
-                <a:latin typeface="MS UI Gothic" pitchFamily="50" charset="-128"/>
-                <a:ea typeface="MS UI Gothic" pitchFamily="50" charset="-128"/>
-                <a:cs typeface="メイリオ" pitchFamily="50" charset="-128"/>
-              </a:rPr>
-              <a:t> + '.</a:t>
-            </a:r>
-            <a:r>
-              <a:rPr lang="en-US" sz="1000" dirty="0" err="1" smtClean="0">
-                <a:latin typeface="MS UI Gothic" pitchFamily="50" charset="-128"/>
-                <a:ea typeface="MS UI Gothic" pitchFamily="50" charset="-128"/>
-                <a:cs typeface="メイリオ" pitchFamily="50" charset="-128"/>
-              </a:rPr>
-              <a:t>abc_File</a:t>
-            </a:r>
-            <a:r>
-              <a:rPr lang="en-US" sz="1000" dirty="0" smtClean="0">
-                <a:latin typeface="MS UI Gothic" pitchFamily="50" charset="-128"/>
-                <a:ea typeface="MS UI Gothic" pitchFamily="50" charset="-128"/>
-                <a:cs typeface="メイリオ" pitchFamily="50" charset="-128"/>
-              </a:rPr>
-              <a:t>')</a:t>
-            </a:r>
-          </a:p>
-          <a:p>
-            <a:endParaRPr lang="en-US" sz="1000" dirty="0" smtClean="0">
-              <a:latin typeface="MS UI Gothic" pitchFamily="50" charset="-128"/>
-              <a:ea typeface="MS UI Gothic" pitchFamily="50" charset="-128"/>
-              <a:cs typeface="メイリオ" pitchFamily="50" charset="-128"/>
-            </a:endParaRPr>
-          </a:p>
-          <a:p>
-            <a:r>
-              <a:rPr lang="en-US" sz="1000" dirty="0" smtClean="0">
-                <a:latin typeface="MS UI Gothic" pitchFamily="50" charset="-128"/>
-                <a:ea typeface="MS UI Gothic" pitchFamily="50" charset="-128"/>
-                <a:cs typeface="メイリオ" pitchFamily="50" charset="-128"/>
-              </a:rPr>
-              <a:t>        return </a:t>
-            </a:r>
-            <a:r>
-              <a:rPr lang="en-US" sz="1000" dirty="0" err="1" smtClean="0">
-                <a:latin typeface="MS UI Gothic" pitchFamily="50" charset="-128"/>
-                <a:ea typeface="MS UI Gothic" pitchFamily="50" charset="-128"/>
-                <a:cs typeface="メイリオ" pitchFamily="50" charset="-128"/>
-              </a:rPr>
-              <a:t>path.replace</a:t>
-            </a:r>
-            <a:r>
-              <a:rPr lang="en-US" sz="1000" dirty="0" smtClean="0">
-                <a:latin typeface="MS UI Gothic" pitchFamily="50" charset="-128"/>
-                <a:ea typeface="MS UI Gothic" pitchFamily="50" charset="-128"/>
-                <a:cs typeface="メイリオ" pitchFamily="50" charset="-128"/>
-              </a:rPr>
-              <a:t>('/', os.sep)</a:t>
-            </a:r>
-          </a:p>
-          <a:p>
-            <a:endParaRPr lang="en-US" sz="1000" dirty="0" smtClean="0">
-              <a:latin typeface="MS UI Gothic" pitchFamily="50" charset="-128"/>
-              <a:ea typeface="MS UI Gothic" pitchFamily="50" charset="-128"/>
-              <a:cs typeface="メイリオ" pitchFamily="50" charset="-128"/>
-            </a:endParaRPr>
-          </a:p>
-          <a:p>
-            <a:r>
-              <a:rPr lang="en-US" sz="1000" dirty="0" smtClean="0">
-                <a:latin typeface="MS UI Gothic" pitchFamily="50" charset="-128"/>
-                <a:ea typeface="MS UI Gothic" pitchFamily="50" charset="-128"/>
-                <a:cs typeface="メイリオ" pitchFamily="50" charset="-128"/>
-              </a:rPr>
-              <a:t>    def </a:t>
-            </a:r>
-            <a:r>
-              <a:rPr lang="en-US" sz="1000" dirty="0" err="1" smtClean="0">
-                <a:latin typeface="MS UI Gothic" pitchFamily="50" charset="-128"/>
-                <a:ea typeface="MS UI Gothic" pitchFamily="50" charset="-128"/>
-                <a:cs typeface="メイリオ" pitchFamily="50" charset="-128"/>
-              </a:rPr>
-              <a:t>setPath</a:t>
-            </a:r>
-            <a:r>
-              <a:rPr lang="en-US" sz="1000" dirty="0" smtClean="0">
-                <a:latin typeface="MS UI Gothic" pitchFamily="50" charset="-128"/>
-                <a:ea typeface="MS UI Gothic" pitchFamily="50" charset="-128"/>
-                <a:cs typeface="メイリオ" pitchFamily="50" charset="-128"/>
-              </a:rPr>
-              <a:t>(self, path):</a:t>
-            </a:r>
-          </a:p>
-          <a:p>
-            <a:r>
-              <a:rPr lang="en-US" sz="1000" dirty="0" smtClean="0">
-                <a:latin typeface="MS UI Gothic" pitchFamily="50" charset="-128"/>
-                <a:ea typeface="MS UI Gothic" pitchFamily="50" charset="-128"/>
-                <a:cs typeface="メイリオ" pitchFamily="50" charset="-128"/>
-              </a:rPr>
-              <a:t>        </a:t>
-            </a:r>
-            <a:r>
-              <a:rPr lang="en-US" sz="1000" dirty="0" err="1" smtClean="0">
-                <a:latin typeface="MS UI Gothic" pitchFamily="50" charset="-128"/>
-                <a:ea typeface="MS UI Gothic" pitchFamily="50" charset="-128"/>
-                <a:cs typeface="メイリオ" pitchFamily="50" charset="-128"/>
-              </a:rPr>
-              <a:t>cmds.setAttr</a:t>
-            </a:r>
-            <a:r>
-              <a:rPr lang="en-US" sz="1000" dirty="0" smtClean="0">
-                <a:latin typeface="MS UI Gothic" pitchFamily="50" charset="-128"/>
-                <a:ea typeface="MS UI Gothic" pitchFamily="50" charset="-128"/>
-                <a:cs typeface="メイリオ" pitchFamily="50" charset="-128"/>
-              </a:rPr>
-              <a:t>(</a:t>
-            </a:r>
-            <a:r>
-              <a:rPr lang="en-US" sz="1000" dirty="0" err="1" smtClean="0">
-                <a:latin typeface="MS UI Gothic" pitchFamily="50" charset="-128"/>
-                <a:ea typeface="MS UI Gothic" pitchFamily="50" charset="-128"/>
-                <a:cs typeface="メイリオ" pitchFamily="50" charset="-128"/>
-              </a:rPr>
-              <a:t>self.node</a:t>
-            </a:r>
-            <a:r>
-              <a:rPr lang="en-US" sz="1000" dirty="0" smtClean="0">
-                <a:latin typeface="MS UI Gothic" pitchFamily="50" charset="-128"/>
-                <a:ea typeface="MS UI Gothic" pitchFamily="50" charset="-128"/>
-                <a:cs typeface="メイリオ" pitchFamily="50" charset="-128"/>
-              </a:rPr>
-              <a:t> + '.</a:t>
-            </a:r>
-            <a:r>
-              <a:rPr lang="en-US" sz="1000" dirty="0" err="1" smtClean="0">
-                <a:latin typeface="MS UI Gothic" pitchFamily="50" charset="-128"/>
-                <a:ea typeface="MS UI Gothic" pitchFamily="50" charset="-128"/>
-                <a:cs typeface="メイリオ" pitchFamily="50" charset="-128"/>
-              </a:rPr>
-              <a:t>abc_File</a:t>
-            </a:r>
-            <a:r>
-              <a:rPr lang="en-US" sz="1000" dirty="0" smtClean="0">
-                <a:latin typeface="MS UI Gothic" pitchFamily="50" charset="-128"/>
-                <a:ea typeface="MS UI Gothic" pitchFamily="50" charset="-128"/>
-                <a:cs typeface="メイリオ" pitchFamily="50" charset="-128"/>
-              </a:rPr>
-              <a:t>',</a:t>
-            </a:r>
-          </a:p>
-          <a:p>
-            <a:r>
-              <a:rPr lang="en-US" sz="1000" dirty="0" smtClean="0">
-                <a:latin typeface="MS UI Gothic" pitchFamily="50" charset="-128"/>
-                <a:ea typeface="MS UI Gothic" pitchFamily="50" charset="-128"/>
-                <a:cs typeface="メイリオ" pitchFamily="50" charset="-128"/>
-              </a:rPr>
-              <a:t>                           </a:t>
-            </a:r>
-            <a:r>
-              <a:rPr lang="en-US" sz="1000" dirty="0" err="1" smtClean="0">
-                <a:latin typeface="MS UI Gothic" pitchFamily="50" charset="-128"/>
-                <a:ea typeface="MS UI Gothic" pitchFamily="50" charset="-128"/>
-                <a:cs typeface="メイリオ" pitchFamily="50" charset="-128"/>
-              </a:rPr>
-              <a:t>path.replace</a:t>
-            </a:r>
-            <a:r>
-              <a:rPr lang="en-US" sz="1000" dirty="0" smtClean="0">
-                <a:latin typeface="MS UI Gothic" pitchFamily="50" charset="-128"/>
-                <a:ea typeface="MS UI Gothic" pitchFamily="50" charset="-128"/>
-                <a:cs typeface="メイリオ" pitchFamily="50" charset="-128"/>
-              </a:rPr>
-              <a:t>(os.sep, '/'), type='string')</a:t>
-            </a:r>
-          </a:p>
-          <a:p>
-            <a:endParaRPr lang="en-US" sz="1000" dirty="0" smtClean="0">
-              <a:latin typeface="MS UI Gothic" pitchFamily="50" charset="-128"/>
-              <a:ea typeface="MS UI Gothic" pitchFamily="50" charset="-128"/>
-              <a:cs typeface="メイリオ" pitchFamily="50" charset="-128"/>
-            </a:endParaRPr>
-          </a:p>
-          <a:p>
-            <a:r>
-              <a:rPr lang="en-US" sz="1000" dirty="0" smtClean="0">
-                <a:latin typeface="MS UI Gothic" pitchFamily="50" charset="-128"/>
-                <a:ea typeface="MS UI Gothic" pitchFamily="50" charset="-128"/>
-                <a:cs typeface="メイリオ" pitchFamily="50" charset="-128"/>
-              </a:rPr>
-              <a:t>        return </a:t>
-            </a:r>
-            <a:r>
-              <a:rPr lang="en-US" sz="1000" dirty="0" err="1" smtClean="0">
-                <a:latin typeface="MS UI Gothic" pitchFamily="50" charset="-128"/>
-                <a:ea typeface="MS UI Gothic" pitchFamily="50" charset="-128"/>
-                <a:cs typeface="メイリオ" pitchFamily="50" charset="-128"/>
-              </a:rPr>
-              <a:t>self.getPath</a:t>
-            </a:r>
-            <a:r>
-              <a:rPr lang="en-US" sz="1000" dirty="0" smtClean="0">
-                <a:latin typeface="MS UI Gothic" pitchFamily="50" charset="-128"/>
-                <a:ea typeface="MS UI Gothic" pitchFamily="50" charset="-128"/>
-                <a:cs typeface="メイリオ" pitchFamily="50" charset="-128"/>
-              </a:rPr>
-              <a:t>()</a:t>
-            </a:r>
-          </a:p>
-          <a:p>
-            <a:endParaRPr lang="en-US" sz="1000" dirty="0" smtClean="0">
-              <a:latin typeface="MS UI Gothic" pitchFamily="50" charset="-128"/>
-              <a:ea typeface="MS UI Gothic" pitchFamily="50" charset="-128"/>
-              <a:cs typeface="メイリオ" pitchFamily="50" charset="-128"/>
-            </a:endParaRPr>
-          </a:p>
-          <a:p>
-            <a:endParaRPr lang="en-US" sz="1000" dirty="0" smtClean="0">
-              <a:latin typeface="MS UI Gothic" pitchFamily="50" charset="-128"/>
-              <a:ea typeface="MS UI Gothic" pitchFamily="50" charset="-128"/>
-              <a:cs typeface="メイリオ" pitchFamily="50" charset="-128"/>
-            </a:endParaRPr>
-          </a:p>
-        </p:txBody>
-      </p:sp>
-      <p:sp>
-        <p:nvSpPr>
-          <p:cNvPr id="10" name="コンテンツ プレースホルダー 2"/>
-          <p:cNvSpPr>
-            <a:spLocks noGrp="1"/>
-          </p:cNvSpPr>
-          <p:nvPr>
-            <p:ph idx="1"/>
-          </p:nvPr>
-        </p:nvSpPr>
-        <p:spPr>
-          <a:xfrm>
-            <a:off x="457200" y="3214692"/>
-            <a:ext cx="8229600" cy="1428760"/>
+            <a:off x="142844" y="3214692"/>
+            <a:ext cx="5429288" cy="1428760"/>
           </a:xfrm>
         </p:spPr>
         <p:txBody>
@@ -11308,45 +11633,69 @@
           <a:lstStyle/>
           <a:p>
             <a:r>
-              <a:rPr lang="ja-JP" altLang="en-US" sz="2800" dirty="0" smtClean="0">
-                <a:latin typeface="メイリオ" pitchFamily="50" charset="-128"/>
-                <a:ea typeface="メイリオ" pitchFamily="50" charset="-128"/>
-                <a:cs typeface="メイリオ" pitchFamily="50" charset="-128"/>
-              </a:rPr>
-              <a:t>見ての通り</a:t>
-            </a:r>
-            <a:r>
-              <a:rPr lang="ja-JP" altLang="en-US" sz="2800" dirty="0" err="1" smtClean="0">
-                <a:latin typeface="メイリオ" pitchFamily="50" charset="-128"/>
-                <a:ea typeface="メイリオ" pitchFamily="50" charset="-128"/>
-                <a:cs typeface="メイリオ" pitchFamily="50" charset="-128"/>
-              </a:rPr>
-              <a:t>大した</a:t>
-            </a:r>
-            <a:r>
-              <a:rPr lang="ja-JP" altLang="en-US" sz="2800" dirty="0" smtClean="0">
-                <a:latin typeface="メイリオ" pitchFamily="50" charset="-128"/>
-                <a:ea typeface="メイリオ" pitchFamily="50" charset="-128"/>
-                <a:cs typeface="メイリオ" pitchFamily="50" charset="-128"/>
-              </a:rPr>
-              <a:t>ことをしているわけではない</a:t>
-            </a:r>
-            <a:endParaRPr lang="en-US" altLang="ja-JP" sz="2800" dirty="0" smtClean="0">
-              <a:latin typeface="メイリオ" pitchFamily="50" charset="-128"/>
-              <a:ea typeface="メイリオ" pitchFamily="50" charset="-128"/>
-              <a:cs typeface="メイリオ" pitchFamily="50" charset="-128"/>
-            </a:endParaRPr>
-          </a:p>
-          <a:p>
-            <a:r>
-              <a:rPr lang="ja-JP" altLang="en-US" sz="2800" dirty="0" smtClean="0">
-                <a:latin typeface="メイリオ" pitchFamily="50" charset="-128"/>
-                <a:ea typeface="メイリオ" pitchFamily="50" charset="-128"/>
-                <a:cs typeface="メイリオ" pitchFamily="50" charset="-128"/>
-              </a:rPr>
-              <a:t>ちょっとした工夫で腐らないコードにすることができるという例</a:t>
-            </a:r>
-            <a:endParaRPr lang="en-US" altLang="ja-JP" sz="2800" dirty="0" smtClean="0">
+              <a:rPr lang="ja-JP" altLang="en-US" sz="2400" dirty="0" smtClean="0">
+                <a:latin typeface="メイリオ" pitchFamily="50" charset="-128"/>
+                <a:ea typeface="メイリオ" pitchFamily="50" charset="-128"/>
+                <a:cs typeface="メイリオ" pitchFamily="50" charset="-128"/>
+              </a:rPr>
+              <a:t>大</a:t>
+            </a:r>
+            <a:r>
+              <a:rPr lang="ja-JP" altLang="en-US" sz="2400" dirty="0" smtClean="0">
+                <a:latin typeface="メイリオ" pitchFamily="50" charset="-128"/>
+                <a:ea typeface="メイリオ" pitchFamily="50" charset="-128"/>
+                <a:cs typeface="メイリオ" pitchFamily="50" charset="-128"/>
+              </a:rPr>
+              <a:t>したことをしているわけではない</a:t>
+            </a:r>
+            <a:endParaRPr lang="en-US" altLang="ja-JP" sz="2400" dirty="0" smtClean="0">
+              <a:latin typeface="メイリオ" pitchFamily="50" charset="-128"/>
+              <a:ea typeface="メイリオ" pitchFamily="50" charset="-128"/>
+              <a:cs typeface="メイリオ" pitchFamily="50" charset="-128"/>
+            </a:endParaRPr>
+          </a:p>
+          <a:p>
+            <a:r>
+              <a:rPr lang="ja-JP" altLang="en-US" sz="2400" dirty="0" smtClean="0">
+                <a:latin typeface="メイリオ" pitchFamily="50" charset="-128"/>
+                <a:ea typeface="メイリオ" pitchFamily="50" charset="-128"/>
+                <a:cs typeface="メイリオ" pitchFamily="50" charset="-128"/>
+              </a:rPr>
+              <a:t>ちょっとした工夫</a:t>
+            </a:r>
+            <a:r>
+              <a:rPr lang="ja-JP" altLang="en-US" sz="2400" dirty="0" smtClean="0">
+                <a:latin typeface="メイリオ" pitchFamily="50" charset="-128"/>
+                <a:ea typeface="メイリオ" pitchFamily="50" charset="-128"/>
+                <a:cs typeface="メイリオ" pitchFamily="50" charset="-128"/>
+              </a:rPr>
+              <a:t>でコード</a:t>
+            </a:r>
+            <a:r>
+              <a:rPr lang="ja-JP" altLang="en-US" sz="2400" dirty="0" smtClean="0">
+                <a:latin typeface="メイリオ" pitchFamily="50" charset="-128"/>
+                <a:ea typeface="メイリオ" pitchFamily="50" charset="-128"/>
+                <a:cs typeface="メイリオ" pitchFamily="50" charset="-128"/>
+              </a:rPr>
+              <a:t>を健康な状態に保つ</a:t>
+            </a:r>
+            <a:r>
+              <a:rPr lang="ja-JP" altLang="en-US" sz="2400" dirty="0" smtClean="0">
+                <a:latin typeface="メイリオ" pitchFamily="50" charset="-128"/>
+                <a:ea typeface="メイリオ" pitchFamily="50" charset="-128"/>
+                <a:cs typeface="メイリオ" pitchFamily="50" charset="-128"/>
+              </a:rPr>
+              <a:t>こと</a:t>
+            </a:r>
+            <a:r>
+              <a:rPr lang="ja-JP" altLang="en-US" sz="2400" dirty="0" smtClean="0">
+                <a:latin typeface="メイリオ" pitchFamily="50" charset="-128"/>
+                <a:ea typeface="メイリオ" pitchFamily="50" charset="-128"/>
+                <a:cs typeface="メイリオ" pitchFamily="50" charset="-128"/>
+              </a:rPr>
+              <a:t>ができるという例</a:t>
+            </a:r>
+            <a:endParaRPr lang="en-US" altLang="ja-JP" sz="2400" dirty="0" smtClean="0">
               <a:latin typeface="メイリオ" pitchFamily="50" charset="-128"/>
               <a:ea typeface="メイリオ" pitchFamily="50" charset="-128"/>
               <a:cs typeface="メイリオ" pitchFamily="50" charset="-128"/>
@@ -11434,7 +11783,7 @@
         </p:nvSpPr>
         <p:spPr/>
         <p:txBody>
-          <a:bodyPr/>
+          <a:bodyPr anchor="ctr"/>
           <a:lstStyle/>
           <a:p>
             <a:r>
@@ -11473,16 +11822,17 @@
                 <a:ea typeface="メイリオ" pitchFamily="50" charset="-128"/>
                 <a:cs typeface="メイリオ" pitchFamily="50" charset="-128"/>
               </a:rPr>
-              <a:t>やりすぎるとメンテナンスできないコードになるのでやりすぎはダメ</a:t>
+              <a:t>やりすぎるとメンテナンスできないコードになるのでやりすぎは</a:t>
+            </a:r>
+            <a:r>
+              <a:rPr lang="ja-JP" altLang="en-US" dirty="0" smtClean="0">
+                <a:latin typeface="メイリオ" pitchFamily="50" charset="-128"/>
+                <a:ea typeface="メイリオ" pitchFamily="50" charset="-128"/>
+                <a:cs typeface="メイリオ" pitchFamily="50" charset="-128"/>
+              </a:rPr>
+              <a:t>ダメ</a:t>
             </a:r>
             <a:endParaRPr lang="en-US" altLang="ja-JP" dirty="0" smtClean="0">
-              <a:latin typeface="メイリオ" pitchFamily="50" charset="-128"/>
-              <a:ea typeface="メイリオ" pitchFamily="50" charset="-128"/>
-              <a:cs typeface="メイリオ" pitchFamily="50" charset="-128"/>
-            </a:endParaRPr>
-          </a:p>
-          <a:p>
-            <a:endParaRPr kumimoji="1" lang="en-US" altLang="ja-JP" dirty="0" smtClean="0">
               <a:latin typeface="メイリオ" pitchFamily="50" charset="-128"/>
               <a:ea typeface="メイリオ" pitchFamily="50" charset="-128"/>
               <a:cs typeface="メイリオ" pitchFamily="50" charset="-128"/>
@@ -11872,7 +12222,7 @@
         </p:nvSpPr>
         <p:spPr/>
         <p:txBody>
-          <a:bodyPr/>
+          <a:bodyPr anchor="ctr"/>
           <a:lstStyle/>
           <a:p>
             <a:r>
@@ -12495,7 +12845,15 @@
                 <a:ea typeface="メイリオ" pitchFamily="50" charset="-128"/>
                 <a:cs typeface="メイリオ" pitchFamily="50" charset="-128"/>
               </a:rPr>
-              <a:t>映像プロダクション向けにシステムを提供</a:t>
+              <a:t>プロダクションにパイプラインシステム</a:t>
+            </a:r>
+            <a:r>
+              <a:rPr lang="ja-JP" altLang="en-US" sz="2800" dirty="0" smtClean="0">
+                <a:latin typeface="メイリオ" pitchFamily="50" charset="-128"/>
+                <a:ea typeface="メイリオ" pitchFamily="50" charset="-128"/>
+                <a:cs typeface="メイリオ" pitchFamily="50" charset="-128"/>
+              </a:rPr>
+              <a:t>を提供</a:t>
             </a:r>
             <a:endParaRPr lang="en-US" altLang="ja-JP" sz="2800" dirty="0" smtClean="0">
               <a:latin typeface="メイリオ" pitchFamily="50" charset="-128"/>
@@ -15080,7 +15438,18 @@
                 <a:ea typeface="メイリオ" pitchFamily="50" charset="-128"/>
                 <a:cs typeface="メイリオ" pitchFamily="50" charset="-128"/>
               </a:rPr>
-              <a:t>プロファイリング結果の分析</a:t>
+              <a:t>プロファイリング</a:t>
+            </a:r>
+            <a:r>
+              <a:rPr lang="ja-JP" altLang="en-US" sz="4000" dirty="0" smtClean="0">
+                <a:solidFill>
+                  <a:schemeClr val="tx1"/>
+                </a:solidFill>
+                <a:latin typeface="メイリオ" pitchFamily="50" charset="-128"/>
+                <a:ea typeface="メイリオ" pitchFamily="50" charset="-128"/>
+                <a:cs typeface="メイリオ" pitchFamily="50" charset="-128"/>
+              </a:rPr>
+              <a:t>結果</a:t>
             </a:r>
             <a:endParaRPr kumimoji="1" lang="ja-JP" altLang="en-US" sz="4000" dirty="0">
               <a:solidFill>
@@ -16589,13 +16958,13 @@
           </p:nvSpPr>
           <p:spPr>
             <a:xfrm>
-              <a:off x="5214942" y="3449900"/>
-              <a:ext cx="3000396" cy="525338"/>
+              <a:off x="5286380" y="3117982"/>
+              <a:ext cx="2428892" cy="525338"/>
             </a:xfrm>
             <a:prstGeom prst="wedgeRectCallout">
               <a:avLst>
-                <a:gd name="adj1" fmla="val -71203"/>
-                <a:gd name="adj2" fmla="val 45027"/>
+                <a:gd name="adj1" fmla="val -145712"/>
+                <a:gd name="adj2" fmla="val 98212"/>
               </a:avLst>
             </a:prstGeom>
           </p:spPr>
@@ -16657,7 +17026,31 @@
                   <a:ea typeface="メイリオ" pitchFamily="50" charset="-128"/>
                   <a:cs typeface="メイリオ" pitchFamily="50" charset="-128"/>
                 </a:rPr>
-                <a:t>秒かかっている</a:t>
+                <a:t>秒</a:t>
+              </a:r>
+              <a:r>
+                <a:rPr lang="en-US" altLang="ja-JP" sz="1600" dirty="0" smtClean="0">
+                  <a:latin typeface="メイリオ" pitchFamily="50" charset="-128"/>
+                  <a:ea typeface="メイリオ" pitchFamily="50" charset="-128"/>
+                  <a:cs typeface="メイリオ" pitchFamily="50" charset="-128"/>
+                </a:rPr>
+                <a:t>(78%)</a:t>
+              </a:r>
+              <a:r>
+                <a:rPr lang="ja-JP" altLang="en-US" sz="1600" dirty="0" smtClean="0">
+                  <a:latin typeface="メイリオ" pitchFamily="50" charset="-128"/>
+                  <a:ea typeface="メイリオ" pitchFamily="50" charset="-128"/>
+                  <a:cs typeface="メイリオ" pitchFamily="50" charset="-128"/>
+                </a:rPr>
+                <a:t>かかって</a:t>
+              </a:r>
+              <a:r>
+                <a:rPr lang="ja-JP" altLang="en-US" sz="1600" dirty="0" smtClean="0">
+                  <a:latin typeface="メイリオ" pitchFamily="50" charset="-128"/>
+                  <a:ea typeface="メイリオ" pitchFamily="50" charset="-128"/>
+                  <a:cs typeface="メイリオ" pitchFamily="50" charset="-128"/>
+                </a:rPr>
+                <a:t>いる</a:t>
               </a:r>
               <a:endParaRPr lang="ja-JP" altLang="en-US" sz="1600" dirty="0">
                 <a:latin typeface="メイリオ" pitchFamily="50" charset="-128"/>
@@ -17565,7 +17958,7 @@
           </a:xfrm>
         </p:spPr>
         <p:txBody>
-          <a:bodyPr/>
+          <a:bodyPr anchor="ctr"/>
           <a:lstStyle/>
           <a:p>
             <a:r>
@@ -18126,7 +18519,31 @@
                 <a:ea typeface="メイリオ" pitchFamily="50" charset="-128"/>
                 <a:cs typeface="メイリオ" pitchFamily="50" charset="-128"/>
               </a:rPr>
-              <a:t>アルゴリズムはきちんと精査しましょう</a:t>
+              <a:t>アルゴリズムはきちんと</a:t>
+            </a:r>
+            <a:r>
+              <a:rPr lang="ja-JP" altLang="en-US" b="1" dirty="0" smtClean="0">
+                <a:latin typeface="メイリオ" pitchFamily="50" charset="-128"/>
+                <a:ea typeface="メイリオ" pitchFamily="50" charset="-128"/>
+                <a:cs typeface="メイリオ" pitchFamily="50" charset="-128"/>
+              </a:rPr>
+              <a:t>精査</a:t>
+            </a:r>
+            <a:r>
+              <a:rPr lang="ja-JP" altLang="en-US" b="1" dirty="0" err="1" smtClean="0">
+                <a:latin typeface="メイリオ" pitchFamily="50" charset="-128"/>
+                <a:ea typeface="メイリオ" pitchFamily="50" charset="-128"/>
+                <a:cs typeface="メイリオ" pitchFamily="50" charset="-128"/>
+              </a:rPr>
+              <a:t>し</a:t>
+            </a:r>
+            <a:r>
+              <a:rPr lang="ja-JP" altLang="en-US" b="1" dirty="0" err="1" smtClean="0">
+                <a:latin typeface="メイリオ" pitchFamily="50" charset="-128"/>
+                <a:ea typeface="メイリオ" pitchFamily="50" charset="-128"/>
+                <a:cs typeface="メイリオ" pitchFamily="50" charset="-128"/>
+              </a:rPr>
+              <a:t>しましょう</a:t>
             </a:r>
             <a:endParaRPr lang="en-US" altLang="ja-JP" b="1" dirty="0" smtClean="0">
               <a:latin typeface="メイリオ" pitchFamily="50" charset="-128"/>
